--- a/spring17/slidesS17/sound-valid.pptx
+++ b/spring17/slidesS17/sound-valid.pptx
@@ -1198,8 +1198,8 @@
         </p:nvSpPr>
         <p:spPr>
           <a:xfrm>
-            <a:off x="7963948" y="6553200"/>
-            <a:ext cx="1180056" cy="276999"/>
+            <a:off x="8267141" y="6553200"/>
+            <a:ext cx="876863" cy="276999"/>
           </a:xfrm>
           <a:ln/>
         </p:spPr>
@@ -1216,7 +1216,7 @@
             </a:pPr>
             <a:r>
               <a:rPr lang="en-US" dirty="0" smtClean="0"/>
-              <a:t>IMPLIES..</a:t>
+              <a:t>sound.</a:t>
             </a:r>
             <a:fld id="{C3C9801B-391E-452B-A4C3-BC5EC51A0BC7}" type="slidenum">
               <a:rPr lang="en-US" smtClean="0"/>
@@ -1368,6 +1368,13 @@
   <p:transition xmlns:p14="http://schemas.microsoft.com/office/powerpoint/2010/main" spd="slow" advClick="0">
     <p:fade/>
   </p:transition>
+  <p:timing>
+    <p:tnLst>
+      <p:par>
+        <p:cTn xmlns:p14="http://schemas.microsoft.com/office/powerpoint/2010/main" id="1" dur="indefinite" restart="never" nodeType="tmRoot"/>
+      </p:par>
+    </p:tnLst>
+  </p:timing>
 </p:sldLayout>
 </file>
 
@@ -1532,6 +1539,13 @@
   <p:transition xmlns:p14="http://schemas.microsoft.com/office/powerpoint/2010/main" spd="slow" advClick="0">
     <p:fade/>
   </p:transition>
+  <p:timing>
+    <p:tnLst>
+      <p:par>
+        <p:cTn xmlns:p14="http://schemas.microsoft.com/office/powerpoint/2010/main" id="1" dur="indefinite" restart="never" nodeType="tmRoot"/>
+      </p:par>
+    </p:tnLst>
+  </p:timing>
 </p:sldLayout>
 </file>
 
@@ -1792,6 +1806,13 @@
   <p:transition xmlns:p14="http://schemas.microsoft.com/office/powerpoint/2010/main" spd="slow" advClick="0">
     <p:fade/>
   </p:transition>
+  <p:timing>
+    <p:tnLst>
+      <p:par>
+        <p:cTn xmlns:p14="http://schemas.microsoft.com/office/powerpoint/2010/main" id="1" dur="indefinite" restart="never" nodeType="tmRoot"/>
+      </p:par>
+    </p:tnLst>
+  </p:timing>
 </p:sldLayout>
 </file>
 
@@ -2191,6 +2212,13 @@
   <p:transition xmlns:p14="http://schemas.microsoft.com/office/powerpoint/2010/main" spd="slow" advClick="0">
     <p:fade/>
   </p:transition>
+  <p:timing>
+    <p:tnLst>
+      <p:par>
+        <p:cTn xmlns:p14="http://schemas.microsoft.com/office/powerpoint/2010/main" id="1" dur="indefinite" restart="never" nodeType="tmRoot"/>
+      </p:par>
+    </p:tnLst>
+  </p:timing>
 </p:sldLayout>
 </file>
 
@@ -2285,6 +2313,13 @@
   <p:transition xmlns:p14="http://schemas.microsoft.com/office/powerpoint/2010/main" spd="slow" advClick="0">
     <p:fade/>
   </p:transition>
+  <p:timing>
+    <p:tnLst>
+      <p:par>
+        <p:cTn xmlns:p14="http://schemas.microsoft.com/office/powerpoint/2010/main" id="1" dur="indefinite" restart="never" nodeType="tmRoot"/>
+      </p:par>
+    </p:tnLst>
+  </p:timing>
 </p:sldLayout>
 </file>
 
@@ -2352,6 +2387,13 @@
   <p:transition xmlns:p14="http://schemas.microsoft.com/office/powerpoint/2010/main" spd="slow" advClick="0">
     <p:fade/>
   </p:transition>
+  <p:timing>
+    <p:tnLst>
+      <p:par>
+        <p:cTn xmlns:p14="http://schemas.microsoft.com/office/powerpoint/2010/main" id="1" dur="indefinite" restart="never" nodeType="tmRoot"/>
+      </p:par>
+    </p:tnLst>
+  </p:timing>
 </p:sldLayout>
 </file>
 
@@ -2827,6 +2869,13 @@
   <p:transition xmlns:p14="http://schemas.microsoft.com/office/powerpoint/2010/main" spd="slow" advClick="0">
     <p:fade/>
   </p:transition>
+  <p:timing>
+    <p:tnLst>
+      <p:par>
+        <p:cTn xmlns:p14="http://schemas.microsoft.com/office/powerpoint/2010/main" id="1" dur="indefinite" restart="never" nodeType="tmRoot"/>
+      </p:par>
+    </p:tnLst>
+  </p:timing>
 </p:sldLayout>
 </file>
 
@@ -2969,6 +3018,13 @@
   <p:transition xmlns:p14="http://schemas.microsoft.com/office/powerpoint/2010/main" spd="slow" advClick="0">
     <p:fade/>
   </p:transition>
+  <p:timing>
+    <p:tnLst>
+      <p:par>
+        <p:cTn xmlns:p14="http://schemas.microsoft.com/office/powerpoint/2010/main" id="1" dur="indefinite" restart="never" nodeType="tmRoot"/>
+      </p:par>
+    </p:tnLst>
+  </p:timing>
 </p:sldLayout>
 </file>
 
@@ -3121,6 +3177,13 @@
   <p:transition xmlns:p14="http://schemas.microsoft.com/office/powerpoint/2010/main" spd="slow" advClick="0">
     <p:fade/>
   </p:transition>
+  <p:timing>
+    <p:tnLst>
+      <p:par>
+        <p:cTn xmlns:p14="http://schemas.microsoft.com/office/powerpoint/2010/main" id="1" dur="indefinite" restart="never" nodeType="tmRoot"/>
+      </p:par>
+    </p:tnLst>
+  </p:timing>
 </p:sldLayout>
 </file>
 
@@ -3228,8 +3291,8 @@
         </p:nvSpPr>
         <p:spPr>
           <a:xfrm>
-            <a:off x="7963948" y="6553200"/>
-            <a:ext cx="1180056" cy="276999"/>
+            <a:off x="8267141" y="6553200"/>
+            <a:ext cx="876863" cy="276999"/>
           </a:xfrm>
           <a:ln/>
         </p:spPr>
@@ -3246,7 +3309,7 @@
             </a:pPr>
             <a:r>
               <a:rPr lang="en-US" dirty="0" smtClean="0"/>
-              <a:t>IMPLIES..</a:t>
+              <a:t>sound.</a:t>
             </a:r>
             <a:fld id="{A528ADE2-B74F-4D9D-8D04-FB5D781EAB51}" type="slidenum">
               <a:rPr lang="en-US" smtClean="0"/>
@@ -3403,8 +3466,8 @@
         </p:nvSpPr>
         <p:spPr>
           <a:xfrm>
-            <a:off x="7963948" y="6553200"/>
-            <a:ext cx="1180056" cy="276999"/>
+            <a:off x="8267141" y="6553200"/>
+            <a:ext cx="876863" cy="276999"/>
           </a:xfrm>
           <a:ln/>
         </p:spPr>
@@ -3421,7 +3484,7 @@
             </a:pPr>
             <a:r>
               <a:rPr lang="en-US" dirty="0" smtClean="0"/>
-              <a:t>IMPLIES..</a:t>
+              <a:t>sound.</a:t>
             </a:r>
             <a:fld id="{B3A503E6-B8FE-4B0A-9976-9CA65DFEA87E}" type="slidenum">
               <a:rPr lang="en-US" smtClean="0"/>
@@ -3508,8 +3571,8 @@
         </p:nvSpPr>
         <p:spPr>
           <a:xfrm>
-            <a:off x="7963948" y="6553200"/>
-            <a:ext cx="1180056" cy="276999"/>
+            <a:off x="8267141" y="6553200"/>
+            <a:ext cx="876863" cy="276999"/>
           </a:xfrm>
           <a:ln/>
         </p:spPr>
@@ -3526,7 +3589,7 @@
             </a:pPr>
             <a:r>
               <a:rPr lang="en-US" dirty="0" smtClean="0"/>
-              <a:t>IMPLIES..</a:t>
+              <a:t>sound.</a:t>
             </a:r>
             <a:fld id="{DB6F0ED6-FEF5-4C9C-B1CC-29B47EC66FAA}" type="slidenum">
               <a:rPr lang="en-US" smtClean="0"/>
@@ -3547,6 +3610,13 @@
   <p:transition xmlns:p14="http://schemas.microsoft.com/office/powerpoint/2010/main" spd="slow" advClick="0">
     <p:fade/>
   </p:transition>
+  <p:timing>
+    <p:tnLst>
+      <p:par>
+        <p:cTn xmlns:p14="http://schemas.microsoft.com/office/powerpoint/2010/main" id="1" dur="indefinite" restart="never" nodeType="tmRoot"/>
+      </p:par>
+    </p:tnLst>
+  </p:timing>
 </p:sldLayout>
 </file>
 
@@ -3579,8 +3649,8 @@
         </p:nvSpPr>
         <p:spPr>
           <a:xfrm>
-            <a:off x="7963948" y="6553200"/>
-            <a:ext cx="1180056" cy="276999"/>
+            <a:off x="8267141" y="6553200"/>
+            <a:ext cx="876863" cy="276999"/>
           </a:xfrm>
           <a:ln/>
         </p:spPr>
@@ -3597,7 +3667,7 @@
             </a:pPr>
             <a:r>
               <a:rPr lang="en-US" dirty="0" smtClean="0"/>
-              <a:t>IMPLIES..</a:t>
+              <a:t>sound.</a:t>
             </a:r>
             <a:fld id="{7D4651B8-09C8-4A4D-BE8E-31B6C97A420D}" type="slidenum">
               <a:rPr lang="en-US" smtClean="0"/>
@@ -3816,8 +3886,8 @@
         </p:nvSpPr>
         <p:spPr>
           <a:xfrm>
-            <a:off x="7963948" y="6553200"/>
-            <a:ext cx="1180056" cy="276999"/>
+            <a:off x="8175169" y="6553200"/>
+            <a:ext cx="968835" cy="276999"/>
           </a:xfrm>
           <a:ln/>
         </p:spPr>
@@ -3834,7 +3904,7 @@
             </a:pPr>
             <a:r>
               <a:rPr lang="en-US" dirty="0" smtClean="0"/>
-              <a:t>IMPLIES..</a:t>
+              <a:t>  sound.</a:t>
             </a:r>
             <a:fld id="{85BC747C-4E6E-462A-A001-3C1CA56269DD}" type="slidenum">
               <a:rPr lang="en-US" smtClean="0"/>
@@ -3855,6 +3925,13 @@
   <p:transition xmlns:p14="http://schemas.microsoft.com/office/powerpoint/2010/main" spd="slow" advClick="0">
     <p:fade/>
   </p:transition>
+  <p:timing>
+    <p:tnLst>
+      <p:par>
+        <p:cTn xmlns:p14="http://schemas.microsoft.com/office/powerpoint/2010/main" id="1" dur="indefinite" restart="never" nodeType="tmRoot"/>
+      </p:par>
+    </p:tnLst>
+  </p:timing>
 </p:sldLayout>
 </file>
 
@@ -4029,8 +4106,8 @@
         </p:nvSpPr>
         <p:spPr>
           <a:xfrm>
-            <a:off x="7963948" y="6553200"/>
-            <a:ext cx="1180056" cy="276999"/>
+            <a:off x="8267141" y="6553200"/>
+            <a:ext cx="876863" cy="276999"/>
           </a:xfrm>
           <a:ln/>
         </p:spPr>
@@ -4047,7 +4124,7 @@
             </a:pPr>
             <a:r>
               <a:rPr lang="en-US" dirty="0" smtClean="0"/>
-              <a:t>IMPLIES..</a:t>
+              <a:t>sound.</a:t>
             </a:r>
             <a:fld id="{B7856ECB-7BA5-4EA4-A170-7A96316AE30B}" type="slidenum">
               <a:rPr lang="en-US" smtClean="0"/>
@@ -4068,6 +4145,13 @@
   <p:transition xmlns:p14="http://schemas.microsoft.com/office/powerpoint/2010/main" spd="slow" advClick="0">
     <p:fade/>
   </p:transition>
+  <p:timing>
+    <p:tnLst>
+      <p:par>
+        <p:cTn xmlns:p14="http://schemas.microsoft.com/office/powerpoint/2010/main" id="1" dur="indefinite" restart="never" nodeType="tmRoot"/>
+      </p:par>
+    </p:tnLst>
+  </p:timing>
 </p:sldLayout>
 </file>
 
@@ -4347,6 +4431,13 @@
   <p:transition xmlns:p14="http://schemas.microsoft.com/office/powerpoint/2010/main" spd="slow" advClick="0">
     <p:fade/>
   </p:transition>
+  <p:timing>
+    <p:tnLst>
+      <p:par>
+        <p:cTn xmlns:p14="http://schemas.microsoft.com/office/powerpoint/2010/main" id="1" dur="indefinite" restart="never" nodeType="tmRoot"/>
+      </p:par>
+    </p:tnLst>
+  </p:timing>
 </p:sldLayout>
 </file>
 
@@ -4471,6 +4562,10 @@
           </p:nvPr>
         </p:nvSpPr>
         <p:spPr>
+          <a:xfrm>
+            <a:off x="8373762" y="6553200"/>
+            <a:ext cx="770238" cy="276999"/>
+          </a:xfrm>
           <a:ln/>
         </p:spPr>
         <p:txBody>
@@ -4486,7 +4581,7 @@
             </a:pPr>
             <a:r>
               <a:rPr lang="en-US" dirty="0" smtClean="0"/>
-              <a:t>IMPLIES.</a:t>
+              <a:t>sound.</a:t>
             </a:r>
             <a:fld id="{671A9335-2B28-465B-823D-6F18B2E54319}" type="slidenum">
               <a:rPr lang="en-US" smtClean="0"/>
@@ -4507,6 +4602,13 @@
   <p:transition xmlns:p14="http://schemas.microsoft.com/office/powerpoint/2010/main" spd="slow" advClick="0">
     <p:fade/>
   </p:transition>
+  <p:timing>
+    <p:tnLst>
+      <p:par>
+        <p:cTn xmlns:p14="http://schemas.microsoft.com/office/powerpoint/2010/main" id="1" dur="indefinite" restart="never" nodeType="tmRoot"/>
+      </p:par>
+    </p:tnLst>
+  </p:timing>
 </p:sldLayout>
 </file>
 
@@ -4743,13 +4845,25 @@
               <a:rPr lang="en-US" sz="1100" baseline="0" dirty="0" smtClean="0">
                 <a:latin typeface="Comic Sans MS" pitchFamily="66" charset="0"/>
               </a:rPr>
-              <a:t>February 15</a:t>
+              <a:t>February </a:t>
+            </a:r>
+            <a:r>
+              <a:rPr lang="en-US" sz="1100" baseline="0" dirty="0" smtClean="0">
+                <a:latin typeface="Comic Sans MS" pitchFamily="66" charset="0"/>
+              </a:rPr>
+              <a:t>17</a:t>
             </a:r>
             <a:r>
               <a:rPr lang="en-US" sz="1100" dirty="0" smtClean="0">
                 <a:latin typeface="Comic Sans MS" pitchFamily="66" charset="0"/>
               </a:rPr>
-              <a:t>, 2017</a:t>
+              <a:t>, </a:t>
+            </a:r>
+            <a:r>
+              <a:rPr lang="en-US" sz="1100" dirty="0" smtClean="0">
+                <a:latin typeface="Comic Sans MS" pitchFamily="66" charset="0"/>
+              </a:rPr>
+              <a:t>2017</a:t>
             </a:r>
             <a:endParaRPr lang="en-US" sz="1100" dirty="0">
               <a:latin typeface="Comic Sans MS" pitchFamily="66" charset="0"/>
@@ -5320,8 +5434,8 @@
         </p:nvSpPr>
         <p:spPr bwMode="auto">
           <a:xfrm>
-            <a:off x="8142930" y="6553200"/>
-            <a:ext cx="1001070" cy="276999"/>
+            <a:off x="8373762" y="6553200"/>
+            <a:ext cx="770238" cy="276999"/>
           </a:xfrm>
           <a:prstGeom prst="rect">
             <a:avLst/>
@@ -5353,7 +5467,7 @@
             </a:pPr>
             <a:r>
               <a:rPr lang="en-US" dirty="0" smtClean="0"/>
-              <a:t>IMPLIES.</a:t>
+              <a:t>sound.</a:t>
             </a:r>
             <a:fld id="{2CE11749-3435-4A3E-A162-33970963D098}" type="slidenum">
               <a:rPr lang="en-US" smtClean="0"/>
@@ -5980,8 +6094,8 @@
         </p:nvSpPr>
         <p:spPr>
           <a:xfrm>
-            <a:off x="8180050" y="6553200"/>
-            <a:ext cx="963951" cy="276999"/>
+            <a:off x="8444921" y="6553200"/>
+            <a:ext cx="699080" cy="276999"/>
           </a:xfrm>
           <a:noFill/>
         </p:spPr>
@@ -5990,8 +6104,8 @@
           <a:lstStyle/>
           <a:p>
             <a:r>
-              <a:rPr lang="en-US" dirty="0" smtClean="0"/>
-              <a:t>IMPLIES.</a:t>
+              <a:rPr lang="en-US" dirty="0"/>
+              <a:t>sound.</a:t>
             </a:r>
             <a:fld id="{0150943C-9303-41DF-A6FA-7E32D6C5D18E}" type="slidenum">
               <a:rPr lang="en-US" smtClean="0"/>
@@ -6348,8 +6462,8 @@
         </p:nvSpPr>
         <p:spPr>
           <a:xfrm>
-            <a:off x="8155404" y="6553200"/>
-            <a:ext cx="988597" cy="276999"/>
+            <a:off x="8420275" y="6553200"/>
+            <a:ext cx="723726" cy="276999"/>
           </a:xfrm>
         </p:spPr>
         <p:txBody>
@@ -6357,8 +6471,8 @@
           <a:lstStyle/>
           <a:p>
             <a:r>
-              <a:rPr lang="en-US" dirty="0" smtClean="0"/>
-              <a:t>IMPLIES.</a:t>
+              <a:rPr lang="en-US" dirty="0"/>
+              <a:t>sound.</a:t>
             </a:r>
             <a:fld id="{3251DA95-B240-47FE-901D-B78FC8E8E532}" type="slidenum">
               <a:rPr lang="en-US" smtClean="0"/>
@@ -6447,8 +6561,8 @@
         </p:nvSpPr>
         <p:spPr>
           <a:xfrm>
-            <a:off x="8117085" y="6553200"/>
-            <a:ext cx="1026919" cy="276999"/>
+            <a:off x="8420278" y="6553200"/>
+            <a:ext cx="723726" cy="276999"/>
           </a:xfrm>
         </p:spPr>
         <p:txBody>
@@ -6460,7 +6574,7 @@
             </a:pPr>
             <a:r>
               <a:rPr lang="en-US" dirty="0" smtClean="0"/>
-              <a:t>IMPLIES..</a:t>
+              <a:t>sound.</a:t>
             </a:r>
             <a:fld id="{A528ADE2-B74F-4D9D-8D04-FB5D781EAB51}" type="slidenum">
               <a:rPr lang="en-US" smtClean="0"/>
@@ -6495,7 +6609,7 @@
           <a:graphicData uri="http://schemas.openxmlformats.org/presentationml/2006/ole">
             <mc:AlternateContent xmlns:mc="http://schemas.openxmlformats.org/markup-compatibility/2006">
               <mc:Choice xmlns:v="urn:schemas-microsoft-com:vml" Requires="v">
-                <p:oleObj spid="_x0000_s1127" name="Equation" r:id="rId3" imgW="1181100" imgH="495300" progId="Equation.DSMT4">
+                <p:oleObj spid="_x0000_s1134" name="Equation" r:id="rId3" imgW="1181100" imgH="495300" progId="Equation.DSMT4">
                   <p:embed/>
                 </p:oleObj>
               </mc:Choice>
@@ -6552,7 +6666,7 @@
           <a:graphicData uri="http://schemas.openxmlformats.org/presentationml/2006/ole">
             <mc:AlternateContent xmlns:mc="http://schemas.openxmlformats.org/markup-compatibility/2006">
               <mc:Choice xmlns:v="urn:schemas-microsoft-com:vml" Requires="v">
-                <p:oleObj spid="_x0000_s1128" name="Equation" r:id="rId5" imgW="762000" imgH="457200" progId="Equation.DSMT4">
+                <p:oleObj spid="_x0000_s1135" name="Equation" r:id="rId5" imgW="762000" imgH="457200" progId="Equation.DSMT4">
                   <p:embed/>
                 </p:oleObj>
               </mc:Choice>
@@ -6609,7 +6723,7 @@
           <a:graphicData uri="http://schemas.openxmlformats.org/presentationml/2006/ole">
             <mc:AlternateContent xmlns:mc="http://schemas.openxmlformats.org/markup-compatibility/2006">
               <mc:Choice xmlns:v="urn:schemas-microsoft-com:vml" Requires="v">
-                <p:oleObj spid="_x0000_s1129" name="Equation" r:id="rId7" imgW="444500" imgH="431800" progId="Equation.DSMT4">
+                <p:oleObj spid="_x0000_s1136" name="Equation" r:id="rId7" imgW="444500" imgH="431800" progId="Equation.DSMT4">
                   <p:embed/>
                 </p:oleObj>
               </mc:Choice>
@@ -6654,9 +6768,18 @@
   <p:clrMapOvr>
     <a:masterClrMapping/>
   </p:clrMapOvr>
-  <p:transition xmlns:p14="http://schemas.microsoft.com/office/powerpoint/2010/main" spd="slow" advClick="0">
-    <p:fade thruBlk="1"/>
-  </p:transition>
+  <mc:AlternateContent xmlns:mc="http://schemas.openxmlformats.org/markup-compatibility/2006">
+    <mc:Choice xmlns:p14="http://schemas.microsoft.com/office/powerpoint/2010/main" Requires="p14">
+      <p:transition spd="med" p14:dur="700" advClick="0">
+        <p:fade/>
+      </p:transition>
+    </mc:Choice>
+    <mc:Fallback>
+      <p:transition xmlns:p14="http://schemas.microsoft.com/office/powerpoint/2010/main" spd="med" advClick="0">
+        <p:fade/>
+      </p:transition>
+    </mc:Fallback>
+  </mc:AlternateContent>
   <p:timing>
     <p:tnLst>
       <p:par>
@@ -6910,8 +7033,8 @@
         </p:nvSpPr>
         <p:spPr>
           <a:xfrm>
-            <a:off x="8047805" y="6553200"/>
-            <a:ext cx="1096199" cy="276999"/>
+            <a:off x="8420278" y="6553200"/>
+            <a:ext cx="723726" cy="276999"/>
           </a:xfrm>
         </p:spPr>
         <p:txBody>
@@ -6923,7 +7046,7 @@
             </a:pPr>
             <a:r>
               <a:rPr lang="en-US" dirty="0" smtClean="0"/>
-              <a:t>IMPLIES..</a:t>
+              <a:t>sound.</a:t>
             </a:r>
             <a:fld id="{A528ADE2-B74F-4D9D-8D04-FB5D781EAB51}" type="slidenum">
               <a:rPr lang="en-US" smtClean="0"/>
@@ -7415,8 +7538,8 @@
         </p:nvSpPr>
         <p:spPr>
           <a:xfrm>
-            <a:off x="8072452" y="6553200"/>
-            <a:ext cx="1071552" cy="276999"/>
+            <a:off x="8420278" y="6553200"/>
+            <a:ext cx="723726" cy="276999"/>
           </a:xfrm>
         </p:spPr>
         <p:txBody>
@@ -7428,7 +7551,7 @@
             </a:pPr>
             <a:r>
               <a:rPr lang="en-US" dirty="0" smtClean="0"/>
-              <a:t>IMPLIES..</a:t>
+              <a:t>sound.</a:t>
             </a:r>
             <a:fld id="{A528ADE2-B74F-4D9D-8D04-FB5D781EAB51}" type="slidenum">
               <a:rPr lang="en-US" smtClean="0"/>
@@ -7945,8 +8068,8 @@
         </p:nvSpPr>
         <p:spPr>
           <a:xfrm>
-            <a:off x="8086124" y="6553200"/>
-            <a:ext cx="1057877" cy="276999"/>
+            <a:off x="8420275" y="6553200"/>
+            <a:ext cx="723726" cy="276999"/>
           </a:xfrm>
         </p:spPr>
         <p:txBody>
@@ -7954,8 +8077,8 @@
           <a:lstStyle/>
           <a:p>
             <a:r>
-              <a:rPr lang="en-US" dirty="0" smtClean="0"/>
-              <a:t>IMPLIES.</a:t>
+              <a:rPr lang="en-US" dirty="0"/>
+              <a:t>sound.</a:t>
             </a:r>
             <a:fld id="{3251DA95-B240-47FE-901D-B78FC8E8E532}" type="slidenum">
               <a:rPr lang="en-US" smtClean="0"/>

--- a/spring17/slidesS17/sound-valid.pptx
+++ b/spring17/slidesS17/sound-valid.pptx
@@ -6,23 +6,33 @@
     <p:sldMasterId id="2147483651" r:id="rId2"/>
   </p:sldMasterIdLst>
   <p:notesMasterIdLst>
-    <p:notesMasterId r:id="rId9"/>
+    <p:notesMasterId r:id="rId19"/>
   </p:notesMasterIdLst>
   <p:handoutMasterIdLst>
-    <p:handoutMasterId r:id="rId10"/>
+    <p:handoutMasterId r:id="rId20"/>
   </p:handoutMasterIdLst>
   <p:sldIdLst>
     <p:sldId id="392" r:id="rId3"/>
     <p:sldId id="447" r:id="rId4"/>
-    <p:sldId id="485" r:id="rId5"/>
-    <p:sldId id="486" r:id="rId6"/>
-    <p:sldId id="487" r:id="rId7"/>
-    <p:sldId id="488" r:id="rId8"/>
+    <p:sldId id="493" r:id="rId5"/>
+    <p:sldId id="485" r:id="rId6"/>
+    <p:sldId id="486" r:id="rId7"/>
+    <p:sldId id="492" r:id="rId8"/>
+    <p:sldId id="494" r:id="rId9"/>
+    <p:sldId id="489" r:id="rId10"/>
+    <p:sldId id="499" r:id="rId11"/>
+    <p:sldId id="491" r:id="rId12"/>
+    <p:sldId id="487" r:id="rId13"/>
+    <p:sldId id="488" r:id="rId14"/>
+    <p:sldId id="496" r:id="rId15"/>
+    <p:sldId id="498" r:id="rId16"/>
+    <p:sldId id="497" r:id="rId17"/>
+    <p:sldId id="490" r:id="rId18"/>
   </p:sldIdLst>
   <p:sldSz cx="9144000" cy="6858000" type="screen4x3"/>
   <p:notesSz cx="9601200" cy="7315200"/>
   <p:custDataLst>
-    <p:tags r:id="rId12"/>
+    <p:tags r:id="rId22"/>
   </p:custDataLst>
   <p:defaultTextStyle>
     <a:defPPr>
@@ -1062,7 +1072,89 @@
             <a:fld id="{A02B9F3F-3042-489F-AF35-1A733968F079}" type="slidenum">
               <a:rPr lang="en-US" smtClean="0"/>
               <a:pPr/>
-              <a:t>6</a:t>
+              <a:t>3</a:t>
+            </a:fld>
+            <a:endParaRPr lang="en-US"/>
+          </a:p>
+        </p:txBody>
+      </p:sp>
+    </p:spTree>
+  </p:cSld>
+  <p:clrMapOvr>
+    <a:masterClrMapping/>
+  </p:clrMapOvr>
+</p:notes>
+</file>
+
+<file path=ppt/notesSlides/notesSlide4.xml><?xml version="1.0" encoding="utf-8"?>
+<p:notes xmlns:a="http://schemas.openxmlformats.org/drawingml/2006/main" xmlns:r="http://schemas.openxmlformats.org/officeDocument/2006/relationships" xmlns:p="http://schemas.openxmlformats.org/presentationml/2006/main">
+  <p:cSld>
+    <p:spTree>
+      <p:nvGrpSpPr>
+        <p:cNvPr id="1" name=""/>
+        <p:cNvGrpSpPr/>
+        <p:nvPr/>
+      </p:nvGrpSpPr>
+      <p:grpSpPr>
+        <a:xfrm>
+          <a:off x="0" y="0"/>
+          <a:ext cx="0" cy="0"/>
+          <a:chOff x="0" y="0"/>
+          <a:chExt cx="0" cy="0"/>
+        </a:xfrm>
+      </p:grpSpPr>
+      <p:sp>
+        <p:nvSpPr>
+          <p:cNvPr id="2" name="Slide Image Placeholder 1"/>
+          <p:cNvSpPr>
+            <a:spLocks noGrp="1" noRot="1" noChangeAspect="1"/>
+          </p:cNvSpPr>
+          <p:nvPr>
+            <p:ph type="sldImg"/>
+          </p:nvPr>
+        </p:nvSpPr>
+        <p:spPr/>
+      </p:sp>
+      <p:sp>
+        <p:nvSpPr>
+          <p:cNvPr id="3" name="Notes Placeholder 2"/>
+          <p:cNvSpPr>
+            <a:spLocks noGrp="1"/>
+          </p:cNvSpPr>
+          <p:nvPr>
+            <p:ph type="body" idx="1"/>
+          </p:nvPr>
+        </p:nvSpPr>
+        <p:spPr/>
+        <p:txBody>
+          <a:bodyPr>
+            <a:normAutofit/>
+          </a:bodyPr>
+          <a:lstStyle/>
+          <a:p>
+            <a:endParaRPr lang="en-US"/>
+          </a:p>
+        </p:txBody>
+      </p:sp>
+      <p:sp>
+        <p:nvSpPr>
+          <p:cNvPr id="4" name="Slide Number Placeholder 3"/>
+          <p:cNvSpPr>
+            <a:spLocks noGrp="1"/>
+          </p:cNvSpPr>
+          <p:nvPr>
+            <p:ph type="sldNum" sz="quarter" idx="10"/>
+          </p:nvPr>
+        </p:nvSpPr>
+        <p:spPr/>
+        <p:txBody>
+          <a:bodyPr/>
+          <a:lstStyle/>
+          <a:p>
+            <a:fld id="{A02B9F3F-3042-489F-AF35-1A733968F079}" type="slidenum">
+              <a:rPr lang="en-US" smtClean="0"/>
+              <a:pPr/>
+              <a:t>12</a:t>
             </a:fld>
             <a:endParaRPr lang="en-US"/>
           </a:p>
@@ -4845,25 +4937,13 @@
               <a:rPr lang="en-US" sz="1100" baseline="0" dirty="0" smtClean="0">
                 <a:latin typeface="Comic Sans MS" pitchFamily="66" charset="0"/>
               </a:rPr>
-              <a:t>February </a:t>
-            </a:r>
-            <a:r>
-              <a:rPr lang="en-US" sz="1100" baseline="0" dirty="0" smtClean="0">
-                <a:latin typeface="Comic Sans MS" pitchFamily="66" charset="0"/>
-              </a:rPr>
-              <a:t>17</a:t>
+              <a:t>February 17</a:t>
             </a:r>
             <a:r>
               <a:rPr lang="en-US" sz="1100" dirty="0" smtClean="0">
                 <a:latin typeface="Comic Sans MS" pitchFamily="66" charset="0"/>
               </a:rPr>
-              <a:t>, </a:t>
-            </a:r>
-            <a:r>
-              <a:rPr lang="en-US" sz="1100" dirty="0" smtClean="0">
-                <a:latin typeface="Comic Sans MS" pitchFamily="66" charset="0"/>
-              </a:rPr>
-              <a:t>2017</a:t>
+              <a:t>, 2017</a:t>
             </a:r>
             <a:endParaRPr lang="en-US" sz="1100" dirty="0">
               <a:latin typeface="Comic Sans MS" pitchFamily="66" charset="0"/>
@@ -6061,24 +6141,21 @@
           <a:p>
             <a:pPr algn="ctr"/>
             <a:r>
-              <a:rPr lang="en-US" sz="8000" b="0" dirty="0" smtClean="0"/>
-              <a:t>Validity</a:t>
+              <a:rPr lang="en-US" sz="9600" b="0" dirty="0" smtClean="0"/>
+              <a:t>Sound</a:t>
+            </a:r>
+            <a:r>
+              <a:rPr lang="en-US" sz="9600" b="0" dirty="0" smtClean="0"/>
+              <a:t/>
             </a:r>
             <a:br>
-              <a:rPr lang="en-US" sz="8000" b="0" dirty="0" smtClean="0"/>
+              <a:rPr lang="en-US" sz="9600" b="0" dirty="0" smtClean="0"/>
             </a:br>
             <a:r>
-              <a:rPr lang="en-US" sz="8000" b="0" dirty="0" smtClean="0"/>
-              <a:t>&amp;</a:t>
-            </a:r>
-            <a:br>
-              <a:rPr lang="en-US" sz="8000" b="0" dirty="0" smtClean="0"/>
-            </a:br>
-            <a:r>
-              <a:rPr lang="en-US" sz="8000" b="0" dirty="0" smtClean="0"/>
-              <a:t>Soundness</a:t>
-            </a:r>
-            <a:endParaRPr lang="en-US" sz="9600" b="0" dirty="0"/>
+              <a:rPr lang="en-US" sz="9600" b="0" dirty="0" smtClean="0"/>
+              <a:t>Proofs</a:t>
+            </a:r>
+            <a:endParaRPr lang="en-US" sz="13800" b="0" dirty="0"/>
           </a:p>
         </p:txBody>
       </p:sp>
@@ -6328,7 +6405,7 @@
 </p:sld>
 </file>
 
-<file path=ppt/slides/slide2.xml><?xml version="1.0" encoding="utf-8"?>
+<file path=ppt/slides/slide10.xml><?xml version="1.0" encoding="utf-8"?>
 <p:sld xmlns:a="http://schemas.openxmlformats.org/drawingml/2006/main" xmlns:r="http://schemas.openxmlformats.org/officeDocument/2006/relationships" xmlns:p="http://schemas.openxmlformats.org/presentationml/2006/main">
   <p:cSld>
     <p:spTree>
@@ -6347,95 +6424,18 @@
       </p:grpSpPr>
       <p:sp>
         <p:nvSpPr>
-          <p:cNvPr id="5" name="TextBox 4"/>
-          <p:cNvSpPr txBox="1"/>
-          <p:nvPr/>
-        </p:nvSpPr>
-        <p:spPr>
-          <a:xfrm>
-            <a:off x="124740" y="1717665"/>
-            <a:ext cx="8985240" cy="3532858"/>
-          </a:xfrm>
-          <a:prstGeom prst="rect">
-            <a:avLst/>
-          </a:prstGeom>
-          <a:noFill/>
-        </p:spPr>
-        <p:txBody>
-          <a:bodyPr wrap="square" rtlCol="0">
-            <a:spAutoFit/>
-          </a:bodyPr>
-          <a:lstStyle/>
-          <a:p>
-            <a:pPr algn="l"/>
-            <a:r>
-              <a:rPr lang="en-US" sz="5400" dirty="0" smtClean="0">
-                <a:latin typeface="Comic Sans MS" pitchFamily="66" charset="0"/>
-              </a:rPr>
-              <a:t>Instead of truth tables,</a:t>
-            </a:r>
-          </a:p>
-          <a:p>
-            <a:pPr algn="l"/>
-            <a:r>
-              <a:rPr lang="en-US" sz="5400" dirty="0" smtClean="0">
-                <a:latin typeface="Comic Sans MS" pitchFamily="66" charset="0"/>
-              </a:rPr>
-              <a:t>can try to</a:t>
-            </a:r>
-            <a:r>
-              <a:rPr lang="en-US" sz="5400" dirty="0" smtClean="0">
-                <a:solidFill>
-                  <a:srgbClr val="BB0FAB"/>
-                </a:solidFill>
-                <a:latin typeface="Comic Sans MS" pitchFamily="66" charset="0"/>
-              </a:rPr>
-              <a:t> prove</a:t>
-            </a:r>
-            <a:r>
-              <a:rPr lang="en-US" sz="5400" i="1" dirty="0" smtClean="0">
-                <a:solidFill>
-                  <a:srgbClr val="BB0FAB"/>
-                </a:solidFill>
-                <a:latin typeface="Comic Sans MS" pitchFamily="66" charset="0"/>
-              </a:rPr>
-              <a:t> </a:t>
-            </a:r>
-            <a:r>
-              <a:rPr lang="en-US" sz="5400" dirty="0" smtClean="0">
-                <a:latin typeface="Comic Sans MS" pitchFamily="66" charset="0"/>
-              </a:rPr>
-              <a:t>valid</a:t>
-            </a:r>
-          </a:p>
-          <a:p>
-            <a:pPr algn="l"/>
-            <a:r>
-              <a:rPr lang="en-US" sz="5400" dirty="0" smtClean="0">
-                <a:latin typeface="Comic Sans MS" pitchFamily="66" charset="0"/>
-              </a:rPr>
-              <a:t>formulas symbolically using axioms and deduction rules</a:t>
-            </a:r>
-            <a:endParaRPr lang="en-US" sz="5400" dirty="0">
-              <a:latin typeface="Comic Sans MS" pitchFamily="66" charset="0"/>
-            </a:endParaRPr>
-          </a:p>
-        </p:txBody>
-      </p:sp>
-      <p:sp>
-        <p:nvSpPr>
-          <p:cNvPr id="9" name="Title 1"/>
+          <p:cNvPr id="3" name="Content Placeholder 2"/>
           <p:cNvSpPr>
             <a:spLocks noGrp="1"/>
           </p:cNvSpPr>
           <p:nvPr>
-            <p:ph type="title"/>
+            <p:ph idx="1"/>
           </p:nvPr>
         </p:nvSpPr>
         <p:spPr>
           <a:xfrm>
-            <a:off x="1651000" y="363538"/>
-            <a:ext cx="6794500" cy="1003300"/>
+            <a:off x="275167" y="1371600"/>
+            <a:ext cx="8710083" cy="4142318"/>
           </a:xfrm>
         </p:spPr>
         <p:txBody>
@@ -6443,109 +6443,52 @@
           <a:lstStyle/>
           <a:p>
             <a:r>
-              <a:rPr lang="en-US" sz="4000" dirty="0" smtClean="0"/>
-              <a:t>Proving Validity</a:t>
-            </a:r>
-            <a:endParaRPr lang="en-US" sz="4000" dirty="0"/>
-          </a:p>
-        </p:txBody>
-      </p:sp>
-      <p:sp>
-        <p:nvSpPr>
-          <p:cNvPr id="4" name="Slide Number Placeholder 2"/>
-          <p:cNvSpPr>
-            <a:spLocks noGrp="1"/>
-          </p:cNvSpPr>
-          <p:nvPr>
-            <p:ph type="sldNum" sz="quarter" idx="10"/>
-          </p:nvPr>
-        </p:nvSpPr>
-        <p:spPr>
-          <a:xfrm>
-            <a:off x="8420275" y="6553200"/>
-            <a:ext cx="723726" cy="276999"/>
-          </a:xfrm>
-        </p:spPr>
-        <p:txBody>
-          <a:bodyPr/>
-          <a:lstStyle/>
-          <a:p>
-            <a:r>
-              <a:rPr lang="en-US" dirty="0"/>
-              <a:t>sound.</a:t>
-            </a:r>
-            <a:fld id="{3251DA95-B240-47FE-901D-B78FC8E8E532}" type="slidenum">
-              <a:rPr lang="en-US" smtClean="0"/>
-              <a:pPr/>
-              <a:t>2</a:t>
-            </a:fld>
-            <a:endParaRPr lang="en-US" dirty="0"/>
-          </a:p>
-        </p:txBody>
-      </p:sp>
-    </p:spTree>
-  </p:cSld>
-  <p:clrMapOvr>
-    <a:masterClrMapping/>
-  </p:clrMapOvr>
-  <p:transition xmlns:p14="http://schemas.microsoft.com/office/powerpoint/2010/main" spd="slow" advClick="0">
-    <p:fade thruBlk="1"/>
-  </p:transition>
-  <p:timing>
-    <p:tnLst>
-      <p:par>
-        <p:cTn xmlns:p14="http://schemas.microsoft.com/office/powerpoint/2010/main" id="1" dur="indefinite" restart="never" nodeType="tmRoot"/>
-      </p:par>
-    </p:tnLst>
-  </p:timing>
-</p:sld>
-</file>
-
-<file path=ppt/slides/slide3.xml><?xml version="1.0" encoding="utf-8"?>
-<p:sld xmlns:a="http://schemas.openxmlformats.org/drawingml/2006/main" xmlns:r="http://schemas.openxmlformats.org/officeDocument/2006/relationships" xmlns:p="http://schemas.openxmlformats.org/presentationml/2006/main">
-  <p:cSld>
-    <p:spTree>
-      <p:nvGrpSpPr>
-        <p:cNvPr id="1" name=""/>
-        <p:cNvGrpSpPr/>
-        <p:nvPr/>
-      </p:nvGrpSpPr>
-      <p:grpSpPr>
-        <a:xfrm>
-          <a:off x="0" y="0"/>
-          <a:ext cx="0" cy="0"/>
-          <a:chOff x="0" y="0"/>
-          <a:chExt cx="0" cy="0"/>
-        </a:xfrm>
-      </p:grpSpPr>
-      <p:sp>
-        <p:nvSpPr>
-          <p:cNvPr id="2" name="Title 1"/>
-          <p:cNvSpPr>
-            <a:spLocks noGrp="1"/>
-          </p:cNvSpPr>
-          <p:nvPr>
-            <p:ph type="title"/>
-          </p:nvPr>
-        </p:nvSpPr>
-        <p:spPr/>
-        <p:txBody>
-          <a:bodyPr/>
-          <a:lstStyle/>
-          <a:p>
-            <a:r>
-              <a:rPr lang="en-US" dirty="0" smtClean="0">
+              <a:rPr lang="en-US" sz="4800" dirty="0" smtClean="0"/>
+              <a:t>preserve </a:t>
+            </a:r>
+            <a:r>
+              <a:rPr lang="en-US" sz="4800" dirty="0" smtClean="0">
                 <a:solidFill>
-                  <a:srgbClr val="BB0FAB"/>
+                  <a:srgbClr val="006600"/>
                 </a:solidFill>
               </a:rPr>
-              <a:t>modus ponens</a:t>
-            </a:r>
-            <a:r>
-              <a:rPr lang="en-US" dirty="0" smtClean="0"/>
-              <a:t> rule</a:t>
-            </a:r>
-            <a:endParaRPr lang="en-US" dirty="0"/>
+              <a:t>truth</a:t>
+            </a:r>
+            <a:r>
+              <a:rPr lang="en-US" sz="4800" dirty="0" smtClean="0"/>
+              <a:t>:</a:t>
+            </a:r>
+          </a:p>
+          <a:p>
+            <a:r>
+              <a:rPr lang="en-US" sz="5400" dirty="0"/>
+              <a:t>i</a:t>
+            </a:r>
+            <a:r>
+              <a:rPr lang="en-US" sz="5400" dirty="0" smtClean="0"/>
+              <a:t>f all the antecedents are </a:t>
+            </a:r>
+          </a:p>
+          <a:p>
+            <a:r>
+              <a:rPr lang="en-US" sz="5400" dirty="0" smtClean="0">
+                <a:solidFill>
+                  <a:srgbClr val="006600"/>
+                </a:solidFill>
+              </a:rPr>
+              <a:t>true</a:t>
+            </a:r>
+            <a:r>
+              <a:rPr lang="en-US" sz="5400" dirty="0" smtClean="0"/>
+              <a:t> in some environment, </a:t>
+            </a:r>
+          </a:p>
+          <a:p>
+            <a:r>
+              <a:rPr lang="en-US" sz="5400" dirty="0" smtClean="0"/>
+              <a:t>then so is the conclusion.</a:t>
+            </a:r>
+            <a:endParaRPr lang="en-US" sz="5400" dirty="0"/>
           </a:p>
         </p:txBody>
       </p:sp>
@@ -6581,187 +6524,52 @@
               <a:pPr>
                 <a:defRPr/>
               </a:pPr>
-              <a:t>3</a:t>
+              <a:t>10</a:t>
             </a:fld>
             <a:endParaRPr lang="en-US" dirty="0"/>
           </a:p>
         </p:txBody>
       </p:sp>
-      <p:graphicFrame>
-        <p:nvGraphicFramePr>
-          <p:cNvPr id="5" name="Object 4"/>
-          <p:cNvGraphicFramePr>
-            <a:graphicFrameLocks noChangeAspect="1"/>
-          </p:cNvGraphicFramePr>
+      <p:sp>
+        <p:nvSpPr>
+          <p:cNvPr id="7" name="Title 12"/>
+          <p:cNvSpPr>
+            <a:spLocks noGrp="1"/>
+          </p:cNvSpPr>
           <p:nvPr>
-            <p:extLst>
-              <p:ext uri="{D42A27DB-BD31-4B8C-83A1-F6EECF244321}">
-                <p14:modId xmlns:p14="http://schemas.microsoft.com/office/powerpoint/2010/main" val="4009171247"/>
-              </p:ext>
-            </p:extLst>
+            <p:ph type="title"/>
           </p:nvPr>
-        </p:nvGraphicFramePr>
-        <p:xfrm>
-          <a:off x="1476294" y="2233074"/>
-          <a:ext cx="5794456" cy="2429933"/>
-        </p:xfrm>
-        <a:graphic>
-          <a:graphicData uri="http://schemas.openxmlformats.org/presentationml/2006/ole">
-            <mc:AlternateContent xmlns:mc="http://schemas.openxmlformats.org/markup-compatibility/2006">
-              <mc:Choice xmlns:v="urn:schemas-microsoft-com:vml" Requires="v">
-                <p:oleObj spid="_x0000_s1134" name="Equation" r:id="rId3" imgW="1181100" imgH="495300" progId="Equation.DSMT4">
-                  <p:embed/>
-                </p:oleObj>
-              </mc:Choice>
-              <mc:Fallback>
-                <p:oleObj name="Equation" r:id="rId3" imgW="1181100" imgH="495300" progId="Equation.DSMT4">
-                  <p:embed/>
-                  <p:pic>
-                    <p:nvPicPr>
-                      <p:cNvPr id="0" name=""/>
-                      <p:cNvPicPr/>
-                      <p:nvPr/>
-                    </p:nvPicPr>
-                    <p:blipFill>
-                      <a:blip r:embed="rId4"/>
-                      <a:stretch>
-                        <a:fillRect/>
-                      </a:stretch>
-                    </p:blipFill>
-                    <p:spPr>
-                      <a:xfrm>
-                        <a:off x="1476294" y="2233074"/>
-                        <a:ext cx="5794456" cy="2429933"/>
-                      </a:xfrm>
-                      <a:prstGeom prst="rect">
-                        <a:avLst/>
-                      </a:prstGeom>
-                    </p:spPr>
-                  </p:pic>
-                </p:oleObj>
-              </mc:Fallback>
-            </mc:AlternateContent>
-          </a:graphicData>
-        </a:graphic>
-      </p:graphicFrame>
-      <p:graphicFrame>
-        <p:nvGraphicFramePr>
-          <p:cNvPr id="6" name="Object 5"/>
-          <p:cNvGraphicFramePr>
-            <a:graphicFrameLocks noChangeAspect="1"/>
-          </p:cNvGraphicFramePr>
-          <p:nvPr>
-            <p:extLst>
-              <p:ext uri="{D42A27DB-BD31-4B8C-83A1-F6EECF244321}">
-                <p14:modId xmlns:p14="http://schemas.microsoft.com/office/powerpoint/2010/main" val="2134282266"/>
-              </p:ext>
-            </p:extLst>
-          </p:nvPr>
-        </p:nvGraphicFramePr>
-        <p:xfrm>
-          <a:off x="1453060" y="663576"/>
-          <a:ext cx="5658909" cy="3396925"/>
-        </p:xfrm>
-        <a:graphic>
-          <a:graphicData uri="http://schemas.openxmlformats.org/presentationml/2006/ole">
-            <mc:AlternateContent xmlns:mc="http://schemas.openxmlformats.org/markup-compatibility/2006">
-              <mc:Choice xmlns:v="urn:schemas-microsoft-com:vml" Requires="v">
-                <p:oleObj spid="_x0000_s1135" name="Equation" r:id="rId5" imgW="762000" imgH="457200" progId="Equation.DSMT4">
-                  <p:embed/>
-                </p:oleObj>
-              </mc:Choice>
-              <mc:Fallback>
-                <p:oleObj name="Equation" r:id="rId5" imgW="762000" imgH="457200" progId="Equation.DSMT4">
-                  <p:embed/>
-                  <p:pic>
-                    <p:nvPicPr>
-                      <p:cNvPr id="0" name=""/>
-                      <p:cNvPicPr/>
-                      <p:nvPr/>
-                    </p:nvPicPr>
-                    <p:blipFill>
-                      <a:blip r:embed="rId6"/>
-                      <a:stretch>
-                        <a:fillRect/>
-                      </a:stretch>
-                    </p:blipFill>
-                    <p:spPr>
-                      <a:xfrm>
-                        <a:off x="1453060" y="663576"/>
-                        <a:ext cx="5658909" cy="3396925"/>
-                      </a:xfrm>
-                      <a:prstGeom prst="rect">
-                        <a:avLst/>
-                      </a:prstGeom>
-                    </p:spPr>
-                  </p:pic>
-                </p:oleObj>
-              </mc:Fallback>
-            </mc:AlternateContent>
-          </a:graphicData>
-        </a:graphic>
-      </p:graphicFrame>
-      <p:graphicFrame>
-        <p:nvGraphicFramePr>
-          <p:cNvPr id="7" name="Object 6"/>
-          <p:cNvGraphicFramePr>
-            <a:graphicFrameLocks noChangeAspect="1"/>
-          </p:cNvGraphicFramePr>
-          <p:nvPr>
-            <p:extLst>
-              <p:ext uri="{D42A27DB-BD31-4B8C-83A1-F6EECF244321}">
-                <p14:modId xmlns:p14="http://schemas.microsoft.com/office/powerpoint/2010/main" val="137192701"/>
-              </p:ext>
-            </p:extLst>
-          </p:nvPr>
-        </p:nvGraphicFramePr>
-        <p:xfrm>
-          <a:off x="3384550" y="3429000"/>
-          <a:ext cx="2033588" cy="1976438"/>
-        </p:xfrm>
-        <a:graphic>
-          <a:graphicData uri="http://schemas.openxmlformats.org/presentationml/2006/ole">
-            <mc:AlternateContent xmlns:mc="http://schemas.openxmlformats.org/markup-compatibility/2006">
-              <mc:Choice xmlns:v="urn:schemas-microsoft-com:vml" Requires="v">
-                <p:oleObj spid="_x0000_s1136" name="Equation" r:id="rId7" imgW="444500" imgH="431800" progId="Equation.DSMT4">
-                  <p:embed/>
-                </p:oleObj>
-              </mc:Choice>
-              <mc:Fallback>
-                <p:oleObj name="Equation" r:id="rId7" imgW="444500" imgH="431800" progId="Equation.DSMT4">
-                  <p:embed/>
-                  <p:pic>
-                    <p:nvPicPr>
-                      <p:cNvPr id="0" name=""/>
-                      <p:cNvPicPr/>
-                      <p:nvPr/>
-                    </p:nvPicPr>
-                    <p:blipFill>
-                      <a:blip r:embed="rId8"/>
-                      <a:stretch>
-                        <a:fillRect/>
-                      </a:stretch>
-                    </p:blipFill>
-                    <p:spPr>
-                      <a:xfrm>
-                        <a:off x="3384550" y="3429000"/>
-                        <a:ext cx="2033588" cy="1976438"/>
-                      </a:xfrm>
-                      <a:prstGeom prst="rect">
-                        <a:avLst/>
-                      </a:prstGeom>
-                    </p:spPr>
-                  </p:pic>
-                </p:oleObj>
-              </mc:Fallback>
-            </mc:AlternateContent>
-          </a:graphicData>
-        </a:graphic>
-      </p:graphicFrame>
+        </p:nvSpPr>
+        <p:spPr>
+          <a:xfrm>
+            <a:off x="1700233" y="252320"/>
+            <a:ext cx="6681767" cy="1248648"/>
+          </a:xfrm>
+        </p:spPr>
+        <p:txBody>
+          <a:bodyPr/>
+          <a:lstStyle/>
+          <a:p>
+            <a:r>
+              <a:rPr lang="en-US" sz="4600" dirty="0" smtClean="0">
+                <a:solidFill>
+                  <a:srgbClr val="006600"/>
+                </a:solidFill>
+              </a:rPr>
+              <a:t>Strongly Sound</a:t>
+            </a:r>
+            <a:r>
+              <a:rPr lang="en-US" sz="4600" dirty="0" smtClean="0"/>
+              <a:t> Rules</a:t>
+            </a:r>
+            <a:endParaRPr lang="en-US" sz="4600" dirty="0"/>
+          </a:p>
+        </p:txBody>
+      </p:sp>
     </p:spTree>
     <p:extLst>
       <p:ext uri="{BB962C8B-B14F-4D97-AF65-F5344CB8AC3E}">
-        <p14:creationId xmlns:p14="http://schemas.microsoft.com/office/powerpoint/2010/main" val="3165137657"/>
+        <p14:creationId xmlns:p14="http://schemas.microsoft.com/office/powerpoint/2010/main" val="553396481"/>
       </p:ext>
     </p:extLst>
   </p:cSld>
@@ -6770,308 +6578,16 @@
   </p:clrMapOvr>
   <mc:AlternateContent xmlns:mc="http://schemas.openxmlformats.org/markup-compatibility/2006">
     <mc:Choice xmlns:p14="http://schemas.microsoft.com/office/powerpoint/2010/main" Requires="p14">
-      <p:transition spd="med" p14:dur="700" advClick="0">
-        <p:fade/>
+      <p:transition spd="slow" p14:dur="1200" advClick="0">
+        <p:fade thruBlk="1"/>
       </p:transition>
     </mc:Choice>
     <mc:Fallback>
-      <p:transition xmlns:p14="http://schemas.microsoft.com/office/powerpoint/2010/main" spd="med" advClick="0">
-        <p:fade/>
+      <p:transition xmlns:p14="http://schemas.microsoft.com/office/powerpoint/2010/main" spd="slow" advClick="0">
+        <p:fade thruBlk="1"/>
       </p:transition>
     </mc:Fallback>
   </mc:AlternateContent>
-  <p:timing>
-    <p:tnLst>
-      <p:par>
-        <p:cTn xmlns:p14="http://schemas.microsoft.com/office/powerpoint/2010/main" id="1" dur="indefinite" restart="never" nodeType="tmRoot">
-          <p:childTnLst>
-            <p:seq concurrent="1" nextAc="seek">
-              <p:cTn id="2" dur="indefinite" nodeType="mainSeq">
-                <p:childTnLst>
-                  <p:par>
-                    <p:cTn id="3" fill="hold">
-                      <p:stCondLst>
-                        <p:cond delay="indefinite"/>
-                      </p:stCondLst>
-                      <p:childTnLst>
-                        <p:par>
-                          <p:cTn id="4" fill="hold">
-                            <p:stCondLst>
-                              <p:cond delay="0"/>
-                            </p:stCondLst>
-                            <p:childTnLst>
-                              <p:par>
-                                <p:cTn id="5" presetID="22" presetClass="entr" presetSubtype="1" fill="hold" nodeType="clickEffect">
-                                  <p:stCondLst>
-                                    <p:cond delay="0"/>
-                                  </p:stCondLst>
-                                  <p:childTnLst>
-                                    <p:set>
-                                      <p:cBhvr>
-                                        <p:cTn id="6" dur="1" fill="hold">
-                                          <p:stCondLst>
-                                            <p:cond delay="0"/>
-                                          </p:stCondLst>
-                                        </p:cTn>
-                                        <p:tgtEl>
-                                          <p:spTgt spid="6"/>
-                                        </p:tgtEl>
-                                        <p:attrNameLst>
-                                          <p:attrName>style.visibility</p:attrName>
-                                        </p:attrNameLst>
-                                      </p:cBhvr>
-                                      <p:to>
-                                        <p:strVal val="visible"/>
-                                      </p:to>
-                                    </p:set>
-                                    <p:animEffect transition="in" filter="wipe(up)">
-                                      <p:cBhvr>
-                                        <p:cTn id="7" dur="1000"/>
-                                        <p:tgtEl>
-                                          <p:spTgt spid="6"/>
-                                        </p:tgtEl>
-                                      </p:cBhvr>
-                                    </p:animEffect>
-                                  </p:childTnLst>
-                                </p:cTn>
-                              </p:par>
-                            </p:childTnLst>
-                          </p:cTn>
-                        </p:par>
-                      </p:childTnLst>
-                    </p:cTn>
-                  </p:par>
-                  <p:par>
-                    <p:cTn id="8" fill="hold">
-                      <p:stCondLst>
-                        <p:cond delay="indefinite"/>
-                      </p:stCondLst>
-                      <p:childTnLst>
-                        <p:par>
-                          <p:cTn id="9" fill="hold">
-                            <p:stCondLst>
-                              <p:cond delay="0"/>
-                            </p:stCondLst>
-                            <p:childTnLst>
-                              <p:par>
-                                <p:cTn id="10" presetID="22" presetClass="entr" presetSubtype="4" fill="hold" nodeType="clickEffect">
-                                  <p:stCondLst>
-                                    <p:cond delay="0"/>
-                                  </p:stCondLst>
-                                  <p:childTnLst>
-                                    <p:set>
-                                      <p:cBhvr>
-                                        <p:cTn id="11" dur="1" fill="hold">
-                                          <p:stCondLst>
-                                            <p:cond delay="0"/>
-                                          </p:stCondLst>
-                                        </p:cTn>
-                                        <p:tgtEl>
-                                          <p:spTgt spid="7"/>
-                                        </p:tgtEl>
-                                        <p:attrNameLst>
-                                          <p:attrName>style.visibility</p:attrName>
-                                        </p:attrNameLst>
-                                      </p:cBhvr>
-                                      <p:to>
-                                        <p:strVal val="visible"/>
-                                      </p:to>
-                                    </p:set>
-                                    <p:animEffect transition="in" filter="wipe(down)">
-                                      <p:cBhvr>
-                                        <p:cTn id="12" dur="1000"/>
-                                        <p:tgtEl>
-                                          <p:spTgt spid="7"/>
-                                        </p:tgtEl>
-                                      </p:cBhvr>
-                                    </p:animEffect>
-                                  </p:childTnLst>
-                                </p:cTn>
-                              </p:par>
-                            </p:childTnLst>
-                          </p:cTn>
-                        </p:par>
-                      </p:childTnLst>
-                    </p:cTn>
-                  </p:par>
-                </p:childTnLst>
-              </p:cTn>
-              <p:prevCondLst>
-                <p:cond evt="onPrev" delay="0">
-                  <p:tgtEl>
-                    <p:sldTgt/>
-                  </p:tgtEl>
-                </p:cond>
-              </p:prevCondLst>
-              <p:nextCondLst>
-                <p:cond evt="onNext" delay="0">
-                  <p:tgtEl>
-                    <p:sldTgt/>
-                  </p:tgtEl>
-                </p:cond>
-              </p:nextCondLst>
-            </p:seq>
-          </p:childTnLst>
-        </p:cTn>
-      </p:par>
-    </p:tnLst>
-  </p:timing>
-</p:sld>
-</file>
-
-<file path=ppt/slides/slide4.xml><?xml version="1.0" encoding="utf-8"?>
-<p:sld xmlns:a="http://schemas.openxmlformats.org/drawingml/2006/main" xmlns:r="http://schemas.openxmlformats.org/officeDocument/2006/relationships" xmlns:p="http://schemas.openxmlformats.org/presentationml/2006/main">
-  <p:cSld>
-    <p:spTree>
-      <p:nvGrpSpPr>
-        <p:cNvPr id="1" name=""/>
-        <p:cNvGrpSpPr/>
-        <p:nvPr/>
-      </p:nvGrpSpPr>
-      <p:grpSpPr>
-        <a:xfrm>
-          <a:off x="0" y="0"/>
-          <a:ext cx="0" cy="0"/>
-          <a:chOff x="0" y="0"/>
-          <a:chExt cx="0" cy="0"/>
-        </a:xfrm>
-      </p:grpSpPr>
-      <p:sp>
-        <p:nvSpPr>
-          <p:cNvPr id="2" name="Title 1"/>
-          <p:cNvSpPr>
-            <a:spLocks noGrp="1"/>
-          </p:cNvSpPr>
-          <p:nvPr>
-            <p:ph type="title"/>
-          </p:nvPr>
-        </p:nvSpPr>
-        <p:spPr/>
-        <p:txBody>
-          <a:bodyPr/>
-          <a:lstStyle/>
-          <a:p>
-            <a:r>
-              <a:rPr lang="en-US" dirty="0" smtClean="0"/>
-              <a:t>Soundness</a:t>
-            </a:r>
-            <a:endParaRPr lang="en-US" dirty="0"/>
-          </a:p>
-        </p:txBody>
-      </p:sp>
-      <p:sp>
-        <p:nvSpPr>
-          <p:cNvPr id="3" name="Content Placeholder 2"/>
-          <p:cNvSpPr>
-            <a:spLocks noGrp="1"/>
-          </p:cNvSpPr>
-          <p:nvPr>
-            <p:ph idx="1"/>
-          </p:nvPr>
-        </p:nvSpPr>
-        <p:spPr>
-          <a:xfrm>
-            <a:off x="275167" y="1371600"/>
-            <a:ext cx="8710083" cy="4142318"/>
-          </a:xfrm>
-        </p:spPr>
-        <p:txBody>
-          <a:bodyPr/>
-          <a:lstStyle/>
-          <a:p>
-            <a:r>
-              <a:rPr lang="en-US" sz="4800" dirty="0" smtClean="0"/>
-              <a:t>A </a:t>
-            </a:r>
-            <a:r>
-              <a:rPr lang="en-US" sz="4800" dirty="0" smtClean="0">
-                <a:solidFill>
-                  <a:srgbClr val="006600"/>
-                </a:solidFill>
-              </a:rPr>
-              <a:t>sound</a:t>
-            </a:r>
-            <a:r>
-              <a:rPr lang="en-US" sz="4800" dirty="0" smtClean="0"/>
-              <a:t> rule preserves truth:</a:t>
-            </a:r>
-          </a:p>
-          <a:p>
-            <a:r>
-              <a:rPr lang="en-US" sz="5400" dirty="0"/>
-              <a:t>i</a:t>
-            </a:r>
-            <a:r>
-              <a:rPr lang="en-US" sz="5400" dirty="0" smtClean="0"/>
-              <a:t>f all the antecedents are </a:t>
-            </a:r>
-          </a:p>
-          <a:p>
-            <a:r>
-              <a:rPr lang="en-US" sz="5400" dirty="0" smtClean="0"/>
-              <a:t>true in some environment, </a:t>
-            </a:r>
-          </a:p>
-          <a:p>
-            <a:r>
-              <a:rPr lang="en-US" sz="5400" dirty="0" smtClean="0"/>
-              <a:t>then so is the conclusion.</a:t>
-            </a:r>
-            <a:endParaRPr lang="en-US" sz="5400" dirty="0"/>
-          </a:p>
-        </p:txBody>
-      </p:sp>
-      <p:sp>
-        <p:nvSpPr>
-          <p:cNvPr id="4" name="Slide Number Placeholder 3"/>
-          <p:cNvSpPr>
-            <a:spLocks noGrp="1"/>
-          </p:cNvSpPr>
-          <p:nvPr>
-            <p:ph type="sldNum" sz="quarter" idx="10"/>
-          </p:nvPr>
-        </p:nvSpPr>
-        <p:spPr>
-          <a:xfrm>
-            <a:off x="8420278" y="6553200"/>
-            <a:ext cx="723726" cy="276999"/>
-          </a:xfrm>
-        </p:spPr>
-        <p:txBody>
-          <a:bodyPr/>
-          <a:lstStyle/>
-          <a:p>
-            <a:pPr>
-              <a:defRPr/>
-            </a:pPr>
-            <a:r>
-              <a:rPr lang="en-US" dirty="0" smtClean="0"/>
-              <a:t>sound.</a:t>
-            </a:r>
-            <a:fld id="{A528ADE2-B74F-4D9D-8D04-FB5D781EAB51}" type="slidenum">
-              <a:rPr lang="en-US" smtClean="0"/>
-              <a:pPr>
-                <a:defRPr/>
-              </a:pPr>
-              <a:t>4</a:t>
-            </a:fld>
-            <a:endParaRPr lang="en-US" dirty="0"/>
-          </a:p>
-        </p:txBody>
-      </p:sp>
-    </p:spTree>
-    <p:extLst>
-      <p:ext uri="{BB962C8B-B14F-4D97-AF65-F5344CB8AC3E}">
-        <p14:creationId xmlns:p14="http://schemas.microsoft.com/office/powerpoint/2010/main" val="4016570365"/>
-      </p:ext>
-    </p:extLst>
-  </p:cSld>
-  <p:clrMapOvr>
-    <a:masterClrMapping/>
-  </p:clrMapOvr>
-  <p:transition xmlns:p14="http://schemas.microsoft.com/office/powerpoint/2010/main" spd="slow" advClick="0">
-    <p:fade/>
-  </p:transition>
   <p:timing>
     <p:tnLst>
       <p:par>
@@ -7334,7 +6850,7 @@
 </p:sld>
 </file>
 
-<file path=ppt/slides/slide5.xml><?xml version="1.0" encoding="utf-8"?>
+<file path=ppt/slides/slide11.xml><?xml version="1.0" encoding="utf-8"?>
 <p:sld xmlns:a="http://schemas.openxmlformats.org/drawingml/2006/main" xmlns:r="http://schemas.openxmlformats.org/officeDocument/2006/relationships" xmlns:p="http://schemas.openxmlformats.org/presentationml/2006/main">
   <p:cSld>
     <p:spTree>
@@ -7361,14 +6877,31 @@
             <p:ph type="title"/>
           </p:nvPr>
         </p:nvSpPr>
-        <p:spPr/>
+        <p:spPr>
+          <a:xfrm>
+            <a:off x="1742214" y="293896"/>
+            <a:ext cx="6653997" cy="1070619"/>
+          </a:xfrm>
+        </p:spPr>
         <p:txBody>
           <a:bodyPr/>
           <a:lstStyle/>
           <a:p>
             <a:r>
               <a:rPr lang="en-US" dirty="0" smtClean="0"/>
-              <a:t>Soundness</a:t>
+              <a:t>A </a:t>
+            </a:r>
+            <a:r>
+              <a:rPr lang="en-US" dirty="0" smtClean="0">
+                <a:solidFill>
+                  <a:srgbClr val="006600"/>
+                </a:solidFill>
+              </a:rPr>
+              <a:t>Strongly Sound</a:t>
+            </a:r>
+            <a:r>
+              <a:rPr lang="en-US" dirty="0" smtClean="0"/>
+              <a:t> Rule</a:t>
             </a:r>
             <a:endParaRPr lang="en-US" dirty="0"/>
           </a:p>
@@ -7400,12 +6933,17 @@
                   <a:srgbClr val="BB0FAB"/>
                 </a:solidFill>
               </a:rPr>
-              <a:t>modus ponens</a:t>
-            </a:r>
-            <a:r>
-              <a:rPr lang="en-US" sz="4800" dirty="0" smtClean="0"/>
-              <a:t> is sound:</a:t>
-            </a:r>
+              <a:t>         </a:t>
+            </a:r>
+            <a:r>
+              <a:rPr lang="en-US" sz="5400" dirty="0" smtClean="0">
+                <a:solidFill>
+                  <a:srgbClr val="BB0FAB"/>
+                </a:solidFill>
+              </a:rPr>
+              <a:t> modus ponens</a:t>
+            </a:r>
+            <a:endParaRPr lang="en-US" sz="4800" dirty="0" smtClean="0"/>
           </a:p>
           <a:p>
             <a:r>
@@ -7427,21 +6965,37 @@
             <a:r>
               <a:rPr lang="en-US" sz="5400" dirty="0" smtClean="0">
                 <a:solidFill>
-                  <a:srgbClr val="008000"/>
+                  <a:srgbClr val="006600"/>
                 </a:solidFill>
               </a:rPr>
-              <a:t>true</a:t>
+              <a:t>T </a:t>
+            </a:r>
+            <a:r>
+              <a:rPr lang="en-US" sz="5400" dirty="0" smtClean="0"/>
+              <a:t>in assignment</a:t>
+            </a:r>
+            <a:r>
+              <a:rPr lang="en-US" sz="5400" dirty="0" smtClean="0">
+                <a:solidFill>
+                  <a:srgbClr val="006600"/>
+                </a:solidFill>
+              </a:rPr>
+              <a:t> A</a:t>
             </a:r>
             <a:r>
               <a:rPr lang="en-US" sz="5400" dirty="0" smtClean="0"/>
               <a:t>,</a:t>
             </a:r>
+            <a:endParaRPr lang="en-US" sz="5400" dirty="0" smtClean="0"/>
           </a:p>
           <a:p>
             <a:r>
               <a:rPr lang="en-US" sz="5400" dirty="0" smtClean="0"/>
               <a:t>and </a:t>
             </a:r>
+            <a:endParaRPr lang="en-US" sz="5400" dirty="0" smtClean="0"/>
+          </a:p>
+          <a:p>
             <a:r>
               <a:rPr lang="en-US" sz="5400" dirty="0" smtClean="0">
                 <a:solidFill>
@@ -7473,15 +7027,28 @@
             <a:r>
               <a:rPr lang="en-US" sz="5400" dirty="0" smtClean="0">
                 <a:solidFill>
-                  <a:srgbClr val="008000"/>
+                  <a:srgbClr val="006600"/>
                 </a:solidFill>
               </a:rPr>
-              <a:t>true</a:t>
+              <a:t>T </a:t>
+            </a:r>
+            <a:r>
+              <a:rPr lang="en-US" sz="5400" dirty="0" smtClean="0"/>
+              <a:t>in</a:t>
+            </a:r>
+            <a:r>
+              <a:rPr lang="en-US" sz="5400" dirty="0" smtClean="0">
+                <a:solidFill>
+                  <a:srgbClr val="006600"/>
+                </a:solidFill>
+              </a:rPr>
+              <a:t> A</a:t>
             </a:r>
             <a:r>
               <a:rPr lang="en-US" sz="5400" dirty="0" smtClean="0"/>
               <a:t>,</a:t>
             </a:r>
+            <a:endParaRPr lang="en-US" sz="5400" dirty="0" smtClean="0"/>
           </a:p>
           <a:p>
             <a:r>
@@ -7489,38 +7056,48 @@
               <a:t>then </a:t>
             </a:r>
             <a:r>
-              <a:rPr lang="en-US" sz="5400" dirty="0" smtClean="0">
+              <a:rPr lang="en-US" sz="5400" dirty="0">
                 <a:solidFill>
                   <a:srgbClr val="0000FF"/>
                 </a:solidFill>
               </a:rPr>
-              <a:t>Q</a:t>
-            </a:r>
-            <a:r>
-              <a:rPr lang="en-US" sz="5400" dirty="0" smtClean="0"/>
-              <a:t> must be </a:t>
+              <a:t>Q </a:t>
+            </a:r>
+            <a:r>
+              <a:rPr lang="en-US" sz="5400" dirty="0"/>
+              <a:t>is </a:t>
+            </a:r>
+            <a:r>
+              <a:rPr lang="en-US" sz="5400" dirty="0">
+                <a:solidFill>
+                  <a:srgbClr val="006600"/>
+                </a:solidFill>
+              </a:rPr>
+              <a:t>T </a:t>
+            </a:r>
+            <a:r>
+              <a:rPr lang="en-US" sz="5400" dirty="0"/>
+              <a:t>in</a:t>
+            </a:r>
+            <a:r>
+              <a:rPr lang="en-US" sz="5400" dirty="0">
+                <a:solidFill>
+                  <a:srgbClr val="006600"/>
+                </a:solidFill>
+              </a:rPr>
+              <a:t> </a:t>
             </a:r>
             <a:r>
               <a:rPr lang="en-US" sz="5400" dirty="0" smtClean="0">
                 <a:solidFill>
-                  <a:srgbClr val="008000"/>
+                  <a:srgbClr val="006600"/>
                 </a:solidFill>
               </a:rPr>
-              <a:t>true</a:t>
-            </a:r>
-          </a:p>
-          <a:p>
+              <a:t>A</a:t>
+            </a:r>
             <a:r>
               <a:rPr lang="en-US" sz="5400" dirty="0" smtClean="0"/>
-              <a:t>―</a:t>
-            </a:r>
-            <a:r>
-              <a:rPr lang="en-US" sz="5400" dirty="0"/>
-              <a:t>by </a:t>
-            </a:r>
-            <a:r>
-              <a:rPr lang="en-US" sz="5400" dirty="0" smtClean="0"/>
-              <a:t>truth table.</a:t>
+              <a:t>.</a:t>
             </a:r>
             <a:endParaRPr lang="en-US" sz="5400" dirty="0"/>
           </a:p>
@@ -7558,7 +7135,7 @@
               <a:pPr>
                 <a:defRPr/>
               </a:pPr>
-              <a:t>5</a:t>
+              <a:t>11</a:t>
             </a:fld>
             <a:endParaRPr lang="en-US" dirty="0"/>
           </a:p>
@@ -7643,21 +7220,30 @@
                             </p:childTnLst>
                           </p:cTn>
                         </p:par>
+                      </p:childTnLst>
+                    </p:cTn>
+                  </p:par>
+                  <p:par>
+                    <p:cTn id="8" fill="hold">
+                      <p:stCondLst>
+                        <p:cond delay="indefinite"/>
+                      </p:stCondLst>
+                      <p:childTnLst>
                         <p:par>
-                          <p:cTn id="8" fill="hold">
+                          <p:cTn id="9" fill="hold">
                             <p:stCondLst>
-                              <p:cond delay="500"/>
+                              <p:cond delay="0"/>
                             </p:stCondLst>
                             <p:childTnLst>
                               <p:par>
-                                <p:cTn id="9" presetID="9" presetClass="entr" presetSubtype="0" fill="hold" grpId="1" nodeType="afterEffect">
+                                <p:cTn id="10" presetID="9" presetClass="entr" presetSubtype="0" fill="hold" grpId="1" nodeType="clickEffect">
                                   <p:stCondLst>
                                     <p:cond delay="0"/>
                                   </p:stCondLst>
                                   <p:childTnLst>
                                     <p:set>
                                       <p:cBhvr>
-                                        <p:cTn id="10" dur="1" fill="hold">
+                                        <p:cTn id="11" dur="1" fill="hold">
                                           <p:stCondLst>
                                             <p:cond delay="0"/>
                                           </p:stCondLst>
@@ -7679,7 +7265,7 @@
                                     </p:set>
                                     <p:animEffect transition="in" filter="dissolve">
                                       <p:cBhvr>
-                                        <p:cTn id="11" dur="500"/>
+                                        <p:cTn id="12" dur="500"/>
                                         <p:tgtEl>
                                           <p:spTgt spid="3">
                                             <p:txEl>
@@ -7695,23 +7281,14 @@
                             </p:childTnLst>
                           </p:cTn>
                         </p:par>
-                      </p:childTnLst>
-                    </p:cTn>
-                  </p:par>
-                  <p:par>
-                    <p:cTn id="12" fill="hold">
-                      <p:stCondLst>
-                        <p:cond delay="indefinite"/>
-                      </p:stCondLst>
-                      <p:childTnLst>
                         <p:par>
                           <p:cTn id="13" fill="hold">
                             <p:stCondLst>
-                              <p:cond delay="0"/>
+                              <p:cond delay="500"/>
                             </p:stCondLst>
                             <p:childTnLst>
                               <p:par>
-                                <p:cTn id="14" presetID="9" presetClass="entr" presetSubtype="0" fill="hold" grpId="1" nodeType="clickEffect">
+                                <p:cTn id="14" presetID="9" presetClass="entr" presetSubtype="0" fill="hold" grpId="1" nodeType="afterEffect">
                                   <p:stCondLst>
                                     <p:cond delay="0"/>
                                   </p:stCondLst>
@@ -7848,7 +7425,7 @@
 </p:sld>
 </file>
 
-<file path=ppt/slides/slide6.xml><?xml version="1.0" encoding="utf-8"?>
+<file path=ppt/slides/slide12.xml><?xml version="1.0" encoding="utf-8"?>
 <p:sld xmlns:a="http://schemas.openxmlformats.org/drawingml/2006/main" xmlns:r="http://schemas.openxmlformats.org/officeDocument/2006/relationships" xmlns:p="http://schemas.openxmlformats.org/presentationml/2006/main">
   <p:cSld>
     <p:spTree>
@@ -7877,8 +7454,8 @@
         </p:nvSpPr>
         <p:spPr>
           <a:xfrm>
-            <a:off x="2260600" y="304800"/>
-            <a:ext cx="6121400" cy="1193800"/>
+            <a:off x="1700233" y="252320"/>
+            <a:ext cx="6681767" cy="1248648"/>
           </a:xfrm>
         </p:spPr>
         <p:txBody>
@@ -7886,8 +7463,16 @@
           <a:lstStyle/>
           <a:p>
             <a:r>
+              <a:rPr lang="en-US" sz="4600" dirty="0" smtClean="0">
+                <a:solidFill>
+                  <a:srgbClr val="006600"/>
+                </a:solidFill>
+              </a:rPr>
+              <a:t>Strongly Sound</a:t>
+            </a:r>
+            <a:r>
               <a:rPr lang="en-US" sz="4600" dirty="0" smtClean="0"/>
-              <a:t>Soundness &amp; Validity</a:t>
+              <a:t> Rules</a:t>
             </a:r>
             <a:endParaRPr lang="en-US" sz="4600" dirty="0"/>
           </a:p>
@@ -7902,7 +7487,7 @@
         <p:spPr>
           <a:xfrm>
             <a:off x="459546" y="1675812"/>
-            <a:ext cx="8481254" cy="3416320"/>
+            <a:ext cx="8167562" cy="3721019"/>
           </a:xfrm>
           <a:prstGeom prst="rect">
             <a:avLst/>
@@ -7917,32 +7502,35 @@
           <a:p>
             <a:pPr algn="l"/>
             <a:r>
-              <a:rPr lang="en-US" sz="4400" i="1" dirty="0" smtClean="0">
-                <a:latin typeface="Comic Sans MS"/>
-                <a:cs typeface="Comic Sans MS"/>
-              </a:rPr>
-              <a:t>Lemma:</a:t>
-            </a:r>
-            <a:r>
-              <a:rPr lang="en-US" sz="4800" dirty="0" smtClean="0">
-                <a:latin typeface="Comic Sans MS"/>
-                <a:cs typeface="Comic Sans MS"/>
-              </a:rPr>
-              <a:t> </a:t>
-            </a:r>
-            <a:r>
               <a:rPr lang="en-US" sz="5400" dirty="0" smtClean="0">
                 <a:latin typeface="Comic Sans MS"/>
                 <a:cs typeface="Comic Sans MS"/>
               </a:rPr>
-              <a:t>A rule is sound </a:t>
-            </a:r>
-            <a:r>
-              <a:rPr lang="en-US" sz="5400" dirty="0" err="1" smtClean="0">
+              <a:t>Rule </a:t>
+            </a:r>
+            <a:r>
+              <a:rPr lang="en-US" sz="5400" dirty="0" smtClean="0">
                 <a:latin typeface="Comic Sans MS"/>
                 <a:cs typeface="Comic Sans MS"/>
               </a:rPr>
-              <a:t>iff</a:t>
+              <a:t>is </a:t>
+            </a:r>
+            <a:r>
+              <a:rPr lang="en-US" sz="5400" dirty="0" smtClean="0">
+                <a:solidFill>
+                  <a:srgbClr val="006600"/>
+                </a:solidFill>
+                <a:latin typeface="Comic Sans MS"/>
+                <a:cs typeface="Comic Sans MS"/>
+              </a:rPr>
+              <a:t>strongly sound</a:t>
+            </a:r>
+            <a:r>
+              <a:rPr lang="en-US" sz="5400" dirty="0" smtClean="0">
+                <a:latin typeface="Comic Sans MS"/>
+                <a:cs typeface="Comic Sans MS"/>
+              </a:rPr>
+              <a:t>:</a:t>
             </a:r>
             <a:endParaRPr lang="en-US" sz="5400" dirty="0" smtClean="0">
               <a:latin typeface="Comic Sans MS"/>
@@ -7950,7 +7538,11 @@
             </a:endParaRPr>
           </a:p>
           <a:p>
-            <a:pPr algn="l"/>
+            <a:pPr algn="l">
+              <a:lnSpc>
+                <a:spcPct val="120000"/>
+              </a:lnSpc>
+            </a:pPr>
             <a:r>
               <a:rPr lang="en-US" sz="4800" dirty="0" smtClean="0">
                 <a:solidFill>
@@ -8031,7 +7623,11 @@
             </a:r>
           </a:p>
           <a:p>
-            <a:pPr algn="l"/>
+            <a:pPr algn="l">
+              <a:lnSpc>
+                <a:spcPct val="120000"/>
+              </a:lnSpc>
+            </a:pPr>
             <a:r>
               <a:rPr lang="en-US" sz="5400" dirty="0" smtClean="0">
                 <a:latin typeface="Comic Sans MS" pitchFamily="66" charset="0"/>
@@ -8041,7 +7637,7 @@
             <a:r>
               <a:rPr lang="en-US" sz="5400" dirty="0" smtClean="0">
                 <a:solidFill>
-                  <a:srgbClr val="006600"/>
+                  <a:srgbClr val="BB0FAB"/>
                 </a:solidFill>
                 <a:latin typeface="Comic Sans MS" pitchFamily="66" charset="0"/>
               </a:rPr>
@@ -8083,7 +7679,7 @@
             <a:fld id="{3251DA95-B240-47FE-901D-B78FC8E8E532}" type="slidenum">
               <a:rPr lang="en-US" smtClean="0"/>
               <a:pPr/>
-              <a:t>6</a:t>
+              <a:t>12</a:t>
             </a:fld>
             <a:endParaRPr lang="en-US" dirty="0"/>
           </a:p>
@@ -8099,13 +7695,4343 @@
   <p:clrMapOvr>
     <a:masterClrMapping/>
   </p:clrMapOvr>
+  <mc:AlternateContent xmlns:mc="http://schemas.openxmlformats.org/markup-compatibility/2006">
+    <mc:Choice xmlns:p14="http://schemas.microsoft.com/office/powerpoint/2010/main" Requires="p14">
+      <p:transition spd="med" p14:dur="700" advClick="0">
+        <p:fade/>
+      </p:transition>
+    </mc:Choice>
+    <mc:Fallback>
+      <p:transition xmlns:p14="http://schemas.microsoft.com/office/powerpoint/2010/main" spd="med" advClick="0">
+        <p:fade/>
+      </p:transition>
+    </mc:Fallback>
+  </mc:AlternateContent>
+  <p:timing>
+    <p:tnLst>
+      <p:par>
+        <p:cTn xmlns:p14="http://schemas.microsoft.com/office/powerpoint/2010/main" id="1" dur="indefinite" restart="never" nodeType="tmRoot"/>
+      </p:par>
+    </p:tnLst>
+  </p:timing>
+</p:sld>
+</file>
+
+<file path=ppt/slides/slide13.xml><?xml version="1.0" encoding="utf-8"?>
+<p:sld xmlns:a="http://schemas.openxmlformats.org/drawingml/2006/main" xmlns:r="http://schemas.openxmlformats.org/officeDocument/2006/relationships" xmlns:p="http://schemas.openxmlformats.org/presentationml/2006/main">
+  <p:cSld>
+    <p:spTree>
+      <p:nvGrpSpPr>
+        <p:cNvPr id="1" name=""/>
+        <p:cNvGrpSpPr/>
+        <p:nvPr/>
+      </p:nvGrpSpPr>
+      <p:grpSpPr>
+        <a:xfrm>
+          <a:off x="0" y="0"/>
+          <a:ext cx="0" cy="0"/>
+          <a:chOff x="0" y="0"/>
+          <a:chExt cx="0" cy="0"/>
+        </a:xfrm>
+      </p:grpSpPr>
+      <p:sp>
+        <p:nvSpPr>
+          <p:cNvPr id="3" name="Content Placeholder 2"/>
+          <p:cNvSpPr>
+            <a:spLocks noGrp="1"/>
+          </p:cNvSpPr>
+          <p:nvPr>
+            <p:ph idx="1"/>
+          </p:nvPr>
+        </p:nvSpPr>
+        <p:spPr>
+          <a:xfrm>
+            <a:off x="167924" y="1647914"/>
+            <a:ext cx="8868500" cy="4104042"/>
+          </a:xfrm>
+        </p:spPr>
+        <p:txBody>
+          <a:bodyPr/>
+          <a:lstStyle/>
+          <a:p>
+            <a:r>
+              <a:rPr lang="en-US" sz="4800" dirty="0" smtClean="0"/>
+              <a:t>If </a:t>
+            </a:r>
+            <a:r>
+              <a:rPr lang="en-US" sz="4800" dirty="0" smtClean="0"/>
+              <a:t>rules are </a:t>
+            </a:r>
+            <a:r>
+              <a:rPr lang="en-US" sz="4800" dirty="0" smtClean="0">
+                <a:solidFill>
+                  <a:srgbClr val="006600"/>
+                </a:solidFill>
+              </a:rPr>
+              <a:t>strongly sound</a:t>
+            </a:r>
+            <a:r>
+              <a:rPr lang="en-US" sz="4800" dirty="0" smtClean="0"/>
+              <a:t>,</a:t>
+            </a:r>
+          </a:p>
+          <a:p>
+            <a:r>
+              <a:rPr lang="en-US" sz="4800" dirty="0" smtClean="0"/>
+              <a:t>and axioms </a:t>
+            </a:r>
+            <a:r>
+              <a:rPr lang="en-US" sz="4800" dirty="0"/>
+              <a:t>are </a:t>
+            </a:r>
+            <a:r>
+              <a:rPr lang="en-US" sz="4800" dirty="0">
+                <a:solidFill>
+                  <a:srgbClr val="006600"/>
+                </a:solidFill>
+              </a:rPr>
+              <a:t>true</a:t>
+            </a:r>
+            <a:r>
+              <a:rPr lang="en-US" sz="4800" dirty="0"/>
+              <a:t> in some </a:t>
+            </a:r>
+          </a:p>
+          <a:p>
+            <a:r>
+              <a:rPr lang="en-US" sz="4800" dirty="0" smtClean="0"/>
+              <a:t>environment</a:t>
+            </a:r>
+            <a:endParaRPr lang="en-US" sz="4800" dirty="0"/>
+          </a:p>
+        </p:txBody>
+      </p:sp>
+      <p:sp>
+        <p:nvSpPr>
+          <p:cNvPr id="4" name="Slide Number Placeholder 3"/>
+          <p:cNvSpPr>
+            <a:spLocks noGrp="1"/>
+          </p:cNvSpPr>
+          <p:nvPr>
+            <p:ph type="sldNum" sz="quarter" idx="10"/>
+          </p:nvPr>
+        </p:nvSpPr>
+        <p:spPr>
+          <a:xfrm>
+            <a:off x="8420278" y="6553200"/>
+            <a:ext cx="723726" cy="276999"/>
+          </a:xfrm>
+        </p:spPr>
+        <p:txBody>
+          <a:bodyPr/>
+          <a:lstStyle/>
+          <a:p>
+            <a:pPr>
+              <a:defRPr/>
+            </a:pPr>
+            <a:r>
+              <a:rPr lang="en-US" dirty="0" smtClean="0"/>
+              <a:t>sound.</a:t>
+            </a:r>
+            <a:fld id="{A528ADE2-B74F-4D9D-8D04-FB5D781EAB51}" type="slidenum">
+              <a:rPr lang="en-US" smtClean="0"/>
+              <a:pPr>
+                <a:defRPr/>
+              </a:pPr>
+              <a:t>13</a:t>
+            </a:fld>
+            <a:endParaRPr lang="en-US" dirty="0"/>
+          </a:p>
+        </p:txBody>
+      </p:sp>
+      <p:sp>
+        <p:nvSpPr>
+          <p:cNvPr id="7" name="Title 12"/>
+          <p:cNvSpPr>
+            <a:spLocks noGrp="1"/>
+          </p:cNvSpPr>
+          <p:nvPr>
+            <p:ph type="title"/>
+          </p:nvPr>
+        </p:nvSpPr>
+        <p:spPr>
+          <a:xfrm>
+            <a:off x="1700233" y="252320"/>
+            <a:ext cx="6681767" cy="1248648"/>
+          </a:xfrm>
+        </p:spPr>
+        <p:txBody>
+          <a:bodyPr/>
+          <a:lstStyle/>
+          <a:p>
+            <a:r>
+              <a:rPr lang="en-US" sz="4600" dirty="0" smtClean="0">
+                <a:solidFill>
+                  <a:srgbClr val="006600"/>
+                </a:solidFill>
+              </a:rPr>
+              <a:t>Strongly Sound</a:t>
+            </a:r>
+            <a:r>
+              <a:rPr lang="en-US" sz="4600" dirty="0" smtClean="0"/>
+              <a:t> Proofs</a:t>
+            </a:r>
+            <a:endParaRPr lang="en-US" sz="4600" dirty="0"/>
+          </a:p>
+        </p:txBody>
+      </p:sp>
+    </p:spTree>
+    <p:extLst>
+      <p:ext uri="{BB962C8B-B14F-4D97-AF65-F5344CB8AC3E}">
+        <p14:creationId xmlns:p14="http://schemas.microsoft.com/office/powerpoint/2010/main" val="56495875"/>
+      </p:ext>
+    </p:extLst>
+  </p:cSld>
+  <p:clrMapOvr>
+    <a:masterClrMapping/>
+  </p:clrMapOvr>
+  <mc:AlternateContent xmlns:mc="http://schemas.openxmlformats.org/markup-compatibility/2006">
+    <mc:Choice xmlns:p14="http://schemas.microsoft.com/office/powerpoint/2010/main" Requires="p14">
+      <p:transition spd="slow" p14:dur="800" advClick="0">
+        <p:fade thruBlk="1"/>
+      </p:transition>
+    </mc:Choice>
+    <mc:Fallback>
+      <p:transition xmlns:p14="http://schemas.microsoft.com/office/powerpoint/2010/main" spd="slow" advClick="0">
+        <p:fade thruBlk="1"/>
+      </p:transition>
+    </mc:Fallback>
+  </mc:AlternateContent>
+  <p:timing>
+    <p:tnLst>
+      <p:par>
+        <p:cTn xmlns:p14="http://schemas.microsoft.com/office/powerpoint/2010/main" id="1" dur="indefinite" restart="never" nodeType="tmRoot">
+          <p:childTnLst>
+            <p:seq concurrent="1" nextAc="seek">
+              <p:cTn id="2" dur="indefinite" nodeType="mainSeq">
+                <p:childTnLst>
+                  <p:par>
+                    <p:cTn id="3" fill="hold">
+                      <p:stCondLst>
+                        <p:cond delay="indefinite"/>
+                      </p:stCondLst>
+                      <p:childTnLst>
+                        <p:par>
+                          <p:cTn id="4" fill="hold">
+                            <p:stCondLst>
+                              <p:cond delay="0"/>
+                            </p:stCondLst>
+                            <p:childTnLst>
+                              <p:par>
+                                <p:cTn id="5" presetID="10" presetClass="entr" presetSubtype="0" fill="hold" nodeType="clickEffect">
+                                  <p:stCondLst>
+                                    <p:cond delay="0"/>
+                                  </p:stCondLst>
+                                  <p:childTnLst>
+                                    <p:set>
+                                      <p:cBhvr>
+                                        <p:cTn id="6" dur="1" fill="hold">
+                                          <p:stCondLst>
+                                            <p:cond delay="0"/>
+                                          </p:stCondLst>
+                                        </p:cTn>
+                                        <p:tgtEl>
+                                          <p:spTgt spid="3">
+                                            <p:txEl>
+                                              <p:pRg st="1" end="1"/>
+                                            </p:txEl>
+                                          </p:spTgt>
+                                        </p:tgtEl>
+                                        <p:attrNameLst>
+                                          <p:attrName>style.visibility</p:attrName>
+                                        </p:attrNameLst>
+                                      </p:cBhvr>
+                                      <p:to>
+                                        <p:strVal val="visible"/>
+                                      </p:to>
+                                    </p:set>
+                                    <p:animEffect transition="in" filter="fade">
+                                      <p:cBhvr>
+                                        <p:cTn id="7" dur="500"/>
+                                        <p:tgtEl>
+                                          <p:spTgt spid="3">
+                                            <p:txEl>
+                                              <p:pRg st="1" end="1"/>
+                                            </p:txEl>
+                                          </p:spTgt>
+                                        </p:tgtEl>
+                                      </p:cBhvr>
+                                    </p:animEffect>
+                                  </p:childTnLst>
+                                </p:cTn>
+                              </p:par>
+                              <p:par>
+                                <p:cTn id="8" presetID="10" presetClass="entr" presetSubtype="0" fill="hold" nodeType="withEffect">
+                                  <p:stCondLst>
+                                    <p:cond delay="0"/>
+                                  </p:stCondLst>
+                                  <p:childTnLst>
+                                    <p:set>
+                                      <p:cBhvr>
+                                        <p:cTn id="9" dur="1" fill="hold">
+                                          <p:stCondLst>
+                                            <p:cond delay="0"/>
+                                          </p:stCondLst>
+                                        </p:cTn>
+                                        <p:tgtEl>
+                                          <p:spTgt spid="3">
+                                            <p:txEl>
+                                              <p:pRg st="2" end="2"/>
+                                            </p:txEl>
+                                          </p:spTgt>
+                                        </p:tgtEl>
+                                        <p:attrNameLst>
+                                          <p:attrName>style.visibility</p:attrName>
+                                        </p:attrNameLst>
+                                      </p:cBhvr>
+                                      <p:to>
+                                        <p:strVal val="visible"/>
+                                      </p:to>
+                                    </p:set>
+                                    <p:animEffect transition="in" filter="fade">
+                                      <p:cBhvr>
+                                        <p:cTn id="10" dur="500"/>
+                                        <p:tgtEl>
+                                          <p:spTgt spid="3">
+                                            <p:txEl>
+                                              <p:pRg st="2" end="2"/>
+                                            </p:txEl>
+                                          </p:spTgt>
+                                        </p:tgtEl>
+                                      </p:cBhvr>
+                                    </p:animEffect>
+                                  </p:childTnLst>
+                                </p:cTn>
+                              </p:par>
+                            </p:childTnLst>
+                          </p:cTn>
+                        </p:par>
+                      </p:childTnLst>
+                    </p:cTn>
+                  </p:par>
+                </p:childTnLst>
+              </p:cTn>
+              <p:prevCondLst>
+                <p:cond evt="onPrev" delay="0">
+                  <p:tgtEl>
+                    <p:sldTgt/>
+                  </p:tgtEl>
+                </p:cond>
+              </p:prevCondLst>
+              <p:nextCondLst>
+                <p:cond evt="onNext" delay="0">
+                  <p:tgtEl>
+                    <p:sldTgt/>
+                  </p:tgtEl>
+                </p:cond>
+              </p:nextCondLst>
+            </p:seq>
+          </p:childTnLst>
+        </p:cTn>
+      </p:par>
+    </p:tnLst>
+  </p:timing>
+</p:sld>
+</file>
+
+<file path=ppt/slides/slide14.xml><?xml version="1.0" encoding="utf-8"?>
+<p:sld xmlns:a="http://schemas.openxmlformats.org/drawingml/2006/main" xmlns:r="http://schemas.openxmlformats.org/officeDocument/2006/relationships" xmlns:p="http://schemas.openxmlformats.org/presentationml/2006/main">
+  <p:cSld>
+    <p:spTree>
+      <p:nvGrpSpPr>
+        <p:cNvPr id="1" name=""/>
+        <p:cNvGrpSpPr/>
+        <p:nvPr/>
+      </p:nvGrpSpPr>
+      <p:grpSpPr>
+        <a:xfrm>
+          <a:off x="0" y="0"/>
+          <a:ext cx="0" cy="0"/>
+          <a:chOff x="0" y="0"/>
+          <a:chExt cx="0" cy="0"/>
+        </a:xfrm>
+      </p:grpSpPr>
+      <p:sp>
+        <p:nvSpPr>
+          <p:cNvPr id="3" name="Content Placeholder 2"/>
+          <p:cNvSpPr>
+            <a:spLocks noGrp="1"/>
+          </p:cNvSpPr>
+          <p:nvPr>
+            <p:ph idx="1"/>
+          </p:nvPr>
+        </p:nvSpPr>
+        <p:spPr>
+          <a:xfrm>
+            <a:off x="167924" y="1647914"/>
+            <a:ext cx="8868500" cy="4104042"/>
+          </a:xfrm>
+        </p:spPr>
+        <p:txBody>
+          <a:bodyPr/>
+          <a:lstStyle/>
+          <a:p>
+            <a:r>
+              <a:rPr lang="en-US" sz="4800" dirty="0" smtClean="0"/>
+              <a:t>If </a:t>
+            </a:r>
+            <a:r>
+              <a:rPr lang="en-US" sz="4800" dirty="0" smtClean="0"/>
+              <a:t>rules are strongly sound,</a:t>
+            </a:r>
+          </a:p>
+          <a:p>
+            <a:r>
+              <a:rPr lang="en-US" sz="4800" dirty="0" smtClean="0"/>
+              <a:t>and axioms </a:t>
+            </a:r>
+            <a:r>
+              <a:rPr lang="en-US" sz="4800" dirty="0"/>
+              <a:t>are </a:t>
+            </a:r>
+            <a:r>
+              <a:rPr lang="en-US" sz="4800" dirty="0">
+                <a:solidFill>
+                  <a:srgbClr val="006600"/>
+                </a:solidFill>
+              </a:rPr>
+              <a:t>true</a:t>
+            </a:r>
+            <a:r>
+              <a:rPr lang="en-US" sz="4800" dirty="0"/>
+              <a:t> in some </a:t>
+            </a:r>
+          </a:p>
+          <a:p>
+            <a:r>
+              <a:rPr lang="en-US" sz="4800" dirty="0" smtClean="0"/>
+              <a:t>environment, then the proof</a:t>
+            </a:r>
+            <a:endParaRPr lang="en-US" sz="4800" dirty="0"/>
+          </a:p>
+          <a:p>
+            <a:r>
+              <a:rPr lang="en-US" sz="4800" dirty="0"/>
+              <a:t>conclusion is </a:t>
+            </a:r>
+            <a:r>
+              <a:rPr lang="en-US" sz="4800" dirty="0" smtClean="0">
+                <a:solidFill>
+                  <a:srgbClr val="006600"/>
+                </a:solidFill>
+              </a:rPr>
+              <a:t>true</a:t>
+            </a:r>
+            <a:r>
+              <a:rPr lang="en-US" sz="4800" dirty="0" smtClean="0"/>
+              <a:t> in that </a:t>
+            </a:r>
+            <a:r>
+              <a:rPr lang="en-US" sz="4800" dirty="0" err="1" smtClean="0"/>
+              <a:t>env</a:t>
+            </a:r>
+            <a:endParaRPr lang="en-US" sz="4800" dirty="0"/>
+          </a:p>
+          <a:p>
+            <a:endParaRPr lang="en-US" sz="4800" dirty="0"/>
+          </a:p>
+        </p:txBody>
+      </p:sp>
+      <p:sp>
+        <p:nvSpPr>
+          <p:cNvPr id="4" name="Slide Number Placeholder 3"/>
+          <p:cNvSpPr>
+            <a:spLocks noGrp="1"/>
+          </p:cNvSpPr>
+          <p:nvPr>
+            <p:ph type="sldNum" sz="quarter" idx="10"/>
+          </p:nvPr>
+        </p:nvSpPr>
+        <p:spPr>
+          <a:xfrm>
+            <a:off x="8420278" y="6553200"/>
+            <a:ext cx="723726" cy="276999"/>
+          </a:xfrm>
+        </p:spPr>
+        <p:txBody>
+          <a:bodyPr/>
+          <a:lstStyle/>
+          <a:p>
+            <a:pPr>
+              <a:defRPr/>
+            </a:pPr>
+            <a:r>
+              <a:rPr lang="en-US" dirty="0" smtClean="0"/>
+              <a:t>sound.</a:t>
+            </a:r>
+            <a:fld id="{A528ADE2-B74F-4D9D-8D04-FB5D781EAB51}" type="slidenum">
+              <a:rPr lang="en-US" smtClean="0"/>
+              <a:pPr>
+                <a:defRPr/>
+              </a:pPr>
+              <a:t>14</a:t>
+            </a:fld>
+            <a:endParaRPr lang="en-US" dirty="0"/>
+          </a:p>
+        </p:txBody>
+      </p:sp>
+      <p:sp>
+        <p:nvSpPr>
+          <p:cNvPr id="7" name="Title 12"/>
+          <p:cNvSpPr>
+            <a:spLocks noGrp="1"/>
+          </p:cNvSpPr>
+          <p:nvPr>
+            <p:ph type="title"/>
+          </p:nvPr>
+        </p:nvSpPr>
+        <p:spPr>
+          <a:xfrm>
+            <a:off x="1700233" y="252320"/>
+            <a:ext cx="6681767" cy="1248648"/>
+          </a:xfrm>
+        </p:spPr>
+        <p:txBody>
+          <a:bodyPr/>
+          <a:lstStyle/>
+          <a:p>
+            <a:r>
+              <a:rPr lang="en-US" sz="4600" dirty="0" smtClean="0">
+                <a:solidFill>
+                  <a:srgbClr val="006600"/>
+                </a:solidFill>
+              </a:rPr>
+              <a:t>Strongly Sound</a:t>
+            </a:r>
+            <a:r>
+              <a:rPr lang="en-US" sz="4600" dirty="0" smtClean="0"/>
+              <a:t> Proofs</a:t>
+            </a:r>
+            <a:endParaRPr lang="en-US" sz="4600" dirty="0"/>
+          </a:p>
+        </p:txBody>
+      </p:sp>
+    </p:spTree>
+    <p:extLst>
+      <p:ext uri="{BB962C8B-B14F-4D97-AF65-F5344CB8AC3E}">
+        <p14:creationId xmlns:p14="http://schemas.microsoft.com/office/powerpoint/2010/main" val="2838872434"/>
+      </p:ext>
+    </p:extLst>
+  </p:cSld>
+  <p:clrMapOvr>
+    <a:masterClrMapping/>
+  </p:clrMapOvr>
+  <mc:AlternateContent xmlns:mc="http://schemas.openxmlformats.org/markup-compatibility/2006">
+    <mc:Choice xmlns:p14="http://schemas.microsoft.com/office/powerpoint/2010/main" Requires="p14">
+      <p:transition spd="slow" p14:dur="1200" advClick="0">
+        <p:fade thruBlk="1"/>
+      </p:transition>
+    </mc:Choice>
+    <mc:Fallback>
+      <p:transition xmlns:p14="http://schemas.microsoft.com/office/powerpoint/2010/main" spd="slow" advClick="0">
+        <p:fade thruBlk="1"/>
+      </p:transition>
+    </mc:Fallback>
+  </mc:AlternateContent>
+  <p:timing>
+    <p:tnLst>
+      <p:par>
+        <p:cTn xmlns:p14="http://schemas.microsoft.com/office/powerpoint/2010/main" id="1" dur="indefinite" restart="never" nodeType="tmRoot"/>
+      </p:par>
+    </p:tnLst>
+  </p:timing>
+</p:sld>
+</file>
+
+<file path=ppt/slides/slide15.xml><?xml version="1.0" encoding="utf-8"?>
+<p:sld xmlns:a="http://schemas.openxmlformats.org/drawingml/2006/main" xmlns:r="http://schemas.openxmlformats.org/officeDocument/2006/relationships" xmlns:p="http://schemas.openxmlformats.org/presentationml/2006/main" show="0">
+  <p:cSld>
+    <p:spTree>
+      <p:nvGrpSpPr>
+        <p:cNvPr id="1" name=""/>
+        <p:cNvGrpSpPr/>
+        <p:nvPr/>
+      </p:nvGrpSpPr>
+      <p:grpSpPr>
+        <a:xfrm>
+          <a:off x="0" y="0"/>
+          <a:ext cx="0" cy="0"/>
+          <a:chOff x="0" y="0"/>
+          <a:chExt cx="0" cy="0"/>
+        </a:xfrm>
+      </p:grpSpPr>
+      <p:sp>
+        <p:nvSpPr>
+          <p:cNvPr id="3" name="Content Placeholder 2"/>
+          <p:cNvSpPr>
+            <a:spLocks noGrp="1"/>
+          </p:cNvSpPr>
+          <p:nvPr>
+            <p:ph idx="1"/>
+          </p:nvPr>
+        </p:nvSpPr>
+        <p:spPr>
+          <a:xfrm>
+            <a:off x="327644" y="1619732"/>
+            <a:ext cx="8708780" cy="4132224"/>
+          </a:xfrm>
+        </p:spPr>
+        <p:txBody>
+          <a:bodyPr/>
+          <a:lstStyle/>
+          <a:p>
+            <a:r>
+              <a:rPr lang="en-US" sz="5400" dirty="0" smtClean="0"/>
+              <a:t>If axioms are </a:t>
+            </a:r>
+            <a:r>
+              <a:rPr lang="en-US" sz="5400" dirty="0" smtClean="0">
+                <a:solidFill>
+                  <a:srgbClr val="006600"/>
+                </a:solidFill>
+              </a:rPr>
+              <a:t>true</a:t>
+            </a:r>
+            <a:r>
+              <a:rPr lang="en-US" sz="5400" dirty="0" smtClean="0"/>
+              <a:t> </a:t>
+            </a:r>
+            <a:r>
+              <a:rPr lang="en-US" sz="5400" dirty="0" smtClean="0"/>
+              <a:t>in some </a:t>
+            </a:r>
+            <a:endParaRPr lang="en-US" sz="5400" dirty="0" smtClean="0"/>
+          </a:p>
+          <a:p>
+            <a:r>
+              <a:rPr lang="en-US" sz="5400" dirty="0" smtClean="0"/>
+              <a:t>environment, </a:t>
+            </a:r>
+            <a:r>
+              <a:rPr lang="en-US" sz="5400" dirty="0" smtClean="0"/>
+              <a:t>and rules are </a:t>
+            </a:r>
+          </a:p>
+          <a:p>
+            <a:r>
+              <a:rPr lang="en-US" sz="5400" dirty="0" smtClean="0"/>
+              <a:t>strongly sound, then</a:t>
+            </a:r>
+            <a:r>
+              <a:rPr lang="en-US" sz="5400" dirty="0" smtClean="0"/>
+              <a:t> </a:t>
+            </a:r>
+            <a:endParaRPr lang="en-US" sz="5400" dirty="0" smtClean="0"/>
+          </a:p>
+          <a:p>
+            <a:r>
+              <a:rPr lang="en-US" sz="5400" dirty="0" smtClean="0"/>
+              <a:t>conclusion is </a:t>
+            </a:r>
+            <a:r>
+              <a:rPr lang="en-US" sz="5400" dirty="0" smtClean="0">
+                <a:solidFill>
+                  <a:srgbClr val="006600"/>
+                </a:solidFill>
+              </a:rPr>
+              <a:t>true</a:t>
+            </a:r>
+            <a:r>
+              <a:rPr lang="en-US" sz="5400" dirty="0" smtClean="0"/>
+              <a:t>.</a:t>
+            </a:r>
+            <a:endParaRPr lang="en-US" sz="5400" dirty="0"/>
+          </a:p>
+        </p:txBody>
+      </p:sp>
+      <p:sp>
+        <p:nvSpPr>
+          <p:cNvPr id="4" name="Slide Number Placeholder 3"/>
+          <p:cNvSpPr>
+            <a:spLocks noGrp="1"/>
+          </p:cNvSpPr>
+          <p:nvPr>
+            <p:ph type="sldNum" sz="quarter" idx="10"/>
+          </p:nvPr>
+        </p:nvSpPr>
+        <p:spPr>
+          <a:xfrm>
+            <a:off x="8420278" y="6553200"/>
+            <a:ext cx="723726" cy="276999"/>
+          </a:xfrm>
+        </p:spPr>
+        <p:txBody>
+          <a:bodyPr/>
+          <a:lstStyle/>
+          <a:p>
+            <a:pPr>
+              <a:defRPr/>
+            </a:pPr>
+            <a:r>
+              <a:rPr lang="en-US" dirty="0" smtClean="0"/>
+              <a:t>sound.</a:t>
+            </a:r>
+            <a:fld id="{A528ADE2-B74F-4D9D-8D04-FB5D781EAB51}" type="slidenum">
+              <a:rPr lang="en-US" smtClean="0"/>
+              <a:pPr>
+                <a:defRPr/>
+              </a:pPr>
+              <a:t>15</a:t>
+            </a:fld>
+            <a:endParaRPr lang="en-US" dirty="0"/>
+          </a:p>
+        </p:txBody>
+      </p:sp>
+      <p:sp>
+        <p:nvSpPr>
+          <p:cNvPr id="7" name="Title 12"/>
+          <p:cNvSpPr>
+            <a:spLocks noGrp="1"/>
+          </p:cNvSpPr>
+          <p:nvPr>
+            <p:ph type="title"/>
+          </p:nvPr>
+        </p:nvSpPr>
+        <p:spPr>
+          <a:xfrm>
+            <a:off x="1700233" y="252320"/>
+            <a:ext cx="6681767" cy="1248648"/>
+          </a:xfrm>
+        </p:spPr>
+        <p:txBody>
+          <a:bodyPr/>
+          <a:lstStyle/>
+          <a:p>
+            <a:r>
+              <a:rPr lang="en-US" sz="4600" dirty="0" smtClean="0">
+                <a:solidFill>
+                  <a:srgbClr val="006600"/>
+                </a:solidFill>
+              </a:rPr>
+              <a:t>Strongly Sound</a:t>
+            </a:r>
+            <a:r>
+              <a:rPr lang="en-US" sz="4600" dirty="0" smtClean="0"/>
+              <a:t> Proofs</a:t>
+            </a:r>
+            <a:endParaRPr lang="en-US" sz="4600" dirty="0"/>
+          </a:p>
+        </p:txBody>
+      </p:sp>
+    </p:spTree>
+    <p:extLst>
+      <p:ext uri="{BB962C8B-B14F-4D97-AF65-F5344CB8AC3E}">
+        <p14:creationId xmlns:p14="http://schemas.microsoft.com/office/powerpoint/2010/main" val="3413745244"/>
+      </p:ext>
+    </p:extLst>
+  </p:cSld>
+  <p:clrMapOvr>
+    <a:masterClrMapping/>
+  </p:clrMapOvr>
+  <mc:AlternateContent xmlns:mc="http://schemas.openxmlformats.org/markup-compatibility/2006">
+    <mc:Choice xmlns:p14="http://schemas.microsoft.com/office/powerpoint/2010/main" Requires="p14">
+      <p:transition spd="slow" p14:dur="1200" advClick="0">
+        <p:fade thruBlk="1"/>
+      </p:transition>
+    </mc:Choice>
+    <mc:Fallback>
+      <p:transition xmlns:p14="http://schemas.microsoft.com/office/powerpoint/2010/main" spd="slow" advClick="0">
+        <p:fade thruBlk="1"/>
+      </p:transition>
+    </mc:Fallback>
+  </mc:AlternateContent>
+  <p:timing>
+    <p:tnLst>
+      <p:par>
+        <p:cTn xmlns:p14="http://schemas.microsoft.com/office/powerpoint/2010/main" id="1" dur="indefinite" restart="never" nodeType="tmRoot">
+          <p:childTnLst>
+            <p:seq concurrent="1" nextAc="seek">
+              <p:cTn id="2" dur="indefinite" nodeType="mainSeq">
+                <p:childTnLst>
+                  <p:par>
+                    <p:cTn id="3" fill="hold">
+                      <p:stCondLst>
+                        <p:cond delay="indefinite"/>
+                      </p:stCondLst>
+                      <p:childTnLst>
+                        <p:par>
+                          <p:cTn id="4" fill="hold">
+                            <p:stCondLst>
+                              <p:cond delay="0"/>
+                            </p:stCondLst>
+                            <p:childTnLst>
+                              <p:par>
+                                <p:cTn id="5" presetID="9" presetClass="entr" presetSubtype="0" fill="hold" grpId="0" nodeType="clickEffect">
+                                  <p:stCondLst>
+                                    <p:cond delay="0"/>
+                                  </p:stCondLst>
+                                  <p:childTnLst>
+                                    <p:set>
+                                      <p:cBhvr>
+                                        <p:cTn id="6" dur="1" fill="hold">
+                                          <p:stCondLst>
+                                            <p:cond delay="0"/>
+                                          </p:stCondLst>
+                                        </p:cTn>
+                                        <p:tgtEl>
+                                          <p:spTgt spid="3">
+                                            <p:txEl>
+                                              <p:pRg st="3" end="3"/>
+                                            </p:txEl>
+                                          </p:spTgt>
+                                        </p:tgtEl>
+                                        <p:attrNameLst>
+                                          <p:attrName>style.visibility</p:attrName>
+                                        </p:attrNameLst>
+                                      </p:cBhvr>
+                                      <p:to>
+                                        <p:strVal val="visible"/>
+                                      </p:to>
+                                    </p:set>
+                                    <p:animEffect transition="in" filter="dissolve">
+                                      <p:cBhvr>
+                                        <p:cTn id="7" dur="500"/>
+                                        <p:tgtEl>
+                                          <p:spTgt spid="3">
+                                            <p:txEl>
+                                              <p:pRg st="3" end="3"/>
+                                            </p:txEl>
+                                          </p:spTgt>
+                                        </p:tgtEl>
+                                      </p:cBhvr>
+                                    </p:animEffect>
+                                  </p:childTnLst>
+                                </p:cTn>
+                              </p:par>
+                            </p:childTnLst>
+                          </p:cTn>
+                        </p:par>
+                      </p:childTnLst>
+                    </p:cTn>
+                  </p:par>
+                </p:childTnLst>
+              </p:cTn>
+              <p:prevCondLst>
+                <p:cond evt="onPrev" delay="0">
+                  <p:tgtEl>
+                    <p:sldTgt/>
+                  </p:tgtEl>
+                </p:cond>
+              </p:prevCondLst>
+              <p:nextCondLst>
+                <p:cond evt="onNext" delay="0">
+                  <p:tgtEl>
+                    <p:sldTgt/>
+                  </p:tgtEl>
+                </p:cond>
+              </p:nextCondLst>
+            </p:seq>
+          </p:childTnLst>
+        </p:cTn>
+      </p:par>
+    </p:tnLst>
+    <p:bldLst>
+      <p:bldP spid="3" grpId="0" build="p"/>
+    </p:bldLst>
+  </p:timing>
+</p:sld>
+</file>
+
+<file path=ppt/slides/slide16.xml><?xml version="1.0" encoding="utf-8"?>
+<p:sld xmlns:a="http://schemas.openxmlformats.org/drawingml/2006/main" xmlns:r="http://schemas.openxmlformats.org/officeDocument/2006/relationships" xmlns:p="http://schemas.openxmlformats.org/presentationml/2006/main">
+  <p:cSld>
+    <p:spTree>
+      <p:nvGrpSpPr>
+        <p:cNvPr id="1" name=""/>
+        <p:cNvGrpSpPr/>
+        <p:nvPr/>
+      </p:nvGrpSpPr>
+      <p:grpSpPr>
+        <a:xfrm>
+          <a:off x="0" y="0"/>
+          <a:ext cx="0" cy="0"/>
+          <a:chOff x="0" y="0"/>
+          <a:chExt cx="0" cy="0"/>
+        </a:xfrm>
+      </p:grpSpPr>
+      <p:sp>
+        <p:nvSpPr>
+          <p:cNvPr id="2" name="Title 1"/>
+          <p:cNvSpPr>
+            <a:spLocks noGrp="1"/>
+          </p:cNvSpPr>
+          <p:nvPr>
+            <p:ph type="title"/>
+          </p:nvPr>
+        </p:nvSpPr>
+        <p:spPr>
+          <a:xfrm>
+            <a:off x="1574293" y="147357"/>
+            <a:ext cx="6591023" cy="1458572"/>
+          </a:xfrm>
+        </p:spPr>
+        <p:txBody>
+          <a:bodyPr/>
+          <a:lstStyle/>
+          <a:p>
+            <a:r>
+              <a:rPr lang="en-US" sz="4400" dirty="0" smtClean="0">
+                <a:solidFill>
+                  <a:srgbClr val="006600"/>
+                </a:solidFill>
+              </a:rPr>
+              <a:t>Strongly Sound</a:t>
+            </a:r>
+            <a:r>
+              <a:rPr lang="en-US" sz="4400" dirty="0" smtClean="0"/>
+              <a:t> Proofs</a:t>
+            </a:r>
+            <a:endParaRPr lang="en-US" sz="4400" dirty="0"/>
+          </a:p>
+        </p:txBody>
+      </p:sp>
+      <p:sp>
+        <p:nvSpPr>
+          <p:cNvPr id="3" name="Slide Number Placeholder 2"/>
+          <p:cNvSpPr>
+            <a:spLocks noGrp="1"/>
+          </p:cNvSpPr>
+          <p:nvPr>
+            <p:ph type="sldNum" sz="quarter" idx="10"/>
+          </p:nvPr>
+        </p:nvSpPr>
+        <p:spPr/>
+        <p:txBody>
+          <a:bodyPr/>
+          <a:lstStyle/>
+          <a:p>
+            <a:pPr>
+              <a:defRPr/>
+            </a:pPr>
+            <a:r>
+              <a:rPr lang="en-US" smtClean="0"/>
+              <a:t>sound.</a:t>
+            </a:r>
+            <a:fld id="{DB6F0ED6-FEF5-4C9C-B1CC-29B47EC66FAA}" type="slidenum">
+              <a:rPr lang="en-US" smtClean="0"/>
+              <a:pPr>
+                <a:defRPr/>
+              </a:pPr>
+              <a:t>16</a:t>
+            </a:fld>
+            <a:endParaRPr lang="en-US" dirty="0"/>
+          </a:p>
+        </p:txBody>
+      </p:sp>
+      <p:sp>
+        <p:nvSpPr>
+          <p:cNvPr id="4" name="TextBox 3"/>
+          <p:cNvSpPr txBox="1"/>
+          <p:nvPr/>
+        </p:nvSpPr>
+        <p:spPr>
+          <a:xfrm>
+            <a:off x="566738" y="1500971"/>
+            <a:ext cx="8018382" cy="4552015"/>
+          </a:xfrm>
+          <a:prstGeom prst="rect">
+            <a:avLst/>
+          </a:prstGeom>
+          <a:noFill/>
+        </p:spPr>
+        <p:txBody>
+          <a:bodyPr wrap="square" rtlCol="0">
+            <a:spAutoFit/>
+          </a:bodyPr>
+          <a:lstStyle/>
+          <a:p>
+            <a:pPr algn="l"/>
+            <a:r>
+              <a:rPr lang="en-US" sz="5400" dirty="0" smtClean="0">
+                <a:latin typeface="Comic Sans MS" pitchFamily="66" charset="0"/>
+              </a:rPr>
+              <a:t>If </a:t>
+            </a:r>
+            <a:r>
+              <a:rPr lang="en-US" sz="5400" dirty="0" smtClean="0">
+                <a:latin typeface="Comic Sans MS" pitchFamily="66" charset="0"/>
+              </a:rPr>
+              <a:t>proof rules are strongly sound, then</a:t>
+            </a:r>
+          </a:p>
+          <a:p>
+            <a:pPr algn="l">
+              <a:lnSpc>
+                <a:spcPct val="120000"/>
+              </a:lnSpc>
+            </a:pPr>
+            <a:r>
+              <a:rPr lang="en-US" sz="5400" dirty="0">
+                <a:solidFill>
+                  <a:srgbClr val="0000FF"/>
+                </a:solidFill>
+                <a:latin typeface="Comic Sans MS"/>
+                <a:cs typeface="Comic Sans MS"/>
+              </a:rPr>
+              <a:t>AND{</a:t>
+            </a:r>
+            <a:r>
+              <a:rPr lang="en-US" sz="5400" dirty="0" smtClean="0">
+                <a:solidFill>
+                  <a:srgbClr val="0000FF"/>
+                </a:solidFill>
+                <a:latin typeface="Comic Sans MS"/>
+                <a:cs typeface="Comic Sans MS"/>
+              </a:rPr>
+              <a:t>Axioms}</a:t>
+            </a:r>
+            <a:endParaRPr lang="en-US" sz="5400" dirty="0">
+              <a:solidFill>
+                <a:srgbClr val="0000FF"/>
+              </a:solidFill>
+              <a:latin typeface="Comic Sans MS"/>
+              <a:cs typeface="Comic Sans MS"/>
+            </a:endParaRPr>
+          </a:p>
+          <a:p>
+            <a:pPr algn="l"/>
+            <a:r>
+              <a:rPr lang="en-US" sz="5400" dirty="0">
+                <a:solidFill>
+                  <a:srgbClr val="0000FF"/>
+                </a:solidFill>
+                <a:latin typeface="Comic Sans MS"/>
+                <a:cs typeface="Comic Sans MS"/>
+                <a:sym typeface="Euclid Symbol"/>
+              </a:rPr>
+              <a:t>        </a:t>
+            </a:r>
+            <a:r>
+              <a:rPr lang="en-US" sz="4400" dirty="0">
+                <a:solidFill>
+                  <a:srgbClr val="0000FF"/>
+                </a:solidFill>
+                <a:latin typeface="Comic Sans MS"/>
+                <a:cs typeface="Comic Sans MS"/>
+                <a:sym typeface="Euclid Symbol"/>
+              </a:rPr>
+              <a:t>IMPLIES</a:t>
+            </a:r>
+            <a:r>
+              <a:rPr lang="en-US" sz="5400" dirty="0">
+                <a:solidFill>
+                  <a:srgbClr val="0000FF"/>
+                </a:solidFill>
+                <a:latin typeface="cmsy10"/>
+                <a:sym typeface="Euclid Symbol"/>
+              </a:rPr>
+              <a:t> </a:t>
+            </a:r>
+            <a:r>
+              <a:rPr lang="en-US" sz="5400" dirty="0">
+                <a:solidFill>
+                  <a:srgbClr val="0000FF"/>
+                </a:solidFill>
+                <a:latin typeface="Comic Sans MS" pitchFamily="66" charset="0"/>
+                <a:sym typeface="Euclid Symbol"/>
+              </a:rPr>
+              <a:t>Conclusion</a:t>
+            </a:r>
+          </a:p>
+          <a:p>
+            <a:pPr algn="l">
+              <a:lnSpc>
+                <a:spcPct val="120000"/>
+              </a:lnSpc>
+            </a:pPr>
+            <a:r>
+              <a:rPr lang="en-US" sz="5400" dirty="0">
+                <a:latin typeface="Comic Sans MS" pitchFamily="66" charset="0"/>
+              </a:rPr>
+              <a:t>is </a:t>
+            </a:r>
+            <a:r>
+              <a:rPr lang="en-US" sz="5400" dirty="0">
+                <a:solidFill>
+                  <a:srgbClr val="006600"/>
+                </a:solidFill>
+                <a:latin typeface="Comic Sans MS" pitchFamily="66" charset="0"/>
+              </a:rPr>
+              <a:t>valid</a:t>
+            </a:r>
+            <a:r>
+              <a:rPr lang="en-US" sz="5400" dirty="0">
+                <a:latin typeface="Comic Sans MS" pitchFamily="66" charset="0"/>
+              </a:rPr>
+              <a:t>.</a:t>
+            </a:r>
+          </a:p>
+        </p:txBody>
+      </p:sp>
+    </p:spTree>
+    <p:extLst>
+      <p:ext uri="{BB962C8B-B14F-4D97-AF65-F5344CB8AC3E}">
+        <p14:creationId xmlns:p14="http://schemas.microsoft.com/office/powerpoint/2010/main" val="4272859189"/>
+      </p:ext>
+    </p:extLst>
+  </p:cSld>
+  <p:clrMapOvr>
+    <a:masterClrMapping/>
+  </p:clrMapOvr>
   <p:transition xmlns:p14="http://schemas.microsoft.com/office/powerpoint/2010/main" spd="slow" advClick="0">
     <p:fade/>
   </p:transition>
   <p:timing>
     <p:tnLst>
       <p:par>
+        <p:cTn xmlns:p14="http://schemas.microsoft.com/office/powerpoint/2010/main" id="1" dur="indefinite" restart="never" nodeType="tmRoot">
+          <p:childTnLst>
+            <p:seq concurrent="1" nextAc="seek">
+              <p:cTn id="2" dur="indefinite" nodeType="mainSeq">
+                <p:childTnLst>
+                  <p:par>
+                    <p:cTn id="3" fill="hold">
+                      <p:stCondLst>
+                        <p:cond delay="indefinite"/>
+                      </p:stCondLst>
+                      <p:childTnLst>
+                        <p:par>
+                          <p:cTn id="4" fill="hold">
+                            <p:stCondLst>
+                              <p:cond delay="0"/>
+                            </p:stCondLst>
+                            <p:childTnLst>
+                              <p:par>
+                                <p:cTn id="5" presetID="10" presetClass="entr" presetSubtype="0" fill="hold" nodeType="clickEffect">
+                                  <p:stCondLst>
+                                    <p:cond delay="0"/>
+                                  </p:stCondLst>
+                                  <p:childTnLst>
+                                    <p:set>
+                                      <p:cBhvr>
+                                        <p:cTn id="6" dur="1" fill="hold">
+                                          <p:stCondLst>
+                                            <p:cond delay="0"/>
+                                          </p:stCondLst>
+                                        </p:cTn>
+                                        <p:tgtEl>
+                                          <p:spTgt spid="4">
+                                            <p:txEl>
+                                              <p:pRg st="0" end="0"/>
+                                            </p:txEl>
+                                          </p:spTgt>
+                                        </p:tgtEl>
+                                        <p:attrNameLst>
+                                          <p:attrName>style.visibility</p:attrName>
+                                        </p:attrNameLst>
+                                      </p:cBhvr>
+                                      <p:to>
+                                        <p:strVal val="visible"/>
+                                      </p:to>
+                                    </p:set>
+                                    <p:animEffect transition="in" filter="fade">
+                                      <p:cBhvr>
+                                        <p:cTn id="7" dur="500"/>
+                                        <p:tgtEl>
+                                          <p:spTgt spid="4">
+                                            <p:txEl>
+                                              <p:pRg st="0" end="0"/>
+                                            </p:txEl>
+                                          </p:spTgt>
+                                        </p:tgtEl>
+                                      </p:cBhvr>
+                                    </p:animEffect>
+                                  </p:childTnLst>
+                                </p:cTn>
+                              </p:par>
+                            </p:childTnLst>
+                          </p:cTn>
+                        </p:par>
+                      </p:childTnLst>
+                    </p:cTn>
+                  </p:par>
+                </p:childTnLst>
+              </p:cTn>
+              <p:prevCondLst>
+                <p:cond evt="onPrev" delay="0">
+                  <p:tgtEl>
+                    <p:sldTgt/>
+                  </p:tgtEl>
+                </p:cond>
+              </p:prevCondLst>
+              <p:nextCondLst>
+                <p:cond evt="onNext" delay="0">
+                  <p:tgtEl>
+                    <p:sldTgt/>
+                  </p:tgtEl>
+                </p:cond>
+              </p:nextCondLst>
+            </p:seq>
+          </p:childTnLst>
+        </p:cTn>
+      </p:par>
+    </p:tnLst>
+  </p:timing>
+</p:sld>
+</file>
+
+<file path=ppt/slides/slide2.xml><?xml version="1.0" encoding="utf-8"?>
+<p:sld xmlns:a="http://schemas.openxmlformats.org/drawingml/2006/main" xmlns:r="http://schemas.openxmlformats.org/officeDocument/2006/relationships" xmlns:p="http://schemas.openxmlformats.org/presentationml/2006/main">
+  <p:cSld>
+    <p:spTree>
+      <p:nvGrpSpPr>
+        <p:cNvPr id="1" name=""/>
+        <p:cNvGrpSpPr/>
+        <p:nvPr/>
+      </p:nvGrpSpPr>
+      <p:grpSpPr>
+        <a:xfrm>
+          <a:off x="0" y="0"/>
+          <a:ext cx="0" cy="0"/>
+          <a:chOff x="0" y="0"/>
+          <a:chExt cx="0" cy="0"/>
+        </a:xfrm>
+      </p:grpSpPr>
+      <p:sp>
+        <p:nvSpPr>
+          <p:cNvPr id="5" name="TextBox 4"/>
+          <p:cNvSpPr txBox="1"/>
+          <p:nvPr/>
+        </p:nvSpPr>
+        <p:spPr>
+          <a:xfrm>
+            <a:off x="124740" y="1717665"/>
+            <a:ext cx="8985240" cy="2585323"/>
+          </a:xfrm>
+          <a:prstGeom prst="rect">
+            <a:avLst/>
+          </a:prstGeom>
+          <a:noFill/>
+        </p:spPr>
+        <p:txBody>
+          <a:bodyPr wrap="square" rtlCol="0">
+            <a:spAutoFit/>
+          </a:bodyPr>
+          <a:lstStyle/>
+          <a:p>
+            <a:pPr algn="l"/>
+            <a:r>
+              <a:rPr lang="en-US" sz="5400" dirty="0" smtClean="0">
+                <a:latin typeface="Comic Sans MS" pitchFamily="66" charset="0"/>
+              </a:rPr>
+              <a:t>Instead of truth tables,</a:t>
+            </a:r>
+          </a:p>
+          <a:p>
+            <a:pPr algn="l"/>
+            <a:r>
+              <a:rPr lang="en-US" sz="5400" dirty="0" smtClean="0">
+                <a:latin typeface="Comic Sans MS" pitchFamily="66" charset="0"/>
+              </a:rPr>
+              <a:t>can try to</a:t>
+            </a:r>
+            <a:r>
+              <a:rPr lang="en-US" sz="5400" dirty="0" smtClean="0">
+                <a:solidFill>
+                  <a:srgbClr val="BB0FAB"/>
+                </a:solidFill>
+                <a:latin typeface="Comic Sans MS" pitchFamily="66" charset="0"/>
+              </a:rPr>
+              <a:t> prove</a:t>
+            </a:r>
+            <a:r>
+              <a:rPr lang="en-US" sz="5400" i="1" dirty="0" smtClean="0">
+                <a:solidFill>
+                  <a:srgbClr val="BB0FAB"/>
+                </a:solidFill>
+                <a:latin typeface="Comic Sans MS" pitchFamily="66" charset="0"/>
+              </a:rPr>
+              <a:t> </a:t>
+            </a:r>
+            <a:r>
+              <a:rPr lang="en-US" sz="5400" dirty="0" smtClean="0">
+                <a:latin typeface="Comic Sans MS" pitchFamily="66" charset="0"/>
+              </a:rPr>
+              <a:t>valid</a:t>
+            </a:r>
+          </a:p>
+          <a:p>
+            <a:pPr algn="l"/>
+            <a:r>
+              <a:rPr lang="en-US" sz="5400" dirty="0" smtClean="0">
+                <a:latin typeface="Comic Sans MS" pitchFamily="66" charset="0"/>
+              </a:rPr>
+              <a:t>formulas </a:t>
+            </a:r>
+            <a:r>
+              <a:rPr lang="en-US" sz="5400" dirty="0" smtClean="0">
+                <a:latin typeface="Comic Sans MS" pitchFamily="66" charset="0"/>
+              </a:rPr>
+              <a:t>symbolically</a:t>
+            </a:r>
+            <a:endParaRPr lang="en-US" sz="5400" dirty="0">
+              <a:latin typeface="Comic Sans MS" pitchFamily="66" charset="0"/>
+            </a:endParaRPr>
+          </a:p>
+        </p:txBody>
+      </p:sp>
+      <p:sp>
+        <p:nvSpPr>
+          <p:cNvPr id="9" name="Title 1"/>
+          <p:cNvSpPr>
+            <a:spLocks noGrp="1"/>
+          </p:cNvSpPr>
+          <p:nvPr>
+            <p:ph type="title"/>
+          </p:nvPr>
+        </p:nvSpPr>
+        <p:spPr>
+          <a:xfrm>
+            <a:off x="2301706" y="279569"/>
+            <a:ext cx="4887551" cy="1116435"/>
+          </a:xfrm>
+        </p:spPr>
+        <p:txBody>
+          <a:bodyPr/>
+          <a:lstStyle/>
+          <a:p>
+            <a:r>
+              <a:rPr lang="en-US" sz="4000" dirty="0" smtClean="0"/>
+              <a:t>Proving Validity</a:t>
+            </a:r>
+            <a:endParaRPr lang="en-US" sz="4000" dirty="0"/>
+          </a:p>
+        </p:txBody>
+      </p:sp>
+      <p:sp>
+        <p:nvSpPr>
+          <p:cNvPr id="4" name="Slide Number Placeholder 2"/>
+          <p:cNvSpPr>
+            <a:spLocks noGrp="1"/>
+          </p:cNvSpPr>
+          <p:nvPr>
+            <p:ph type="sldNum" sz="quarter" idx="10"/>
+          </p:nvPr>
+        </p:nvSpPr>
+        <p:spPr>
+          <a:xfrm>
+            <a:off x="8420275" y="6553200"/>
+            <a:ext cx="723726" cy="276999"/>
+          </a:xfrm>
+        </p:spPr>
+        <p:txBody>
+          <a:bodyPr/>
+          <a:lstStyle/>
+          <a:p>
+            <a:r>
+              <a:rPr lang="en-US" dirty="0"/>
+              <a:t>sound.</a:t>
+            </a:r>
+            <a:fld id="{3251DA95-B240-47FE-901D-B78FC8E8E532}" type="slidenum">
+              <a:rPr lang="en-US" smtClean="0"/>
+              <a:pPr/>
+              <a:t>2</a:t>
+            </a:fld>
+            <a:endParaRPr lang="en-US" dirty="0"/>
+          </a:p>
+        </p:txBody>
+      </p:sp>
+    </p:spTree>
+  </p:cSld>
+  <p:clrMapOvr>
+    <a:masterClrMapping/>
+  </p:clrMapOvr>
+  <p:transition xmlns:p14="http://schemas.microsoft.com/office/powerpoint/2010/main" spd="slow" advClick="0">
+    <p:fade thruBlk="1"/>
+  </p:transition>
+  <p:timing>
+    <p:tnLst>
+      <p:par>
+        <p:cTn xmlns:p14="http://schemas.microsoft.com/office/powerpoint/2010/main" id="1" dur="indefinite" restart="never" nodeType="tmRoot">
+          <p:childTnLst>
+            <p:seq concurrent="1" nextAc="seek">
+              <p:cTn id="2" dur="indefinite" nodeType="mainSeq">
+                <p:childTnLst>
+                  <p:par>
+                    <p:cTn id="3" fill="hold">
+                      <p:stCondLst>
+                        <p:cond delay="indefinite"/>
+                      </p:stCondLst>
+                      <p:childTnLst>
+                        <p:par>
+                          <p:cTn id="4" fill="hold">
+                            <p:stCondLst>
+                              <p:cond delay="0"/>
+                            </p:stCondLst>
+                            <p:childTnLst>
+                              <p:par>
+                                <p:cTn id="5" presetID="10" presetClass="entr" presetSubtype="0" fill="hold" nodeType="clickEffect">
+                                  <p:stCondLst>
+                                    <p:cond delay="0"/>
+                                  </p:stCondLst>
+                                  <p:childTnLst>
+                                    <p:set>
+                                      <p:cBhvr>
+                                        <p:cTn id="6" dur="1" fill="hold">
+                                          <p:stCondLst>
+                                            <p:cond delay="0"/>
+                                          </p:stCondLst>
+                                        </p:cTn>
+                                        <p:tgtEl>
+                                          <p:spTgt spid="5">
+                                            <p:txEl>
+                                              <p:pRg st="0" end="0"/>
+                                            </p:txEl>
+                                          </p:spTgt>
+                                        </p:tgtEl>
+                                        <p:attrNameLst>
+                                          <p:attrName>style.visibility</p:attrName>
+                                        </p:attrNameLst>
+                                      </p:cBhvr>
+                                      <p:to>
+                                        <p:strVal val="visible"/>
+                                      </p:to>
+                                    </p:set>
+                                    <p:animEffect transition="in" filter="fade">
+                                      <p:cBhvr>
+                                        <p:cTn id="7" dur="500"/>
+                                        <p:tgtEl>
+                                          <p:spTgt spid="5">
+                                            <p:txEl>
+                                              <p:pRg st="0" end="0"/>
+                                            </p:txEl>
+                                          </p:spTgt>
+                                        </p:tgtEl>
+                                      </p:cBhvr>
+                                    </p:animEffect>
+                                  </p:childTnLst>
+                                </p:cTn>
+                              </p:par>
+                            </p:childTnLst>
+                          </p:cTn>
+                        </p:par>
+                      </p:childTnLst>
+                    </p:cTn>
+                  </p:par>
+                  <p:par>
+                    <p:cTn id="8" fill="hold">
+                      <p:stCondLst>
+                        <p:cond delay="indefinite"/>
+                      </p:stCondLst>
+                      <p:childTnLst>
+                        <p:par>
+                          <p:cTn id="9" fill="hold">
+                            <p:stCondLst>
+                              <p:cond delay="0"/>
+                            </p:stCondLst>
+                            <p:childTnLst>
+                              <p:par>
+                                <p:cTn id="10" presetID="10" presetClass="entr" presetSubtype="0" fill="hold" nodeType="clickEffect">
+                                  <p:stCondLst>
+                                    <p:cond delay="0"/>
+                                  </p:stCondLst>
+                                  <p:childTnLst>
+                                    <p:set>
+                                      <p:cBhvr>
+                                        <p:cTn id="11" dur="1" fill="hold">
+                                          <p:stCondLst>
+                                            <p:cond delay="0"/>
+                                          </p:stCondLst>
+                                        </p:cTn>
+                                        <p:tgtEl>
+                                          <p:spTgt spid="5">
+                                            <p:txEl>
+                                              <p:pRg st="1" end="1"/>
+                                            </p:txEl>
+                                          </p:spTgt>
+                                        </p:tgtEl>
+                                        <p:attrNameLst>
+                                          <p:attrName>style.visibility</p:attrName>
+                                        </p:attrNameLst>
+                                      </p:cBhvr>
+                                      <p:to>
+                                        <p:strVal val="visible"/>
+                                      </p:to>
+                                    </p:set>
+                                    <p:animEffect transition="in" filter="fade">
+                                      <p:cBhvr>
+                                        <p:cTn id="12" dur="500"/>
+                                        <p:tgtEl>
+                                          <p:spTgt spid="5">
+                                            <p:txEl>
+                                              <p:pRg st="1" end="1"/>
+                                            </p:txEl>
+                                          </p:spTgt>
+                                        </p:tgtEl>
+                                      </p:cBhvr>
+                                    </p:animEffect>
+                                  </p:childTnLst>
+                                </p:cTn>
+                              </p:par>
+                              <p:par>
+                                <p:cTn id="13" presetID="10" presetClass="entr" presetSubtype="0" fill="hold" nodeType="withEffect">
+                                  <p:stCondLst>
+                                    <p:cond delay="0"/>
+                                  </p:stCondLst>
+                                  <p:childTnLst>
+                                    <p:set>
+                                      <p:cBhvr>
+                                        <p:cTn id="14" dur="1" fill="hold">
+                                          <p:stCondLst>
+                                            <p:cond delay="0"/>
+                                          </p:stCondLst>
+                                        </p:cTn>
+                                        <p:tgtEl>
+                                          <p:spTgt spid="5">
+                                            <p:txEl>
+                                              <p:pRg st="2" end="2"/>
+                                            </p:txEl>
+                                          </p:spTgt>
+                                        </p:tgtEl>
+                                        <p:attrNameLst>
+                                          <p:attrName>style.visibility</p:attrName>
+                                        </p:attrNameLst>
+                                      </p:cBhvr>
+                                      <p:to>
+                                        <p:strVal val="visible"/>
+                                      </p:to>
+                                    </p:set>
+                                    <p:animEffect transition="in" filter="fade">
+                                      <p:cBhvr>
+                                        <p:cTn id="15" dur="500"/>
+                                        <p:tgtEl>
+                                          <p:spTgt spid="5">
+                                            <p:txEl>
+                                              <p:pRg st="2" end="2"/>
+                                            </p:txEl>
+                                          </p:spTgt>
+                                        </p:tgtEl>
+                                      </p:cBhvr>
+                                    </p:animEffect>
+                                  </p:childTnLst>
+                                </p:cTn>
+                              </p:par>
+                            </p:childTnLst>
+                          </p:cTn>
+                        </p:par>
+                      </p:childTnLst>
+                    </p:cTn>
+                  </p:par>
+                </p:childTnLst>
+              </p:cTn>
+              <p:prevCondLst>
+                <p:cond evt="onPrev" delay="0">
+                  <p:tgtEl>
+                    <p:sldTgt/>
+                  </p:tgtEl>
+                </p:cond>
+              </p:prevCondLst>
+              <p:nextCondLst>
+                <p:cond evt="onNext" delay="0">
+                  <p:tgtEl>
+                    <p:sldTgt/>
+                  </p:tgtEl>
+                </p:cond>
+              </p:nextCondLst>
+            </p:seq>
+          </p:childTnLst>
+        </p:cTn>
+      </p:par>
+    </p:tnLst>
+  </p:timing>
+</p:sld>
+</file>
+
+<file path=ppt/slides/slide3.xml><?xml version="1.0" encoding="utf-8"?>
+<p:sld xmlns:a="http://schemas.openxmlformats.org/drawingml/2006/main" xmlns:r="http://schemas.openxmlformats.org/officeDocument/2006/relationships" xmlns:p="http://schemas.openxmlformats.org/presentationml/2006/main">
+  <p:cSld>
+    <p:spTree>
+      <p:nvGrpSpPr>
+        <p:cNvPr id="1" name=""/>
+        <p:cNvGrpSpPr/>
+        <p:nvPr/>
+      </p:nvGrpSpPr>
+      <p:grpSpPr>
+        <a:xfrm>
+          <a:off x="0" y="0"/>
+          <a:ext cx="0" cy="0"/>
+          <a:chOff x="0" y="0"/>
+          <a:chExt cx="0" cy="0"/>
+        </a:xfrm>
+      </p:grpSpPr>
+      <p:sp>
+        <p:nvSpPr>
+          <p:cNvPr id="5" name="TextBox 4"/>
+          <p:cNvSpPr txBox="1"/>
+          <p:nvPr/>
+        </p:nvSpPr>
+        <p:spPr>
+          <a:xfrm>
+            <a:off x="124740" y="1717665"/>
+            <a:ext cx="8985240" cy="3532858"/>
+          </a:xfrm>
+          <a:prstGeom prst="rect">
+            <a:avLst/>
+          </a:prstGeom>
+          <a:noFill/>
+        </p:spPr>
+        <p:txBody>
+          <a:bodyPr wrap="square" rtlCol="0">
+            <a:spAutoFit/>
+          </a:bodyPr>
+          <a:lstStyle/>
+          <a:p>
+            <a:pPr algn="l"/>
+            <a:r>
+              <a:rPr lang="en-US" sz="5400" dirty="0" smtClean="0">
+                <a:latin typeface="Comic Sans MS" pitchFamily="66" charset="0"/>
+              </a:rPr>
+              <a:t>Instead of truth tables,</a:t>
+            </a:r>
+          </a:p>
+          <a:p>
+            <a:pPr algn="l"/>
+            <a:r>
+              <a:rPr lang="en-US" sz="5400" dirty="0" smtClean="0">
+                <a:latin typeface="Comic Sans MS" pitchFamily="66" charset="0"/>
+              </a:rPr>
+              <a:t>can try to</a:t>
+            </a:r>
+            <a:r>
+              <a:rPr lang="en-US" sz="5400" dirty="0" smtClean="0">
+                <a:solidFill>
+                  <a:srgbClr val="BB0FAB"/>
+                </a:solidFill>
+                <a:latin typeface="Comic Sans MS" pitchFamily="66" charset="0"/>
+              </a:rPr>
+              <a:t> prove</a:t>
+            </a:r>
+            <a:r>
+              <a:rPr lang="en-US" sz="5400" i="1" dirty="0" smtClean="0">
+                <a:solidFill>
+                  <a:srgbClr val="BB0FAB"/>
+                </a:solidFill>
+                <a:latin typeface="Comic Sans MS" pitchFamily="66" charset="0"/>
+              </a:rPr>
+              <a:t> </a:t>
+            </a:r>
+            <a:r>
+              <a:rPr lang="en-US" sz="5400" dirty="0" smtClean="0">
+                <a:latin typeface="Comic Sans MS" pitchFamily="66" charset="0"/>
+              </a:rPr>
+              <a:t>valid</a:t>
+            </a:r>
+          </a:p>
+          <a:p>
+            <a:pPr algn="l"/>
+            <a:r>
+              <a:rPr lang="en-US" sz="5400" dirty="0" smtClean="0">
+                <a:latin typeface="Comic Sans MS" pitchFamily="66" charset="0"/>
+              </a:rPr>
+              <a:t>formulas symbolically using axioms and deduction </a:t>
+            </a:r>
+            <a:r>
+              <a:rPr lang="en-US" sz="5400" dirty="0" smtClean="0">
+                <a:latin typeface="Comic Sans MS" pitchFamily="66" charset="0"/>
+              </a:rPr>
+              <a:t>rules.</a:t>
+            </a:r>
+            <a:endParaRPr lang="en-US" sz="5400" dirty="0">
+              <a:latin typeface="Comic Sans MS" pitchFamily="66" charset="0"/>
+            </a:endParaRPr>
+          </a:p>
+        </p:txBody>
+      </p:sp>
+      <p:sp>
+        <p:nvSpPr>
+          <p:cNvPr id="9" name="Title 1"/>
+          <p:cNvSpPr>
+            <a:spLocks noGrp="1"/>
+          </p:cNvSpPr>
+          <p:nvPr>
+            <p:ph type="title"/>
+          </p:nvPr>
+        </p:nvSpPr>
+        <p:spPr>
+          <a:xfrm>
+            <a:off x="2301706" y="279569"/>
+            <a:ext cx="4887551" cy="1116435"/>
+          </a:xfrm>
+        </p:spPr>
+        <p:txBody>
+          <a:bodyPr/>
+          <a:lstStyle/>
+          <a:p>
+            <a:r>
+              <a:rPr lang="en-US" sz="4000" dirty="0" smtClean="0"/>
+              <a:t>Proving Validity</a:t>
+            </a:r>
+            <a:endParaRPr lang="en-US" sz="4000" dirty="0"/>
+          </a:p>
+        </p:txBody>
+      </p:sp>
+      <p:sp>
+        <p:nvSpPr>
+          <p:cNvPr id="4" name="Slide Number Placeholder 2"/>
+          <p:cNvSpPr>
+            <a:spLocks noGrp="1"/>
+          </p:cNvSpPr>
+          <p:nvPr>
+            <p:ph type="sldNum" sz="quarter" idx="10"/>
+          </p:nvPr>
+        </p:nvSpPr>
+        <p:spPr>
+          <a:xfrm>
+            <a:off x="8420275" y="6553200"/>
+            <a:ext cx="723726" cy="276999"/>
+          </a:xfrm>
+        </p:spPr>
+        <p:txBody>
+          <a:bodyPr/>
+          <a:lstStyle/>
+          <a:p>
+            <a:r>
+              <a:rPr lang="en-US" dirty="0"/>
+              <a:t>sound.</a:t>
+            </a:r>
+            <a:fld id="{3251DA95-B240-47FE-901D-B78FC8E8E532}" type="slidenum">
+              <a:rPr lang="en-US" smtClean="0"/>
+              <a:pPr/>
+              <a:t>3</a:t>
+            </a:fld>
+            <a:endParaRPr lang="en-US" dirty="0"/>
+          </a:p>
+        </p:txBody>
+      </p:sp>
+    </p:spTree>
+    <p:extLst>
+      <p:ext uri="{BB962C8B-B14F-4D97-AF65-F5344CB8AC3E}">
+        <p14:creationId xmlns:p14="http://schemas.microsoft.com/office/powerpoint/2010/main" val="2522989689"/>
+      </p:ext>
+    </p:extLst>
+  </p:cSld>
+  <p:clrMapOvr>
+    <a:masterClrMapping/>
+  </p:clrMapOvr>
+  <mc:AlternateContent xmlns:mc="http://schemas.openxmlformats.org/markup-compatibility/2006">
+    <mc:Choice xmlns:p14="http://schemas.microsoft.com/office/powerpoint/2010/main" Requires="p14">
+      <p:transition p14:dur="400" advClick="0">
+        <p:fade/>
+      </p:transition>
+    </mc:Choice>
+    <mc:Fallback>
+      <p:transition xmlns:p14="http://schemas.microsoft.com/office/powerpoint/2010/main" advClick="0">
+        <p:fade/>
+      </p:transition>
+    </mc:Fallback>
+  </mc:AlternateContent>
+  <p:timing>
+    <p:tnLst>
+      <p:par>
+        <p:cTn xmlns:p14="http://schemas.microsoft.com/office/powerpoint/2010/main" id="1" dur="indefinite" restart="never" nodeType="tmRoot">
+          <p:childTnLst>
+            <p:seq concurrent="1" nextAc="seek">
+              <p:cTn id="2" dur="indefinite" nodeType="mainSeq">
+                <p:childTnLst>
+                  <p:par>
+                    <p:cTn id="3" fill="hold">
+                      <p:stCondLst>
+                        <p:cond delay="indefinite"/>
+                      </p:stCondLst>
+                      <p:childTnLst>
+                        <p:par>
+                          <p:cTn id="4" fill="hold">
+                            <p:stCondLst>
+                              <p:cond delay="0"/>
+                            </p:stCondLst>
+                            <p:childTnLst>
+                              <p:par>
+                                <p:cTn id="5" presetID="10" presetClass="entr" presetSubtype="0" fill="hold" nodeType="clickEffect">
+                                  <p:stCondLst>
+                                    <p:cond delay="0"/>
+                                  </p:stCondLst>
+                                  <p:childTnLst>
+                                    <p:set>
+                                      <p:cBhvr>
+                                        <p:cTn id="6" dur="1" fill="hold">
+                                          <p:stCondLst>
+                                            <p:cond delay="0"/>
+                                          </p:stCondLst>
+                                        </p:cTn>
+                                        <p:tgtEl>
+                                          <p:spTgt spid="5">
+                                            <p:txEl>
+                                              <p:pRg st="0" end="0"/>
+                                            </p:txEl>
+                                          </p:spTgt>
+                                        </p:tgtEl>
+                                        <p:attrNameLst>
+                                          <p:attrName>style.visibility</p:attrName>
+                                        </p:attrNameLst>
+                                      </p:cBhvr>
+                                      <p:to>
+                                        <p:strVal val="visible"/>
+                                      </p:to>
+                                    </p:set>
+                                    <p:animEffect transition="in" filter="fade">
+                                      <p:cBhvr>
+                                        <p:cTn id="7" dur="500"/>
+                                        <p:tgtEl>
+                                          <p:spTgt spid="5">
+                                            <p:txEl>
+                                              <p:pRg st="0" end="0"/>
+                                            </p:txEl>
+                                          </p:spTgt>
+                                        </p:tgtEl>
+                                      </p:cBhvr>
+                                    </p:animEffect>
+                                  </p:childTnLst>
+                                </p:cTn>
+                              </p:par>
+                            </p:childTnLst>
+                          </p:cTn>
+                        </p:par>
+                      </p:childTnLst>
+                    </p:cTn>
+                  </p:par>
+                  <p:par>
+                    <p:cTn id="8" fill="hold">
+                      <p:stCondLst>
+                        <p:cond delay="indefinite"/>
+                      </p:stCondLst>
+                      <p:childTnLst>
+                        <p:par>
+                          <p:cTn id="9" fill="hold">
+                            <p:stCondLst>
+                              <p:cond delay="0"/>
+                            </p:stCondLst>
+                            <p:childTnLst>
+                              <p:par>
+                                <p:cTn id="10" presetID="10" presetClass="entr" presetSubtype="0" fill="hold" nodeType="clickEffect">
+                                  <p:stCondLst>
+                                    <p:cond delay="0"/>
+                                  </p:stCondLst>
+                                  <p:childTnLst>
+                                    <p:set>
+                                      <p:cBhvr>
+                                        <p:cTn id="11" dur="1" fill="hold">
+                                          <p:stCondLst>
+                                            <p:cond delay="0"/>
+                                          </p:stCondLst>
+                                        </p:cTn>
+                                        <p:tgtEl>
+                                          <p:spTgt spid="5">
+                                            <p:txEl>
+                                              <p:pRg st="1" end="1"/>
+                                            </p:txEl>
+                                          </p:spTgt>
+                                        </p:tgtEl>
+                                        <p:attrNameLst>
+                                          <p:attrName>style.visibility</p:attrName>
+                                        </p:attrNameLst>
+                                      </p:cBhvr>
+                                      <p:to>
+                                        <p:strVal val="visible"/>
+                                      </p:to>
+                                    </p:set>
+                                    <p:animEffect transition="in" filter="fade">
+                                      <p:cBhvr>
+                                        <p:cTn id="12" dur="500"/>
+                                        <p:tgtEl>
+                                          <p:spTgt spid="5">
+                                            <p:txEl>
+                                              <p:pRg st="1" end="1"/>
+                                            </p:txEl>
+                                          </p:spTgt>
+                                        </p:tgtEl>
+                                      </p:cBhvr>
+                                    </p:animEffect>
+                                  </p:childTnLst>
+                                </p:cTn>
+                              </p:par>
+                              <p:par>
+                                <p:cTn id="13" presetID="10" presetClass="entr" presetSubtype="0" fill="hold" nodeType="withEffect">
+                                  <p:stCondLst>
+                                    <p:cond delay="0"/>
+                                  </p:stCondLst>
+                                  <p:childTnLst>
+                                    <p:set>
+                                      <p:cBhvr>
+                                        <p:cTn id="14" dur="1" fill="hold">
+                                          <p:stCondLst>
+                                            <p:cond delay="0"/>
+                                          </p:stCondLst>
+                                        </p:cTn>
+                                        <p:tgtEl>
+                                          <p:spTgt spid="5">
+                                            <p:txEl>
+                                              <p:pRg st="2" end="2"/>
+                                            </p:txEl>
+                                          </p:spTgt>
+                                        </p:tgtEl>
+                                        <p:attrNameLst>
+                                          <p:attrName>style.visibility</p:attrName>
+                                        </p:attrNameLst>
+                                      </p:cBhvr>
+                                      <p:to>
+                                        <p:strVal val="visible"/>
+                                      </p:to>
+                                    </p:set>
+                                    <p:animEffect transition="in" filter="fade">
+                                      <p:cBhvr>
+                                        <p:cTn id="15" dur="500"/>
+                                        <p:tgtEl>
+                                          <p:spTgt spid="5">
+                                            <p:txEl>
+                                              <p:pRg st="2" end="2"/>
+                                            </p:txEl>
+                                          </p:spTgt>
+                                        </p:tgtEl>
+                                      </p:cBhvr>
+                                    </p:animEffect>
+                                  </p:childTnLst>
+                                </p:cTn>
+                              </p:par>
+                            </p:childTnLst>
+                          </p:cTn>
+                        </p:par>
+                      </p:childTnLst>
+                    </p:cTn>
+                  </p:par>
+                </p:childTnLst>
+              </p:cTn>
+              <p:prevCondLst>
+                <p:cond evt="onPrev" delay="0">
+                  <p:tgtEl>
+                    <p:sldTgt/>
+                  </p:tgtEl>
+                </p:cond>
+              </p:prevCondLst>
+              <p:nextCondLst>
+                <p:cond evt="onNext" delay="0">
+                  <p:tgtEl>
+                    <p:sldTgt/>
+                  </p:tgtEl>
+                </p:cond>
+              </p:nextCondLst>
+            </p:seq>
+          </p:childTnLst>
+        </p:cTn>
+      </p:par>
+    </p:tnLst>
+  </p:timing>
+</p:sld>
+</file>
+
+<file path=ppt/slides/slide4.xml><?xml version="1.0" encoding="utf-8"?>
+<p:sld xmlns:a="http://schemas.openxmlformats.org/drawingml/2006/main" xmlns:r="http://schemas.openxmlformats.org/officeDocument/2006/relationships" xmlns:p="http://schemas.openxmlformats.org/presentationml/2006/main">
+  <p:cSld>
+    <p:spTree>
+      <p:nvGrpSpPr>
+        <p:cNvPr id="1" name=""/>
+        <p:cNvGrpSpPr/>
+        <p:nvPr/>
+      </p:nvGrpSpPr>
+      <p:grpSpPr>
+        <a:xfrm>
+          <a:off x="0" y="0"/>
+          <a:ext cx="0" cy="0"/>
+          <a:chOff x="0" y="0"/>
+          <a:chExt cx="0" cy="0"/>
+        </a:xfrm>
+      </p:grpSpPr>
+      <p:graphicFrame>
+        <p:nvGraphicFramePr>
+          <p:cNvPr id="6" name="Object 5"/>
+          <p:cNvGraphicFramePr>
+            <a:graphicFrameLocks noChangeAspect="1"/>
+          </p:cNvGraphicFramePr>
+          <p:nvPr>
+            <p:extLst>
+              <p:ext uri="{D42A27DB-BD31-4B8C-83A1-F6EECF244321}">
+                <p14:modId xmlns:p14="http://schemas.microsoft.com/office/powerpoint/2010/main" val="2015508326"/>
+              </p:ext>
+            </p:extLst>
+          </p:nvPr>
+        </p:nvGraphicFramePr>
+        <p:xfrm>
+          <a:off x="1526525" y="663576"/>
+          <a:ext cx="5658909" cy="3396925"/>
+        </p:xfrm>
+        <a:graphic>
+          <a:graphicData uri="http://schemas.openxmlformats.org/presentationml/2006/ole">
+            <mc:AlternateContent xmlns:mc="http://schemas.openxmlformats.org/markup-compatibility/2006">
+              <mc:Choice xmlns:v="urn:schemas-microsoft-com:vml" Requires="v">
+                <p:oleObj spid="_x0000_s1147" name="Equation" r:id="rId3" imgW="762000" imgH="457200" progId="Equation.DSMT4">
+                  <p:embed/>
+                </p:oleObj>
+              </mc:Choice>
+              <mc:Fallback>
+                <p:oleObj name="Equation" r:id="rId3" imgW="762000" imgH="457200" progId="Equation.DSMT4">
+                  <p:embed/>
+                  <p:pic>
+                    <p:nvPicPr>
+                      <p:cNvPr id="0" name=""/>
+                      <p:cNvPicPr/>
+                      <p:nvPr/>
+                    </p:nvPicPr>
+                    <p:blipFill>
+                      <a:blip r:embed="rId4"/>
+                      <a:stretch>
+                        <a:fillRect/>
+                      </a:stretch>
+                    </p:blipFill>
+                    <p:spPr>
+                      <a:xfrm>
+                        <a:off x="1526525" y="663576"/>
+                        <a:ext cx="5658909" cy="3396925"/>
+                      </a:xfrm>
+                      <a:prstGeom prst="rect">
+                        <a:avLst/>
+                      </a:prstGeom>
+                    </p:spPr>
+                  </p:pic>
+                </p:oleObj>
+              </mc:Fallback>
+            </mc:AlternateContent>
+          </a:graphicData>
+        </a:graphic>
+      </p:graphicFrame>
+      <p:sp>
+        <p:nvSpPr>
+          <p:cNvPr id="2" name="Title 1"/>
+          <p:cNvSpPr>
+            <a:spLocks noGrp="1"/>
+          </p:cNvSpPr>
+          <p:nvPr>
+            <p:ph type="title"/>
+          </p:nvPr>
+        </p:nvSpPr>
+        <p:spPr>
+          <a:xfrm>
+            <a:off x="2046030" y="126362"/>
+            <a:ext cx="6276715" cy="1196167"/>
+          </a:xfrm>
+        </p:spPr>
+        <p:txBody>
+          <a:bodyPr/>
+          <a:lstStyle/>
+          <a:p>
+            <a:r>
+              <a:rPr lang="en-US" dirty="0" smtClean="0">
+                <a:solidFill>
+                  <a:srgbClr val="BB0FAB"/>
+                </a:solidFill>
+              </a:rPr>
+              <a:t>modus ponens</a:t>
+            </a:r>
+            <a:r>
+              <a:rPr lang="en-US" dirty="0" smtClean="0"/>
+              <a:t> rule</a:t>
+            </a:r>
+            <a:endParaRPr lang="en-US" dirty="0"/>
+          </a:p>
+        </p:txBody>
+      </p:sp>
+      <p:sp>
+        <p:nvSpPr>
+          <p:cNvPr id="4" name="Slide Number Placeholder 3"/>
+          <p:cNvSpPr>
+            <a:spLocks noGrp="1"/>
+          </p:cNvSpPr>
+          <p:nvPr>
+            <p:ph type="sldNum" sz="quarter" idx="10"/>
+          </p:nvPr>
+        </p:nvSpPr>
+        <p:spPr>
+          <a:xfrm>
+            <a:off x="8420278" y="6553200"/>
+            <a:ext cx="723726" cy="276999"/>
+          </a:xfrm>
+        </p:spPr>
+        <p:txBody>
+          <a:bodyPr/>
+          <a:lstStyle/>
+          <a:p>
+            <a:pPr>
+              <a:defRPr/>
+            </a:pPr>
+            <a:r>
+              <a:rPr lang="en-US" dirty="0" smtClean="0"/>
+              <a:t>sound.</a:t>
+            </a:r>
+            <a:fld id="{A528ADE2-B74F-4D9D-8D04-FB5D781EAB51}" type="slidenum">
+              <a:rPr lang="en-US" smtClean="0"/>
+              <a:pPr>
+                <a:defRPr/>
+              </a:pPr>
+              <a:t>4</a:t>
+            </a:fld>
+            <a:endParaRPr lang="en-US" dirty="0"/>
+          </a:p>
+        </p:txBody>
+      </p:sp>
+      <p:graphicFrame>
+        <p:nvGraphicFramePr>
+          <p:cNvPr id="5" name="Object 4"/>
+          <p:cNvGraphicFramePr>
+            <a:graphicFrameLocks noChangeAspect="1"/>
+          </p:cNvGraphicFramePr>
+          <p:nvPr>
+            <p:extLst>
+              <p:ext uri="{D42A27DB-BD31-4B8C-83A1-F6EECF244321}">
+                <p14:modId xmlns:p14="http://schemas.microsoft.com/office/powerpoint/2010/main" val="4009171247"/>
+              </p:ext>
+            </p:extLst>
+          </p:nvPr>
+        </p:nvGraphicFramePr>
+        <p:xfrm>
+          <a:off x="1476294" y="2233074"/>
+          <a:ext cx="5794456" cy="2429933"/>
+        </p:xfrm>
+        <a:graphic>
+          <a:graphicData uri="http://schemas.openxmlformats.org/presentationml/2006/ole">
+            <mc:AlternateContent xmlns:mc="http://schemas.openxmlformats.org/markup-compatibility/2006">
+              <mc:Choice xmlns:v="urn:schemas-microsoft-com:vml" Requires="v">
+                <p:oleObj spid="_x0000_s1148" name="Equation" r:id="rId5" imgW="1181100" imgH="495300" progId="Equation.DSMT4">
+                  <p:embed/>
+                </p:oleObj>
+              </mc:Choice>
+              <mc:Fallback>
+                <p:oleObj name="Equation" r:id="rId5" imgW="1181100" imgH="495300" progId="Equation.DSMT4">
+                  <p:embed/>
+                  <p:pic>
+                    <p:nvPicPr>
+                      <p:cNvPr id="0" name=""/>
+                      <p:cNvPicPr/>
+                      <p:nvPr/>
+                    </p:nvPicPr>
+                    <p:blipFill>
+                      <a:blip r:embed="rId6"/>
+                      <a:stretch>
+                        <a:fillRect/>
+                      </a:stretch>
+                    </p:blipFill>
+                    <p:spPr>
+                      <a:xfrm>
+                        <a:off x="1476294" y="2233074"/>
+                        <a:ext cx="5794456" cy="2429933"/>
+                      </a:xfrm>
+                      <a:prstGeom prst="rect">
+                        <a:avLst/>
+                      </a:prstGeom>
+                    </p:spPr>
+                  </p:pic>
+                </p:oleObj>
+              </mc:Fallback>
+            </mc:AlternateContent>
+          </a:graphicData>
+        </a:graphic>
+      </p:graphicFrame>
+      <p:graphicFrame>
+        <p:nvGraphicFramePr>
+          <p:cNvPr id="7" name="Object 6"/>
+          <p:cNvGraphicFramePr>
+            <a:graphicFrameLocks noChangeAspect="1"/>
+          </p:cNvGraphicFramePr>
+          <p:nvPr>
+            <p:extLst>
+              <p:ext uri="{D42A27DB-BD31-4B8C-83A1-F6EECF244321}">
+                <p14:modId xmlns:p14="http://schemas.microsoft.com/office/powerpoint/2010/main" val="137192701"/>
+              </p:ext>
+            </p:extLst>
+          </p:nvPr>
+        </p:nvGraphicFramePr>
+        <p:xfrm>
+          <a:off x="3384550" y="3429000"/>
+          <a:ext cx="2033588" cy="1976438"/>
+        </p:xfrm>
+        <a:graphic>
+          <a:graphicData uri="http://schemas.openxmlformats.org/presentationml/2006/ole">
+            <mc:AlternateContent xmlns:mc="http://schemas.openxmlformats.org/markup-compatibility/2006">
+              <mc:Choice xmlns:v="urn:schemas-microsoft-com:vml" Requires="v">
+                <p:oleObj spid="_x0000_s1149" name="Equation" r:id="rId7" imgW="444500" imgH="431800" progId="Equation.DSMT4">
+                  <p:embed/>
+                </p:oleObj>
+              </mc:Choice>
+              <mc:Fallback>
+                <p:oleObj name="Equation" r:id="rId7" imgW="444500" imgH="431800" progId="Equation.DSMT4">
+                  <p:embed/>
+                  <p:pic>
+                    <p:nvPicPr>
+                      <p:cNvPr id="0" name=""/>
+                      <p:cNvPicPr/>
+                      <p:nvPr/>
+                    </p:nvPicPr>
+                    <p:blipFill>
+                      <a:blip r:embed="rId8"/>
+                      <a:stretch>
+                        <a:fillRect/>
+                      </a:stretch>
+                    </p:blipFill>
+                    <p:spPr>
+                      <a:xfrm>
+                        <a:off x="3384550" y="3429000"/>
+                        <a:ext cx="2033588" cy="1976438"/>
+                      </a:xfrm>
+                      <a:prstGeom prst="rect">
+                        <a:avLst/>
+                      </a:prstGeom>
+                    </p:spPr>
+                  </p:pic>
+                </p:oleObj>
+              </mc:Fallback>
+            </mc:AlternateContent>
+          </a:graphicData>
+        </a:graphic>
+      </p:graphicFrame>
+    </p:spTree>
+    <p:extLst>
+      <p:ext uri="{BB962C8B-B14F-4D97-AF65-F5344CB8AC3E}">
+        <p14:creationId xmlns:p14="http://schemas.microsoft.com/office/powerpoint/2010/main" val="3165137657"/>
+      </p:ext>
+    </p:extLst>
+  </p:cSld>
+  <p:clrMapOvr>
+    <a:masterClrMapping/>
+  </p:clrMapOvr>
+  <mc:AlternateContent xmlns:mc="http://schemas.openxmlformats.org/markup-compatibility/2006">
+    <mc:Choice xmlns:p14="http://schemas.microsoft.com/office/powerpoint/2010/main" Requires="p14">
+      <p:transition spd="med" p14:dur="700" advClick="0">
+        <p:fade thruBlk="1"/>
+      </p:transition>
+    </mc:Choice>
+    <mc:Fallback>
+      <p:transition xmlns:p14="http://schemas.microsoft.com/office/powerpoint/2010/main" spd="med" advClick="0">
+        <p:fade thruBlk="1"/>
+      </p:transition>
+    </mc:Fallback>
+  </mc:AlternateContent>
+  <p:timing>
+    <p:tnLst>
+      <p:par>
+        <p:cTn xmlns:p14="http://schemas.microsoft.com/office/powerpoint/2010/main" id="1" dur="indefinite" restart="never" nodeType="tmRoot">
+          <p:childTnLst>
+            <p:seq concurrent="1" nextAc="seek">
+              <p:cTn id="2" dur="indefinite" nodeType="mainSeq">
+                <p:childTnLst>
+                  <p:par>
+                    <p:cTn id="3" fill="hold">
+                      <p:stCondLst>
+                        <p:cond delay="indefinite"/>
+                      </p:stCondLst>
+                      <p:childTnLst>
+                        <p:par>
+                          <p:cTn id="4" fill="hold">
+                            <p:stCondLst>
+                              <p:cond delay="0"/>
+                            </p:stCondLst>
+                            <p:childTnLst>
+                              <p:par>
+                                <p:cTn id="5" presetID="22" presetClass="entr" presetSubtype="1" fill="hold" nodeType="clickEffect">
+                                  <p:stCondLst>
+                                    <p:cond delay="0"/>
+                                  </p:stCondLst>
+                                  <p:childTnLst>
+                                    <p:set>
+                                      <p:cBhvr>
+                                        <p:cTn id="6" dur="1" fill="hold">
+                                          <p:stCondLst>
+                                            <p:cond delay="0"/>
+                                          </p:stCondLst>
+                                        </p:cTn>
+                                        <p:tgtEl>
+                                          <p:spTgt spid="6"/>
+                                        </p:tgtEl>
+                                        <p:attrNameLst>
+                                          <p:attrName>style.visibility</p:attrName>
+                                        </p:attrNameLst>
+                                      </p:cBhvr>
+                                      <p:to>
+                                        <p:strVal val="visible"/>
+                                      </p:to>
+                                    </p:set>
+                                    <p:animEffect transition="in" filter="wipe(up)">
+                                      <p:cBhvr>
+                                        <p:cTn id="7" dur="1000"/>
+                                        <p:tgtEl>
+                                          <p:spTgt spid="6"/>
+                                        </p:tgtEl>
+                                      </p:cBhvr>
+                                    </p:animEffect>
+                                  </p:childTnLst>
+                                </p:cTn>
+                              </p:par>
+                            </p:childTnLst>
+                          </p:cTn>
+                        </p:par>
+                      </p:childTnLst>
+                    </p:cTn>
+                  </p:par>
+                  <p:par>
+                    <p:cTn id="8" fill="hold">
+                      <p:stCondLst>
+                        <p:cond delay="indefinite"/>
+                      </p:stCondLst>
+                      <p:childTnLst>
+                        <p:par>
+                          <p:cTn id="9" fill="hold">
+                            <p:stCondLst>
+                              <p:cond delay="0"/>
+                            </p:stCondLst>
+                            <p:childTnLst>
+                              <p:par>
+                                <p:cTn id="10" presetID="22" presetClass="entr" presetSubtype="4" fill="hold" nodeType="clickEffect">
+                                  <p:stCondLst>
+                                    <p:cond delay="0"/>
+                                  </p:stCondLst>
+                                  <p:childTnLst>
+                                    <p:set>
+                                      <p:cBhvr>
+                                        <p:cTn id="11" dur="1" fill="hold">
+                                          <p:stCondLst>
+                                            <p:cond delay="0"/>
+                                          </p:stCondLst>
+                                        </p:cTn>
+                                        <p:tgtEl>
+                                          <p:spTgt spid="7"/>
+                                        </p:tgtEl>
+                                        <p:attrNameLst>
+                                          <p:attrName>style.visibility</p:attrName>
+                                        </p:attrNameLst>
+                                      </p:cBhvr>
+                                      <p:to>
+                                        <p:strVal val="visible"/>
+                                      </p:to>
+                                    </p:set>
+                                    <p:animEffect transition="in" filter="wipe(down)">
+                                      <p:cBhvr>
+                                        <p:cTn id="12" dur="1000"/>
+                                        <p:tgtEl>
+                                          <p:spTgt spid="7"/>
+                                        </p:tgtEl>
+                                      </p:cBhvr>
+                                    </p:animEffect>
+                                  </p:childTnLst>
+                                </p:cTn>
+                              </p:par>
+                            </p:childTnLst>
+                          </p:cTn>
+                        </p:par>
+                      </p:childTnLst>
+                    </p:cTn>
+                  </p:par>
+                </p:childTnLst>
+              </p:cTn>
+              <p:prevCondLst>
+                <p:cond evt="onPrev" delay="0">
+                  <p:tgtEl>
+                    <p:sldTgt/>
+                  </p:tgtEl>
+                </p:cond>
+              </p:prevCondLst>
+              <p:nextCondLst>
+                <p:cond evt="onNext" delay="0">
+                  <p:tgtEl>
+                    <p:sldTgt/>
+                  </p:tgtEl>
+                </p:cond>
+              </p:nextCondLst>
+            </p:seq>
+          </p:childTnLst>
+        </p:cTn>
+      </p:par>
+    </p:tnLst>
+  </p:timing>
+</p:sld>
+</file>
+
+<file path=ppt/slides/slide5.xml><?xml version="1.0" encoding="utf-8"?>
+<p:sld xmlns:a="http://schemas.openxmlformats.org/drawingml/2006/main" xmlns:r="http://schemas.openxmlformats.org/officeDocument/2006/relationships" xmlns:p="http://schemas.openxmlformats.org/presentationml/2006/main">
+  <p:cSld>
+    <p:spTree>
+      <p:nvGrpSpPr>
+        <p:cNvPr id="1" name=""/>
+        <p:cNvGrpSpPr/>
+        <p:nvPr/>
+      </p:nvGrpSpPr>
+      <p:grpSpPr>
+        <a:xfrm>
+          <a:off x="0" y="0"/>
+          <a:ext cx="0" cy="0"/>
+          <a:chOff x="0" y="0"/>
+          <a:chExt cx="0" cy="0"/>
+        </a:xfrm>
+      </p:grpSpPr>
+      <p:sp>
+        <p:nvSpPr>
+          <p:cNvPr id="3" name="Content Placeholder 2"/>
+          <p:cNvSpPr>
+            <a:spLocks noGrp="1"/>
+          </p:cNvSpPr>
+          <p:nvPr>
+            <p:ph idx="1"/>
+          </p:nvPr>
+        </p:nvSpPr>
+        <p:spPr>
+          <a:xfrm>
+            <a:off x="167925" y="1371599"/>
+            <a:ext cx="8847508" cy="4884177"/>
+          </a:xfrm>
+        </p:spPr>
+        <p:txBody>
+          <a:bodyPr/>
+          <a:lstStyle/>
+          <a:p>
+            <a:r>
+              <a:rPr lang="en-US" sz="4800" dirty="0" smtClean="0"/>
+              <a:t>preserve validity:</a:t>
+            </a:r>
+            <a:endParaRPr lang="en-US" sz="4800" dirty="0" smtClean="0"/>
+          </a:p>
+          <a:p>
+            <a:r>
+              <a:rPr lang="en-US" sz="5400" dirty="0"/>
+              <a:t>i</a:t>
+            </a:r>
+            <a:r>
+              <a:rPr lang="en-US" sz="5400" dirty="0" smtClean="0"/>
+              <a:t>f all the antecedents are </a:t>
+            </a:r>
+          </a:p>
+          <a:p>
+            <a:r>
+              <a:rPr lang="en-US" sz="5400" dirty="0" smtClean="0">
+                <a:solidFill>
+                  <a:srgbClr val="BB0FAB"/>
+                </a:solidFill>
+              </a:rPr>
+              <a:t>valid</a:t>
+            </a:r>
+            <a:endParaRPr lang="en-US" sz="5400" dirty="0">
+              <a:solidFill>
+                <a:srgbClr val="BB0FAB"/>
+              </a:solidFill>
+            </a:endParaRPr>
+          </a:p>
+        </p:txBody>
+      </p:sp>
+      <p:sp>
+        <p:nvSpPr>
+          <p:cNvPr id="4" name="Slide Number Placeholder 3"/>
+          <p:cNvSpPr>
+            <a:spLocks noGrp="1"/>
+          </p:cNvSpPr>
+          <p:nvPr>
+            <p:ph type="sldNum" sz="quarter" idx="10"/>
+          </p:nvPr>
+        </p:nvSpPr>
+        <p:spPr>
+          <a:xfrm>
+            <a:off x="8420278" y="6553200"/>
+            <a:ext cx="723726" cy="276999"/>
+          </a:xfrm>
+        </p:spPr>
+        <p:txBody>
+          <a:bodyPr/>
+          <a:lstStyle/>
+          <a:p>
+            <a:pPr>
+              <a:defRPr/>
+            </a:pPr>
+            <a:r>
+              <a:rPr lang="en-US" dirty="0" smtClean="0"/>
+              <a:t>sound.</a:t>
+            </a:r>
+            <a:fld id="{A528ADE2-B74F-4D9D-8D04-FB5D781EAB51}" type="slidenum">
+              <a:rPr lang="en-US" smtClean="0"/>
+              <a:pPr>
+                <a:defRPr/>
+              </a:pPr>
+              <a:t>5</a:t>
+            </a:fld>
+            <a:endParaRPr lang="en-US" dirty="0"/>
+          </a:p>
+        </p:txBody>
+      </p:sp>
+      <p:sp>
+        <p:nvSpPr>
+          <p:cNvPr id="6" name="Title 1"/>
+          <p:cNvSpPr>
+            <a:spLocks noGrp="1"/>
+          </p:cNvSpPr>
+          <p:nvPr>
+            <p:ph type="title"/>
+          </p:nvPr>
+        </p:nvSpPr>
+        <p:spPr>
+          <a:xfrm>
+            <a:off x="2318907" y="283808"/>
+            <a:ext cx="5006788" cy="1091204"/>
+          </a:xfrm>
+        </p:spPr>
+        <p:txBody>
+          <a:bodyPr/>
+          <a:lstStyle/>
+          <a:p>
+            <a:r>
+              <a:rPr lang="en-US" dirty="0" smtClean="0">
+                <a:solidFill>
+                  <a:srgbClr val="006600"/>
+                </a:solidFill>
+              </a:rPr>
+              <a:t>Sound </a:t>
+            </a:r>
+            <a:r>
+              <a:rPr lang="en-US" dirty="0" smtClean="0">
+                <a:solidFill>
+                  <a:schemeClr val="tx1"/>
+                </a:solidFill>
+              </a:rPr>
+              <a:t>Rules</a:t>
+            </a:r>
+            <a:endParaRPr lang="en-US" dirty="0">
+              <a:solidFill>
+                <a:schemeClr val="tx1"/>
+              </a:solidFill>
+            </a:endParaRPr>
+          </a:p>
+        </p:txBody>
+      </p:sp>
+    </p:spTree>
+    <p:extLst>
+      <p:ext uri="{BB962C8B-B14F-4D97-AF65-F5344CB8AC3E}">
+        <p14:creationId xmlns:p14="http://schemas.microsoft.com/office/powerpoint/2010/main" val="4016570365"/>
+      </p:ext>
+    </p:extLst>
+  </p:cSld>
+  <p:clrMapOvr>
+    <a:masterClrMapping/>
+  </p:clrMapOvr>
+  <p:transition xmlns:p14="http://schemas.microsoft.com/office/powerpoint/2010/main" spd="slow" advClick="0">
+    <p:fade/>
+  </p:transition>
+  <p:timing>
+    <p:tnLst>
+      <p:par>
+        <p:cTn xmlns:p14="http://schemas.microsoft.com/office/powerpoint/2010/main" id="1" dur="indefinite" restart="never" nodeType="tmRoot">
+          <p:childTnLst>
+            <p:seq concurrent="1" nextAc="seek">
+              <p:cTn id="2" dur="indefinite" nodeType="mainSeq">
+                <p:childTnLst>
+                  <p:par>
+                    <p:cTn id="3" fill="hold">
+                      <p:stCondLst>
+                        <p:cond delay="indefinite"/>
+                      </p:stCondLst>
+                      <p:childTnLst>
+                        <p:par>
+                          <p:cTn id="4" fill="hold">
+                            <p:stCondLst>
+                              <p:cond delay="0"/>
+                            </p:stCondLst>
+                            <p:childTnLst>
+                              <p:par>
+                                <p:cTn id="5" presetID="9" presetClass="entr" presetSubtype="0" fill="hold" grpId="0" nodeType="clickEffect">
+                                  <p:stCondLst>
+                                    <p:cond delay="0"/>
+                                  </p:stCondLst>
+                                  <p:childTnLst>
+                                    <p:set>
+                                      <p:cBhvr>
+                                        <p:cTn id="6" dur="1" fill="hold">
+                                          <p:stCondLst>
+                                            <p:cond delay="0"/>
+                                          </p:stCondLst>
+                                        </p:cTn>
+                                        <p:tgtEl>
+                                          <p:spTgt spid="3">
+                                            <p:txEl>
+                                              <p:pRg st="1" end="1"/>
+                                            </p:txEl>
+                                          </p:spTgt>
+                                        </p:tgtEl>
+                                        <p:attrNameLst>
+                                          <p:attrName>style.visibility</p:attrName>
+                                        </p:attrNameLst>
+                                      </p:cBhvr>
+                                      <p:to>
+                                        <p:strVal val="visible"/>
+                                      </p:to>
+                                    </p:set>
+                                    <p:animEffect transition="in" filter="dissolve">
+                                      <p:cBhvr>
+                                        <p:cTn id="7" dur="500"/>
+                                        <p:tgtEl>
+                                          <p:spTgt spid="3">
+                                            <p:txEl>
+                                              <p:pRg st="1" end="1"/>
+                                            </p:txEl>
+                                          </p:spTgt>
+                                        </p:tgtEl>
+                                      </p:cBhvr>
+                                    </p:animEffect>
+                                  </p:childTnLst>
+                                </p:cTn>
+                              </p:par>
+                              <p:par>
+                                <p:cTn id="8" presetID="9" presetClass="entr" presetSubtype="0" fill="hold" grpId="0" nodeType="withEffect">
+                                  <p:stCondLst>
+                                    <p:cond delay="0"/>
+                                  </p:stCondLst>
+                                  <p:childTnLst>
+                                    <p:set>
+                                      <p:cBhvr>
+                                        <p:cTn id="9" dur="1" fill="hold">
+                                          <p:stCondLst>
+                                            <p:cond delay="0"/>
+                                          </p:stCondLst>
+                                        </p:cTn>
+                                        <p:tgtEl>
+                                          <p:spTgt spid="3">
+                                            <p:txEl>
+                                              <p:pRg st="2" end="2"/>
+                                            </p:txEl>
+                                          </p:spTgt>
+                                        </p:tgtEl>
+                                        <p:attrNameLst>
+                                          <p:attrName>style.visibility</p:attrName>
+                                        </p:attrNameLst>
+                                      </p:cBhvr>
+                                      <p:to>
+                                        <p:strVal val="visible"/>
+                                      </p:to>
+                                    </p:set>
+                                    <p:animEffect transition="in" filter="dissolve">
+                                      <p:cBhvr>
+                                        <p:cTn id="10" dur="500"/>
+                                        <p:tgtEl>
+                                          <p:spTgt spid="3">
+                                            <p:txEl>
+                                              <p:pRg st="2" end="2"/>
+                                            </p:txEl>
+                                          </p:spTgt>
+                                        </p:tgtEl>
+                                      </p:cBhvr>
+                                    </p:animEffect>
+                                  </p:childTnLst>
+                                </p:cTn>
+                              </p:par>
+                            </p:childTnLst>
+                          </p:cTn>
+                        </p:par>
+                      </p:childTnLst>
+                    </p:cTn>
+                  </p:par>
+                </p:childTnLst>
+              </p:cTn>
+              <p:prevCondLst>
+                <p:cond evt="onPrev" delay="0">
+                  <p:tgtEl>
+                    <p:sldTgt/>
+                  </p:tgtEl>
+                </p:cond>
+              </p:prevCondLst>
+              <p:nextCondLst>
+                <p:cond evt="onNext" delay="0">
+                  <p:tgtEl>
+                    <p:sldTgt/>
+                  </p:tgtEl>
+                </p:cond>
+              </p:nextCondLst>
+            </p:seq>
+          </p:childTnLst>
+        </p:cTn>
+      </p:par>
+    </p:tnLst>
+    <p:bldLst>
+      <p:bldP spid="3" grpId="0" build="p"/>
+    </p:bldLst>
+  </p:timing>
+</p:sld>
+</file>
+
+<file path=ppt/slides/slide6.xml><?xml version="1.0" encoding="utf-8"?>
+<p:sld xmlns:a="http://schemas.openxmlformats.org/drawingml/2006/main" xmlns:r="http://schemas.openxmlformats.org/officeDocument/2006/relationships" xmlns:p="http://schemas.openxmlformats.org/presentationml/2006/main">
+  <p:cSld>
+    <p:spTree>
+      <p:nvGrpSpPr>
+        <p:cNvPr id="1" name=""/>
+        <p:cNvGrpSpPr/>
+        <p:nvPr/>
+      </p:nvGrpSpPr>
+      <p:grpSpPr>
+        <a:xfrm>
+          <a:off x="0" y="0"/>
+          <a:ext cx="0" cy="0"/>
+          <a:chOff x="0" y="0"/>
+          <a:chExt cx="0" cy="0"/>
+        </a:xfrm>
+      </p:grpSpPr>
+      <p:sp>
+        <p:nvSpPr>
+          <p:cNvPr id="3" name="Content Placeholder 2"/>
+          <p:cNvSpPr>
+            <a:spLocks noGrp="1"/>
+          </p:cNvSpPr>
+          <p:nvPr>
+            <p:ph idx="1"/>
+          </p:nvPr>
+        </p:nvSpPr>
+        <p:spPr>
+          <a:xfrm>
+            <a:off x="167925" y="1371599"/>
+            <a:ext cx="8847508" cy="4884177"/>
+          </a:xfrm>
+        </p:spPr>
+        <p:txBody>
+          <a:bodyPr/>
+          <a:lstStyle/>
+          <a:p>
+            <a:r>
+              <a:rPr lang="en-US" sz="4800" dirty="0" smtClean="0"/>
+              <a:t>preserve </a:t>
+            </a:r>
+            <a:r>
+              <a:rPr lang="en-US" sz="4800" dirty="0" smtClean="0">
+                <a:solidFill>
+                  <a:srgbClr val="BB0FAB"/>
+                </a:solidFill>
+              </a:rPr>
+              <a:t>validity</a:t>
+            </a:r>
+            <a:r>
+              <a:rPr lang="en-US" sz="4800" dirty="0" smtClean="0"/>
+              <a:t>:</a:t>
+            </a:r>
+            <a:endParaRPr lang="en-US" sz="4800" dirty="0" smtClean="0"/>
+          </a:p>
+          <a:p>
+            <a:r>
+              <a:rPr lang="en-US" sz="5400" dirty="0"/>
+              <a:t>i</a:t>
+            </a:r>
+            <a:r>
+              <a:rPr lang="en-US" sz="5400" dirty="0" smtClean="0"/>
+              <a:t>f all the antecedents are </a:t>
+            </a:r>
+          </a:p>
+          <a:p>
+            <a:r>
+              <a:rPr lang="en-US" sz="5400" dirty="0" smtClean="0">
+                <a:solidFill>
+                  <a:srgbClr val="BB0FAB"/>
+                </a:solidFill>
+              </a:rPr>
+              <a:t>valid</a:t>
+            </a:r>
+            <a:r>
+              <a:rPr lang="en-US" sz="5400" dirty="0" smtClean="0"/>
+              <a:t>, then  conclusion is </a:t>
+            </a:r>
+          </a:p>
+          <a:p>
+            <a:r>
+              <a:rPr lang="en-US" sz="5400" dirty="0" smtClean="0">
+                <a:solidFill>
+                  <a:srgbClr val="BB0FAB"/>
+                </a:solidFill>
+              </a:rPr>
+              <a:t>valid</a:t>
+            </a:r>
+            <a:r>
+              <a:rPr lang="en-US" sz="5400" dirty="0" smtClean="0"/>
+              <a:t>.</a:t>
+            </a:r>
+            <a:endParaRPr lang="en-US" sz="5400" dirty="0"/>
+          </a:p>
+        </p:txBody>
+      </p:sp>
+      <p:sp>
+        <p:nvSpPr>
+          <p:cNvPr id="4" name="Slide Number Placeholder 3"/>
+          <p:cNvSpPr>
+            <a:spLocks noGrp="1"/>
+          </p:cNvSpPr>
+          <p:nvPr>
+            <p:ph type="sldNum" sz="quarter" idx="10"/>
+          </p:nvPr>
+        </p:nvSpPr>
+        <p:spPr>
+          <a:xfrm>
+            <a:off x="8420278" y="6553200"/>
+            <a:ext cx="723726" cy="276999"/>
+          </a:xfrm>
+        </p:spPr>
+        <p:txBody>
+          <a:bodyPr/>
+          <a:lstStyle/>
+          <a:p>
+            <a:pPr>
+              <a:defRPr/>
+            </a:pPr>
+            <a:r>
+              <a:rPr lang="en-US" dirty="0" smtClean="0"/>
+              <a:t>sound.</a:t>
+            </a:r>
+            <a:fld id="{A528ADE2-B74F-4D9D-8D04-FB5D781EAB51}" type="slidenum">
+              <a:rPr lang="en-US" smtClean="0"/>
+              <a:pPr>
+                <a:defRPr/>
+              </a:pPr>
+              <a:t>6</a:t>
+            </a:fld>
+            <a:endParaRPr lang="en-US" dirty="0"/>
+          </a:p>
+        </p:txBody>
+      </p:sp>
+      <p:sp>
+        <p:nvSpPr>
+          <p:cNvPr id="6" name="Title 1"/>
+          <p:cNvSpPr>
+            <a:spLocks noGrp="1"/>
+          </p:cNvSpPr>
+          <p:nvPr>
+            <p:ph type="title"/>
+          </p:nvPr>
+        </p:nvSpPr>
+        <p:spPr>
+          <a:xfrm>
+            <a:off x="2318907" y="283808"/>
+            <a:ext cx="5006788" cy="1091204"/>
+          </a:xfrm>
+        </p:spPr>
+        <p:txBody>
+          <a:bodyPr/>
+          <a:lstStyle/>
+          <a:p>
+            <a:r>
+              <a:rPr lang="en-US" dirty="0" smtClean="0">
+                <a:solidFill>
+                  <a:srgbClr val="006600"/>
+                </a:solidFill>
+              </a:rPr>
+              <a:t>Sound </a:t>
+            </a:r>
+            <a:r>
+              <a:rPr lang="en-US" dirty="0" smtClean="0">
+                <a:solidFill>
+                  <a:srgbClr val="000000"/>
+                </a:solidFill>
+              </a:rPr>
+              <a:t>Rules</a:t>
+            </a:r>
+            <a:endParaRPr lang="en-US" dirty="0">
+              <a:solidFill>
+                <a:srgbClr val="000000"/>
+              </a:solidFill>
+            </a:endParaRPr>
+          </a:p>
+        </p:txBody>
+      </p:sp>
+    </p:spTree>
+    <p:extLst>
+      <p:ext uri="{BB962C8B-B14F-4D97-AF65-F5344CB8AC3E}">
+        <p14:creationId xmlns:p14="http://schemas.microsoft.com/office/powerpoint/2010/main" val="3851909390"/>
+      </p:ext>
+    </p:extLst>
+  </p:cSld>
+  <p:clrMapOvr>
+    <a:masterClrMapping/>
+  </p:clrMapOvr>
+  <mc:AlternateContent xmlns:mc="http://schemas.openxmlformats.org/markup-compatibility/2006">
+    <mc:Choice xmlns:p14="http://schemas.microsoft.com/office/powerpoint/2010/main" Requires="p14">
+      <p:transition p14:dur="400" advClick="0">
+        <p:fade/>
+      </p:transition>
+    </mc:Choice>
+    <mc:Fallback>
+      <p:transition xmlns:p14="http://schemas.microsoft.com/office/powerpoint/2010/main" advClick="0">
+        <p:fade/>
+      </p:transition>
+    </mc:Fallback>
+  </mc:AlternateContent>
+  <p:timing>
+    <p:tnLst>
+      <p:par>
         <p:cTn xmlns:p14="http://schemas.microsoft.com/office/powerpoint/2010/main" id="1" dur="indefinite" restart="never" nodeType="tmRoot"/>
+      </p:par>
+    </p:tnLst>
+  </p:timing>
+</p:sld>
+</file>
+
+<file path=ppt/slides/slide7.xml><?xml version="1.0" encoding="utf-8"?>
+<p:sld xmlns:a="http://schemas.openxmlformats.org/drawingml/2006/main" xmlns:r="http://schemas.openxmlformats.org/officeDocument/2006/relationships" xmlns:p="http://schemas.openxmlformats.org/presentationml/2006/main">
+  <p:cSld>
+    <p:spTree>
+      <p:nvGrpSpPr>
+        <p:cNvPr id="1" name=""/>
+        <p:cNvGrpSpPr/>
+        <p:nvPr/>
+      </p:nvGrpSpPr>
+      <p:grpSpPr>
+        <a:xfrm>
+          <a:off x="0" y="0"/>
+          <a:ext cx="0" cy="0"/>
+          <a:chOff x="0" y="0"/>
+          <a:chExt cx="0" cy="0"/>
+        </a:xfrm>
+      </p:grpSpPr>
+      <p:sp>
+        <p:nvSpPr>
+          <p:cNvPr id="2" name="Title 1"/>
+          <p:cNvSpPr>
+            <a:spLocks noGrp="1"/>
+          </p:cNvSpPr>
+          <p:nvPr>
+            <p:ph type="title"/>
+          </p:nvPr>
+        </p:nvSpPr>
+        <p:spPr>
+          <a:xfrm>
+            <a:off x="2318907" y="283808"/>
+            <a:ext cx="5006788" cy="1091204"/>
+          </a:xfrm>
+        </p:spPr>
+        <p:txBody>
+          <a:bodyPr/>
+          <a:lstStyle/>
+          <a:p>
+            <a:r>
+              <a:rPr lang="en-US" dirty="0" smtClean="0"/>
+              <a:t>A </a:t>
+            </a:r>
+            <a:r>
+              <a:rPr lang="en-US" dirty="0" smtClean="0">
+                <a:solidFill>
+                  <a:srgbClr val="006600"/>
+                </a:solidFill>
+              </a:rPr>
+              <a:t>Sound</a:t>
+            </a:r>
+            <a:r>
+              <a:rPr lang="en-US" dirty="0" smtClean="0"/>
+              <a:t> Rule</a:t>
+            </a:r>
+            <a:endParaRPr lang="en-US" dirty="0"/>
+          </a:p>
+        </p:txBody>
+      </p:sp>
+      <p:sp>
+        <p:nvSpPr>
+          <p:cNvPr id="3" name="Content Placeholder 2"/>
+          <p:cNvSpPr>
+            <a:spLocks noGrp="1"/>
+          </p:cNvSpPr>
+          <p:nvPr>
+            <p:ph idx="1"/>
+          </p:nvPr>
+        </p:nvSpPr>
+        <p:spPr>
+          <a:xfrm>
+            <a:off x="550326" y="1255186"/>
+            <a:ext cx="8096250" cy="4957234"/>
+          </a:xfrm>
+        </p:spPr>
+        <p:txBody>
+          <a:bodyPr/>
+          <a:lstStyle/>
+          <a:p>
+            <a:r>
+              <a:rPr lang="en-US" sz="4800" dirty="0" smtClean="0">
+                <a:solidFill>
+                  <a:srgbClr val="BB0FAB"/>
+                </a:solidFill>
+              </a:rPr>
+              <a:t>    modus </a:t>
+            </a:r>
+            <a:r>
+              <a:rPr lang="en-US" sz="4800" dirty="0" smtClean="0">
+                <a:solidFill>
+                  <a:srgbClr val="BB0FAB"/>
+                </a:solidFill>
+              </a:rPr>
+              <a:t>ponens</a:t>
+            </a:r>
+            <a:r>
+              <a:rPr lang="en-US" sz="4800" dirty="0" smtClean="0"/>
+              <a:t> is </a:t>
+            </a:r>
+            <a:r>
+              <a:rPr lang="en-US" sz="4800" dirty="0" smtClean="0">
+                <a:solidFill>
+                  <a:srgbClr val="006600"/>
+                </a:solidFill>
+              </a:rPr>
+              <a:t>sound</a:t>
+            </a:r>
+            <a:r>
+              <a:rPr lang="en-US" sz="4800" dirty="0" smtClean="0"/>
+              <a:t>:</a:t>
+            </a:r>
+          </a:p>
+          <a:p>
+            <a:r>
+              <a:rPr lang="en-US" sz="5400" dirty="0" smtClean="0"/>
+              <a:t>if </a:t>
+            </a:r>
+            <a:r>
+              <a:rPr lang="en-US" sz="5400" dirty="0" smtClean="0">
+                <a:solidFill>
+                  <a:srgbClr val="0000FF"/>
+                </a:solidFill>
+              </a:rPr>
+              <a:t>P</a:t>
+            </a:r>
+            <a:r>
+              <a:rPr lang="en-US" sz="5400" dirty="0" smtClean="0"/>
+              <a:t> is </a:t>
+            </a:r>
+            <a:r>
+              <a:rPr lang="en-US" sz="5400" dirty="0" smtClean="0">
+                <a:solidFill>
+                  <a:srgbClr val="BB0FAB"/>
+                </a:solidFill>
+              </a:rPr>
+              <a:t>va</a:t>
+            </a:r>
+            <a:r>
+              <a:rPr lang="en-US" sz="5400" dirty="0" smtClean="0">
+                <a:solidFill>
+                  <a:srgbClr val="BB0FAB"/>
+                </a:solidFill>
+              </a:rPr>
+              <a:t>lid</a:t>
+            </a:r>
+            <a:r>
+              <a:rPr lang="en-US" sz="5400" dirty="0" smtClean="0"/>
+              <a:t>,</a:t>
+            </a:r>
+            <a:endParaRPr lang="en-US" sz="5400" dirty="0" smtClean="0"/>
+          </a:p>
+          <a:p>
+            <a:r>
+              <a:rPr lang="en-US" sz="5400" dirty="0" smtClean="0"/>
+              <a:t>and </a:t>
+            </a:r>
+            <a:r>
+              <a:rPr lang="en-US" sz="5400" dirty="0" smtClean="0">
+                <a:solidFill>
+                  <a:srgbClr val="0000FF"/>
+                </a:solidFill>
+              </a:rPr>
+              <a:t>P </a:t>
+            </a:r>
+            <a:r>
+              <a:rPr lang="en-US" sz="4400" dirty="0" smtClean="0">
+                <a:solidFill>
+                  <a:srgbClr val="0000FF"/>
+                </a:solidFill>
+              </a:rPr>
+              <a:t>IMPLIES</a:t>
+            </a:r>
+            <a:r>
+              <a:rPr lang="en-US" sz="5400" dirty="0" smtClean="0">
+                <a:solidFill>
+                  <a:srgbClr val="0000FF"/>
+                </a:solidFill>
+              </a:rPr>
+              <a:t> Q </a:t>
+            </a:r>
+            <a:r>
+              <a:rPr lang="en-US" sz="5400" dirty="0" smtClean="0"/>
+              <a:t>is </a:t>
+            </a:r>
+            <a:r>
+              <a:rPr lang="en-US" sz="5400" dirty="0" smtClean="0">
+                <a:solidFill>
+                  <a:srgbClr val="BB0FAB"/>
+                </a:solidFill>
+              </a:rPr>
+              <a:t>valid</a:t>
+            </a:r>
+            <a:r>
+              <a:rPr lang="en-US" sz="5400" dirty="0" smtClean="0"/>
+              <a:t>,</a:t>
+            </a:r>
+            <a:endParaRPr lang="en-US" sz="5400" dirty="0" smtClean="0"/>
+          </a:p>
+          <a:p>
+            <a:r>
+              <a:rPr lang="en-US" sz="5400" dirty="0" smtClean="0"/>
+              <a:t>then </a:t>
+            </a:r>
+            <a:r>
+              <a:rPr lang="en-US" sz="5400" dirty="0" smtClean="0">
+                <a:solidFill>
+                  <a:srgbClr val="0000FF"/>
+                </a:solidFill>
+              </a:rPr>
+              <a:t>Q</a:t>
+            </a:r>
+            <a:r>
+              <a:rPr lang="en-US" sz="5400" dirty="0" smtClean="0"/>
+              <a:t> must be </a:t>
+            </a:r>
+            <a:r>
+              <a:rPr lang="en-US" sz="5400" dirty="0" smtClean="0">
+                <a:solidFill>
+                  <a:srgbClr val="BB0FAB"/>
+                </a:solidFill>
+              </a:rPr>
+              <a:t>valid</a:t>
+            </a:r>
+            <a:endParaRPr lang="en-US" sz="5400" dirty="0" smtClean="0">
+              <a:solidFill>
+                <a:srgbClr val="BB0FAB"/>
+              </a:solidFill>
+            </a:endParaRPr>
+          </a:p>
+          <a:p>
+            <a:r>
+              <a:rPr lang="en-US" sz="5400" dirty="0" smtClean="0"/>
+              <a:t>―</a:t>
+            </a:r>
+            <a:r>
+              <a:rPr lang="en-US" sz="5400" dirty="0"/>
+              <a:t>by </a:t>
+            </a:r>
+            <a:r>
+              <a:rPr lang="en-US" sz="5400" dirty="0" smtClean="0"/>
+              <a:t>truth table.</a:t>
+            </a:r>
+            <a:endParaRPr lang="en-US" sz="5400" dirty="0"/>
+          </a:p>
+        </p:txBody>
+      </p:sp>
+      <p:sp>
+        <p:nvSpPr>
+          <p:cNvPr id="4" name="Slide Number Placeholder 3"/>
+          <p:cNvSpPr>
+            <a:spLocks noGrp="1"/>
+          </p:cNvSpPr>
+          <p:nvPr>
+            <p:ph type="sldNum" sz="quarter" idx="10"/>
+          </p:nvPr>
+        </p:nvSpPr>
+        <p:spPr>
+          <a:xfrm>
+            <a:off x="8420278" y="6553200"/>
+            <a:ext cx="723726" cy="276999"/>
+          </a:xfrm>
+        </p:spPr>
+        <p:txBody>
+          <a:bodyPr/>
+          <a:lstStyle/>
+          <a:p>
+            <a:pPr>
+              <a:defRPr/>
+            </a:pPr>
+            <a:r>
+              <a:rPr lang="en-US" dirty="0" smtClean="0"/>
+              <a:t>sound.</a:t>
+            </a:r>
+            <a:fld id="{A528ADE2-B74F-4D9D-8D04-FB5D781EAB51}" type="slidenum">
+              <a:rPr lang="en-US" smtClean="0"/>
+              <a:pPr>
+                <a:defRPr/>
+              </a:pPr>
+              <a:t>7</a:t>
+            </a:fld>
+            <a:endParaRPr lang="en-US" dirty="0"/>
+          </a:p>
+        </p:txBody>
+      </p:sp>
+    </p:spTree>
+    <p:extLst>
+      <p:ext uri="{BB962C8B-B14F-4D97-AF65-F5344CB8AC3E}">
+        <p14:creationId xmlns:p14="http://schemas.microsoft.com/office/powerpoint/2010/main" val="1120256809"/>
+      </p:ext>
+    </p:extLst>
+  </p:cSld>
+  <p:clrMapOvr>
+    <a:masterClrMapping/>
+  </p:clrMapOvr>
+  <p:transition xmlns:p14="http://schemas.microsoft.com/office/powerpoint/2010/main" spd="slow" advClick="0">
+    <p:fade/>
+  </p:transition>
+  <p:timing>
+    <p:tnLst>
+      <p:par>
+        <p:cTn xmlns:p14="http://schemas.microsoft.com/office/powerpoint/2010/main" id="1" dur="indefinite" restart="never" nodeType="tmRoot">
+          <p:childTnLst>
+            <p:seq concurrent="1" nextAc="seek">
+              <p:cTn id="2" dur="indefinite" nodeType="mainSeq">
+                <p:childTnLst>
+                  <p:par>
+                    <p:cTn id="3" fill="hold">
+                      <p:stCondLst>
+                        <p:cond delay="indefinite"/>
+                      </p:stCondLst>
+                      <p:childTnLst>
+                        <p:par>
+                          <p:cTn id="4" fill="hold">
+                            <p:stCondLst>
+                              <p:cond delay="0"/>
+                            </p:stCondLst>
+                            <p:childTnLst>
+                              <p:par>
+                                <p:cTn id="5" presetID="9" presetClass="entr" presetSubtype="0" fill="hold" grpId="0" nodeType="clickEffect">
+                                  <p:stCondLst>
+                                    <p:cond delay="0"/>
+                                  </p:stCondLst>
+                                  <p:childTnLst>
+                                    <p:set>
+                                      <p:cBhvr>
+                                        <p:cTn id="6" dur="1" fill="hold">
+                                          <p:stCondLst>
+                                            <p:cond delay="0"/>
+                                          </p:stCondLst>
+                                        </p:cTn>
+                                        <p:tgtEl>
+                                          <p:spTgt spid="3">
+                                            <p:txEl>
+                                              <p:pRg st="1" end="1"/>
+                                            </p:txEl>
+                                          </p:spTgt>
+                                        </p:tgtEl>
+                                        <p:attrNameLst>
+                                          <p:attrName>style.visibility</p:attrName>
+                                        </p:attrNameLst>
+                                      </p:cBhvr>
+                                      <p:to>
+                                        <p:strVal val="visible"/>
+                                      </p:to>
+                                    </p:set>
+                                    <p:animEffect transition="in" filter="dissolve">
+                                      <p:cBhvr>
+                                        <p:cTn id="7" dur="500"/>
+                                        <p:tgtEl>
+                                          <p:spTgt spid="3">
+                                            <p:txEl>
+                                              <p:pRg st="1" end="1"/>
+                                            </p:txEl>
+                                          </p:spTgt>
+                                        </p:tgtEl>
+                                      </p:cBhvr>
+                                    </p:animEffect>
+                                  </p:childTnLst>
+                                </p:cTn>
+                              </p:par>
+                            </p:childTnLst>
+                          </p:cTn>
+                        </p:par>
+                        <p:par>
+                          <p:cTn id="8" fill="hold">
+                            <p:stCondLst>
+                              <p:cond delay="500"/>
+                            </p:stCondLst>
+                            <p:childTnLst>
+                              <p:par>
+                                <p:cTn id="9" presetID="9" presetClass="entr" presetSubtype="0" fill="hold" grpId="0" nodeType="afterEffect">
+                                  <p:stCondLst>
+                                    <p:cond delay="0"/>
+                                  </p:stCondLst>
+                                  <p:childTnLst>
+                                    <p:set>
+                                      <p:cBhvr>
+                                        <p:cTn id="10" dur="1" fill="hold">
+                                          <p:stCondLst>
+                                            <p:cond delay="0"/>
+                                          </p:stCondLst>
+                                        </p:cTn>
+                                        <p:tgtEl>
+                                          <p:spTgt spid="3">
+                                            <p:txEl>
+                                              <p:pRg st="2" end="2"/>
+                                            </p:txEl>
+                                          </p:spTgt>
+                                        </p:tgtEl>
+                                        <p:attrNameLst>
+                                          <p:attrName>style.visibility</p:attrName>
+                                        </p:attrNameLst>
+                                      </p:cBhvr>
+                                      <p:to>
+                                        <p:strVal val="visible"/>
+                                      </p:to>
+                                    </p:set>
+                                    <p:animEffect transition="in" filter="dissolve">
+                                      <p:cBhvr>
+                                        <p:cTn id="11" dur="500"/>
+                                        <p:tgtEl>
+                                          <p:spTgt spid="3">
+                                            <p:txEl>
+                                              <p:pRg st="2" end="2"/>
+                                            </p:txEl>
+                                          </p:spTgt>
+                                        </p:tgtEl>
+                                      </p:cBhvr>
+                                    </p:animEffect>
+                                  </p:childTnLst>
+                                </p:cTn>
+                              </p:par>
+                            </p:childTnLst>
+                          </p:cTn>
+                        </p:par>
+                      </p:childTnLst>
+                    </p:cTn>
+                  </p:par>
+                  <p:par>
+                    <p:cTn id="12" fill="hold">
+                      <p:stCondLst>
+                        <p:cond delay="indefinite"/>
+                      </p:stCondLst>
+                      <p:childTnLst>
+                        <p:par>
+                          <p:cTn id="13" fill="hold">
+                            <p:stCondLst>
+                              <p:cond delay="0"/>
+                            </p:stCondLst>
+                            <p:childTnLst>
+                              <p:par>
+                                <p:cTn id="14" presetID="9" presetClass="entr" presetSubtype="0" fill="hold" grpId="0" nodeType="clickEffect">
+                                  <p:stCondLst>
+                                    <p:cond delay="0"/>
+                                  </p:stCondLst>
+                                  <p:childTnLst>
+                                    <p:set>
+                                      <p:cBhvr>
+                                        <p:cTn id="15" dur="1" fill="hold">
+                                          <p:stCondLst>
+                                            <p:cond delay="0"/>
+                                          </p:stCondLst>
+                                        </p:cTn>
+                                        <p:tgtEl>
+                                          <p:spTgt spid="3">
+                                            <p:txEl>
+                                              <p:pRg st="3" end="3"/>
+                                            </p:txEl>
+                                          </p:spTgt>
+                                        </p:tgtEl>
+                                        <p:attrNameLst>
+                                          <p:attrName>style.visibility</p:attrName>
+                                        </p:attrNameLst>
+                                      </p:cBhvr>
+                                      <p:to>
+                                        <p:strVal val="visible"/>
+                                      </p:to>
+                                    </p:set>
+                                    <p:animEffect transition="in" filter="dissolve">
+                                      <p:cBhvr>
+                                        <p:cTn id="16" dur="500"/>
+                                        <p:tgtEl>
+                                          <p:spTgt spid="3">
+                                            <p:txEl>
+                                              <p:pRg st="3" end="3"/>
+                                            </p:txEl>
+                                          </p:spTgt>
+                                        </p:tgtEl>
+                                      </p:cBhvr>
+                                    </p:animEffect>
+                                  </p:childTnLst>
+                                </p:cTn>
+                              </p:par>
+                            </p:childTnLst>
+                          </p:cTn>
+                        </p:par>
+                      </p:childTnLst>
+                    </p:cTn>
+                  </p:par>
+                  <p:par>
+                    <p:cTn id="17" fill="hold">
+                      <p:stCondLst>
+                        <p:cond delay="indefinite"/>
+                      </p:stCondLst>
+                      <p:childTnLst>
+                        <p:par>
+                          <p:cTn id="18" fill="hold">
+                            <p:stCondLst>
+                              <p:cond delay="0"/>
+                            </p:stCondLst>
+                            <p:childTnLst>
+                              <p:par>
+                                <p:cTn id="19" presetID="9" presetClass="entr" presetSubtype="0" fill="hold" grpId="0" nodeType="clickEffect">
+                                  <p:stCondLst>
+                                    <p:cond delay="0"/>
+                                  </p:stCondLst>
+                                  <p:childTnLst>
+                                    <p:set>
+                                      <p:cBhvr>
+                                        <p:cTn id="20" dur="1" fill="hold">
+                                          <p:stCondLst>
+                                            <p:cond delay="0"/>
+                                          </p:stCondLst>
+                                        </p:cTn>
+                                        <p:tgtEl>
+                                          <p:spTgt spid="3">
+                                            <p:txEl>
+                                              <p:pRg st="4" end="4"/>
+                                            </p:txEl>
+                                          </p:spTgt>
+                                        </p:tgtEl>
+                                        <p:attrNameLst>
+                                          <p:attrName>style.visibility</p:attrName>
+                                        </p:attrNameLst>
+                                      </p:cBhvr>
+                                      <p:to>
+                                        <p:strVal val="visible"/>
+                                      </p:to>
+                                    </p:set>
+                                    <p:animEffect transition="in" filter="dissolve">
+                                      <p:cBhvr>
+                                        <p:cTn id="21" dur="500"/>
+                                        <p:tgtEl>
+                                          <p:spTgt spid="3">
+                                            <p:txEl>
+                                              <p:pRg st="4" end="4"/>
+                                            </p:txEl>
+                                          </p:spTgt>
+                                        </p:tgtEl>
+                                      </p:cBhvr>
+                                    </p:animEffect>
+                                  </p:childTnLst>
+                                </p:cTn>
+                              </p:par>
+                            </p:childTnLst>
+                          </p:cTn>
+                        </p:par>
+                      </p:childTnLst>
+                    </p:cTn>
+                  </p:par>
+                </p:childTnLst>
+              </p:cTn>
+              <p:prevCondLst>
+                <p:cond evt="onPrev" delay="0">
+                  <p:tgtEl>
+                    <p:sldTgt/>
+                  </p:tgtEl>
+                </p:cond>
+              </p:prevCondLst>
+              <p:nextCondLst>
+                <p:cond evt="onNext" delay="0">
+                  <p:tgtEl>
+                    <p:sldTgt/>
+                  </p:tgtEl>
+                </p:cond>
+              </p:nextCondLst>
+            </p:seq>
+          </p:childTnLst>
+        </p:cTn>
+      </p:par>
+    </p:tnLst>
+    <p:bldLst>
+      <p:bldP spid="3" grpId="0" build="p"/>
+    </p:bldLst>
+  </p:timing>
+</p:sld>
+</file>
+
+<file path=ppt/slides/slide8.xml><?xml version="1.0" encoding="utf-8"?>
+<p:sld xmlns:a="http://schemas.openxmlformats.org/drawingml/2006/main" xmlns:r="http://schemas.openxmlformats.org/officeDocument/2006/relationships" xmlns:p="http://schemas.openxmlformats.org/presentationml/2006/main" show="0">
+  <p:cSld>
+    <p:spTree>
+      <p:nvGrpSpPr>
+        <p:cNvPr id="1" name=""/>
+        <p:cNvGrpSpPr/>
+        <p:nvPr/>
+      </p:nvGrpSpPr>
+      <p:grpSpPr>
+        <a:xfrm>
+          <a:off x="0" y="0"/>
+          <a:ext cx="0" cy="0"/>
+          <a:chOff x="0" y="0"/>
+          <a:chExt cx="0" cy="0"/>
+        </a:xfrm>
+      </p:grpSpPr>
+      <p:sp>
+        <p:nvSpPr>
+          <p:cNvPr id="2" name="Title 1"/>
+          <p:cNvSpPr>
+            <a:spLocks noGrp="1"/>
+          </p:cNvSpPr>
+          <p:nvPr>
+            <p:ph type="title"/>
+          </p:nvPr>
+        </p:nvSpPr>
+        <p:spPr>
+          <a:xfrm>
+            <a:off x="2065220" y="252317"/>
+            <a:ext cx="5016736" cy="1280139"/>
+          </a:xfrm>
+        </p:spPr>
+        <p:txBody>
+          <a:bodyPr/>
+          <a:lstStyle/>
+          <a:p>
+            <a:r>
+              <a:rPr lang="en-US" sz="4800" dirty="0" smtClean="0">
+                <a:solidFill>
+                  <a:srgbClr val="006600"/>
+                </a:solidFill>
+              </a:rPr>
+              <a:t>Sound</a:t>
+            </a:r>
+            <a:r>
+              <a:rPr lang="en-US" sz="4800" dirty="0" smtClean="0"/>
+              <a:t> </a:t>
+            </a:r>
+            <a:r>
+              <a:rPr lang="en-US" sz="4800" dirty="0" smtClean="0">
+                <a:solidFill>
+                  <a:schemeClr val="accent5">
+                    <a:lumMod val="50000"/>
+                  </a:schemeClr>
+                </a:solidFill>
+              </a:rPr>
+              <a:t>Proof</a:t>
+            </a:r>
+            <a:r>
+              <a:rPr lang="en-US" sz="4800" dirty="0" smtClean="0">
+                <a:solidFill>
+                  <a:srgbClr val="0000F1"/>
+                </a:solidFill>
+              </a:rPr>
+              <a:t>s</a:t>
+            </a:r>
+            <a:r>
+              <a:rPr lang="en-US" sz="4800" dirty="0" smtClean="0">
+                <a:solidFill>
+                  <a:schemeClr val="accent5">
+                    <a:lumMod val="25000"/>
+                  </a:schemeClr>
+                </a:solidFill>
+              </a:rPr>
+              <a:t> </a:t>
+            </a:r>
+            <a:endParaRPr lang="en-US" sz="4800" dirty="0">
+              <a:solidFill>
+                <a:schemeClr val="accent5">
+                  <a:lumMod val="25000"/>
+                </a:schemeClr>
+              </a:solidFill>
+            </a:endParaRPr>
+          </a:p>
+        </p:txBody>
+      </p:sp>
+      <p:sp>
+        <p:nvSpPr>
+          <p:cNvPr id="3" name="Slide Number Placeholder 2"/>
+          <p:cNvSpPr>
+            <a:spLocks noGrp="1"/>
+          </p:cNvSpPr>
+          <p:nvPr>
+            <p:ph type="sldNum" sz="quarter" idx="10"/>
+          </p:nvPr>
+        </p:nvSpPr>
+        <p:spPr/>
+        <p:txBody>
+          <a:bodyPr/>
+          <a:lstStyle/>
+          <a:p>
+            <a:pPr>
+              <a:defRPr/>
+            </a:pPr>
+            <a:r>
+              <a:rPr lang="en-US" smtClean="0"/>
+              <a:t>sound.</a:t>
+            </a:r>
+            <a:fld id="{DB6F0ED6-FEF5-4C9C-B1CC-29B47EC66FAA}" type="slidenum">
+              <a:rPr lang="en-US" smtClean="0"/>
+              <a:pPr>
+                <a:defRPr/>
+              </a:pPr>
+              <a:t>8</a:t>
+            </a:fld>
+            <a:endParaRPr lang="en-US" dirty="0"/>
+          </a:p>
+        </p:txBody>
+      </p:sp>
+      <p:sp>
+        <p:nvSpPr>
+          <p:cNvPr id="4" name="TextBox 3"/>
+          <p:cNvSpPr txBox="1"/>
+          <p:nvPr/>
+        </p:nvSpPr>
+        <p:spPr>
+          <a:xfrm>
+            <a:off x="364983" y="1708140"/>
+            <a:ext cx="8417209" cy="3416320"/>
+          </a:xfrm>
+          <a:prstGeom prst="rect">
+            <a:avLst/>
+          </a:prstGeom>
+          <a:noFill/>
+        </p:spPr>
+        <p:txBody>
+          <a:bodyPr wrap="square" rtlCol="0">
+            <a:spAutoFit/>
+          </a:bodyPr>
+          <a:lstStyle/>
+          <a:p>
+            <a:pPr algn="l"/>
+            <a:r>
+              <a:rPr lang="en-US" sz="5400" dirty="0" smtClean="0">
+                <a:latin typeface="Comic Sans MS" pitchFamily="66" charset="0"/>
+              </a:rPr>
+              <a:t>If axioms are </a:t>
+            </a:r>
+            <a:r>
+              <a:rPr lang="en-US" sz="5400" dirty="0" smtClean="0">
+                <a:solidFill>
+                  <a:srgbClr val="BB0FAB"/>
+                </a:solidFill>
+                <a:latin typeface="Comic Sans MS" pitchFamily="66" charset="0"/>
+              </a:rPr>
+              <a:t>valid</a:t>
+            </a:r>
+            <a:r>
+              <a:rPr lang="en-US" sz="5400" dirty="0" smtClean="0">
+                <a:latin typeface="Comic Sans MS" pitchFamily="66" charset="0"/>
+              </a:rPr>
+              <a:t>, </a:t>
+            </a:r>
+            <a:r>
+              <a:rPr lang="en-US" sz="5400" dirty="0" smtClean="0">
+                <a:latin typeface="Comic Sans MS" pitchFamily="66" charset="0"/>
+              </a:rPr>
+              <a:t>and</a:t>
+            </a:r>
+          </a:p>
+          <a:p>
+            <a:pPr algn="l"/>
+            <a:r>
+              <a:rPr lang="en-US" sz="5400" dirty="0" smtClean="0">
+                <a:latin typeface="Comic Sans MS" pitchFamily="66" charset="0"/>
+              </a:rPr>
+              <a:t>proof rules are sound,</a:t>
+            </a:r>
+          </a:p>
+          <a:p>
+            <a:pPr algn="l"/>
+            <a:r>
+              <a:rPr lang="en-US" sz="5400" dirty="0" smtClean="0">
+                <a:latin typeface="Comic Sans MS" pitchFamily="66" charset="0"/>
+              </a:rPr>
+              <a:t>then provable formulas are </a:t>
+            </a:r>
+            <a:r>
+              <a:rPr lang="en-US" sz="5400" dirty="0" smtClean="0">
+                <a:solidFill>
+                  <a:srgbClr val="BB0FAB"/>
+                </a:solidFill>
+                <a:latin typeface="Comic Sans MS" pitchFamily="66" charset="0"/>
+              </a:rPr>
+              <a:t>valid</a:t>
+            </a:r>
+            <a:r>
+              <a:rPr lang="en-US" sz="5400" dirty="0" smtClean="0">
+                <a:latin typeface="Comic Sans MS" pitchFamily="66" charset="0"/>
+              </a:rPr>
+              <a:t>.</a:t>
+            </a:r>
+            <a:endParaRPr lang="en-US" sz="5400" dirty="0" smtClean="0">
+              <a:latin typeface="Comic Sans MS" pitchFamily="66" charset="0"/>
+            </a:endParaRPr>
+          </a:p>
+        </p:txBody>
+      </p:sp>
+    </p:spTree>
+    <p:extLst>
+      <p:ext uri="{BB962C8B-B14F-4D97-AF65-F5344CB8AC3E}">
+        <p14:creationId xmlns:p14="http://schemas.microsoft.com/office/powerpoint/2010/main" val="1664836413"/>
+      </p:ext>
+    </p:extLst>
+  </p:cSld>
+  <p:clrMapOvr>
+    <a:masterClrMapping/>
+  </p:clrMapOvr>
+  <mc:AlternateContent xmlns:mc="http://schemas.openxmlformats.org/markup-compatibility/2006">
+    <mc:Choice xmlns:p14="http://schemas.microsoft.com/office/powerpoint/2010/main" Requires="p14">
+      <p:transition spd="slow" p14:dur="800" advClick="0">
+        <p:fade thruBlk="1"/>
+      </p:transition>
+    </mc:Choice>
+    <mc:Fallback>
+      <p:transition xmlns:p14="http://schemas.microsoft.com/office/powerpoint/2010/main" spd="slow" advClick="0">
+        <p:fade thruBlk="1"/>
+      </p:transition>
+    </mc:Fallback>
+  </mc:AlternateContent>
+  <p:timing>
+    <p:tnLst>
+      <p:par>
+        <p:cTn xmlns:p14="http://schemas.microsoft.com/office/powerpoint/2010/main" id="1" dur="indefinite" restart="never" nodeType="tmRoot">
+          <p:childTnLst>
+            <p:seq concurrent="1" nextAc="seek">
+              <p:cTn id="2" dur="indefinite" nodeType="mainSeq">
+                <p:childTnLst>
+                  <p:par>
+                    <p:cTn id="3" fill="hold">
+                      <p:stCondLst>
+                        <p:cond delay="indefinite"/>
+                      </p:stCondLst>
+                      <p:childTnLst>
+                        <p:par>
+                          <p:cTn id="4" fill="hold">
+                            <p:stCondLst>
+                              <p:cond delay="0"/>
+                            </p:stCondLst>
+                            <p:childTnLst>
+                              <p:par>
+                                <p:cTn id="5" presetID="10" presetClass="entr" presetSubtype="0" fill="hold" nodeType="clickEffect">
+                                  <p:stCondLst>
+                                    <p:cond delay="0"/>
+                                  </p:stCondLst>
+                                  <p:childTnLst>
+                                    <p:set>
+                                      <p:cBhvr>
+                                        <p:cTn id="6" dur="1" fill="hold">
+                                          <p:stCondLst>
+                                            <p:cond delay="0"/>
+                                          </p:stCondLst>
+                                        </p:cTn>
+                                        <p:tgtEl>
+                                          <p:spTgt spid="4">
+                                            <p:txEl>
+                                              <p:pRg st="0" end="0"/>
+                                            </p:txEl>
+                                          </p:spTgt>
+                                        </p:tgtEl>
+                                        <p:attrNameLst>
+                                          <p:attrName>style.visibility</p:attrName>
+                                        </p:attrNameLst>
+                                      </p:cBhvr>
+                                      <p:to>
+                                        <p:strVal val="visible"/>
+                                      </p:to>
+                                    </p:set>
+                                    <p:animEffect transition="in" filter="fade">
+                                      <p:cBhvr>
+                                        <p:cTn id="7" dur="500"/>
+                                        <p:tgtEl>
+                                          <p:spTgt spid="4">
+                                            <p:txEl>
+                                              <p:pRg st="0" end="0"/>
+                                            </p:txEl>
+                                          </p:spTgt>
+                                        </p:tgtEl>
+                                      </p:cBhvr>
+                                    </p:animEffect>
+                                  </p:childTnLst>
+                                </p:cTn>
+                              </p:par>
+                            </p:childTnLst>
+                          </p:cTn>
+                        </p:par>
+                      </p:childTnLst>
+                    </p:cTn>
+                  </p:par>
+                  <p:par>
+                    <p:cTn id="8" fill="hold">
+                      <p:stCondLst>
+                        <p:cond delay="indefinite"/>
+                      </p:stCondLst>
+                      <p:childTnLst>
+                        <p:par>
+                          <p:cTn id="9" fill="hold">
+                            <p:stCondLst>
+                              <p:cond delay="0"/>
+                            </p:stCondLst>
+                            <p:childTnLst>
+                              <p:par>
+                                <p:cTn id="10" presetID="10" presetClass="entr" presetSubtype="0" fill="hold" nodeType="clickEffect">
+                                  <p:stCondLst>
+                                    <p:cond delay="0"/>
+                                  </p:stCondLst>
+                                  <p:childTnLst>
+                                    <p:set>
+                                      <p:cBhvr>
+                                        <p:cTn id="11" dur="1" fill="hold">
+                                          <p:stCondLst>
+                                            <p:cond delay="0"/>
+                                          </p:stCondLst>
+                                        </p:cTn>
+                                        <p:tgtEl>
+                                          <p:spTgt spid="4">
+                                            <p:txEl>
+                                              <p:pRg st="1" end="1"/>
+                                            </p:txEl>
+                                          </p:spTgt>
+                                        </p:tgtEl>
+                                        <p:attrNameLst>
+                                          <p:attrName>style.visibility</p:attrName>
+                                        </p:attrNameLst>
+                                      </p:cBhvr>
+                                      <p:to>
+                                        <p:strVal val="visible"/>
+                                      </p:to>
+                                    </p:set>
+                                    <p:animEffect transition="in" filter="fade">
+                                      <p:cBhvr>
+                                        <p:cTn id="12" dur="500"/>
+                                        <p:tgtEl>
+                                          <p:spTgt spid="4">
+                                            <p:txEl>
+                                              <p:pRg st="1" end="1"/>
+                                            </p:txEl>
+                                          </p:spTgt>
+                                        </p:tgtEl>
+                                      </p:cBhvr>
+                                    </p:animEffect>
+                                  </p:childTnLst>
+                                </p:cTn>
+                              </p:par>
+                            </p:childTnLst>
+                          </p:cTn>
+                        </p:par>
+                      </p:childTnLst>
+                    </p:cTn>
+                  </p:par>
+                  <p:par>
+                    <p:cTn id="13" fill="hold">
+                      <p:stCondLst>
+                        <p:cond delay="indefinite"/>
+                      </p:stCondLst>
+                      <p:childTnLst>
+                        <p:par>
+                          <p:cTn id="14" fill="hold">
+                            <p:stCondLst>
+                              <p:cond delay="0"/>
+                            </p:stCondLst>
+                            <p:childTnLst>
+                              <p:par>
+                                <p:cTn id="15" presetID="10" presetClass="entr" presetSubtype="0" fill="hold" nodeType="clickEffect">
+                                  <p:stCondLst>
+                                    <p:cond delay="0"/>
+                                  </p:stCondLst>
+                                  <p:childTnLst>
+                                    <p:set>
+                                      <p:cBhvr>
+                                        <p:cTn id="16" dur="1" fill="hold">
+                                          <p:stCondLst>
+                                            <p:cond delay="0"/>
+                                          </p:stCondLst>
+                                        </p:cTn>
+                                        <p:tgtEl>
+                                          <p:spTgt spid="4">
+                                            <p:txEl>
+                                              <p:pRg st="2" end="2"/>
+                                            </p:txEl>
+                                          </p:spTgt>
+                                        </p:tgtEl>
+                                        <p:attrNameLst>
+                                          <p:attrName>style.visibility</p:attrName>
+                                        </p:attrNameLst>
+                                      </p:cBhvr>
+                                      <p:to>
+                                        <p:strVal val="visible"/>
+                                      </p:to>
+                                    </p:set>
+                                    <p:animEffect transition="in" filter="fade">
+                                      <p:cBhvr>
+                                        <p:cTn id="17" dur="500"/>
+                                        <p:tgtEl>
+                                          <p:spTgt spid="4">
+                                            <p:txEl>
+                                              <p:pRg st="2" end="2"/>
+                                            </p:txEl>
+                                          </p:spTgt>
+                                        </p:tgtEl>
+                                      </p:cBhvr>
+                                    </p:animEffect>
+                                  </p:childTnLst>
+                                </p:cTn>
+                              </p:par>
+                            </p:childTnLst>
+                          </p:cTn>
+                        </p:par>
+                      </p:childTnLst>
+                    </p:cTn>
+                  </p:par>
+                </p:childTnLst>
+              </p:cTn>
+              <p:prevCondLst>
+                <p:cond evt="onPrev" delay="0">
+                  <p:tgtEl>
+                    <p:sldTgt/>
+                  </p:tgtEl>
+                </p:cond>
+              </p:prevCondLst>
+              <p:nextCondLst>
+                <p:cond evt="onNext" delay="0">
+                  <p:tgtEl>
+                    <p:sldTgt/>
+                  </p:tgtEl>
+                </p:cond>
+              </p:nextCondLst>
+            </p:seq>
+          </p:childTnLst>
+        </p:cTn>
+      </p:par>
+    </p:tnLst>
+  </p:timing>
+</p:sld>
+</file>
+
+<file path=ppt/slides/slide9.xml><?xml version="1.0" encoding="utf-8"?>
+<p:sld xmlns:a="http://schemas.openxmlformats.org/drawingml/2006/main" xmlns:r="http://schemas.openxmlformats.org/officeDocument/2006/relationships" xmlns:p="http://schemas.openxmlformats.org/presentationml/2006/main">
+  <p:cSld>
+    <p:spTree>
+      <p:nvGrpSpPr>
+        <p:cNvPr id="1" name=""/>
+        <p:cNvGrpSpPr/>
+        <p:nvPr/>
+      </p:nvGrpSpPr>
+      <p:grpSpPr>
+        <a:xfrm>
+          <a:off x="0" y="0"/>
+          <a:ext cx="0" cy="0"/>
+          <a:chOff x="0" y="0"/>
+          <a:chExt cx="0" cy="0"/>
+        </a:xfrm>
+      </p:grpSpPr>
+      <p:sp>
+        <p:nvSpPr>
+          <p:cNvPr id="2" name="Title 1"/>
+          <p:cNvSpPr>
+            <a:spLocks noGrp="1"/>
+          </p:cNvSpPr>
+          <p:nvPr>
+            <p:ph type="title"/>
+          </p:nvPr>
+        </p:nvSpPr>
+        <p:spPr>
+          <a:xfrm>
+            <a:off x="2065220" y="252317"/>
+            <a:ext cx="5016736" cy="1280139"/>
+          </a:xfrm>
+        </p:spPr>
+        <p:txBody>
+          <a:bodyPr/>
+          <a:lstStyle/>
+          <a:p>
+            <a:r>
+              <a:rPr lang="en-US" sz="4800" dirty="0" smtClean="0">
+                <a:solidFill>
+                  <a:srgbClr val="006600"/>
+                </a:solidFill>
+              </a:rPr>
+              <a:t>Sound</a:t>
+            </a:r>
+            <a:r>
+              <a:rPr lang="en-US" sz="4800" dirty="0" smtClean="0"/>
+              <a:t> </a:t>
+            </a:r>
+            <a:r>
+              <a:rPr lang="en-US" sz="4800" dirty="0" smtClean="0">
+                <a:solidFill>
+                  <a:schemeClr val="accent5">
+                    <a:lumMod val="50000"/>
+                  </a:schemeClr>
+                </a:solidFill>
+              </a:rPr>
+              <a:t>Proof</a:t>
+            </a:r>
+            <a:r>
+              <a:rPr lang="en-US" sz="4800" dirty="0" smtClean="0">
+                <a:solidFill>
+                  <a:srgbClr val="0000F1"/>
+                </a:solidFill>
+              </a:rPr>
+              <a:t>s</a:t>
+            </a:r>
+            <a:r>
+              <a:rPr lang="en-US" sz="4800" dirty="0" smtClean="0">
+                <a:solidFill>
+                  <a:schemeClr val="accent5">
+                    <a:lumMod val="25000"/>
+                  </a:schemeClr>
+                </a:solidFill>
+              </a:rPr>
+              <a:t> </a:t>
+            </a:r>
+            <a:endParaRPr lang="en-US" sz="4800" dirty="0">
+              <a:solidFill>
+                <a:schemeClr val="accent5">
+                  <a:lumMod val="25000"/>
+                </a:schemeClr>
+              </a:solidFill>
+            </a:endParaRPr>
+          </a:p>
+        </p:txBody>
+      </p:sp>
+      <p:sp>
+        <p:nvSpPr>
+          <p:cNvPr id="3" name="Slide Number Placeholder 2"/>
+          <p:cNvSpPr>
+            <a:spLocks noGrp="1"/>
+          </p:cNvSpPr>
+          <p:nvPr>
+            <p:ph type="sldNum" sz="quarter" idx="10"/>
+          </p:nvPr>
+        </p:nvSpPr>
+        <p:spPr/>
+        <p:txBody>
+          <a:bodyPr/>
+          <a:lstStyle/>
+          <a:p>
+            <a:pPr>
+              <a:defRPr/>
+            </a:pPr>
+            <a:r>
+              <a:rPr lang="en-US" smtClean="0"/>
+              <a:t>sound.</a:t>
+            </a:r>
+            <a:fld id="{DB6F0ED6-FEF5-4C9C-B1CC-29B47EC66FAA}" type="slidenum">
+              <a:rPr lang="en-US" smtClean="0"/>
+              <a:pPr>
+                <a:defRPr/>
+              </a:pPr>
+              <a:t>9</a:t>
+            </a:fld>
+            <a:endParaRPr lang="en-US" dirty="0"/>
+          </a:p>
+        </p:txBody>
+      </p:sp>
+      <p:sp>
+        <p:nvSpPr>
+          <p:cNvPr id="4" name="TextBox 3"/>
+          <p:cNvSpPr txBox="1"/>
+          <p:nvPr/>
+        </p:nvSpPr>
+        <p:spPr>
+          <a:xfrm>
+            <a:off x="364983" y="1708140"/>
+            <a:ext cx="8417209" cy="3416320"/>
+          </a:xfrm>
+          <a:prstGeom prst="rect">
+            <a:avLst/>
+          </a:prstGeom>
+          <a:noFill/>
+        </p:spPr>
+        <p:txBody>
+          <a:bodyPr wrap="square" rtlCol="0">
+            <a:spAutoFit/>
+          </a:bodyPr>
+          <a:lstStyle/>
+          <a:p>
+            <a:pPr algn="l"/>
+            <a:r>
+              <a:rPr lang="en-US" sz="5400" dirty="0" smtClean="0">
+                <a:latin typeface="Comic Sans MS" pitchFamily="66" charset="0"/>
+              </a:rPr>
+              <a:t>If </a:t>
+            </a:r>
+            <a:r>
+              <a:rPr lang="en-US" sz="5400" dirty="0" smtClean="0">
+                <a:latin typeface="Comic Sans MS" pitchFamily="66" charset="0"/>
+              </a:rPr>
+              <a:t>proof rules are </a:t>
+            </a:r>
+            <a:r>
+              <a:rPr lang="en-US" sz="5400" dirty="0" smtClean="0">
+                <a:solidFill>
+                  <a:srgbClr val="006600"/>
+                </a:solidFill>
+                <a:latin typeface="Comic Sans MS" pitchFamily="66" charset="0"/>
+              </a:rPr>
+              <a:t>sound</a:t>
+            </a:r>
+            <a:r>
+              <a:rPr lang="en-US" sz="5400" dirty="0" smtClean="0">
+                <a:latin typeface="Comic Sans MS" pitchFamily="66" charset="0"/>
+              </a:rPr>
+              <a:t>,</a:t>
+            </a:r>
+          </a:p>
+          <a:p>
+            <a:pPr algn="l"/>
+            <a:r>
+              <a:rPr lang="en-US" sz="5400" dirty="0" smtClean="0">
+                <a:latin typeface="Comic Sans MS" pitchFamily="66" charset="0"/>
+              </a:rPr>
+              <a:t>and axioms </a:t>
+            </a:r>
+            <a:r>
+              <a:rPr lang="en-US" sz="5400" dirty="0">
+                <a:latin typeface="Comic Sans MS" pitchFamily="66" charset="0"/>
+              </a:rPr>
+              <a:t>are </a:t>
+            </a:r>
+            <a:r>
+              <a:rPr lang="en-US" sz="5400" dirty="0">
+                <a:solidFill>
+                  <a:srgbClr val="BB0FAB"/>
+                </a:solidFill>
+                <a:latin typeface="Comic Sans MS" pitchFamily="66" charset="0"/>
+              </a:rPr>
+              <a:t>valid</a:t>
+            </a:r>
+            <a:r>
+              <a:rPr lang="en-US" sz="5400" dirty="0" smtClean="0">
+                <a:latin typeface="Comic Sans MS" pitchFamily="66" charset="0"/>
+              </a:rPr>
+              <a:t>,</a:t>
+            </a:r>
+          </a:p>
+          <a:p>
+            <a:pPr algn="l"/>
+            <a:r>
+              <a:rPr lang="en-US" sz="5400" dirty="0" smtClean="0">
+                <a:latin typeface="Comic Sans MS" pitchFamily="66" charset="0"/>
+              </a:rPr>
+              <a:t>then provable formulas are </a:t>
+            </a:r>
+            <a:r>
+              <a:rPr lang="en-US" sz="5400" dirty="0" smtClean="0">
+                <a:solidFill>
+                  <a:srgbClr val="BB0FAB"/>
+                </a:solidFill>
+                <a:latin typeface="Comic Sans MS" pitchFamily="66" charset="0"/>
+              </a:rPr>
+              <a:t>valid</a:t>
+            </a:r>
+            <a:r>
+              <a:rPr lang="en-US" sz="5400" dirty="0" smtClean="0">
+                <a:latin typeface="Comic Sans MS" pitchFamily="66" charset="0"/>
+              </a:rPr>
+              <a:t>.</a:t>
+            </a:r>
+            <a:endParaRPr lang="en-US" sz="5400" dirty="0" smtClean="0">
+              <a:latin typeface="Comic Sans MS" pitchFamily="66" charset="0"/>
+            </a:endParaRPr>
+          </a:p>
+        </p:txBody>
+      </p:sp>
+    </p:spTree>
+    <p:extLst>
+      <p:ext uri="{BB962C8B-B14F-4D97-AF65-F5344CB8AC3E}">
+        <p14:creationId xmlns:p14="http://schemas.microsoft.com/office/powerpoint/2010/main" val="547643015"/>
+      </p:ext>
+    </p:extLst>
+  </p:cSld>
+  <p:clrMapOvr>
+    <a:masterClrMapping/>
+  </p:clrMapOvr>
+  <p:transition xmlns:p14="http://schemas.microsoft.com/office/powerpoint/2010/main" spd="slow" advClick="0">
+    <p:fade/>
+  </p:transition>
+  <p:timing>
+    <p:tnLst>
+      <p:par>
+        <p:cTn xmlns:p14="http://schemas.microsoft.com/office/powerpoint/2010/main" id="1" dur="indefinite" restart="never" nodeType="tmRoot">
+          <p:childTnLst>
+            <p:seq concurrent="1" nextAc="seek">
+              <p:cTn id="2" dur="indefinite" nodeType="mainSeq">
+                <p:childTnLst>
+                  <p:par>
+                    <p:cTn id="3" fill="hold">
+                      <p:stCondLst>
+                        <p:cond delay="indefinite"/>
+                      </p:stCondLst>
+                      <p:childTnLst>
+                        <p:par>
+                          <p:cTn id="4" fill="hold">
+                            <p:stCondLst>
+                              <p:cond delay="0"/>
+                            </p:stCondLst>
+                            <p:childTnLst>
+                              <p:par>
+                                <p:cTn id="5" presetID="10" presetClass="entr" presetSubtype="0" fill="hold" nodeType="clickEffect">
+                                  <p:stCondLst>
+                                    <p:cond delay="0"/>
+                                  </p:stCondLst>
+                                  <p:childTnLst>
+                                    <p:set>
+                                      <p:cBhvr>
+                                        <p:cTn id="6" dur="1" fill="hold">
+                                          <p:stCondLst>
+                                            <p:cond delay="0"/>
+                                          </p:stCondLst>
+                                        </p:cTn>
+                                        <p:tgtEl>
+                                          <p:spTgt spid="4">
+                                            <p:txEl>
+                                              <p:pRg st="0" end="0"/>
+                                            </p:txEl>
+                                          </p:spTgt>
+                                        </p:tgtEl>
+                                        <p:attrNameLst>
+                                          <p:attrName>style.visibility</p:attrName>
+                                        </p:attrNameLst>
+                                      </p:cBhvr>
+                                      <p:to>
+                                        <p:strVal val="visible"/>
+                                      </p:to>
+                                    </p:set>
+                                    <p:animEffect transition="in" filter="fade">
+                                      <p:cBhvr>
+                                        <p:cTn id="7" dur="500"/>
+                                        <p:tgtEl>
+                                          <p:spTgt spid="4">
+                                            <p:txEl>
+                                              <p:pRg st="0" end="0"/>
+                                            </p:txEl>
+                                          </p:spTgt>
+                                        </p:tgtEl>
+                                      </p:cBhvr>
+                                    </p:animEffect>
+                                  </p:childTnLst>
+                                </p:cTn>
+                              </p:par>
+                            </p:childTnLst>
+                          </p:cTn>
+                        </p:par>
+                      </p:childTnLst>
+                    </p:cTn>
+                  </p:par>
+                  <p:par>
+                    <p:cTn id="8" fill="hold">
+                      <p:stCondLst>
+                        <p:cond delay="indefinite"/>
+                      </p:stCondLst>
+                      <p:childTnLst>
+                        <p:par>
+                          <p:cTn id="9" fill="hold">
+                            <p:stCondLst>
+                              <p:cond delay="0"/>
+                            </p:stCondLst>
+                            <p:childTnLst>
+                              <p:par>
+                                <p:cTn id="10" presetID="10" presetClass="entr" presetSubtype="0" fill="hold" nodeType="clickEffect">
+                                  <p:stCondLst>
+                                    <p:cond delay="0"/>
+                                  </p:stCondLst>
+                                  <p:childTnLst>
+                                    <p:set>
+                                      <p:cBhvr>
+                                        <p:cTn id="11" dur="1" fill="hold">
+                                          <p:stCondLst>
+                                            <p:cond delay="0"/>
+                                          </p:stCondLst>
+                                        </p:cTn>
+                                        <p:tgtEl>
+                                          <p:spTgt spid="4">
+                                            <p:txEl>
+                                              <p:pRg st="1" end="1"/>
+                                            </p:txEl>
+                                          </p:spTgt>
+                                        </p:tgtEl>
+                                        <p:attrNameLst>
+                                          <p:attrName>style.visibility</p:attrName>
+                                        </p:attrNameLst>
+                                      </p:cBhvr>
+                                      <p:to>
+                                        <p:strVal val="visible"/>
+                                      </p:to>
+                                    </p:set>
+                                    <p:animEffect transition="in" filter="fade">
+                                      <p:cBhvr>
+                                        <p:cTn id="12" dur="500"/>
+                                        <p:tgtEl>
+                                          <p:spTgt spid="4">
+                                            <p:txEl>
+                                              <p:pRg st="1" end="1"/>
+                                            </p:txEl>
+                                          </p:spTgt>
+                                        </p:tgtEl>
+                                      </p:cBhvr>
+                                    </p:animEffect>
+                                  </p:childTnLst>
+                                </p:cTn>
+                              </p:par>
+                            </p:childTnLst>
+                          </p:cTn>
+                        </p:par>
+                      </p:childTnLst>
+                    </p:cTn>
+                  </p:par>
+                  <p:par>
+                    <p:cTn id="13" fill="hold">
+                      <p:stCondLst>
+                        <p:cond delay="indefinite"/>
+                      </p:stCondLst>
+                      <p:childTnLst>
+                        <p:par>
+                          <p:cTn id="14" fill="hold">
+                            <p:stCondLst>
+                              <p:cond delay="0"/>
+                            </p:stCondLst>
+                            <p:childTnLst>
+                              <p:par>
+                                <p:cTn id="15" presetID="10" presetClass="entr" presetSubtype="0" fill="hold" nodeType="clickEffect">
+                                  <p:stCondLst>
+                                    <p:cond delay="0"/>
+                                  </p:stCondLst>
+                                  <p:childTnLst>
+                                    <p:set>
+                                      <p:cBhvr>
+                                        <p:cTn id="16" dur="1" fill="hold">
+                                          <p:stCondLst>
+                                            <p:cond delay="0"/>
+                                          </p:stCondLst>
+                                        </p:cTn>
+                                        <p:tgtEl>
+                                          <p:spTgt spid="4">
+                                            <p:txEl>
+                                              <p:pRg st="2" end="2"/>
+                                            </p:txEl>
+                                          </p:spTgt>
+                                        </p:tgtEl>
+                                        <p:attrNameLst>
+                                          <p:attrName>style.visibility</p:attrName>
+                                        </p:attrNameLst>
+                                      </p:cBhvr>
+                                      <p:to>
+                                        <p:strVal val="visible"/>
+                                      </p:to>
+                                    </p:set>
+                                    <p:animEffect transition="in" filter="fade">
+                                      <p:cBhvr>
+                                        <p:cTn id="17" dur="500"/>
+                                        <p:tgtEl>
+                                          <p:spTgt spid="4">
+                                            <p:txEl>
+                                              <p:pRg st="2" end="2"/>
+                                            </p:txEl>
+                                          </p:spTgt>
+                                        </p:tgtEl>
+                                      </p:cBhvr>
+                                    </p:animEffect>
+                                  </p:childTnLst>
+                                </p:cTn>
+                              </p:par>
+                            </p:childTnLst>
+                          </p:cTn>
+                        </p:par>
+                      </p:childTnLst>
+                    </p:cTn>
+                  </p:par>
+                </p:childTnLst>
+              </p:cTn>
+              <p:prevCondLst>
+                <p:cond evt="onPrev" delay="0">
+                  <p:tgtEl>
+                    <p:sldTgt/>
+                  </p:tgtEl>
+                </p:cond>
+              </p:prevCondLst>
+              <p:nextCondLst>
+                <p:cond evt="onNext" delay="0">
+                  <p:tgtEl>
+                    <p:sldTgt/>
+                  </p:tgtEl>
+                </p:cond>
+              </p:nextCondLst>
+            </p:seq>
+          </p:childTnLst>
+        </p:cTn>
       </p:par>
     </p:tnLst>
   </p:timing>

--- a/spring17/slidesS17/sound-valid.pptx
+++ b/spring17/slidesS17/sound-valid.pptx
@@ -6,33 +6,47 @@
     <p:sldMasterId id="2147483651" r:id="rId2"/>
   </p:sldMasterIdLst>
   <p:notesMasterIdLst>
-    <p:notesMasterId r:id="rId19"/>
+    <p:notesMasterId r:id="rId33"/>
   </p:notesMasterIdLst>
   <p:handoutMasterIdLst>
-    <p:handoutMasterId r:id="rId20"/>
+    <p:handoutMasterId r:id="rId34"/>
   </p:handoutMasterIdLst>
   <p:sldIdLst>
     <p:sldId id="392" r:id="rId3"/>
     <p:sldId id="447" r:id="rId4"/>
     <p:sldId id="493" r:id="rId5"/>
-    <p:sldId id="485" r:id="rId6"/>
-    <p:sldId id="486" r:id="rId7"/>
-    <p:sldId id="492" r:id="rId8"/>
-    <p:sldId id="494" r:id="rId9"/>
-    <p:sldId id="489" r:id="rId10"/>
-    <p:sldId id="499" r:id="rId11"/>
-    <p:sldId id="491" r:id="rId12"/>
-    <p:sldId id="487" r:id="rId13"/>
-    <p:sldId id="488" r:id="rId14"/>
-    <p:sldId id="496" r:id="rId15"/>
-    <p:sldId id="498" r:id="rId16"/>
-    <p:sldId id="497" r:id="rId17"/>
-    <p:sldId id="490" r:id="rId18"/>
+    <p:sldId id="517" r:id="rId6"/>
+    <p:sldId id="503" r:id="rId7"/>
+    <p:sldId id="485" r:id="rId8"/>
+    <p:sldId id="486" r:id="rId9"/>
+    <p:sldId id="492" r:id="rId10"/>
+    <p:sldId id="494" r:id="rId11"/>
+    <p:sldId id="508" r:id="rId12"/>
+    <p:sldId id="509" r:id="rId13"/>
+    <p:sldId id="510" r:id="rId14"/>
+    <p:sldId id="511" r:id="rId15"/>
+    <p:sldId id="489" r:id="rId16"/>
+    <p:sldId id="512" r:id="rId17"/>
+    <p:sldId id="513" r:id="rId18"/>
+    <p:sldId id="514" r:id="rId19"/>
+    <p:sldId id="515" r:id="rId20"/>
+    <p:sldId id="516" r:id="rId21"/>
+    <p:sldId id="518" r:id="rId22"/>
+    <p:sldId id="501" r:id="rId23"/>
+    <p:sldId id="519" r:id="rId24"/>
+    <p:sldId id="491" r:id="rId25"/>
+    <p:sldId id="487" r:id="rId26"/>
+    <p:sldId id="488" r:id="rId27"/>
+    <p:sldId id="496" r:id="rId28"/>
+    <p:sldId id="498" r:id="rId29"/>
+    <p:sldId id="497" r:id="rId30"/>
+    <p:sldId id="490" r:id="rId31"/>
+    <p:sldId id="502" r:id="rId32"/>
   </p:sldIdLst>
   <p:sldSz cx="9144000" cy="6858000" type="screen4x3"/>
   <p:notesSz cx="9601200" cy="7315200"/>
   <p:custDataLst>
-    <p:tags r:id="rId22"/>
+    <p:tags r:id="rId36"/>
   </p:custDataLst>
   <p:defaultTextStyle>
     <a:defPPr>
@@ -1154,7 +1168,89 @@
             <a:fld id="{A02B9F3F-3042-489F-AF35-1A733968F079}" type="slidenum">
               <a:rPr lang="en-US" smtClean="0"/>
               <a:pPr/>
-              <a:t>12</a:t>
+              <a:t>25</a:t>
+            </a:fld>
+            <a:endParaRPr lang="en-US"/>
+          </a:p>
+        </p:txBody>
+      </p:sp>
+    </p:spTree>
+  </p:cSld>
+  <p:clrMapOvr>
+    <a:masterClrMapping/>
+  </p:clrMapOvr>
+</p:notes>
+</file>
+
+<file path=ppt/notesSlides/notesSlide5.xml><?xml version="1.0" encoding="utf-8"?>
+<p:notes xmlns:a="http://schemas.openxmlformats.org/drawingml/2006/main" xmlns:r="http://schemas.openxmlformats.org/officeDocument/2006/relationships" xmlns:p="http://schemas.openxmlformats.org/presentationml/2006/main">
+  <p:cSld>
+    <p:spTree>
+      <p:nvGrpSpPr>
+        <p:cNvPr id="1" name=""/>
+        <p:cNvGrpSpPr/>
+        <p:nvPr/>
+      </p:nvGrpSpPr>
+      <p:grpSpPr>
+        <a:xfrm>
+          <a:off x="0" y="0"/>
+          <a:ext cx="0" cy="0"/>
+          <a:chOff x="0" y="0"/>
+          <a:chExt cx="0" cy="0"/>
+        </a:xfrm>
+      </p:grpSpPr>
+      <p:sp>
+        <p:nvSpPr>
+          <p:cNvPr id="2" name="Slide Image Placeholder 1"/>
+          <p:cNvSpPr>
+            <a:spLocks noGrp="1" noRot="1" noChangeAspect="1"/>
+          </p:cNvSpPr>
+          <p:nvPr>
+            <p:ph type="sldImg"/>
+          </p:nvPr>
+        </p:nvSpPr>
+        <p:spPr/>
+      </p:sp>
+      <p:sp>
+        <p:nvSpPr>
+          <p:cNvPr id="3" name="Notes Placeholder 2"/>
+          <p:cNvSpPr>
+            <a:spLocks noGrp="1"/>
+          </p:cNvSpPr>
+          <p:nvPr>
+            <p:ph type="body" idx="1"/>
+          </p:nvPr>
+        </p:nvSpPr>
+        <p:spPr/>
+        <p:txBody>
+          <a:bodyPr>
+            <a:normAutofit/>
+          </a:bodyPr>
+          <a:lstStyle/>
+          <a:p>
+            <a:endParaRPr lang="en-US"/>
+          </a:p>
+        </p:txBody>
+      </p:sp>
+      <p:sp>
+        <p:nvSpPr>
+          <p:cNvPr id="4" name="Slide Number Placeholder 3"/>
+          <p:cNvSpPr>
+            <a:spLocks noGrp="1"/>
+          </p:cNvSpPr>
+          <p:nvPr>
+            <p:ph type="sldNum" sz="quarter" idx="10"/>
+          </p:nvPr>
+        </p:nvSpPr>
+        <p:spPr/>
+        <p:txBody>
+          <a:bodyPr/>
+          <a:lstStyle/>
+          <a:p>
+            <a:fld id="{A02B9F3F-3042-489F-AF35-1A733968F079}" type="slidenum">
+              <a:rPr lang="en-US" smtClean="0"/>
+              <a:pPr/>
+              <a:t>30</a:t>
             </a:fld>
             <a:endParaRPr lang="en-US"/>
           </a:p>
@@ -6144,10 +6240,6 @@
               <a:rPr lang="en-US" sz="9600" b="0" dirty="0" smtClean="0"/>
               <a:t>Sound</a:t>
             </a:r>
-            <a:r>
-              <a:rPr lang="en-US" sz="9600" b="0" dirty="0" smtClean="0"/>
-              <a:t/>
-            </a:r>
             <a:br>
               <a:rPr lang="en-US" sz="9600" b="0" dirty="0" smtClean="0"/>
             </a:br>
@@ -6424,6 +6516,45 @@
       </p:grpSpPr>
       <p:sp>
         <p:nvSpPr>
+          <p:cNvPr id="2" name="Title 1"/>
+          <p:cNvSpPr>
+            <a:spLocks noGrp="1"/>
+          </p:cNvSpPr>
+          <p:nvPr>
+            <p:ph type="title"/>
+          </p:nvPr>
+        </p:nvSpPr>
+        <p:spPr/>
+        <p:txBody>
+          <a:bodyPr/>
+          <a:lstStyle/>
+          <a:p>
+            <a:r>
+              <a:rPr lang="en-US" dirty="0">
+                <a:solidFill>
+                  <a:srgbClr val="BB0FAB"/>
+                </a:solidFill>
+              </a:rPr>
+              <a:t>modus ponens</a:t>
+            </a:r>
+            <a:r>
+              <a:rPr lang="en-US" dirty="0"/>
+              <a:t> is </a:t>
+            </a:r>
+            <a:r>
+              <a:rPr lang="en-US" dirty="0" smtClean="0">
+                <a:solidFill>
+                  <a:srgbClr val="006600"/>
+                </a:solidFill>
+              </a:rPr>
+              <a:t>sound</a:t>
+            </a:r>
+            <a:endParaRPr lang="en-US" dirty="0"/>
+          </a:p>
+        </p:txBody>
+      </p:sp>
+      <p:sp>
+        <p:nvSpPr>
           <p:cNvPr id="3" name="Content Placeholder 2"/>
           <p:cNvSpPr>
             <a:spLocks noGrp="1"/>
@@ -6434,8 +6565,8 @@
         </p:nvSpPr>
         <p:spPr>
           <a:xfrm>
-            <a:off x="275167" y="1371600"/>
-            <a:ext cx="8710083" cy="4142318"/>
+            <a:off x="172903" y="1427624"/>
+            <a:ext cx="8874016" cy="4817660"/>
           </a:xfrm>
         </p:spPr>
         <p:txBody>
@@ -6443,52 +6574,18 @@
           <a:lstStyle/>
           <a:p>
             <a:r>
-              <a:rPr lang="en-US" sz="4800" dirty="0" smtClean="0"/>
-              <a:t>preserve </a:t>
-            </a:r>
-            <a:r>
-              <a:rPr lang="en-US" sz="4800" dirty="0" smtClean="0">
-                <a:solidFill>
-                  <a:srgbClr val="006600"/>
-                </a:solidFill>
-              </a:rPr>
-              <a:t>truth</a:t>
-            </a:r>
-            <a:r>
-              <a:rPr lang="en-US" sz="4800" dirty="0" smtClean="0"/>
-              <a:t>:</a:t>
-            </a:r>
-          </a:p>
-          <a:p>
-            <a:r>
-              <a:rPr lang="en-US" sz="5400" dirty="0"/>
-              <a:t>i</a:t>
-            </a:r>
-            <a:r>
-              <a:rPr lang="en-US" sz="5400" dirty="0" smtClean="0"/>
-              <a:t>f all the antecedents are </a:t>
-            </a:r>
-          </a:p>
-          <a:p>
-            <a:r>
-              <a:rPr lang="en-US" sz="5400" dirty="0" smtClean="0">
-                <a:solidFill>
-                  <a:srgbClr val="006600"/>
-                </a:solidFill>
-              </a:rPr>
-              <a:t>true</a:t>
-            </a:r>
-            <a:r>
-              <a:rPr lang="en-US" sz="5400" dirty="0" smtClean="0"/>
-              <a:t> in some environment, </a:t>
-            </a:r>
-          </a:p>
-          <a:p>
-            <a:r>
-              <a:rPr lang="en-US" sz="5400" dirty="0" smtClean="0"/>
-              <a:t>then so is the conclusion.</a:t>
-            </a:r>
-            <a:endParaRPr lang="en-US" sz="5400" dirty="0"/>
+              <a:rPr lang="en-US" sz="4000" dirty="0"/>
+              <a:t>B</a:t>
+            </a:r>
+            <a:r>
+              <a:rPr lang="en-US" sz="4000" dirty="0" smtClean="0"/>
+              <a:t>y contradiction:</a:t>
+            </a:r>
+            <a:endParaRPr lang="en-US" sz="4000" dirty="0">
+              <a:solidFill>
+                <a:srgbClr val="000000"/>
+              </a:solidFill>
+            </a:endParaRPr>
           </a:p>
         </p:txBody>
       </p:sp>
@@ -6502,6 +6599,4089 @@
             <p:ph type="sldNum" sz="quarter" idx="10"/>
           </p:nvPr>
         </p:nvSpPr>
+        <p:spPr/>
+        <p:txBody>
+          <a:bodyPr/>
+          <a:lstStyle/>
+          <a:p>
+            <a:pPr>
+              <a:defRPr/>
+            </a:pPr>
+            <a:r>
+              <a:rPr lang="en-US" smtClean="0"/>
+              <a:t>sound.</a:t>
+            </a:r>
+            <a:fld id="{A528ADE2-B74F-4D9D-8D04-FB5D781EAB51}" type="slidenum">
+              <a:rPr lang="en-US" smtClean="0"/>
+              <a:pPr>
+                <a:defRPr/>
+              </a:pPr>
+              <a:t>10</a:t>
+            </a:fld>
+            <a:endParaRPr lang="en-US" dirty="0"/>
+          </a:p>
+        </p:txBody>
+      </p:sp>
+    </p:spTree>
+    <p:extLst>
+      <p:ext uri="{BB962C8B-B14F-4D97-AF65-F5344CB8AC3E}">
+        <p14:creationId xmlns:p14="http://schemas.microsoft.com/office/powerpoint/2010/main" val="1755360828"/>
+      </p:ext>
+    </p:extLst>
+  </p:cSld>
+  <p:clrMapOvr>
+    <a:masterClrMapping/>
+  </p:clrMapOvr>
+  <mc:AlternateContent xmlns:mc="http://schemas.openxmlformats.org/markup-compatibility/2006">
+    <mc:Choice xmlns:p14="http://schemas.microsoft.com/office/powerpoint/2010/main" Requires="p14">
+      <p:transition spd="med" p14:dur="700" advClick="0">
+        <p:fade/>
+      </p:transition>
+    </mc:Choice>
+    <mc:Fallback>
+      <p:transition xmlns:p14="http://schemas.microsoft.com/office/powerpoint/2010/main" spd="med" advClick="0">
+        <p:fade/>
+      </p:transition>
+    </mc:Fallback>
+  </mc:AlternateContent>
+  <p:timing>
+    <p:tnLst>
+      <p:par>
+        <p:cTn xmlns:p14="http://schemas.microsoft.com/office/powerpoint/2010/main" id="1" dur="indefinite" restart="never" nodeType="tmRoot"/>
+      </p:par>
+    </p:tnLst>
+  </p:timing>
+</p:sld>
+</file>
+
+<file path=ppt/slides/slide11.xml><?xml version="1.0" encoding="utf-8"?>
+<p:sld xmlns:a="http://schemas.openxmlformats.org/drawingml/2006/main" xmlns:r="http://schemas.openxmlformats.org/officeDocument/2006/relationships" xmlns:p="http://schemas.openxmlformats.org/presentationml/2006/main">
+  <p:cSld>
+    <p:spTree>
+      <p:nvGrpSpPr>
+        <p:cNvPr id="1" name=""/>
+        <p:cNvGrpSpPr/>
+        <p:nvPr/>
+      </p:nvGrpSpPr>
+      <p:grpSpPr>
+        <a:xfrm>
+          <a:off x="0" y="0"/>
+          <a:ext cx="0" cy="0"/>
+          <a:chOff x="0" y="0"/>
+          <a:chExt cx="0" cy="0"/>
+        </a:xfrm>
+      </p:grpSpPr>
+      <p:sp>
+        <p:nvSpPr>
+          <p:cNvPr id="2" name="Title 1"/>
+          <p:cNvSpPr>
+            <a:spLocks noGrp="1"/>
+          </p:cNvSpPr>
+          <p:nvPr>
+            <p:ph type="title"/>
+          </p:nvPr>
+        </p:nvSpPr>
+        <p:spPr/>
+        <p:txBody>
+          <a:bodyPr/>
+          <a:lstStyle/>
+          <a:p>
+            <a:r>
+              <a:rPr lang="en-US" dirty="0">
+                <a:solidFill>
+                  <a:srgbClr val="BB0FAB"/>
+                </a:solidFill>
+              </a:rPr>
+              <a:t>modus ponens</a:t>
+            </a:r>
+            <a:r>
+              <a:rPr lang="en-US" dirty="0"/>
+              <a:t> is </a:t>
+            </a:r>
+            <a:r>
+              <a:rPr lang="en-US" dirty="0" smtClean="0">
+                <a:solidFill>
+                  <a:srgbClr val="006600"/>
+                </a:solidFill>
+              </a:rPr>
+              <a:t>sound</a:t>
+            </a:r>
+            <a:endParaRPr lang="en-US" dirty="0"/>
+          </a:p>
+        </p:txBody>
+      </p:sp>
+      <p:sp>
+        <p:nvSpPr>
+          <p:cNvPr id="3" name="Content Placeholder 2"/>
+          <p:cNvSpPr>
+            <a:spLocks noGrp="1"/>
+          </p:cNvSpPr>
+          <p:nvPr>
+            <p:ph idx="1"/>
+          </p:nvPr>
+        </p:nvSpPr>
+        <p:spPr>
+          <a:xfrm>
+            <a:off x="172903" y="1427624"/>
+            <a:ext cx="8874016" cy="4817660"/>
+          </a:xfrm>
+        </p:spPr>
+        <p:txBody>
+          <a:bodyPr/>
+          <a:lstStyle/>
+          <a:p>
+            <a:r>
+              <a:rPr lang="en-US" sz="4000" dirty="0"/>
+              <a:t>B</a:t>
+            </a:r>
+            <a:r>
+              <a:rPr lang="en-US" sz="4000" dirty="0" smtClean="0"/>
+              <a:t>y contradiction: If </a:t>
+            </a:r>
+            <a:r>
+              <a:rPr lang="en-US" sz="4000" dirty="0" smtClean="0">
+                <a:solidFill>
+                  <a:srgbClr val="0000FF"/>
+                </a:solidFill>
+              </a:rPr>
+              <a:t>Q</a:t>
+            </a:r>
+            <a:r>
+              <a:rPr lang="en-US" sz="4000" dirty="0" smtClean="0"/>
+              <a:t> was </a:t>
+            </a:r>
+            <a:r>
+              <a:rPr lang="en-US" sz="4000" dirty="0" smtClean="0">
+                <a:solidFill>
+                  <a:srgbClr val="EC0213"/>
+                </a:solidFill>
+              </a:rPr>
+              <a:t>F</a:t>
+            </a:r>
+            <a:r>
+              <a:rPr lang="en-US" sz="4000" dirty="0" smtClean="0">
+                <a:solidFill>
+                  <a:srgbClr val="000000"/>
+                </a:solidFill>
+              </a:rPr>
+              <a:t> under</a:t>
+            </a:r>
+            <a:r>
+              <a:rPr lang="en-US" sz="4000" dirty="0" smtClean="0">
+                <a:solidFill>
+                  <a:srgbClr val="EC0213"/>
+                </a:solidFill>
+              </a:rPr>
+              <a:t> </a:t>
+            </a:r>
+            <a:r>
+              <a:rPr lang="en-US" sz="4000" dirty="0" smtClean="0">
+                <a:solidFill>
+                  <a:srgbClr val="000000"/>
+                </a:solidFill>
+              </a:rPr>
+              <a:t>some</a:t>
+            </a:r>
+            <a:r>
+              <a:rPr lang="en-US" sz="4000" dirty="0" smtClean="0">
+                <a:solidFill>
+                  <a:srgbClr val="EC0213"/>
+                </a:solidFill>
+              </a:rPr>
+              <a:t> </a:t>
+            </a:r>
+            <a:r>
+              <a:rPr lang="en-US" sz="4000" dirty="0" smtClean="0">
+                <a:solidFill>
+                  <a:srgbClr val="000000"/>
+                </a:solidFill>
+              </a:rPr>
+              <a:t>truth</a:t>
+            </a:r>
+            <a:r>
+              <a:rPr lang="en-US" sz="4000" dirty="0" smtClean="0">
+                <a:solidFill>
+                  <a:srgbClr val="EC0213"/>
+                </a:solidFill>
+              </a:rPr>
+              <a:t> </a:t>
+            </a:r>
+            <a:r>
+              <a:rPr lang="en-US" sz="4000" dirty="0" smtClean="0"/>
+              <a:t>assignment </a:t>
+            </a:r>
+            <a:r>
+              <a:rPr lang="en-US" sz="4000" dirty="0" smtClean="0">
+                <a:solidFill>
+                  <a:srgbClr val="BB0FAB"/>
+                </a:solidFill>
+              </a:rPr>
+              <a:t>A</a:t>
+            </a:r>
+            <a:r>
+              <a:rPr lang="en-US" sz="4000" dirty="0" smtClean="0"/>
+              <a:t>,</a:t>
+            </a:r>
+            <a:endParaRPr lang="en-US" sz="4000" dirty="0">
+              <a:solidFill>
+                <a:srgbClr val="000000"/>
+              </a:solidFill>
+            </a:endParaRPr>
+          </a:p>
+        </p:txBody>
+      </p:sp>
+      <p:sp>
+        <p:nvSpPr>
+          <p:cNvPr id="4" name="Slide Number Placeholder 3"/>
+          <p:cNvSpPr>
+            <a:spLocks noGrp="1"/>
+          </p:cNvSpPr>
+          <p:nvPr>
+            <p:ph type="sldNum" sz="quarter" idx="10"/>
+          </p:nvPr>
+        </p:nvSpPr>
+        <p:spPr/>
+        <p:txBody>
+          <a:bodyPr/>
+          <a:lstStyle/>
+          <a:p>
+            <a:pPr>
+              <a:defRPr/>
+            </a:pPr>
+            <a:r>
+              <a:rPr lang="en-US" smtClean="0"/>
+              <a:t>sound.</a:t>
+            </a:r>
+            <a:fld id="{A528ADE2-B74F-4D9D-8D04-FB5D781EAB51}" type="slidenum">
+              <a:rPr lang="en-US" smtClean="0"/>
+              <a:pPr>
+                <a:defRPr/>
+              </a:pPr>
+              <a:t>11</a:t>
+            </a:fld>
+            <a:endParaRPr lang="en-US" dirty="0"/>
+          </a:p>
+        </p:txBody>
+      </p:sp>
+    </p:spTree>
+    <p:extLst>
+      <p:ext uri="{BB962C8B-B14F-4D97-AF65-F5344CB8AC3E}">
+        <p14:creationId xmlns:p14="http://schemas.microsoft.com/office/powerpoint/2010/main" val="3380542968"/>
+      </p:ext>
+    </p:extLst>
+  </p:cSld>
+  <p:clrMapOvr>
+    <a:masterClrMapping/>
+  </p:clrMapOvr>
+  <mc:AlternateContent xmlns:mc="http://schemas.openxmlformats.org/markup-compatibility/2006">
+    <mc:Choice xmlns:p14="http://schemas.microsoft.com/office/powerpoint/2010/main" Requires="p14">
+      <p:transition spd="med" p14:dur="700" advClick="0">
+        <p:fade/>
+      </p:transition>
+    </mc:Choice>
+    <mc:Fallback>
+      <p:transition xmlns:p14="http://schemas.microsoft.com/office/powerpoint/2010/main" spd="med" advClick="0">
+        <p:fade/>
+      </p:transition>
+    </mc:Fallback>
+  </mc:AlternateContent>
+  <p:timing>
+    <p:tnLst>
+      <p:par>
+        <p:cTn xmlns:p14="http://schemas.microsoft.com/office/powerpoint/2010/main" id="1" dur="indefinite" restart="never" nodeType="tmRoot"/>
+      </p:par>
+    </p:tnLst>
+  </p:timing>
+</p:sld>
+</file>
+
+<file path=ppt/slides/slide12.xml><?xml version="1.0" encoding="utf-8"?>
+<p:sld xmlns:a="http://schemas.openxmlformats.org/drawingml/2006/main" xmlns:r="http://schemas.openxmlformats.org/officeDocument/2006/relationships" xmlns:p="http://schemas.openxmlformats.org/presentationml/2006/main">
+  <p:cSld>
+    <p:spTree>
+      <p:nvGrpSpPr>
+        <p:cNvPr id="1" name=""/>
+        <p:cNvGrpSpPr/>
+        <p:nvPr/>
+      </p:nvGrpSpPr>
+      <p:grpSpPr>
+        <a:xfrm>
+          <a:off x="0" y="0"/>
+          <a:ext cx="0" cy="0"/>
+          <a:chOff x="0" y="0"/>
+          <a:chExt cx="0" cy="0"/>
+        </a:xfrm>
+      </p:grpSpPr>
+      <p:sp>
+        <p:nvSpPr>
+          <p:cNvPr id="2" name="Title 1"/>
+          <p:cNvSpPr>
+            <a:spLocks noGrp="1"/>
+          </p:cNvSpPr>
+          <p:nvPr>
+            <p:ph type="title"/>
+          </p:nvPr>
+        </p:nvSpPr>
+        <p:spPr/>
+        <p:txBody>
+          <a:bodyPr/>
+          <a:lstStyle/>
+          <a:p>
+            <a:r>
+              <a:rPr lang="en-US" dirty="0">
+                <a:solidFill>
+                  <a:srgbClr val="BB0FAB"/>
+                </a:solidFill>
+              </a:rPr>
+              <a:t>modus ponens</a:t>
+            </a:r>
+            <a:r>
+              <a:rPr lang="en-US" dirty="0"/>
+              <a:t> is </a:t>
+            </a:r>
+            <a:r>
+              <a:rPr lang="en-US" dirty="0" smtClean="0">
+                <a:solidFill>
+                  <a:srgbClr val="006600"/>
+                </a:solidFill>
+              </a:rPr>
+              <a:t>sound</a:t>
+            </a:r>
+            <a:endParaRPr lang="en-US" dirty="0"/>
+          </a:p>
+        </p:txBody>
+      </p:sp>
+      <p:sp>
+        <p:nvSpPr>
+          <p:cNvPr id="3" name="Content Placeholder 2"/>
+          <p:cNvSpPr>
+            <a:spLocks noGrp="1"/>
+          </p:cNvSpPr>
+          <p:nvPr>
+            <p:ph idx="1"/>
+          </p:nvPr>
+        </p:nvSpPr>
+        <p:spPr>
+          <a:xfrm>
+            <a:off x="172903" y="1427624"/>
+            <a:ext cx="8874016" cy="4817660"/>
+          </a:xfrm>
+        </p:spPr>
+        <p:txBody>
+          <a:bodyPr/>
+          <a:lstStyle/>
+          <a:p>
+            <a:r>
+              <a:rPr lang="en-US" sz="4000" dirty="0"/>
+              <a:t>B</a:t>
+            </a:r>
+            <a:r>
+              <a:rPr lang="en-US" sz="4000" dirty="0" smtClean="0"/>
+              <a:t>y contradiction: If </a:t>
+            </a:r>
+            <a:r>
+              <a:rPr lang="en-US" sz="4000" dirty="0" smtClean="0">
+                <a:solidFill>
+                  <a:srgbClr val="0000FF"/>
+                </a:solidFill>
+              </a:rPr>
+              <a:t>Q</a:t>
+            </a:r>
+            <a:r>
+              <a:rPr lang="en-US" sz="4000" dirty="0" smtClean="0"/>
+              <a:t> was </a:t>
+            </a:r>
+            <a:r>
+              <a:rPr lang="en-US" sz="4000" dirty="0" smtClean="0">
+                <a:solidFill>
+                  <a:srgbClr val="EC0213"/>
+                </a:solidFill>
+              </a:rPr>
+              <a:t>F</a:t>
+            </a:r>
+            <a:r>
+              <a:rPr lang="en-US" sz="4000" dirty="0" smtClean="0">
+                <a:solidFill>
+                  <a:srgbClr val="000000"/>
+                </a:solidFill>
+              </a:rPr>
+              <a:t> under</a:t>
+            </a:r>
+            <a:r>
+              <a:rPr lang="en-US" sz="4000" dirty="0" smtClean="0">
+                <a:solidFill>
+                  <a:srgbClr val="EC0213"/>
+                </a:solidFill>
+              </a:rPr>
+              <a:t> </a:t>
+            </a:r>
+            <a:r>
+              <a:rPr lang="en-US" sz="4000" dirty="0" smtClean="0">
+                <a:solidFill>
+                  <a:srgbClr val="000000"/>
+                </a:solidFill>
+              </a:rPr>
+              <a:t>some</a:t>
+            </a:r>
+            <a:r>
+              <a:rPr lang="en-US" sz="4000" dirty="0" smtClean="0">
+                <a:solidFill>
+                  <a:srgbClr val="EC0213"/>
+                </a:solidFill>
+              </a:rPr>
+              <a:t> </a:t>
+            </a:r>
+            <a:r>
+              <a:rPr lang="en-US" sz="4000" dirty="0" smtClean="0">
+                <a:solidFill>
+                  <a:srgbClr val="000000"/>
+                </a:solidFill>
+              </a:rPr>
+              <a:t>truth</a:t>
+            </a:r>
+            <a:r>
+              <a:rPr lang="en-US" sz="4000" dirty="0" smtClean="0">
+                <a:solidFill>
+                  <a:srgbClr val="EC0213"/>
+                </a:solidFill>
+              </a:rPr>
+              <a:t> </a:t>
+            </a:r>
+            <a:r>
+              <a:rPr lang="en-US" sz="4000" dirty="0" smtClean="0"/>
+              <a:t>assignment </a:t>
+            </a:r>
+            <a:r>
+              <a:rPr lang="en-US" sz="4000" dirty="0" smtClean="0">
+                <a:solidFill>
+                  <a:srgbClr val="BB0FAB"/>
+                </a:solidFill>
+              </a:rPr>
+              <a:t>A</a:t>
+            </a:r>
+            <a:r>
+              <a:rPr lang="en-US" sz="4000" dirty="0" smtClean="0"/>
+              <a:t>, then since </a:t>
+            </a:r>
+            <a:r>
+              <a:rPr lang="en-US" sz="4000" dirty="0" smtClean="0">
+                <a:solidFill>
+                  <a:schemeClr val="accent1">
+                    <a:lumMod val="50000"/>
+                  </a:schemeClr>
+                </a:solidFill>
+              </a:rPr>
+              <a:t>P</a:t>
+            </a:r>
+            <a:r>
+              <a:rPr lang="en-US" sz="4000" dirty="0" smtClean="0"/>
+              <a:t> has to be </a:t>
+            </a:r>
+            <a:r>
+              <a:rPr lang="en-US" sz="4000" dirty="0" smtClean="0">
+                <a:solidFill>
+                  <a:srgbClr val="006600"/>
+                </a:solidFill>
+              </a:rPr>
+              <a:t>T</a:t>
+            </a:r>
+            <a:r>
+              <a:rPr lang="en-US" sz="4000" dirty="0" smtClean="0"/>
+              <a:t> under </a:t>
+            </a:r>
+            <a:r>
+              <a:rPr lang="en-US" sz="4000" dirty="0" smtClean="0">
+                <a:solidFill>
+                  <a:srgbClr val="BB0FAB"/>
+                </a:solidFill>
+              </a:rPr>
+              <a:t>A</a:t>
+            </a:r>
+            <a:r>
+              <a:rPr lang="en-US" sz="4000" dirty="0" smtClean="0"/>
+              <a:t>,</a:t>
+            </a:r>
+          </a:p>
+          <a:p>
+            <a:pPr algn="ctr"/>
+            <a:r>
+              <a:rPr lang="en-US" sz="4000" dirty="0" smtClean="0">
+                <a:solidFill>
+                  <a:srgbClr val="0000FF"/>
+                </a:solidFill>
+              </a:rPr>
+              <a:t>P </a:t>
+            </a:r>
+            <a:r>
+              <a:rPr lang="en-US" sz="3200" dirty="0">
+                <a:solidFill>
+                  <a:srgbClr val="0000FF"/>
+                </a:solidFill>
+              </a:rPr>
+              <a:t>IMPLIES</a:t>
+            </a:r>
+            <a:r>
+              <a:rPr lang="en-US" sz="4000" dirty="0">
+                <a:solidFill>
+                  <a:srgbClr val="0000FF"/>
+                </a:solidFill>
+              </a:rPr>
+              <a:t> </a:t>
+            </a:r>
+            <a:r>
+              <a:rPr lang="en-US" sz="4000" dirty="0" smtClean="0">
+                <a:solidFill>
+                  <a:srgbClr val="0000FF"/>
+                </a:solidFill>
+              </a:rPr>
+              <a:t>Q </a:t>
+            </a:r>
+          </a:p>
+          <a:p>
+            <a:r>
+              <a:rPr lang="en-US" sz="4000" dirty="0" smtClean="0"/>
+              <a:t>is also</a:t>
+            </a:r>
+            <a:r>
+              <a:rPr lang="en-US" sz="4000" dirty="0" smtClean="0">
+                <a:solidFill>
+                  <a:srgbClr val="0000FF"/>
+                </a:solidFill>
+              </a:rPr>
+              <a:t> </a:t>
+            </a:r>
+            <a:r>
+              <a:rPr lang="en-US" sz="4000" dirty="0" smtClean="0">
+                <a:solidFill>
+                  <a:srgbClr val="EC0213"/>
+                </a:solidFill>
+              </a:rPr>
+              <a:t>F </a:t>
+            </a:r>
+            <a:r>
+              <a:rPr lang="en-US" sz="4000" dirty="0" smtClean="0">
+                <a:solidFill>
+                  <a:srgbClr val="000000"/>
+                </a:solidFill>
+              </a:rPr>
+              <a:t>under </a:t>
+            </a:r>
+            <a:r>
+              <a:rPr lang="en-US" sz="4000" dirty="0" smtClean="0">
+                <a:solidFill>
+                  <a:srgbClr val="BB0FAB"/>
+                </a:solidFill>
+              </a:rPr>
+              <a:t>A</a:t>
+            </a:r>
+            <a:endParaRPr lang="en-US" sz="4000" dirty="0">
+              <a:solidFill>
+                <a:srgbClr val="000000"/>
+              </a:solidFill>
+            </a:endParaRPr>
+          </a:p>
+        </p:txBody>
+      </p:sp>
+      <p:sp>
+        <p:nvSpPr>
+          <p:cNvPr id="4" name="Slide Number Placeholder 3"/>
+          <p:cNvSpPr>
+            <a:spLocks noGrp="1"/>
+          </p:cNvSpPr>
+          <p:nvPr>
+            <p:ph type="sldNum" sz="quarter" idx="10"/>
+          </p:nvPr>
+        </p:nvSpPr>
+        <p:spPr/>
+        <p:txBody>
+          <a:bodyPr/>
+          <a:lstStyle/>
+          <a:p>
+            <a:pPr>
+              <a:defRPr/>
+            </a:pPr>
+            <a:r>
+              <a:rPr lang="en-US" smtClean="0"/>
+              <a:t>sound.</a:t>
+            </a:r>
+            <a:fld id="{A528ADE2-B74F-4D9D-8D04-FB5D781EAB51}" type="slidenum">
+              <a:rPr lang="en-US" smtClean="0"/>
+              <a:pPr>
+                <a:defRPr/>
+              </a:pPr>
+              <a:t>12</a:t>
+            </a:fld>
+            <a:endParaRPr lang="en-US" dirty="0"/>
+          </a:p>
+        </p:txBody>
+      </p:sp>
+    </p:spTree>
+    <p:extLst>
+      <p:ext uri="{BB962C8B-B14F-4D97-AF65-F5344CB8AC3E}">
+        <p14:creationId xmlns:p14="http://schemas.microsoft.com/office/powerpoint/2010/main" val="2814340323"/>
+      </p:ext>
+    </p:extLst>
+  </p:cSld>
+  <p:clrMapOvr>
+    <a:masterClrMapping/>
+  </p:clrMapOvr>
+  <mc:AlternateContent xmlns:mc="http://schemas.openxmlformats.org/markup-compatibility/2006">
+    <mc:Choice xmlns:p14="http://schemas.microsoft.com/office/powerpoint/2010/main" Requires="p14">
+      <p:transition spd="med" p14:dur="700" advClick="0">
+        <p:fade/>
+      </p:transition>
+    </mc:Choice>
+    <mc:Fallback>
+      <p:transition xmlns:p14="http://schemas.microsoft.com/office/powerpoint/2010/main" spd="med" advClick="0">
+        <p:fade/>
+      </p:transition>
+    </mc:Fallback>
+  </mc:AlternateContent>
+  <p:timing>
+    <p:tnLst>
+      <p:par>
+        <p:cTn xmlns:p14="http://schemas.microsoft.com/office/powerpoint/2010/main" id="1" dur="indefinite" restart="never" nodeType="tmRoot">
+          <p:childTnLst>
+            <p:seq concurrent="1" nextAc="seek">
+              <p:cTn id="2" dur="indefinite" nodeType="mainSeq">
+                <p:childTnLst>
+                  <p:par>
+                    <p:cTn id="3" fill="hold">
+                      <p:stCondLst>
+                        <p:cond delay="indefinite"/>
+                      </p:stCondLst>
+                      <p:childTnLst>
+                        <p:par>
+                          <p:cTn id="4" fill="hold">
+                            <p:stCondLst>
+                              <p:cond delay="0"/>
+                            </p:stCondLst>
+                            <p:childTnLst>
+                              <p:par>
+                                <p:cTn id="5" presetID="10" presetClass="entr" presetSubtype="0" fill="hold" nodeType="clickEffect">
+                                  <p:stCondLst>
+                                    <p:cond delay="0"/>
+                                  </p:stCondLst>
+                                  <p:childTnLst>
+                                    <p:set>
+                                      <p:cBhvr>
+                                        <p:cTn id="6" dur="1" fill="hold">
+                                          <p:stCondLst>
+                                            <p:cond delay="0"/>
+                                          </p:stCondLst>
+                                        </p:cTn>
+                                        <p:tgtEl>
+                                          <p:spTgt spid="3">
+                                            <p:txEl>
+                                              <p:pRg st="1" end="1"/>
+                                            </p:txEl>
+                                          </p:spTgt>
+                                        </p:tgtEl>
+                                        <p:attrNameLst>
+                                          <p:attrName>style.visibility</p:attrName>
+                                        </p:attrNameLst>
+                                      </p:cBhvr>
+                                      <p:to>
+                                        <p:strVal val="visible"/>
+                                      </p:to>
+                                    </p:set>
+                                    <p:animEffect transition="in" filter="fade">
+                                      <p:cBhvr>
+                                        <p:cTn id="7" dur="500"/>
+                                        <p:tgtEl>
+                                          <p:spTgt spid="3">
+                                            <p:txEl>
+                                              <p:pRg st="1" end="1"/>
+                                            </p:txEl>
+                                          </p:spTgt>
+                                        </p:tgtEl>
+                                      </p:cBhvr>
+                                    </p:animEffect>
+                                  </p:childTnLst>
+                                </p:cTn>
+                              </p:par>
+                              <p:par>
+                                <p:cTn id="8" presetID="10" presetClass="entr" presetSubtype="0" fill="hold" nodeType="withEffect">
+                                  <p:stCondLst>
+                                    <p:cond delay="0"/>
+                                  </p:stCondLst>
+                                  <p:childTnLst>
+                                    <p:set>
+                                      <p:cBhvr>
+                                        <p:cTn id="9" dur="1" fill="hold">
+                                          <p:stCondLst>
+                                            <p:cond delay="0"/>
+                                          </p:stCondLst>
+                                        </p:cTn>
+                                        <p:tgtEl>
+                                          <p:spTgt spid="3">
+                                            <p:txEl>
+                                              <p:pRg st="2" end="2"/>
+                                            </p:txEl>
+                                          </p:spTgt>
+                                        </p:tgtEl>
+                                        <p:attrNameLst>
+                                          <p:attrName>style.visibility</p:attrName>
+                                        </p:attrNameLst>
+                                      </p:cBhvr>
+                                      <p:to>
+                                        <p:strVal val="visible"/>
+                                      </p:to>
+                                    </p:set>
+                                    <p:animEffect transition="in" filter="fade">
+                                      <p:cBhvr>
+                                        <p:cTn id="10" dur="500"/>
+                                        <p:tgtEl>
+                                          <p:spTgt spid="3">
+                                            <p:txEl>
+                                              <p:pRg st="2" end="2"/>
+                                            </p:txEl>
+                                          </p:spTgt>
+                                        </p:tgtEl>
+                                      </p:cBhvr>
+                                    </p:animEffect>
+                                  </p:childTnLst>
+                                </p:cTn>
+                              </p:par>
+                            </p:childTnLst>
+                          </p:cTn>
+                        </p:par>
+                      </p:childTnLst>
+                    </p:cTn>
+                  </p:par>
+                </p:childTnLst>
+              </p:cTn>
+              <p:prevCondLst>
+                <p:cond evt="onPrev" delay="0">
+                  <p:tgtEl>
+                    <p:sldTgt/>
+                  </p:tgtEl>
+                </p:cond>
+              </p:prevCondLst>
+              <p:nextCondLst>
+                <p:cond evt="onNext" delay="0">
+                  <p:tgtEl>
+                    <p:sldTgt/>
+                  </p:tgtEl>
+                </p:cond>
+              </p:nextCondLst>
+            </p:seq>
+          </p:childTnLst>
+        </p:cTn>
+      </p:par>
+    </p:tnLst>
+  </p:timing>
+</p:sld>
+</file>
+
+<file path=ppt/slides/slide13.xml><?xml version="1.0" encoding="utf-8"?>
+<p:sld xmlns:a="http://schemas.openxmlformats.org/drawingml/2006/main" xmlns:r="http://schemas.openxmlformats.org/officeDocument/2006/relationships" xmlns:p="http://schemas.openxmlformats.org/presentationml/2006/main">
+  <p:cSld>
+    <p:spTree>
+      <p:nvGrpSpPr>
+        <p:cNvPr id="1" name=""/>
+        <p:cNvGrpSpPr/>
+        <p:nvPr/>
+      </p:nvGrpSpPr>
+      <p:grpSpPr>
+        <a:xfrm>
+          <a:off x="0" y="0"/>
+          <a:ext cx="0" cy="0"/>
+          <a:chOff x="0" y="0"/>
+          <a:chExt cx="0" cy="0"/>
+        </a:xfrm>
+      </p:grpSpPr>
+      <p:sp>
+        <p:nvSpPr>
+          <p:cNvPr id="2" name="Title 1"/>
+          <p:cNvSpPr>
+            <a:spLocks noGrp="1"/>
+          </p:cNvSpPr>
+          <p:nvPr>
+            <p:ph type="title"/>
+          </p:nvPr>
+        </p:nvSpPr>
+        <p:spPr/>
+        <p:txBody>
+          <a:bodyPr/>
+          <a:lstStyle/>
+          <a:p>
+            <a:r>
+              <a:rPr lang="en-US" dirty="0">
+                <a:solidFill>
+                  <a:srgbClr val="BB0FAB"/>
+                </a:solidFill>
+              </a:rPr>
+              <a:t>modus ponens</a:t>
+            </a:r>
+            <a:r>
+              <a:rPr lang="en-US" dirty="0"/>
+              <a:t> is </a:t>
+            </a:r>
+            <a:r>
+              <a:rPr lang="en-US" dirty="0" smtClean="0">
+                <a:solidFill>
+                  <a:srgbClr val="006600"/>
+                </a:solidFill>
+              </a:rPr>
+              <a:t>sound</a:t>
+            </a:r>
+            <a:endParaRPr lang="en-US" dirty="0"/>
+          </a:p>
+        </p:txBody>
+      </p:sp>
+      <p:sp>
+        <p:nvSpPr>
+          <p:cNvPr id="3" name="Content Placeholder 2"/>
+          <p:cNvSpPr>
+            <a:spLocks noGrp="1"/>
+          </p:cNvSpPr>
+          <p:nvPr>
+            <p:ph idx="1"/>
+          </p:nvPr>
+        </p:nvSpPr>
+        <p:spPr>
+          <a:xfrm>
+            <a:off x="172903" y="1427624"/>
+            <a:ext cx="8874016" cy="4817660"/>
+          </a:xfrm>
+        </p:spPr>
+        <p:txBody>
+          <a:bodyPr/>
+          <a:lstStyle/>
+          <a:p>
+            <a:r>
+              <a:rPr lang="en-US" sz="4000" dirty="0"/>
+              <a:t>B</a:t>
+            </a:r>
+            <a:r>
+              <a:rPr lang="en-US" sz="4000" dirty="0" smtClean="0"/>
+              <a:t>y contradiction: If </a:t>
+            </a:r>
+            <a:r>
+              <a:rPr lang="en-US" sz="4000" dirty="0" smtClean="0">
+                <a:solidFill>
+                  <a:srgbClr val="0000FF"/>
+                </a:solidFill>
+              </a:rPr>
+              <a:t>Q</a:t>
+            </a:r>
+            <a:r>
+              <a:rPr lang="en-US" sz="4000" dirty="0" smtClean="0"/>
+              <a:t> was </a:t>
+            </a:r>
+            <a:r>
+              <a:rPr lang="en-US" sz="4000" dirty="0" smtClean="0">
+                <a:solidFill>
+                  <a:srgbClr val="EC0213"/>
+                </a:solidFill>
+              </a:rPr>
+              <a:t>F</a:t>
+            </a:r>
+            <a:r>
+              <a:rPr lang="en-US" sz="4000" dirty="0" smtClean="0">
+                <a:solidFill>
+                  <a:srgbClr val="000000"/>
+                </a:solidFill>
+              </a:rPr>
+              <a:t> under</a:t>
+            </a:r>
+            <a:r>
+              <a:rPr lang="en-US" sz="4000" dirty="0" smtClean="0">
+                <a:solidFill>
+                  <a:srgbClr val="EC0213"/>
+                </a:solidFill>
+              </a:rPr>
+              <a:t> </a:t>
+            </a:r>
+            <a:r>
+              <a:rPr lang="en-US" sz="4000" dirty="0" smtClean="0">
+                <a:solidFill>
+                  <a:srgbClr val="000000"/>
+                </a:solidFill>
+              </a:rPr>
+              <a:t>some</a:t>
+            </a:r>
+            <a:r>
+              <a:rPr lang="en-US" sz="4000" dirty="0" smtClean="0">
+                <a:solidFill>
+                  <a:srgbClr val="EC0213"/>
+                </a:solidFill>
+              </a:rPr>
+              <a:t> </a:t>
+            </a:r>
+            <a:r>
+              <a:rPr lang="en-US" sz="4000" dirty="0" smtClean="0">
+                <a:solidFill>
+                  <a:srgbClr val="000000"/>
+                </a:solidFill>
+              </a:rPr>
+              <a:t>truth</a:t>
+            </a:r>
+            <a:r>
+              <a:rPr lang="en-US" sz="4000" dirty="0" smtClean="0">
+                <a:solidFill>
+                  <a:srgbClr val="EC0213"/>
+                </a:solidFill>
+              </a:rPr>
+              <a:t> </a:t>
+            </a:r>
+            <a:r>
+              <a:rPr lang="en-US" sz="4000" dirty="0" smtClean="0"/>
+              <a:t>assignment </a:t>
+            </a:r>
+            <a:r>
+              <a:rPr lang="en-US" sz="4000" dirty="0" smtClean="0">
+                <a:solidFill>
+                  <a:srgbClr val="BB0FAB"/>
+                </a:solidFill>
+              </a:rPr>
+              <a:t>A</a:t>
+            </a:r>
+            <a:r>
+              <a:rPr lang="en-US" sz="4000" dirty="0" smtClean="0"/>
+              <a:t>, then since </a:t>
+            </a:r>
+            <a:r>
+              <a:rPr lang="en-US" sz="4000" dirty="0" smtClean="0">
+                <a:solidFill>
+                  <a:schemeClr val="accent1">
+                    <a:lumMod val="50000"/>
+                  </a:schemeClr>
+                </a:solidFill>
+              </a:rPr>
+              <a:t>P</a:t>
+            </a:r>
+            <a:r>
+              <a:rPr lang="en-US" sz="4000" dirty="0" smtClean="0"/>
+              <a:t> has to be </a:t>
+            </a:r>
+            <a:r>
+              <a:rPr lang="en-US" sz="4000" dirty="0" smtClean="0">
+                <a:solidFill>
+                  <a:srgbClr val="006600"/>
+                </a:solidFill>
+              </a:rPr>
+              <a:t>T</a:t>
+            </a:r>
+            <a:r>
+              <a:rPr lang="en-US" sz="4000" dirty="0" smtClean="0"/>
+              <a:t> under </a:t>
+            </a:r>
+            <a:r>
+              <a:rPr lang="en-US" sz="4000" dirty="0" smtClean="0">
+                <a:solidFill>
+                  <a:srgbClr val="BB0FAB"/>
+                </a:solidFill>
+              </a:rPr>
+              <a:t>A</a:t>
+            </a:r>
+            <a:r>
+              <a:rPr lang="en-US" sz="4000" dirty="0" smtClean="0"/>
+              <a:t>,</a:t>
+            </a:r>
+          </a:p>
+          <a:p>
+            <a:pPr algn="ctr"/>
+            <a:r>
+              <a:rPr lang="en-US" sz="4000" dirty="0" smtClean="0">
+                <a:solidFill>
+                  <a:srgbClr val="0000FF"/>
+                </a:solidFill>
+              </a:rPr>
+              <a:t>P </a:t>
+            </a:r>
+            <a:r>
+              <a:rPr lang="en-US" sz="3200" dirty="0">
+                <a:solidFill>
+                  <a:srgbClr val="0000FF"/>
+                </a:solidFill>
+              </a:rPr>
+              <a:t>IMPLIES</a:t>
+            </a:r>
+            <a:r>
+              <a:rPr lang="en-US" sz="4000" dirty="0">
+                <a:solidFill>
+                  <a:srgbClr val="0000FF"/>
+                </a:solidFill>
+              </a:rPr>
+              <a:t> </a:t>
+            </a:r>
+            <a:r>
+              <a:rPr lang="en-US" sz="4000" dirty="0" smtClean="0">
+                <a:solidFill>
+                  <a:srgbClr val="0000FF"/>
+                </a:solidFill>
+              </a:rPr>
+              <a:t>Q </a:t>
+            </a:r>
+          </a:p>
+          <a:p>
+            <a:r>
+              <a:rPr lang="en-US" sz="4000" dirty="0" smtClean="0"/>
+              <a:t>is also</a:t>
+            </a:r>
+            <a:r>
+              <a:rPr lang="en-US" sz="4000" dirty="0" smtClean="0">
+                <a:solidFill>
+                  <a:srgbClr val="0000FF"/>
+                </a:solidFill>
+              </a:rPr>
+              <a:t> </a:t>
+            </a:r>
+            <a:r>
+              <a:rPr lang="en-US" sz="4000" dirty="0" smtClean="0">
+                <a:solidFill>
+                  <a:srgbClr val="EC0213"/>
+                </a:solidFill>
+              </a:rPr>
+              <a:t>F </a:t>
+            </a:r>
+            <a:r>
+              <a:rPr lang="en-US" sz="4000" dirty="0" smtClean="0">
+                <a:solidFill>
+                  <a:srgbClr val="000000"/>
+                </a:solidFill>
+              </a:rPr>
+              <a:t>under </a:t>
+            </a:r>
+            <a:r>
+              <a:rPr lang="en-US" sz="4000" dirty="0" smtClean="0">
+                <a:solidFill>
+                  <a:srgbClr val="BB0FAB"/>
+                </a:solidFill>
+              </a:rPr>
+              <a:t>A</a:t>
+            </a:r>
+            <a:r>
+              <a:rPr lang="en-US" sz="4000" dirty="0" smtClean="0">
+                <a:solidFill>
+                  <a:srgbClr val="000000"/>
+                </a:solidFill>
+              </a:rPr>
+              <a:t>,</a:t>
+            </a:r>
+            <a:r>
+              <a:rPr lang="en-US" sz="4000" dirty="0" smtClean="0">
+                <a:solidFill>
+                  <a:srgbClr val="BB0FAB"/>
+                </a:solidFill>
+              </a:rPr>
+              <a:t> </a:t>
+            </a:r>
+            <a:r>
+              <a:rPr lang="en-US" sz="4000" dirty="0" smtClean="0"/>
+              <a:t>so it is not valid.</a:t>
+            </a:r>
+          </a:p>
+          <a:p>
+            <a:r>
+              <a:rPr lang="en-US" sz="4000" dirty="0" smtClean="0">
+                <a:solidFill>
+                  <a:srgbClr val="000000"/>
+                </a:solidFill>
+              </a:rPr>
+              <a:t>This contradiction implies that</a:t>
+            </a:r>
+          </a:p>
+          <a:p>
+            <a:r>
+              <a:rPr lang="en-US" sz="4000" dirty="0">
+                <a:solidFill>
+                  <a:schemeClr val="accent1">
+                    <a:lumMod val="50000"/>
+                  </a:schemeClr>
+                </a:solidFill>
+              </a:rPr>
+              <a:t>Q</a:t>
+            </a:r>
+            <a:r>
+              <a:rPr lang="en-US" sz="4000" dirty="0">
+                <a:solidFill>
+                  <a:srgbClr val="000000"/>
+                </a:solidFill>
+              </a:rPr>
+              <a:t> must be </a:t>
+            </a:r>
+            <a:r>
+              <a:rPr lang="en-US" sz="4000" dirty="0">
+                <a:solidFill>
+                  <a:srgbClr val="EC0213"/>
+                </a:solidFill>
+              </a:rPr>
+              <a:t>T</a:t>
+            </a:r>
+            <a:r>
+              <a:rPr lang="en-US" sz="4000" dirty="0">
+                <a:solidFill>
+                  <a:srgbClr val="000000"/>
+                </a:solidFill>
+              </a:rPr>
+              <a:t> under </a:t>
+            </a:r>
+            <a:r>
+              <a:rPr lang="en-US" sz="4000" dirty="0" smtClean="0">
+                <a:solidFill>
+                  <a:srgbClr val="000000"/>
+                </a:solidFill>
+              </a:rPr>
+              <a:t>every </a:t>
+            </a:r>
+            <a:r>
+              <a:rPr lang="en-US" sz="4000" dirty="0">
+                <a:solidFill>
+                  <a:srgbClr val="BB0FAB"/>
+                </a:solidFill>
+              </a:rPr>
+              <a:t>A</a:t>
+            </a:r>
+            <a:r>
+              <a:rPr lang="en-US" sz="4000" dirty="0">
+                <a:solidFill>
+                  <a:srgbClr val="000000"/>
+                </a:solidFill>
+              </a:rPr>
+              <a:t>.</a:t>
+            </a:r>
+          </a:p>
+          <a:p>
+            <a:endParaRPr lang="en-US" sz="4000" dirty="0">
+              <a:solidFill>
+                <a:srgbClr val="000000"/>
+              </a:solidFill>
+            </a:endParaRPr>
+          </a:p>
+        </p:txBody>
+      </p:sp>
+      <p:sp>
+        <p:nvSpPr>
+          <p:cNvPr id="4" name="Slide Number Placeholder 3"/>
+          <p:cNvSpPr>
+            <a:spLocks noGrp="1"/>
+          </p:cNvSpPr>
+          <p:nvPr>
+            <p:ph type="sldNum" sz="quarter" idx="10"/>
+          </p:nvPr>
+        </p:nvSpPr>
+        <p:spPr/>
+        <p:txBody>
+          <a:bodyPr/>
+          <a:lstStyle/>
+          <a:p>
+            <a:pPr>
+              <a:defRPr/>
+            </a:pPr>
+            <a:r>
+              <a:rPr lang="en-US" smtClean="0"/>
+              <a:t>sound.</a:t>
+            </a:r>
+            <a:fld id="{A528ADE2-B74F-4D9D-8D04-FB5D781EAB51}" type="slidenum">
+              <a:rPr lang="en-US" smtClean="0"/>
+              <a:pPr>
+                <a:defRPr/>
+              </a:pPr>
+              <a:t>13</a:t>
+            </a:fld>
+            <a:endParaRPr lang="en-US" dirty="0"/>
+          </a:p>
+        </p:txBody>
+      </p:sp>
+    </p:spTree>
+    <p:extLst>
+      <p:ext uri="{BB962C8B-B14F-4D97-AF65-F5344CB8AC3E}">
+        <p14:creationId xmlns:p14="http://schemas.microsoft.com/office/powerpoint/2010/main" val="1629307582"/>
+      </p:ext>
+    </p:extLst>
+  </p:cSld>
+  <p:clrMapOvr>
+    <a:masterClrMapping/>
+  </p:clrMapOvr>
+  <mc:AlternateContent xmlns:mc="http://schemas.openxmlformats.org/markup-compatibility/2006">
+    <mc:Choice xmlns:p14="http://schemas.microsoft.com/office/powerpoint/2010/main" Requires="p14">
+      <p:transition spd="med" p14:dur="700" advClick="0">
+        <p:fade/>
+      </p:transition>
+    </mc:Choice>
+    <mc:Fallback>
+      <p:transition xmlns:p14="http://schemas.microsoft.com/office/powerpoint/2010/main" spd="med" advClick="0">
+        <p:fade/>
+      </p:transition>
+    </mc:Fallback>
+  </mc:AlternateContent>
+  <p:timing>
+    <p:tnLst>
+      <p:par>
+        <p:cTn xmlns:p14="http://schemas.microsoft.com/office/powerpoint/2010/main" id="1" dur="indefinite" restart="never" nodeType="tmRoot">
+          <p:childTnLst>
+            <p:seq concurrent="1" nextAc="seek">
+              <p:cTn id="2" dur="indefinite" nodeType="mainSeq">
+                <p:childTnLst>
+                  <p:par>
+                    <p:cTn id="3" fill="hold">
+                      <p:stCondLst>
+                        <p:cond delay="indefinite"/>
+                      </p:stCondLst>
+                      <p:childTnLst>
+                        <p:par>
+                          <p:cTn id="4" fill="hold">
+                            <p:stCondLst>
+                              <p:cond delay="0"/>
+                            </p:stCondLst>
+                            <p:childTnLst>
+                              <p:par>
+                                <p:cTn id="5" presetID="10" presetClass="entr" presetSubtype="0" fill="hold" nodeType="clickEffect">
+                                  <p:stCondLst>
+                                    <p:cond delay="0"/>
+                                  </p:stCondLst>
+                                  <p:childTnLst>
+                                    <p:set>
+                                      <p:cBhvr>
+                                        <p:cTn id="6" dur="1" fill="hold">
+                                          <p:stCondLst>
+                                            <p:cond delay="0"/>
+                                          </p:stCondLst>
+                                        </p:cTn>
+                                        <p:tgtEl>
+                                          <p:spTgt spid="3">
+                                            <p:txEl>
+                                              <p:pRg st="3" end="3"/>
+                                            </p:txEl>
+                                          </p:spTgt>
+                                        </p:tgtEl>
+                                        <p:attrNameLst>
+                                          <p:attrName>style.visibility</p:attrName>
+                                        </p:attrNameLst>
+                                      </p:cBhvr>
+                                      <p:to>
+                                        <p:strVal val="visible"/>
+                                      </p:to>
+                                    </p:set>
+                                    <p:animEffect transition="in" filter="fade">
+                                      <p:cBhvr>
+                                        <p:cTn id="7" dur="500"/>
+                                        <p:tgtEl>
+                                          <p:spTgt spid="3">
+                                            <p:txEl>
+                                              <p:pRg st="3" end="3"/>
+                                            </p:txEl>
+                                          </p:spTgt>
+                                        </p:tgtEl>
+                                      </p:cBhvr>
+                                    </p:animEffect>
+                                  </p:childTnLst>
+                                </p:cTn>
+                              </p:par>
+                              <p:par>
+                                <p:cTn id="8" presetID="10" presetClass="entr" presetSubtype="0" fill="hold" nodeType="withEffect">
+                                  <p:stCondLst>
+                                    <p:cond delay="0"/>
+                                  </p:stCondLst>
+                                  <p:childTnLst>
+                                    <p:set>
+                                      <p:cBhvr>
+                                        <p:cTn id="9" dur="1" fill="hold">
+                                          <p:stCondLst>
+                                            <p:cond delay="0"/>
+                                          </p:stCondLst>
+                                        </p:cTn>
+                                        <p:tgtEl>
+                                          <p:spTgt spid="3">
+                                            <p:txEl>
+                                              <p:pRg st="4" end="4"/>
+                                            </p:txEl>
+                                          </p:spTgt>
+                                        </p:tgtEl>
+                                        <p:attrNameLst>
+                                          <p:attrName>style.visibility</p:attrName>
+                                        </p:attrNameLst>
+                                      </p:cBhvr>
+                                      <p:to>
+                                        <p:strVal val="visible"/>
+                                      </p:to>
+                                    </p:set>
+                                    <p:animEffect transition="in" filter="fade">
+                                      <p:cBhvr>
+                                        <p:cTn id="10" dur="500"/>
+                                        <p:tgtEl>
+                                          <p:spTgt spid="3">
+                                            <p:txEl>
+                                              <p:pRg st="4" end="4"/>
+                                            </p:txEl>
+                                          </p:spTgt>
+                                        </p:tgtEl>
+                                      </p:cBhvr>
+                                    </p:animEffect>
+                                  </p:childTnLst>
+                                </p:cTn>
+                              </p:par>
+                            </p:childTnLst>
+                          </p:cTn>
+                        </p:par>
+                      </p:childTnLst>
+                    </p:cTn>
+                  </p:par>
+                </p:childTnLst>
+              </p:cTn>
+              <p:prevCondLst>
+                <p:cond evt="onPrev" delay="0">
+                  <p:tgtEl>
+                    <p:sldTgt/>
+                  </p:tgtEl>
+                </p:cond>
+              </p:prevCondLst>
+              <p:nextCondLst>
+                <p:cond evt="onNext" delay="0">
+                  <p:tgtEl>
+                    <p:sldTgt/>
+                  </p:tgtEl>
+                </p:cond>
+              </p:nextCondLst>
+            </p:seq>
+          </p:childTnLst>
+        </p:cTn>
+      </p:par>
+    </p:tnLst>
+  </p:timing>
+</p:sld>
+</file>
+
+<file path=ppt/slides/slide14.xml><?xml version="1.0" encoding="utf-8"?>
+<p:sld xmlns:a="http://schemas.openxmlformats.org/drawingml/2006/main" xmlns:r="http://schemas.openxmlformats.org/officeDocument/2006/relationships" xmlns:p="http://schemas.openxmlformats.org/presentationml/2006/main">
+  <p:cSld>
+    <p:spTree>
+      <p:nvGrpSpPr>
+        <p:cNvPr id="1" name=""/>
+        <p:cNvGrpSpPr/>
+        <p:nvPr/>
+      </p:nvGrpSpPr>
+      <p:grpSpPr>
+        <a:xfrm>
+          <a:off x="0" y="0"/>
+          <a:ext cx="0" cy="0"/>
+          <a:chOff x="0" y="0"/>
+          <a:chExt cx="0" cy="0"/>
+        </a:xfrm>
+      </p:grpSpPr>
+      <p:sp>
+        <p:nvSpPr>
+          <p:cNvPr id="2" name="Title 1"/>
+          <p:cNvSpPr>
+            <a:spLocks noGrp="1"/>
+          </p:cNvSpPr>
+          <p:nvPr>
+            <p:ph type="title"/>
+          </p:nvPr>
+        </p:nvSpPr>
+        <p:spPr>
+          <a:xfrm>
+            <a:off x="2338096" y="0"/>
+            <a:ext cx="5606820" cy="1196575"/>
+          </a:xfrm>
+        </p:spPr>
+        <p:txBody>
+          <a:bodyPr/>
+          <a:lstStyle/>
+          <a:p>
+            <a:r>
+              <a:rPr lang="en-US" sz="4800" dirty="0" smtClean="0">
+                <a:solidFill>
+                  <a:schemeClr val="accent1">
+                    <a:lumMod val="50000"/>
+                  </a:schemeClr>
+                </a:solidFill>
+              </a:rPr>
+              <a:t>Provable</a:t>
+            </a:r>
+            <a:r>
+              <a:rPr lang="en-US" sz="4800" dirty="0" smtClean="0">
+                <a:solidFill>
+                  <a:srgbClr val="000000"/>
+                </a:solidFill>
+              </a:rPr>
+              <a:t> Formulas </a:t>
+            </a:r>
+            <a:endParaRPr lang="en-US" sz="4800" dirty="0">
+              <a:solidFill>
+                <a:srgbClr val="000000"/>
+              </a:solidFill>
+            </a:endParaRPr>
+          </a:p>
+        </p:txBody>
+      </p:sp>
+      <p:sp>
+        <p:nvSpPr>
+          <p:cNvPr id="3" name="Slide Number Placeholder 2"/>
+          <p:cNvSpPr>
+            <a:spLocks noGrp="1"/>
+          </p:cNvSpPr>
+          <p:nvPr>
+            <p:ph type="sldNum" sz="quarter" idx="10"/>
+          </p:nvPr>
+        </p:nvSpPr>
+        <p:spPr/>
+        <p:txBody>
+          <a:bodyPr/>
+          <a:lstStyle/>
+          <a:p>
+            <a:pPr>
+              <a:defRPr/>
+            </a:pPr>
+            <a:r>
+              <a:rPr lang="en-US" smtClean="0"/>
+              <a:t>sound.</a:t>
+            </a:r>
+            <a:fld id="{DB6F0ED6-FEF5-4C9C-B1CC-29B47EC66FAA}" type="slidenum">
+              <a:rPr lang="en-US" smtClean="0"/>
+              <a:pPr>
+                <a:defRPr/>
+              </a:pPr>
+              <a:t>14</a:t>
+            </a:fld>
+            <a:endParaRPr lang="en-US" dirty="0"/>
+          </a:p>
+        </p:txBody>
+      </p:sp>
+      <p:sp>
+        <p:nvSpPr>
+          <p:cNvPr id="5" name="TextBox 4"/>
+          <p:cNvSpPr txBox="1"/>
+          <p:nvPr/>
+        </p:nvSpPr>
+        <p:spPr>
+          <a:xfrm>
+            <a:off x="522050" y="1406503"/>
+            <a:ext cx="6009014" cy="923330"/>
+          </a:xfrm>
+          <a:prstGeom prst="rect">
+            <a:avLst/>
+          </a:prstGeom>
+          <a:noFill/>
+        </p:spPr>
+        <p:txBody>
+          <a:bodyPr wrap="none" rtlCol="0">
+            <a:spAutoFit/>
+          </a:bodyPr>
+          <a:lstStyle/>
+          <a:p>
+            <a:pPr algn="l"/>
+            <a:r>
+              <a:rPr lang="en-US" sz="5400" dirty="0" smtClean="0">
+                <a:latin typeface="Comic Sans MS" pitchFamily="66" charset="0"/>
+              </a:rPr>
+              <a:t>Start with axioms</a:t>
+            </a:r>
+            <a:endParaRPr lang="en-US" sz="5400" dirty="0" smtClean="0">
+              <a:latin typeface="Comic Sans MS" pitchFamily="66" charset="0"/>
+            </a:endParaRPr>
+          </a:p>
+        </p:txBody>
+      </p:sp>
+    </p:spTree>
+    <p:extLst>
+      <p:ext uri="{BB962C8B-B14F-4D97-AF65-F5344CB8AC3E}">
+        <p14:creationId xmlns:p14="http://schemas.microsoft.com/office/powerpoint/2010/main" val="1664836413"/>
+      </p:ext>
+    </p:extLst>
+  </p:cSld>
+  <p:clrMapOvr>
+    <a:masterClrMapping/>
+  </p:clrMapOvr>
+  <p:transition xmlns:p14="http://schemas.microsoft.com/office/powerpoint/2010/main" spd="slow" advClick="0">
+    <p:fade thruBlk="1"/>
+  </p:transition>
+  <p:timing>
+    <p:tnLst>
+      <p:par>
+        <p:cTn xmlns:p14="http://schemas.microsoft.com/office/powerpoint/2010/main" id="1" dur="indefinite" restart="never" nodeType="tmRoot"/>
+      </p:par>
+    </p:tnLst>
+  </p:timing>
+</p:sld>
+</file>
+
+<file path=ppt/slides/slide15.xml><?xml version="1.0" encoding="utf-8"?>
+<p:sld xmlns:a="http://schemas.openxmlformats.org/drawingml/2006/main" xmlns:r="http://schemas.openxmlformats.org/officeDocument/2006/relationships" xmlns:p="http://schemas.openxmlformats.org/presentationml/2006/main">
+  <p:cSld>
+    <p:spTree>
+      <p:nvGrpSpPr>
+        <p:cNvPr id="1" name=""/>
+        <p:cNvGrpSpPr/>
+        <p:nvPr/>
+      </p:nvGrpSpPr>
+      <p:grpSpPr>
+        <a:xfrm>
+          <a:off x="0" y="0"/>
+          <a:ext cx="0" cy="0"/>
+          <a:chOff x="0" y="0"/>
+          <a:chExt cx="0" cy="0"/>
+        </a:xfrm>
+      </p:grpSpPr>
+      <p:sp>
+        <p:nvSpPr>
+          <p:cNvPr id="2" name="Title 1"/>
+          <p:cNvSpPr>
+            <a:spLocks noGrp="1"/>
+          </p:cNvSpPr>
+          <p:nvPr>
+            <p:ph type="title"/>
+          </p:nvPr>
+        </p:nvSpPr>
+        <p:spPr>
+          <a:xfrm>
+            <a:off x="2338096" y="0"/>
+            <a:ext cx="5606820" cy="1196575"/>
+          </a:xfrm>
+        </p:spPr>
+        <p:txBody>
+          <a:bodyPr/>
+          <a:lstStyle/>
+          <a:p>
+            <a:r>
+              <a:rPr lang="en-US" sz="4800" dirty="0" smtClean="0">
+                <a:solidFill>
+                  <a:schemeClr val="accent1">
+                    <a:lumMod val="50000"/>
+                  </a:schemeClr>
+                </a:solidFill>
+              </a:rPr>
+              <a:t>Provable</a:t>
+            </a:r>
+            <a:r>
+              <a:rPr lang="en-US" sz="4800" dirty="0" smtClean="0">
+                <a:solidFill>
+                  <a:srgbClr val="000000"/>
+                </a:solidFill>
+              </a:rPr>
+              <a:t> Formulas </a:t>
+            </a:r>
+            <a:endParaRPr lang="en-US" sz="4800" dirty="0">
+              <a:solidFill>
+                <a:srgbClr val="000000"/>
+              </a:solidFill>
+            </a:endParaRPr>
+          </a:p>
+        </p:txBody>
+      </p:sp>
+      <p:sp>
+        <p:nvSpPr>
+          <p:cNvPr id="3" name="Slide Number Placeholder 2"/>
+          <p:cNvSpPr>
+            <a:spLocks noGrp="1"/>
+          </p:cNvSpPr>
+          <p:nvPr>
+            <p:ph type="sldNum" sz="quarter" idx="10"/>
+          </p:nvPr>
+        </p:nvSpPr>
+        <p:spPr/>
+        <p:txBody>
+          <a:bodyPr/>
+          <a:lstStyle/>
+          <a:p>
+            <a:pPr>
+              <a:defRPr/>
+            </a:pPr>
+            <a:r>
+              <a:rPr lang="en-US" smtClean="0"/>
+              <a:t>sound.</a:t>
+            </a:r>
+            <a:fld id="{DB6F0ED6-FEF5-4C9C-B1CC-29B47EC66FAA}" type="slidenum">
+              <a:rPr lang="en-US" smtClean="0"/>
+              <a:pPr>
+                <a:defRPr/>
+              </a:pPr>
+              <a:t>15</a:t>
+            </a:fld>
+            <a:endParaRPr lang="en-US" dirty="0"/>
+          </a:p>
+        </p:txBody>
+      </p:sp>
+      <p:sp>
+        <p:nvSpPr>
+          <p:cNvPr id="5" name="TextBox 4"/>
+          <p:cNvSpPr txBox="1"/>
+          <p:nvPr/>
+        </p:nvSpPr>
+        <p:spPr>
+          <a:xfrm>
+            <a:off x="522050" y="1406503"/>
+            <a:ext cx="7339569" cy="1754327"/>
+          </a:xfrm>
+          <a:prstGeom prst="rect">
+            <a:avLst/>
+          </a:prstGeom>
+          <a:noFill/>
+        </p:spPr>
+        <p:txBody>
+          <a:bodyPr wrap="none" rtlCol="0">
+            <a:spAutoFit/>
+          </a:bodyPr>
+          <a:lstStyle/>
+          <a:p>
+            <a:pPr algn="l"/>
+            <a:r>
+              <a:rPr lang="en-US" sz="5400" dirty="0" smtClean="0">
+                <a:latin typeface="Comic Sans MS" pitchFamily="66" charset="0"/>
+              </a:rPr>
+              <a:t>Start with axioms and </a:t>
+            </a:r>
+          </a:p>
+          <a:p>
+            <a:pPr algn="l"/>
+            <a:r>
+              <a:rPr lang="en-US" sz="5400" dirty="0" smtClean="0">
+                <a:latin typeface="Comic Sans MS" pitchFamily="66" charset="0"/>
+              </a:rPr>
+              <a:t>derive more formulas</a:t>
+            </a:r>
+            <a:endParaRPr lang="en-US" sz="5400" dirty="0" smtClean="0">
+              <a:latin typeface="Comic Sans MS" pitchFamily="66" charset="0"/>
+            </a:endParaRPr>
+          </a:p>
+        </p:txBody>
+      </p:sp>
+    </p:spTree>
+    <p:extLst>
+      <p:ext uri="{BB962C8B-B14F-4D97-AF65-F5344CB8AC3E}">
+        <p14:creationId xmlns:p14="http://schemas.microsoft.com/office/powerpoint/2010/main" val="312157673"/>
+      </p:ext>
+    </p:extLst>
+  </p:cSld>
+  <p:clrMapOvr>
+    <a:masterClrMapping/>
+  </p:clrMapOvr>
+  <mc:AlternateContent xmlns:mc="http://schemas.openxmlformats.org/markup-compatibility/2006">
+    <mc:Choice xmlns:p14="http://schemas.microsoft.com/office/powerpoint/2010/main" Requires="p14">
+      <p:transition spd="med" p14:dur="700" advClick="0">
+        <p:fade/>
+      </p:transition>
+    </mc:Choice>
+    <mc:Fallback>
+      <p:transition xmlns:p14="http://schemas.microsoft.com/office/powerpoint/2010/main" spd="med" advClick="0">
+        <p:fade/>
+      </p:transition>
+    </mc:Fallback>
+  </mc:AlternateContent>
+  <p:timing>
+    <p:tnLst>
+      <p:par>
+        <p:cTn xmlns:p14="http://schemas.microsoft.com/office/powerpoint/2010/main" id="1" dur="indefinite" restart="never" nodeType="tmRoot"/>
+      </p:par>
+    </p:tnLst>
+  </p:timing>
+</p:sld>
+</file>
+
+<file path=ppt/slides/slide16.xml><?xml version="1.0" encoding="utf-8"?>
+<p:sld xmlns:a="http://schemas.openxmlformats.org/drawingml/2006/main" xmlns:r="http://schemas.openxmlformats.org/officeDocument/2006/relationships" xmlns:p="http://schemas.openxmlformats.org/presentationml/2006/main">
+  <p:cSld>
+    <p:spTree>
+      <p:nvGrpSpPr>
+        <p:cNvPr id="1" name=""/>
+        <p:cNvGrpSpPr/>
+        <p:nvPr/>
+      </p:nvGrpSpPr>
+      <p:grpSpPr>
+        <a:xfrm>
+          <a:off x="0" y="0"/>
+          <a:ext cx="0" cy="0"/>
+          <a:chOff x="0" y="0"/>
+          <a:chExt cx="0" cy="0"/>
+        </a:xfrm>
+      </p:grpSpPr>
+      <p:sp>
+        <p:nvSpPr>
+          <p:cNvPr id="2" name="Title 1"/>
+          <p:cNvSpPr>
+            <a:spLocks noGrp="1"/>
+          </p:cNvSpPr>
+          <p:nvPr>
+            <p:ph type="title"/>
+          </p:nvPr>
+        </p:nvSpPr>
+        <p:spPr>
+          <a:xfrm>
+            <a:off x="2338096" y="0"/>
+            <a:ext cx="5606820" cy="1196575"/>
+          </a:xfrm>
+        </p:spPr>
+        <p:txBody>
+          <a:bodyPr/>
+          <a:lstStyle/>
+          <a:p>
+            <a:r>
+              <a:rPr lang="en-US" sz="4800" dirty="0" smtClean="0">
+                <a:solidFill>
+                  <a:schemeClr val="accent1">
+                    <a:lumMod val="50000"/>
+                  </a:schemeClr>
+                </a:solidFill>
+              </a:rPr>
+              <a:t>Provable</a:t>
+            </a:r>
+            <a:r>
+              <a:rPr lang="en-US" sz="4800" dirty="0" smtClean="0">
+                <a:solidFill>
+                  <a:srgbClr val="000000"/>
+                </a:solidFill>
+              </a:rPr>
+              <a:t> Formulas </a:t>
+            </a:r>
+            <a:endParaRPr lang="en-US" sz="4800" dirty="0">
+              <a:solidFill>
+                <a:srgbClr val="000000"/>
+              </a:solidFill>
+            </a:endParaRPr>
+          </a:p>
+        </p:txBody>
+      </p:sp>
+      <p:sp>
+        <p:nvSpPr>
+          <p:cNvPr id="3" name="Slide Number Placeholder 2"/>
+          <p:cNvSpPr>
+            <a:spLocks noGrp="1"/>
+          </p:cNvSpPr>
+          <p:nvPr>
+            <p:ph type="sldNum" sz="quarter" idx="10"/>
+          </p:nvPr>
+        </p:nvSpPr>
+        <p:spPr/>
+        <p:txBody>
+          <a:bodyPr/>
+          <a:lstStyle/>
+          <a:p>
+            <a:pPr>
+              <a:defRPr/>
+            </a:pPr>
+            <a:r>
+              <a:rPr lang="en-US" smtClean="0"/>
+              <a:t>sound.</a:t>
+            </a:r>
+            <a:fld id="{DB6F0ED6-FEF5-4C9C-B1CC-29B47EC66FAA}" type="slidenum">
+              <a:rPr lang="en-US" smtClean="0"/>
+              <a:pPr>
+                <a:defRPr/>
+              </a:pPr>
+              <a:t>16</a:t>
+            </a:fld>
+            <a:endParaRPr lang="en-US" dirty="0"/>
+          </a:p>
+        </p:txBody>
+      </p:sp>
+      <p:sp>
+        <p:nvSpPr>
+          <p:cNvPr id="5" name="TextBox 4"/>
+          <p:cNvSpPr txBox="1"/>
+          <p:nvPr/>
+        </p:nvSpPr>
+        <p:spPr>
+          <a:xfrm>
+            <a:off x="522050" y="1406503"/>
+            <a:ext cx="8103075" cy="4247317"/>
+          </a:xfrm>
+          <a:prstGeom prst="rect">
+            <a:avLst/>
+          </a:prstGeom>
+          <a:noFill/>
+        </p:spPr>
+        <p:txBody>
+          <a:bodyPr wrap="none" rtlCol="0">
+            <a:spAutoFit/>
+          </a:bodyPr>
+          <a:lstStyle/>
+          <a:p>
+            <a:pPr algn="l"/>
+            <a:r>
+              <a:rPr lang="en-US" sz="5400" dirty="0" smtClean="0">
+                <a:latin typeface="Comic Sans MS" pitchFamily="66" charset="0"/>
+              </a:rPr>
+              <a:t>Start with axioms and </a:t>
+            </a:r>
+          </a:p>
+          <a:p>
+            <a:pPr algn="l"/>
+            <a:r>
+              <a:rPr lang="en-US" sz="5400" dirty="0" smtClean="0">
+                <a:latin typeface="Comic Sans MS" pitchFamily="66" charset="0"/>
+              </a:rPr>
+              <a:t>derive more formulas by</a:t>
+            </a:r>
+          </a:p>
+          <a:p>
+            <a:pPr algn="l"/>
+            <a:r>
+              <a:rPr lang="en-US" sz="5400" dirty="0" smtClean="0">
+                <a:latin typeface="Comic Sans MS" pitchFamily="66" charset="0"/>
+              </a:rPr>
+              <a:t>repeatedly applying the</a:t>
+            </a:r>
+          </a:p>
+          <a:p>
+            <a:pPr algn="l"/>
+            <a:r>
+              <a:rPr lang="en-US" sz="5400" dirty="0" smtClean="0">
+                <a:latin typeface="Comic Sans MS" pitchFamily="66" charset="0"/>
+              </a:rPr>
+              <a:t>proof rules to previously</a:t>
+            </a:r>
+          </a:p>
+          <a:p>
+            <a:pPr algn="l"/>
+            <a:r>
+              <a:rPr lang="en-US" sz="5400" dirty="0" smtClean="0">
+                <a:latin typeface="Comic Sans MS" pitchFamily="66" charset="0"/>
+              </a:rPr>
+              <a:t>derived formulas</a:t>
+            </a:r>
+            <a:endParaRPr lang="en-US" sz="5400" dirty="0" smtClean="0">
+              <a:latin typeface="Comic Sans MS" pitchFamily="66" charset="0"/>
+            </a:endParaRPr>
+          </a:p>
+        </p:txBody>
+      </p:sp>
+    </p:spTree>
+    <p:extLst>
+      <p:ext uri="{BB962C8B-B14F-4D97-AF65-F5344CB8AC3E}">
+        <p14:creationId xmlns:p14="http://schemas.microsoft.com/office/powerpoint/2010/main" val="2722727069"/>
+      </p:ext>
+    </p:extLst>
+  </p:cSld>
+  <p:clrMapOvr>
+    <a:masterClrMapping/>
+  </p:clrMapOvr>
+  <mc:AlternateContent xmlns:mc="http://schemas.openxmlformats.org/markup-compatibility/2006">
+    <mc:Choice xmlns:p14="http://schemas.microsoft.com/office/powerpoint/2010/main" Requires="p14">
+      <p:transition spd="med" p14:dur="700" advClick="0">
+        <p:fade/>
+      </p:transition>
+    </mc:Choice>
+    <mc:Fallback>
+      <p:transition xmlns:p14="http://schemas.microsoft.com/office/powerpoint/2010/main" spd="med" advClick="0">
+        <p:fade/>
+      </p:transition>
+    </mc:Fallback>
+  </mc:AlternateContent>
+  <p:timing>
+    <p:tnLst>
+      <p:par>
+        <p:cTn xmlns:p14="http://schemas.microsoft.com/office/powerpoint/2010/main" id="1" dur="indefinite" restart="never" nodeType="tmRoot"/>
+      </p:par>
+    </p:tnLst>
+  </p:timing>
+</p:sld>
+</file>
+
+<file path=ppt/slides/slide17.xml><?xml version="1.0" encoding="utf-8"?>
+<p:sld xmlns:a="http://schemas.openxmlformats.org/drawingml/2006/main" xmlns:r="http://schemas.openxmlformats.org/officeDocument/2006/relationships" xmlns:p="http://schemas.openxmlformats.org/presentationml/2006/main">
+  <p:cSld>
+    <p:spTree>
+      <p:nvGrpSpPr>
+        <p:cNvPr id="1" name=""/>
+        <p:cNvGrpSpPr/>
+        <p:nvPr/>
+      </p:nvGrpSpPr>
+      <p:grpSpPr>
+        <a:xfrm>
+          <a:off x="0" y="0"/>
+          <a:ext cx="0" cy="0"/>
+          <a:chOff x="0" y="0"/>
+          <a:chExt cx="0" cy="0"/>
+        </a:xfrm>
+      </p:grpSpPr>
+      <p:sp>
+        <p:nvSpPr>
+          <p:cNvPr id="2" name="Title 1"/>
+          <p:cNvSpPr>
+            <a:spLocks noGrp="1"/>
+          </p:cNvSpPr>
+          <p:nvPr>
+            <p:ph type="title"/>
+          </p:nvPr>
+        </p:nvSpPr>
+        <p:spPr>
+          <a:xfrm>
+            <a:off x="1865814" y="252317"/>
+            <a:ext cx="6467431" cy="1269642"/>
+          </a:xfrm>
+        </p:spPr>
+        <p:txBody>
+          <a:bodyPr/>
+          <a:lstStyle/>
+          <a:p>
+            <a:r>
+              <a:rPr lang="en-US" sz="4800" dirty="0" smtClean="0">
+                <a:solidFill>
+                  <a:srgbClr val="006600"/>
+                </a:solidFill>
+              </a:rPr>
+              <a:t>Sound</a:t>
+            </a:r>
+            <a:r>
+              <a:rPr lang="en-US" sz="4800" dirty="0" smtClean="0"/>
+              <a:t> </a:t>
+            </a:r>
+            <a:r>
+              <a:rPr lang="en-US" sz="4800" dirty="0" smtClean="0">
+                <a:solidFill>
+                  <a:schemeClr val="tx1"/>
+                </a:solidFill>
+              </a:rPr>
+              <a:t>Proof</a:t>
+            </a:r>
+            <a:r>
+              <a:rPr lang="en-US" sz="4800" dirty="0">
+                <a:solidFill>
+                  <a:schemeClr val="tx1"/>
+                </a:solidFill>
+              </a:rPr>
+              <a:t> </a:t>
+            </a:r>
+            <a:r>
+              <a:rPr lang="en-US" sz="4800" dirty="0" smtClean="0">
+                <a:solidFill>
+                  <a:schemeClr val="tx1"/>
+                </a:solidFill>
+              </a:rPr>
+              <a:t>Systems</a:t>
+            </a:r>
+            <a:r>
+              <a:rPr lang="en-US" sz="4800" dirty="0" smtClean="0">
+                <a:solidFill>
+                  <a:schemeClr val="tx1"/>
+                </a:solidFill>
+              </a:rPr>
+              <a:t> </a:t>
+            </a:r>
+            <a:endParaRPr lang="en-US" sz="4800" dirty="0">
+              <a:solidFill>
+                <a:schemeClr val="tx1"/>
+              </a:solidFill>
+            </a:endParaRPr>
+          </a:p>
+        </p:txBody>
+      </p:sp>
+      <p:sp>
+        <p:nvSpPr>
+          <p:cNvPr id="3" name="Slide Number Placeholder 2"/>
+          <p:cNvSpPr>
+            <a:spLocks noGrp="1"/>
+          </p:cNvSpPr>
+          <p:nvPr>
+            <p:ph type="sldNum" sz="quarter" idx="10"/>
+          </p:nvPr>
+        </p:nvSpPr>
+        <p:spPr/>
+        <p:txBody>
+          <a:bodyPr/>
+          <a:lstStyle/>
+          <a:p>
+            <a:pPr>
+              <a:defRPr/>
+            </a:pPr>
+            <a:r>
+              <a:rPr lang="en-US" smtClean="0"/>
+              <a:t>sound.</a:t>
+            </a:r>
+            <a:fld id="{DB6F0ED6-FEF5-4C9C-B1CC-29B47EC66FAA}" type="slidenum">
+              <a:rPr lang="en-US" smtClean="0"/>
+              <a:pPr>
+                <a:defRPr/>
+              </a:pPr>
+              <a:t>17</a:t>
+            </a:fld>
+            <a:endParaRPr lang="en-US" dirty="0"/>
+          </a:p>
+        </p:txBody>
+      </p:sp>
+      <p:sp>
+        <p:nvSpPr>
+          <p:cNvPr id="4" name="TextBox 3"/>
+          <p:cNvSpPr txBox="1"/>
+          <p:nvPr/>
+        </p:nvSpPr>
+        <p:spPr>
+          <a:xfrm>
+            <a:off x="364983" y="1708134"/>
+            <a:ext cx="8417209" cy="1754327"/>
+          </a:xfrm>
+          <a:prstGeom prst="rect">
+            <a:avLst/>
+          </a:prstGeom>
+          <a:noFill/>
+        </p:spPr>
+        <p:txBody>
+          <a:bodyPr wrap="square" rtlCol="0">
+            <a:spAutoFit/>
+          </a:bodyPr>
+          <a:lstStyle/>
+          <a:p>
+            <a:pPr algn="l"/>
+            <a:r>
+              <a:rPr lang="en-US" sz="4800" dirty="0" smtClean="0">
+                <a:solidFill>
+                  <a:schemeClr val="accent2">
+                    <a:lumMod val="75000"/>
+                  </a:schemeClr>
+                </a:solidFill>
+                <a:latin typeface="Comic Sans MS" pitchFamily="66" charset="0"/>
+              </a:rPr>
+              <a:t>Theorem:</a:t>
+            </a:r>
+            <a:r>
+              <a:rPr lang="en-US" sz="5400" dirty="0" smtClean="0">
+                <a:latin typeface="Comic Sans MS" pitchFamily="66" charset="0"/>
+              </a:rPr>
+              <a:t> If </a:t>
+            </a:r>
+            <a:r>
+              <a:rPr lang="en-US" sz="5400" dirty="0" smtClean="0">
+                <a:latin typeface="Comic Sans MS" pitchFamily="66" charset="0"/>
+              </a:rPr>
+              <a:t>proof rules are </a:t>
+            </a:r>
+            <a:r>
+              <a:rPr lang="en-US" sz="5400" dirty="0" smtClean="0">
+                <a:solidFill>
+                  <a:srgbClr val="006600"/>
+                </a:solidFill>
+                <a:latin typeface="Comic Sans MS" pitchFamily="66" charset="0"/>
+              </a:rPr>
+              <a:t>sound</a:t>
+            </a:r>
+            <a:endParaRPr lang="en-US" sz="5400" dirty="0" smtClean="0">
+              <a:latin typeface="Comic Sans MS" pitchFamily="66" charset="0"/>
+            </a:endParaRPr>
+          </a:p>
+        </p:txBody>
+      </p:sp>
+    </p:spTree>
+    <p:extLst>
+      <p:ext uri="{BB962C8B-B14F-4D97-AF65-F5344CB8AC3E}">
+        <p14:creationId xmlns:p14="http://schemas.microsoft.com/office/powerpoint/2010/main" val="107518443"/>
+      </p:ext>
+    </p:extLst>
+  </p:cSld>
+  <p:clrMapOvr>
+    <a:masterClrMapping/>
+  </p:clrMapOvr>
+  <mc:AlternateContent xmlns:mc="http://schemas.openxmlformats.org/markup-compatibility/2006">
+    <mc:Choice xmlns:p14="http://schemas.microsoft.com/office/powerpoint/2010/main" Requires="p14">
+      <p:transition spd="med" p14:dur="700" advClick="0">
+        <p:fade/>
+      </p:transition>
+    </mc:Choice>
+    <mc:Fallback>
+      <p:transition xmlns:p14="http://schemas.microsoft.com/office/powerpoint/2010/main" spd="med" advClick="0">
+        <p:fade/>
+      </p:transition>
+    </mc:Fallback>
+  </mc:AlternateContent>
+  <p:timing>
+    <p:tnLst>
+      <p:par>
+        <p:cTn xmlns:p14="http://schemas.microsoft.com/office/powerpoint/2010/main" id="1" dur="indefinite" restart="never" nodeType="tmRoot">
+          <p:childTnLst>
+            <p:seq concurrent="1" nextAc="seek">
+              <p:cTn id="2" dur="indefinite" nodeType="mainSeq">
+                <p:childTnLst>
+                  <p:par>
+                    <p:cTn id="3" fill="hold">
+                      <p:stCondLst>
+                        <p:cond delay="indefinite"/>
+                      </p:stCondLst>
+                      <p:childTnLst>
+                        <p:par>
+                          <p:cTn id="4" fill="hold">
+                            <p:stCondLst>
+                              <p:cond delay="0"/>
+                            </p:stCondLst>
+                            <p:childTnLst>
+                              <p:par>
+                                <p:cTn id="5" presetID="10" presetClass="entr" presetSubtype="0" fill="hold" nodeType="clickEffect">
+                                  <p:stCondLst>
+                                    <p:cond delay="0"/>
+                                  </p:stCondLst>
+                                  <p:childTnLst>
+                                    <p:set>
+                                      <p:cBhvr>
+                                        <p:cTn id="6" dur="1" fill="hold">
+                                          <p:stCondLst>
+                                            <p:cond delay="0"/>
+                                          </p:stCondLst>
+                                        </p:cTn>
+                                        <p:tgtEl>
+                                          <p:spTgt spid="4">
+                                            <p:txEl>
+                                              <p:pRg st="0" end="0"/>
+                                            </p:txEl>
+                                          </p:spTgt>
+                                        </p:tgtEl>
+                                        <p:attrNameLst>
+                                          <p:attrName>style.visibility</p:attrName>
+                                        </p:attrNameLst>
+                                      </p:cBhvr>
+                                      <p:to>
+                                        <p:strVal val="visible"/>
+                                      </p:to>
+                                    </p:set>
+                                    <p:animEffect transition="in" filter="fade">
+                                      <p:cBhvr>
+                                        <p:cTn id="7" dur="500"/>
+                                        <p:tgtEl>
+                                          <p:spTgt spid="4">
+                                            <p:txEl>
+                                              <p:pRg st="0" end="0"/>
+                                            </p:txEl>
+                                          </p:spTgt>
+                                        </p:tgtEl>
+                                      </p:cBhvr>
+                                    </p:animEffect>
+                                  </p:childTnLst>
+                                </p:cTn>
+                              </p:par>
+                            </p:childTnLst>
+                          </p:cTn>
+                        </p:par>
+                      </p:childTnLst>
+                    </p:cTn>
+                  </p:par>
+                </p:childTnLst>
+              </p:cTn>
+              <p:prevCondLst>
+                <p:cond evt="onPrev" delay="0">
+                  <p:tgtEl>
+                    <p:sldTgt/>
+                  </p:tgtEl>
+                </p:cond>
+              </p:prevCondLst>
+              <p:nextCondLst>
+                <p:cond evt="onNext" delay="0">
+                  <p:tgtEl>
+                    <p:sldTgt/>
+                  </p:tgtEl>
+                </p:cond>
+              </p:nextCondLst>
+            </p:seq>
+          </p:childTnLst>
+        </p:cTn>
+      </p:par>
+    </p:tnLst>
+  </p:timing>
+</p:sld>
+</file>
+
+<file path=ppt/slides/slide18.xml><?xml version="1.0" encoding="utf-8"?>
+<p:sld xmlns:a="http://schemas.openxmlformats.org/drawingml/2006/main" xmlns:r="http://schemas.openxmlformats.org/officeDocument/2006/relationships" xmlns:p="http://schemas.openxmlformats.org/presentationml/2006/main">
+  <p:cSld>
+    <p:spTree>
+      <p:nvGrpSpPr>
+        <p:cNvPr id="1" name=""/>
+        <p:cNvGrpSpPr/>
+        <p:nvPr/>
+      </p:nvGrpSpPr>
+      <p:grpSpPr>
+        <a:xfrm>
+          <a:off x="0" y="0"/>
+          <a:ext cx="0" cy="0"/>
+          <a:chOff x="0" y="0"/>
+          <a:chExt cx="0" cy="0"/>
+        </a:xfrm>
+      </p:grpSpPr>
+      <p:sp>
+        <p:nvSpPr>
+          <p:cNvPr id="3" name="Slide Number Placeholder 2"/>
+          <p:cNvSpPr>
+            <a:spLocks noGrp="1"/>
+          </p:cNvSpPr>
+          <p:nvPr>
+            <p:ph type="sldNum" sz="quarter" idx="10"/>
+          </p:nvPr>
+        </p:nvSpPr>
+        <p:spPr/>
+        <p:txBody>
+          <a:bodyPr/>
+          <a:lstStyle/>
+          <a:p>
+            <a:pPr>
+              <a:defRPr/>
+            </a:pPr>
+            <a:r>
+              <a:rPr lang="en-US" smtClean="0"/>
+              <a:t>sound.</a:t>
+            </a:r>
+            <a:fld id="{DB6F0ED6-FEF5-4C9C-B1CC-29B47EC66FAA}" type="slidenum">
+              <a:rPr lang="en-US" smtClean="0"/>
+              <a:pPr>
+                <a:defRPr/>
+              </a:pPr>
+              <a:t>18</a:t>
+            </a:fld>
+            <a:endParaRPr lang="en-US" dirty="0"/>
+          </a:p>
+        </p:txBody>
+      </p:sp>
+      <p:sp>
+        <p:nvSpPr>
+          <p:cNvPr id="4" name="TextBox 3"/>
+          <p:cNvSpPr txBox="1"/>
+          <p:nvPr/>
+        </p:nvSpPr>
+        <p:spPr>
+          <a:xfrm>
+            <a:off x="364983" y="1708134"/>
+            <a:ext cx="8417209" cy="2585323"/>
+          </a:xfrm>
+          <a:prstGeom prst="rect">
+            <a:avLst/>
+          </a:prstGeom>
+          <a:noFill/>
+        </p:spPr>
+        <p:txBody>
+          <a:bodyPr wrap="square" rtlCol="0">
+            <a:spAutoFit/>
+          </a:bodyPr>
+          <a:lstStyle/>
+          <a:p>
+            <a:pPr algn="l"/>
+            <a:r>
+              <a:rPr lang="en-US" sz="4800" dirty="0" smtClean="0">
+                <a:solidFill>
+                  <a:schemeClr val="accent2">
+                    <a:lumMod val="75000"/>
+                  </a:schemeClr>
+                </a:solidFill>
+                <a:latin typeface="Comic Sans MS" pitchFamily="66" charset="0"/>
+              </a:rPr>
+              <a:t>Theorem:</a:t>
+            </a:r>
+            <a:r>
+              <a:rPr lang="en-US" sz="5400" dirty="0" smtClean="0">
+                <a:latin typeface="Comic Sans MS" pitchFamily="66" charset="0"/>
+              </a:rPr>
+              <a:t> If </a:t>
+            </a:r>
+            <a:r>
+              <a:rPr lang="en-US" sz="5400" dirty="0" smtClean="0">
+                <a:latin typeface="Comic Sans MS" pitchFamily="66" charset="0"/>
+              </a:rPr>
+              <a:t>proof rules are </a:t>
+            </a:r>
+            <a:r>
+              <a:rPr lang="en-US" sz="5400" dirty="0" smtClean="0">
+                <a:solidFill>
+                  <a:srgbClr val="006600"/>
+                </a:solidFill>
+                <a:latin typeface="Comic Sans MS" pitchFamily="66" charset="0"/>
+              </a:rPr>
+              <a:t>sound</a:t>
+            </a:r>
+            <a:r>
+              <a:rPr lang="en-US" sz="5400" dirty="0" smtClean="0">
+                <a:latin typeface="Comic Sans MS" pitchFamily="66" charset="0"/>
+              </a:rPr>
+              <a:t>, and </a:t>
+            </a:r>
+            <a:r>
+              <a:rPr lang="en-US" sz="5400" dirty="0" smtClean="0">
+                <a:latin typeface="Comic Sans MS" pitchFamily="66" charset="0"/>
+              </a:rPr>
+              <a:t>axioms </a:t>
+            </a:r>
+            <a:r>
+              <a:rPr lang="en-US" sz="5400" dirty="0">
+                <a:latin typeface="Comic Sans MS" pitchFamily="66" charset="0"/>
+              </a:rPr>
+              <a:t>are </a:t>
+            </a:r>
+            <a:r>
+              <a:rPr lang="en-US" sz="5400" dirty="0" smtClean="0">
+                <a:solidFill>
+                  <a:srgbClr val="BB0FAB"/>
+                </a:solidFill>
+                <a:latin typeface="Comic Sans MS" pitchFamily="66" charset="0"/>
+              </a:rPr>
+              <a:t>valid</a:t>
+            </a:r>
+            <a:endParaRPr lang="en-US" sz="5400" dirty="0" smtClean="0">
+              <a:latin typeface="Comic Sans MS" pitchFamily="66" charset="0"/>
+            </a:endParaRPr>
+          </a:p>
+        </p:txBody>
+      </p:sp>
+      <p:sp>
+        <p:nvSpPr>
+          <p:cNvPr id="6" name="Title 1"/>
+          <p:cNvSpPr>
+            <a:spLocks noGrp="1"/>
+          </p:cNvSpPr>
+          <p:nvPr>
+            <p:ph type="title"/>
+          </p:nvPr>
+        </p:nvSpPr>
+        <p:spPr>
+          <a:xfrm>
+            <a:off x="1865814" y="252317"/>
+            <a:ext cx="6467431" cy="1269642"/>
+          </a:xfrm>
+        </p:spPr>
+        <p:txBody>
+          <a:bodyPr/>
+          <a:lstStyle/>
+          <a:p>
+            <a:r>
+              <a:rPr lang="en-US" sz="4800" dirty="0" smtClean="0">
+                <a:solidFill>
+                  <a:srgbClr val="006600"/>
+                </a:solidFill>
+              </a:rPr>
+              <a:t>Sound</a:t>
+            </a:r>
+            <a:r>
+              <a:rPr lang="en-US" sz="4800" dirty="0" smtClean="0"/>
+              <a:t> </a:t>
+            </a:r>
+            <a:r>
+              <a:rPr lang="en-US" sz="4800" dirty="0" smtClean="0">
+                <a:solidFill>
+                  <a:schemeClr val="tx1"/>
+                </a:solidFill>
+              </a:rPr>
+              <a:t>Proof</a:t>
+            </a:r>
+            <a:r>
+              <a:rPr lang="en-US" sz="4800" dirty="0">
+                <a:solidFill>
+                  <a:schemeClr val="tx1"/>
+                </a:solidFill>
+              </a:rPr>
+              <a:t> </a:t>
+            </a:r>
+            <a:r>
+              <a:rPr lang="en-US" sz="4800" dirty="0" smtClean="0">
+                <a:solidFill>
+                  <a:schemeClr val="tx1"/>
+                </a:solidFill>
+              </a:rPr>
+              <a:t>Systems</a:t>
+            </a:r>
+            <a:r>
+              <a:rPr lang="en-US" sz="4800" dirty="0" smtClean="0">
+                <a:solidFill>
+                  <a:schemeClr val="tx1"/>
+                </a:solidFill>
+              </a:rPr>
+              <a:t> </a:t>
+            </a:r>
+            <a:endParaRPr lang="en-US" sz="4800" dirty="0">
+              <a:solidFill>
+                <a:schemeClr val="tx1"/>
+              </a:solidFill>
+            </a:endParaRPr>
+          </a:p>
+        </p:txBody>
+      </p:sp>
+    </p:spTree>
+    <p:extLst>
+      <p:ext uri="{BB962C8B-B14F-4D97-AF65-F5344CB8AC3E}">
+        <p14:creationId xmlns:p14="http://schemas.microsoft.com/office/powerpoint/2010/main" val="2613304091"/>
+      </p:ext>
+    </p:extLst>
+  </p:cSld>
+  <p:clrMapOvr>
+    <a:masterClrMapping/>
+  </p:clrMapOvr>
+  <mc:AlternateContent xmlns:mc="http://schemas.openxmlformats.org/markup-compatibility/2006">
+    <mc:Choice xmlns:p14="http://schemas.microsoft.com/office/powerpoint/2010/main" Requires="p14">
+      <p:transition spd="med" p14:dur="700" advClick="0">
+        <p:fade/>
+      </p:transition>
+    </mc:Choice>
+    <mc:Fallback>
+      <p:transition xmlns:p14="http://schemas.microsoft.com/office/powerpoint/2010/main" spd="med" advClick="0">
+        <p:fade/>
+      </p:transition>
+    </mc:Fallback>
+  </mc:AlternateContent>
+  <p:timing>
+    <p:tnLst>
+      <p:par>
+        <p:cTn xmlns:p14="http://schemas.microsoft.com/office/powerpoint/2010/main" id="1" dur="indefinite" restart="never" nodeType="tmRoot"/>
+      </p:par>
+    </p:tnLst>
+  </p:timing>
+</p:sld>
+</file>
+
+<file path=ppt/slides/slide19.xml><?xml version="1.0" encoding="utf-8"?>
+<p:sld xmlns:a="http://schemas.openxmlformats.org/drawingml/2006/main" xmlns:r="http://schemas.openxmlformats.org/officeDocument/2006/relationships" xmlns:p="http://schemas.openxmlformats.org/presentationml/2006/main">
+  <p:cSld>
+    <p:spTree>
+      <p:nvGrpSpPr>
+        <p:cNvPr id="1" name=""/>
+        <p:cNvGrpSpPr/>
+        <p:nvPr/>
+      </p:nvGrpSpPr>
+      <p:grpSpPr>
+        <a:xfrm>
+          <a:off x="0" y="0"/>
+          <a:ext cx="0" cy="0"/>
+          <a:chOff x="0" y="0"/>
+          <a:chExt cx="0" cy="0"/>
+        </a:xfrm>
+      </p:grpSpPr>
+      <p:sp>
+        <p:nvSpPr>
+          <p:cNvPr id="3" name="Slide Number Placeholder 2"/>
+          <p:cNvSpPr>
+            <a:spLocks noGrp="1"/>
+          </p:cNvSpPr>
+          <p:nvPr>
+            <p:ph type="sldNum" sz="quarter" idx="10"/>
+          </p:nvPr>
+        </p:nvSpPr>
+        <p:spPr/>
+        <p:txBody>
+          <a:bodyPr/>
+          <a:lstStyle/>
+          <a:p>
+            <a:pPr>
+              <a:defRPr/>
+            </a:pPr>
+            <a:r>
+              <a:rPr lang="en-US" smtClean="0"/>
+              <a:t>sound.</a:t>
+            </a:r>
+            <a:fld id="{DB6F0ED6-FEF5-4C9C-B1CC-29B47EC66FAA}" type="slidenum">
+              <a:rPr lang="en-US" smtClean="0"/>
+              <a:pPr>
+                <a:defRPr/>
+              </a:pPr>
+              <a:t>19</a:t>
+            </a:fld>
+            <a:endParaRPr lang="en-US" dirty="0"/>
+          </a:p>
+        </p:txBody>
+      </p:sp>
+      <p:sp>
+        <p:nvSpPr>
+          <p:cNvPr id="4" name="TextBox 3"/>
+          <p:cNvSpPr txBox="1"/>
+          <p:nvPr/>
+        </p:nvSpPr>
+        <p:spPr>
+          <a:xfrm>
+            <a:off x="364983" y="1708134"/>
+            <a:ext cx="8417209" cy="3416320"/>
+          </a:xfrm>
+          <a:prstGeom prst="rect">
+            <a:avLst/>
+          </a:prstGeom>
+          <a:noFill/>
+        </p:spPr>
+        <p:txBody>
+          <a:bodyPr wrap="square" rtlCol="0">
+            <a:spAutoFit/>
+          </a:bodyPr>
+          <a:lstStyle/>
+          <a:p>
+            <a:pPr algn="l"/>
+            <a:r>
+              <a:rPr lang="en-US" sz="4800" dirty="0" smtClean="0">
+                <a:solidFill>
+                  <a:schemeClr val="accent2">
+                    <a:lumMod val="75000"/>
+                  </a:schemeClr>
+                </a:solidFill>
+                <a:latin typeface="Comic Sans MS" pitchFamily="66" charset="0"/>
+              </a:rPr>
+              <a:t>Theorem:</a:t>
+            </a:r>
+            <a:r>
+              <a:rPr lang="en-US" sz="5400" dirty="0" smtClean="0">
+                <a:latin typeface="Comic Sans MS" pitchFamily="66" charset="0"/>
+              </a:rPr>
+              <a:t> If </a:t>
+            </a:r>
+            <a:r>
+              <a:rPr lang="en-US" sz="5400" dirty="0" smtClean="0">
+                <a:latin typeface="Comic Sans MS" pitchFamily="66" charset="0"/>
+              </a:rPr>
+              <a:t>proof rules are </a:t>
+            </a:r>
+            <a:r>
+              <a:rPr lang="en-US" sz="5400" dirty="0" smtClean="0">
+                <a:solidFill>
+                  <a:srgbClr val="006600"/>
+                </a:solidFill>
+                <a:latin typeface="Comic Sans MS" pitchFamily="66" charset="0"/>
+              </a:rPr>
+              <a:t>sound</a:t>
+            </a:r>
+            <a:r>
+              <a:rPr lang="en-US" sz="5400" dirty="0" smtClean="0">
+                <a:latin typeface="Comic Sans MS" pitchFamily="66" charset="0"/>
+              </a:rPr>
+              <a:t>, and </a:t>
+            </a:r>
+            <a:r>
+              <a:rPr lang="en-US" sz="5400" dirty="0" smtClean="0">
+                <a:latin typeface="Comic Sans MS" pitchFamily="66" charset="0"/>
+              </a:rPr>
+              <a:t>axioms </a:t>
+            </a:r>
+            <a:r>
+              <a:rPr lang="en-US" sz="5400" dirty="0">
+                <a:latin typeface="Comic Sans MS" pitchFamily="66" charset="0"/>
+              </a:rPr>
+              <a:t>are </a:t>
+            </a:r>
+            <a:r>
+              <a:rPr lang="en-US" sz="5400" dirty="0">
+                <a:solidFill>
+                  <a:srgbClr val="BB0FAB"/>
+                </a:solidFill>
+                <a:latin typeface="Comic Sans MS" pitchFamily="66" charset="0"/>
+              </a:rPr>
+              <a:t>valid</a:t>
+            </a:r>
+            <a:r>
+              <a:rPr lang="en-US" sz="5400" dirty="0" smtClean="0">
+                <a:latin typeface="Comic Sans MS" pitchFamily="66" charset="0"/>
+              </a:rPr>
+              <a:t>, then every provable formula is </a:t>
+            </a:r>
+            <a:r>
+              <a:rPr lang="en-US" sz="5400" dirty="0" smtClean="0">
+                <a:solidFill>
+                  <a:srgbClr val="BB0FAB"/>
+                </a:solidFill>
+                <a:latin typeface="Comic Sans MS" pitchFamily="66" charset="0"/>
+              </a:rPr>
+              <a:t>valid</a:t>
+            </a:r>
+            <a:r>
+              <a:rPr lang="en-US" sz="5400" dirty="0" smtClean="0">
+                <a:latin typeface="Comic Sans MS" pitchFamily="66" charset="0"/>
+              </a:rPr>
+              <a:t>.</a:t>
+            </a:r>
+          </a:p>
+        </p:txBody>
+      </p:sp>
+      <p:sp>
+        <p:nvSpPr>
+          <p:cNvPr id="6" name="Title 1"/>
+          <p:cNvSpPr>
+            <a:spLocks noGrp="1"/>
+          </p:cNvSpPr>
+          <p:nvPr>
+            <p:ph type="title"/>
+          </p:nvPr>
+        </p:nvSpPr>
+        <p:spPr>
+          <a:xfrm>
+            <a:off x="1865814" y="252317"/>
+            <a:ext cx="6467431" cy="1269642"/>
+          </a:xfrm>
+        </p:spPr>
+        <p:txBody>
+          <a:bodyPr/>
+          <a:lstStyle/>
+          <a:p>
+            <a:r>
+              <a:rPr lang="en-US" sz="4800" dirty="0" smtClean="0">
+                <a:solidFill>
+                  <a:srgbClr val="006600"/>
+                </a:solidFill>
+              </a:rPr>
+              <a:t>Sound</a:t>
+            </a:r>
+            <a:r>
+              <a:rPr lang="en-US" sz="4800" dirty="0" smtClean="0"/>
+              <a:t> </a:t>
+            </a:r>
+            <a:r>
+              <a:rPr lang="en-US" sz="4800" dirty="0" smtClean="0">
+                <a:solidFill>
+                  <a:schemeClr val="tx1"/>
+                </a:solidFill>
+              </a:rPr>
+              <a:t>Proof</a:t>
+            </a:r>
+            <a:r>
+              <a:rPr lang="en-US" sz="4800" dirty="0">
+                <a:solidFill>
+                  <a:schemeClr val="tx1"/>
+                </a:solidFill>
+              </a:rPr>
+              <a:t> </a:t>
+            </a:r>
+            <a:r>
+              <a:rPr lang="en-US" sz="4800" dirty="0" smtClean="0">
+                <a:solidFill>
+                  <a:schemeClr val="tx1"/>
+                </a:solidFill>
+              </a:rPr>
+              <a:t>Systems</a:t>
+            </a:r>
+            <a:r>
+              <a:rPr lang="en-US" sz="4800" dirty="0" smtClean="0">
+                <a:solidFill>
+                  <a:schemeClr val="tx1"/>
+                </a:solidFill>
+              </a:rPr>
+              <a:t> </a:t>
+            </a:r>
+            <a:endParaRPr lang="en-US" sz="4800" dirty="0">
+              <a:solidFill>
+                <a:schemeClr val="tx1"/>
+              </a:solidFill>
+            </a:endParaRPr>
+          </a:p>
+        </p:txBody>
+      </p:sp>
+    </p:spTree>
+    <p:extLst>
+      <p:ext uri="{BB962C8B-B14F-4D97-AF65-F5344CB8AC3E}">
+        <p14:creationId xmlns:p14="http://schemas.microsoft.com/office/powerpoint/2010/main" val="547433021"/>
+      </p:ext>
+    </p:extLst>
+  </p:cSld>
+  <p:clrMapOvr>
+    <a:masterClrMapping/>
+  </p:clrMapOvr>
+  <p:transition xmlns:p14="http://schemas.microsoft.com/office/powerpoint/2010/main" spd="slow" advClick="0">
+    <p:fade/>
+  </p:transition>
+  <p:timing>
+    <p:tnLst>
+      <p:par>
+        <p:cTn xmlns:p14="http://schemas.microsoft.com/office/powerpoint/2010/main" id="1" dur="indefinite" restart="never" nodeType="tmRoot"/>
+      </p:par>
+    </p:tnLst>
+  </p:timing>
+</p:sld>
+</file>
+
+<file path=ppt/slides/slide2.xml><?xml version="1.0" encoding="utf-8"?>
+<p:sld xmlns:a="http://schemas.openxmlformats.org/drawingml/2006/main" xmlns:r="http://schemas.openxmlformats.org/officeDocument/2006/relationships" xmlns:p="http://schemas.openxmlformats.org/presentationml/2006/main">
+  <p:cSld>
+    <p:spTree>
+      <p:nvGrpSpPr>
+        <p:cNvPr id="1" name=""/>
+        <p:cNvGrpSpPr/>
+        <p:nvPr/>
+      </p:nvGrpSpPr>
+      <p:grpSpPr>
+        <a:xfrm>
+          <a:off x="0" y="0"/>
+          <a:ext cx="0" cy="0"/>
+          <a:chOff x="0" y="0"/>
+          <a:chExt cx="0" cy="0"/>
+        </a:xfrm>
+      </p:grpSpPr>
+      <p:sp>
+        <p:nvSpPr>
+          <p:cNvPr id="5" name="TextBox 4"/>
+          <p:cNvSpPr txBox="1"/>
+          <p:nvPr/>
+        </p:nvSpPr>
+        <p:spPr>
+          <a:xfrm>
+            <a:off x="124740" y="1717665"/>
+            <a:ext cx="8985240" cy="2585323"/>
+          </a:xfrm>
+          <a:prstGeom prst="rect">
+            <a:avLst/>
+          </a:prstGeom>
+          <a:noFill/>
+        </p:spPr>
+        <p:txBody>
+          <a:bodyPr wrap="square" rtlCol="0">
+            <a:spAutoFit/>
+          </a:bodyPr>
+          <a:lstStyle/>
+          <a:p>
+            <a:pPr algn="l"/>
+            <a:r>
+              <a:rPr lang="en-US" sz="5400" dirty="0" smtClean="0">
+                <a:latin typeface="Comic Sans MS" pitchFamily="66" charset="0"/>
+              </a:rPr>
+              <a:t>Instead of truth tables,</a:t>
+            </a:r>
+          </a:p>
+          <a:p>
+            <a:pPr algn="l"/>
+            <a:r>
+              <a:rPr lang="en-US" sz="5400" dirty="0" smtClean="0">
+                <a:latin typeface="Comic Sans MS" pitchFamily="66" charset="0"/>
+              </a:rPr>
+              <a:t>can try to</a:t>
+            </a:r>
+            <a:r>
+              <a:rPr lang="en-US" sz="5400" dirty="0" smtClean="0">
+                <a:solidFill>
+                  <a:srgbClr val="BB0FAB"/>
+                </a:solidFill>
+                <a:latin typeface="Comic Sans MS" pitchFamily="66" charset="0"/>
+              </a:rPr>
+              <a:t> prove</a:t>
+            </a:r>
+            <a:r>
+              <a:rPr lang="en-US" sz="5400" i="1" dirty="0" smtClean="0">
+                <a:solidFill>
+                  <a:srgbClr val="BB0FAB"/>
+                </a:solidFill>
+                <a:latin typeface="Comic Sans MS" pitchFamily="66" charset="0"/>
+              </a:rPr>
+              <a:t> </a:t>
+            </a:r>
+            <a:r>
+              <a:rPr lang="en-US" sz="5400" dirty="0" smtClean="0">
+                <a:latin typeface="Comic Sans MS" pitchFamily="66" charset="0"/>
+              </a:rPr>
+              <a:t>valid</a:t>
+            </a:r>
+          </a:p>
+          <a:p>
+            <a:pPr algn="l"/>
+            <a:r>
+              <a:rPr lang="en-US" sz="5400" dirty="0" smtClean="0">
+                <a:latin typeface="Comic Sans MS" pitchFamily="66" charset="0"/>
+              </a:rPr>
+              <a:t>formulas symbolically</a:t>
+            </a:r>
+            <a:endParaRPr lang="en-US" sz="5400" dirty="0">
+              <a:latin typeface="Comic Sans MS" pitchFamily="66" charset="0"/>
+            </a:endParaRPr>
+          </a:p>
+        </p:txBody>
+      </p:sp>
+      <p:sp>
+        <p:nvSpPr>
+          <p:cNvPr id="9" name="Title 1"/>
+          <p:cNvSpPr>
+            <a:spLocks noGrp="1"/>
+          </p:cNvSpPr>
+          <p:nvPr>
+            <p:ph type="title"/>
+          </p:nvPr>
+        </p:nvSpPr>
+        <p:spPr>
+          <a:xfrm>
+            <a:off x="2301706" y="279569"/>
+            <a:ext cx="4887551" cy="1116435"/>
+          </a:xfrm>
+        </p:spPr>
+        <p:txBody>
+          <a:bodyPr/>
+          <a:lstStyle/>
+          <a:p>
+            <a:r>
+              <a:rPr lang="en-US" sz="4000" dirty="0" smtClean="0"/>
+              <a:t>Proving Validity</a:t>
+            </a:r>
+            <a:endParaRPr lang="en-US" sz="4000" dirty="0"/>
+          </a:p>
+        </p:txBody>
+      </p:sp>
+      <p:sp>
+        <p:nvSpPr>
+          <p:cNvPr id="4" name="Slide Number Placeholder 2"/>
+          <p:cNvSpPr>
+            <a:spLocks noGrp="1"/>
+          </p:cNvSpPr>
+          <p:nvPr>
+            <p:ph type="sldNum" sz="quarter" idx="10"/>
+          </p:nvPr>
+        </p:nvSpPr>
+        <p:spPr>
+          <a:xfrm>
+            <a:off x="8420275" y="6553200"/>
+            <a:ext cx="723726" cy="276999"/>
+          </a:xfrm>
+        </p:spPr>
+        <p:txBody>
+          <a:bodyPr/>
+          <a:lstStyle/>
+          <a:p>
+            <a:r>
+              <a:rPr lang="en-US" dirty="0"/>
+              <a:t>sound.</a:t>
+            </a:r>
+            <a:fld id="{3251DA95-B240-47FE-901D-B78FC8E8E532}" type="slidenum">
+              <a:rPr lang="en-US" smtClean="0"/>
+              <a:pPr/>
+              <a:t>2</a:t>
+            </a:fld>
+            <a:endParaRPr lang="en-US" dirty="0"/>
+          </a:p>
+        </p:txBody>
+      </p:sp>
+    </p:spTree>
+  </p:cSld>
+  <p:clrMapOvr>
+    <a:masterClrMapping/>
+  </p:clrMapOvr>
+  <p:transition xmlns:p14="http://schemas.microsoft.com/office/powerpoint/2010/main" spd="slow" advClick="0">
+    <p:fade thruBlk="1"/>
+  </p:transition>
+  <p:timing>
+    <p:tnLst>
+      <p:par>
+        <p:cTn xmlns:p14="http://schemas.microsoft.com/office/powerpoint/2010/main" id="1" dur="indefinite" restart="never" nodeType="tmRoot">
+          <p:childTnLst>
+            <p:seq concurrent="1" nextAc="seek">
+              <p:cTn id="2" dur="indefinite" nodeType="mainSeq">
+                <p:childTnLst>
+                  <p:par>
+                    <p:cTn id="3" fill="hold">
+                      <p:stCondLst>
+                        <p:cond delay="indefinite"/>
+                      </p:stCondLst>
+                      <p:childTnLst>
+                        <p:par>
+                          <p:cTn id="4" fill="hold">
+                            <p:stCondLst>
+                              <p:cond delay="0"/>
+                            </p:stCondLst>
+                            <p:childTnLst>
+                              <p:par>
+                                <p:cTn id="5" presetID="10" presetClass="entr" presetSubtype="0" fill="hold" nodeType="clickEffect">
+                                  <p:stCondLst>
+                                    <p:cond delay="0"/>
+                                  </p:stCondLst>
+                                  <p:childTnLst>
+                                    <p:set>
+                                      <p:cBhvr>
+                                        <p:cTn id="6" dur="1" fill="hold">
+                                          <p:stCondLst>
+                                            <p:cond delay="0"/>
+                                          </p:stCondLst>
+                                        </p:cTn>
+                                        <p:tgtEl>
+                                          <p:spTgt spid="5">
+                                            <p:txEl>
+                                              <p:pRg st="0" end="0"/>
+                                            </p:txEl>
+                                          </p:spTgt>
+                                        </p:tgtEl>
+                                        <p:attrNameLst>
+                                          <p:attrName>style.visibility</p:attrName>
+                                        </p:attrNameLst>
+                                      </p:cBhvr>
+                                      <p:to>
+                                        <p:strVal val="visible"/>
+                                      </p:to>
+                                    </p:set>
+                                    <p:animEffect transition="in" filter="fade">
+                                      <p:cBhvr>
+                                        <p:cTn id="7" dur="500"/>
+                                        <p:tgtEl>
+                                          <p:spTgt spid="5">
+                                            <p:txEl>
+                                              <p:pRg st="0" end="0"/>
+                                            </p:txEl>
+                                          </p:spTgt>
+                                        </p:tgtEl>
+                                      </p:cBhvr>
+                                    </p:animEffect>
+                                  </p:childTnLst>
+                                </p:cTn>
+                              </p:par>
+                            </p:childTnLst>
+                          </p:cTn>
+                        </p:par>
+                      </p:childTnLst>
+                    </p:cTn>
+                  </p:par>
+                  <p:par>
+                    <p:cTn id="8" fill="hold">
+                      <p:stCondLst>
+                        <p:cond delay="indefinite"/>
+                      </p:stCondLst>
+                      <p:childTnLst>
+                        <p:par>
+                          <p:cTn id="9" fill="hold">
+                            <p:stCondLst>
+                              <p:cond delay="0"/>
+                            </p:stCondLst>
+                            <p:childTnLst>
+                              <p:par>
+                                <p:cTn id="10" presetID="10" presetClass="entr" presetSubtype="0" fill="hold" nodeType="clickEffect">
+                                  <p:stCondLst>
+                                    <p:cond delay="0"/>
+                                  </p:stCondLst>
+                                  <p:childTnLst>
+                                    <p:set>
+                                      <p:cBhvr>
+                                        <p:cTn id="11" dur="1" fill="hold">
+                                          <p:stCondLst>
+                                            <p:cond delay="0"/>
+                                          </p:stCondLst>
+                                        </p:cTn>
+                                        <p:tgtEl>
+                                          <p:spTgt spid="5">
+                                            <p:txEl>
+                                              <p:pRg st="1" end="1"/>
+                                            </p:txEl>
+                                          </p:spTgt>
+                                        </p:tgtEl>
+                                        <p:attrNameLst>
+                                          <p:attrName>style.visibility</p:attrName>
+                                        </p:attrNameLst>
+                                      </p:cBhvr>
+                                      <p:to>
+                                        <p:strVal val="visible"/>
+                                      </p:to>
+                                    </p:set>
+                                    <p:animEffect transition="in" filter="fade">
+                                      <p:cBhvr>
+                                        <p:cTn id="12" dur="500"/>
+                                        <p:tgtEl>
+                                          <p:spTgt spid="5">
+                                            <p:txEl>
+                                              <p:pRg st="1" end="1"/>
+                                            </p:txEl>
+                                          </p:spTgt>
+                                        </p:tgtEl>
+                                      </p:cBhvr>
+                                    </p:animEffect>
+                                  </p:childTnLst>
+                                </p:cTn>
+                              </p:par>
+                              <p:par>
+                                <p:cTn id="13" presetID="10" presetClass="entr" presetSubtype="0" fill="hold" nodeType="withEffect">
+                                  <p:stCondLst>
+                                    <p:cond delay="0"/>
+                                  </p:stCondLst>
+                                  <p:childTnLst>
+                                    <p:set>
+                                      <p:cBhvr>
+                                        <p:cTn id="14" dur="1" fill="hold">
+                                          <p:stCondLst>
+                                            <p:cond delay="0"/>
+                                          </p:stCondLst>
+                                        </p:cTn>
+                                        <p:tgtEl>
+                                          <p:spTgt spid="5">
+                                            <p:txEl>
+                                              <p:pRg st="2" end="2"/>
+                                            </p:txEl>
+                                          </p:spTgt>
+                                        </p:tgtEl>
+                                        <p:attrNameLst>
+                                          <p:attrName>style.visibility</p:attrName>
+                                        </p:attrNameLst>
+                                      </p:cBhvr>
+                                      <p:to>
+                                        <p:strVal val="visible"/>
+                                      </p:to>
+                                    </p:set>
+                                    <p:animEffect transition="in" filter="fade">
+                                      <p:cBhvr>
+                                        <p:cTn id="15" dur="500"/>
+                                        <p:tgtEl>
+                                          <p:spTgt spid="5">
+                                            <p:txEl>
+                                              <p:pRg st="2" end="2"/>
+                                            </p:txEl>
+                                          </p:spTgt>
+                                        </p:tgtEl>
+                                      </p:cBhvr>
+                                    </p:animEffect>
+                                  </p:childTnLst>
+                                </p:cTn>
+                              </p:par>
+                            </p:childTnLst>
+                          </p:cTn>
+                        </p:par>
+                      </p:childTnLst>
+                    </p:cTn>
+                  </p:par>
+                </p:childTnLst>
+              </p:cTn>
+              <p:prevCondLst>
+                <p:cond evt="onPrev" delay="0">
+                  <p:tgtEl>
+                    <p:sldTgt/>
+                  </p:tgtEl>
+                </p:cond>
+              </p:prevCondLst>
+              <p:nextCondLst>
+                <p:cond evt="onNext" delay="0">
+                  <p:tgtEl>
+                    <p:sldTgt/>
+                  </p:tgtEl>
+                </p:cond>
+              </p:nextCondLst>
+            </p:seq>
+          </p:childTnLst>
+        </p:cTn>
+      </p:par>
+    </p:tnLst>
+  </p:timing>
+</p:sld>
+</file>
+
+<file path=ppt/slides/slide20.xml><?xml version="1.0" encoding="utf-8"?>
+<p:sld xmlns:a="http://schemas.openxmlformats.org/drawingml/2006/main" xmlns:r="http://schemas.openxmlformats.org/officeDocument/2006/relationships" xmlns:p="http://schemas.openxmlformats.org/presentationml/2006/main">
+  <p:cSld>
+    <p:spTree>
+      <p:nvGrpSpPr>
+        <p:cNvPr id="1" name=""/>
+        <p:cNvGrpSpPr/>
+        <p:nvPr/>
+      </p:nvGrpSpPr>
+      <p:grpSpPr>
+        <a:xfrm>
+          <a:off x="0" y="0"/>
+          <a:ext cx="0" cy="0"/>
+          <a:chOff x="0" y="0"/>
+          <a:chExt cx="0" cy="0"/>
+        </a:xfrm>
+      </p:grpSpPr>
+      <p:sp>
+        <p:nvSpPr>
+          <p:cNvPr id="3" name="Slide Number Placeholder 2"/>
+          <p:cNvSpPr>
+            <a:spLocks noGrp="1"/>
+          </p:cNvSpPr>
+          <p:nvPr>
+            <p:ph type="sldNum" sz="quarter" idx="10"/>
+          </p:nvPr>
+        </p:nvSpPr>
+        <p:spPr/>
+        <p:txBody>
+          <a:bodyPr/>
+          <a:lstStyle/>
+          <a:p>
+            <a:pPr>
+              <a:defRPr/>
+            </a:pPr>
+            <a:r>
+              <a:rPr lang="en-US" smtClean="0"/>
+              <a:t>sound.</a:t>
+            </a:r>
+            <a:fld id="{DB6F0ED6-FEF5-4C9C-B1CC-29B47EC66FAA}" type="slidenum">
+              <a:rPr lang="en-US" smtClean="0"/>
+              <a:pPr>
+                <a:defRPr/>
+              </a:pPr>
+              <a:t>20</a:t>
+            </a:fld>
+            <a:endParaRPr lang="en-US" dirty="0"/>
+          </a:p>
+        </p:txBody>
+      </p:sp>
+      <p:sp>
+        <p:nvSpPr>
+          <p:cNvPr id="4" name="TextBox 3"/>
+          <p:cNvSpPr txBox="1"/>
+          <p:nvPr/>
+        </p:nvSpPr>
+        <p:spPr>
+          <a:xfrm>
+            <a:off x="364983" y="1708134"/>
+            <a:ext cx="8417209" cy="3416320"/>
+          </a:xfrm>
+          <a:prstGeom prst="rect">
+            <a:avLst/>
+          </a:prstGeom>
+          <a:noFill/>
+        </p:spPr>
+        <p:txBody>
+          <a:bodyPr wrap="square" rtlCol="0">
+            <a:spAutoFit/>
+          </a:bodyPr>
+          <a:lstStyle/>
+          <a:p>
+            <a:pPr algn="l"/>
+            <a:r>
+              <a:rPr lang="en-US" sz="4800" dirty="0" smtClean="0">
+                <a:solidFill>
+                  <a:schemeClr val="accent2">
+                    <a:lumMod val="75000"/>
+                  </a:schemeClr>
+                </a:solidFill>
+                <a:latin typeface="Comic Sans MS" pitchFamily="66" charset="0"/>
+              </a:rPr>
+              <a:t>Theorem:</a:t>
+            </a:r>
+            <a:r>
+              <a:rPr lang="en-US" sz="5400" dirty="0" smtClean="0">
+                <a:latin typeface="Comic Sans MS" pitchFamily="66" charset="0"/>
+              </a:rPr>
+              <a:t> If </a:t>
+            </a:r>
+            <a:r>
+              <a:rPr lang="en-US" sz="5400" dirty="0" smtClean="0">
+                <a:latin typeface="Comic Sans MS" pitchFamily="66" charset="0"/>
+              </a:rPr>
+              <a:t>proof rules are </a:t>
+            </a:r>
+            <a:r>
+              <a:rPr lang="en-US" sz="5400" dirty="0" smtClean="0">
+                <a:solidFill>
+                  <a:srgbClr val="006600"/>
+                </a:solidFill>
+                <a:latin typeface="Comic Sans MS" pitchFamily="66" charset="0"/>
+              </a:rPr>
+              <a:t>sound</a:t>
+            </a:r>
+            <a:r>
+              <a:rPr lang="en-US" sz="5400" dirty="0" smtClean="0">
+                <a:latin typeface="Comic Sans MS" pitchFamily="66" charset="0"/>
+              </a:rPr>
+              <a:t>, and </a:t>
+            </a:r>
+            <a:r>
+              <a:rPr lang="en-US" sz="5400" dirty="0" smtClean="0">
+                <a:latin typeface="Comic Sans MS" pitchFamily="66" charset="0"/>
+              </a:rPr>
+              <a:t>axioms </a:t>
+            </a:r>
+            <a:r>
+              <a:rPr lang="en-US" sz="5400" dirty="0">
+                <a:latin typeface="Comic Sans MS" pitchFamily="66" charset="0"/>
+              </a:rPr>
+              <a:t>are </a:t>
+            </a:r>
+            <a:r>
+              <a:rPr lang="en-US" sz="5400" dirty="0">
+                <a:solidFill>
+                  <a:srgbClr val="BB0FAB"/>
+                </a:solidFill>
+                <a:latin typeface="Comic Sans MS" pitchFamily="66" charset="0"/>
+              </a:rPr>
+              <a:t>valid</a:t>
+            </a:r>
+            <a:r>
+              <a:rPr lang="en-US" sz="5400" dirty="0" smtClean="0">
+                <a:latin typeface="Comic Sans MS" pitchFamily="66" charset="0"/>
+              </a:rPr>
+              <a:t>, then the whole proof system is </a:t>
+            </a:r>
+            <a:r>
+              <a:rPr lang="en-US" sz="5400" dirty="0" smtClean="0">
+                <a:solidFill>
+                  <a:srgbClr val="008000"/>
+                </a:solidFill>
+                <a:latin typeface="Comic Sans MS" pitchFamily="66" charset="0"/>
+              </a:rPr>
+              <a:t>sound</a:t>
+            </a:r>
+            <a:endParaRPr lang="en-US" sz="5400" dirty="0" smtClean="0">
+              <a:solidFill>
+                <a:srgbClr val="008000"/>
+              </a:solidFill>
+              <a:latin typeface="Comic Sans MS" pitchFamily="66" charset="0"/>
+            </a:endParaRPr>
+          </a:p>
+        </p:txBody>
+      </p:sp>
+      <p:sp>
+        <p:nvSpPr>
+          <p:cNvPr id="6" name="Title 1"/>
+          <p:cNvSpPr>
+            <a:spLocks noGrp="1"/>
+          </p:cNvSpPr>
+          <p:nvPr>
+            <p:ph type="title"/>
+          </p:nvPr>
+        </p:nvSpPr>
+        <p:spPr>
+          <a:xfrm>
+            <a:off x="1865814" y="252317"/>
+            <a:ext cx="6467431" cy="1269642"/>
+          </a:xfrm>
+        </p:spPr>
+        <p:txBody>
+          <a:bodyPr/>
+          <a:lstStyle/>
+          <a:p>
+            <a:r>
+              <a:rPr lang="en-US" sz="4800" dirty="0" smtClean="0">
+                <a:solidFill>
+                  <a:srgbClr val="006600"/>
+                </a:solidFill>
+              </a:rPr>
+              <a:t>Sound</a:t>
+            </a:r>
+            <a:r>
+              <a:rPr lang="en-US" sz="4800" dirty="0" smtClean="0"/>
+              <a:t> </a:t>
+            </a:r>
+            <a:r>
+              <a:rPr lang="en-US" sz="4800" dirty="0" smtClean="0">
+                <a:solidFill>
+                  <a:schemeClr val="tx1"/>
+                </a:solidFill>
+              </a:rPr>
+              <a:t>Proof</a:t>
+            </a:r>
+            <a:r>
+              <a:rPr lang="en-US" sz="4800" dirty="0">
+                <a:solidFill>
+                  <a:schemeClr val="tx1"/>
+                </a:solidFill>
+              </a:rPr>
+              <a:t> </a:t>
+            </a:r>
+            <a:r>
+              <a:rPr lang="en-US" sz="4800" dirty="0" smtClean="0">
+                <a:solidFill>
+                  <a:schemeClr val="tx1"/>
+                </a:solidFill>
+              </a:rPr>
+              <a:t>Systems</a:t>
+            </a:r>
+            <a:r>
+              <a:rPr lang="en-US" sz="4800" dirty="0" smtClean="0">
+                <a:solidFill>
+                  <a:schemeClr val="tx1"/>
+                </a:solidFill>
+              </a:rPr>
+              <a:t> </a:t>
+            </a:r>
+            <a:endParaRPr lang="en-US" sz="4800" dirty="0">
+              <a:solidFill>
+                <a:schemeClr val="tx1"/>
+              </a:solidFill>
+            </a:endParaRPr>
+          </a:p>
+        </p:txBody>
+      </p:sp>
+    </p:spTree>
+    <p:extLst>
+      <p:ext uri="{BB962C8B-B14F-4D97-AF65-F5344CB8AC3E}">
+        <p14:creationId xmlns:p14="http://schemas.microsoft.com/office/powerpoint/2010/main" val="1556671481"/>
+      </p:ext>
+    </p:extLst>
+  </p:cSld>
+  <p:clrMapOvr>
+    <a:masterClrMapping/>
+  </p:clrMapOvr>
+  <mc:AlternateContent xmlns:mc="http://schemas.openxmlformats.org/markup-compatibility/2006">
+    <mc:Choice xmlns:p14="http://schemas.microsoft.com/office/powerpoint/2010/main" Requires="p14">
+      <p:transition spd="med" p14:dur="700" advClick="0">
+        <p:fade/>
+      </p:transition>
+    </mc:Choice>
+    <mc:Fallback>
+      <p:transition xmlns:p14="http://schemas.microsoft.com/office/powerpoint/2010/main" spd="med" advClick="0">
+        <p:fade/>
+      </p:transition>
+    </mc:Fallback>
+  </mc:AlternateContent>
+  <p:timing>
+    <p:tnLst>
+      <p:par>
+        <p:cTn xmlns:p14="http://schemas.microsoft.com/office/powerpoint/2010/main" id="1" dur="indefinite" restart="never" nodeType="tmRoot"/>
+      </p:par>
+    </p:tnLst>
+  </p:timing>
+</p:sld>
+</file>
+
+<file path=ppt/slides/slide21.xml><?xml version="1.0" encoding="utf-8"?>
+<p:sld xmlns:a="http://schemas.openxmlformats.org/drawingml/2006/main" xmlns:r="http://schemas.openxmlformats.org/officeDocument/2006/relationships" xmlns:p="http://schemas.openxmlformats.org/presentationml/2006/main">
+  <p:cSld>
+    <p:spTree>
+      <p:nvGrpSpPr>
+        <p:cNvPr id="1" name=""/>
+        <p:cNvGrpSpPr/>
+        <p:nvPr/>
+      </p:nvGrpSpPr>
+      <p:grpSpPr>
+        <a:xfrm>
+          <a:off x="0" y="0"/>
+          <a:ext cx="0" cy="0"/>
+          <a:chOff x="0" y="0"/>
+          <a:chExt cx="0" cy="0"/>
+        </a:xfrm>
+      </p:grpSpPr>
+      <p:sp>
+        <p:nvSpPr>
+          <p:cNvPr id="3" name="Content Placeholder 2"/>
+          <p:cNvSpPr>
+            <a:spLocks noGrp="1"/>
+          </p:cNvSpPr>
+          <p:nvPr>
+            <p:ph idx="1"/>
+          </p:nvPr>
+        </p:nvSpPr>
+        <p:spPr>
+          <a:xfrm>
+            <a:off x="190499" y="1460500"/>
+            <a:ext cx="8677999" cy="3955575"/>
+          </a:xfrm>
+        </p:spPr>
+        <p:txBody>
+          <a:bodyPr/>
+          <a:lstStyle/>
+          <a:p>
+            <a:r>
+              <a:rPr lang="en-US" sz="4800" dirty="0" smtClean="0"/>
+              <a:t>A proof system </a:t>
+            </a:r>
+            <a:r>
+              <a:rPr lang="en-US" sz="4800" dirty="0" smtClean="0"/>
+              <a:t>is </a:t>
+            </a:r>
+            <a:r>
+              <a:rPr lang="en-US" sz="4800" dirty="0" smtClean="0">
+                <a:solidFill>
+                  <a:srgbClr val="BB0FAB"/>
+                </a:solidFill>
+              </a:rPr>
+              <a:t>complete</a:t>
+            </a:r>
+            <a:r>
+              <a:rPr lang="en-US" sz="4800" dirty="0" smtClean="0"/>
+              <a:t> </a:t>
+            </a:r>
+          </a:p>
+          <a:p>
+            <a:r>
+              <a:rPr lang="en-US" sz="4800" dirty="0" smtClean="0"/>
+              <a:t>when every </a:t>
+            </a:r>
+            <a:r>
+              <a:rPr lang="en-US" sz="4800" dirty="0" smtClean="0"/>
+              <a:t>valid formula is </a:t>
+            </a:r>
+          </a:p>
+          <a:p>
+            <a:r>
+              <a:rPr lang="en-US" sz="4800" dirty="0" smtClean="0"/>
+              <a:t>provable.</a:t>
+            </a:r>
+            <a:endParaRPr lang="en-US" sz="4800" dirty="0" smtClean="0"/>
+          </a:p>
+        </p:txBody>
+      </p:sp>
+      <p:sp>
+        <p:nvSpPr>
+          <p:cNvPr id="2" name="Title 1"/>
+          <p:cNvSpPr>
+            <a:spLocks noGrp="1"/>
+          </p:cNvSpPr>
+          <p:nvPr>
+            <p:ph type="title"/>
+          </p:nvPr>
+        </p:nvSpPr>
+        <p:spPr>
+          <a:xfrm>
+            <a:off x="1567039" y="327546"/>
+            <a:ext cx="7493001" cy="1039292"/>
+          </a:xfrm>
+        </p:spPr>
+        <p:txBody>
+          <a:bodyPr/>
+          <a:lstStyle/>
+          <a:p>
+            <a:r>
+              <a:rPr lang="en-US" sz="4800" dirty="0" smtClean="0">
+                <a:solidFill>
+                  <a:srgbClr val="BB0FAB"/>
+                </a:solidFill>
+              </a:rPr>
+              <a:t>Complete </a:t>
+            </a:r>
+            <a:r>
+              <a:rPr lang="en-US" sz="4800" dirty="0" smtClean="0">
+                <a:solidFill>
+                  <a:schemeClr val="tx1"/>
+                </a:solidFill>
+              </a:rPr>
+              <a:t>proof systems</a:t>
+            </a:r>
+            <a:endParaRPr lang="en-US" sz="4800" dirty="0">
+              <a:solidFill>
+                <a:schemeClr val="tx1"/>
+              </a:solidFill>
+            </a:endParaRPr>
+          </a:p>
+        </p:txBody>
+      </p:sp>
+      <p:sp>
+        <p:nvSpPr>
+          <p:cNvPr id="4" name="Slide Number Placeholder 2"/>
+          <p:cNvSpPr>
+            <a:spLocks noGrp="1"/>
+          </p:cNvSpPr>
+          <p:nvPr>
+            <p:ph type="sldNum" sz="quarter" idx="10"/>
+          </p:nvPr>
+        </p:nvSpPr>
+        <p:spPr>
+          <a:xfrm>
+            <a:off x="7443821" y="6553200"/>
+            <a:ext cx="1700180" cy="276999"/>
+          </a:xfrm>
+        </p:spPr>
+        <p:txBody>
+          <a:bodyPr/>
+          <a:lstStyle/>
+          <a:p>
+            <a:r>
+              <a:rPr lang="en-US" dirty="0" smtClean="0"/>
+              <a:t>propositional logic.</a:t>
+            </a:r>
+            <a:fld id="{3251DA95-B240-47FE-901D-B78FC8E8E532}" type="slidenum">
+              <a:rPr lang="en-US" smtClean="0"/>
+              <a:pPr/>
+              <a:t>21</a:t>
+            </a:fld>
+            <a:endParaRPr lang="en-US" dirty="0"/>
+          </a:p>
+        </p:txBody>
+      </p:sp>
+    </p:spTree>
+    <p:extLst>
+      <p:ext uri="{BB962C8B-B14F-4D97-AF65-F5344CB8AC3E}">
+        <p14:creationId xmlns:p14="http://schemas.microsoft.com/office/powerpoint/2010/main" val="600618232"/>
+      </p:ext>
+    </p:extLst>
+  </p:cSld>
+  <p:clrMapOvr>
+    <a:masterClrMapping/>
+  </p:clrMapOvr>
+  <p:transition xmlns:p14="http://schemas.microsoft.com/office/powerpoint/2010/main" spd="slow" advClick="0">
+    <p:fade thruBlk="1"/>
+  </p:transition>
+  <p:timing>
+    <p:tnLst>
+      <p:par>
+        <p:cTn xmlns:p14="http://schemas.microsoft.com/office/powerpoint/2010/main" id="1" dur="indefinite" restart="never" nodeType="tmRoot">
+          <p:childTnLst>
+            <p:seq concurrent="1" nextAc="seek">
+              <p:cTn id="2" dur="indefinite" nodeType="mainSeq">
+                <p:childTnLst>
+                  <p:par>
+                    <p:cTn id="3" fill="hold">
+                      <p:stCondLst>
+                        <p:cond delay="indefinite"/>
+                      </p:stCondLst>
+                      <p:childTnLst>
+                        <p:par>
+                          <p:cTn id="4" fill="hold">
+                            <p:stCondLst>
+                              <p:cond delay="0"/>
+                            </p:stCondLst>
+                            <p:childTnLst>
+                              <p:par>
+                                <p:cTn id="5" presetID="10" presetClass="entr" presetSubtype="0" fill="hold" nodeType="clickEffect">
+                                  <p:stCondLst>
+                                    <p:cond delay="0"/>
+                                  </p:stCondLst>
+                                  <p:childTnLst>
+                                    <p:set>
+                                      <p:cBhvr>
+                                        <p:cTn id="6" dur="1" fill="hold">
+                                          <p:stCondLst>
+                                            <p:cond delay="0"/>
+                                          </p:stCondLst>
+                                        </p:cTn>
+                                        <p:tgtEl>
+                                          <p:spTgt spid="3">
+                                            <p:txEl>
+                                              <p:pRg st="0" end="0"/>
+                                            </p:txEl>
+                                          </p:spTgt>
+                                        </p:tgtEl>
+                                        <p:attrNameLst>
+                                          <p:attrName>style.visibility</p:attrName>
+                                        </p:attrNameLst>
+                                      </p:cBhvr>
+                                      <p:to>
+                                        <p:strVal val="visible"/>
+                                      </p:to>
+                                    </p:set>
+                                    <p:animEffect transition="in" filter="fade">
+                                      <p:cBhvr>
+                                        <p:cTn id="7" dur="500"/>
+                                        <p:tgtEl>
+                                          <p:spTgt spid="3">
+                                            <p:txEl>
+                                              <p:pRg st="0" end="0"/>
+                                            </p:txEl>
+                                          </p:spTgt>
+                                        </p:tgtEl>
+                                      </p:cBhvr>
+                                    </p:animEffect>
+                                  </p:childTnLst>
+                                </p:cTn>
+                              </p:par>
+                              <p:par>
+                                <p:cTn id="8" presetID="10" presetClass="entr" presetSubtype="0" fill="hold" nodeType="withEffect">
+                                  <p:stCondLst>
+                                    <p:cond delay="0"/>
+                                  </p:stCondLst>
+                                  <p:childTnLst>
+                                    <p:set>
+                                      <p:cBhvr>
+                                        <p:cTn id="9" dur="1" fill="hold">
+                                          <p:stCondLst>
+                                            <p:cond delay="0"/>
+                                          </p:stCondLst>
+                                        </p:cTn>
+                                        <p:tgtEl>
+                                          <p:spTgt spid="3">
+                                            <p:txEl>
+                                              <p:pRg st="1" end="1"/>
+                                            </p:txEl>
+                                          </p:spTgt>
+                                        </p:tgtEl>
+                                        <p:attrNameLst>
+                                          <p:attrName>style.visibility</p:attrName>
+                                        </p:attrNameLst>
+                                      </p:cBhvr>
+                                      <p:to>
+                                        <p:strVal val="visible"/>
+                                      </p:to>
+                                    </p:set>
+                                    <p:animEffect transition="in" filter="fade">
+                                      <p:cBhvr>
+                                        <p:cTn id="10" dur="500"/>
+                                        <p:tgtEl>
+                                          <p:spTgt spid="3">
+                                            <p:txEl>
+                                              <p:pRg st="1" end="1"/>
+                                            </p:txEl>
+                                          </p:spTgt>
+                                        </p:tgtEl>
+                                      </p:cBhvr>
+                                    </p:animEffect>
+                                  </p:childTnLst>
+                                </p:cTn>
+                              </p:par>
+                              <p:par>
+                                <p:cTn id="11" presetID="10" presetClass="entr" presetSubtype="0" fill="hold" nodeType="withEffect">
+                                  <p:stCondLst>
+                                    <p:cond delay="0"/>
+                                  </p:stCondLst>
+                                  <p:childTnLst>
+                                    <p:set>
+                                      <p:cBhvr>
+                                        <p:cTn id="12" dur="1" fill="hold">
+                                          <p:stCondLst>
+                                            <p:cond delay="0"/>
+                                          </p:stCondLst>
+                                        </p:cTn>
+                                        <p:tgtEl>
+                                          <p:spTgt spid="3">
+                                            <p:txEl>
+                                              <p:pRg st="2" end="2"/>
+                                            </p:txEl>
+                                          </p:spTgt>
+                                        </p:tgtEl>
+                                        <p:attrNameLst>
+                                          <p:attrName>style.visibility</p:attrName>
+                                        </p:attrNameLst>
+                                      </p:cBhvr>
+                                      <p:to>
+                                        <p:strVal val="visible"/>
+                                      </p:to>
+                                    </p:set>
+                                    <p:animEffect transition="in" filter="fade">
+                                      <p:cBhvr>
+                                        <p:cTn id="13" dur="500"/>
+                                        <p:tgtEl>
+                                          <p:spTgt spid="3">
+                                            <p:txEl>
+                                              <p:pRg st="2" end="2"/>
+                                            </p:txEl>
+                                          </p:spTgt>
+                                        </p:tgtEl>
+                                      </p:cBhvr>
+                                    </p:animEffect>
+                                  </p:childTnLst>
+                                </p:cTn>
+                              </p:par>
+                            </p:childTnLst>
+                          </p:cTn>
+                        </p:par>
+                      </p:childTnLst>
+                    </p:cTn>
+                  </p:par>
+                </p:childTnLst>
+              </p:cTn>
+              <p:prevCondLst>
+                <p:cond evt="onPrev" delay="0">
+                  <p:tgtEl>
+                    <p:sldTgt/>
+                  </p:tgtEl>
+                </p:cond>
+              </p:prevCondLst>
+              <p:nextCondLst>
+                <p:cond evt="onNext" delay="0">
+                  <p:tgtEl>
+                    <p:sldTgt/>
+                  </p:tgtEl>
+                </p:cond>
+              </p:nextCondLst>
+            </p:seq>
+          </p:childTnLst>
+        </p:cTn>
+      </p:par>
+    </p:tnLst>
+  </p:timing>
+</p:sld>
+</file>
+
+<file path=ppt/slides/slide22.xml><?xml version="1.0" encoding="utf-8"?>
+<p:sld xmlns:a="http://schemas.openxmlformats.org/drawingml/2006/main" xmlns:r="http://schemas.openxmlformats.org/officeDocument/2006/relationships" xmlns:p="http://schemas.openxmlformats.org/presentationml/2006/main">
+  <p:cSld>
+    <p:spTree>
+      <p:nvGrpSpPr>
+        <p:cNvPr id="1" name=""/>
+        <p:cNvGrpSpPr/>
+        <p:nvPr/>
+      </p:nvGrpSpPr>
+      <p:grpSpPr>
+        <a:xfrm>
+          <a:off x="0" y="0"/>
+          <a:ext cx="0" cy="0"/>
+          <a:chOff x="0" y="0"/>
+          <a:chExt cx="0" cy="0"/>
+        </a:xfrm>
+      </p:grpSpPr>
+      <p:sp>
+        <p:nvSpPr>
+          <p:cNvPr id="3" name="Content Placeholder 2"/>
+          <p:cNvSpPr>
+            <a:spLocks noGrp="1"/>
+          </p:cNvSpPr>
+          <p:nvPr>
+            <p:ph idx="1"/>
+          </p:nvPr>
+        </p:nvSpPr>
+        <p:spPr>
+          <a:xfrm>
+            <a:off x="190499" y="1460499"/>
+            <a:ext cx="8856420" cy="4574855"/>
+          </a:xfrm>
+        </p:spPr>
+        <p:txBody>
+          <a:bodyPr/>
+          <a:lstStyle/>
+          <a:p>
+            <a:r>
+              <a:rPr lang="en-US" sz="4800" dirty="0" smtClean="0"/>
+              <a:t>A proof system </a:t>
+            </a:r>
+            <a:r>
+              <a:rPr lang="en-US" sz="4800" dirty="0" smtClean="0"/>
+              <a:t>is </a:t>
+            </a:r>
+            <a:r>
+              <a:rPr lang="en-US" sz="4800" dirty="0" smtClean="0">
+                <a:solidFill>
+                  <a:srgbClr val="BB0FAB"/>
+                </a:solidFill>
+              </a:rPr>
+              <a:t>complete</a:t>
+            </a:r>
+            <a:r>
+              <a:rPr lang="en-US" sz="4800" dirty="0" smtClean="0"/>
+              <a:t> </a:t>
+            </a:r>
+          </a:p>
+          <a:p>
+            <a:r>
+              <a:rPr lang="en-US" sz="4800" dirty="0" smtClean="0"/>
+              <a:t>when every </a:t>
+            </a:r>
+            <a:r>
+              <a:rPr lang="en-US" sz="4800" dirty="0" smtClean="0"/>
+              <a:t>valid formula is </a:t>
+            </a:r>
+          </a:p>
+          <a:p>
+            <a:r>
+              <a:rPr lang="en-US" sz="4800" dirty="0" smtClean="0"/>
+              <a:t>provable.  These sound proof </a:t>
+            </a:r>
+          </a:p>
+          <a:p>
+            <a:r>
+              <a:rPr lang="en-US" sz="4800" dirty="0" smtClean="0"/>
+              <a:t>systems are indeed also </a:t>
+            </a:r>
+          </a:p>
+          <a:p>
+            <a:r>
+              <a:rPr lang="en-US" sz="4800" dirty="0" smtClean="0"/>
+              <a:t>complete.</a:t>
+            </a:r>
+            <a:endParaRPr lang="en-US" sz="4800" dirty="0" smtClean="0"/>
+          </a:p>
+        </p:txBody>
+      </p:sp>
+      <p:sp>
+        <p:nvSpPr>
+          <p:cNvPr id="2" name="Title 1"/>
+          <p:cNvSpPr>
+            <a:spLocks noGrp="1"/>
+          </p:cNvSpPr>
+          <p:nvPr>
+            <p:ph type="title"/>
+          </p:nvPr>
+        </p:nvSpPr>
+        <p:spPr>
+          <a:xfrm>
+            <a:off x="1567039" y="327546"/>
+            <a:ext cx="7493001" cy="1039292"/>
+          </a:xfrm>
+        </p:spPr>
+        <p:txBody>
+          <a:bodyPr/>
+          <a:lstStyle/>
+          <a:p>
+            <a:r>
+              <a:rPr lang="en-US" sz="4800" dirty="0" smtClean="0">
+                <a:solidFill>
+                  <a:srgbClr val="BB0FAB"/>
+                </a:solidFill>
+              </a:rPr>
+              <a:t>Complete </a:t>
+            </a:r>
+            <a:r>
+              <a:rPr lang="en-US" sz="4800" dirty="0" smtClean="0">
+                <a:solidFill>
+                  <a:schemeClr val="tx1"/>
+                </a:solidFill>
+              </a:rPr>
+              <a:t>proof systems</a:t>
+            </a:r>
+            <a:endParaRPr lang="en-US" sz="4800" dirty="0">
+              <a:solidFill>
+                <a:schemeClr val="tx1"/>
+              </a:solidFill>
+            </a:endParaRPr>
+          </a:p>
+        </p:txBody>
+      </p:sp>
+      <p:sp>
+        <p:nvSpPr>
+          <p:cNvPr id="4" name="Slide Number Placeholder 2"/>
+          <p:cNvSpPr>
+            <a:spLocks noGrp="1"/>
+          </p:cNvSpPr>
+          <p:nvPr>
+            <p:ph type="sldNum" sz="quarter" idx="10"/>
+          </p:nvPr>
+        </p:nvSpPr>
+        <p:spPr>
+          <a:xfrm>
+            <a:off x="7443821" y="6553200"/>
+            <a:ext cx="1700180" cy="276999"/>
+          </a:xfrm>
+        </p:spPr>
+        <p:txBody>
+          <a:bodyPr/>
+          <a:lstStyle/>
+          <a:p>
+            <a:r>
+              <a:rPr lang="en-US" dirty="0" smtClean="0"/>
+              <a:t>propositional logic.</a:t>
+            </a:r>
+            <a:fld id="{3251DA95-B240-47FE-901D-B78FC8E8E532}" type="slidenum">
+              <a:rPr lang="en-US" smtClean="0"/>
+              <a:pPr/>
+              <a:t>22</a:t>
+            </a:fld>
+            <a:endParaRPr lang="en-US" dirty="0"/>
+          </a:p>
+        </p:txBody>
+      </p:sp>
+    </p:spTree>
+    <p:extLst>
+      <p:ext uri="{BB962C8B-B14F-4D97-AF65-F5344CB8AC3E}">
+        <p14:creationId xmlns:p14="http://schemas.microsoft.com/office/powerpoint/2010/main" val="490170835"/>
+      </p:ext>
+    </p:extLst>
+  </p:cSld>
+  <p:clrMapOvr>
+    <a:masterClrMapping/>
+  </p:clrMapOvr>
+  <p:transition xmlns:p14="http://schemas.microsoft.com/office/powerpoint/2010/main" spd="slow" advClick="0">
+    <p:fade thruBlk="1"/>
+  </p:transition>
+  <p:timing>
+    <p:tnLst>
+      <p:par>
+        <p:cTn xmlns:p14="http://schemas.microsoft.com/office/powerpoint/2010/main" id="1" dur="indefinite" restart="never" nodeType="tmRoot">
+          <p:childTnLst>
+            <p:seq concurrent="1" nextAc="seek">
+              <p:cTn id="2" dur="indefinite" nodeType="mainSeq">
+                <p:childTnLst>
+                  <p:par>
+                    <p:cTn id="3" fill="hold">
+                      <p:stCondLst>
+                        <p:cond delay="indefinite"/>
+                        <p:cond evt="onBegin" delay="0">
+                          <p:tn val="2"/>
+                        </p:cond>
+                      </p:stCondLst>
+                      <p:childTnLst>
+                        <p:par>
+                          <p:cTn id="4" fill="hold">
+                            <p:stCondLst>
+                              <p:cond delay="0"/>
+                            </p:stCondLst>
+                            <p:childTnLst>
+                              <p:par>
+                                <p:cTn id="5" presetID="15" presetClass="entr" presetSubtype="0" fill="hold" grpId="0" nodeType="afterEffect">
+                                  <p:stCondLst>
+                                    <p:cond delay="0"/>
+                                  </p:stCondLst>
+                                  <p:childTnLst>
+                                    <p:set>
+                                      <p:cBhvr>
+                                        <p:cTn id="6" dur="1" fill="hold">
+                                          <p:stCondLst>
+                                            <p:cond delay="0"/>
+                                          </p:stCondLst>
+                                        </p:cTn>
+                                        <p:tgtEl>
+                                          <p:spTgt spid="2"/>
+                                        </p:tgtEl>
+                                        <p:attrNameLst>
+                                          <p:attrName>style.visibility</p:attrName>
+                                        </p:attrNameLst>
+                                      </p:cBhvr>
+                                      <p:to>
+                                        <p:strVal val="visible"/>
+                                      </p:to>
+                                    </p:set>
+                                    <p:anim calcmode="lin" valueType="num">
+                                      <p:cBhvr>
+                                        <p:cTn id="7" dur="1000" fill="hold"/>
+                                        <p:tgtEl>
+                                          <p:spTgt spid="2"/>
+                                        </p:tgtEl>
+                                        <p:attrNameLst>
+                                          <p:attrName>ppt_w</p:attrName>
+                                        </p:attrNameLst>
+                                      </p:cBhvr>
+                                      <p:tavLst>
+                                        <p:tav tm="0">
+                                          <p:val>
+                                            <p:fltVal val="0"/>
+                                          </p:val>
+                                        </p:tav>
+                                        <p:tav tm="100000">
+                                          <p:val>
+                                            <p:strVal val="#ppt_w"/>
+                                          </p:val>
+                                        </p:tav>
+                                      </p:tavLst>
+                                    </p:anim>
+                                    <p:anim calcmode="lin" valueType="num">
+                                      <p:cBhvr>
+                                        <p:cTn id="8" dur="1000" fill="hold"/>
+                                        <p:tgtEl>
+                                          <p:spTgt spid="2"/>
+                                        </p:tgtEl>
+                                        <p:attrNameLst>
+                                          <p:attrName>ppt_h</p:attrName>
+                                        </p:attrNameLst>
+                                      </p:cBhvr>
+                                      <p:tavLst>
+                                        <p:tav tm="0">
+                                          <p:val>
+                                            <p:fltVal val="0"/>
+                                          </p:val>
+                                        </p:tav>
+                                        <p:tav tm="100000">
+                                          <p:val>
+                                            <p:strVal val="#ppt_h"/>
+                                          </p:val>
+                                        </p:tav>
+                                      </p:tavLst>
+                                    </p:anim>
+                                    <p:anim calcmode="lin" valueType="num">
+                                      <p:cBhvr>
+                                        <p:cTn id="9" dur="1000" fill="hold"/>
+                                        <p:tgtEl>
+                                          <p:spTgt spid="2"/>
+                                        </p:tgtEl>
+                                        <p:attrNameLst>
+                                          <p:attrName>ppt_x</p:attrName>
+                                        </p:attrNameLst>
+                                      </p:cBhvr>
+                                      <p:tavLst>
+                                        <p:tav tm="0" fmla="#ppt_x+(cos(-2*pi*(1-$))*-#ppt_x-sin(-2*pi*(1-$))*(1-#ppt_y))*(1-$)">
+                                          <p:val>
+                                            <p:fltVal val="0"/>
+                                          </p:val>
+                                        </p:tav>
+                                        <p:tav tm="100000">
+                                          <p:val>
+                                            <p:fltVal val="1"/>
+                                          </p:val>
+                                        </p:tav>
+                                      </p:tavLst>
+                                    </p:anim>
+                                    <p:anim calcmode="lin" valueType="num">
+                                      <p:cBhvr>
+                                        <p:cTn id="10" dur="1000" fill="hold"/>
+                                        <p:tgtEl>
+                                          <p:spTgt spid="2"/>
+                                        </p:tgtEl>
+                                        <p:attrNameLst>
+                                          <p:attrName>ppt_y</p:attrName>
+                                        </p:attrNameLst>
+                                      </p:cBhvr>
+                                      <p:tavLst>
+                                        <p:tav tm="0" fmla="#ppt_y+(sin(-2*pi*(1-$))*-#ppt_x+cos(-2*pi*(1-$))*(1-#ppt_y))*(1-$)">
+                                          <p:val>
+                                            <p:fltVal val="0"/>
+                                          </p:val>
+                                        </p:tav>
+                                        <p:tav tm="100000">
+                                          <p:val>
+                                            <p:fltVal val="1"/>
+                                          </p:val>
+                                        </p:tav>
+                                      </p:tavLst>
+                                    </p:anim>
+                                  </p:childTnLst>
+                                </p:cTn>
+                              </p:par>
+                            </p:childTnLst>
+                          </p:cTn>
+                        </p:par>
+                      </p:childTnLst>
+                    </p:cTn>
+                  </p:par>
+                </p:childTnLst>
+              </p:cTn>
+              <p:prevCondLst>
+                <p:cond evt="onPrev" delay="0">
+                  <p:tgtEl>
+                    <p:sldTgt/>
+                  </p:tgtEl>
+                </p:cond>
+              </p:prevCondLst>
+              <p:nextCondLst>
+                <p:cond evt="onNext" delay="0">
+                  <p:tgtEl>
+                    <p:sldTgt/>
+                  </p:tgtEl>
+                </p:cond>
+              </p:nextCondLst>
+            </p:seq>
+          </p:childTnLst>
+        </p:cTn>
+      </p:par>
+    </p:tnLst>
+    <p:bldLst>
+      <p:bldP spid="2" grpId="0"/>
+    </p:bldLst>
+  </p:timing>
+</p:sld>
+</file>
+
+<file path=ppt/slides/slide23.xml><?xml version="1.0" encoding="utf-8"?>
+<p:sld xmlns:a="http://schemas.openxmlformats.org/drawingml/2006/main" xmlns:r="http://schemas.openxmlformats.org/officeDocument/2006/relationships" xmlns:p="http://schemas.openxmlformats.org/presentationml/2006/main" show="0">
+  <p:cSld>
+    <p:spTree>
+      <p:nvGrpSpPr>
+        <p:cNvPr id="1" name=""/>
+        <p:cNvGrpSpPr/>
+        <p:nvPr/>
+      </p:nvGrpSpPr>
+      <p:grpSpPr>
+        <a:xfrm>
+          <a:off x="0" y="0"/>
+          <a:ext cx="0" cy="0"/>
+          <a:chOff x="0" y="0"/>
+          <a:chExt cx="0" cy="0"/>
+        </a:xfrm>
+      </p:grpSpPr>
+      <p:sp>
+        <p:nvSpPr>
+          <p:cNvPr id="3" name="Content Placeholder 2"/>
+          <p:cNvSpPr>
+            <a:spLocks noGrp="1"/>
+          </p:cNvSpPr>
+          <p:nvPr>
+            <p:ph idx="1"/>
+          </p:nvPr>
+        </p:nvSpPr>
+        <p:spPr>
+          <a:xfrm>
+            <a:off x="275167" y="1371600"/>
+            <a:ext cx="8710083" cy="4142318"/>
+          </a:xfrm>
+        </p:spPr>
+        <p:txBody>
+          <a:bodyPr/>
+          <a:lstStyle/>
+          <a:p>
+            <a:r>
+              <a:rPr lang="en-US" sz="4800" dirty="0" smtClean="0"/>
+              <a:t>preserve </a:t>
+            </a:r>
+            <a:r>
+              <a:rPr lang="en-US" sz="4800" dirty="0" smtClean="0">
+                <a:solidFill>
+                  <a:srgbClr val="006600"/>
+                </a:solidFill>
+              </a:rPr>
+              <a:t>truth</a:t>
+            </a:r>
+            <a:r>
+              <a:rPr lang="en-US" sz="4800" dirty="0" smtClean="0"/>
+              <a:t>:</a:t>
+            </a:r>
+          </a:p>
+          <a:p>
+            <a:r>
+              <a:rPr lang="en-US" sz="5400" dirty="0"/>
+              <a:t>i</a:t>
+            </a:r>
+            <a:r>
+              <a:rPr lang="en-US" sz="5400" dirty="0" smtClean="0"/>
+              <a:t>f all the antecedents are </a:t>
+            </a:r>
+          </a:p>
+          <a:p>
+            <a:r>
+              <a:rPr lang="en-US" sz="5400" dirty="0" smtClean="0">
+                <a:solidFill>
+                  <a:srgbClr val="006600"/>
+                </a:solidFill>
+              </a:rPr>
+              <a:t>true</a:t>
+            </a:r>
+            <a:r>
+              <a:rPr lang="en-US" sz="5400" dirty="0" smtClean="0"/>
+              <a:t> in some environment, </a:t>
+            </a:r>
+          </a:p>
+          <a:p>
+            <a:r>
+              <a:rPr lang="en-US" sz="5400" dirty="0" smtClean="0"/>
+              <a:t>then so is the conclusion.</a:t>
+            </a:r>
+            <a:endParaRPr lang="en-US" sz="5400" dirty="0"/>
+          </a:p>
+        </p:txBody>
+      </p:sp>
+      <p:sp>
+        <p:nvSpPr>
+          <p:cNvPr id="4" name="Slide Number Placeholder 3"/>
+          <p:cNvSpPr>
+            <a:spLocks noGrp="1"/>
+          </p:cNvSpPr>
+          <p:nvPr>
+            <p:ph type="sldNum" sz="quarter" idx="10"/>
+          </p:nvPr>
+        </p:nvSpPr>
         <p:spPr>
           <a:xfrm>
             <a:off x="8420278" y="6553200"/>
@@ -6524,7 +10704,7 @@
               <a:pPr>
                 <a:defRPr/>
               </a:pPr>
-              <a:t>10</a:t>
+              <a:t>23</a:t>
             </a:fld>
             <a:endParaRPr lang="en-US" dirty="0"/>
           </a:p>
@@ -6850,8 +11030,8 @@
 </p:sld>
 </file>
 
-<file path=ppt/slides/slide11.xml><?xml version="1.0" encoding="utf-8"?>
-<p:sld xmlns:a="http://schemas.openxmlformats.org/drawingml/2006/main" xmlns:r="http://schemas.openxmlformats.org/officeDocument/2006/relationships" xmlns:p="http://schemas.openxmlformats.org/presentationml/2006/main">
+<file path=ppt/slides/slide24.xml><?xml version="1.0" encoding="utf-8"?>
+<p:sld xmlns:a="http://schemas.openxmlformats.org/drawingml/2006/main" xmlns:r="http://schemas.openxmlformats.org/officeDocument/2006/relationships" xmlns:p="http://schemas.openxmlformats.org/presentationml/2006/main" show="0">
   <p:cSld>
     <p:spTree>
       <p:nvGrpSpPr>
@@ -6986,14 +11166,12 @@
               <a:rPr lang="en-US" sz="5400" dirty="0" smtClean="0"/>
               <a:t>,</a:t>
             </a:r>
-            <a:endParaRPr lang="en-US" sz="5400" dirty="0" smtClean="0"/>
           </a:p>
           <a:p>
             <a:r>
               <a:rPr lang="en-US" sz="5400" dirty="0" smtClean="0"/>
               <a:t>and </a:t>
             </a:r>
-            <a:endParaRPr lang="en-US" sz="5400" dirty="0" smtClean="0"/>
           </a:p>
           <a:p>
             <a:r>
@@ -7048,7 +11226,6 @@
               <a:rPr lang="en-US" sz="5400" dirty="0" smtClean="0"/>
               <a:t>,</a:t>
             </a:r>
-            <a:endParaRPr lang="en-US" sz="5400" dirty="0" smtClean="0"/>
           </a:p>
           <a:p>
             <a:r>
@@ -7135,7 +11312,7 @@
               <a:pPr>
                 <a:defRPr/>
               </a:pPr>
-              <a:t>11</a:t>
+              <a:t>24</a:t>
             </a:fld>
             <a:endParaRPr lang="en-US" dirty="0"/>
           </a:p>
@@ -7425,8 +11602,8 @@
 </p:sld>
 </file>
 
-<file path=ppt/slides/slide12.xml><?xml version="1.0" encoding="utf-8"?>
-<p:sld xmlns:a="http://schemas.openxmlformats.org/drawingml/2006/main" xmlns:r="http://schemas.openxmlformats.org/officeDocument/2006/relationships" xmlns:p="http://schemas.openxmlformats.org/presentationml/2006/main">
+<file path=ppt/slides/slide25.xml><?xml version="1.0" encoding="utf-8"?>
+<p:sld xmlns:a="http://schemas.openxmlformats.org/drawingml/2006/main" xmlns:r="http://schemas.openxmlformats.org/officeDocument/2006/relationships" xmlns:p="http://schemas.openxmlformats.org/presentationml/2006/main" show="0">
   <p:cSld>
     <p:spTree>
       <p:nvGrpSpPr>
@@ -7506,36 +11683,25 @@
                 <a:latin typeface="Comic Sans MS"/>
                 <a:cs typeface="Comic Sans MS"/>
               </a:rPr>
-              <a:t>Rule </a:t>
+              <a:t>Rule is </a:t>
+            </a:r>
+            <a:r>
+              <a:rPr lang="en-US" sz="5400" dirty="0" smtClean="0">
+                <a:solidFill>
+                  <a:srgbClr val="006600"/>
+                </a:solidFill>
+                <a:latin typeface="Comic Sans MS"/>
+                <a:cs typeface="Comic Sans MS"/>
+              </a:rPr>
+              <a:t>strongly sound</a:t>
             </a:r>
             <a:r>
               <a:rPr lang="en-US" sz="5400" dirty="0" smtClean="0">
                 <a:latin typeface="Comic Sans MS"/>
                 <a:cs typeface="Comic Sans MS"/>
               </a:rPr>
-              <a:t>is </a:t>
-            </a:r>
-            <a:r>
-              <a:rPr lang="en-US" sz="5400" dirty="0" smtClean="0">
-                <a:solidFill>
-                  <a:srgbClr val="006600"/>
-                </a:solidFill>
-                <a:latin typeface="Comic Sans MS"/>
-                <a:cs typeface="Comic Sans MS"/>
-              </a:rPr>
-              <a:t>strongly sound</a:t>
-            </a:r>
-            <a:r>
-              <a:rPr lang="en-US" sz="5400" dirty="0" smtClean="0">
-                <a:latin typeface="Comic Sans MS"/>
-                <a:cs typeface="Comic Sans MS"/>
-              </a:rPr>
               <a:t>:</a:t>
             </a:r>
-            <a:endParaRPr lang="en-US" sz="5400" dirty="0" smtClean="0">
-              <a:latin typeface="Comic Sans MS"/>
-              <a:cs typeface="Comic Sans MS"/>
-            </a:endParaRPr>
           </a:p>
           <a:p>
             <a:pPr algn="l">
@@ -7679,7 +11845,7 @@
             <a:fld id="{3251DA95-B240-47FE-901D-B78FC8E8E532}" type="slidenum">
               <a:rPr lang="en-US" smtClean="0"/>
               <a:pPr/>
-              <a:t>12</a:t>
+              <a:t>25</a:t>
             </a:fld>
             <a:endParaRPr lang="en-US" dirty="0"/>
           </a:p>
@@ -7717,8 +11883,8 @@
 </p:sld>
 </file>
 
-<file path=ppt/slides/slide13.xml><?xml version="1.0" encoding="utf-8"?>
-<p:sld xmlns:a="http://schemas.openxmlformats.org/drawingml/2006/main" xmlns:r="http://schemas.openxmlformats.org/officeDocument/2006/relationships" xmlns:p="http://schemas.openxmlformats.org/presentationml/2006/main">
+<file path=ppt/slides/slide26.xml><?xml version="1.0" encoding="utf-8"?>
+<p:sld xmlns:a="http://schemas.openxmlformats.org/drawingml/2006/main" xmlns:r="http://schemas.openxmlformats.org/officeDocument/2006/relationships" xmlns:p="http://schemas.openxmlformats.org/presentationml/2006/main" show="0">
   <p:cSld>
     <p:spTree>
       <p:nvGrpSpPr>
@@ -7756,11 +11922,7 @@
           <a:p>
             <a:r>
               <a:rPr lang="en-US" sz="4800" dirty="0" smtClean="0"/>
-              <a:t>If </a:t>
-            </a:r>
-            <a:r>
-              <a:rPr lang="en-US" sz="4800" dirty="0" smtClean="0"/>
-              <a:t>rules are </a:t>
+              <a:t>If rules are </a:t>
             </a:r>
             <a:r>
               <a:rPr lang="en-US" sz="4800" dirty="0" smtClean="0">
@@ -7838,7 +12000,7 @@
               <a:pPr>
                 <a:defRPr/>
               </a:pPr>
-              <a:t>13</a:t>
+              <a:t>26</a:t>
             </a:fld>
             <a:endParaRPr lang="en-US" dirty="0"/>
           </a:p>
@@ -8039,8 +12201,8 @@
 </p:sld>
 </file>
 
-<file path=ppt/slides/slide14.xml><?xml version="1.0" encoding="utf-8"?>
-<p:sld xmlns:a="http://schemas.openxmlformats.org/drawingml/2006/main" xmlns:r="http://schemas.openxmlformats.org/officeDocument/2006/relationships" xmlns:p="http://schemas.openxmlformats.org/presentationml/2006/main">
+<file path=ppt/slides/slide27.xml><?xml version="1.0" encoding="utf-8"?>
+<p:sld xmlns:a="http://schemas.openxmlformats.org/drawingml/2006/main" xmlns:r="http://schemas.openxmlformats.org/officeDocument/2006/relationships" xmlns:p="http://schemas.openxmlformats.org/presentationml/2006/main" show="0">
   <p:cSld>
     <p:spTree>
       <p:nvGrpSpPr>
@@ -8078,11 +12240,7 @@
           <a:p>
             <a:r>
               <a:rPr lang="en-US" sz="4800" dirty="0" smtClean="0"/>
-              <a:t>If </a:t>
-            </a:r>
-            <a:r>
-              <a:rPr lang="en-US" sz="4800" dirty="0" smtClean="0"/>
-              <a:t>rules are strongly sound,</a:t>
+              <a:t>If rules are strongly sound,</a:t>
             </a:r>
           </a:p>
           <a:p>
@@ -8174,7 +12332,7 @@
               <a:pPr>
                 <a:defRPr/>
               </a:pPr>
-              <a:t>14</a:t>
+              <a:t>27</a:t>
             </a:fld>
             <a:endParaRPr lang="en-US" dirty="0"/>
           </a:p>
@@ -8248,7 +12406,7 @@
 </p:sld>
 </file>
 
-<file path=ppt/slides/slide15.xml><?xml version="1.0" encoding="utf-8"?>
+<file path=ppt/slides/slide28.xml><?xml version="1.0" encoding="utf-8"?>
 <p:sld xmlns:a="http://schemas.openxmlformats.org/drawingml/2006/main" xmlns:r="http://schemas.openxmlformats.org/officeDocument/2006/relationships" xmlns:p="http://schemas.openxmlformats.org/presentationml/2006/main" show="0">
   <p:cSld>
     <p:spTree>
@@ -8299,34 +12457,20 @@
             </a:r>
             <a:r>
               <a:rPr lang="en-US" sz="5400" dirty="0" smtClean="0"/>
-              <a:t> </a:t>
-            </a:r>
+              <a:t> in some </a:t>
+            </a:r>
+          </a:p>
+          <a:p>
             <a:r>
               <a:rPr lang="en-US" sz="5400" dirty="0" smtClean="0"/>
-              <a:t>in some </a:t>
-            </a:r>
-            <a:endParaRPr lang="en-US" sz="5400" dirty="0" smtClean="0"/>
+              <a:t>environment, and rules are </a:t>
+            </a:r>
           </a:p>
           <a:p>
             <a:r>
               <a:rPr lang="en-US" sz="5400" dirty="0" smtClean="0"/>
-              <a:t>environment, </a:t>
-            </a:r>
-            <a:r>
-              <a:rPr lang="en-US" sz="5400" dirty="0" smtClean="0"/>
-              <a:t>and rules are </a:t>
-            </a:r>
-          </a:p>
-          <a:p>
-            <a:r>
-              <a:rPr lang="en-US" sz="5400" dirty="0" smtClean="0"/>
-              <a:t>strongly sound, then</a:t>
-            </a:r>
-            <a:r>
-              <a:rPr lang="en-US" sz="5400" dirty="0" smtClean="0"/>
-              <a:t> </a:t>
-            </a:r>
-            <a:endParaRPr lang="en-US" sz="5400" dirty="0" smtClean="0"/>
+              <a:t>strongly sound, then </a:t>
+            </a:r>
           </a:p>
           <a:p>
             <a:r>
@@ -8381,7 +12525,7 @@
               <a:pPr>
                 <a:defRPr/>
               </a:pPr>
-              <a:t>15</a:t>
+              <a:t>28</a:t>
             </a:fld>
             <a:endParaRPr lang="en-US" dirty="0"/>
           </a:p>
@@ -8542,8 +12686,8 @@
 </p:sld>
 </file>
 
-<file path=ppt/slides/slide16.xml><?xml version="1.0" encoding="utf-8"?>
-<p:sld xmlns:a="http://schemas.openxmlformats.org/drawingml/2006/main" xmlns:r="http://schemas.openxmlformats.org/officeDocument/2006/relationships" xmlns:p="http://schemas.openxmlformats.org/presentationml/2006/main">
+<file path=ppt/slides/slide29.xml><?xml version="1.0" encoding="utf-8"?>
+<p:sld xmlns:a="http://schemas.openxmlformats.org/drawingml/2006/main" xmlns:r="http://schemas.openxmlformats.org/officeDocument/2006/relationships" xmlns:p="http://schemas.openxmlformats.org/presentationml/2006/main" show="0">
   <p:cSld>
     <p:spTree>
       <p:nvGrpSpPr>
@@ -8622,7 +12766,7 @@
               <a:pPr>
                 <a:defRPr/>
               </a:pPr>
-              <a:t>16</a:t>
+              <a:t>29</a:t>
             </a:fld>
             <a:endParaRPr lang="en-US" dirty="0"/>
           </a:p>
@@ -8655,13 +12799,7 @@
               <a:rPr lang="en-US" sz="5400" dirty="0" smtClean="0">
                 <a:latin typeface="Comic Sans MS" pitchFamily="66" charset="0"/>
               </a:rPr>
-              <a:t>If </a:t>
-            </a:r>
-            <a:r>
-              <a:rPr lang="en-US" sz="5400" dirty="0" smtClean="0">
-                <a:latin typeface="Comic Sans MS" pitchFamily="66" charset="0"/>
-              </a:rPr>
-              <a:t>proof rules are strongly sound, then</a:t>
+              <a:t>If proof rules are strongly sound, then</a:t>
             </a:r>
           </a:p>
           <a:p>
@@ -8880,373 +13018,6 @@
 </p:sld>
 </file>
 
-<file path=ppt/slides/slide2.xml><?xml version="1.0" encoding="utf-8"?>
-<p:sld xmlns:a="http://schemas.openxmlformats.org/drawingml/2006/main" xmlns:r="http://schemas.openxmlformats.org/officeDocument/2006/relationships" xmlns:p="http://schemas.openxmlformats.org/presentationml/2006/main">
-  <p:cSld>
-    <p:spTree>
-      <p:nvGrpSpPr>
-        <p:cNvPr id="1" name=""/>
-        <p:cNvGrpSpPr/>
-        <p:nvPr/>
-      </p:nvGrpSpPr>
-      <p:grpSpPr>
-        <a:xfrm>
-          <a:off x="0" y="0"/>
-          <a:ext cx="0" cy="0"/>
-          <a:chOff x="0" y="0"/>
-          <a:chExt cx="0" cy="0"/>
-        </a:xfrm>
-      </p:grpSpPr>
-      <p:sp>
-        <p:nvSpPr>
-          <p:cNvPr id="5" name="TextBox 4"/>
-          <p:cNvSpPr txBox="1"/>
-          <p:nvPr/>
-        </p:nvSpPr>
-        <p:spPr>
-          <a:xfrm>
-            <a:off x="124740" y="1717665"/>
-            <a:ext cx="8985240" cy="2585323"/>
-          </a:xfrm>
-          <a:prstGeom prst="rect">
-            <a:avLst/>
-          </a:prstGeom>
-          <a:noFill/>
-        </p:spPr>
-        <p:txBody>
-          <a:bodyPr wrap="square" rtlCol="0">
-            <a:spAutoFit/>
-          </a:bodyPr>
-          <a:lstStyle/>
-          <a:p>
-            <a:pPr algn="l"/>
-            <a:r>
-              <a:rPr lang="en-US" sz="5400" dirty="0" smtClean="0">
-                <a:latin typeface="Comic Sans MS" pitchFamily="66" charset="0"/>
-              </a:rPr>
-              <a:t>Instead of truth tables,</a:t>
-            </a:r>
-          </a:p>
-          <a:p>
-            <a:pPr algn="l"/>
-            <a:r>
-              <a:rPr lang="en-US" sz="5400" dirty="0" smtClean="0">
-                <a:latin typeface="Comic Sans MS" pitchFamily="66" charset="0"/>
-              </a:rPr>
-              <a:t>can try to</a:t>
-            </a:r>
-            <a:r>
-              <a:rPr lang="en-US" sz="5400" dirty="0" smtClean="0">
-                <a:solidFill>
-                  <a:srgbClr val="BB0FAB"/>
-                </a:solidFill>
-                <a:latin typeface="Comic Sans MS" pitchFamily="66" charset="0"/>
-              </a:rPr>
-              <a:t> prove</a:t>
-            </a:r>
-            <a:r>
-              <a:rPr lang="en-US" sz="5400" i="1" dirty="0" smtClean="0">
-                <a:solidFill>
-                  <a:srgbClr val="BB0FAB"/>
-                </a:solidFill>
-                <a:latin typeface="Comic Sans MS" pitchFamily="66" charset="0"/>
-              </a:rPr>
-              <a:t> </a:t>
-            </a:r>
-            <a:r>
-              <a:rPr lang="en-US" sz="5400" dirty="0" smtClean="0">
-                <a:latin typeface="Comic Sans MS" pitchFamily="66" charset="0"/>
-              </a:rPr>
-              <a:t>valid</a:t>
-            </a:r>
-          </a:p>
-          <a:p>
-            <a:pPr algn="l"/>
-            <a:r>
-              <a:rPr lang="en-US" sz="5400" dirty="0" smtClean="0">
-                <a:latin typeface="Comic Sans MS" pitchFamily="66" charset="0"/>
-              </a:rPr>
-              <a:t>formulas </a:t>
-            </a:r>
-            <a:r>
-              <a:rPr lang="en-US" sz="5400" dirty="0" smtClean="0">
-                <a:latin typeface="Comic Sans MS" pitchFamily="66" charset="0"/>
-              </a:rPr>
-              <a:t>symbolically</a:t>
-            </a:r>
-            <a:endParaRPr lang="en-US" sz="5400" dirty="0">
-              <a:latin typeface="Comic Sans MS" pitchFamily="66" charset="0"/>
-            </a:endParaRPr>
-          </a:p>
-        </p:txBody>
-      </p:sp>
-      <p:sp>
-        <p:nvSpPr>
-          <p:cNvPr id="9" name="Title 1"/>
-          <p:cNvSpPr>
-            <a:spLocks noGrp="1"/>
-          </p:cNvSpPr>
-          <p:nvPr>
-            <p:ph type="title"/>
-          </p:nvPr>
-        </p:nvSpPr>
-        <p:spPr>
-          <a:xfrm>
-            <a:off x="2301706" y="279569"/>
-            <a:ext cx="4887551" cy="1116435"/>
-          </a:xfrm>
-        </p:spPr>
-        <p:txBody>
-          <a:bodyPr/>
-          <a:lstStyle/>
-          <a:p>
-            <a:r>
-              <a:rPr lang="en-US" sz="4000" dirty="0" smtClean="0"/>
-              <a:t>Proving Validity</a:t>
-            </a:r>
-            <a:endParaRPr lang="en-US" sz="4000" dirty="0"/>
-          </a:p>
-        </p:txBody>
-      </p:sp>
-      <p:sp>
-        <p:nvSpPr>
-          <p:cNvPr id="4" name="Slide Number Placeholder 2"/>
-          <p:cNvSpPr>
-            <a:spLocks noGrp="1"/>
-          </p:cNvSpPr>
-          <p:nvPr>
-            <p:ph type="sldNum" sz="quarter" idx="10"/>
-          </p:nvPr>
-        </p:nvSpPr>
-        <p:spPr>
-          <a:xfrm>
-            <a:off x="8420275" y="6553200"/>
-            <a:ext cx="723726" cy="276999"/>
-          </a:xfrm>
-        </p:spPr>
-        <p:txBody>
-          <a:bodyPr/>
-          <a:lstStyle/>
-          <a:p>
-            <a:r>
-              <a:rPr lang="en-US" dirty="0"/>
-              <a:t>sound.</a:t>
-            </a:r>
-            <a:fld id="{3251DA95-B240-47FE-901D-B78FC8E8E532}" type="slidenum">
-              <a:rPr lang="en-US" smtClean="0"/>
-              <a:pPr/>
-              <a:t>2</a:t>
-            </a:fld>
-            <a:endParaRPr lang="en-US" dirty="0"/>
-          </a:p>
-        </p:txBody>
-      </p:sp>
-    </p:spTree>
-  </p:cSld>
-  <p:clrMapOvr>
-    <a:masterClrMapping/>
-  </p:clrMapOvr>
-  <p:transition xmlns:p14="http://schemas.microsoft.com/office/powerpoint/2010/main" spd="slow" advClick="0">
-    <p:fade thruBlk="1"/>
-  </p:transition>
-  <p:timing>
-    <p:tnLst>
-      <p:par>
-        <p:cTn xmlns:p14="http://schemas.microsoft.com/office/powerpoint/2010/main" id="1" dur="indefinite" restart="never" nodeType="tmRoot">
-          <p:childTnLst>
-            <p:seq concurrent="1" nextAc="seek">
-              <p:cTn id="2" dur="indefinite" nodeType="mainSeq">
-                <p:childTnLst>
-                  <p:par>
-                    <p:cTn id="3" fill="hold">
-                      <p:stCondLst>
-                        <p:cond delay="indefinite"/>
-                      </p:stCondLst>
-                      <p:childTnLst>
-                        <p:par>
-                          <p:cTn id="4" fill="hold">
-                            <p:stCondLst>
-                              <p:cond delay="0"/>
-                            </p:stCondLst>
-                            <p:childTnLst>
-                              <p:par>
-                                <p:cTn id="5" presetID="10" presetClass="entr" presetSubtype="0" fill="hold" nodeType="clickEffect">
-                                  <p:stCondLst>
-                                    <p:cond delay="0"/>
-                                  </p:stCondLst>
-                                  <p:childTnLst>
-                                    <p:set>
-                                      <p:cBhvr>
-                                        <p:cTn id="6" dur="1" fill="hold">
-                                          <p:stCondLst>
-                                            <p:cond delay="0"/>
-                                          </p:stCondLst>
-                                        </p:cTn>
-                                        <p:tgtEl>
-                                          <p:spTgt spid="5">
-                                            <p:txEl>
-                                              <p:pRg st="0" end="0"/>
-                                            </p:txEl>
-                                          </p:spTgt>
-                                        </p:tgtEl>
-                                        <p:attrNameLst>
-                                          <p:attrName>style.visibility</p:attrName>
-                                        </p:attrNameLst>
-                                      </p:cBhvr>
-                                      <p:to>
-                                        <p:strVal val="visible"/>
-                                      </p:to>
-                                    </p:set>
-                                    <p:animEffect transition="in" filter="fade">
-                                      <p:cBhvr>
-                                        <p:cTn id="7" dur="500"/>
-                                        <p:tgtEl>
-                                          <p:spTgt spid="5">
-                                            <p:txEl>
-                                              <p:pRg st="0" end="0"/>
-                                            </p:txEl>
-                                          </p:spTgt>
-                                        </p:tgtEl>
-                                      </p:cBhvr>
-                                    </p:animEffect>
-                                  </p:childTnLst>
-                                </p:cTn>
-                              </p:par>
-                            </p:childTnLst>
-                          </p:cTn>
-                        </p:par>
-                      </p:childTnLst>
-                    </p:cTn>
-                  </p:par>
-                  <p:par>
-                    <p:cTn id="8" fill="hold">
-                      <p:stCondLst>
-                        <p:cond delay="indefinite"/>
-                      </p:stCondLst>
-                      <p:childTnLst>
-                        <p:par>
-                          <p:cTn id="9" fill="hold">
-                            <p:stCondLst>
-                              <p:cond delay="0"/>
-                            </p:stCondLst>
-                            <p:childTnLst>
-                              <p:par>
-                                <p:cTn id="10" presetID="10" presetClass="entr" presetSubtype="0" fill="hold" nodeType="clickEffect">
-                                  <p:stCondLst>
-                                    <p:cond delay="0"/>
-                                  </p:stCondLst>
-                                  <p:childTnLst>
-                                    <p:set>
-                                      <p:cBhvr>
-                                        <p:cTn id="11" dur="1" fill="hold">
-                                          <p:stCondLst>
-                                            <p:cond delay="0"/>
-                                          </p:stCondLst>
-                                        </p:cTn>
-                                        <p:tgtEl>
-                                          <p:spTgt spid="5">
-                                            <p:txEl>
-                                              <p:pRg st="1" end="1"/>
-                                            </p:txEl>
-                                          </p:spTgt>
-                                        </p:tgtEl>
-                                        <p:attrNameLst>
-                                          <p:attrName>style.visibility</p:attrName>
-                                        </p:attrNameLst>
-                                      </p:cBhvr>
-                                      <p:to>
-                                        <p:strVal val="visible"/>
-                                      </p:to>
-                                    </p:set>
-                                    <p:animEffect transition="in" filter="fade">
-                                      <p:cBhvr>
-                                        <p:cTn id="12" dur="500"/>
-                                        <p:tgtEl>
-                                          <p:spTgt spid="5">
-                                            <p:txEl>
-                                              <p:pRg st="1" end="1"/>
-                                            </p:txEl>
-                                          </p:spTgt>
-                                        </p:tgtEl>
-                                      </p:cBhvr>
-                                    </p:animEffect>
-                                  </p:childTnLst>
-                                </p:cTn>
-                              </p:par>
-                              <p:par>
-                                <p:cTn id="13" presetID="10" presetClass="entr" presetSubtype="0" fill="hold" nodeType="withEffect">
-                                  <p:stCondLst>
-                                    <p:cond delay="0"/>
-                                  </p:stCondLst>
-                                  <p:childTnLst>
-                                    <p:set>
-                                      <p:cBhvr>
-                                        <p:cTn id="14" dur="1" fill="hold">
-                                          <p:stCondLst>
-                                            <p:cond delay="0"/>
-                                          </p:stCondLst>
-                                        </p:cTn>
-                                        <p:tgtEl>
-                                          <p:spTgt spid="5">
-                                            <p:txEl>
-                                              <p:pRg st="2" end="2"/>
-                                            </p:txEl>
-                                          </p:spTgt>
-                                        </p:tgtEl>
-                                        <p:attrNameLst>
-                                          <p:attrName>style.visibility</p:attrName>
-                                        </p:attrNameLst>
-                                      </p:cBhvr>
-                                      <p:to>
-                                        <p:strVal val="visible"/>
-                                      </p:to>
-                                    </p:set>
-                                    <p:animEffect transition="in" filter="fade">
-                                      <p:cBhvr>
-                                        <p:cTn id="15" dur="500"/>
-                                        <p:tgtEl>
-                                          <p:spTgt spid="5">
-                                            <p:txEl>
-                                              <p:pRg st="2" end="2"/>
-                                            </p:txEl>
-                                          </p:spTgt>
-                                        </p:tgtEl>
-                                      </p:cBhvr>
-                                    </p:animEffect>
-                                  </p:childTnLst>
-                                </p:cTn>
-                              </p:par>
-                            </p:childTnLst>
-                          </p:cTn>
-                        </p:par>
-                      </p:childTnLst>
-                    </p:cTn>
-                  </p:par>
-                </p:childTnLst>
-              </p:cTn>
-              <p:prevCondLst>
-                <p:cond evt="onPrev" delay="0">
-                  <p:tgtEl>
-                    <p:sldTgt/>
-                  </p:tgtEl>
-                </p:cond>
-              </p:prevCondLst>
-              <p:nextCondLst>
-                <p:cond evt="onNext" delay="0">
-                  <p:tgtEl>
-                    <p:sldTgt/>
-                  </p:tgtEl>
-                </p:cond>
-              </p:nextCondLst>
-            </p:seq>
-          </p:childTnLst>
-        </p:cTn>
-      </p:par>
-    </p:tnLst>
-  </p:timing>
-</p:sld>
-</file>
-
 <file path=ppt/slides/slide3.xml><?xml version="1.0" encoding="utf-8"?>
 <p:sld xmlns:a="http://schemas.openxmlformats.org/drawingml/2006/main" xmlns:r="http://schemas.openxmlformats.org/officeDocument/2006/relationships" xmlns:p="http://schemas.openxmlformats.org/presentationml/2006/main">
   <p:cSld>
@@ -9333,13 +13104,7 @@
               <a:rPr lang="en-US" sz="5400" dirty="0" smtClean="0">
                 <a:latin typeface="Comic Sans MS" pitchFamily="66" charset="0"/>
               </a:rPr>
-              <a:t>formulas symbolically using axioms and deduction </a:t>
-            </a:r>
-            <a:r>
-              <a:rPr lang="en-US" sz="5400" dirty="0" smtClean="0">
-                <a:latin typeface="Comic Sans MS" pitchFamily="66" charset="0"/>
-              </a:rPr>
-              <a:t>rules.</a:t>
+              <a:t>formulas symbolically using axioms and deduction rules.</a:t>
             </a:r>
             <a:endParaRPr lang="en-US" sz="5400" dirty="0">
               <a:latin typeface="Comic Sans MS" pitchFamily="66" charset="0"/>
@@ -9418,13 +13183,13 @@
   <p:clrMapOvr>
     <a:masterClrMapping/>
   </p:clrMapOvr>
-  <mc:AlternateContent xmlns:mc="http://schemas.openxmlformats.org/markup-compatibility/2006">
-    <mc:Choice xmlns:p14="http://schemas.microsoft.com/office/powerpoint/2010/main" Requires="p14">
+  <mc:AlternateContent xmlns:mc="http://schemas.openxmlformats.org/markup-compatibility/2006" xmlns:p14="http://schemas.microsoft.com/office/powerpoint/2010/main">
+    <mc:Choice Requires="p14">
       <p:transition p14:dur="400" advClick="0">
         <p:fade/>
       </p:transition>
     </mc:Choice>
-    <mc:Fallback>
+    <mc:Fallback xmlns="">
       <p:transition xmlns:p14="http://schemas.microsoft.com/office/powerpoint/2010/main" advClick="0">
         <p:fade/>
       </p:transition>
@@ -9628,7 +13393,968 @@
 </p:sld>
 </file>
 
+<file path=ppt/slides/slide30.xml><?xml version="1.0" encoding="utf-8"?>
+<p:sld xmlns:a="http://schemas.openxmlformats.org/drawingml/2006/main" xmlns:r="http://schemas.openxmlformats.org/officeDocument/2006/relationships" xmlns:p="http://schemas.openxmlformats.org/presentationml/2006/main">
+  <p:cSld>
+    <p:spTree>
+      <p:nvGrpSpPr>
+        <p:cNvPr id="1" name=""/>
+        <p:cNvGrpSpPr/>
+        <p:nvPr/>
+      </p:nvGrpSpPr>
+      <p:grpSpPr>
+        <a:xfrm>
+          <a:off x="0" y="0"/>
+          <a:ext cx="0" cy="0"/>
+          <a:chOff x="0" y="0"/>
+          <a:chExt cx="0" cy="0"/>
+        </a:xfrm>
+      </p:grpSpPr>
+      <p:sp>
+        <p:nvSpPr>
+          <p:cNvPr id="2" name="Title 1"/>
+          <p:cNvSpPr>
+            <a:spLocks noGrp="1"/>
+          </p:cNvSpPr>
+          <p:nvPr>
+            <p:ph type="title"/>
+          </p:nvPr>
+        </p:nvSpPr>
+        <p:spPr>
+          <a:xfrm>
+            <a:off x="1481602" y="363538"/>
+            <a:ext cx="7568418" cy="1029164"/>
+          </a:xfrm>
+        </p:spPr>
+        <p:txBody>
+          <a:bodyPr/>
+          <a:lstStyle/>
+          <a:p>
+            <a:r>
+              <a:rPr lang="en-US" sz="4000" dirty="0" smtClean="0"/>
+              <a:t>Validity/SAT </a:t>
+            </a:r>
+            <a:r>
+              <a:rPr lang="en-US" sz="4000" smtClean="0"/>
+              <a:t>still difficult!</a:t>
+            </a:r>
+            <a:endParaRPr lang="en-US" sz="4000" dirty="0"/>
+          </a:p>
+        </p:txBody>
+      </p:sp>
+      <p:sp>
+        <p:nvSpPr>
+          <p:cNvPr id="5" name="TextBox 4"/>
+          <p:cNvSpPr txBox="1"/>
+          <p:nvPr/>
+        </p:nvSpPr>
+        <p:spPr>
+          <a:xfrm>
+            <a:off x="650634" y="1601332"/>
+            <a:ext cx="7704821" cy="3785652"/>
+          </a:xfrm>
+          <a:prstGeom prst="rect">
+            <a:avLst/>
+          </a:prstGeom>
+          <a:noFill/>
+        </p:spPr>
+        <p:txBody>
+          <a:bodyPr wrap="square" rtlCol="0">
+            <a:spAutoFit/>
+          </a:bodyPr>
+          <a:lstStyle/>
+          <a:p>
+            <a:pPr algn="l"/>
+            <a:r>
+              <a:rPr lang="en-US" sz="4800" dirty="0" smtClean="0">
+                <a:latin typeface="Comic Sans MS" pitchFamily="66" charset="0"/>
+              </a:rPr>
+              <a:t>Known proof </a:t>
+            </a:r>
+            <a:r>
+              <a:rPr lang="en-US" sz="4800" dirty="0" smtClean="0">
+                <a:latin typeface="Comic Sans MS" pitchFamily="66" charset="0"/>
+              </a:rPr>
+              <a:t>systems</a:t>
+            </a:r>
+          </a:p>
+          <a:p>
+            <a:pPr algn="l"/>
+            <a:r>
+              <a:rPr lang="en-US" sz="4800" dirty="0" smtClean="0">
+                <a:solidFill>
+                  <a:schemeClr val="accent1">
+                    <a:lumMod val="50000"/>
+                  </a:schemeClr>
+                </a:solidFill>
+                <a:latin typeface="Comic Sans MS" pitchFamily="66" charset="0"/>
+              </a:rPr>
+              <a:t>in general</a:t>
+            </a:r>
+            <a:r>
+              <a:rPr lang="en-US" sz="4800" dirty="0" smtClean="0">
+                <a:latin typeface="Comic Sans MS" pitchFamily="66" charset="0"/>
+              </a:rPr>
+              <a:t> </a:t>
+            </a:r>
+            <a:r>
+              <a:rPr lang="en-US" sz="4800" dirty="0" smtClean="0">
+                <a:latin typeface="Comic Sans MS" pitchFamily="66" charset="0"/>
+              </a:rPr>
+              <a:t>are no </a:t>
+            </a:r>
+            <a:r>
+              <a:rPr lang="en-US" sz="4800" dirty="0" smtClean="0">
+                <a:latin typeface="Comic Sans MS" pitchFamily="66" charset="0"/>
+              </a:rPr>
+              <a:t>better than truth tables. </a:t>
+            </a:r>
+          </a:p>
+          <a:p>
+            <a:pPr algn="l"/>
+            <a:r>
+              <a:rPr lang="en-US" sz="4800" dirty="0" smtClean="0">
+                <a:latin typeface="Comic Sans MS" pitchFamily="66" charset="0"/>
+              </a:rPr>
+              <a:t>No </a:t>
+            </a:r>
+            <a:r>
+              <a:rPr lang="en-US" sz="4800" dirty="0" smtClean="0">
+                <a:solidFill>
+                  <a:schemeClr val="accent1">
+                    <a:lumMod val="50000"/>
+                  </a:schemeClr>
+                </a:solidFill>
+                <a:latin typeface="Comic Sans MS" pitchFamily="66" charset="0"/>
+              </a:rPr>
+              <a:t>efficient method</a:t>
+            </a:r>
+            <a:r>
+              <a:rPr lang="en-US" sz="4800" dirty="0" smtClean="0">
+                <a:latin typeface="Comic Sans MS" pitchFamily="66" charset="0"/>
+              </a:rPr>
+              <a:t> for</a:t>
+            </a:r>
+          </a:p>
+          <a:p>
+            <a:pPr algn="l"/>
+            <a:r>
+              <a:rPr lang="en-US" sz="4800" dirty="0" smtClean="0">
+                <a:latin typeface="Comic Sans MS" pitchFamily="66" charset="0"/>
+              </a:rPr>
+              <a:t>verifying </a:t>
+            </a:r>
+            <a:r>
+              <a:rPr lang="en-US" sz="4800" dirty="0" smtClean="0">
+                <a:solidFill>
+                  <a:srgbClr val="BB0FAB"/>
+                </a:solidFill>
+                <a:latin typeface="Comic Sans MS" pitchFamily="66" charset="0"/>
+              </a:rPr>
+              <a:t>validity</a:t>
+            </a:r>
+            <a:r>
+              <a:rPr lang="en-US" sz="4800" dirty="0" smtClean="0">
+                <a:latin typeface="Comic Sans MS" pitchFamily="66" charset="0"/>
+              </a:rPr>
+              <a:t> is known.</a:t>
+            </a:r>
+            <a:endParaRPr lang="en-US" sz="4800" dirty="0">
+              <a:latin typeface="Comic Sans MS" pitchFamily="66" charset="0"/>
+            </a:endParaRPr>
+          </a:p>
+        </p:txBody>
+      </p:sp>
+      <p:sp>
+        <p:nvSpPr>
+          <p:cNvPr id="6" name="Slide Number Placeholder 2"/>
+          <p:cNvSpPr>
+            <a:spLocks noGrp="1"/>
+          </p:cNvSpPr>
+          <p:nvPr>
+            <p:ph type="sldNum" sz="quarter" idx="10"/>
+          </p:nvPr>
+        </p:nvSpPr>
+        <p:spPr>
+          <a:xfrm>
+            <a:off x="7443821" y="6553200"/>
+            <a:ext cx="1700180" cy="276999"/>
+          </a:xfrm>
+        </p:spPr>
+        <p:txBody>
+          <a:bodyPr/>
+          <a:lstStyle/>
+          <a:p>
+            <a:r>
+              <a:rPr lang="en-US" dirty="0" smtClean="0"/>
+              <a:t>propositional logic.</a:t>
+            </a:r>
+            <a:fld id="{3251DA95-B240-47FE-901D-B78FC8E8E532}" type="slidenum">
+              <a:rPr lang="en-US" smtClean="0"/>
+              <a:pPr/>
+              <a:t>30</a:t>
+            </a:fld>
+            <a:endParaRPr lang="en-US" dirty="0"/>
+          </a:p>
+        </p:txBody>
+      </p:sp>
+    </p:spTree>
+    <p:extLst>
+      <p:ext uri="{BB962C8B-B14F-4D97-AF65-F5344CB8AC3E}">
+        <p14:creationId xmlns:p14="http://schemas.microsoft.com/office/powerpoint/2010/main" val="4193817734"/>
+      </p:ext>
+    </p:extLst>
+  </p:cSld>
+  <p:clrMapOvr>
+    <a:masterClrMapping/>
+  </p:clrMapOvr>
+  <p:transition xmlns:p14="http://schemas.microsoft.com/office/powerpoint/2010/main" spd="slow" advClick="0">
+    <p:fade/>
+  </p:transition>
+  <p:timing>
+    <p:tnLst>
+      <p:par>
+        <p:cTn xmlns:p14="http://schemas.microsoft.com/office/powerpoint/2010/main" id="1" dur="indefinite" restart="never" nodeType="tmRoot">
+          <p:childTnLst>
+            <p:seq concurrent="1" nextAc="seek">
+              <p:cTn id="2" dur="indefinite" nodeType="mainSeq">
+                <p:childTnLst>
+                  <p:par>
+                    <p:cTn id="3" fill="hold">
+                      <p:stCondLst>
+                        <p:cond delay="indefinite"/>
+                      </p:stCondLst>
+                      <p:childTnLst>
+                        <p:par>
+                          <p:cTn id="4" fill="hold">
+                            <p:stCondLst>
+                              <p:cond delay="0"/>
+                            </p:stCondLst>
+                            <p:childTnLst>
+                              <p:par>
+                                <p:cTn id="5" presetID="10" presetClass="entr" presetSubtype="0" fill="hold" nodeType="clickEffect">
+                                  <p:stCondLst>
+                                    <p:cond delay="0"/>
+                                  </p:stCondLst>
+                                  <p:childTnLst>
+                                    <p:set>
+                                      <p:cBhvr>
+                                        <p:cTn id="6" dur="1" fill="hold">
+                                          <p:stCondLst>
+                                            <p:cond delay="0"/>
+                                          </p:stCondLst>
+                                        </p:cTn>
+                                        <p:tgtEl>
+                                          <p:spTgt spid="5">
+                                            <p:txEl>
+                                              <p:pRg st="2" end="2"/>
+                                            </p:txEl>
+                                          </p:spTgt>
+                                        </p:tgtEl>
+                                        <p:attrNameLst>
+                                          <p:attrName>style.visibility</p:attrName>
+                                        </p:attrNameLst>
+                                      </p:cBhvr>
+                                      <p:to>
+                                        <p:strVal val="visible"/>
+                                      </p:to>
+                                    </p:set>
+                                    <p:animEffect transition="in" filter="fade">
+                                      <p:cBhvr>
+                                        <p:cTn id="7" dur="500"/>
+                                        <p:tgtEl>
+                                          <p:spTgt spid="5">
+                                            <p:txEl>
+                                              <p:pRg st="2" end="2"/>
+                                            </p:txEl>
+                                          </p:spTgt>
+                                        </p:tgtEl>
+                                      </p:cBhvr>
+                                    </p:animEffect>
+                                  </p:childTnLst>
+                                </p:cTn>
+                              </p:par>
+                              <p:par>
+                                <p:cTn id="8" presetID="10" presetClass="entr" presetSubtype="0" fill="hold" nodeType="withEffect">
+                                  <p:stCondLst>
+                                    <p:cond delay="0"/>
+                                  </p:stCondLst>
+                                  <p:childTnLst>
+                                    <p:set>
+                                      <p:cBhvr>
+                                        <p:cTn id="9" dur="1" fill="hold">
+                                          <p:stCondLst>
+                                            <p:cond delay="0"/>
+                                          </p:stCondLst>
+                                        </p:cTn>
+                                        <p:tgtEl>
+                                          <p:spTgt spid="5">
+                                            <p:txEl>
+                                              <p:pRg st="3" end="3"/>
+                                            </p:txEl>
+                                          </p:spTgt>
+                                        </p:tgtEl>
+                                        <p:attrNameLst>
+                                          <p:attrName>style.visibility</p:attrName>
+                                        </p:attrNameLst>
+                                      </p:cBhvr>
+                                      <p:to>
+                                        <p:strVal val="visible"/>
+                                      </p:to>
+                                    </p:set>
+                                    <p:animEffect transition="in" filter="fade">
+                                      <p:cBhvr>
+                                        <p:cTn id="10" dur="500"/>
+                                        <p:tgtEl>
+                                          <p:spTgt spid="5">
+                                            <p:txEl>
+                                              <p:pRg st="3" end="3"/>
+                                            </p:txEl>
+                                          </p:spTgt>
+                                        </p:tgtEl>
+                                      </p:cBhvr>
+                                    </p:animEffect>
+                                  </p:childTnLst>
+                                </p:cTn>
+                              </p:par>
+                            </p:childTnLst>
+                          </p:cTn>
+                        </p:par>
+                      </p:childTnLst>
+                    </p:cTn>
+                  </p:par>
+                  <p:par>
+                    <p:cTn id="11" fill="hold">
+                      <p:stCondLst>
+                        <p:cond delay="indefinite"/>
+                      </p:stCondLst>
+                      <p:childTnLst>
+                        <p:par>
+                          <p:cTn id="12" fill="hold">
+                            <p:stCondLst>
+                              <p:cond delay="0"/>
+                            </p:stCondLst>
+                            <p:childTnLst>
+                              <p:par>
+                                <p:cTn id="13" presetID="10" presetClass="entr" presetSubtype="0" fill="hold" grpId="0" nodeType="clickEffect">
+                                  <p:stCondLst>
+                                    <p:cond delay="0"/>
+                                  </p:stCondLst>
+                                  <p:childTnLst>
+                                    <p:set>
+                                      <p:cBhvr>
+                                        <p:cTn id="14" dur="1" fill="hold">
+                                          <p:stCondLst>
+                                            <p:cond delay="0"/>
+                                          </p:stCondLst>
+                                        </p:cTn>
+                                        <p:tgtEl>
+                                          <p:spTgt spid="2"/>
+                                        </p:tgtEl>
+                                        <p:attrNameLst>
+                                          <p:attrName>style.visibility</p:attrName>
+                                        </p:attrNameLst>
+                                      </p:cBhvr>
+                                      <p:to>
+                                        <p:strVal val="visible"/>
+                                      </p:to>
+                                    </p:set>
+                                    <p:animEffect transition="in" filter="fade">
+                                      <p:cBhvr>
+                                        <p:cTn id="15" dur="500"/>
+                                        <p:tgtEl>
+                                          <p:spTgt spid="2"/>
+                                        </p:tgtEl>
+                                      </p:cBhvr>
+                                    </p:animEffect>
+                                  </p:childTnLst>
+                                </p:cTn>
+                              </p:par>
+                            </p:childTnLst>
+                          </p:cTn>
+                        </p:par>
+                      </p:childTnLst>
+                    </p:cTn>
+                  </p:par>
+                </p:childTnLst>
+              </p:cTn>
+              <p:prevCondLst>
+                <p:cond evt="onPrev" delay="0">
+                  <p:tgtEl>
+                    <p:sldTgt/>
+                  </p:tgtEl>
+                </p:cond>
+              </p:prevCondLst>
+              <p:nextCondLst>
+                <p:cond evt="onNext" delay="0">
+                  <p:tgtEl>
+                    <p:sldTgt/>
+                  </p:tgtEl>
+                </p:cond>
+              </p:nextCondLst>
+            </p:seq>
+          </p:childTnLst>
+        </p:cTn>
+      </p:par>
+    </p:tnLst>
+    <p:bldLst>
+      <p:bldP spid="2" grpId="0"/>
+    </p:bldLst>
+  </p:timing>
+</p:sld>
+</file>
+
 <file path=ppt/slides/slide4.xml><?xml version="1.0" encoding="utf-8"?>
+<p:sld xmlns:a="http://schemas.openxmlformats.org/drawingml/2006/main" xmlns:r="http://schemas.openxmlformats.org/officeDocument/2006/relationships" xmlns:p="http://schemas.openxmlformats.org/presentationml/2006/main">
+  <p:cSld>
+    <p:spTree>
+      <p:nvGrpSpPr>
+        <p:cNvPr id="1" name=""/>
+        <p:cNvGrpSpPr/>
+        <p:nvPr/>
+      </p:nvGrpSpPr>
+      <p:grpSpPr>
+        <a:xfrm>
+          <a:off x="0" y="0"/>
+          <a:ext cx="0" cy="0"/>
+          <a:chOff x="0" y="0"/>
+          <a:chExt cx="0" cy="0"/>
+        </a:xfrm>
+      </p:grpSpPr>
+      <p:sp>
+        <p:nvSpPr>
+          <p:cNvPr id="2" name="Title 1"/>
+          <p:cNvSpPr>
+            <a:spLocks noGrp="1"/>
+          </p:cNvSpPr>
+          <p:nvPr>
+            <p:ph type="title"/>
+          </p:nvPr>
+        </p:nvSpPr>
+        <p:spPr>
+          <a:xfrm>
+            <a:off x="1699680" y="304799"/>
+            <a:ext cx="6087801" cy="1143685"/>
+          </a:xfrm>
+        </p:spPr>
+        <p:txBody>
+          <a:bodyPr/>
+          <a:lstStyle/>
+          <a:p>
+            <a:r>
+              <a:rPr lang="en-US" sz="4000" dirty="0" smtClean="0">
+                <a:solidFill>
+                  <a:srgbClr val="006600"/>
+                </a:solidFill>
+              </a:rPr>
+              <a:t>Sound</a:t>
+            </a:r>
+            <a:r>
+              <a:rPr lang="en-US" sz="4000" dirty="0" smtClean="0"/>
+              <a:t> Proof Systems</a:t>
+            </a:r>
+            <a:endParaRPr lang="en-US" sz="4000" dirty="0"/>
+          </a:p>
+        </p:txBody>
+      </p:sp>
+      <p:sp>
+        <p:nvSpPr>
+          <p:cNvPr id="3" name="Slide Number Placeholder 2"/>
+          <p:cNvSpPr>
+            <a:spLocks noGrp="1"/>
+          </p:cNvSpPr>
+          <p:nvPr>
+            <p:ph type="sldNum" sz="quarter" idx="10"/>
+          </p:nvPr>
+        </p:nvSpPr>
+        <p:spPr/>
+        <p:txBody>
+          <a:bodyPr/>
+          <a:lstStyle/>
+          <a:p>
+            <a:pPr>
+              <a:defRPr/>
+            </a:pPr>
+            <a:r>
+              <a:rPr lang="en-US" smtClean="0"/>
+              <a:t>sound.</a:t>
+            </a:r>
+            <a:fld id="{DB6F0ED6-FEF5-4C9C-B1CC-29B47EC66FAA}" type="slidenum">
+              <a:rPr lang="en-US" smtClean="0"/>
+              <a:pPr>
+                <a:defRPr/>
+              </a:pPr>
+              <a:t>4</a:t>
+            </a:fld>
+            <a:endParaRPr lang="en-US" dirty="0"/>
+          </a:p>
+        </p:txBody>
+      </p:sp>
+      <p:sp>
+        <p:nvSpPr>
+          <p:cNvPr id="4" name="TextBox 3"/>
+          <p:cNvSpPr txBox="1"/>
+          <p:nvPr/>
+        </p:nvSpPr>
+        <p:spPr>
+          <a:xfrm>
+            <a:off x="766924" y="1532456"/>
+            <a:ext cx="7616501" cy="3416320"/>
+          </a:xfrm>
+          <a:prstGeom prst="rect">
+            <a:avLst/>
+          </a:prstGeom>
+          <a:noFill/>
+        </p:spPr>
+        <p:txBody>
+          <a:bodyPr wrap="none" rtlCol="0">
+            <a:spAutoFit/>
+          </a:bodyPr>
+          <a:lstStyle/>
+          <a:p>
+            <a:pPr algn="l"/>
+            <a:r>
+              <a:rPr lang="en-US" sz="5400" dirty="0" smtClean="0">
+                <a:latin typeface="Comic Sans MS" pitchFamily="66" charset="0"/>
+              </a:rPr>
+              <a:t> A system for proving</a:t>
+            </a:r>
+          </a:p>
+          <a:p>
+            <a:pPr algn="l"/>
+            <a:r>
+              <a:rPr lang="en-US" sz="5400" dirty="0" smtClean="0">
+                <a:latin typeface="Comic Sans MS" pitchFamily="66" charset="0"/>
+              </a:rPr>
+              <a:t>formula is </a:t>
+            </a:r>
+            <a:r>
+              <a:rPr lang="en-US" sz="5400" dirty="0" smtClean="0">
+                <a:solidFill>
+                  <a:srgbClr val="008000"/>
+                </a:solidFill>
+                <a:latin typeface="Comic Sans MS" pitchFamily="66" charset="0"/>
+              </a:rPr>
+              <a:t>sound</a:t>
+            </a:r>
+            <a:r>
+              <a:rPr lang="en-US" sz="5400" dirty="0" smtClean="0">
+                <a:latin typeface="Comic Sans MS" pitchFamily="66" charset="0"/>
+              </a:rPr>
+              <a:t>, when</a:t>
+            </a:r>
+          </a:p>
+          <a:p>
+            <a:pPr algn="l"/>
+            <a:r>
+              <a:rPr lang="en-US" sz="5400" dirty="0" smtClean="0">
+                <a:latin typeface="Comic Sans MS" pitchFamily="66" charset="0"/>
+              </a:rPr>
+              <a:t>every provable formula</a:t>
+            </a:r>
+          </a:p>
+          <a:p>
+            <a:pPr algn="l"/>
+            <a:r>
+              <a:rPr lang="en-US" sz="5400" dirty="0" smtClean="0">
+                <a:latin typeface="Comic Sans MS" pitchFamily="66" charset="0"/>
+              </a:rPr>
+              <a:t>is </a:t>
+            </a:r>
+            <a:r>
+              <a:rPr lang="en-US" sz="5400" dirty="0" smtClean="0">
+                <a:solidFill>
+                  <a:srgbClr val="BB0FAB"/>
+                </a:solidFill>
+                <a:latin typeface="Comic Sans MS" pitchFamily="66" charset="0"/>
+              </a:rPr>
+              <a:t>valid</a:t>
+            </a:r>
+            <a:r>
+              <a:rPr lang="en-US" sz="5400" dirty="0" smtClean="0">
+                <a:latin typeface="Comic Sans MS" pitchFamily="66" charset="0"/>
+              </a:rPr>
+              <a:t>.</a:t>
+            </a:r>
+            <a:endParaRPr lang="en-US" sz="5400" dirty="0" smtClean="0">
+              <a:latin typeface="Comic Sans MS" pitchFamily="66" charset="0"/>
+            </a:endParaRPr>
+          </a:p>
+        </p:txBody>
+      </p:sp>
+    </p:spTree>
+    <p:extLst>
+      <p:ext uri="{BB962C8B-B14F-4D97-AF65-F5344CB8AC3E}">
+        <p14:creationId xmlns:p14="http://schemas.microsoft.com/office/powerpoint/2010/main" val="1319905387"/>
+      </p:ext>
+    </p:extLst>
+  </p:cSld>
+  <p:clrMapOvr>
+    <a:masterClrMapping/>
+  </p:clrMapOvr>
+  <p:transition xmlns:p14="http://schemas.microsoft.com/office/powerpoint/2010/main" spd="slow" advClick="0">
+    <p:fade/>
+  </p:transition>
+  <p:timing>
+    <p:tnLst>
+      <p:par>
+        <p:cTn xmlns:p14="http://schemas.microsoft.com/office/powerpoint/2010/main" id="1" dur="indefinite" restart="never" nodeType="tmRoot">
+          <p:childTnLst>
+            <p:seq concurrent="1" nextAc="seek">
+              <p:cTn id="2" dur="indefinite" nodeType="mainSeq">
+                <p:childTnLst>
+                  <p:par>
+                    <p:cTn id="3" fill="hold">
+                      <p:stCondLst>
+                        <p:cond delay="indefinite"/>
+                      </p:stCondLst>
+                      <p:childTnLst>
+                        <p:par>
+                          <p:cTn id="4" fill="hold">
+                            <p:stCondLst>
+                              <p:cond delay="0"/>
+                            </p:stCondLst>
+                            <p:childTnLst>
+                              <p:par>
+                                <p:cTn id="5" presetID="10" presetClass="entr" presetSubtype="0" fill="hold" grpId="0" nodeType="clickEffect">
+                                  <p:stCondLst>
+                                    <p:cond delay="0"/>
+                                  </p:stCondLst>
+                                  <p:childTnLst>
+                                    <p:set>
+                                      <p:cBhvr>
+                                        <p:cTn id="6" dur="1" fill="hold">
+                                          <p:stCondLst>
+                                            <p:cond delay="0"/>
+                                          </p:stCondLst>
+                                        </p:cTn>
+                                        <p:tgtEl>
+                                          <p:spTgt spid="4"/>
+                                        </p:tgtEl>
+                                        <p:attrNameLst>
+                                          <p:attrName>style.visibility</p:attrName>
+                                        </p:attrNameLst>
+                                      </p:cBhvr>
+                                      <p:to>
+                                        <p:strVal val="visible"/>
+                                      </p:to>
+                                    </p:set>
+                                    <p:animEffect transition="in" filter="fade">
+                                      <p:cBhvr>
+                                        <p:cTn id="7" dur="500"/>
+                                        <p:tgtEl>
+                                          <p:spTgt spid="4"/>
+                                        </p:tgtEl>
+                                      </p:cBhvr>
+                                    </p:animEffect>
+                                  </p:childTnLst>
+                                </p:cTn>
+                              </p:par>
+                            </p:childTnLst>
+                          </p:cTn>
+                        </p:par>
+                      </p:childTnLst>
+                    </p:cTn>
+                  </p:par>
+                </p:childTnLst>
+              </p:cTn>
+              <p:prevCondLst>
+                <p:cond evt="onPrev" delay="0">
+                  <p:tgtEl>
+                    <p:sldTgt/>
+                  </p:tgtEl>
+                </p:cond>
+              </p:prevCondLst>
+              <p:nextCondLst>
+                <p:cond evt="onNext" delay="0">
+                  <p:tgtEl>
+                    <p:sldTgt/>
+                  </p:tgtEl>
+                </p:cond>
+              </p:nextCondLst>
+            </p:seq>
+          </p:childTnLst>
+        </p:cTn>
+      </p:par>
+    </p:tnLst>
+    <p:bldLst>
+      <p:bldP spid="4" grpId="0"/>
+    </p:bldLst>
+  </p:timing>
+</p:sld>
+</file>
+
+<file path=ppt/slides/slide5.xml><?xml version="1.0" encoding="utf-8"?>
+<p:sld xmlns:a="http://schemas.openxmlformats.org/drawingml/2006/main" xmlns:r="http://schemas.openxmlformats.org/officeDocument/2006/relationships" xmlns:p="http://schemas.openxmlformats.org/presentationml/2006/main">
+  <p:cSld>
+    <p:spTree>
+      <p:nvGrpSpPr>
+        <p:cNvPr id="1" name=""/>
+        <p:cNvGrpSpPr/>
+        <p:nvPr/>
+      </p:nvGrpSpPr>
+      <p:grpSpPr>
+        <a:xfrm>
+          <a:off x="0" y="0"/>
+          <a:ext cx="0" cy="0"/>
+          <a:chOff x="0" y="0"/>
+          <a:chExt cx="0" cy="0"/>
+        </a:xfrm>
+      </p:grpSpPr>
+      <p:sp>
+        <p:nvSpPr>
+          <p:cNvPr id="3" name="Slide Number Placeholder 2"/>
+          <p:cNvSpPr>
+            <a:spLocks noGrp="1"/>
+          </p:cNvSpPr>
+          <p:nvPr>
+            <p:ph type="sldNum" sz="quarter" idx="10"/>
+          </p:nvPr>
+        </p:nvSpPr>
+        <p:spPr/>
+        <p:txBody>
+          <a:bodyPr/>
+          <a:lstStyle/>
+          <a:p>
+            <a:pPr>
+              <a:defRPr/>
+            </a:pPr>
+            <a:r>
+              <a:rPr lang="en-US" smtClean="0"/>
+              <a:t>sound.</a:t>
+            </a:r>
+            <a:fld id="{DB6F0ED6-FEF5-4C9C-B1CC-29B47EC66FAA}" type="slidenum">
+              <a:rPr lang="en-US" smtClean="0"/>
+              <a:pPr>
+                <a:defRPr/>
+              </a:pPr>
+              <a:t>5</a:t>
+            </a:fld>
+            <a:endParaRPr lang="en-US" dirty="0"/>
+          </a:p>
+        </p:txBody>
+      </p:sp>
+      <p:sp>
+        <p:nvSpPr>
+          <p:cNvPr id="4" name="TextBox 3"/>
+          <p:cNvSpPr txBox="1"/>
+          <p:nvPr/>
+        </p:nvSpPr>
+        <p:spPr>
+          <a:xfrm>
+            <a:off x="72399" y="1343526"/>
+            <a:ext cx="9005552" cy="4247317"/>
+          </a:xfrm>
+          <a:prstGeom prst="rect">
+            <a:avLst/>
+          </a:prstGeom>
+          <a:noFill/>
+        </p:spPr>
+        <p:txBody>
+          <a:bodyPr wrap="none" rtlCol="0">
+            <a:spAutoFit/>
+          </a:bodyPr>
+          <a:lstStyle/>
+          <a:p>
+            <a:pPr algn="l"/>
+            <a:r>
+              <a:rPr lang="en-US" sz="5400" dirty="0" smtClean="0">
+                <a:latin typeface="Comic Sans MS" pitchFamily="66" charset="0"/>
+              </a:rPr>
+              <a:t>Several sound propositional</a:t>
+            </a:r>
+          </a:p>
+          <a:p>
+            <a:pPr algn="l"/>
+            <a:r>
+              <a:rPr lang="en-US" sz="5400" dirty="0" smtClean="0">
+                <a:latin typeface="Comic Sans MS" pitchFamily="66" charset="0"/>
+              </a:rPr>
+              <a:t>proof systems have a few</a:t>
+            </a:r>
+          </a:p>
+          <a:p>
+            <a:pPr algn="l"/>
+            <a:r>
+              <a:rPr lang="en-US" sz="5400" dirty="0" smtClean="0">
+                <a:latin typeface="Comic Sans MS" pitchFamily="66" charset="0"/>
+              </a:rPr>
+              <a:t>valid axioms and just </a:t>
+            </a:r>
+            <a:r>
+              <a:rPr lang="en-US" sz="5400" dirty="0" smtClean="0">
+                <a:solidFill>
+                  <a:schemeClr val="accent1">
+                    <a:lumMod val="50000"/>
+                  </a:schemeClr>
+                </a:solidFill>
+                <a:latin typeface="Comic Sans MS" pitchFamily="66" charset="0"/>
+              </a:rPr>
+              <a:t>one</a:t>
+            </a:r>
+          </a:p>
+          <a:p>
+            <a:pPr algn="l"/>
+            <a:r>
+              <a:rPr lang="en-US" sz="5400" dirty="0" smtClean="0">
+                <a:latin typeface="Comic Sans MS" pitchFamily="66" charset="0"/>
+              </a:rPr>
+              <a:t>proof rule:</a:t>
+            </a:r>
+            <a:endParaRPr lang="en-US" sz="5400" dirty="0">
+              <a:latin typeface="Comic Sans MS" pitchFamily="66" charset="0"/>
+            </a:endParaRPr>
+          </a:p>
+          <a:p>
+            <a:pPr algn="l"/>
+            <a:r>
+              <a:rPr lang="en-US" sz="5400" dirty="0" smtClean="0">
+                <a:solidFill>
+                  <a:srgbClr val="BB0FAB"/>
+                </a:solidFill>
+                <a:latin typeface="Comic Sans MS" pitchFamily="66" charset="0"/>
+              </a:rPr>
+              <a:t>          modus ponens</a:t>
+            </a:r>
+          </a:p>
+        </p:txBody>
+      </p:sp>
+      <p:sp>
+        <p:nvSpPr>
+          <p:cNvPr id="5" name="Title 1"/>
+          <p:cNvSpPr>
+            <a:spLocks noGrp="1"/>
+          </p:cNvSpPr>
+          <p:nvPr>
+            <p:ph type="title"/>
+          </p:nvPr>
+        </p:nvSpPr>
+        <p:spPr>
+          <a:xfrm>
+            <a:off x="2301706" y="279569"/>
+            <a:ext cx="4887551" cy="1116435"/>
+          </a:xfrm>
+        </p:spPr>
+        <p:txBody>
+          <a:bodyPr/>
+          <a:lstStyle/>
+          <a:p>
+            <a:r>
+              <a:rPr lang="en-US" sz="4000" dirty="0" smtClean="0"/>
+              <a:t>Proving Validity</a:t>
+            </a:r>
+            <a:endParaRPr lang="en-US" sz="4000" dirty="0"/>
+          </a:p>
+        </p:txBody>
+      </p:sp>
+    </p:spTree>
+    <p:extLst>
+      <p:ext uri="{BB962C8B-B14F-4D97-AF65-F5344CB8AC3E}">
+        <p14:creationId xmlns:p14="http://schemas.microsoft.com/office/powerpoint/2010/main" val="3429357327"/>
+      </p:ext>
+    </p:extLst>
+  </p:cSld>
+  <p:clrMapOvr>
+    <a:masterClrMapping/>
+  </p:clrMapOvr>
+  <p:transition xmlns:p14="http://schemas.microsoft.com/office/powerpoint/2010/main" spd="slow" advClick="0">
+    <p:fade/>
+  </p:transition>
+  <p:timing>
+    <p:tnLst>
+      <p:par>
+        <p:cTn xmlns:p14="http://schemas.microsoft.com/office/powerpoint/2010/main" id="1" dur="indefinite" restart="never" nodeType="tmRoot">
+          <p:childTnLst>
+            <p:seq concurrent="1" nextAc="seek">
+              <p:cTn id="2" dur="indefinite" nodeType="mainSeq">
+                <p:childTnLst>
+                  <p:par>
+                    <p:cTn id="3" fill="hold">
+                      <p:stCondLst>
+                        <p:cond delay="indefinite"/>
+                      </p:stCondLst>
+                      <p:childTnLst>
+                        <p:par>
+                          <p:cTn id="4" fill="hold">
+                            <p:stCondLst>
+                              <p:cond delay="0"/>
+                            </p:stCondLst>
+                            <p:childTnLst>
+                              <p:par>
+                                <p:cTn id="5" presetID="10" presetClass="entr" presetSubtype="0" fill="hold" nodeType="clickEffect">
+                                  <p:stCondLst>
+                                    <p:cond delay="0"/>
+                                  </p:stCondLst>
+                                  <p:childTnLst>
+                                    <p:set>
+                                      <p:cBhvr>
+                                        <p:cTn id="6" dur="1" fill="hold">
+                                          <p:stCondLst>
+                                            <p:cond delay="0"/>
+                                          </p:stCondLst>
+                                        </p:cTn>
+                                        <p:tgtEl>
+                                          <p:spTgt spid="4">
+                                            <p:txEl>
+                                              <p:pRg st="4" end="4"/>
+                                            </p:txEl>
+                                          </p:spTgt>
+                                        </p:tgtEl>
+                                        <p:attrNameLst>
+                                          <p:attrName>style.visibility</p:attrName>
+                                        </p:attrNameLst>
+                                      </p:cBhvr>
+                                      <p:to>
+                                        <p:strVal val="visible"/>
+                                      </p:to>
+                                    </p:set>
+                                    <p:animEffect transition="in" filter="fade">
+                                      <p:cBhvr>
+                                        <p:cTn id="7" dur="500"/>
+                                        <p:tgtEl>
+                                          <p:spTgt spid="4">
+                                            <p:txEl>
+                                              <p:pRg st="4" end="4"/>
+                                            </p:txEl>
+                                          </p:spTgt>
+                                        </p:tgtEl>
+                                      </p:cBhvr>
+                                    </p:animEffect>
+                                  </p:childTnLst>
+                                </p:cTn>
+                              </p:par>
+                            </p:childTnLst>
+                          </p:cTn>
+                        </p:par>
+                      </p:childTnLst>
+                    </p:cTn>
+                  </p:par>
+                </p:childTnLst>
+              </p:cTn>
+              <p:prevCondLst>
+                <p:cond evt="onPrev" delay="0">
+                  <p:tgtEl>
+                    <p:sldTgt/>
+                  </p:tgtEl>
+                </p:cond>
+              </p:prevCondLst>
+              <p:nextCondLst>
+                <p:cond evt="onNext" delay="0">
+                  <p:tgtEl>
+                    <p:sldTgt/>
+                  </p:tgtEl>
+                </p:cond>
+              </p:nextCondLst>
+            </p:seq>
+          </p:childTnLst>
+        </p:cTn>
+      </p:par>
+    </p:tnLst>
+  </p:timing>
+</p:sld>
+</file>
+
+<file path=ppt/slides/slide6.xml><?xml version="1.0" encoding="utf-8"?>
 <p:sld xmlns:a="http://schemas.openxmlformats.org/drawingml/2006/main" xmlns:r="http://schemas.openxmlformats.org/officeDocument/2006/relationships" xmlns:p="http://schemas.openxmlformats.org/presentationml/2006/main">
   <p:cSld>
     <p:spTree>
@@ -9667,7 +14393,7 @@
           <a:graphicData uri="http://schemas.openxmlformats.org/presentationml/2006/ole">
             <mc:AlternateContent xmlns:mc="http://schemas.openxmlformats.org/markup-compatibility/2006">
               <mc:Choice xmlns:v="urn:schemas-microsoft-com:vml" Requires="v">
-                <p:oleObj spid="_x0000_s1147" name="Equation" r:id="rId3" imgW="762000" imgH="457200" progId="Equation.DSMT4">
+                <p:oleObj spid="_x0000_s1160" name="Equation" r:id="rId3" imgW="762000" imgH="457200" progId="Equation.DSMT4">
                   <p:embed/>
                 </p:oleObj>
               </mc:Choice>
@@ -9770,7 +14496,7 @@
               <a:pPr>
                 <a:defRPr/>
               </a:pPr>
-              <a:t>4</a:t>
+              <a:t>6</a:t>
             </a:fld>
             <a:endParaRPr lang="en-US" dirty="0"/>
           </a:p>
@@ -9798,7 +14524,7 @@
           <a:graphicData uri="http://schemas.openxmlformats.org/presentationml/2006/ole">
             <mc:AlternateContent xmlns:mc="http://schemas.openxmlformats.org/markup-compatibility/2006">
               <mc:Choice xmlns:v="urn:schemas-microsoft-com:vml" Requires="v">
-                <p:oleObj spid="_x0000_s1148" name="Equation" r:id="rId5" imgW="1181100" imgH="495300" progId="Equation.DSMT4">
+                <p:oleObj spid="_x0000_s1161" name="Equation" r:id="rId5" imgW="1181100" imgH="495300" progId="Equation.DSMT4">
                   <p:embed/>
                 </p:oleObj>
               </mc:Choice>
@@ -9855,7 +14581,7 @@
           <a:graphicData uri="http://schemas.openxmlformats.org/presentationml/2006/ole">
             <mc:AlternateContent xmlns:mc="http://schemas.openxmlformats.org/markup-compatibility/2006">
               <mc:Choice xmlns:v="urn:schemas-microsoft-com:vml" Requires="v">
-                <p:oleObj spid="_x0000_s1149" name="Equation" r:id="rId7" imgW="444500" imgH="431800" progId="Equation.DSMT4">
+                <p:oleObj spid="_x0000_s1162" name="Equation" r:id="rId7" imgW="444500" imgH="431800" progId="Equation.DSMT4">
                   <p:embed/>
                 </p:oleObj>
               </mc:Choice>
@@ -9900,13 +14626,13 @@
   <p:clrMapOvr>
     <a:masterClrMapping/>
   </p:clrMapOvr>
-  <mc:AlternateContent xmlns:mc="http://schemas.openxmlformats.org/markup-compatibility/2006">
-    <mc:Choice xmlns:p14="http://schemas.microsoft.com/office/powerpoint/2010/main" Requires="p14">
+  <mc:AlternateContent xmlns:mc="http://schemas.openxmlformats.org/markup-compatibility/2006" xmlns:p14="http://schemas.microsoft.com/office/powerpoint/2010/main">
+    <mc:Choice Requires="p14">
       <p:transition spd="med" p14:dur="700" advClick="0">
         <p:fade thruBlk="1"/>
       </p:transition>
     </mc:Choice>
-    <mc:Fallback>
+    <mc:Fallback xmlns="">
       <p:transition xmlns:p14="http://schemas.microsoft.com/office/powerpoint/2010/main" spd="med" advClick="0">
         <p:fade thruBlk="1"/>
       </p:transition>
@@ -10051,7 +14777,7 @@
 </p:sld>
 </file>
 
-<file path=ppt/slides/slide5.xml><?xml version="1.0" encoding="utf-8"?>
+<file path=ppt/slides/slide7.xml><?xml version="1.0" encoding="utf-8"?>
 <p:sld xmlns:a="http://schemas.openxmlformats.org/drawingml/2006/main" xmlns:r="http://schemas.openxmlformats.org/officeDocument/2006/relationships" xmlns:p="http://schemas.openxmlformats.org/presentationml/2006/main">
   <p:cSld>
     <p:spTree>
@@ -10092,7 +14818,6 @@
               <a:rPr lang="en-US" sz="4800" dirty="0" smtClean="0"/>
               <a:t>preserve validity:</a:t>
             </a:r>
-            <a:endParaRPr lang="en-US" sz="4800" dirty="0" smtClean="0"/>
           </a:p>
           <a:p>
             <a:r>
@@ -10153,7 +14878,7 @@
               <a:pPr>
                 <a:defRPr/>
               </a:pPr>
-              <a:t>5</a:t>
+              <a:t>7</a:t>
             </a:fld>
             <a:endParaRPr lang="en-US" dirty="0"/>
           </a:p>
@@ -10356,7 +15081,7 @@
 </p:sld>
 </file>
 
-<file path=ppt/slides/slide6.xml><?xml version="1.0" encoding="utf-8"?>
+<file path=ppt/slides/slide8.xml><?xml version="1.0" encoding="utf-8"?>
 <p:sld xmlns:a="http://schemas.openxmlformats.org/drawingml/2006/main" xmlns:r="http://schemas.openxmlformats.org/officeDocument/2006/relationships" xmlns:p="http://schemas.openxmlformats.org/presentationml/2006/main">
   <p:cSld>
     <p:spTree>
@@ -10394,11 +15119,11 @@
           <a:lstStyle/>
           <a:p>
             <a:r>
-              <a:rPr lang="en-US" sz="4800" dirty="0" smtClean="0"/>
+              <a:rPr lang="en-US" sz="6000" dirty="0" smtClean="0"/>
               <a:t>preserve </a:t>
             </a:r>
             <a:r>
-              <a:rPr lang="en-US" sz="4800" dirty="0" smtClean="0">
+              <a:rPr lang="en-US" sz="6000" dirty="0" smtClean="0">
                 <a:solidFill>
                   <a:srgbClr val="BB0FAB"/>
                 </a:solidFill>
@@ -10406,10 +15131,9 @@
               <a:t>validity</a:t>
             </a:r>
             <a:r>
-              <a:rPr lang="en-US" sz="4800" dirty="0" smtClean="0"/>
+              <a:rPr lang="en-US" sz="6000" dirty="0" smtClean="0"/>
               <a:t>:</a:t>
             </a:r>
-            <a:endParaRPr lang="en-US" sz="4800" dirty="0" smtClean="0"/>
           </a:p>
           <a:p>
             <a:r>
@@ -10484,7 +15208,7 @@
               <a:pPr>
                 <a:defRPr/>
               </a:pPr>
-              <a:t>6</a:t>
+              <a:t>8</a:t>
             </a:fld>
             <a:endParaRPr lang="en-US" dirty="0"/>
           </a:p>
@@ -10544,13 +15268,13 @@
   <p:clrMapOvr>
     <a:masterClrMapping/>
   </p:clrMapOvr>
-  <mc:AlternateContent xmlns:mc="http://schemas.openxmlformats.org/markup-compatibility/2006">
-    <mc:Choice xmlns:p14="http://schemas.microsoft.com/office/powerpoint/2010/main" Requires="p14">
+  <mc:AlternateContent xmlns:mc="http://schemas.openxmlformats.org/markup-compatibility/2006" xmlns:p14="http://schemas.microsoft.com/office/powerpoint/2010/main">
+    <mc:Choice Requires="p14">
       <p:transition p14:dur="400" advClick="0">
         <p:fade/>
       </p:transition>
     </mc:Choice>
-    <mc:Fallback>
+    <mc:Fallback xmlns="">
       <p:transition xmlns:p14="http://schemas.microsoft.com/office/powerpoint/2010/main" advClick="0">
         <p:fade/>
       </p:transition>
@@ -10566,7 +15290,7 @@
 </p:sld>
 </file>
 
-<file path=ppt/slides/slide7.xml><?xml version="1.0" encoding="utf-8"?>
+<file path=ppt/slides/slide9.xml><?xml version="1.0" encoding="utf-8"?>
 <p:sld xmlns:a="http://schemas.openxmlformats.org/drawingml/2006/main" xmlns:r="http://schemas.openxmlformats.org/officeDocument/2006/relationships" xmlns:p="http://schemas.openxmlformats.org/presentationml/2006/main">
   <p:cSld>
     <p:spTree>
@@ -10649,15 +15373,7 @@
                   <a:srgbClr val="BB0FAB"/>
                 </a:solidFill>
               </a:rPr>
-              <a:t>    modus </a:t>
-            </a:r>
-            <a:r>
-              <a:rPr lang="en-US" sz="4800" dirty="0" smtClean="0">
-                <a:solidFill>
-                  <a:srgbClr val="BB0FAB"/>
-                </a:solidFill>
-              </a:rPr>
-              <a:t>ponens</a:t>
+              <a:t>    modus ponens</a:t>
             </a:r>
             <a:r>
               <a:rPr lang="en-US" sz="4800" dirty="0" smtClean="0"/>
@@ -10699,21 +15415,12 @@
                   <a:srgbClr val="BB0FAB"/>
                 </a:solidFill>
               </a:rPr>
-              <a:t>va</a:t>
-            </a:r>
-            <a:r>
-              <a:rPr lang="en-US" sz="5400" dirty="0" smtClean="0">
-                <a:solidFill>
-                  <a:srgbClr val="BB0FAB"/>
-                </a:solidFill>
-              </a:rPr>
-              <a:t>lid</a:t>
+              <a:t>valid</a:t>
             </a:r>
             <a:r>
               <a:rPr lang="en-US" sz="5400" dirty="0" smtClean="0"/>
               <a:t>,</a:t>
             </a:r>
-            <a:endParaRPr lang="en-US" sz="5400" dirty="0" smtClean="0"/>
           </a:p>
           <a:p>
             <a:r>
@@ -10760,7 +15467,6 @@
               <a:rPr lang="en-US" sz="5400" dirty="0" smtClean="0"/>
               <a:t>,</a:t>
             </a:r>
-            <a:endParaRPr lang="en-US" sz="5400" dirty="0" smtClean="0"/>
           </a:p>
           <a:p>
             <a:r>
@@ -10787,26 +15493,19 @@
               </a:rPr>
               <a:t>valid</a:t>
             </a:r>
+            <a:r>
+              <a:rPr lang="en-US" sz="5400" dirty="0" smtClean="0">
+                <a:solidFill>
+                  <a:srgbClr val="000000"/>
+                </a:solidFill>
+              </a:rPr>
+              <a:t>.</a:t>
+            </a:r>
             <a:endParaRPr lang="en-US" sz="5400" dirty="0" smtClean="0">
               <a:solidFill>
-                <a:srgbClr val="BB0FAB"/>
+                <a:srgbClr val="000000"/>
               </a:solidFill>
             </a:endParaRPr>
-          </a:p>
-          <a:p>
-            <a:r>
-              <a:rPr lang="en-US" sz="5400" dirty="0" smtClean="0"/>
-              <a:t>―</a:t>
-            </a:r>
-            <a:r>
-              <a:rPr lang="en-US" sz="5400" dirty="0"/>
-              <a:t>by </a:t>
-            </a:r>
-            <a:r>
-              <a:rPr lang="en-US" sz="5400" dirty="0" smtClean="0"/>
-              <a:t>truth table.</a:t>
-            </a:r>
-            <a:endParaRPr lang="en-US" sz="5400" dirty="0"/>
           </a:p>
         </p:txBody>
       </p:sp>
@@ -10842,7 +15541,7 @@
               <a:pPr>
                 <a:defRPr/>
               </a:pPr>
-              <a:t>7</a:t>
+              <a:t>9</a:t>
             </a:fld>
             <a:endParaRPr lang="en-US" dirty="0"/>
           </a:p>
@@ -11043,67 +15742,6 @@
                       </p:childTnLst>
                     </p:cTn>
                   </p:par>
-                  <p:par>
-                    <p:cTn id="17" fill="hold">
-                      <p:stCondLst>
-                        <p:cond delay="indefinite"/>
-                      </p:stCondLst>
-                      <p:childTnLst>
-                        <p:par>
-                          <p:cTn id="18" fill="hold">
-                            <p:stCondLst>
-                              <p:cond delay="0"/>
-                            </p:stCondLst>
-                            <p:childTnLst>
-                              <p:par>
-                                <p:cTn id="19" presetID="9" presetClass="entr" presetSubtype="0" fill="hold" grpId="0" nodeType="clickEffect">
-                                  <p:stCondLst>
-                                    <p:cond delay="0"/>
-                                  </p:stCondLst>
-                                  <p:childTnLst>
-                                    <p:set>
-                                      <p:cBhvr>
-                                        <p:cTn id="20" dur="1" fill="hold">
-                                          <p:stCondLst>
-                                            <p:cond delay="0"/>
-                                          </p:stCondLst>
-                                        </p:cTn>
-                                        <p:tgtEl>
-                                          <p:spTgt spid="3">
-                                            <p:txEl>
-                                              <p:pRg st="4" end="4"/>
-                                            </p:txEl>
-                                          </p:spTgt>
-                                        </p:tgtEl>
-                                        <p:attrNameLst>
-                                          <p:attrName>style.visibility</p:attrName>
-                                        </p:attrNameLst>
-                                      </p:cBhvr>
-                                      <p:to>
-                                        <p:strVal val="visible"/>
-                                      </p:to>
-                                    </p:set>
-                                    <p:animEffect transition="in" filter="dissolve">
-                                      <p:cBhvr>
-                                        <p:cTn id="21" dur="500"/>
-                                        <p:tgtEl>
-                                          <p:spTgt spid="3">
-                                            <p:txEl>
-                                              <p:pRg st="4" end="4"/>
-                                            </p:txEl>
-                                          </p:spTgt>
-                                        </p:tgtEl>
-                                      </p:cBhvr>
-                                    </p:animEffect>
-                                  </p:childTnLst>
-                                </p:cTn>
-                              </p:par>
-                            </p:childTnLst>
-                          </p:cTn>
-                        </p:par>
-                      </p:childTnLst>
-                    </p:cTn>
-                  </p:par>
                 </p:childTnLst>
               </p:cTn>
               <p:prevCondLst>
@@ -11128,912 +15766,6 @@
     <p:bldLst>
       <p:bldP spid="3" grpId="0" build="p"/>
     </p:bldLst>
-  </p:timing>
-</p:sld>
-</file>
-
-<file path=ppt/slides/slide8.xml><?xml version="1.0" encoding="utf-8"?>
-<p:sld xmlns:a="http://schemas.openxmlformats.org/drawingml/2006/main" xmlns:r="http://schemas.openxmlformats.org/officeDocument/2006/relationships" xmlns:p="http://schemas.openxmlformats.org/presentationml/2006/main" show="0">
-  <p:cSld>
-    <p:spTree>
-      <p:nvGrpSpPr>
-        <p:cNvPr id="1" name=""/>
-        <p:cNvGrpSpPr/>
-        <p:nvPr/>
-      </p:nvGrpSpPr>
-      <p:grpSpPr>
-        <a:xfrm>
-          <a:off x="0" y="0"/>
-          <a:ext cx="0" cy="0"/>
-          <a:chOff x="0" y="0"/>
-          <a:chExt cx="0" cy="0"/>
-        </a:xfrm>
-      </p:grpSpPr>
-      <p:sp>
-        <p:nvSpPr>
-          <p:cNvPr id="2" name="Title 1"/>
-          <p:cNvSpPr>
-            <a:spLocks noGrp="1"/>
-          </p:cNvSpPr>
-          <p:nvPr>
-            <p:ph type="title"/>
-          </p:nvPr>
-        </p:nvSpPr>
-        <p:spPr>
-          <a:xfrm>
-            <a:off x="2065220" y="252317"/>
-            <a:ext cx="5016736" cy="1280139"/>
-          </a:xfrm>
-        </p:spPr>
-        <p:txBody>
-          <a:bodyPr/>
-          <a:lstStyle/>
-          <a:p>
-            <a:r>
-              <a:rPr lang="en-US" sz="4800" dirty="0" smtClean="0">
-                <a:solidFill>
-                  <a:srgbClr val="006600"/>
-                </a:solidFill>
-              </a:rPr>
-              <a:t>Sound</a:t>
-            </a:r>
-            <a:r>
-              <a:rPr lang="en-US" sz="4800" dirty="0" smtClean="0"/>
-              <a:t> </a:t>
-            </a:r>
-            <a:r>
-              <a:rPr lang="en-US" sz="4800" dirty="0" smtClean="0">
-                <a:solidFill>
-                  <a:schemeClr val="accent5">
-                    <a:lumMod val="50000"/>
-                  </a:schemeClr>
-                </a:solidFill>
-              </a:rPr>
-              <a:t>Proof</a:t>
-            </a:r>
-            <a:r>
-              <a:rPr lang="en-US" sz="4800" dirty="0" smtClean="0">
-                <a:solidFill>
-                  <a:srgbClr val="0000F1"/>
-                </a:solidFill>
-              </a:rPr>
-              <a:t>s</a:t>
-            </a:r>
-            <a:r>
-              <a:rPr lang="en-US" sz="4800" dirty="0" smtClean="0">
-                <a:solidFill>
-                  <a:schemeClr val="accent5">
-                    <a:lumMod val="25000"/>
-                  </a:schemeClr>
-                </a:solidFill>
-              </a:rPr>
-              <a:t> </a:t>
-            </a:r>
-            <a:endParaRPr lang="en-US" sz="4800" dirty="0">
-              <a:solidFill>
-                <a:schemeClr val="accent5">
-                  <a:lumMod val="25000"/>
-                </a:schemeClr>
-              </a:solidFill>
-            </a:endParaRPr>
-          </a:p>
-        </p:txBody>
-      </p:sp>
-      <p:sp>
-        <p:nvSpPr>
-          <p:cNvPr id="3" name="Slide Number Placeholder 2"/>
-          <p:cNvSpPr>
-            <a:spLocks noGrp="1"/>
-          </p:cNvSpPr>
-          <p:nvPr>
-            <p:ph type="sldNum" sz="quarter" idx="10"/>
-          </p:nvPr>
-        </p:nvSpPr>
-        <p:spPr/>
-        <p:txBody>
-          <a:bodyPr/>
-          <a:lstStyle/>
-          <a:p>
-            <a:pPr>
-              <a:defRPr/>
-            </a:pPr>
-            <a:r>
-              <a:rPr lang="en-US" smtClean="0"/>
-              <a:t>sound.</a:t>
-            </a:r>
-            <a:fld id="{DB6F0ED6-FEF5-4C9C-B1CC-29B47EC66FAA}" type="slidenum">
-              <a:rPr lang="en-US" smtClean="0"/>
-              <a:pPr>
-                <a:defRPr/>
-              </a:pPr>
-              <a:t>8</a:t>
-            </a:fld>
-            <a:endParaRPr lang="en-US" dirty="0"/>
-          </a:p>
-        </p:txBody>
-      </p:sp>
-      <p:sp>
-        <p:nvSpPr>
-          <p:cNvPr id="4" name="TextBox 3"/>
-          <p:cNvSpPr txBox="1"/>
-          <p:nvPr/>
-        </p:nvSpPr>
-        <p:spPr>
-          <a:xfrm>
-            <a:off x="364983" y="1708140"/>
-            <a:ext cx="8417209" cy="3416320"/>
-          </a:xfrm>
-          <a:prstGeom prst="rect">
-            <a:avLst/>
-          </a:prstGeom>
-          <a:noFill/>
-        </p:spPr>
-        <p:txBody>
-          <a:bodyPr wrap="square" rtlCol="0">
-            <a:spAutoFit/>
-          </a:bodyPr>
-          <a:lstStyle/>
-          <a:p>
-            <a:pPr algn="l"/>
-            <a:r>
-              <a:rPr lang="en-US" sz="5400" dirty="0" smtClean="0">
-                <a:latin typeface="Comic Sans MS" pitchFamily="66" charset="0"/>
-              </a:rPr>
-              <a:t>If axioms are </a:t>
-            </a:r>
-            <a:r>
-              <a:rPr lang="en-US" sz="5400" dirty="0" smtClean="0">
-                <a:solidFill>
-                  <a:srgbClr val="BB0FAB"/>
-                </a:solidFill>
-                <a:latin typeface="Comic Sans MS" pitchFamily="66" charset="0"/>
-              </a:rPr>
-              <a:t>valid</a:t>
-            </a:r>
-            <a:r>
-              <a:rPr lang="en-US" sz="5400" dirty="0" smtClean="0">
-                <a:latin typeface="Comic Sans MS" pitchFamily="66" charset="0"/>
-              </a:rPr>
-              <a:t>, </a:t>
-            </a:r>
-            <a:r>
-              <a:rPr lang="en-US" sz="5400" dirty="0" smtClean="0">
-                <a:latin typeface="Comic Sans MS" pitchFamily="66" charset="0"/>
-              </a:rPr>
-              <a:t>and</a:t>
-            </a:r>
-          </a:p>
-          <a:p>
-            <a:pPr algn="l"/>
-            <a:r>
-              <a:rPr lang="en-US" sz="5400" dirty="0" smtClean="0">
-                <a:latin typeface="Comic Sans MS" pitchFamily="66" charset="0"/>
-              </a:rPr>
-              <a:t>proof rules are sound,</a:t>
-            </a:r>
-          </a:p>
-          <a:p>
-            <a:pPr algn="l"/>
-            <a:r>
-              <a:rPr lang="en-US" sz="5400" dirty="0" smtClean="0">
-                <a:latin typeface="Comic Sans MS" pitchFamily="66" charset="0"/>
-              </a:rPr>
-              <a:t>then provable formulas are </a:t>
-            </a:r>
-            <a:r>
-              <a:rPr lang="en-US" sz="5400" dirty="0" smtClean="0">
-                <a:solidFill>
-                  <a:srgbClr val="BB0FAB"/>
-                </a:solidFill>
-                <a:latin typeface="Comic Sans MS" pitchFamily="66" charset="0"/>
-              </a:rPr>
-              <a:t>valid</a:t>
-            </a:r>
-            <a:r>
-              <a:rPr lang="en-US" sz="5400" dirty="0" smtClean="0">
-                <a:latin typeface="Comic Sans MS" pitchFamily="66" charset="0"/>
-              </a:rPr>
-              <a:t>.</a:t>
-            </a:r>
-            <a:endParaRPr lang="en-US" sz="5400" dirty="0" smtClean="0">
-              <a:latin typeface="Comic Sans MS" pitchFamily="66" charset="0"/>
-            </a:endParaRPr>
-          </a:p>
-        </p:txBody>
-      </p:sp>
-    </p:spTree>
-    <p:extLst>
-      <p:ext uri="{BB962C8B-B14F-4D97-AF65-F5344CB8AC3E}">
-        <p14:creationId xmlns:p14="http://schemas.microsoft.com/office/powerpoint/2010/main" val="1664836413"/>
-      </p:ext>
-    </p:extLst>
-  </p:cSld>
-  <p:clrMapOvr>
-    <a:masterClrMapping/>
-  </p:clrMapOvr>
-  <mc:AlternateContent xmlns:mc="http://schemas.openxmlformats.org/markup-compatibility/2006">
-    <mc:Choice xmlns:p14="http://schemas.microsoft.com/office/powerpoint/2010/main" Requires="p14">
-      <p:transition spd="slow" p14:dur="800" advClick="0">
-        <p:fade thruBlk="1"/>
-      </p:transition>
-    </mc:Choice>
-    <mc:Fallback>
-      <p:transition xmlns:p14="http://schemas.microsoft.com/office/powerpoint/2010/main" spd="slow" advClick="0">
-        <p:fade thruBlk="1"/>
-      </p:transition>
-    </mc:Fallback>
-  </mc:AlternateContent>
-  <p:timing>
-    <p:tnLst>
-      <p:par>
-        <p:cTn xmlns:p14="http://schemas.microsoft.com/office/powerpoint/2010/main" id="1" dur="indefinite" restart="never" nodeType="tmRoot">
-          <p:childTnLst>
-            <p:seq concurrent="1" nextAc="seek">
-              <p:cTn id="2" dur="indefinite" nodeType="mainSeq">
-                <p:childTnLst>
-                  <p:par>
-                    <p:cTn id="3" fill="hold">
-                      <p:stCondLst>
-                        <p:cond delay="indefinite"/>
-                      </p:stCondLst>
-                      <p:childTnLst>
-                        <p:par>
-                          <p:cTn id="4" fill="hold">
-                            <p:stCondLst>
-                              <p:cond delay="0"/>
-                            </p:stCondLst>
-                            <p:childTnLst>
-                              <p:par>
-                                <p:cTn id="5" presetID="10" presetClass="entr" presetSubtype="0" fill="hold" nodeType="clickEffect">
-                                  <p:stCondLst>
-                                    <p:cond delay="0"/>
-                                  </p:stCondLst>
-                                  <p:childTnLst>
-                                    <p:set>
-                                      <p:cBhvr>
-                                        <p:cTn id="6" dur="1" fill="hold">
-                                          <p:stCondLst>
-                                            <p:cond delay="0"/>
-                                          </p:stCondLst>
-                                        </p:cTn>
-                                        <p:tgtEl>
-                                          <p:spTgt spid="4">
-                                            <p:txEl>
-                                              <p:pRg st="0" end="0"/>
-                                            </p:txEl>
-                                          </p:spTgt>
-                                        </p:tgtEl>
-                                        <p:attrNameLst>
-                                          <p:attrName>style.visibility</p:attrName>
-                                        </p:attrNameLst>
-                                      </p:cBhvr>
-                                      <p:to>
-                                        <p:strVal val="visible"/>
-                                      </p:to>
-                                    </p:set>
-                                    <p:animEffect transition="in" filter="fade">
-                                      <p:cBhvr>
-                                        <p:cTn id="7" dur="500"/>
-                                        <p:tgtEl>
-                                          <p:spTgt spid="4">
-                                            <p:txEl>
-                                              <p:pRg st="0" end="0"/>
-                                            </p:txEl>
-                                          </p:spTgt>
-                                        </p:tgtEl>
-                                      </p:cBhvr>
-                                    </p:animEffect>
-                                  </p:childTnLst>
-                                </p:cTn>
-                              </p:par>
-                            </p:childTnLst>
-                          </p:cTn>
-                        </p:par>
-                      </p:childTnLst>
-                    </p:cTn>
-                  </p:par>
-                  <p:par>
-                    <p:cTn id="8" fill="hold">
-                      <p:stCondLst>
-                        <p:cond delay="indefinite"/>
-                      </p:stCondLst>
-                      <p:childTnLst>
-                        <p:par>
-                          <p:cTn id="9" fill="hold">
-                            <p:stCondLst>
-                              <p:cond delay="0"/>
-                            </p:stCondLst>
-                            <p:childTnLst>
-                              <p:par>
-                                <p:cTn id="10" presetID="10" presetClass="entr" presetSubtype="0" fill="hold" nodeType="clickEffect">
-                                  <p:stCondLst>
-                                    <p:cond delay="0"/>
-                                  </p:stCondLst>
-                                  <p:childTnLst>
-                                    <p:set>
-                                      <p:cBhvr>
-                                        <p:cTn id="11" dur="1" fill="hold">
-                                          <p:stCondLst>
-                                            <p:cond delay="0"/>
-                                          </p:stCondLst>
-                                        </p:cTn>
-                                        <p:tgtEl>
-                                          <p:spTgt spid="4">
-                                            <p:txEl>
-                                              <p:pRg st="1" end="1"/>
-                                            </p:txEl>
-                                          </p:spTgt>
-                                        </p:tgtEl>
-                                        <p:attrNameLst>
-                                          <p:attrName>style.visibility</p:attrName>
-                                        </p:attrNameLst>
-                                      </p:cBhvr>
-                                      <p:to>
-                                        <p:strVal val="visible"/>
-                                      </p:to>
-                                    </p:set>
-                                    <p:animEffect transition="in" filter="fade">
-                                      <p:cBhvr>
-                                        <p:cTn id="12" dur="500"/>
-                                        <p:tgtEl>
-                                          <p:spTgt spid="4">
-                                            <p:txEl>
-                                              <p:pRg st="1" end="1"/>
-                                            </p:txEl>
-                                          </p:spTgt>
-                                        </p:tgtEl>
-                                      </p:cBhvr>
-                                    </p:animEffect>
-                                  </p:childTnLst>
-                                </p:cTn>
-                              </p:par>
-                            </p:childTnLst>
-                          </p:cTn>
-                        </p:par>
-                      </p:childTnLst>
-                    </p:cTn>
-                  </p:par>
-                  <p:par>
-                    <p:cTn id="13" fill="hold">
-                      <p:stCondLst>
-                        <p:cond delay="indefinite"/>
-                      </p:stCondLst>
-                      <p:childTnLst>
-                        <p:par>
-                          <p:cTn id="14" fill="hold">
-                            <p:stCondLst>
-                              <p:cond delay="0"/>
-                            </p:stCondLst>
-                            <p:childTnLst>
-                              <p:par>
-                                <p:cTn id="15" presetID="10" presetClass="entr" presetSubtype="0" fill="hold" nodeType="clickEffect">
-                                  <p:stCondLst>
-                                    <p:cond delay="0"/>
-                                  </p:stCondLst>
-                                  <p:childTnLst>
-                                    <p:set>
-                                      <p:cBhvr>
-                                        <p:cTn id="16" dur="1" fill="hold">
-                                          <p:stCondLst>
-                                            <p:cond delay="0"/>
-                                          </p:stCondLst>
-                                        </p:cTn>
-                                        <p:tgtEl>
-                                          <p:spTgt spid="4">
-                                            <p:txEl>
-                                              <p:pRg st="2" end="2"/>
-                                            </p:txEl>
-                                          </p:spTgt>
-                                        </p:tgtEl>
-                                        <p:attrNameLst>
-                                          <p:attrName>style.visibility</p:attrName>
-                                        </p:attrNameLst>
-                                      </p:cBhvr>
-                                      <p:to>
-                                        <p:strVal val="visible"/>
-                                      </p:to>
-                                    </p:set>
-                                    <p:animEffect transition="in" filter="fade">
-                                      <p:cBhvr>
-                                        <p:cTn id="17" dur="500"/>
-                                        <p:tgtEl>
-                                          <p:spTgt spid="4">
-                                            <p:txEl>
-                                              <p:pRg st="2" end="2"/>
-                                            </p:txEl>
-                                          </p:spTgt>
-                                        </p:tgtEl>
-                                      </p:cBhvr>
-                                    </p:animEffect>
-                                  </p:childTnLst>
-                                </p:cTn>
-                              </p:par>
-                            </p:childTnLst>
-                          </p:cTn>
-                        </p:par>
-                      </p:childTnLst>
-                    </p:cTn>
-                  </p:par>
-                </p:childTnLst>
-              </p:cTn>
-              <p:prevCondLst>
-                <p:cond evt="onPrev" delay="0">
-                  <p:tgtEl>
-                    <p:sldTgt/>
-                  </p:tgtEl>
-                </p:cond>
-              </p:prevCondLst>
-              <p:nextCondLst>
-                <p:cond evt="onNext" delay="0">
-                  <p:tgtEl>
-                    <p:sldTgt/>
-                  </p:tgtEl>
-                </p:cond>
-              </p:nextCondLst>
-            </p:seq>
-          </p:childTnLst>
-        </p:cTn>
-      </p:par>
-    </p:tnLst>
-  </p:timing>
-</p:sld>
-</file>
-
-<file path=ppt/slides/slide9.xml><?xml version="1.0" encoding="utf-8"?>
-<p:sld xmlns:a="http://schemas.openxmlformats.org/drawingml/2006/main" xmlns:r="http://schemas.openxmlformats.org/officeDocument/2006/relationships" xmlns:p="http://schemas.openxmlformats.org/presentationml/2006/main">
-  <p:cSld>
-    <p:spTree>
-      <p:nvGrpSpPr>
-        <p:cNvPr id="1" name=""/>
-        <p:cNvGrpSpPr/>
-        <p:nvPr/>
-      </p:nvGrpSpPr>
-      <p:grpSpPr>
-        <a:xfrm>
-          <a:off x="0" y="0"/>
-          <a:ext cx="0" cy="0"/>
-          <a:chOff x="0" y="0"/>
-          <a:chExt cx="0" cy="0"/>
-        </a:xfrm>
-      </p:grpSpPr>
-      <p:sp>
-        <p:nvSpPr>
-          <p:cNvPr id="2" name="Title 1"/>
-          <p:cNvSpPr>
-            <a:spLocks noGrp="1"/>
-          </p:cNvSpPr>
-          <p:nvPr>
-            <p:ph type="title"/>
-          </p:nvPr>
-        </p:nvSpPr>
-        <p:spPr>
-          <a:xfrm>
-            <a:off x="2065220" y="252317"/>
-            <a:ext cx="5016736" cy="1280139"/>
-          </a:xfrm>
-        </p:spPr>
-        <p:txBody>
-          <a:bodyPr/>
-          <a:lstStyle/>
-          <a:p>
-            <a:r>
-              <a:rPr lang="en-US" sz="4800" dirty="0" smtClean="0">
-                <a:solidFill>
-                  <a:srgbClr val="006600"/>
-                </a:solidFill>
-              </a:rPr>
-              <a:t>Sound</a:t>
-            </a:r>
-            <a:r>
-              <a:rPr lang="en-US" sz="4800" dirty="0" smtClean="0"/>
-              <a:t> </a:t>
-            </a:r>
-            <a:r>
-              <a:rPr lang="en-US" sz="4800" dirty="0" smtClean="0">
-                <a:solidFill>
-                  <a:schemeClr val="accent5">
-                    <a:lumMod val="50000"/>
-                  </a:schemeClr>
-                </a:solidFill>
-              </a:rPr>
-              <a:t>Proof</a:t>
-            </a:r>
-            <a:r>
-              <a:rPr lang="en-US" sz="4800" dirty="0" smtClean="0">
-                <a:solidFill>
-                  <a:srgbClr val="0000F1"/>
-                </a:solidFill>
-              </a:rPr>
-              <a:t>s</a:t>
-            </a:r>
-            <a:r>
-              <a:rPr lang="en-US" sz="4800" dirty="0" smtClean="0">
-                <a:solidFill>
-                  <a:schemeClr val="accent5">
-                    <a:lumMod val="25000"/>
-                  </a:schemeClr>
-                </a:solidFill>
-              </a:rPr>
-              <a:t> </a:t>
-            </a:r>
-            <a:endParaRPr lang="en-US" sz="4800" dirty="0">
-              <a:solidFill>
-                <a:schemeClr val="accent5">
-                  <a:lumMod val="25000"/>
-                </a:schemeClr>
-              </a:solidFill>
-            </a:endParaRPr>
-          </a:p>
-        </p:txBody>
-      </p:sp>
-      <p:sp>
-        <p:nvSpPr>
-          <p:cNvPr id="3" name="Slide Number Placeholder 2"/>
-          <p:cNvSpPr>
-            <a:spLocks noGrp="1"/>
-          </p:cNvSpPr>
-          <p:nvPr>
-            <p:ph type="sldNum" sz="quarter" idx="10"/>
-          </p:nvPr>
-        </p:nvSpPr>
-        <p:spPr/>
-        <p:txBody>
-          <a:bodyPr/>
-          <a:lstStyle/>
-          <a:p>
-            <a:pPr>
-              <a:defRPr/>
-            </a:pPr>
-            <a:r>
-              <a:rPr lang="en-US" smtClean="0"/>
-              <a:t>sound.</a:t>
-            </a:r>
-            <a:fld id="{DB6F0ED6-FEF5-4C9C-B1CC-29B47EC66FAA}" type="slidenum">
-              <a:rPr lang="en-US" smtClean="0"/>
-              <a:pPr>
-                <a:defRPr/>
-              </a:pPr>
-              <a:t>9</a:t>
-            </a:fld>
-            <a:endParaRPr lang="en-US" dirty="0"/>
-          </a:p>
-        </p:txBody>
-      </p:sp>
-      <p:sp>
-        <p:nvSpPr>
-          <p:cNvPr id="4" name="TextBox 3"/>
-          <p:cNvSpPr txBox="1"/>
-          <p:nvPr/>
-        </p:nvSpPr>
-        <p:spPr>
-          <a:xfrm>
-            <a:off x="364983" y="1708140"/>
-            <a:ext cx="8417209" cy="3416320"/>
-          </a:xfrm>
-          <a:prstGeom prst="rect">
-            <a:avLst/>
-          </a:prstGeom>
-          <a:noFill/>
-        </p:spPr>
-        <p:txBody>
-          <a:bodyPr wrap="square" rtlCol="0">
-            <a:spAutoFit/>
-          </a:bodyPr>
-          <a:lstStyle/>
-          <a:p>
-            <a:pPr algn="l"/>
-            <a:r>
-              <a:rPr lang="en-US" sz="5400" dirty="0" smtClean="0">
-                <a:latin typeface="Comic Sans MS" pitchFamily="66" charset="0"/>
-              </a:rPr>
-              <a:t>If </a:t>
-            </a:r>
-            <a:r>
-              <a:rPr lang="en-US" sz="5400" dirty="0" smtClean="0">
-                <a:latin typeface="Comic Sans MS" pitchFamily="66" charset="0"/>
-              </a:rPr>
-              <a:t>proof rules are </a:t>
-            </a:r>
-            <a:r>
-              <a:rPr lang="en-US" sz="5400" dirty="0" smtClean="0">
-                <a:solidFill>
-                  <a:srgbClr val="006600"/>
-                </a:solidFill>
-                <a:latin typeface="Comic Sans MS" pitchFamily="66" charset="0"/>
-              </a:rPr>
-              <a:t>sound</a:t>
-            </a:r>
-            <a:r>
-              <a:rPr lang="en-US" sz="5400" dirty="0" smtClean="0">
-                <a:latin typeface="Comic Sans MS" pitchFamily="66" charset="0"/>
-              </a:rPr>
-              <a:t>,</a:t>
-            </a:r>
-          </a:p>
-          <a:p>
-            <a:pPr algn="l"/>
-            <a:r>
-              <a:rPr lang="en-US" sz="5400" dirty="0" smtClean="0">
-                <a:latin typeface="Comic Sans MS" pitchFamily="66" charset="0"/>
-              </a:rPr>
-              <a:t>and axioms </a:t>
-            </a:r>
-            <a:r>
-              <a:rPr lang="en-US" sz="5400" dirty="0">
-                <a:latin typeface="Comic Sans MS" pitchFamily="66" charset="0"/>
-              </a:rPr>
-              <a:t>are </a:t>
-            </a:r>
-            <a:r>
-              <a:rPr lang="en-US" sz="5400" dirty="0">
-                <a:solidFill>
-                  <a:srgbClr val="BB0FAB"/>
-                </a:solidFill>
-                <a:latin typeface="Comic Sans MS" pitchFamily="66" charset="0"/>
-              </a:rPr>
-              <a:t>valid</a:t>
-            </a:r>
-            <a:r>
-              <a:rPr lang="en-US" sz="5400" dirty="0" smtClean="0">
-                <a:latin typeface="Comic Sans MS" pitchFamily="66" charset="0"/>
-              </a:rPr>
-              <a:t>,</a:t>
-            </a:r>
-          </a:p>
-          <a:p>
-            <a:pPr algn="l"/>
-            <a:r>
-              <a:rPr lang="en-US" sz="5400" dirty="0" smtClean="0">
-                <a:latin typeface="Comic Sans MS" pitchFamily="66" charset="0"/>
-              </a:rPr>
-              <a:t>then provable formulas are </a:t>
-            </a:r>
-            <a:r>
-              <a:rPr lang="en-US" sz="5400" dirty="0" smtClean="0">
-                <a:solidFill>
-                  <a:srgbClr val="BB0FAB"/>
-                </a:solidFill>
-                <a:latin typeface="Comic Sans MS" pitchFamily="66" charset="0"/>
-              </a:rPr>
-              <a:t>valid</a:t>
-            </a:r>
-            <a:r>
-              <a:rPr lang="en-US" sz="5400" dirty="0" smtClean="0">
-                <a:latin typeface="Comic Sans MS" pitchFamily="66" charset="0"/>
-              </a:rPr>
-              <a:t>.</a:t>
-            </a:r>
-            <a:endParaRPr lang="en-US" sz="5400" dirty="0" smtClean="0">
-              <a:latin typeface="Comic Sans MS" pitchFamily="66" charset="0"/>
-            </a:endParaRPr>
-          </a:p>
-        </p:txBody>
-      </p:sp>
-    </p:spTree>
-    <p:extLst>
-      <p:ext uri="{BB962C8B-B14F-4D97-AF65-F5344CB8AC3E}">
-        <p14:creationId xmlns:p14="http://schemas.microsoft.com/office/powerpoint/2010/main" val="547643015"/>
-      </p:ext>
-    </p:extLst>
-  </p:cSld>
-  <p:clrMapOvr>
-    <a:masterClrMapping/>
-  </p:clrMapOvr>
-  <p:transition xmlns:p14="http://schemas.microsoft.com/office/powerpoint/2010/main" spd="slow" advClick="0">
-    <p:fade/>
-  </p:transition>
-  <p:timing>
-    <p:tnLst>
-      <p:par>
-        <p:cTn xmlns:p14="http://schemas.microsoft.com/office/powerpoint/2010/main" id="1" dur="indefinite" restart="never" nodeType="tmRoot">
-          <p:childTnLst>
-            <p:seq concurrent="1" nextAc="seek">
-              <p:cTn id="2" dur="indefinite" nodeType="mainSeq">
-                <p:childTnLst>
-                  <p:par>
-                    <p:cTn id="3" fill="hold">
-                      <p:stCondLst>
-                        <p:cond delay="indefinite"/>
-                      </p:stCondLst>
-                      <p:childTnLst>
-                        <p:par>
-                          <p:cTn id="4" fill="hold">
-                            <p:stCondLst>
-                              <p:cond delay="0"/>
-                            </p:stCondLst>
-                            <p:childTnLst>
-                              <p:par>
-                                <p:cTn id="5" presetID="10" presetClass="entr" presetSubtype="0" fill="hold" nodeType="clickEffect">
-                                  <p:stCondLst>
-                                    <p:cond delay="0"/>
-                                  </p:stCondLst>
-                                  <p:childTnLst>
-                                    <p:set>
-                                      <p:cBhvr>
-                                        <p:cTn id="6" dur="1" fill="hold">
-                                          <p:stCondLst>
-                                            <p:cond delay="0"/>
-                                          </p:stCondLst>
-                                        </p:cTn>
-                                        <p:tgtEl>
-                                          <p:spTgt spid="4">
-                                            <p:txEl>
-                                              <p:pRg st="0" end="0"/>
-                                            </p:txEl>
-                                          </p:spTgt>
-                                        </p:tgtEl>
-                                        <p:attrNameLst>
-                                          <p:attrName>style.visibility</p:attrName>
-                                        </p:attrNameLst>
-                                      </p:cBhvr>
-                                      <p:to>
-                                        <p:strVal val="visible"/>
-                                      </p:to>
-                                    </p:set>
-                                    <p:animEffect transition="in" filter="fade">
-                                      <p:cBhvr>
-                                        <p:cTn id="7" dur="500"/>
-                                        <p:tgtEl>
-                                          <p:spTgt spid="4">
-                                            <p:txEl>
-                                              <p:pRg st="0" end="0"/>
-                                            </p:txEl>
-                                          </p:spTgt>
-                                        </p:tgtEl>
-                                      </p:cBhvr>
-                                    </p:animEffect>
-                                  </p:childTnLst>
-                                </p:cTn>
-                              </p:par>
-                            </p:childTnLst>
-                          </p:cTn>
-                        </p:par>
-                      </p:childTnLst>
-                    </p:cTn>
-                  </p:par>
-                  <p:par>
-                    <p:cTn id="8" fill="hold">
-                      <p:stCondLst>
-                        <p:cond delay="indefinite"/>
-                      </p:stCondLst>
-                      <p:childTnLst>
-                        <p:par>
-                          <p:cTn id="9" fill="hold">
-                            <p:stCondLst>
-                              <p:cond delay="0"/>
-                            </p:stCondLst>
-                            <p:childTnLst>
-                              <p:par>
-                                <p:cTn id="10" presetID="10" presetClass="entr" presetSubtype="0" fill="hold" nodeType="clickEffect">
-                                  <p:stCondLst>
-                                    <p:cond delay="0"/>
-                                  </p:stCondLst>
-                                  <p:childTnLst>
-                                    <p:set>
-                                      <p:cBhvr>
-                                        <p:cTn id="11" dur="1" fill="hold">
-                                          <p:stCondLst>
-                                            <p:cond delay="0"/>
-                                          </p:stCondLst>
-                                        </p:cTn>
-                                        <p:tgtEl>
-                                          <p:spTgt spid="4">
-                                            <p:txEl>
-                                              <p:pRg st="1" end="1"/>
-                                            </p:txEl>
-                                          </p:spTgt>
-                                        </p:tgtEl>
-                                        <p:attrNameLst>
-                                          <p:attrName>style.visibility</p:attrName>
-                                        </p:attrNameLst>
-                                      </p:cBhvr>
-                                      <p:to>
-                                        <p:strVal val="visible"/>
-                                      </p:to>
-                                    </p:set>
-                                    <p:animEffect transition="in" filter="fade">
-                                      <p:cBhvr>
-                                        <p:cTn id="12" dur="500"/>
-                                        <p:tgtEl>
-                                          <p:spTgt spid="4">
-                                            <p:txEl>
-                                              <p:pRg st="1" end="1"/>
-                                            </p:txEl>
-                                          </p:spTgt>
-                                        </p:tgtEl>
-                                      </p:cBhvr>
-                                    </p:animEffect>
-                                  </p:childTnLst>
-                                </p:cTn>
-                              </p:par>
-                            </p:childTnLst>
-                          </p:cTn>
-                        </p:par>
-                      </p:childTnLst>
-                    </p:cTn>
-                  </p:par>
-                  <p:par>
-                    <p:cTn id="13" fill="hold">
-                      <p:stCondLst>
-                        <p:cond delay="indefinite"/>
-                      </p:stCondLst>
-                      <p:childTnLst>
-                        <p:par>
-                          <p:cTn id="14" fill="hold">
-                            <p:stCondLst>
-                              <p:cond delay="0"/>
-                            </p:stCondLst>
-                            <p:childTnLst>
-                              <p:par>
-                                <p:cTn id="15" presetID="10" presetClass="entr" presetSubtype="0" fill="hold" nodeType="clickEffect">
-                                  <p:stCondLst>
-                                    <p:cond delay="0"/>
-                                  </p:stCondLst>
-                                  <p:childTnLst>
-                                    <p:set>
-                                      <p:cBhvr>
-                                        <p:cTn id="16" dur="1" fill="hold">
-                                          <p:stCondLst>
-                                            <p:cond delay="0"/>
-                                          </p:stCondLst>
-                                        </p:cTn>
-                                        <p:tgtEl>
-                                          <p:spTgt spid="4">
-                                            <p:txEl>
-                                              <p:pRg st="2" end="2"/>
-                                            </p:txEl>
-                                          </p:spTgt>
-                                        </p:tgtEl>
-                                        <p:attrNameLst>
-                                          <p:attrName>style.visibility</p:attrName>
-                                        </p:attrNameLst>
-                                      </p:cBhvr>
-                                      <p:to>
-                                        <p:strVal val="visible"/>
-                                      </p:to>
-                                    </p:set>
-                                    <p:animEffect transition="in" filter="fade">
-                                      <p:cBhvr>
-                                        <p:cTn id="17" dur="500"/>
-                                        <p:tgtEl>
-                                          <p:spTgt spid="4">
-                                            <p:txEl>
-                                              <p:pRg st="2" end="2"/>
-                                            </p:txEl>
-                                          </p:spTgt>
-                                        </p:tgtEl>
-                                      </p:cBhvr>
-                                    </p:animEffect>
-                                  </p:childTnLst>
-                                </p:cTn>
-                              </p:par>
-                            </p:childTnLst>
-                          </p:cTn>
-                        </p:par>
-                      </p:childTnLst>
-                    </p:cTn>
-                  </p:par>
-                </p:childTnLst>
-              </p:cTn>
-              <p:prevCondLst>
-                <p:cond evt="onPrev" delay="0">
-                  <p:tgtEl>
-                    <p:sldTgt/>
-                  </p:tgtEl>
-                </p:cond>
-              </p:prevCondLst>
-              <p:nextCondLst>
-                <p:cond evt="onNext" delay="0">
-                  <p:tgtEl>
-                    <p:sldTgt/>
-                  </p:tgtEl>
-                </p:cond>
-              </p:nextCondLst>
-            </p:seq>
-          </p:childTnLst>
-        </p:cTn>
-      </p:par>
-    </p:tnLst>
   </p:timing>
 </p:sld>
 </file>

--- a/spring17/slidesS17/sound-valid.pptx
+++ b/spring17/slidesS17/sound-valid.pptx
@@ -6,47 +6,49 @@
     <p:sldMasterId id="2147483651" r:id="rId2"/>
   </p:sldMasterIdLst>
   <p:notesMasterIdLst>
-    <p:notesMasterId r:id="rId33"/>
+    <p:notesMasterId r:id="rId35"/>
   </p:notesMasterIdLst>
   <p:handoutMasterIdLst>
-    <p:handoutMasterId r:id="rId34"/>
+    <p:handoutMasterId r:id="rId36"/>
   </p:handoutMasterIdLst>
   <p:sldIdLst>
     <p:sldId id="392" r:id="rId3"/>
     <p:sldId id="447" r:id="rId4"/>
     <p:sldId id="493" r:id="rId5"/>
     <p:sldId id="517" r:id="rId6"/>
-    <p:sldId id="503" r:id="rId7"/>
-    <p:sldId id="485" r:id="rId8"/>
-    <p:sldId id="486" r:id="rId9"/>
-    <p:sldId id="492" r:id="rId10"/>
-    <p:sldId id="494" r:id="rId11"/>
-    <p:sldId id="508" r:id="rId12"/>
-    <p:sldId id="509" r:id="rId13"/>
-    <p:sldId id="510" r:id="rId14"/>
-    <p:sldId id="511" r:id="rId15"/>
-    <p:sldId id="489" r:id="rId16"/>
-    <p:sldId id="512" r:id="rId17"/>
-    <p:sldId id="513" r:id="rId18"/>
-    <p:sldId id="514" r:id="rId19"/>
-    <p:sldId id="515" r:id="rId20"/>
-    <p:sldId id="516" r:id="rId21"/>
-    <p:sldId id="518" r:id="rId22"/>
-    <p:sldId id="501" r:id="rId23"/>
-    <p:sldId id="519" r:id="rId24"/>
-    <p:sldId id="491" r:id="rId25"/>
-    <p:sldId id="487" r:id="rId26"/>
-    <p:sldId id="488" r:id="rId27"/>
-    <p:sldId id="496" r:id="rId28"/>
-    <p:sldId id="498" r:id="rId29"/>
-    <p:sldId id="497" r:id="rId30"/>
-    <p:sldId id="490" r:id="rId31"/>
-    <p:sldId id="502" r:id="rId32"/>
+    <p:sldId id="531" r:id="rId7"/>
+    <p:sldId id="503" r:id="rId8"/>
+    <p:sldId id="485" r:id="rId9"/>
+    <p:sldId id="525" r:id="rId10"/>
+    <p:sldId id="526" r:id="rId11"/>
+    <p:sldId id="494" r:id="rId12"/>
+    <p:sldId id="522" r:id="rId13"/>
+    <p:sldId id="528" r:id="rId14"/>
+    <p:sldId id="527" r:id="rId15"/>
+    <p:sldId id="529" r:id="rId16"/>
+    <p:sldId id="530" r:id="rId17"/>
+    <p:sldId id="489" r:id="rId18"/>
+    <p:sldId id="512" r:id="rId19"/>
+    <p:sldId id="513" r:id="rId20"/>
+    <p:sldId id="514" r:id="rId21"/>
+    <p:sldId id="515" r:id="rId22"/>
+    <p:sldId id="516" r:id="rId23"/>
+    <p:sldId id="518" r:id="rId24"/>
+    <p:sldId id="501" r:id="rId25"/>
+    <p:sldId id="519" r:id="rId26"/>
+    <p:sldId id="491" r:id="rId27"/>
+    <p:sldId id="487" r:id="rId28"/>
+    <p:sldId id="488" r:id="rId29"/>
+    <p:sldId id="496" r:id="rId30"/>
+    <p:sldId id="498" r:id="rId31"/>
+    <p:sldId id="497" r:id="rId32"/>
+    <p:sldId id="490" r:id="rId33"/>
+    <p:sldId id="502" r:id="rId34"/>
   </p:sldIdLst>
   <p:sldSz cx="9144000" cy="6858000" type="screen4x3"/>
   <p:notesSz cx="9601200" cy="7315200"/>
   <p:custDataLst>
-    <p:tags r:id="rId36"/>
+    <p:tags r:id="rId38"/>
   </p:custDataLst>
   <p:defaultTextStyle>
     <a:defPPr>
@@ -1168,7 +1170,7 @@
             <a:fld id="{A02B9F3F-3042-489F-AF35-1A733968F079}" type="slidenum">
               <a:rPr lang="en-US" smtClean="0"/>
               <a:pPr/>
-              <a:t>25</a:t>
+              <a:t>27</a:t>
             </a:fld>
             <a:endParaRPr lang="en-US"/>
           </a:p>
@@ -1250,7 +1252,7 @@
             <a:fld id="{A02B9F3F-3042-489F-AF35-1A733968F079}" type="slidenum">
               <a:rPr lang="en-US" smtClean="0"/>
               <a:pPr/>
-              <a:t>30</a:t>
+              <a:t>32</a:t>
             </a:fld>
             <a:endParaRPr lang="en-US"/>
           </a:p>
@@ -6227,8 +6229,8 @@
         </p:nvSpPr>
         <p:spPr>
           <a:xfrm>
-            <a:off x="742071" y="1589648"/>
-            <a:ext cx="7643645" cy="3784441"/>
+            <a:off x="708051" y="1328828"/>
+            <a:ext cx="7887394" cy="4488712"/>
           </a:xfrm>
         </p:spPr>
         <p:txBody>
@@ -6237,15 +6239,22 @@
           <a:p>
             <a:pPr algn="ctr"/>
             <a:r>
-              <a:rPr lang="en-US" sz="9600" b="0" dirty="0" smtClean="0"/>
-              <a:t>Sound</a:t>
+              <a:rPr lang="en-US" sz="8800" b="0" dirty="0" smtClean="0"/>
+              <a:t>Proving</a:t>
             </a:r>
             <a:br>
-              <a:rPr lang="en-US" sz="9600" b="0" dirty="0" smtClean="0"/>
+              <a:rPr lang="en-US" sz="8800" b="0" dirty="0" smtClean="0"/>
             </a:br>
             <a:r>
-              <a:rPr lang="en-US" sz="9600" b="0" dirty="0" smtClean="0"/>
-              <a:t>Proofs</a:t>
+              <a:rPr lang="en-US" sz="8800" b="0" dirty="0" smtClean="0"/>
+              <a:t>Valid</a:t>
+            </a:r>
+            <a:br>
+              <a:rPr lang="en-US" sz="8800" b="0" dirty="0" smtClean="0"/>
+            </a:br>
+            <a:r>
+              <a:rPr lang="en-US" sz="8800" b="0" dirty="0" smtClean="0"/>
+              <a:t>Formulas</a:t>
             </a:r>
             <a:endParaRPr lang="en-US" sz="13800" b="0" dirty="0"/>
           </a:p>
@@ -6516,45 +6525,6 @@
       </p:grpSpPr>
       <p:sp>
         <p:nvSpPr>
-          <p:cNvPr id="2" name="Title 1"/>
-          <p:cNvSpPr>
-            <a:spLocks noGrp="1"/>
-          </p:cNvSpPr>
-          <p:nvPr>
-            <p:ph type="title"/>
-          </p:nvPr>
-        </p:nvSpPr>
-        <p:spPr/>
-        <p:txBody>
-          <a:bodyPr/>
-          <a:lstStyle/>
-          <a:p>
-            <a:r>
-              <a:rPr lang="en-US" dirty="0">
-                <a:solidFill>
-                  <a:srgbClr val="BB0FAB"/>
-                </a:solidFill>
-              </a:rPr>
-              <a:t>modus ponens</a:t>
-            </a:r>
-            <a:r>
-              <a:rPr lang="en-US" dirty="0"/>
-              <a:t> is </a:t>
-            </a:r>
-            <a:r>
-              <a:rPr lang="en-US" dirty="0" smtClean="0">
-                <a:solidFill>
-                  <a:srgbClr val="006600"/>
-                </a:solidFill>
-              </a:rPr>
-              <a:t>sound</a:t>
-            </a:r>
-            <a:endParaRPr lang="en-US" dirty="0"/>
-          </a:p>
-        </p:txBody>
-      </p:sp>
-      <p:sp>
-        <p:nvSpPr>
           <p:cNvPr id="3" name="Content Placeholder 2"/>
           <p:cNvSpPr>
             <a:spLocks noGrp="1"/>
@@ -6565,8 +6535,8 @@
         </p:nvSpPr>
         <p:spPr>
           <a:xfrm>
-            <a:off x="172903" y="1427624"/>
-            <a:ext cx="8874016" cy="4817660"/>
+            <a:off x="526315" y="1796030"/>
+            <a:ext cx="8125826" cy="3193666"/>
           </a:xfrm>
         </p:spPr>
         <p:txBody>
@@ -6574,18 +6544,117 @@
           <a:lstStyle/>
           <a:p>
             <a:r>
-              <a:rPr lang="en-US" sz="4000" dirty="0"/>
-              <a:t>B</a:t>
-            </a:r>
-            <a:r>
-              <a:rPr lang="en-US" sz="4000" dirty="0" smtClean="0"/>
-              <a:t>y contradiction:</a:t>
-            </a:r>
-            <a:endParaRPr lang="en-US" sz="4000" dirty="0">
-              <a:solidFill>
-                <a:srgbClr val="000000"/>
-              </a:solidFill>
-            </a:endParaRPr>
+              <a:rPr lang="en-US" sz="5400" dirty="0" smtClean="0"/>
+              <a:t>If</a:t>
+            </a:r>
+            <a:r>
+              <a:rPr lang="en-US" sz="5400" dirty="0" smtClean="0"/>
+              <a:t> </a:t>
+            </a:r>
+            <a:r>
+              <a:rPr lang="en-US" sz="5400" dirty="0" smtClean="0">
+                <a:solidFill>
+                  <a:srgbClr val="0000FF"/>
+                </a:solidFill>
+              </a:rPr>
+              <a:t>P</a:t>
+            </a:r>
+            <a:r>
+              <a:rPr lang="en-US" sz="5400" dirty="0" smtClean="0"/>
+              <a:t> is </a:t>
+            </a:r>
+            <a:r>
+              <a:rPr lang="en-US" sz="5400" dirty="0" smtClean="0">
+                <a:solidFill>
+                  <a:srgbClr val="BB0FAB"/>
+                </a:solidFill>
+              </a:rPr>
+              <a:t>valid</a:t>
+            </a:r>
+            <a:r>
+              <a:rPr lang="en-US" sz="5400" dirty="0" smtClean="0"/>
+              <a:t>,</a:t>
+            </a:r>
+          </a:p>
+          <a:p>
+            <a:r>
+              <a:rPr lang="en-US" sz="5400" dirty="0" smtClean="0"/>
+              <a:t>and </a:t>
+            </a:r>
+            <a:r>
+              <a:rPr lang="en-US" sz="5400" dirty="0" smtClean="0">
+                <a:solidFill>
+                  <a:srgbClr val="0000FF"/>
+                </a:solidFill>
+              </a:rPr>
+              <a:t>P </a:t>
+            </a:r>
+            <a:r>
+              <a:rPr lang="en-US" sz="4400" dirty="0" smtClean="0">
+                <a:solidFill>
+                  <a:srgbClr val="0000FF"/>
+                </a:solidFill>
+              </a:rPr>
+              <a:t>IMPLIES</a:t>
+            </a:r>
+            <a:r>
+              <a:rPr lang="en-US" sz="5400" dirty="0" smtClean="0">
+                <a:solidFill>
+                  <a:srgbClr val="0000FF"/>
+                </a:solidFill>
+              </a:rPr>
+              <a:t> Q </a:t>
+            </a:r>
+            <a:r>
+              <a:rPr lang="en-US" sz="5400" dirty="0" smtClean="0"/>
+              <a:t>is </a:t>
+            </a:r>
+            <a:r>
+              <a:rPr lang="en-US" sz="5400" dirty="0" smtClean="0">
+                <a:solidFill>
+                  <a:srgbClr val="BB0FAB"/>
+                </a:solidFill>
+              </a:rPr>
+              <a:t>valid</a:t>
+            </a:r>
+            <a:r>
+              <a:rPr lang="en-US" sz="5400" dirty="0" smtClean="0"/>
+              <a:t>,</a:t>
+            </a:r>
+          </a:p>
+          <a:p>
+            <a:r>
+              <a:rPr lang="en-US" sz="5400" dirty="0" smtClean="0"/>
+              <a:t>then </a:t>
+            </a:r>
+            <a:r>
+              <a:rPr lang="en-US" sz="5400" dirty="0" smtClean="0">
+                <a:solidFill>
+                  <a:srgbClr val="0000FF"/>
+                </a:solidFill>
+              </a:rPr>
+              <a:t>Q</a:t>
+            </a:r>
+            <a:r>
+              <a:rPr lang="en-US" sz="5400" dirty="0" smtClean="0"/>
+              <a:t> must be </a:t>
+            </a:r>
+            <a:r>
+              <a:rPr lang="en-US" sz="5400" dirty="0" smtClean="0">
+                <a:solidFill>
+                  <a:srgbClr val="BB0FAB"/>
+                </a:solidFill>
+              </a:rPr>
+              <a:t>valid</a:t>
+            </a:r>
+            <a:r>
+              <a:rPr lang="en-US" sz="5400" dirty="0" smtClean="0">
+                <a:solidFill>
+                  <a:srgbClr val="000000"/>
+                </a:solidFill>
+              </a:rPr>
+              <a:t>.</a:t>
+            </a:r>
           </a:p>
         </p:txBody>
       </p:sp>
@@ -6599,7 +6668,12 @@
             <p:ph type="sldNum" sz="quarter" idx="10"/>
           </p:nvPr>
         </p:nvSpPr>
-        <p:spPr/>
+        <p:spPr>
+          <a:xfrm>
+            <a:off x="8420278" y="6553200"/>
+            <a:ext cx="723726" cy="276999"/>
+          </a:xfrm>
+        </p:spPr>
         <p:txBody>
           <a:bodyPr/>
           <a:lstStyle/>
@@ -6608,7 +6682,7 @@
               <a:defRPr/>
             </a:pPr>
             <a:r>
-              <a:rPr lang="en-US" smtClean="0"/>
+              <a:rPr lang="en-US" dirty="0" smtClean="0"/>
               <a:t>sound.</a:t>
             </a:r>
             <a:fld id="{A528ADE2-B74F-4D9D-8D04-FB5D781EAB51}" type="slidenum">
@@ -6622,10 +6696,54 @@
           </a:p>
         </p:txBody>
       </p:sp>
+      <p:sp>
+        <p:nvSpPr>
+          <p:cNvPr id="6" name="Title 1"/>
+          <p:cNvSpPr>
+            <a:spLocks noGrp="1"/>
+          </p:cNvSpPr>
+          <p:nvPr>
+            <p:ph type="title"/>
+          </p:nvPr>
+        </p:nvSpPr>
+        <p:spPr>
+          <a:xfrm>
+            <a:off x="1447800" y="304800"/>
+            <a:ext cx="7543800" cy="1143000"/>
+          </a:xfrm>
+        </p:spPr>
+        <p:txBody>
+          <a:bodyPr/>
+          <a:lstStyle/>
+          <a:p>
+            <a:r>
+              <a:rPr lang="en-US" dirty="0">
+                <a:solidFill>
+                  <a:srgbClr val="BB0FAB"/>
+                </a:solidFill>
+              </a:rPr>
+              <a:t>modus ponens</a:t>
+            </a:r>
+            <a:r>
+              <a:rPr lang="en-US" dirty="0"/>
+              <a:t> is </a:t>
+            </a:r>
+            <a:r>
+              <a:rPr lang="en-US" dirty="0" smtClean="0">
+                <a:solidFill>
+                  <a:srgbClr val="006600"/>
+                </a:solidFill>
+              </a:rPr>
+              <a:t>sound</a:t>
+            </a:r>
+            <a:endParaRPr lang="en-US" dirty="0"/>
+          </a:p>
+        </p:txBody>
+      </p:sp>
     </p:spTree>
     <p:extLst>
       <p:ext uri="{BB962C8B-B14F-4D97-AF65-F5344CB8AC3E}">
-        <p14:creationId xmlns:p14="http://schemas.microsoft.com/office/powerpoint/2010/main" val="1755360828"/>
+        <p14:creationId xmlns:p14="http://schemas.microsoft.com/office/powerpoint/2010/main" val="1120256809"/>
       </p:ext>
     </p:extLst>
   </p:cSld>
@@ -6634,22 +6752,231 @@
   </p:clrMapOvr>
   <mc:AlternateContent xmlns:mc="http://schemas.openxmlformats.org/markup-compatibility/2006">
     <mc:Choice xmlns:p14="http://schemas.microsoft.com/office/powerpoint/2010/main" Requires="p14">
-      <p:transition spd="med" p14:dur="700" advClick="0">
-        <p:fade/>
+      <p:transition spd="slow" p14:dur="800" advClick="0">
+        <p:fade thruBlk="1"/>
       </p:transition>
     </mc:Choice>
     <mc:Fallback>
-      <p:transition xmlns:p14="http://schemas.microsoft.com/office/powerpoint/2010/main" spd="med" advClick="0">
-        <p:fade/>
+      <p:transition xmlns:p14="http://schemas.microsoft.com/office/powerpoint/2010/main" spd="slow" advClick="0">
+        <p:fade thruBlk="1"/>
       </p:transition>
     </mc:Fallback>
   </mc:AlternateContent>
   <p:timing>
     <p:tnLst>
       <p:par>
-        <p:cTn xmlns:p14="http://schemas.microsoft.com/office/powerpoint/2010/main" id="1" dur="indefinite" restart="never" nodeType="tmRoot"/>
+        <p:cTn xmlns:p14="http://schemas.microsoft.com/office/powerpoint/2010/main" id="1" dur="indefinite" restart="never" nodeType="tmRoot">
+          <p:childTnLst>
+            <p:seq concurrent="1" nextAc="seek">
+              <p:cTn id="2" dur="indefinite" nodeType="mainSeq">
+                <p:childTnLst>
+                  <p:par>
+                    <p:cTn id="3" fill="hold">
+                      <p:stCondLst>
+                        <p:cond delay="indefinite"/>
+                      </p:stCondLst>
+                      <p:childTnLst>
+                        <p:par>
+                          <p:cTn id="4" fill="hold">
+                            <p:stCondLst>
+                              <p:cond delay="0"/>
+                            </p:stCondLst>
+                            <p:childTnLst>
+                              <p:par>
+                                <p:cTn id="5" presetID="9" presetClass="entr" presetSubtype="0" fill="hold" grpId="0" nodeType="clickEffect">
+                                  <p:stCondLst>
+                                    <p:cond delay="0"/>
+                                  </p:stCondLst>
+                                  <p:childTnLst>
+                                    <p:set>
+                                      <p:cBhvr>
+                                        <p:cTn id="6" dur="1" fill="hold">
+                                          <p:stCondLst>
+                                            <p:cond delay="0"/>
+                                          </p:stCondLst>
+                                        </p:cTn>
+                                        <p:tgtEl>
+                                          <p:spTgt spid="3">
+                                            <p:txEl>
+                                              <p:pRg st="0" end="0"/>
+                                            </p:txEl>
+                                          </p:spTgt>
+                                        </p:tgtEl>
+                                        <p:attrNameLst>
+                                          <p:attrName>style.visibility</p:attrName>
+                                        </p:attrNameLst>
+                                      </p:cBhvr>
+                                      <p:to>
+                                        <p:strVal val="visible"/>
+                                      </p:to>
+                                    </p:set>
+                                    <p:animEffect transition="in" filter="dissolve">
+                                      <p:cBhvr>
+                                        <p:cTn id="7" dur="500"/>
+                                        <p:tgtEl>
+                                          <p:spTgt spid="3">
+                                            <p:txEl>
+                                              <p:pRg st="0" end="0"/>
+                                            </p:txEl>
+                                          </p:spTgt>
+                                        </p:tgtEl>
+                                      </p:cBhvr>
+                                    </p:animEffect>
+                                  </p:childTnLst>
+                                </p:cTn>
+                              </p:par>
+                            </p:childTnLst>
+                          </p:cTn>
+                        </p:par>
+                      </p:childTnLst>
+                    </p:cTn>
+                  </p:par>
+                  <p:par>
+                    <p:cTn id="8" fill="hold">
+                      <p:stCondLst>
+                        <p:cond delay="indefinite"/>
+                      </p:stCondLst>
+                      <p:childTnLst>
+                        <p:par>
+                          <p:cTn id="9" fill="hold">
+                            <p:stCondLst>
+                              <p:cond delay="0"/>
+                            </p:stCondLst>
+                            <p:childTnLst>
+                              <p:par>
+                                <p:cTn id="10" presetID="9" presetClass="entr" presetSubtype="0" fill="hold" grpId="0" nodeType="clickEffect">
+                                  <p:stCondLst>
+                                    <p:cond delay="0"/>
+                                  </p:stCondLst>
+                                  <p:childTnLst>
+                                    <p:set>
+                                      <p:cBhvr>
+                                        <p:cTn id="11" dur="1" fill="hold">
+                                          <p:stCondLst>
+                                            <p:cond delay="0"/>
+                                          </p:stCondLst>
+                                        </p:cTn>
+                                        <p:tgtEl>
+                                          <p:spTgt spid="3">
+                                            <p:txEl>
+                                              <p:pRg st="1" end="1"/>
+                                            </p:txEl>
+                                          </p:spTgt>
+                                        </p:tgtEl>
+                                        <p:attrNameLst>
+                                          <p:attrName>style.visibility</p:attrName>
+                                        </p:attrNameLst>
+                                      </p:cBhvr>
+                                      <p:to>
+                                        <p:strVal val="visible"/>
+                                      </p:to>
+                                    </p:set>
+                                    <p:animEffect transition="in" filter="dissolve">
+                                      <p:cBhvr>
+                                        <p:cTn id="12" dur="500"/>
+                                        <p:tgtEl>
+                                          <p:spTgt spid="3">
+                                            <p:txEl>
+                                              <p:pRg st="1" end="1"/>
+                                            </p:txEl>
+                                          </p:spTgt>
+                                        </p:tgtEl>
+                                      </p:cBhvr>
+                                    </p:animEffect>
+                                  </p:childTnLst>
+                                </p:cTn>
+                              </p:par>
+                            </p:childTnLst>
+                          </p:cTn>
+                        </p:par>
+                      </p:childTnLst>
+                    </p:cTn>
+                  </p:par>
+                  <p:par>
+                    <p:cTn id="13" fill="hold">
+                      <p:stCondLst>
+                        <p:cond delay="indefinite"/>
+                      </p:stCondLst>
+                      <p:childTnLst>
+                        <p:par>
+                          <p:cTn id="14" fill="hold">
+                            <p:stCondLst>
+                              <p:cond delay="0"/>
+                            </p:stCondLst>
+                            <p:childTnLst>
+                              <p:par>
+                                <p:cTn id="15" presetID="9" presetClass="entr" presetSubtype="0" fill="hold" grpId="0" nodeType="clickEffect">
+                                  <p:stCondLst>
+                                    <p:cond delay="0"/>
+                                  </p:stCondLst>
+                                  <p:childTnLst>
+                                    <p:set>
+                                      <p:cBhvr>
+                                        <p:cTn id="16" dur="1" fill="hold">
+                                          <p:stCondLst>
+                                            <p:cond delay="0"/>
+                                          </p:stCondLst>
+                                        </p:cTn>
+                                        <p:tgtEl>
+                                          <p:spTgt spid="3">
+                                            <p:txEl>
+                                              <p:pRg st="2" end="2"/>
+                                            </p:txEl>
+                                          </p:spTgt>
+                                        </p:tgtEl>
+                                        <p:attrNameLst>
+                                          <p:attrName>style.visibility</p:attrName>
+                                        </p:attrNameLst>
+                                      </p:cBhvr>
+                                      <p:to>
+                                        <p:strVal val="visible"/>
+                                      </p:to>
+                                    </p:set>
+                                    <p:animEffect transition="in" filter="dissolve">
+                                      <p:cBhvr>
+                                        <p:cTn id="17" dur="500"/>
+                                        <p:tgtEl>
+                                          <p:spTgt spid="3">
+                                            <p:txEl>
+                                              <p:pRg st="2" end="2"/>
+                                            </p:txEl>
+                                          </p:spTgt>
+                                        </p:tgtEl>
+                                      </p:cBhvr>
+                                    </p:animEffect>
+                                  </p:childTnLst>
+                                </p:cTn>
+                              </p:par>
+                            </p:childTnLst>
+                          </p:cTn>
+                        </p:par>
+                      </p:childTnLst>
+                    </p:cTn>
+                  </p:par>
+                </p:childTnLst>
+              </p:cTn>
+              <p:prevCondLst>
+                <p:cond evt="onPrev" delay="0">
+                  <p:tgtEl>
+                    <p:sldTgt/>
+                  </p:tgtEl>
+                </p:cond>
+              </p:prevCondLst>
+              <p:nextCondLst>
+                <p:cond evt="onNext" delay="0">
+                  <p:tgtEl>
+                    <p:sldTgt/>
+                  </p:tgtEl>
+                </p:cond>
+              </p:nextCondLst>
+            </p:seq>
+          </p:childTnLst>
+        </p:cTn>
       </p:par>
     </p:tnLst>
+    <p:bldLst>
+      <p:bldP spid="3" grpId="0" build="p"/>
+    </p:bldLst>
   </p:timing>
 </p:sld>
 </file>
@@ -6722,109 +7049,26 @@
         </p:nvSpPr>
         <p:spPr>
           <a:xfrm>
-            <a:off x="172903" y="1427624"/>
-            <a:ext cx="8874016" cy="4817660"/>
+            <a:off x="172902" y="1385640"/>
+            <a:ext cx="8971097" cy="5203030"/>
           </a:xfrm>
         </p:spPr>
         <p:txBody>
           <a:bodyPr/>
           <a:lstStyle/>
           <a:p>
-            <a:r>
-              <a:rPr lang="en-US" sz="4000" dirty="0"/>
-              <a:t>B</a:t>
-            </a:r>
-            <a:r>
-              <a:rPr lang="en-US" sz="4000" dirty="0" smtClean="0"/>
-              <a:t>y contradiction: If </a:t>
-            </a:r>
-            <a:r>
-              <a:rPr lang="en-US" sz="4000" dirty="0" smtClean="0">
-                <a:solidFill>
-                  <a:srgbClr val="0000FF"/>
-                </a:solidFill>
-              </a:rPr>
-              <a:t>Q</a:t>
-            </a:r>
-            <a:r>
-              <a:rPr lang="en-US" sz="4000" dirty="0" smtClean="0"/>
-              <a:t> was </a:t>
-            </a:r>
-            <a:r>
-              <a:rPr lang="en-US" sz="4000" dirty="0" smtClean="0">
-                <a:solidFill>
-                  <a:srgbClr val="EC0213"/>
-                </a:solidFill>
-              </a:rPr>
-              <a:t>F</a:t>
-            </a:r>
-            <a:r>
-              <a:rPr lang="en-US" sz="4000" dirty="0" smtClean="0">
-                <a:solidFill>
-                  <a:srgbClr val="000000"/>
-                </a:solidFill>
-              </a:rPr>
-              <a:t> under</a:t>
-            </a:r>
-            <a:r>
-              <a:rPr lang="en-US" sz="4000" dirty="0" smtClean="0">
-                <a:solidFill>
-                  <a:srgbClr val="EC0213"/>
-                </a:solidFill>
-              </a:rPr>
-              <a:t> </a:t>
-            </a:r>
-            <a:r>
-              <a:rPr lang="en-US" sz="4000" dirty="0" smtClean="0">
-                <a:solidFill>
-                  <a:srgbClr val="000000"/>
-                </a:solidFill>
-              </a:rPr>
-              <a:t>some</a:t>
-            </a:r>
-            <a:r>
-              <a:rPr lang="en-US" sz="4000" dirty="0" smtClean="0">
-                <a:solidFill>
-                  <a:srgbClr val="EC0213"/>
-                </a:solidFill>
-              </a:rPr>
-              <a:t> </a:t>
-            </a:r>
-            <a:r>
-              <a:rPr lang="en-US" sz="4000" dirty="0" smtClean="0">
-                <a:solidFill>
-                  <a:srgbClr val="000000"/>
-                </a:solidFill>
-              </a:rPr>
-              <a:t>truth</a:t>
-            </a:r>
-            <a:r>
-              <a:rPr lang="en-US" sz="4000" dirty="0" smtClean="0">
-                <a:solidFill>
-                  <a:srgbClr val="EC0213"/>
-                </a:solidFill>
-              </a:rPr>
-              <a:t> </a:t>
-            </a:r>
-            <a:r>
-              <a:rPr lang="en-US" sz="4000" dirty="0" smtClean="0"/>
-              <a:t>assignment </a:t>
-            </a:r>
-            <a:r>
-              <a:rPr lang="en-US" sz="4000" dirty="0" smtClean="0">
-                <a:solidFill>
-                  <a:srgbClr val="BB0FAB"/>
-                </a:solidFill>
-              </a:rPr>
-              <a:t>A</a:t>
-            </a:r>
-            <a:r>
-              <a:rPr lang="en-US" sz="4000" dirty="0" smtClean="0"/>
-              <a:t>,</a:t>
-            </a:r>
-            <a:endParaRPr lang="en-US" sz="4000" dirty="0">
+            <a:pPr algn="ctr"/>
+            <a:r>
+              <a:rPr lang="en-US" sz="5400" dirty="0" smtClean="0">
+                <a:solidFill>
+                  <a:srgbClr val="F27122"/>
+                </a:solidFill>
+              </a:rPr>
+              <a:t>Proof:</a:t>
+            </a:r>
+            <a:endParaRPr lang="en-US" sz="5400" dirty="0">
               <a:solidFill>
-                <a:srgbClr val="000000"/>
+                <a:srgbClr val="F27122"/>
               </a:solidFill>
             </a:endParaRPr>
           </a:p>
@@ -6866,7 +7110,7 @@
     </p:spTree>
     <p:extLst>
       <p:ext uri="{BB962C8B-B14F-4D97-AF65-F5344CB8AC3E}">
-        <p14:creationId xmlns:p14="http://schemas.microsoft.com/office/powerpoint/2010/main" val="3380542968"/>
+        <p14:creationId xmlns:p14="http://schemas.microsoft.com/office/powerpoint/2010/main" val="891182292"/>
       </p:ext>
     </p:extLst>
   </p:cSld>
@@ -6875,12 +7119,12 @@
   </p:clrMapOvr>
   <mc:AlternateContent xmlns:mc="http://schemas.openxmlformats.org/markup-compatibility/2006">
     <mc:Choice xmlns:p14="http://schemas.microsoft.com/office/powerpoint/2010/main" Requires="p14">
-      <p:transition spd="med" p14:dur="700" advClick="0">
+      <p:transition p14:dur="400" advClick="0">
         <p:fade/>
       </p:transition>
     </mc:Choice>
     <mc:Fallback>
-      <p:transition xmlns:p14="http://schemas.microsoft.com/office/powerpoint/2010/main" spd="med" advClick="0">
+      <p:transition xmlns:p14="http://schemas.microsoft.com/office/powerpoint/2010/main" advClick="0">
         <p:fade/>
       </p:transition>
     </mc:Fallback>
@@ -6963,8 +7207,8 @@
         </p:nvSpPr>
         <p:spPr>
           <a:xfrm>
-            <a:off x="172903" y="1427624"/>
-            <a:ext cx="8874016" cy="4817660"/>
+            <a:off x="172902" y="1385640"/>
+            <a:ext cx="8971097" cy="5203030"/>
           </a:xfrm>
         </p:spPr>
         <p:txBody>
@@ -6972,99 +7216,11 @@
           <a:lstStyle/>
           <a:p>
             <a:r>
-              <a:rPr lang="en-US" sz="4000" dirty="0"/>
-              <a:t>B</a:t>
-            </a:r>
-            <a:r>
-              <a:rPr lang="en-US" sz="4000" dirty="0" smtClean="0"/>
-              <a:t>y contradiction: If </a:t>
-            </a:r>
-            <a:r>
-              <a:rPr lang="en-US" sz="4000" dirty="0" smtClean="0">
-                <a:solidFill>
-                  <a:srgbClr val="0000FF"/>
-                </a:solidFill>
-              </a:rPr>
-              <a:t>Q</a:t>
-            </a:r>
-            <a:r>
-              <a:rPr lang="en-US" sz="4000" dirty="0" smtClean="0"/>
-              <a:t> was </a:t>
-            </a:r>
-            <a:r>
-              <a:rPr lang="en-US" sz="4000" dirty="0" smtClean="0">
-                <a:solidFill>
-                  <a:srgbClr val="EC0213"/>
-                </a:solidFill>
-              </a:rPr>
-              <a:t>F</a:t>
-            </a:r>
-            <a:r>
-              <a:rPr lang="en-US" sz="4000" dirty="0" smtClean="0">
-                <a:solidFill>
-                  <a:srgbClr val="000000"/>
-                </a:solidFill>
-              </a:rPr>
-              <a:t> under</a:t>
-            </a:r>
-            <a:r>
-              <a:rPr lang="en-US" sz="4000" dirty="0" smtClean="0">
-                <a:solidFill>
-                  <a:srgbClr val="EC0213"/>
-                </a:solidFill>
-              </a:rPr>
-              <a:t> </a:t>
-            </a:r>
-            <a:r>
-              <a:rPr lang="en-US" sz="4000" dirty="0" smtClean="0">
-                <a:solidFill>
-                  <a:srgbClr val="000000"/>
-                </a:solidFill>
-              </a:rPr>
-              <a:t>some</a:t>
-            </a:r>
-            <a:r>
-              <a:rPr lang="en-US" sz="4000" dirty="0" smtClean="0">
-                <a:solidFill>
-                  <a:srgbClr val="EC0213"/>
-                </a:solidFill>
-              </a:rPr>
-              <a:t> </a:t>
-            </a:r>
-            <a:r>
-              <a:rPr lang="en-US" sz="4000" dirty="0" smtClean="0">
-                <a:solidFill>
-                  <a:srgbClr val="000000"/>
-                </a:solidFill>
-              </a:rPr>
-              <a:t>truth</a:t>
-            </a:r>
-            <a:r>
-              <a:rPr lang="en-US" sz="4000" dirty="0" smtClean="0">
-                <a:solidFill>
-                  <a:srgbClr val="EC0213"/>
-                </a:solidFill>
-              </a:rPr>
-              <a:t> </a:t>
-            </a:r>
-            <a:r>
-              <a:rPr lang="en-US" sz="4000" dirty="0" smtClean="0"/>
-              <a:t>assignment </a:t>
-            </a:r>
-            <a:r>
-              <a:rPr lang="en-US" sz="4000" dirty="0" smtClean="0">
-                <a:solidFill>
-                  <a:srgbClr val="BB0FAB"/>
-                </a:solidFill>
-              </a:rPr>
-              <a:t>A</a:t>
-            </a:r>
-            <a:r>
-              <a:rPr lang="en-US" sz="4000" dirty="0" smtClean="0"/>
-              <a:t>, then since </a:t>
-            </a:r>
-            <a:r>
-              <a:rPr lang="en-US" sz="4000" dirty="0" smtClean="0">
+              <a:rPr lang="en-US" sz="4400" dirty="0" smtClean="0"/>
+              <a:t>If </a:t>
+            </a:r>
+            <a:r>
+              <a:rPr lang="en-US" sz="4400" dirty="0" smtClean="0">
                 <a:solidFill>
                   <a:schemeClr val="accent1">
                     <a:lumMod val="50000"/>
@@ -7074,11 +7230,129 @@
               <a:t>P</a:t>
             </a:r>
             <a:r>
-              <a:rPr lang="en-US" sz="4000" dirty="0" smtClean="0"/>
-              <a:t> has to be </a:t>
-            </a:r>
-            <a:r>
-              <a:rPr lang="en-US" sz="4000" dirty="0" smtClean="0">
+              <a:rPr lang="en-US" sz="4400" dirty="0" smtClean="0"/>
+              <a:t> is </a:t>
+            </a:r>
+            <a:r>
+              <a:rPr lang="en-US" sz="4400" dirty="0" smtClean="0">
+                <a:solidFill>
+                  <a:srgbClr val="008000"/>
+                </a:solidFill>
+              </a:rPr>
+              <a:t>T</a:t>
+            </a:r>
+            <a:r>
+              <a:rPr lang="en-US" sz="4400" dirty="0" smtClean="0">
+                <a:solidFill>
+                  <a:srgbClr val="EC0213"/>
+                </a:solidFill>
+              </a:rPr>
+              <a:t> </a:t>
+            </a:r>
+            <a:r>
+              <a:rPr lang="en-US" sz="4400" dirty="0" smtClean="0">
+                <a:solidFill>
+                  <a:schemeClr val="tx2"/>
+                </a:solidFill>
+              </a:rPr>
+              <a:t>for</a:t>
+            </a:r>
+            <a:r>
+              <a:rPr lang="en-US" sz="4400" dirty="0" smtClean="0">
+                <a:solidFill>
+                  <a:srgbClr val="EC0213"/>
+                </a:solidFill>
+              </a:rPr>
+              <a:t> </a:t>
+            </a:r>
+            <a:r>
+              <a:rPr lang="en-US" sz="4400" dirty="0" smtClean="0">
+                <a:solidFill>
+                  <a:srgbClr val="000000"/>
+                </a:solidFill>
+              </a:rPr>
+              <a:t>truth</a:t>
+            </a:r>
+            <a:r>
+              <a:rPr lang="en-US" sz="4400" dirty="0" smtClean="0">
+                <a:solidFill>
+                  <a:srgbClr val="EC0213"/>
+                </a:solidFill>
+              </a:rPr>
+              <a:t> </a:t>
+            </a:r>
+            <a:r>
+              <a:rPr lang="en-US" sz="4400" dirty="0" smtClean="0"/>
+              <a:t>assignment </a:t>
+            </a:r>
+            <a:r>
+              <a:rPr lang="en-US" sz="4400" dirty="0" smtClean="0">
+                <a:solidFill>
+                  <a:srgbClr val="BB0FAB"/>
+                </a:solidFill>
+              </a:rPr>
+              <a:t>A</a:t>
+            </a:r>
+            <a:r>
+              <a:rPr lang="en-US" sz="4400" dirty="0" smtClean="0"/>
+              <a:t>, </a:t>
+            </a:r>
+          </a:p>
+          <a:p>
+            <a:r>
+              <a:rPr lang="en-US" sz="4400" dirty="0" smtClean="0"/>
+              <a:t>and </a:t>
+            </a:r>
+            <a:r>
+              <a:rPr lang="en-US" sz="4400" dirty="0">
+                <a:solidFill>
+                  <a:srgbClr val="0000FF"/>
+                </a:solidFill>
+              </a:rPr>
+              <a:t>P </a:t>
+            </a:r>
+            <a:r>
+              <a:rPr lang="en-US" dirty="0">
+                <a:solidFill>
+                  <a:srgbClr val="0000FF"/>
+                </a:solidFill>
+              </a:rPr>
+              <a:t>IMPLIES</a:t>
+            </a:r>
+            <a:r>
+              <a:rPr lang="en-US" sz="4400" dirty="0">
+                <a:solidFill>
+                  <a:srgbClr val="0000FF"/>
+                </a:solidFill>
+              </a:rPr>
+              <a:t> </a:t>
+            </a:r>
+            <a:r>
+              <a:rPr lang="en-US" sz="4400" dirty="0" smtClean="0">
+                <a:solidFill>
+                  <a:srgbClr val="0000FF"/>
+                </a:solidFill>
+              </a:rPr>
+              <a:t>Q </a:t>
+            </a:r>
+            <a:r>
+              <a:rPr lang="en-US" sz="4400" dirty="0">
+                <a:solidFill>
+                  <a:srgbClr val="000000"/>
+                </a:solidFill>
+              </a:rPr>
+              <a:t>is</a:t>
+            </a:r>
+            <a:r>
+              <a:rPr lang="en-US" sz="5400" dirty="0" smtClean="0">
+                <a:solidFill>
+                  <a:srgbClr val="0000FF"/>
+                </a:solidFill>
+              </a:rPr>
+              <a:t> </a:t>
+            </a:r>
+            <a:r>
+              <a:rPr lang="en-US" sz="4400" dirty="0" smtClean="0">
                 <a:solidFill>
                   <a:srgbClr val="006600"/>
                 </a:solidFill>
@@ -7086,11 +7360,11 @@
               <a:t>T</a:t>
             </a:r>
             <a:r>
-              <a:rPr lang="en-US" sz="4000" dirty="0" smtClean="0"/>
-              <a:t> under </a:t>
-            </a:r>
-            <a:r>
-              <a:rPr lang="en-US" sz="4000" dirty="0" smtClean="0">
+              <a:rPr lang="en-US" sz="4400" dirty="0" smtClean="0"/>
+              <a:t> for </a:t>
+            </a:r>
+            <a:r>
+              <a:rPr lang="en-US" sz="4400" dirty="0" smtClean="0">
                 <a:solidFill>
                   <a:srgbClr val="BB0FAB"/>
                 </a:solidFill>
@@ -7098,83 +7372,90 @@
               <a:t>A</a:t>
             </a:r>
             <a:r>
-              <a:rPr lang="en-US" sz="4000" dirty="0" smtClean="0"/>
+              <a:rPr lang="en-US" sz="4400" dirty="0" smtClean="0"/>
               <a:t>,</a:t>
             </a:r>
           </a:p>
           <a:p>
-            <a:pPr algn="ctr"/>
-            <a:r>
-              <a:rPr lang="en-US" sz="4000" dirty="0" smtClean="0">
+            <a:r>
+              <a:rPr lang="en-US" sz="4400" dirty="0"/>
+              <a:t>t</a:t>
+            </a:r>
+            <a:r>
+              <a:rPr lang="en-US" sz="4400" dirty="0" smtClean="0"/>
+              <a:t>hen </a:t>
+            </a:r>
+            <a:r>
+              <a:rPr lang="en-US" sz="4400" dirty="0" smtClean="0">
+                <a:solidFill>
+                  <a:srgbClr val="006600"/>
+                </a:solidFill>
+              </a:rPr>
+              <a:t>Q</a:t>
+            </a:r>
+            <a:r>
+              <a:rPr lang="en-US" sz="4400" dirty="0" smtClean="0"/>
+              <a:t> is </a:t>
+            </a:r>
+            <a:r>
+              <a:rPr lang="en-US" sz="4400" dirty="0">
+                <a:solidFill>
+                  <a:srgbClr val="006600"/>
+                </a:solidFill>
+              </a:rPr>
+              <a:t>T</a:t>
+            </a:r>
+            <a:r>
+              <a:rPr lang="en-US" sz="4400" dirty="0"/>
+              <a:t> </a:t>
+            </a:r>
+            <a:r>
+              <a:rPr lang="en-US" sz="4400" dirty="0" smtClean="0"/>
+              <a:t>for </a:t>
+            </a:r>
+            <a:r>
+              <a:rPr lang="en-US" sz="4400" dirty="0" smtClean="0">
+                <a:solidFill>
+                  <a:srgbClr val="BB0FAB"/>
+                </a:solidFill>
+              </a:rPr>
+              <a:t>A</a:t>
+            </a:r>
+            <a:r>
+              <a:rPr lang="en-US" sz="4400" dirty="0" smtClean="0"/>
+              <a:t>.</a:t>
+            </a:r>
+          </a:p>
+          <a:p>
+            <a:r>
+              <a:rPr lang="en-US" sz="4400" dirty="0"/>
+              <a:t>(by truth table for</a:t>
+            </a:r>
+            <a:r>
+              <a:rPr lang="en-US" sz="4400" dirty="0">
+                <a:solidFill>
+                  <a:srgbClr val="BB0FAB"/>
+                </a:solidFill>
+              </a:rPr>
+              <a:t> </a:t>
+            </a:r>
+            <a:r>
+              <a:rPr lang="en-US" dirty="0">
                 <a:solidFill>
                   <a:srgbClr val="0000FF"/>
                 </a:solidFill>
               </a:rPr>
-              <a:t>P </a:t>
-            </a:r>
-            <a:r>
-              <a:rPr lang="en-US" sz="3200" dirty="0">
-                <a:solidFill>
-                  <a:srgbClr val="0000FF"/>
-                </a:solidFill>
-              </a:rPr>
               <a:t>IMPLIES</a:t>
             </a:r>
             <a:r>
-              <a:rPr lang="en-US" sz="4000" dirty="0">
-                <a:solidFill>
-                  <a:srgbClr val="0000FF"/>
-                </a:solidFill>
-              </a:rPr>
-              <a:t> </a:t>
-            </a:r>
-            <a:r>
-              <a:rPr lang="en-US" sz="4000" dirty="0" smtClean="0">
-                <a:solidFill>
-                  <a:srgbClr val="0000FF"/>
-                </a:solidFill>
-              </a:rPr>
-              <a:t>Q </a:t>
-            </a:r>
-          </a:p>
-          <a:p>
-            <a:r>
-              <a:rPr lang="en-US" sz="4000" dirty="0" smtClean="0"/>
-              <a:t>is also</a:t>
-            </a:r>
-            <a:r>
-              <a:rPr lang="en-US" sz="4000" dirty="0" smtClean="0">
-                <a:solidFill>
-                  <a:srgbClr val="0000FF"/>
-                </a:solidFill>
-              </a:rPr>
-              <a:t> </a:t>
-            </a:r>
-            <a:r>
-              <a:rPr lang="en-US" sz="4000" dirty="0" smtClean="0">
-                <a:solidFill>
-                  <a:srgbClr val="EC0213"/>
-                </a:solidFill>
-              </a:rPr>
-              <a:t>F </a:t>
-            </a:r>
-            <a:r>
-              <a:rPr lang="en-US" sz="4000" dirty="0" smtClean="0">
+              <a:rPr lang="en-US" sz="4400" dirty="0" smtClean="0">
                 <a:solidFill>
                   <a:srgbClr val="000000"/>
                 </a:solidFill>
               </a:rPr>
-              <a:t>under </a:t>
-            </a:r>
-            <a:r>
-              <a:rPr lang="en-US" sz="4000" dirty="0" smtClean="0">
-                <a:solidFill>
-                  <a:srgbClr val="BB0FAB"/>
-                </a:solidFill>
-              </a:rPr>
-              <a:t>A</a:t>
-            </a:r>
-            <a:endParaRPr lang="en-US" sz="4000" dirty="0">
+              <a:t>)</a:t>
+            </a:r>
+            <a:endParaRPr lang="en-US" sz="4400" dirty="0">
               <a:solidFill>
                 <a:srgbClr val="000000"/>
               </a:solidFill>
@@ -7218,25 +7499,16 @@
     </p:spTree>
     <p:extLst>
       <p:ext uri="{BB962C8B-B14F-4D97-AF65-F5344CB8AC3E}">
-        <p14:creationId xmlns:p14="http://schemas.microsoft.com/office/powerpoint/2010/main" val="2814340323"/>
+        <p14:creationId xmlns:p14="http://schemas.microsoft.com/office/powerpoint/2010/main" val="3158500728"/>
       </p:ext>
     </p:extLst>
   </p:cSld>
   <p:clrMapOvr>
     <a:masterClrMapping/>
   </p:clrMapOvr>
-  <mc:AlternateContent xmlns:mc="http://schemas.openxmlformats.org/markup-compatibility/2006">
-    <mc:Choice xmlns:p14="http://schemas.microsoft.com/office/powerpoint/2010/main" Requires="p14">
-      <p:transition spd="med" p14:dur="700" advClick="0">
-        <p:fade/>
-      </p:transition>
-    </mc:Choice>
-    <mc:Fallback>
-      <p:transition xmlns:p14="http://schemas.microsoft.com/office/powerpoint/2010/main" spd="med" advClick="0">
-        <p:fade/>
-      </p:transition>
-    </mc:Fallback>
-  </mc:AlternateContent>
+  <p:transition xmlns:p14="http://schemas.microsoft.com/office/powerpoint/2010/main" spd="slow" advClick="0">
+    <p:fade/>
+  </p:transition>
   <p:timing>
     <p:tnLst>
       <p:par>
@@ -7300,15 +7572,33 @@
                                   </p:childTnLst>
                                 </p:cTn>
                               </p:par>
+                            </p:childTnLst>
+                          </p:cTn>
+                        </p:par>
+                      </p:childTnLst>
+                    </p:cTn>
+                  </p:par>
+                  <p:par>
+                    <p:cTn id="8" fill="hold">
+                      <p:stCondLst>
+                        <p:cond delay="indefinite"/>
+                      </p:stCondLst>
+                      <p:childTnLst>
+                        <p:par>
+                          <p:cTn id="9" fill="hold">
+                            <p:stCondLst>
+                              <p:cond delay="0"/>
+                            </p:stCondLst>
+                            <p:childTnLst>
                               <p:par>
-                                <p:cTn id="8" presetID="10" presetClass="entr" presetSubtype="0" fill="hold" nodeType="withEffect">
+                                <p:cTn id="10" presetID="10" presetClass="entr" presetSubtype="0" fill="hold" nodeType="clickEffect">
                                   <p:stCondLst>
                                     <p:cond delay="0"/>
                                   </p:stCondLst>
                                   <p:childTnLst>
                                     <p:set>
                                       <p:cBhvr>
-                                        <p:cTn id="9" dur="1" fill="hold">
+                                        <p:cTn id="11" dur="1" fill="hold">
                                           <p:stCondLst>
                                             <p:cond delay="0"/>
                                           </p:stCondLst>
@@ -7330,11 +7620,72 @@
                                     </p:set>
                                     <p:animEffect transition="in" filter="fade">
                                       <p:cBhvr>
-                                        <p:cTn id="10" dur="500"/>
+                                        <p:cTn id="12" dur="500"/>
                                         <p:tgtEl>
                                           <p:spTgt spid="3">
                                             <p:txEl>
                                               <p:pRg st="2" end="2"/>
+                                            </p:txEl>
+                                          </p:spTgt>
+                                        </p:tgtEl>
+                                      </p:cBhvr>
+                                    </p:animEffect>
+                                  </p:childTnLst>
+                                </p:cTn>
+                              </p:par>
+                            </p:childTnLst>
+                          </p:cTn>
+                        </p:par>
+                      </p:childTnLst>
+                    </p:cTn>
+                  </p:par>
+                  <p:par>
+                    <p:cTn id="13" fill="hold">
+                      <p:stCondLst>
+                        <p:cond delay="indefinite"/>
+                      </p:stCondLst>
+                      <p:childTnLst>
+                        <p:par>
+                          <p:cTn id="14" fill="hold">
+                            <p:stCondLst>
+                              <p:cond delay="0"/>
+                            </p:stCondLst>
+                            <p:childTnLst>
+                              <p:par>
+                                <p:cTn id="15" presetID="10" presetClass="entr" presetSubtype="0" fill="hold" nodeType="clickEffect">
+                                  <p:stCondLst>
+                                    <p:cond delay="0"/>
+                                  </p:stCondLst>
+                                  <p:childTnLst>
+                                    <p:set>
+                                      <p:cBhvr>
+                                        <p:cTn id="16" dur="1" fill="hold">
+                                          <p:stCondLst>
+                                            <p:cond delay="0"/>
+                                          </p:stCondLst>
+                                        </p:cTn>
+                                        <p:tgtEl>
+                                          <p:spTgt spid="3">
+                                            <p:txEl>
+                                              <p:pRg st="3" end="3"/>
+                                            </p:txEl>
+                                          </p:spTgt>
+                                        </p:tgtEl>
+                                        <p:attrNameLst>
+                                          <p:attrName>style.visibility</p:attrName>
+                                        </p:attrNameLst>
+                                      </p:cBhvr>
+                                      <p:to>
+                                        <p:strVal val="visible"/>
+                                      </p:to>
+                                    </p:set>
+                                    <p:animEffect transition="in" filter="fade">
+                                      <p:cBhvr>
+                                        <p:cTn id="17" dur="500"/>
+                                        <p:tgtEl>
+                                          <p:spTgt spid="3">
+                                            <p:txEl>
+                                              <p:pRg st="3" end="3"/>
                                             </p:txEl>
                                           </p:spTgt>
                                         </p:tgtEl>
@@ -7442,8 +7793,8 @@
         </p:nvSpPr>
         <p:spPr>
           <a:xfrm>
-            <a:off x="172903" y="1427624"/>
-            <a:ext cx="8874016" cy="4817660"/>
+            <a:off x="172902" y="1385640"/>
+            <a:ext cx="8971097" cy="5203030"/>
           </a:xfrm>
         </p:spPr>
         <p:txBody>
@@ -7451,99 +7802,11 @@
           <a:lstStyle/>
           <a:p>
             <a:r>
-              <a:rPr lang="en-US" sz="4000" dirty="0"/>
-              <a:t>B</a:t>
-            </a:r>
-            <a:r>
-              <a:rPr lang="en-US" sz="4000" dirty="0" smtClean="0"/>
-              <a:t>y contradiction: If </a:t>
-            </a:r>
-            <a:r>
-              <a:rPr lang="en-US" sz="4000" dirty="0" smtClean="0">
-                <a:solidFill>
-                  <a:srgbClr val="0000FF"/>
-                </a:solidFill>
-              </a:rPr>
-              <a:t>Q</a:t>
-            </a:r>
-            <a:r>
-              <a:rPr lang="en-US" sz="4000" dirty="0" smtClean="0"/>
-              <a:t> was </a:t>
-            </a:r>
-            <a:r>
-              <a:rPr lang="en-US" sz="4000" dirty="0" smtClean="0">
-                <a:solidFill>
-                  <a:srgbClr val="EC0213"/>
-                </a:solidFill>
-              </a:rPr>
-              <a:t>F</a:t>
-            </a:r>
-            <a:r>
-              <a:rPr lang="en-US" sz="4000" dirty="0" smtClean="0">
-                <a:solidFill>
-                  <a:srgbClr val="000000"/>
-                </a:solidFill>
-              </a:rPr>
-              <a:t> under</a:t>
-            </a:r>
-            <a:r>
-              <a:rPr lang="en-US" sz="4000" dirty="0" smtClean="0">
-                <a:solidFill>
-                  <a:srgbClr val="EC0213"/>
-                </a:solidFill>
-              </a:rPr>
-              <a:t> </a:t>
-            </a:r>
-            <a:r>
-              <a:rPr lang="en-US" sz="4000" dirty="0" smtClean="0">
-                <a:solidFill>
-                  <a:srgbClr val="000000"/>
-                </a:solidFill>
-              </a:rPr>
-              <a:t>some</a:t>
-            </a:r>
-            <a:r>
-              <a:rPr lang="en-US" sz="4000" dirty="0" smtClean="0">
-                <a:solidFill>
-                  <a:srgbClr val="EC0213"/>
-                </a:solidFill>
-              </a:rPr>
-              <a:t> </a:t>
-            </a:r>
-            <a:r>
-              <a:rPr lang="en-US" sz="4000" dirty="0" smtClean="0">
-                <a:solidFill>
-                  <a:srgbClr val="000000"/>
-                </a:solidFill>
-              </a:rPr>
-              <a:t>truth</a:t>
-            </a:r>
-            <a:r>
-              <a:rPr lang="en-US" sz="4000" dirty="0" smtClean="0">
-                <a:solidFill>
-                  <a:srgbClr val="EC0213"/>
-                </a:solidFill>
-              </a:rPr>
-              <a:t> </a:t>
-            </a:r>
-            <a:r>
-              <a:rPr lang="en-US" sz="4000" dirty="0" smtClean="0"/>
-              <a:t>assignment </a:t>
-            </a:r>
-            <a:r>
-              <a:rPr lang="en-US" sz="4000" dirty="0" smtClean="0">
-                <a:solidFill>
-                  <a:srgbClr val="BB0FAB"/>
-                </a:solidFill>
-              </a:rPr>
-              <a:t>A</a:t>
-            </a:r>
-            <a:r>
-              <a:rPr lang="en-US" sz="4000" dirty="0" smtClean="0"/>
-              <a:t>, then since </a:t>
-            </a:r>
-            <a:r>
-              <a:rPr lang="en-US" sz="4000" dirty="0" smtClean="0">
+              <a:rPr lang="en-US" sz="4400" dirty="0" smtClean="0"/>
+              <a:t>If </a:t>
+            </a:r>
+            <a:r>
+              <a:rPr lang="en-US" sz="4400" dirty="0" smtClean="0">
                 <a:solidFill>
                   <a:schemeClr val="accent1">
                     <a:lumMod val="50000"/>
@@ -7553,11 +7816,133 @@
               <a:t>P</a:t>
             </a:r>
             <a:r>
-              <a:rPr lang="en-US" sz="4000" dirty="0" smtClean="0"/>
-              <a:t> has to be </a:t>
-            </a:r>
-            <a:r>
-              <a:rPr lang="en-US" sz="4000" dirty="0" smtClean="0">
+              <a:rPr lang="en-US" sz="4400" dirty="0" smtClean="0"/>
+              <a:t> is </a:t>
+            </a:r>
+            <a:r>
+              <a:rPr lang="en-US" sz="4400" dirty="0" smtClean="0">
+                <a:solidFill>
+                  <a:srgbClr val="008000"/>
+                </a:solidFill>
+              </a:rPr>
+              <a:t>T</a:t>
+            </a:r>
+            <a:r>
+              <a:rPr lang="en-US" sz="4400" dirty="0" smtClean="0">
+                <a:solidFill>
+                  <a:srgbClr val="EC0213"/>
+                </a:solidFill>
+              </a:rPr>
+              <a:t> </a:t>
+            </a:r>
+            <a:r>
+              <a:rPr lang="en-US" sz="4400" dirty="0" smtClean="0">
+                <a:solidFill>
+                  <a:schemeClr val="tx2"/>
+                </a:solidFill>
+              </a:rPr>
+              <a:t>for</a:t>
+            </a:r>
+            <a:r>
+              <a:rPr lang="en-US" sz="4400" dirty="0" smtClean="0">
+                <a:solidFill>
+                  <a:srgbClr val="EC0213"/>
+                </a:solidFill>
+              </a:rPr>
+              <a:t> </a:t>
+            </a:r>
+            <a:r>
+              <a:rPr lang="en-US" sz="4400" dirty="0" smtClean="0">
+                <a:solidFill>
+                  <a:srgbClr val="000000"/>
+                </a:solidFill>
+              </a:rPr>
+              <a:t>truth</a:t>
+            </a:r>
+            <a:r>
+              <a:rPr lang="en-US" sz="4400" dirty="0" smtClean="0">
+                <a:solidFill>
+                  <a:srgbClr val="EC0213"/>
+                </a:solidFill>
+              </a:rPr>
+              <a:t> </a:t>
+            </a:r>
+            <a:r>
+              <a:rPr lang="en-US" sz="4400" dirty="0" smtClean="0"/>
+              <a:t>assignment </a:t>
+            </a:r>
+            <a:r>
+              <a:rPr lang="en-US" sz="4400" dirty="0" smtClean="0">
+                <a:solidFill>
+                  <a:srgbClr val="BB0FAB"/>
+                </a:solidFill>
+              </a:rPr>
+              <a:t>A</a:t>
+            </a:r>
+            <a:r>
+              <a:rPr lang="en-US" sz="4400" dirty="0" smtClean="0"/>
+              <a:t>,</a:t>
+            </a:r>
+          </a:p>
+          <a:p>
+            <a:r>
+              <a:rPr lang="en-US" sz="4400" dirty="0"/>
+              <a:t>a</a:t>
+            </a:r>
+            <a:r>
+              <a:rPr lang="en-US" sz="4400" dirty="0" smtClean="0"/>
+              <a:t>nd </a:t>
+            </a:r>
+            <a:r>
+              <a:rPr lang="en-US" sz="4400" dirty="0">
+                <a:solidFill>
+                  <a:srgbClr val="0000FF"/>
+                </a:solidFill>
+              </a:rPr>
+              <a:t>P </a:t>
+            </a:r>
+            <a:r>
+              <a:rPr lang="en-US" dirty="0">
+                <a:solidFill>
+                  <a:srgbClr val="0000FF"/>
+                </a:solidFill>
+              </a:rPr>
+              <a:t>IMPLIES</a:t>
+            </a:r>
+            <a:r>
+              <a:rPr lang="en-US" sz="4400" dirty="0">
+                <a:solidFill>
+                  <a:srgbClr val="0000FF"/>
+                </a:solidFill>
+              </a:rPr>
+              <a:t> </a:t>
+            </a:r>
+            <a:r>
+              <a:rPr lang="en-US" sz="4400" dirty="0" smtClean="0">
+                <a:solidFill>
+                  <a:srgbClr val="0000FF"/>
+                </a:solidFill>
+              </a:rPr>
+              <a:t>Q </a:t>
+            </a:r>
+            <a:r>
+              <a:rPr lang="en-US" sz="4400" dirty="0">
+                <a:solidFill>
+                  <a:srgbClr val="000000"/>
+                </a:solidFill>
+              </a:rPr>
+              <a:t>is</a:t>
+            </a:r>
+            <a:r>
+              <a:rPr lang="en-US" sz="5400" dirty="0" smtClean="0">
+                <a:solidFill>
+                  <a:srgbClr val="0000FF"/>
+                </a:solidFill>
+              </a:rPr>
+              <a:t> </a:t>
+            </a:r>
+            <a:r>
+              <a:rPr lang="en-US" sz="4400" dirty="0" smtClean="0">
                 <a:solidFill>
                   <a:srgbClr val="006600"/>
                 </a:solidFill>
@@ -7565,11 +7950,11 @@
               <a:t>T</a:t>
             </a:r>
             <a:r>
-              <a:rPr lang="en-US" sz="4000" dirty="0" smtClean="0"/>
-              <a:t> under </a:t>
-            </a:r>
-            <a:r>
-              <a:rPr lang="en-US" sz="4000" dirty="0" smtClean="0">
+              <a:rPr lang="en-US" sz="4400" dirty="0" smtClean="0"/>
+              <a:t> for </a:t>
+            </a:r>
+            <a:r>
+              <a:rPr lang="en-US" sz="4400" dirty="0" smtClean="0">
                 <a:solidFill>
                   <a:srgbClr val="BB0FAB"/>
                 </a:solidFill>
@@ -7577,175 +7962,184 @@
               <a:t>A</a:t>
             </a:r>
             <a:r>
-              <a:rPr lang="en-US" sz="4000" dirty="0" smtClean="0"/>
+              <a:rPr lang="en-US" sz="4400" dirty="0" smtClean="0"/>
               <a:t>,</a:t>
             </a:r>
           </a:p>
           <a:p>
-            <a:pPr algn="ctr"/>
-            <a:r>
-              <a:rPr lang="en-US" sz="4000" dirty="0" smtClean="0">
-                <a:solidFill>
-                  <a:srgbClr val="0000FF"/>
-                </a:solidFill>
-              </a:rPr>
-              <a:t>P </a:t>
-            </a:r>
-            <a:r>
-              <a:rPr lang="en-US" sz="3200" dirty="0">
-                <a:solidFill>
-                  <a:srgbClr val="0000FF"/>
-                </a:solidFill>
-              </a:rPr>
-              <a:t>IMPLIES</a:t>
-            </a:r>
-            <a:r>
-              <a:rPr lang="en-US" sz="4000" dirty="0">
-                <a:solidFill>
-                  <a:srgbClr val="0000FF"/>
-                </a:solidFill>
-              </a:rPr>
+            <a:r>
+              <a:rPr lang="en-US" sz="4400" dirty="0"/>
+              <a:t>t</a:t>
+            </a:r>
+            <a:r>
+              <a:rPr lang="en-US" sz="4400" dirty="0" smtClean="0"/>
+              <a:t>hen </a:t>
+            </a:r>
+            <a:r>
+              <a:rPr lang="en-US" sz="4400" dirty="0" smtClean="0">
+                <a:solidFill>
+                  <a:srgbClr val="006600"/>
+                </a:solidFill>
+              </a:rPr>
+              <a:t>Q</a:t>
+            </a:r>
+            <a:r>
+              <a:rPr lang="en-US" sz="4400" dirty="0" smtClean="0"/>
+              <a:t> is </a:t>
+            </a:r>
+            <a:r>
+              <a:rPr lang="en-US" sz="4400" dirty="0">
+                <a:solidFill>
+                  <a:srgbClr val="006600"/>
+                </a:solidFill>
+              </a:rPr>
+              <a:t>T</a:t>
+            </a:r>
+            <a:r>
+              <a:rPr lang="en-US" sz="4400" dirty="0"/>
               <a:t> </a:t>
             </a:r>
             <a:r>
-              <a:rPr lang="en-US" sz="4000" dirty="0" smtClean="0">
-                <a:solidFill>
-                  <a:srgbClr val="0000FF"/>
-                </a:solidFill>
-              </a:rPr>
-              <a:t>Q </a:t>
-            </a:r>
-          </a:p>
-          <a:p>
-            <a:r>
-              <a:rPr lang="en-US" sz="4000" dirty="0" smtClean="0"/>
-              <a:t>is also</a:t>
-            </a:r>
-            <a:r>
-              <a:rPr lang="en-US" sz="4000" dirty="0" smtClean="0">
-                <a:solidFill>
-                  <a:srgbClr val="0000FF"/>
-                </a:solidFill>
-              </a:rPr>
-              <a:t> </a:t>
-            </a:r>
-            <a:r>
-              <a:rPr lang="en-US" sz="4000" dirty="0" smtClean="0">
-                <a:solidFill>
-                  <a:srgbClr val="EC0213"/>
-                </a:solidFill>
-              </a:rPr>
-              <a:t>F </a:t>
-            </a:r>
-            <a:r>
-              <a:rPr lang="en-US" sz="4000" dirty="0" smtClean="0">
+              <a:rPr lang="en-US" sz="4400" dirty="0" smtClean="0"/>
+              <a:t>for </a:t>
+            </a:r>
+            <a:r>
+              <a:rPr lang="en-US" sz="4400" dirty="0" smtClean="0">
+                <a:solidFill>
+                  <a:srgbClr val="BB0FAB"/>
+                </a:solidFill>
+              </a:rPr>
+              <a:t>A</a:t>
+            </a:r>
+            <a:r>
+              <a:rPr lang="en-US" sz="4400" dirty="0" smtClean="0"/>
+              <a:t>.</a:t>
+            </a:r>
+            <a:endParaRPr lang="en-US" sz="4400" dirty="0" smtClean="0">
+              <a:solidFill>
+                <a:srgbClr val="000000"/>
+              </a:solidFill>
+            </a:endParaRPr>
+          </a:p>
+          <a:p>
+            <a:r>
+              <a:rPr lang="en-US" sz="4400" dirty="0" smtClean="0">
                 <a:solidFill>
                   <a:srgbClr val="000000"/>
                 </a:solidFill>
               </a:rPr>
-              <a:t>under </a:t>
-            </a:r>
-            <a:r>
-              <a:rPr lang="en-US" sz="4000" dirty="0" smtClean="0">
-                <a:solidFill>
-                  <a:srgbClr val="BB0FAB"/>
-                </a:solidFill>
-              </a:rPr>
-              <a:t>A</a:t>
-            </a:r>
-            <a:r>
-              <a:rPr lang="en-US" sz="4000" dirty="0" smtClean="0">
-                <a:solidFill>
-                  <a:srgbClr val="000000"/>
-                </a:solidFill>
-              </a:rPr>
-              <a:t>,</a:t>
-            </a:r>
-            <a:r>
-              <a:rPr lang="en-US" sz="4000" dirty="0" smtClean="0">
-                <a:solidFill>
-                  <a:srgbClr val="BB0FAB"/>
-                </a:solidFill>
-              </a:rPr>
-              <a:t> </a:t>
-            </a:r>
-            <a:r>
-              <a:rPr lang="en-US" sz="4000" dirty="0" smtClean="0"/>
-              <a:t>so it is not valid.</a:t>
-            </a:r>
-          </a:p>
-          <a:p>
-            <a:r>
-              <a:rPr lang="en-US" sz="4000" dirty="0" smtClean="0">
-                <a:solidFill>
-                  <a:srgbClr val="000000"/>
-                </a:solidFill>
-              </a:rPr>
-              <a:t>This contradiction implies that</a:t>
-            </a:r>
-          </a:p>
-          <a:p>
-            <a:r>
-              <a:rPr lang="en-US" sz="4000" dirty="0">
+              <a:t>But </a:t>
+            </a:r>
+            <a:r>
+              <a:rPr lang="en-US" sz="4400" dirty="0">
                 <a:solidFill>
                   <a:schemeClr val="accent1">
                     <a:lumMod val="50000"/>
                   </a:schemeClr>
                 </a:solidFill>
               </a:rPr>
+              <a:t>P</a:t>
+            </a:r>
+            <a:r>
+              <a:rPr lang="en-US" sz="4400" dirty="0"/>
+              <a:t> </a:t>
+            </a:r>
+            <a:r>
+              <a:rPr lang="en-US" sz="4400" dirty="0" smtClean="0"/>
+              <a:t>and </a:t>
+            </a:r>
+            <a:r>
+              <a:rPr lang="en-US" sz="4400" dirty="0">
+                <a:solidFill>
+                  <a:srgbClr val="0000FF"/>
+                </a:solidFill>
+              </a:rPr>
+              <a:t>P </a:t>
+            </a:r>
+            <a:r>
+              <a:rPr lang="en-US" dirty="0">
+                <a:solidFill>
+                  <a:srgbClr val="0000FF"/>
+                </a:solidFill>
+              </a:rPr>
+              <a:t>IMPLIES</a:t>
+            </a:r>
+            <a:r>
+              <a:rPr lang="en-US" sz="4400" dirty="0">
+                <a:solidFill>
+                  <a:srgbClr val="0000FF"/>
+                </a:solidFill>
+              </a:rPr>
+              <a:t> </a:t>
+            </a:r>
+            <a:r>
+              <a:rPr lang="en-US" sz="4400" dirty="0" smtClean="0">
+                <a:solidFill>
+                  <a:srgbClr val="0000FF"/>
+                </a:solidFill>
+              </a:rPr>
               <a:t>Q</a:t>
             </a:r>
             <a:r>
-              <a:rPr lang="en-US" sz="4000" dirty="0">
+              <a:rPr lang="en-US" sz="5400" dirty="0" smtClean="0">
+                <a:solidFill>
+                  <a:srgbClr val="0000FF"/>
+                </a:solidFill>
+              </a:rPr>
+              <a:t> </a:t>
+            </a:r>
+            <a:r>
+              <a:rPr lang="en-US" sz="4400" dirty="0" smtClean="0"/>
+              <a:t>are </a:t>
+            </a:r>
+            <a:r>
+              <a:rPr lang="en-US" sz="4400" dirty="0">
+                <a:solidFill>
+                  <a:srgbClr val="008000"/>
+                </a:solidFill>
+              </a:rPr>
+              <a:t>T</a:t>
+            </a:r>
+            <a:r>
+              <a:rPr lang="en-US" sz="4400" dirty="0">
+                <a:solidFill>
+                  <a:srgbClr val="EC0213"/>
+                </a:solidFill>
+              </a:rPr>
+              <a:t> </a:t>
+            </a:r>
+            <a:r>
+              <a:rPr lang="en-US" sz="4400" dirty="0">
+                <a:solidFill>
+                  <a:schemeClr val="tx2"/>
+                </a:solidFill>
+              </a:rPr>
+              <a:t>for</a:t>
+            </a:r>
+            <a:endParaRPr lang="en-US" sz="4400" dirty="0" smtClean="0">
+              <a:solidFill>
+                <a:srgbClr val="000000"/>
+              </a:solidFill>
+            </a:endParaRPr>
+          </a:p>
+          <a:p>
+            <a:r>
+              <a:rPr lang="en-US" sz="4400" dirty="0" smtClean="0">
                 <a:solidFill>
                   <a:srgbClr val="000000"/>
                 </a:solidFill>
               </a:rPr>
-              <a:t> must be </a:t>
-            </a:r>
-            <a:r>
-              <a:rPr lang="en-US" sz="4000" dirty="0">
-                <a:solidFill>
-                  <a:srgbClr val="EC0213"/>
-                </a:solidFill>
-              </a:rPr>
-              <a:t>T</a:t>
-            </a:r>
-            <a:r>
-              <a:rPr lang="en-US" sz="4000" dirty="0">
-                <a:solidFill>
-                  <a:srgbClr val="000000"/>
-                </a:solidFill>
-              </a:rPr>
-              <a:t> under </a:t>
-            </a:r>
-            <a:r>
-              <a:rPr lang="en-US" sz="4000" dirty="0" smtClean="0">
-                <a:solidFill>
-                  <a:srgbClr val="000000"/>
-                </a:solidFill>
-              </a:rPr>
               <a:t>every </a:t>
             </a:r>
             <a:r>
-              <a:rPr lang="en-US" sz="4000" dirty="0">
+              <a:rPr lang="en-US" sz="4400" dirty="0" smtClean="0">
                 <a:solidFill>
                   <a:srgbClr val="BB0FAB"/>
                 </a:solidFill>
               </a:rPr>
               <a:t>A</a:t>
             </a:r>
-            <a:r>
-              <a:rPr lang="en-US" sz="4000" dirty="0">
-                <a:solidFill>
-                  <a:srgbClr val="000000"/>
-                </a:solidFill>
-              </a:rPr>
-              <a:t>.</a:t>
-            </a:r>
-          </a:p>
-          <a:p>
-            <a:endParaRPr lang="en-US" sz="4000" dirty="0">
+            <a:endParaRPr lang="en-US" sz="4400" dirty="0">
               <a:solidFill>
                 <a:srgbClr val="000000"/>
               </a:solidFill>
@@ -7789,25 +8183,1333 @@
     </p:spTree>
     <p:extLst>
       <p:ext uri="{BB962C8B-B14F-4D97-AF65-F5344CB8AC3E}">
-        <p14:creationId xmlns:p14="http://schemas.microsoft.com/office/powerpoint/2010/main" val="1629307582"/>
+        <p14:creationId xmlns:p14="http://schemas.microsoft.com/office/powerpoint/2010/main" val="3354433252"/>
       </p:ext>
     </p:extLst>
   </p:cSld>
   <p:clrMapOvr>
     <a:masterClrMapping/>
   </p:clrMapOvr>
-  <mc:AlternateContent xmlns:mc="http://schemas.openxmlformats.org/markup-compatibility/2006">
-    <mc:Choice xmlns:p14="http://schemas.microsoft.com/office/powerpoint/2010/main" Requires="p14">
+  <mc:AlternateContent xmlns:mc="http://schemas.openxmlformats.org/markup-compatibility/2006" xmlns:p14="http://schemas.microsoft.com/office/powerpoint/2010/main">
+    <mc:Choice Requires="p14">
       <p:transition spd="med" p14:dur="700" advClick="0">
         <p:fade/>
       </p:transition>
     </mc:Choice>
-    <mc:Fallback>
+    <mc:Fallback xmlns="">
       <p:transition xmlns:p14="http://schemas.microsoft.com/office/powerpoint/2010/main" spd="med" advClick="0">
         <p:fade/>
       </p:transition>
     </mc:Fallback>
   </mc:AlternateContent>
+  <p:timing>
+    <p:tnLst>
+      <p:par>
+        <p:cTn xmlns:p14="http://schemas.microsoft.com/office/powerpoint/2010/main" id="1" dur="indefinite" restart="never" nodeType="tmRoot"/>
+      </p:par>
+    </p:tnLst>
+  </p:timing>
+</p:sld>
+</file>
+
+<file path=ppt/slides/slide14.xml><?xml version="1.0" encoding="utf-8"?>
+<p:sld xmlns:a="http://schemas.openxmlformats.org/drawingml/2006/main" xmlns:r="http://schemas.openxmlformats.org/officeDocument/2006/relationships" xmlns:p="http://schemas.openxmlformats.org/presentationml/2006/main">
+  <p:cSld>
+    <p:spTree>
+      <p:nvGrpSpPr>
+        <p:cNvPr id="1" name=""/>
+        <p:cNvGrpSpPr/>
+        <p:nvPr/>
+      </p:nvGrpSpPr>
+      <p:grpSpPr>
+        <a:xfrm>
+          <a:off x="0" y="0"/>
+          <a:ext cx="0" cy="0"/>
+          <a:chOff x="0" y="0"/>
+          <a:chExt cx="0" cy="0"/>
+        </a:xfrm>
+      </p:grpSpPr>
+      <p:sp>
+        <p:nvSpPr>
+          <p:cNvPr id="2" name="Title 1"/>
+          <p:cNvSpPr>
+            <a:spLocks noGrp="1"/>
+          </p:cNvSpPr>
+          <p:nvPr>
+            <p:ph type="title"/>
+          </p:nvPr>
+        </p:nvSpPr>
+        <p:spPr/>
+        <p:txBody>
+          <a:bodyPr/>
+          <a:lstStyle/>
+          <a:p>
+            <a:r>
+              <a:rPr lang="en-US" dirty="0">
+                <a:solidFill>
+                  <a:srgbClr val="BB0FAB"/>
+                </a:solidFill>
+              </a:rPr>
+              <a:t>modus ponens</a:t>
+            </a:r>
+            <a:r>
+              <a:rPr lang="en-US" dirty="0"/>
+              <a:t> is </a:t>
+            </a:r>
+            <a:r>
+              <a:rPr lang="en-US" dirty="0" smtClean="0">
+                <a:solidFill>
+                  <a:srgbClr val="006600"/>
+                </a:solidFill>
+              </a:rPr>
+              <a:t>sound</a:t>
+            </a:r>
+            <a:endParaRPr lang="en-US" dirty="0"/>
+          </a:p>
+        </p:txBody>
+      </p:sp>
+      <p:sp>
+        <p:nvSpPr>
+          <p:cNvPr id="3" name="Content Placeholder 2"/>
+          <p:cNvSpPr>
+            <a:spLocks noGrp="1"/>
+          </p:cNvSpPr>
+          <p:nvPr>
+            <p:ph idx="1"/>
+          </p:nvPr>
+        </p:nvSpPr>
+        <p:spPr>
+          <a:xfrm>
+            <a:off x="172902" y="1385640"/>
+            <a:ext cx="8971097" cy="5203030"/>
+          </a:xfrm>
+        </p:spPr>
+        <p:txBody>
+          <a:bodyPr/>
+          <a:lstStyle/>
+          <a:p>
+            <a:r>
+              <a:rPr lang="en-US" sz="4400" dirty="0" smtClean="0"/>
+              <a:t>If </a:t>
+            </a:r>
+            <a:r>
+              <a:rPr lang="en-US" sz="4400" dirty="0" smtClean="0">
+                <a:solidFill>
+                  <a:schemeClr val="accent1">
+                    <a:lumMod val="50000"/>
+                  </a:schemeClr>
+                </a:solidFill>
+              </a:rPr>
+              <a:t>P</a:t>
+            </a:r>
+            <a:r>
+              <a:rPr lang="en-US" sz="4400" dirty="0" smtClean="0"/>
+              <a:t> is </a:t>
+            </a:r>
+            <a:r>
+              <a:rPr lang="en-US" sz="4400" dirty="0" smtClean="0">
+                <a:solidFill>
+                  <a:srgbClr val="008000"/>
+                </a:solidFill>
+              </a:rPr>
+              <a:t>T</a:t>
+            </a:r>
+            <a:r>
+              <a:rPr lang="en-US" sz="4400" dirty="0" smtClean="0">
+                <a:solidFill>
+                  <a:srgbClr val="EC0213"/>
+                </a:solidFill>
+              </a:rPr>
+              <a:t> </a:t>
+            </a:r>
+            <a:r>
+              <a:rPr lang="en-US" sz="4400" dirty="0" smtClean="0">
+                <a:solidFill>
+                  <a:schemeClr val="tx2"/>
+                </a:solidFill>
+              </a:rPr>
+              <a:t>for</a:t>
+            </a:r>
+            <a:r>
+              <a:rPr lang="en-US" sz="4400" dirty="0" smtClean="0">
+                <a:solidFill>
+                  <a:srgbClr val="EC0213"/>
+                </a:solidFill>
+              </a:rPr>
+              <a:t> </a:t>
+            </a:r>
+            <a:r>
+              <a:rPr lang="en-US" sz="4400" dirty="0" smtClean="0">
+                <a:solidFill>
+                  <a:srgbClr val="000000"/>
+                </a:solidFill>
+              </a:rPr>
+              <a:t>truth</a:t>
+            </a:r>
+            <a:r>
+              <a:rPr lang="en-US" sz="4400" dirty="0" smtClean="0">
+                <a:solidFill>
+                  <a:srgbClr val="EC0213"/>
+                </a:solidFill>
+              </a:rPr>
+              <a:t> </a:t>
+            </a:r>
+            <a:r>
+              <a:rPr lang="en-US" sz="4400" dirty="0" smtClean="0"/>
+              <a:t>assignment </a:t>
+            </a:r>
+            <a:r>
+              <a:rPr lang="en-US" sz="4400" dirty="0" smtClean="0">
+                <a:solidFill>
+                  <a:srgbClr val="BB0FAB"/>
+                </a:solidFill>
+              </a:rPr>
+              <a:t>A</a:t>
+            </a:r>
+            <a:r>
+              <a:rPr lang="en-US" sz="4400" dirty="0" smtClean="0"/>
+              <a:t>,</a:t>
+            </a:r>
+          </a:p>
+          <a:p>
+            <a:r>
+              <a:rPr lang="en-US" sz="4400" dirty="0"/>
+              <a:t>a</a:t>
+            </a:r>
+            <a:r>
+              <a:rPr lang="en-US" sz="4400" dirty="0" smtClean="0"/>
+              <a:t>nd </a:t>
+            </a:r>
+            <a:r>
+              <a:rPr lang="en-US" sz="4400" dirty="0">
+                <a:solidFill>
+                  <a:srgbClr val="0000FF"/>
+                </a:solidFill>
+              </a:rPr>
+              <a:t>P </a:t>
+            </a:r>
+            <a:r>
+              <a:rPr lang="en-US" dirty="0">
+                <a:solidFill>
+                  <a:srgbClr val="0000FF"/>
+                </a:solidFill>
+              </a:rPr>
+              <a:t>IMPLIES</a:t>
+            </a:r>
+            <a:r>
+              <a:rPr lang="en-US" sz="4400" dirty="0">
+                <a:solidFill>
+                  <a:srgbClr val="0000FF"/>
+                </a:solidFill>
+              </a:rPr>
+              <a:t> </a:t>
+            </a:r>
+            <a:r>
+              <a:rPr lang="en-US" sz="4400" dirty="0" smtClean="0">
+                <a:solidFill>
+                  <a:srgbClr val="0000FF"/>
+                </a:solidFill>
+              </a:rPr>
+              <a:t>Q </a:t>
+            </a:r>
+            <a:r>
+              <a:rPr lang="en-US" sz="4400" dirty="0">
+                <a:solidFill>
+                  <a:srgbClr val="000000"/>
+                </a:solidFill>
+              </a:rPr>
+              <a:t>is</a:t>
+            </a:r>
+            <a:r>
+              <a:rPr lang="en-US" sz="5400" dirty="0" smtClean="0">
+                <a:solidFill>
+                  <a:srgbClr val="0000FF"/>
+                </a:solidFill>
+              </a:rPr>
+              <a:t> </a:t>
+            </a:r>
+            <a:r>
+              <a:rPr lang="en-US" sz="4400" dirty="0" smtClean="0">
+                <a:solidFill>
+                  <a:srgbClr val="006600"/>
+                </a:solidFill>
+              </a:rPr>
+              <a:t>T</a:t>
+            </a:r>
+            <a:r>
+              <a:rPr lang="en-US" sz="4400" dirty="0" smtClean="0"/>
+              <a:t> for </a:t>
+            </a:r>
+            <a:r>
+              <a:rPr lang="en-US" sz="4400" dirty="0" smtClean="0">
+                <a:solidFill>
+                  <a:srgbClr val="BB0FAB"/>
+                </a:solidFill>
+              </a:rPr>
+              <a:t>A</a:t>
+            </a:r>
+            <a:r>
+              <a:rPr lang="en-US" sz="4400" dirty="0" smtClean="0"/>
+              <a:t>,</a:t>
+            </a:r>
+          </a:p>
+          <a:p>
+            <a:r>
+              <a:rPr lang="en-US" sz="4400" dirty="0"/>
+              <a:t>t</a:t>
+            </a:r>
+            <a:r>
+              <a:rPr lang="en-US" sz="4400" dirty="0" smtClean="0"/>
+              <a:t>hen </a:t>
+            </a:r>
+            <a:r>
+              <a:rPr lang="en-US" sz="4400" dirty="0" smtClean="0">
+                <a:solidFill>
+                  <a:srgbClr val="006600"/>
+                </a:solidFill>
+              </a:rPr>
+              <a:t>Q</a:t>
+            </a:r>
+            <a:r>
+              <a:rPr lang="en-US" sz="4400" dirty="0" smtClean="0"/>
+              <a:t> is </a:t>
+            </a:r>
+            <a:r>
+              <a:rPr lang="en-US" sz="4400" dirty="0">
+                <a:solidFill>
+                  <a:srgbClr val="006600"/>
+                </a:solidFill>
+              </a:rPr>
+              <a:t>T</a:t>
+            </a:r>
+            <a:r>
+              <a:rPr lang="en-US" sz="4400" dirty="0"/>
+              <a:t> </a:t>
+            </a:r>
+            <a:r>
+              <a:rPr lang="en-US" sz="4400" dirty="0" smtClean="0"/>
+              <a:t>for </a:t>
+            </a:r>
+            <a:r>
+              <a:rPr lang="en-US" sz="4400" dirty="0" smtClean="0">
+                <a:solidFill>
+                  <a:srgbClr val="BB0FAB"/>
+                </a:solidFill>
+              </a:rPr>
+              <a:t>A</a:t>
+            </a:r>
+            <a:r>
+              <a:rPr lang="en-US" sz="4400" dirty="0" smtClean="0"/>
+              <a:t>.</a:t>
+            </a:r>
+            <a:endParaRPr lang="en-US" sz="4400" dirty="0" smtClean="0">
+              <a:solidFill>
+                <a:srgbClr val="000000"/>
+              </a:solidFill>
+            </a:endParaRPr>
+          </a:p>
+          <a:p>
+            <a:r>
+              <a:rPr lang="en-US" sz="4400" dirty="0" smtClean="0">
+                <a:solidFill>
+                  <a:srgbClr val="000000"/>
+                </a:solidFill>
+              </a:rPr>
+              <a:t>But </a:t>
+            </a:r>
+            <a:r>
+              <a:rPr lang="en-US" sz="4400" dirty="0">
+                <a:solidFill>
+                  <a:schemeClr val="accent1">
+                    <a:lumMod val="50000"/>
+                  </a:schemeClr>
+                </a:solidFill>
+              </a:rPr>
+              <a:t>P</a:t>
+            </a:r>
+            <a:r>
+              <a:rPr lang="en-US" sz="4400" dirty="0"/>
+              <a:t> </a:t>
+            </a:r>
+            <a:r>
+              <a:rPr lang="en-US" sz="4400" dirty="0" smtClean="0"/>
+              <a:t>and </a:t>
+            </a:r>
+            <a:r>
+              <a:rPr lang="en-US" sz="4400" dirty="0">
+                <a:solidFill>
+                  <a:srgbClr val="0000FF"/>
+                </a:solidFill>
+              </a:rPr>
+              <a:t>P </a:t>
+            </a:r>
+            <a:r>
+              <a:rPr lang="en-US" dirty="0">
+                <a:solidFill>
+                  <a:srgbClr val="0000FF"/>
+                </a:solidFill>
+              </a:rPr>
+              <a:t>IMPLIES</a:t>
+            </a:r>
+            <a:r>
+              <a:rPr lang="en-US" sz="4400" dirty="0">
+                <a:solidFill>
+                  <a:srgbClr val="0000FF"/>
+                </a:solidFill>
+              </a:rPr>
+              <a:t> </a:t>
+            </a:r>
+            <a:r>
+              <a:rPr lang="en-US" sz="4400" dirty="0" smtClean="0">
+                <a:solidFill>
+                  <a:srgbClr val="0000FF"/>
+                </a:solidFill>
+              </a:rPr>
+              <a:t>Q</a:t>
+            </a:r>
+            <a:r>
+              <a:rPr lang="en-US" sz="5400" dirty="0" smtClean="0">
+                <a:solidFill>
+                  <a:srgbClr val="0000FF"/>
+                </a:solidFill>
+              </a:rPr>
+              <a:t> </a:t>
+            </a:r>
+            <a:r>
+              <a:rPr lang="en-US" sz="4400" dirty="0" smtClean="0"/>
+              <a:t>are </a:t>
+            </a:r>
+            <a:r>
+              <a:rPr lang="en-US" sz="4400" dirty="0">
+                <a:solidFill>
+                  <a:srgbClr val="008000"/>
+                </a:solidFill>
+              </a:rPr>
+              <a:t>T</a:t>
+            </a:r>
+            <a:r>
+              <a:rPr lang="en-US" sz="4400" dirty="0">
+                <a:solidFill>
+                  <a:srgbClr val="EC0213"/>
+                </a:solidFill>
+              </a:rPr>
+              <a:t> </a:t>
+            </a:r>
+            <a:r>
+              <a:rPr lang="en-US" sz="4400" dirty="0">
+                <a:solidFill>
+                  <a:schemeClr val="tx2"/>
+                </a:solidFill>
+              </a:rPr>
+              <a:t>for</a:t>
+            </a:r>
+            <a:endParaRPr lang="en-US" sz="4400" dirty="0" smtClean="0">
+              <a:solidFill>
+                <a:srgbClr val="000000"/>
+              </a:solidFill>
+            </a:endParaRPr>
+          </a:p>
+          <a:p>
+            <a:r>
+              <a:rPr lang="en-US" sz="4400" dirty="0" smtClean="0">
+                <a:solidFill>
+                  <a:srgbClr val="000000"/>
+                </a:solidFill>
+              </a:rPr>
+              <a:t>every </a:t>
+            </a:r>
+            <a:r>
+              <a:rPr lang="en-US" sz="4400" dirty="0" smtClean="0">
+                <a:solidFill>
+                  <a:srgbClr val="BB0FAB"/>
+                </a:solidFill>
+              </a:rPr>
+              <a:t>A</a:t>
+            </a:r>
+            <a:r>
+              <a:rPr lang="en-US" sz="4400" dirty="0" smtClean="0">
+                <a:solidFill>
+                  <a:srgbClr val="000000"/>
+                </a:solidFill>
+              </a:rPr>
+              <a:t>, so </a:t>
+            </a:r>
+            <a:r>
+              <a:rPr lang="en-US" sz="4400" dirty="0">
+                <a:solidFill>
+                  <a:schemeClr val="accent1">
+                    <a:lumMod val="50000"/>
+                  </a:schemeClr>
+                </a:solidFill>
+              </a:rPr>
+              <a:t>Q</a:t>
+            </a:r>
+            <a:r>
+              <a:rPr lang="en-US" sz="4400" dirty="0">
+                <a:solidFill>
+                  <a:srgbClr val="000000"/>
+                </a:solidFill>
+              </a:rPr>
+              <a:t> must be </a:t>
+            </a:r>
+            <a:r>
+              <a:rPr lang="en-US" sz="4400" dirty="0">
+                <a:solidFill>
+                  <a:srgbClr val="EC0213"/>
+                </a:solidFill>
+              </a:rPr>
+              <a:t>T</a:t>
+            </a:r>
+            <a:r>
+              <a:rPr lang="en-US" sz="4400" dirty="0">
+                <a:solidFill>
+                  <a:srgbClr val="000000"/>
+                </a:solidFill>
+              </a:rPr>
+              <a:t> </a:t>
+            </a:r>
+            <a:r>
+              <a:rPr lang="en-US" sz="4400" dirty="0" smtClean="0">
+                <a:solidFill>
+                  <a:srgbClr val="000000"/>
+                </a:solidFill>
+              </a:rPr>
+              <a:t>for</a:t>
+            </a:r>
+          </a:p>
+          <a:p>
+            <a:r>
+              <a:rPr lang="en-US" sz="4400" dirty="0" smtClean="0">
+                <a:solidFill>
+                  <a:srgbClr val="000000"/>
+                </a:solidFill>
+              </a:rPr>
+              <a:t>every </a:t>
+            </a:r>
+            <a:r>
+              <a:rPr lang="en-US" sz="4400" dirty="0" smtClean="0">
+                <a:solidFill>
+                  <a:srgbClr val="BB0FAB"/>
+                </a:solidFill>
+              </a:rPr>
+              <a:t>A</a:t>
+            </a:r>
+            <a:endParaRPr lang="en-US" sz="4400" dirty="0">
+              <a:solidFill>
+                <a:srgbClr val="000000"/>
+              </a:solidFill>
+            </a:endParaRPr>
+          </a:p>
+        </p:txBody>
+      </p:sp>
+      <p:sp>
+        <p:nvSpPr>
+          <p:cNvPr id="4" name="Slide Number Placeholder 3"/>
+          <p:cNvSpPr>
+            <a:spLocks noGrp="1"/>
+          </p:cNvSpPr>
+          <p:nvPr>
+            <p:ph type="sldNum" sz="quarter" idx="10"/>
+          </p:nvPr>
+        </p:nvSpPr>
+        <p:spPr/>
+        <p:txBody>
+          <a:bodyPr/>
+          <a:lstStyle/>
+          <a:p>
+            <a:pPr>
+              <a:defRPr/>
+            </a:pPr>
+            <a:r>
+              <a:rPr lang="en-US" smtClean="0"/>
+              <a:t>sound.</a:t>
+            </a:r>
+            <a:fld id="{A528ADE2-B74F-4D9D-8D04-FB5D781EAB51}" type="slidenum">
+              <a:rPr lang="en-US" smtClean="0"/>
+              <a:pPr>
+                <a:defRPr/>
+              </a:pPr>
+              <a:t>14</a:t>
+            </a:fld>
+            <a:endParaRPr lang="en-US" dirty="0"/>
+          </a:p>
+        </p:txBody>
+      </p:sp>
+    </p:spTree>
+    <p:extLst>
+      <p:ext uri="{BB962C8B-B14F-4D97-AF65-F5344CB8AC3E}">
+        <p14:creationId xmlns:p14="http://schemas.microsoft.com/office/powerpoint/2010/main" val="3623318024"/>
+      </p:ext>
+    </p:extLst>
+  </p:cSld>
+  <p:clrMapOvr>
+    <a:masterClrMapping/>
+  </p:clrMapOvr>
+  <mc:AlternateContent xmlns:mc="http://schemas.openxmlformats.org/markup-compatibility/2006" xmlns:p14="http://schemas.microsoft.com/office/powerpoint/2010/main">
+    <mc:Choice Requires="p14">
+      <p:transition spd="med" p14:dur="700" advClick="0">
+        <p:fade/>
+      </p:transition>
+    </mc:Choice>
+    <mc:Fallback xmlns="">
+      <p:transition xmlns:p14="http://schemas.microsoft.com/office/powerpoint/2010/main" spd="med" advClick="0">
+        <p:fade/>
+      </p:transition>
+    </mc:Fallback>
+  </mc:AlternateContent>
+  <p:timing>
+    <p:tnLst>
+      <p:par>
+        <p:cTn xmlns:p14="http://schemas.microsoft.com/office/powerpoint/2010/main" id="1" dur="indefinite" restart="never" nodeType="tmRoot"/>
+      </p:par>
+    </p:tnLst>
+  </p:timing>
+</p:sld>
+</file>
+
+<file path=ppt/slides/slide15.xml><?xml version="1.0" encoding="utf-8"?>
+<p:sld xmlns:a="http://schemas.openxmlformats.org/drawingml/2006/main" xmlns:r="http://schemas.openxmlformats.org/officeDocument/2006/relationships" xmlns:p="http://schemas.openxmlformats.org/presentationml/2006/main">
+  <p:cSld>
+    <p:spTree>
+      <p:nvGrpSpPr>
+        <p:cNvPr id="1" name=""/>
+        <p:cNvGrpSpPr/>
+        <p:nvPr/>
+      </p:nvGrpSpPr>
+      <p:grpSpPr>
+        <a:xfrm>
+          <a:off x="0" y="0"/>
+          <a:ext cx="0" cy="0"/>
+          <a:chOff x="0" y="0"/>
+          <a:chExt cx="0" cy="0"/>
+        </a:xfrm>
+      </p:grpSpPr>
+      <p:sp>
+        <p:nvSpPr>
+          <p:cNvPr id="2" name="Title 1"/>
+          <p:cNvSpPr>
+            <a:spLocks noGrp="1"/>
+          </p:cNvSpPr>
+          <p:nvPr>
+            <p:ph type="title"/>
+          </p:nvPr>
+        </p:nvSpPr>
+        <p:spPr/>
+        <p:txBody>
+          <a:bodyPr/>
+          <a:lstStyle/>
+          <a:p>
+            <a:r>
+              <a:rPr lang="en-US" dirty="0">
+                <a:solidFill>
+                  <a:srgbClr val="BB0FAB"/>
+                </a:solidFill>
+              </a:rPr>
+              <a:t>modus ponens</a:t>
+            </a:r>
+            <a:r>
+              <a:rPr lang="en-US" dirty="0"/>
+              <a:t> is </a:t>
+            </a:r>
+            <a:r>
+              <a:rPr lang="en-US" dirty="0" smtClean="0">
+                <a:solidFill>
+                  <a:srgbClr val="006600"/>
+                </a:solidFill>
+              </a:rPr>
+              <a:t>sound</a:t>
+            </a:r>
+            <a:endParaRPr lang="en-US" dirty="0"/>
+          </a:p>
+        </p:txBody>
+      </p:sp>
+      <p:sp>
+        <p:nvSpPr>
+          <p:cNvPr id="3" name="Content Placeholder 2"/>
+          <p:cNvSpPr>
+            <a:spLocks noGrp="1"/>
+          </p:cNvSpPr>
+          <p:nvPr>
+            <p:ph idx="1"/>
+          </p:nvPr>
+        </p:nvSpPr>
+        <p:spPr>
+          <a:xfrm>
+            <a:off x="172902" y="1385640"/>
+            <a:ext cx="8971097" cy="5203030"/>
+          </a:xfrm>
+        </p:spPr>
+        <p:txBody>
+          <a:bodyPr/>
+          <a:lstStyle/>
+          <a:p>
+            <a:r>
+              <a:rPr lang="en-US" sz="4400" dirty="0" smtClean="0"/>
+              <a:t>If </a:t>
+            </a:r>
+            <a:r>
+              <a:rPr lang="en-US" sz="4400" dirty="0" smtClean="0">
+                <a:solidFill>
+                  <a:schemeClr val="accent1">
+                    <a:lumMod val="50000"/>
+                  </a:schemeClr>
+                </a:solidFill>
+              </a:rPr>
+              <a:t>P</a:t>
+            </a:r>
+            <a:r>
+              <a:rPr lang="en-US" sz="4400" dirty="0" smtClean="0"/>
+              <a:t> is </a:t>
+            </a:r>
+            <a:r>
+              <a:rPr lang="en-US" sz="4400" dirty="0" smtClean="0">
+                <a:solidFill>
+                  <a:srgbClr val="008000"/>
+                </a:solidFill>
+              </a:rPr>
+              <a:t>T</a:t>
+            </a:r>
+            <a:r>
+              <a:rPr lang="en-US" sz="4400" dirty="0" smtClean="0">
+                <a:solidFill>
+                  <a:srgbClr val="EC0213"/>
+                </a:solidFill>
+              </a:rPr>
+              <a:t> </a:t>
+            </a:r>
+            <a:r>
+              <a:rPr lang="en-US" sz="4400" dirty="0" smtClean="0">
+                <a:solidFill>
+                  <a:schemeClr val="tx2"/>
+                </a:solidFill>
+              </a:rPr>
+              <a:t>for</a:t>
+            </a:r>
+            <a:r>
+              <a:rPr lang="en-US" sz="4400" dirty="0" smtClean="0">
+                <a:solidFill>
+                  <a:srgbClr val="EC0213"/>
+                </a:solidFill>
+              </a:rPr>
+              <a:t> </a:t>
+            </a:r>
+            <a:r>
+              <a:rPr lang="en-US" sz="4400" dirty="0" smtClean="0">
+                <a:solidFill>
+                  <a:srgbClr val="000000"/>
+                </a:solidFill>
+              </a:rPr>
+              <a:t>truth</a:t>
+            </a:r>
+            <a:r>
+              <a:rPr lang="en-US" sz="4400" dirty="0" smtClean="0">
+                <a:solidFill>
+                  <a:srgbClr val="EC0213"/>
+                </a:solidFill>
+              </a:rPr>
+              <a:t> </a:t>
+            </a:r>
+            <a:r>
+              <a:rPr lang="en-US" sz="4400" dirty="0" smtClean="0"/>
+              <a:t>assignment </a:t>
+            </a:r>
+            <a:r>
+              <a:rPr lang="en-US" sz="4400" dirty="0" smtClean="0">
+                <a:solidFill>
+                  <a:srgbClr val="BB0FAB"/>
+                </a:solidFill>
+              </a:rPr>
+              <a:t>A</a:t>
+            </a:r>
+            <a:r>
+              <a:rPr lang="en-US" sz="4400" dirty="0" smtClean="0"/>
+              <a:t>,</a:t>
+            </a:r>
+          </a:p>
+          <a:p>
+            <a:r>
+              <a:rPr lang="en-US" sz="4400" dirty="0"/>
+              <a:t>a</a:t>
+            </a:r>
+            <a:r>
+              <a:rPr lang="en-US" sz="4400" dirty="0" smtClean="0"/>
+              <a:t>nd </a:t>
+            </a:r>
+            <a:r>
+              <a:rPr lang="en-US" sz="4400" dirty="0">
+                <a:solidFill>
+                  <a:srgbClr val="0000FF"/>
+                </a:solidFill>
+              </a:rPr>
+              <a:t>P </a:t>
+            </a:r>
+            <a:r>
+              <a:rPr lang="en-US" dirty="0">
+                <a:solidFill>
+                  <a:srgbClr val="0000FF"/>
+                </a:solidFill>
+              </a:rPr>
+              <a:t>IMPLIES</a:t>
+            </a:r>
+            <a:r>
+              <a:rPr lang="en-US" sz="4400" dirty="0">
+                <a:solidFill>
+                  <a:srgbClr val="0000FF"/>
+                </a:solidFill>
+              </a:rPr>
+              <a:t> </a:t>
+            </a:r>
+            <a:r>
+              <a:rPr lang="en-US" sz="4400" dirty="0" smtClean="0">
+                <a:solidFill>
+                  <a:srgbClr val="0000FF"/>
+                </a:solidFill>
+              </a:rPr>
+              <a:t>Q </a:t>
+            </a:r>
+            <a:r>
+              <a:rPr lang="en-US" sz="4400" dirty="0">
+                <a:solidFill>
+                  <a:srgbClr val="000000"/>
+                </a:solidFill>
+              </a:rPr>
+              <a:t>is</a:t>
+            </a:r>
+            <a:r>
+              <a:rPr lang="en-US" sz="5400" dirty="0" smtClean="0">
+                <a:solidFill>
+                  <a:srgbClr val="0000FF"/>
+                </a:solidFill>
+              </a:rPr>
+              <a:t> </a:t>
+            </a:r>
+            <a:r>
+              <a:rPr lang="en-US" sz="4400" dirty="0" smtClean="0">
+                <a:solidFill>
+                  <a:srgbClr val="006600"/>
+                </a:solidFill>
+              </a:rPr>
+              <a:t>T</a:t>
+            </a:r>
+            <a:r>
+              <a:rPr lang="en-US" sz="4400" dirty="0" smtClean="0"/>
+              <a:t> for </a:t>
+            </a:r>
+            <a:r>
+              <a:rPr lang="en-US" sz="4400" dirty="0" smtClean="0">
+                <a:solidFill>
+                  <a:srgbClr val="BB0FAB"/>
+                </a:solidFill>
+              </a:rPr>
+              <a:t>A</a:t>
+            </a:r>
+            <a:r>
+              <a:rPr lang="en-US" sz="4400" dirty="0" smtClean="0"/>
+              <a:t>,</a:t>
+            </a:r>
+          </a:p>
+          <a:p>
+            <a:r>
+              <a:rPr lang="en-US" sz="4400" dirty="0"/>
+              <a:t>t</a:t>
+            </a:r>
+            <a:r>
+              <a:rPr lang="en-US" sz="4400" dirty="0" smtClean="0"/>
+              <a:t>hen </a:t>
+            </a:r>
+            <a:r>
+              <a:rPr lang="en-US" sz="4400" dirty="0" smtClean="0">
+                <a:solidFill>
+                  <a:srgbClr val="006600"/>
+                </a:solidFill>
+              </a:rPr>
+              <a:t>Q</a:t>
+            </a:r>
+            <a:r>
+              <a:rPr lang="en-US" sz="4400" dirty="0" smtClean="0"/>
+              <a:t> is </a:t>
+            </a:r>
+            <a:r>
+              <a:rPr lang="en-US" sz="4400" dirty="0">
+                <a:solidFill>
+                  <a:srgbClr val="006600"/>
+                </a:solidFill>
+              </a:rPr>
+              <a:t>T</a:t>
+            </a:r>
+            <a:r>
+              <a:rPr lang="en-US" sz="4400" dirty="0"/>
+              <a:t> </a:t>
+            </a:r>
+            <a:r>
+              <a:rPr lang="en-US" sz="4400" dirty="0" smtClean="0"/>
+              <a:t>for </a:t>
+            </a:r>
+            <a:r>
+              <a:rPr lang="en-US" sz="4400" dirty="0" smtClean="0">
+                <a:solidFill>
+                  <a:srgbClr val="BB0FAB"/>
+                </a:solidFill>
+              </a:rPr>
+              <a:t>A</a:t>
+            </a:r>
+            <a:r>
+              <a:rPr lang="en-US" sz="4400" dirty="0" smtClean="0"/>
+              <a:t>.</a:t>
+            </a:r>
+            <a:endParaRPr lang="en-US" sz="4400" dirty="0" smtClean="0">
+              <a:solidFill>
+                <a:srgbClr val="000000"/>
+              </a:solidFill>
+            </a:endParaRPr>
+          </a:p>
+          <a:p>
+            <a:r>
+              <a:rPr lang="en-US" sz="4400" dirty="0" smtClean="0">
+                <a:solidFill>
+                  <a:srgbClr val="000000"/>
+                </a:solidFill>
+              </a:rPr>
+              <a:t>But </a:t>
+            </a:r>
+            <a:r>
+              <a:rPr lang="en-US" sz="4400" dirty="0">
+                <a:solidFill>
+                  <a:schemeClr val="accent1">
+                    <a:lumMod val="50000"/>
+                  </a:schemeClr>
+                </a:solidFill>
+              </a:rPr>
+              <a:t>P</a:t>
+            </a:r>
+            <a:r>
+              <a:rPr lang="en-US" sz="4400" dirty="0"/>
+              <a:t> </a:t>
+            </a:r>
+            <a:r>
+              <a:rPr lang="en-US" sz="4400" dirty="0" smtClean="0"/>
+              <a:t>and </a:t>
+            </a:r>
+            <a:r>
+              <a:rPr lang="en-US" sz="4400" dirty="0">
+                <a:solidFill>
+                  <a:srgbClr val="0000FF"/>
+                </a:solidFill>
+              </a:rPr>
+              <a:t>P </a:t>
+            </a:r>
+            <a:r>
+              <a:rPr lang="en-US" dirty="0">
+                <a:solidFill>
+                  <a:srgbClr val="0000FF"/>
+                </a:solidFill>
+              </a:rPr>
+              <a:t>IMPLIES</a:t>
+            </a:r>
+            <a:r>
+              <a:rPr lang="en-US" sz="4400" dirty="0">
+                <a:solidFill>
+                  <a:srgbClr val="0000FF"/>
+                </a:solidFill>
+              </a:rPr>
+              <a:t> </a:t>
+            </a:r>
+            <a:r>
+              <a:rPr lang="en-US" sz="4400" dirty="0" smtClean="0">
+                <a:solidFill>
+                  <a:srgbClr val="0000FF"/>
+                </a:solidFill>
+              </a:rPr>
+              <a:t>Q</a:t>
+            </a:r>
+            <a:r>
+              <a:rPr lang="en-US" sz="5400" dirty="0" smtClean="0">
+                <a:solidFill>
+                  <a:srgbClr val="0000FF"/>
+                </a:solidFill>
+              </a:rPr>
+              <a:t> </a:t>
+            </a:r>
+            <a:r>
+              <a:rPr lang="en-US" sz="4400" dirty="0" smtClean="0"/>
+              <a:t>are </a:t>
+            </a:r>
+            <a:r>
+              <a:rPr lang="en-US" sz="4400" dirty="0">
+                <a:solidFill>
+                  <a:srgbClr val="008000"/>
+                </a:solidFill>
+              </a:rPr>
+              <a:t>T</a:t>
+            </a:r>
+            <a:r>
+              <a:rPr lang="en-US" sz="4400" dirty="0">
+                <a:solidFill>
+                  <a:srgbClr val="EC0213"/>
+                </a:solidFill>
+              </a:rPr>
+              <a:t> </a:t>
+            </a:r>
+            <a:r>
+              <a:rPr lang="en-US" sz="4400" dirty="0">
+                <a:solidFill>
+                  <a:schemeClr val="tx2"/>
+                </a:solidFill>
+              </a:rPr>
+              <a:t>for</a:t>
+            </a:r>
+            <a:endParaRPr lang="en-US" sz="4400" dirty="0" smtClean="0">
+              <a:solidFill>
+                <a:srgbClr val="000000"/>
+              </a:solidFill>
+            </a:endParaRPr>
+          </a:p>
+          <a:p>
+            <a:r>
+              <a:rPr lang="en-US" sz="4400" dirty="0" smtClean="0">
+                <a:solidFill>
+                  <a:srgbClr val="000000"/>
+                </a:solidFill>
+              </a:rPr>
+              <a:t>every </a:t>
+            </a:r>
+            <a:r>
+              <a:rPr lang="en-US" sz="4400" dirty="0" smtClean="0">
+                <a:solidFill>
+                  <a:srgbClr val="BB0FAB"/>
+                </a:solidFill>
+              </a:rPr>
+              <a:t>A</a:t>
+            </a:r>
+            <a:r>
+              <a:rPr lang="en-US" sz="4400" dirty="0" smtClean="0">
+                <a:solidFill>
+                  <a:srgbClr val="000000"/>
+                </a:solidFill>
+              </a:rPr>
+              <a:t>, so </a:t>
+            </a:r>
+            <a:r>
+              <a:rPr lang="en-US" sz="4400" dirty="0">
+                <a:solidFill>
+                  <a:schemeClr val="accent1">
+                    <a:lumMod val="50000"/>
+                  </a:schemeClr>
+                </a:solidFill>
+              </a:rPr>
+              <a:t>Q</a:t>
+            </a:r>
+            <a:r>
+              <a:rPr lang="en-US" sz="4400" dirty="0">
+                <a:solidFill>
+                  <a:srgbClr val="000000"/>
+                </a:solidFill>
+              </a:rPr>
+              <a:t> must be </a:t>
+            </a:r>
+            <a:r>
+              <a:rPr lang="en-US" sz="4400" dirty="0">
+                <a:solidFill>
+                  <a:srgbClr val="EC0213"/>
+                </a:solidFill>
+              </a:rPr>
+              <a:t>T</a:t>
+            </a:r>
+            <a:r>
+              <a:rPr lang="en-US" sz="4400" dirty="0">
+                <a:solidFill>
+                  <a:srgbClr val="000000"/>
+                </a:solidFill>
+              </a:rPr>
+              <a:t> </a:t>
+            </a:r>
+            <a:r>
+              <a:rPr lang="en-US" sz="4400" dirty="0" smtClean="0">
+                <a:solidFill>
+                  <a:srgbClr val="000000"/>
+                </a:solidFill>
+              </a:rPr>
+              <a:t>for</a:t>
+            </a:r>
+          </a:p>
+          <a:p>
+            <a:r>
+              <a:rPr lang="en-US" sz="4400" dirty="0" smtClean="0">
+                <a:solidFill>
+                  <a:srgbClr val="000000"/>
+                </a:solidFill>
+              </a:rPr>
+              <a:t>every </a:t>
+            </a:r>
+            <a:r>
+              <a:rPr lang="en-US" sz="4400" dirty="0" smtClean="0">
+                <a:solidFill>
+                  <a:srgbClr val="BB0FAB"/>
+                </a:solidFill>
+              </a:rPr>
+              <a:t>A </a:t>
+            </a:r>
+            <a:r>
+              <a:rPr lang="en-US" sz="4400" dirty="0">
+                <a:solidFill>
+                  <a:srgbClr val="000000"/>
+                </a:solidFill>
+              </a:rPr>
+              <a:t>-</a:t>
+            </a:r>
+            <a:r>
+              <a:rPr lang="en-US" sz="4400" dirty="0" smtClean="0">
+                <a:solidFill>
+                  <a:srgbClr val="000000"/>
+                </a:solidFill>
+              </a:rPr>
+              <a:t>- that is, </a:t>
+            </a:r>
+            <a:r>
+              <a:rPr lang="en-US" sz="4400" dirty="0" smtClean="0">
+                <a:solidFill>
+                  <a:srgbClr val="0000FF"/>
+                </a:solidFill>
+              </a:rPr>
+              <a:t>Q</a:t>
+            </a:r>
+            <a:r>
+              <a:rPr lang="en-US" sz="4400" dirty="0" smtClean="0">
+                <a:solidFill>
+                  <a:srgbClr val="000000"/>
+                </a:solidFill>
+              </a:rPr>
+              <a:t> is</a:t>
+            </a:r>
+            <a:r>
+              <a:rPr lang="en-US" sz="4400" dirty="0" smtClean="0">
+                <a:solidFill>
+                  <a:srgbClr val="BB0FAB"/>
+                </a:solidFill>
+              </a:rPr>
+              <a:t> valid</a:t>
+            </a:r>
+            <a:r>
+              <a:rPr lang="en-US" sz="4400" dirty="0" smtClean="0"/>
+              <a:t>.</a:t>
+            </a:r>
+            <a:endParaRPr lang="en-US" sz="4400" dirty="0"/>
+          </a:p>
+          <a:p>
+            <a:endParaRPr lang="en-US" sz="4400" dirty="0">
+              <a:solidFill>
+                <a:srgbClr val="000000"/>
+              </a:solidFill>
+            </a:endParaRPr>
+          </a:p>
+        </p:txBody>
+      </p:sp>
+      <p:sp>
+        <p:nvSpPr>
+          <p:cNvPr id="4" name="Slide Number Placeholder 3"/>
+          <p:cNvSpPr>
+            <a:spLocks noGrp="1"/>
+          </p:cNvSpPr>
+          <p:nvPr>
+            <p:ph type="sldNum" sz="quarter" idx="10"/>
+          </p:nvPr>
+        </p:nvSpPr>
+        <p:spPr/>
+        <p:txBody>
+          <a:bodyPr/>
+          <a:lstStyle/>
+          <a:p>
+            <a:pPr>
+              <a:defRPr/>
+            </a:pPr>
+            <a:r>
+              <a:rPr lang="en-US" smtClean="0"/>
+              <a:t>sound.</a:t>
+            </a:r>
+            <a:fld id="{A528ADE2-B74F-4D9D-8D04-FB5D781EAB51}" type="slidenum">
+              <a:rPr lang="en-US" smtClean="0"/>
+              <a:pPr>
+                <a:defRPr/>
+              </a:pPr>
+              <a:t>15</a:t>
+            </a:fld>
+            <a:endParaRPr lang="en-US" dirty="0"/>
+          </a:p>
+        </p:txBody>
+      </p:sp>
+    </p:spTree>
+    <p:extLst>
+      <p:ext uri="{BB962C8B-B14F-4D97-AF65-F5344CB8AC3E}">
+        <p14:creationId xmlns:p14="http://schemas.microsoft.com/office/powerpoint/2010/main" val="3814097949"/>
+      </p:ext>
+    </p:extLst>
+  </p:cSld>
+  <p:clrMapOvr>
+    <a:masterClrMapping/>
+  </p:clrMapOvr>
+  <mc:AlternateContent xmlns:mc="http://schemas.openxmlformats.org/markup-compatibility/2006" xmlns:p14="http://schemas.microsoft.com/office/powerpoint/2010/main">
+    <mc:Choice Requires="p14">
+      <p:transition spd="med" p14:dur="700" advClick="0">
+        <p:fade/>
+      </p:transition>
+    </mc:Choice>
+    <mc:Fallback xmlns="">
+      <p:transition xmlns:p14="http://schemas.microsoft.com/office/powerpoint/2010/main" spd="med" advClick="0">
+        <p:fade/>
+      </p:transition>
+    </mc:Fallback>
+  </mc:AlternateContent>
+  <p:timing>
+    <p:tnLst>
+      <p:par>
+        <p:cTn xmlns:p14="http://schemas.microsoft.com/office/powerpoint/2010/main" id="1" dur="indefinite" restart="never" nodeType="tmRoot"/>
+      </p:par>
+    </p:tnLst>
+  </p:timing>
+</p:sld>
+</file>
+
+<file path=ppt/slides/slide16.xml><?xml version="1.0" encoding="utf-8"?>
+<p:sld xmlns:a="http://schemas.openxmlformats.org/drawingml/2006/main" xmlns:r="http://schemas.openxmlformats.org/officeDocument/2006/relationships" xmlns:p="http://schemas.openxmlformats.org/presentationml/2006/main">
+  <p:cSld>
+    <p:spTree>
+      <p:nvGrpSpPr>
+        <p:cNvPr id="1" name=""/>
+        <p:cNvGrpSpPr/>
+        <p:nvPr/>
+      </p:nvGrpSpPr>
+      <p:grpSpPr>
+        <a:xfrm>
+          <a:off x="0" y="0"/>
+          <a:ext cx="0" cy="0"/>
+          <a:chOff x="0" y="0"/>
+          <a:chExt cx="0" cy="0"/>
+        </a:xfrm>
+      </p:grpSpPr>
+      <p:sp>
+        <p:nvSpPr>
+          <p:cNvPr id="2" name="Title 1"/>
+          <p:cNvSpPr>
+            <a:spLocks noGrp="1"/>
+          </p:cNvSpPr>
+          <p:nvPr>
+            <p:ph type="title"/>
+          </p:nvPr>
+        </p:nvSpPr>
+        <p:spPr>
+          <a:xfrm>
+            <a:off x="2338096" y="0"/>
+            <a:ext cx="5606820" cy="1196575"/>
+          </a:xfrm>
+        </p:spPr>
+        <p:txBody>
+          <a:bodyPr/>
+          <a:lstStyle/>
+          <a:p>
+            <a:r>
+              <a:rPr lang="en-US" sz="4800" dirty="0" smtClean="0">
+                <a:solidFill>
+                  <a:schemeClr val="accent1">
+                    <a:lumMod val="50000"/>
+                  </a:schemeClr>
+                </a:solidFill>
+              </a:rPr>
+              <a:t>Provable</a:t>
+            </a:r>
+            <a:r>
+              <a:rPr lang="en-US" sz="4800" dirty="0" smtClean="0">
+                <a:solidFill>
+                  <a:srgbClr val="000000"/>
+                </a:solidFill>
+              </a:rPr>
+              <a:t> Formulas </a:t>
+            </a:r>
+            <a:endParaRPr lang="en-US" sz="4800" dirty="0">
+              <a:solidFill>
+                <a:srgbClr val="000000"/>
+              </a:solidFill>
+            </a:endParaRPr>
+          </a:p>
+        </p:txBody>
+      </p:sp>
+      <p:sp>
+        <p:nvSpPr>
+          <p:cNvPr id="3" name="Slide Number Placeholder 2"/>
+          <p:cNvSpPr>
+            <a:spLocks noGrp="1"/>
+          </p:cNvSpPr>
+          <p:nvPr>
+            <p:ph type="sldNum" sz="quarter" idx="10"/>
+          </p:nvPr>
+        </p:nvSpPr>
+        <p:spPr/>
+        <p:txBody>
+          <a:bodyPr/>
+          <a:lstStyle/>
+          <a:p>
+            <a:pPr>
+              <a:defRPr/>
+            </a:pPr>
+            <a:r>
+              <a:rPr lang="en-US" smtClean="0"/>
+              <a:t>sound.</a:t>
+            </a:r>
+            <a:fld id="{DB6F0ED6-FEF5-4C9C-B1CC-29B47EC66FAA}" type="slidenum">
+              <a:rPr lang="en-US" smtClean="0"/>
+              <a:pPr>
+                <a:defRPr/>
+              </a:pPr>
+              <a:t>16</a:t>
+            </a:fld>
+            <a:endParaRPr lang="en-US" dirty="0"/>
+          </a:p>
+        </p:txBody>
+      </p:sp>
+      <p:sp>
+        <p:nvSpPr>
+          <p:cNvPr id="5" name="TextBox 4"/>
+          <p:cNvSpPr txBox="1"/>
+          <p:nvPr/>
+        </p:nvSpPr>
+        <p:spPr>
+          <a:xfrm>
+            <a:off x="522050" y="1406503"/>
+            <a:ext cx="6009014" cy="923330"/>
+          </a:xfrm>
+          <a:prstGeom prst="rect">
+            <a:avLst/>
+          </a:prstGeom>
+          <a:noFill/>
+        </p:spPr>
+        <p:txBody>
+          <a:bodyPr wrap="none" rtlCol="0">
+            <a:spAutoFit/>
+          </a:bodyPr>
+          <a:lstStyle/>
+          <a:p>
+            <a:pPr algn="l"/>
+            <a:r>
+              <a:rPr lang="en-US" sz="5400" dirty="0" smtClean="0">
+                <a:latin typeface="Comic Sans MS" pitchFamily="66" charset="0"/>
+              </a:rPr>
+              <a:t>Start with axioms</a:t>
+            </a:r>
+          </a:p>
+        </p:txBody>
+      </p:sp>
+    </p:spTree>
+    <p:extLst>
+      <p:ext uri="{BB962C8B-B14F-4D97-AF65-F5344CB8AC3E}">
+        <p14:creationId xmlns:p14="http://schemas.microsoft.com/office/powerpoint/2010/main" val="1664836413"/>
+      </p:ext>
+    </p:extLst>
+  </p:cSld>
+  <p:clrMapOvr>
+    <a:masterClrMapping/>
+  </p:clrMapOvr>
+  <p:transition xmlns:p14="http://schemas.microsoft.com/office/powerpoint/2010/main" spd="slow" advClick="0">
+    <p:fade thruBlk="1"/>
+  </p:transition>
   <p:timing>
     <p:tnLst>
       <p:par>
@@ -7842,9 +9544,9 @@
                                           </p:stCondLst>
                                         </p:cTn>
                                         <p:tgtEl>
-                                          <p:spTgt spid="3">
+                                          <p:spTgt spid="5">
                                             <p:txEl>
-                                              <p:pRg st="3" end="3"/>
+                                              <p:pRg st="0" end="0"/>
                                             </p:txEl>
                                           </p:spTgt>
                                         </p:tgtEl>
@@ -7860,52 +9562,9 @@
                                       <p:cBhvr>
                                         <p:cTn id="7" dur="500"/>
                                         <p:tgtEl>
-                                          <p:spTgt spid="3">
+                                          <p:spTgt spid="5">
                                             <p:txEl>
-                                              <p:pRg st="3" end="3"/>
-                                            </p:txEl>
-                                          </p:spTgt>
-                                        </p:tgtEl>
-                                      </p:cBhvr>
-                                    </p:animEffect>
-                                  </p:childTnLst>
-                                </p:cTn>
-                              </p:par>
-                              <p:par>
-                                <p:cTn id="8" presetID="10" presetClass="entr" presetSubtype="0" fill="hold" nodeType="withEffect">
-                                  <p:stCondLst>
-                                    <p:cond delay="0"/>
-                                  </p:stCondLst>
-                                  <p:childTnLst>
-                                    <p:set>
-                                      <p:cBhvr>
-                                        <p:cTn id="9" dur="1" fill="hold">
-                                          <p:stCondLst>
-                                            <p:cond delay="0"/>
-                                          </p:stCondLst>
-                                        </p:cTn>
-                                        <p:tgtEl>
-                                          <p:spTgt spid="3">
-                                            <p:txEl>
-                                              <p:pRg st="4" end="4"/>
-                                            </p:txEl>
-                                          </p:spTgt>
-                                        </p:tgtEl>
-                                        <p:attrNameLst>
-                                          <p:attrName>style.visibility</p:attrName>
-                                        </p:attrNameLst>
-                                      </p:cBhvr>
-                                      <p:to>
-                                        <p:strVal val="visible"/>
-                                      </p:to>
-                                    </p:set>
-                                    <p:animEffect transition="in" filter="fade">
-                                      <p:cBhvr>
-                                        <p:cTn id="10" dur="500"/>
-                                        <p:tgtEl>
-                                          <p:spTgt spid="3">
-                                            <p:txEl>
-                                              <p:pRg st="4" end="4"/>
+                                              <p:pRg st="0" end="0"/>
                                             </p:txEl>
                                           </p:spTgt>
                                         </p:tgtEl>
@@ -7945,531 +9604,6 @@
 </p:sld>
 </file>
 
-<file path=ppt/slides/slide14.xml><?xml version="1.0" encoding="utf-8"?>
-<p:sld xmlns:a="http://schemas.openxmlformats.org/drawingml/2006/main" xmlns:r="http://schemas.openxmlformats.org/officeDocument/2006/relationships" xmlns:p="http://schemas.openxmlformats.org/presentationml/2006/main">
-  <p:cSld>
-    <p:spTree>
-      <p:nvGrpSpPr>
-        <p:cNvPr id="1" name=""/>
-        <p:cNvGrpSpPr/>
-        <p:nvPr/>
-      </p:nvGrpSpPr>
-      <p:grpSpPr>
-        <a:xfrm>
-          <a:off x="0" y="0"/>
-          <a:ext cx="0" cy="0"/>
-          <a:chOff x="0" y="0"/>
-          <a:chExt cx="0" cy="0"/>
-        </a:xfrm>
-      </p:grpSpPr>
-      <p:sp>
-        <p:nvSpPr>
-          <p:cNvPr id="2" name="Title 1"/>
-          <p:cNvSpPr>
-            <a:spLocks noGrp="1"/>
-          </p:cNvSpPr>
-          <p:nvPr>
-            <p:ph type="title"/>
-          </p:nvPr>
-        </p:nvSpPr>
-        <p:spPr>
-          <a:xfrm>
-            <a:off x="2338096" y="0"/>
-            <a:ext cx="5606820" cy="1196575"/>
-          </a:xfrm>
-        </p:spPr>
-        <p:txBody>
-          <a:bodyPr/>
-          <a:lstStyle/>
-          <a:p>
-            <a:r>
-              <a:rPr lang="en-US" sz="4800" dirty="0" smtClean="0">
-                <a:solidFill>
-                  <a:schemeClr val="accent1">
-                    <a:lumMod val="50000"/>
-                  </a:schemeClr>
-                </a:solidFill>
-              </a:rPr>
-              <a:t>Provable</a:t>
-            </a:r>
-            <a:r>
-              <a:rPr lang="en-US" sz="4800" dirty="0" smtClean="0">
-                <a:solidFill>
-                  <a:srgbClr val="000000"/>
-                </a:solidFill>
-              </a:rPr>
-              <a:t> Formulas </a:t>
-            </a:r>
-            <a:endParaRPr lang="en-US" sz="4800" dirty="0">
-              <a:solidFill>
-                <a:srgbClr val="000000"/>
-              </a:solidFill>
-            </a:endParaRPr>
-          </a:p>
-        </p:txBody>
-      </p:sp>
-      <p:sp>
-        <p:nvSpPr>
-          <p:cNvPr id="3" name="Slide Number Placeholder 2"/>
-          <p:cNvSpPr>
-            <a:spLocks noGrp="1"/>
-          </p:cNvSpPr>
-          <p:nvPr>
-            <p:ph type="sldNum" sz="quarter" idx="10"/>
-          </p:nvPr>
-        </p:nvSpPr>
-        <p:spPr/>
-        <p:txBody>
-          <a:bodyPr/>
-          <a:lstStyle/>
-          <a:p>
-            <a:pPr>
-              <a:defRPr/>
-            </a:pPr>
-            <a:r>
-              <a:rPr lang="en-US" smtClean="0"/>
-              <a:t>sound.</a:t>
-            </a:r>
-            <a:fld id="{DB6F0ED6-FEF5-4C9C-B1CC-29B47EC66FAA}" type="slidenum">
-              <a:rPr lang="en-US" smtClean="0"/>
-              <a:pPr>
-                <a:defRPr/>
-              </a:pPr>
-              <a:t>14</a:t>
-            </a:fld>
-            <a:endParaRPr lang="en-US" dirty="0"/>
-          </a:p>
-        </p:txBody>
-      </p:sp>
-      <p:sp>
-        <p:nvSpPr>
-          <p:cNvPr id="5" name="TextBox 4"/>
-          <p:cNvSpPr txBox="1"/>
-          <p:nvPr/>
-        </p:nvSpPr>
-        <p:spPr>
-          <a:xfrm>
-            <a:off x="522050" y="1406503"/>
-            <a:ext cx="6009014" cy="923330"/>
-          </a:xfrm>
-          <a:prstGeom prst="rect">
-            <a:avLst/>
-          </a:prstGeom>
-          <a:noFill/>
-        </p:spPr>
-        <p:txBody>
-          <a:bodyPr wrap="none" rtlCol="0">
-            <a:spAutoFit/>
-          </a:bodyPr>
-          <a:lstStyle/>
-          <a:p>
-            <a:pPr algn="l"/>
-            <a:r>
-              <a:rPr lang="en-US" sz="5400" dirty="0" smtClean="0">
-                <a:latin typeface="Comic Sans MS" pitchFamily="66" charset="0"/>
-              </a:rPr>
-              <a:t>Start with axioms</a:t>
-            </a:r>
-            <a:endParaRPr lang="en-US" sz="5400" dirty="0" smtClean="0">
-              <a:latin typeface="Comic Sans MS" pitchFamily="66" charset="0"/>
-            </a:endParaRPr>
-          </a:p>
-        </p:txBody>
-      </p:sp>
-    </p:spTree>
-    <p:extLst>
-      <p:ext uri="{BB962C8B-B14F-4D97-AF65-F5344CB8AC3E}">
-        <p14:creationId xmlns:p14="http://schemas.microsoft.com/office/powerpoint/2010/main" val="1664836413"/>
-      </p:ext>
-    </p:extLst>
-  </p:cSld>
-  <p:clrMapOvr>
-    <a:masterClrMapping/>
-  </p:clrMapOvr>
-  <p:transition xmlns:p14="http://schemas.microsoft.com/office/powerpoint/2010/main" spd="slow" advClick="0">
-    <p:fade thruBlk="1"/>
-  </p:transition>
-  <p:timing>
-    <p:tnLst>
-      <p:par>
-        <p:cTn xmlns:p14="http://schemas.microsoft.com/office/powerpoint/2010/main" id="1" dur="indefinite" restart="never" nodeType="tmRoot"/>
-      </p:par>
-    </p:tnLst>
-  </p:timing>
-</p:sld>
-</file>
-
-<file path=ppt/slides/slide15.xml><?xml version="1.0" encoding="utf-8"?>
-<p:sld xmlns:a="http://schemas.openxmlformats.org/drawingml/2006/main" xmlns:r="http://schemas.openxmlformats.org/officeDocument/2006/relationships" xmlns:p="http://schemas.openxmlformats.org/presentationml/2006/main">
-  <p:cSld>
-    <p:spTree>
-      <p:nvGrpSpPr>
-        <p:cNvPr id="1" name=""/>
-        <p:cNvGrpSpPr/>
-        <p:nvPr/>
-      </p:nvGrpSpPr>
-      <p:grpSpPr>
-        <a:xfrm>
-          <a:off x="0" y="0"/>
-          <a:ext cx="0" cy="0"/>
-          <a:chOff x="0" y="0"/>
-          <a:chExt cx="0" cy="0"/>
-        </a:xfrm>
-      </p:grpSpPr>
-      <p:sp>
-        <p:nvSpPr>
-          <p:cNvPr id="2" name="Title 1"/>
-          <p:cNvSpPr>
-            <a:spLocks noGrp="1"/>
-          </p:cNvSpPr>
-          <p:nvPr>
-            <p:ph type="title"/>
-          </p:nvPr>
-        </p:nvSpPr>
-        <p:spPr>
-          <a:xfrm>
-            <a:off x="2338096" y="0"/>
-            <a:ext cx="5606820" cy="1196575"/>
-          </a:xfrm>
-        </p:spPr>
-        <p:txBody>
-          <a:bodyPr/>
-          <a:lstStyle/>
-          <a:p>
-            <a:r>
-              <a:rPr lang="en-US" sz="4800" dirty="0" smtClean="0">
-                <a:solidFill>
-                  <a:schemeClr val="accent1">
-                    <a:lumMod val="50000"/>
-                  </a:schemeClr>
-                </a:solidFill>
-              </a:rPr>
-              <a:t>Provable</a:t>
-            </a:r>
-            <a:r>
-              <a:rPr lang="en-US" sz="4800" dirty="0" smtClean="0">
-                <a:solidFill>
-                  <a:srgbClr val="000000"/>
-                </a:solidFill>
-              </a:rPr>
-              <a:t> Formulas </a:t>
-            </a:r>
-            <a:endParaRPr lang="en-US" sz="4800" dirty="0">
-              <a:solidFill>
-                <a:srgbClr val="000000"/>
-              </a:solidFill>
-            </a:endParaRPr>
-          </a:p>
-        </p:txBody>
-      </p:sp>
-      <p:sp>
-        <p:nvSpPr>
-          <p:cNvPr id="3" name="Slide Number Placeholder 2"/>
-          <p:cNvSpPr>
-            <a:spLocks noGrp="1"/>
-          </p:cNvSpPr>
-          <p:nvPr>
-            <p:ph type="sldNum" sz="quarter" idx="10"/>
-          </p:nvPr>
-        </p:nvSpPr>
-        <p:spPr/>
-        <p:txBody>
-          <a:bodyPr/>
-          <a:lstStyle/>
-          <a:p>
-            <a:pPr>
-              <a:defRPr/>
-            </a:pPr>
-            <a:r>
-              <a:rPr lang="en-US" smtClean="0"/>
-              <a:t>sound.</a:t>
-            </a:r>
-            <a:fld id="{DB6F0ED6-FEF5-4C9C-B1CC-29B47EC66FAA}" type="slidenum">
-              <a:rPr lang="en-US" smtClean="0"/>
-              <a:pPr>
-                <a:defRPr/>
-              </a:pPr>
-              <a:t>15</a:t>
-            </a:fld>
-            <a:endParaRPr lang="en-US" dirty="0"/>
-          </a:p>
-        </p:txBody>
-      </p:sp>
-      <p:sp>
-        <p:nvSpPr>
-          <p:cNvPr id="5" name="TextBox 4"/>
-          <p:cNvSpPr txBox="1"/>
-          <p:nvPr/>
-        </p:nvSpPr>
-        <p:spPr>
-          <a:xfrm>
-            <a:off x="522050" y="1406503"/>
-            <a:ext cx="7339569" cy="1754327"/>
-          </a:xfrm>
-          <a:prstGeom prst="rect">
-            <a:avLst/>
-          </a:prstGeom>
-          <a:noFill/>
-        </p:spPr>
-        <p:txBody>
-          <a:bodyPr wrap="none" rtlCol="0">
-            <a:spAutoFit/>
-          </a:bodyPr>
-          <a:lstStyle/>
-          <a:p>
-            <a:pPr algn="l"/>
-            <a:r>
-              <a:rPr lang="en-US" sz="5400" dirty="0" smtClean="0">
-                <a:latin typeface="Comic Sans MS" pitchFamily="66" charset="0"/>
-              </a:rPr>
-              <a:t>Start with axioms and </a:t>
-            </a:r>
-          </a:p>
-          <a:p>
-            <a:pPr algn="l"/>
-            <a:r>
-              <a:rPr lang="en-US" sz="5400" dirty="0" smtClean="0">
-                <a:latin typeface="Comic Sans MS" pitchFamily="66" charset="0"/>
-              </a:rPr>
-              <a:t>derive more formulas</a:t>
-            </a:r>
-            <a:endParaRPr lang="en-US" sz="5400" dirty="0" smtClean="0">
-              <a:latin typeface="Comic Sans MS" pitchFamily="66" charset="0"/>
-            </a:endParaRPr>
-          </a:p>
-        </p:txBody>
-      </p:sp>
-    </p:spTree>
-    <p:extLst>
-      <p:ext uri="{BB962C8B-B14F-4D97-AF65-F5344CB8AC3E}">
-        <p14:creationId xmlns:p14="http://schemas.microsoft.com/office/powerpoint/2010/main" val="312157673"/>
-      </p:ext>
-    </p:extLst>
-  </p:cSld>
-  <p:clrMapOvr>
-    <a:masterClrMapping/>
-  </p:clrMapOvr>
-  <mc:AlternateContent xmlns:mc="http://schemas.openxmlformats.org/markup-compatibility/2006">
-    <mc:Choice xmlns:p14="http://schemas.microsoft.com/office/powerpoint/2010/main" Requires="p14">
-      <p:transition spd="med" p14:dur="700" advClick="0">
-        <p:fade/>
-      </p:transition>
-    </mc:Choice>
-    <mc:Fallback>
-      <p:transition xmlns:p14="http://schemas.microsoft.com/office/powerpoint/2010/main" spd="med" advClick="0">
-        <p:fade/>
-      </p:transition>
-    </mc:Fallback>
-  </mc:AlternateContent>
-  <p:timing>
-    <p:tnLst>
-      <p:par>
-        <p:cTn xmlns:p14="http://schemas.microsoft.com/office/powerpoint/2010/main" id="1" dur="indefinite" restart="never" nodeType="tmRoot"/>
-      </p:par>
-    </p:tnLst>
-  </p:timing>
-</p:sld>
-</file>
-
-<file path=ppt/slides/slide16.xml><?xml version="1.0" encoding="utf-8"?>
-<p:sld xmlns:a="http://schemas.openxmlformats.org/drawingml/2006/main" xmlns:r="http://schemas.openxmlformats.org/officeDocument/2006/relationships" xmlns:p="http://schemas.openxmlformats.org/presentationml/2006/main">
-  <p:cSld>
-    <p:spTree>
-      <p:nvGrpSpPr>
-        <p:cNvPr id="1" name=""/>
-        <p:cNvGrpSpPr/>
-        <p:nvPr/>
-      </p:nvGrpSpPr>
-      <p:grpSpPr>
-        <a:xfrm>
-          <a:off x="0" y="0"/>
-          <a:ext cx="0" cy="0"/>
-          <a:chOff x="0" y="0"/>
-          <a:chExt cx="0" cy="0"/>
-        </a:xfrm>
-      </p:grpSpPr>
-      <p:sp>
-        <p:nvSpPr>
-          <p:cNvPr id="2" name="Title 1"/>
-          <p:cNvSpPr>
-            <a:spLocks noGrp="1"/>
-          </p:cNvSpPr>
-          <p:nvPr>
-            <p:ph type="title"/>
-          </p:nvPr>
-        </p:nvSpPr>
-        <p:spPr>
-          <a:xfrm>
-            <a:off x="2338096" y="0"/>
-            <a:ext cx="5606820" cy="1196575"/>
-          </a:xfrm>
-        </p:spPr>
-        <p:txBody>
-          <a:bodyPr/>
-          <a:lstStyle/>
-          <a:p>
-            <a:r>
-              <a:rPr lang="en-US" sz="4800" dirty="0" smtClean="0">
-                <a:solidFill>
-                  <a:schemeClr val="accent1">
-                    <a:lumMod val="50000"/>
-                  </a:schemeClr>
-                </a:solidFill>
-              </a:rPr>
-              <a:t>Provable</a:t>
-            </a:r>
-            <a:r>
-              <a:rPr lang="en-US" sz="4800" dirty="0" smtClean="0">
-                <a:solidFill>
-                  <a:srgbClr val="000000"/>
-                </a:solidFill>
-              </a:rPr>
-              <a:t> Formulas </a:t>
-            </a:r>
-            <a:endParaRPr lang="en-US" sz="4800" dirty="0">
-              <a:solidFill>
-                <a:srgbClr val="000000"/>
-              </a:solidFill>
-            </a:endParaRPr>
-          </a:p>
-        </p:txBody>
-      </p:sp>
-      <p:sp>
-        <p:nvSpPr>
-          <p:cNvPr id="3" name="Slide Number Placeholder 2"/>
-          <p:cNvSpPr>
-            <a:spLocks noGrp="1"/>
-          </p:cNvSpPr>
-          <p:nvPr>
-            <p:ph type="sldNum" sz="quarter" idx="10"/>
-          </p:nvPr>
-        </p:nvSpPr>
-        <p:spPr/>
-        <p:txBody>
-          <a:bodyPr/>
-          <a:lstStyle/>
-          <a:p>
-            <a:pPr>
-              <a:defRPr/>
-            </a:pPr>
-            <a:r>
-              <a:rPr lang="en-US" smtClean="0"/>
-              <a:t>sound.</a:t>
-            </a:r>
-            <a:fld id="{DB6F0ED6-FEF5-4C9C-B1CC-29B47EC66FAA}" type="slidenum">
-              <a:rPr lang="en-US" smtClean="0"/>
-              <a:pPr>
-                <a:defRPr/>
-              </a:pPr>
-              <a:t>16</a:t>
-            </a:fld>
-            <a:endParaRPr lang="en-US" dirty="0"/>
-          </a:p>
-        </p:txBody>
-      </p:sp>
-      <p:sp>
-        <p:nvSpPr>
-          <p:cNvPr id="5" name="TextBox 4"/>
-          <p:cNvSpPr txBox="1"/>
-          <p:nvPr/>
-        </p:nvSpPr>
-        <p:spPr>
-          <a:xfrm>
-            <a:off x="522050" y="1406503"/>
-            <a:ext cx="8103075" cy="4247317"/>
-          </a:xfrm>
-          <a:prstGeom prst="rect">
-            <a:avLst/>
-          </a:prstGeom>
-          <a:noFill/>
-        </p:spPr>
-        <p:txBody>
-          <a:bodyPr wrap="none" rtlCol="0">
-            <a:spAutoFit/>
-          </a:bodyPr>
-          <a:lstStyle/>
-          <a:p>
-            <a:pPr algn="l"/>
-            <a:r>
-              <a:rPr lang="en-US" sz="5400" dirty="0" smtClean="0">
-                <a:latin typeface="Comic Sans MS" pitchFamily="66" charset="0"/>
-              </a:rPr>
-              <a:t>Start with axioms and </a:t>
-            </a:r>
-          </a:p>
-          <a:p>
-            <a:pPr algn="l"/>
-            <a:r>
-              <a:rPr lang="en-US" sz="5400" dirty="0" smtClean="0">
-                <a:latin typeface="Comic Sans MS" pitchFamily="66" charset="0"/>
-              </a:rPr>
-              <a:t>derive more formulas by</a:t>
-            </a:r>
-          </a:p>
-          <a:p>
-            <a:pPr algn="l"/>
-            <a:r>
-              <a:rPr lang="en-US" sz="5400" dirty="0" smtClean="0">
-                <a:latin typeface="Comic Sans MS" pitchFamily="66" charset="0"/>
-              </a:rPr>
-              <a:t>repeatedly applying the</a:t>
-            </a:r>
-          </a:p>
-          <a:p>
-            <a:pPr algn="l"/>
-            <a:r>
-              <a:rPr lang="en-US" sz="5400" dirty="0" smtClean="0">
-                <a:latin typeface="Comic Sans MS" pitchFamily="66" charset="0"/>
-              </a:rPr>
-              <a:t>proof rules to previously</a:t>
-            </a:r>
-          </a:p>
-          <a:p>
-            <a:pPr algn="l"/>
-            <a:r>
-              <a:rPr lang="en-US" sz="5400" dirty="0" smtClean="0">
-                <a:latin typeface="Comic Sans MS" pitchFamily="66" charset="0"/>
-              </a:rPr>
-              <a:t>derived formulas</a:t>
-            </a:r>
-            <a:endParaRPr lang="en-US" sz="5400" dirty="0" smtClean="0">
-              <a:latin typeface="Comic Sans MS" pitchFamily="66" charset="0"/>
-            </a:endParaRPr>
-          </a:p>
-        </p:txBody>
-      </p:sp>
-    </p:spTree>
-    <p:extLst>
-      <p:ext uri="{BB962C8B-B14F-4D97-AF65-F5344CB8AC3E}">
-        <p14:creationId xmlns:p14="http://schemas.microsoft.com/office/powerpoint/2010/main" val="2722727069"/>
-      </p:ext>
-    </p:extLst>
-  </p:cSld>
-  <p:clrMapOvr>
-    <a:masterClrMapping/>
-  </p:clrMapOvr>
-  <mc:AlternateContent xmlns:mc="http://schemas.openxmlformats.org/markup-compatibility/2006">
-    <mc:Choice xmlns:p14="http://schemas.microsoft.com/office/powerpoint/2010/main" Requires="p14">
-      <p:transition spd="med" p14:dur="700" advClick="0">
-        <p:fade/>
-      </p:transition>
-    </mc:Choice>
-    <mc:Fallback>
-      <p:transition xmlns:p14="http://schemas.microsoft.com/office/powerpoint/2010/main" spd="med" advClick="0">
-        <p:fade/>
-      </p:transition>
-    </mc:Fallback>
-  </mc:AlternateContent>
-  <p:timing>
-    <p:tnLst>
-      <p:par>
-        <p:cTn xmlns:p14="http://schemas.microsoft.com/office/powerpoint/2010/main" id="1" dur="indefinite" restart="never" nodeType="tmRoot"/>
-      </p:par>
-    </p:tnLst>
-  </p:timing>
-</p:sld>
-</file>
-
 <file path=ppt/slides/slide17.xml><?xml version="1.0" encoding="utf-8"?>
 <p:sld xmlns:a="http://schemas.openxmlformats.org/drawingml/2006/main" xmlns:r="http://schemas.openxmlformats.org/officeDocument/2006/relationships" xmlns:p="http://schemas.openxmlformats.org/presentationml/2006/main">
   <p:cSld>
@@ -8499,6 +9633,362 @@
         </p:nvSpPr>
         <p:spPr>
           <a:xfrm>
+            <a:off x="2338096" y="0"/>
+            <a:ext cx="5606820" cy="1196575"/>
+          </a:xfrm>
+        </p:spPr>
+        <p:txBody>
+          <a:bodyPr/>
+          <a:lstStyle/>
+          <a:p>
+            <a:r>
+              <a:rPr lang="en-US" sz="4800" dirty="0" smtClean="0">
+                <a:solidFill>
+                  <a:schemeClr val="accent1">
+                    <a:lumMod val="50000"/>
+                  </a:schemeClr>
+                </a:solidFill>
+              </a:rPr>
+              <a:t>Provable</a:t>
+            </a:r>
+            <a:r>
+              <a:rPr lang="en-US" sz="4800" dirty="0" smtClean="0">
+                <a:solidFill>
+                  <a:srgbClr val="000000"/>
+                </a:solidFill>
+              </a:rPr>
+              <a:t> Formulas </a:t>
+            </a:r>
+            <a:endParaRPr lang="en-US" sz="4800" dirty="0">
+              <a:solidFill>
+                <a:srgbClr val="000000"/>
+              </a:solidFill>
+            </a:endParaRPr>
+          </a:p>
+        </p:txBody>
+      </p:sp>
+      <p:sp>
+        <p:nvSpPr>
+          <p:cNvPr id="3" name="Slide Number Placeholder 2"/>
+          <p:cNvSpPr>
+            <a:spLocks noGrp="1"/>
+          </p:cNvSpPr>
+          <p:nvPr>
+            <p:ph type="sldNum" sz="quarter" idx="10"/>
+          </p:nvPr>
+        </p:nvSpPr>
+        <p:spPr/>
+        <p:txBody>
+          <a:bodyPr/>
+          <a:lstStyle/>
+          <a:p>
+            <a:pPr>
+              <a:defRPr/>
+            </a:pPr>
+            <a:r>
+              <a:rPr lang="en-US" smtClean="0"/>
+              <a:t>sound.</a:t>
+            </a:r>
+            <a:fld id="{DB6F0ED6-FEF5-4C9C-B1CC-29B47EC66FAA}" type="slidenum">
+              <a:rPr lang="en-US" smtClean="0"/>
+              <a:pPr>
+                <a:defRPr/>
+              </a:pPr>
+              <a:t>17</a:t>
+            </a:fld>
+            <a:endParaRPr lang="en-US" dirty="0"/>
+          </a:p>
+        </p:txBody>
+      </p:sp>
+      <p:sp>
+        <p:nvSpPr>
+          <p:cNvPr id="5" name="TextBox 4"/>
+          <p:cNvSpPr txBox="1"/>
+          <p:nvPr/>
+        </p:nvSpPr>
+        <p:spPr>
+          <a:xfrm>
+            <a:off x="522050" y="1406503"/>
+            <a:ext cx="7339569" cy="1754327"/>
+          </a:xfrm>
+          <a:prstGeom prst="rect">
+            <a:avLst/>
+          </a:prstGeom>
+          <a:noFill/>
+        </p:spPr>
+        <p:txBody>
+          <a:bodyPr wrap="none" rtlCol="0">
+            <a:spAutoFit/>
+          </a:bodyPr>
+          <a:lstStyle/>
+          <a:p>
+            <a:pPr algn="l"/>
+            <a:r>
+              <a:rPr lang="en-US" sz="5400" dirty="0" smtClean="0">
+                <a:latin typeface="Comic Sans MS" pitchFamily="66" charset="0"/>
+              </a:rPr>
+              <a:t>Start with axioms and </a:t>
+            </a:r>
+          </a:p>
+          <a:p>
+            <a:pPr algn="l"/>
+            <a:r>
+              <a:rPr lang="en-US" sz="5400" dirty="0" smtClean="0">
+                <a:latin typeface="Comic Sans MS" pitchFamily="66" charset="0"/>
+              </a:rPr>
+              <a:t>derive more formulas</a:t>
+            </a:r>
+          </a:p>
+        </p:txBody>
+      </p:sp>
+    </p:spTree>
+    <p:extLst>
+      <p:ext uri="{BB962C8B-B14F-4D97-AF65-F5344CB8AC3E}">
+        <p14:creationId xmlns:p14="http://schemas.microsoft.com/office/powerpoint/2010/main" val="312157673"/>
+      </p:ext>
+    </p:extLst>
+  </p:cSld>
+  <p:clrMapOvr>
+    <a:masterClrMapping/>
+  </p:clrMapOvr>
+  <p:transition xmlns:p14="http://schemas.microsoft.com/office/powerpoint/2010/main" advClick="0">
+    <p:fade/>
+  </p:transition>
+  <p:timing>
+    <p:tnLst>
+      <p:par>
+        <p:cTn xmlns:p14="http://schemas.microsoft.com/office/powerpoint/2010/main" id="1" dur="indefinite" restart="never" nodeType="tmRoot"/>
+      </p:par>
+    </p:tnLst>
+  </p:timing>
+</p:sld>
+</file>
+
+<file path=ppt/slides/slide18.xml><?xml version="1.0" encoding="utf-8"?>
+<p:sld xmlns:a="http://schemas.openxmlformats.org/drawingml/2006/main" xmlns:r="http://schemas.openxmlformats.org/officeDocument/2006/relationships" xmlns:p="http://schemas.openxmlformats.org/presentationml/2006/main">
+  <p:cSld>
+    <p:spTree>
+      <p:nvGrpSpPr>
+        <p:cNvPr id="1" name=""/>
+        <p:cNvGrpSpPr/>
+        <p:nvPr/>
+      </p:nvGrpSpPr>
+      <p:grpSpPr>
+        <a:xfrm>
+          <a:off x="0" y="0"/>
+          <a:ext cx="0" cy="0"/>
+          <a:chOff x="0" y="0"/>
+          <a:chExt cx="0" cy="0"/>
+        </a:xfrm>
+      </p:grpSpPr>
+      <p:sp>
+        <p:nvSpPr>
+          <p:cNvPr id="2" name="Title 1"/>
+          <p:cNvSpPr>
+            <a:spLocks noGrp="1"/>
+          </p:cNvSpPr>
+          <p:nvPr>
+            <p:ph type="title"/>
+          </p:nvPr>
+        </p:nvSpPr>
+        <p:spPr>
+          <a:xfrm>
+            <a:off x="2338096" y="0"/>
+            <a:ext cx="5606820" cy="1196575"/>
+          </a:xfrm>
+        </p:spPr>
+        <p:txBody>
+          <a:bodyPr/>
+          <a:lstStyle/>
+          <a:p>
+            <a:r>
+              <a:rPr lang="en-US" sz="4800" dirty="0" smtClean="0">
+                <a:solidFill>
+                  <a:schemeClr val="accent1">
+                    <a:lumMod val="50000"/>
+                  </a:schemeClr>
+                </a:solidFill>
+              </a:rPr>
+              <a:t>Provable</a:t>
+            </a:r>
+            <a:r>
+              <a:rPr lang="en-US" sz="4800" dirty="0" smtClean="0">
+                <a:solidFill>
+                  <a:srgbClr val="000000"/>
+                </a:solidFill>
+              </a:rPr>
+              <a:t> Formulas </a:t>
+            </a:r>
+            <a:endParaRPr lang="en-US" sz="4800" dirty="0">
+              <a:solidFill>
+                <a:srgbClr val="000000"/>
+              </a:solidFill>
+            </a:endParaRPr>
+          </a:p>
+        </p:txBody>
+      </p:sp>
+      <p:sp>
+        <p:nvSpPr>
+          <p:cNvPr id="3" name="Slide Number Placeholder 2"/>
+          <p:cNvSpPr>
+            <a:spLocks noGrp="1"/>
+          </p:cNvSpPr>
+          <p:nvPr>
+            <p:ph type="sldNum" sz="quarter" idx="10"/>
+          </p:nvPr>
+        </p:nvSpPr>
+        <p:spPr/>
+        <p:txBody>
+          <a:bodyPr/>
+          <a:lstStyle/>
+          <a:p>
+            <a:pPr>
+              <a:defRPr/>
+            </a:pPr>
+            <a:r>
+              <a:rPr lang="en-US" smtClean="0"/>
+              <a:t>sound.</a:t>
+            </a:r>
+            <a:fld id="{DB6F0ED6-FEF5-4C9C-B1CC-29B47EC66FAA}" type="slidenum">
+              <a:rPr lang="en-US" smtClean="0"/>
+              <a:pPr>
+                <a:defRPr/>
+              </a:pPr>
+              <a:t>18</a:t>
+            </a:fld>
+            <a:endParaRPr lang="en-US" dirty="0"/>
+          </a:p>
+        </p:txBody>
+      </p:sp>
+      <p:sp>
+        <p:nvSpPr>
+          <p:cNvPr id="5" name="TextBox 4"/>
+          <p:cNvSpPr txBox="1"/>
+          <p:nvPr/>
+        </p:nvSpPr>
+        <p:spPr>
+          <a:xfrm>
+            <a:off x="522050" y="1406503"/>
+            <a:ext cx="8103075" cy="4247317"/>
+          </a:xfrm>
+          <a:prstGeom prst="rect">
+            <a:avLst/>
+          </a:prstGeom>
+          <a:noFill/>
+        </p:spPr>
+        <p:txBody>
+          <a:bodyPr wrap="none" rtlCol="0">
+            <a:spAutoFit/>
+          </a:bodyPr>
+          <a:lstStyle/>
+          <a:p>
+            <a:pPr algn="l"/>
+            <a:r>
+              <a:rPr lang="en-US" sz="5400" dirty="0" smtClean="0">
+                <a:latin typeface="Comic Sans MS" pitchFamily="66" charset="0"/>
+              </a:rPr>
+              <a:t>Start with axioms and </a:t>
+            </a:r>
+          </a:p>
+          <a:p>
+            <a:pPr algn="l"/>
+            <a:r>
+              <a:rPr lang="en-US" sz="5400" dirty="0" smtClean="0">
+                <a:latin typeface="Comic Sans MS" pitchFamily="66" charset="0"/>
+              </a:rPr>
+              <a:t>derive more formulas by</a:t>
+            </a:r>
+          </a:p>
+          <a:p>
+            <a:pPr algn="l"/>
+            <a:r>
+              <a:rPr lang="en-US" sz="5400" dirty="0" smtClean="0">
+                <a:latin typeface="Comic Sans MS" pitchFamily="66" charset="0"/>
+              </a:rPr>
+              <a:t>repeatedly applying the</a:t>
+            </a:r>
+          </a:p>
+          <a:p>
+            <a:pPr algn="l"/>
+            <a:r>
+              <a:rPr lang="en-US" sz="5400" dirty="0" smtClean="0">
+                <a:latin typeface="Comic Sans MS" pitchFamily="66" charset="0"/>
+              </a:rPr>
+              <a:t>proof rules to previously</a:t>
+            </a:r>
+          </a:p>
+          <a:p>
+            <a:pPr algn="l"/>
+            <a:r>
+              <a:rPr lang="en-US" sz="5400" dirty="0" smtClean="0">
+                <a:latin typeface="Comic Sans MS" pitchFamily="66" charset="0"/>
+              </a:rPr>
+              <a:t>derived formulas</a:t>
+            </a:r>
+          </a:p>
+        </p:txBody>
+      </p:sp>
+    </p:spTree>
+    <p:extLst>
+      <p:ext uri="{BB962C8B-B14F-4D97-AF65-F5344CB8AC3E}">
+        <p14:creationId xmlns:p14="http://schemas.microsoft.com/office/powerpoint/2010/main" val="2722727069"/>
+      </p:ext>
+    </p:extLst>
+  </p:cSld>
+  <p:clrMapOvr>
+    <a:masterClrMapping/>
+  </p:clrMapOvr>
+  <mc:AlternateContent xmlns:mc="http://schemas.openxmlformats.org/markup-compatibility/2006">
+    <mc:Choice xmlns:p14="http://schemas.microsoft.com/office/powerpoint/2010/main" Requires="p14">
+      <p:transition p14:dur="400" advClick="0">
+        <p:fade/>
+      </p:transition>
+    </mc:Choice>
+    <mc:Fallback>
+      <p:transition xmlns:p14="http://schemas.microsoft.com/office/powerpoint/2010/main" advClick="0">
+        <p:fade/>
+      </p:transition>
+    </mc:Fallback>
+  </mc:AlternateContent>
+  <p:timing>
+    <p:tnLst>
+      <p:par>
+        <p:cTn xmlns:p14="http://schemas.microsoft.com/office/powerpoint/2010/main" id="1" dur="indefinite" restart="never" nodeType="tmRoot"/>
+      </p:par>
+    </p:tnLst>
+  </p:timing>
+</p:sld>
+</file>
+
+<file path=ppt/slides/slide19.xml><?xml version="1.0" encoding="utf-8"?>
+<p:sld xmlns:a="http://schemas.openxmlformats.org/drawingml/2006/main" xmlns:r="http://schemas.openxmlformats.org/officeDocument/2006/relationships" xmlns:p="http://schemas.openxmlformats.org/presentationml/2006/main">
+  <p:cSld>
+    <p:spTree>
+      <p:nvGrpSpPr>
+        <p:cNvPr id="1" name=""/>
+        <p:cNvGrpSpPr/>
+        <p:nvPr/>
+      </p:nvGrpSpPr>
+      <p:grpSpPr>
+        <a:xfrm>
+          <a:off x="0" y="0"/>
+          <a:ext cx="0" cy="0"/>
+          <a:chOff x="0" y="0"/>
+          <a:chExt cx="0" cy="0"/>
+        </a:xfrm>
+      </p:grpSpPr>
+      <p:sp>
+        <p:nvSpPr>
+          <p:cNvPr id="2" name="Title 1"/>
+          <p:cNvSpPr>
+            <a:spLocks noGrp="1"/>
+          </p:cNvSpPr>
+          <p:nvPr>
+            <p:ph type="title"/>
+          </p:nvPr>
+        </p:nvSpPr>
+        <p:spPr>
+          <a:xfrm>
             <a:off x="1865814" y="252317"/>
             <a:ext cx="6467431" cy="1269642"/>
           </a:xfrm>
@@ -8541,15 +10031,7 @@
                   <a:schemeClr val="tx1"/>
                 </a:solidFill>
               </a:rPr>
-              <a:t>Systems</a:t>
-            </a:r>
-            <a:r>
-              <a:rPr lang="en-US" sz="4800" dirty="0" smtClean="0">
-                <a:solidFill>
-                  <a:schemeClr val="tx1"/>
-                </a:solidFill>
-              </a:rPr>
-              <a:t> </a:t>
+              <a:t>Systems </a:t>
             </a:r>
             <a:endParaRPr lang="en-US" sz="4800" dirty="0">
               <a:solidFill>
@@ -8586,7 +10068,7 @@
               <a:pPr>
                 <a:defRPr/>
               </a:pPr>
-              <a:t>17</a:t>
+              <a:t>19</a:t>
             </a:fld>
             <a:endParaRPr lang="en-US" dirty="0"/>
           </a:p>
@@ -8630,13 +10112,7 @@
               <a:rPr lang="en-US" sz="5400" dirty="0" smtClean="0">
                 <a:latin typeface="Comic Sans MS" pitchFamily="66" charset="0"/>
               </a:rPr>
-              <a:t> If </a:t>
-            </a:r>
-            <a:r>
-              <a:rPr lang="en-US" sz="5400" dirty="0" smtClean="0">
-                <a:latin typeface="Comic Sans MS" pitchFamily="66" charset="0"/>
-              </a:rPr>
-              <a:t>proof rules are </a:t>
+              <a:t> If proof rules are </a:t>
             </a:r>
             <a:r>
               <a:rPr lang="en-US" sz="5400" dirty="0" smtClean="0">
@@ -8763,499 +10239,6 @@
             </p:seq>
           </p:childTnLst>
         </p:cTn>
-      </p:par>
-    </p:tnLst>
-  </p:timing>
-</p:sld>
-</file>
-
-<file path=ppt/slides/slide18.xml><?xml version="1.0" encoding="utf-8"?>
-<p:sld xmlns:a="http://schemas.openxmlformats.org/drawingml/2006/main" xmlns:r="http://schemas.openxmlformats.org/officeDocument/2006/relationships" xmlns:p="http://schemas.openxmlformats.org/presentationml/2006/main">
-  <p:cSld>
-    <p:spTree>
-      <p:nvGrpSpPr>
-        <p:cNvPr id="1" name=""/>
-        <p:cNvGrpSpPr/>
-        <p:nvPr/>
-      </p:nvGrpSpPr>
-      <p:grpSpPr>
-        <a:xfrm>
-          <a:off x="0" y="0"/>
-          <a:ext cx="0" cy="0"/>
-          <a:chOff x="0" y="0"/>
-          <a:chExt cx="0" cy="0"/>
-        </a:xfrm>
-      </p:grpSpPr>
-      <p:sp>
-        <p:nvSpPr>
-          <p:cNvPr id="3" name="Slide Number Placeholder 2"/>
-          <p:cNvSpPr>
-            <a:spLocks noGrp="1"/>
-          </p:cNvSpPr>
-          <p:nvPr>
-            <p:ph type="sldNum" sz="quarter" idx="10"/>
-          </p:nvPr>
-        </p:nvSpPr>
-        <p:spPr/>
-        <p:txBody>
-          <a:bodyPr/>
-          <a:lstStyle/>
-          <a:p>
-            <a:pPr>
-              <a:defRPr/>
-            </a:pPr>
-            <a:r>
-              <a:rPr lang="en-US" smtClean="0"/>
-              <a:t>sound.</a:t>
-            </a:r>
-            <a:fld id="{DB6F0ED6-FEF5-4C9C-B1CC-29B47EC66FAA}" type="slidenum">
-              <a:rPr lang="en-US" smtClean="0"/>
-              <a:pPr>
-                <a:defRPr/>
-              </a:pPr>
-              <a:t>18</a:t>
-            </a:fld>
-            <a:endParaRPr lang="en-US" dirty="0"/>
-          </a:p>
-        </p:txBody>
-      </p:sp>
-      <p:sp>
-        <p:nvSpPr>
-          <p:cNvPr id="4" name="TextBox 3"/>
-          <p:cNvSpPr txBox="1"/>
-          <p:nvPr/>
-        </p:nvSpPr>
-        <p:spPr>
-          <a:xfrm>
-            <a:off x="364983" y="1708134"/>
-            <a:ext cx="8417209" cy="2585323"/>
-          </a:xfrm>
-          <a:prstGeom prst="rect">
-            <a:avLst/>
-          </a:prstGeom>
-          <a:noFill/>
-        </p:spPr>
-        <p:txBody>
-          <a:bodyPr wrap="square" rtlCol="0">
-            <a:spAutoFit/>
-          </a:bodyPr>
-          <a:lstStyle/>
-          <a:p>
-            <a:pPr algn="l"/>
-            <a:r>
-              <a:rPr lang="en-US" sz="4800" dirty="0" smtClean="0">
-                <a:solidFill>
-                  <a:schemeClr val="accent2">
-                    <a:lumMod val="75000"/>
-                  </a:schemeClr>
-                </a:solidFill>
-                <a:latin typeface="Comic Sans MS" pitchFamily="66" charset="0"/>
-              </a:rPr>
-              <a:t>Theorem:</a:t>
-            </a:r>
-            <a:r>
-              <a:rPr lang="en-US" sz="5400" dirty="0" smtClean="0">
-                <a:latin typeface="Comic Sans MS" pitchFamily="66" charset="0"/>
-              </a:rPr>
-              <a:t> If </a:t>
-            </a:r>
-            <a:r>
-              <a:rPr lang="en-US" sz="5400" dirty="0" smtClean="0">
-                <a:latin typeface="Comic Sans MS" pitchFamily="66" charset="0"/>
-              </a:rPr>
-              <a:t>proof rules are </a:t>
-            </a:r>
-            <a:r>
-              <a:rPr lang="en-US" sz="5400" dirty="0" smtClean="0">
-                <a:solidFill>
-                  <a:srgbClr val="006600"/>
-                </a:solidFill>
-                <a:latin typeface="Comic Sans MS" pitchFamily="66" charset="0"/>
-              </a:rPr>
-              <a:t>sound</a:t>
-            </a:r>
-            <a:r>
-              <a:rPr lang="en-US" sz="5400" dirty="0" smtClean="0">
-                <a:latin typeface="Comic Sans MS" pitchFamily="66" charset="0"/>
-              </a:rPr>
-              <a:t>, and </a:t>
-            </a:r>
-            <a:r>
-              <a:rPr lang="en-US" sz="5400" dirty="0" smtClean="0">
-                <a:latin typeface="Comic Sans MS" pitchFamily="66" charset="0"/>
-              </a:rPr>
-              <a:t>axioms </a:t>
-            </a:r>
-            <a:r>
-              <a:rPr lang="en-US" sz="5400" dirty="0">
-                <a:latin typeface="Comic Sans MS" pitchFamily="66" charset="0"/>
-              </a:rPr>
-              <a:t>are </a:t>
-            </a:r>
-            <a:r>
-              <a:rPr lang="en-US" sz="5400" dirty="0" smtClean="0">
-                <a:solidFill>
-                  <a:srgbClr val="BB0FAB"/>
-                </a:solidFill>
-                <a:latin typeface="Comic Sans MS" pitchFamily="66" charset="0"/>
-              </a:rPr>
-              <a:t>valid</a:t>
-            </a:r>
-            <a:endParaRPr lang="en-US" sz="5400" dirty="0" smtClean="0">
-              <a:latin typeface="Comic Sans MS" pitchFamily="66" charset="0"/>
-            </a:endParaRPr>
-          </a:p>
-        </p:txBody>
-      </p:sp>
-      <p:sp>
-        <p:nvSpPr>
-          <p:cNvPr id="6" name="Title 1"/>
-          <p:cNvSpPr>
-            <a:spLocks noGrp="1"/>
-          </p:cNvSpPr>
-          <p:nvPr>
-            <p:ph type="title"/>
-          </p:nvPr>
-        </p:nvSpPr>
-        <p:spPr>
-          <a:xfrm>
-            <a:off x="1865814" y="252317"/>
-            <a:ext cx="6467431" cy="1269642"/>
-          </a:xfrm>
-        </p:spPr>
-        <p:txBody>
-          <a:bodyPr/>
-          <a:lstStyle/>
-          <a:p>
-            <a:r>
-              <a:rPr lang="en-US" sz="4800" dirty="0" smtClean="0">
-                <a:solidFill>
-                  <a:srgbClr val="006600"/>
-                </a:solidFill>
-              </a:rPr>
-              <a:t>Sound</a:t>
-            </a:r>
-            <a:r>
-              <a:rPr lang="en-US" sz="4800" dirty="0" smtClean="0"/>
-              <a:t> </a:t>
-            </a:r>
-            <a:r>
-              <a:rPr lang="en-US" sz="4800" dirty="0" smtClean="0">
-                <a:solidFill>
-                  <a:schemeClr val="tx1"/>
-                </a:solidFill>
-              </a:rPr>
-              <a:t>Proof</a:t>
-            </a:r>
-            <a:r>
-              <a:rPr lang="en-US" sz="4800" dirty="0">
-                <a:solidFill>
-                  <a:schemeClr val="tx1"/>
-                </a:solidFill>
-              </a:rPr>
-              <a:t> </a:t>
-            </a:r>
-            <a:r>
-              <a:rPr lang="en-US" sz="4800" dirty="0" smtClean="0">
-                <a:solidFill>
-                  <a:schemeClr val="tx1"/>
-                </a:solidFill>
-              </a:rPr>
-              <a:t>Systems</a:t>
-            </a:r>
-            <a:r>
-              <a:rPr lang="en-US" sz="4800" dirty="0" smtClean="0">
-                <a:solidFill>
-                  <a:schemeClr val="tx1"/>
-                </a:solidFill>
-              </a:rPr>
-              <a:t> </a:t>
-            </a:r>
-            <a:endParaRPr lang="en-US" sz="4800" dirty="0">
-              <a:solidFill>
-                <a:schemeClr val="tx1"/>
-              </a:solidFill>
-            </a:endParaRPr>
-          </a:p>
-        </p:txBody>
-      </p:sp>
-    </p:spTree>
-    <p:extLst>
-      <p:ext uri="{BB962C8B-B14F-4D97-AF65-F5344CB8AC3E}">
-        <p14:creationId xmlns:p14="http://schemas.microsoft.com/office/powerpoint/2010/main" val="2613304091"/>
-      </p:ext>
-    </p:extLst>
-  </p:cSld>
-  <p:clrMapOvr>
-    <a:masterClrMapping/>
-  </p:clrMapOvr>
-  <mc:AlternateContent xmlns:mc="http://schemas.openxmlformats.org/markup-compatibility/2006">
-    <mc:Choice xmlns:p14="http://schemas.microsoft.com/office/powerpoint/2010/main" Requires="p14">
-      <p:transition spd="med" p14:dur="700" advClick="0">
-        <p:fade/>
-      </p:transition>
-    </mc:Choice>
-    <mc:Fallback>
-      <p:transition xmlns:p14="http://schemas.microsoft.com/office/powerpoint/2010/main" spd="med" advClick="0">
-        <p:fade/>
-      </p:transition>
-    </mc:Fallback>
-  </mc:AlternateContent>
-  <p:timing>
-    <p:tnLst>
-      <p:par>
-        <p:cTn xmlns:p14="http://schemas.microsoft.com/office/powerpoint/2010/main" id="1" dur="indefinite" restart="never" nodeType="tmRoot"/>
-      </p:par>
-    </p:tnLst>
-  </p:timing>
-</p:sld>
-</file>
-
-<file path=ppt/slides/slide19.xml><?xml version="1.0" encoding="utf-8"?>
-<p:sld xmlns:a="http://schemas.openxmlformats.org/drawingml/2006/main" xmlns:r="http://schemas.openxmlformats.org/officeDocument/2006/relationships" xmlns:p="http://schemas.openxmlformats.org/presentationml/2006/main">
-  <p:cSld>
-    <p:spTree>
-      <p:nvGrpSpPr>
-        <p:cNvPr id="1" name=""/>
-        <p:cNvGrpSpPr/>
-        <p:nvPr/>
-      </p:nvGrpSpPr>
-      <p:grpSpPr>
-        <a:xfrm>
-          <a:off x="0" y="0"/>
-          <a:ext cx="0" cy="0"/>
-          <a:chOff x="0" y="0"/>
-          <a:chExt cx="0" cy="0"/>
-        </a:xfrm>
-      </p:grpSpPr>
-      <p:sp>
-        <p:nvSpPr>
-          <p:cNvPr id="3" name="Slide Number Placeholder 2"/>
-          <p:cNvSpPr>
-            <a:spLocks noGrp="1"/>
-          </p:cNvSpPr>
-          <p:nvPr>
-            <p:ph type="sldNum" sz="quarter" idx="10"/>
-          </p:nvPr>
-        </p:nvSpPr>
-        <p:spPr/>
-        <p:txBody>
-          <a:bodyPr/>
-          <a:lstStyle/>
-          <a:p>
-            <a:pPr>
-              <a:defRPr/>
-            </a:pPr>
-            <a:r>
-              <a:rPr lang="en-US" smtClean="0"/>
-              <a:t>sound.</a:t>
-            </a:r>
-            <a:fld id="{DB6F0ED6-FEF5-4C9C-B1CC-29B47EC66FAA}" type="slidenum">
-              <a:rPr lang="en-US" smtClean="0"/>
-              <a:pPr>
-                <a:defRPr/>
-              </a:pPr>
-              <a:t>19</a:t>
-            </a:fld>
-            <a:endParaRPr lang="en-US" dirty="0"/>
-          </a:p>
-        </p:txBody>
-      </p:sp>
-      <p:sp>
-        <p:nvSpPr>
-          <p:cNvPr id="4" name="TextBox 3"/>
-          <p:cNvSpPr txBox="1"/>
-          <p:nvPr/>
-        </p:nvSpPr>
-        <p:spPr>
-          <a:xfrm>
-            <a:off x="364983" y="1708134"/>
-            <a:ext cx="8417209" cy="3416320"/>
-          </a:xfrm>
-          <a:prstGeom prst="rect">
-            <a:avLst/>
-          </a:prstGeom>
-          <a:noFill/>
-        </p:spPr>
-        <p:txBody>
-          <a:bodyPr wrap="square" rtlCol="0">
-            <a:spAutoFit/>
-          </a:bodyPr>
-          <a:lstStyle/>
-          <a:p>
-            <a:pPr algn="l"/>
-            <a:r>
-              <a:rPr lang="en-US" sz="4800" dirty="0" smtClean="0">
-                <a:solidFill>
-                  <a:schemeClr val="accent2">
-                    <a:lumMod val="75000"/>
-                  </a:schemeClr>
-                </a:solidFill>
-                <a:latin typeface="Comic Sans MS" pitchFamily="66" charset="0"/>
-              </a:rPr>
-              <a:t>Theorem:</a:t>
-            </a:r>
-            <a:r>
-              <a:rPr lang="en-US" sz="5400" dirty="0" smtClean="0">
-                <a:latin typeface="Comic Sans MS" pitchFamily="66" charset="0"/>
-              </a:rPr>
-              <a:t> If </a:t>
-            </a:r>
-            <a:r>
-              <a:rPr lang="en-US" sz="5400" dirty="0" smtClean="0">
-                <a:latin typeface="Comic Sans MS" pitchFamily="66" charset="0"/>
-              </a:rPr>
-              <a:t>proof rules are </a:t>
-            </a:r>
-            <a:r>
-              <a:rPr lang="en-US" sz="5400" dirty="0" smtClean="0">
-                <a:solidFill>
-                  <a:srgbClr val="006600"/>
-                </a:solidFill>
-                <a:latin typeface="Comic Sans MS" pitchFamily="66" charset="0"/>
-              </a:rPr>
-              <a:t>sound</a:t>
-            </a:r>
-            <a:r>
-              <a:rPr lang="en-US" sz="5400" dirty="0" smtClean="0">
-                <a:latin typeface="Comic Sans MS" pitchFamily="66" charset="0"/>
-              </a:rPr>
-              <a:t>, and </a:t>
-            </a:r>
-            <a:r>
-              <a:rPr lang="en-US" sz="5400" dirty="0" smtClean="0">
-                <a:latin typeface="Comic Sans MS" pitchFamily="66" charset="0"/>
-              </a:rPr>
-              <a:t>axioms </a:t>
-            </a:r>
-            <a:r>
-              <a:rPr lang="en-US" sz="5400" dirty="0">
-                <a:latin typeface="Comic Sans MS" pitchFamily="66" charset="0"/>
-              </a:rPr>
-              <a:t>are </a:t>
-            </a:r>
-            <a:r>
-              <a:rPr lang="en-US" sz="5400" dirty="0">
-                <a:solidFill>
-                  <a:srgbClr val="BB0FAB"/>
-                </a:solidFill>
-                <a:latin typeface="Comic Sans MS" pitchFamily="66" charset="0"/>
-              </a:rPr>
-              <a:t>valid</a:t>
-            </a:r>
-            <a:r>
-              <a:rPr lang="en-US" sz="5400" dirty="0" smtClean="0">
-                <a:latin typeface="Comic Sans MS" pitchFamily="66" charset="0"/>
-              </a:rPr>
-              <a:t>, then every provable formula is </a:t>
-            </a:r>
-            <a:r>
-              <a:rPr lang="en-US" sz="5400" dirty="0" smtClean="0">
-                <a:solidFill>
-                  <a:srgbClr val="BB0FAB"/>
-                </a:solidFill>
-                <a:latin typeface="Comic Sans MS" pitchFamily="66" charset="0"/>
-              </a:rPr>
-              <a:t>valid</a:t>
-            </a:r>
-            <a:r>
-              <a:rPr lang="en-US" sz="5400" dirty="0" smtClean="0">
-                <a:latin typeface="Comic Sans MS" pitchFamily="66" charset="0"/>
-              </a:rPr>
-              <a:t>.</a:t>
-            </a:r>
-          </a:p>
-        </p:txBody>
-      </p:sp>
-      <p:sp>
-        <p:nvSpPr>
-          <p:cNvPr id="6" name="Title 1"/>
-          <p:cNvSpPr>
-            <a:spLocks noGrp="1"/>
-          </p:cNvSpPr>
-          <p:nvPr>
-            <p:ph type="title"/>
-          </p:nvPr>
-        </p:nvSpPr>
-        <p:spPr>
-          <a:xfrm>
-            <a:off x="1865814" y="252317"/>
-            <a:ext cx="6467431" cy="1269642"/>
-          </a:xfrm>
-        </p:spPr>
-        <p:txBody>
-          <a:bodyPr/>
-          <a:lstStyle/>
-          <a:p>
-            <a:r>
-              <a:rPr lang="en-US" sz="4800" dirty="0" smtClean="0">
-                <a:solidFill>
-                  <a:srgbClr val="006600"/>
-                </a:solidFill>
-              </a:rPr>
-              <a:t>Sound</a:t>
-            </a:r>
-            <a:r>
-              <a:rPr lang="en-US" sz="4800" dirty="0" smtClean="0"/>
-              <a:t> </a:t>
-            </a:r>
-            <a:r>
-              <a:rPr lang="en-US" sz="4800" dirty="0" smtClean="0">
-                <a:solidFill>
-                  <a:schemeClr val="tx1"/>
-                </a:solidFill>
-              </a:rPr>
-              <a:t>Proof</a:t>
-            </a:r>
-            <a:r>
-              <a:rPr lang="en-US" sz="4800" dirty="0">
-                <a:solidFill>
-                  <a:schemeClr val="tx1"/>
-                </a:solidFill>
-              </a:rPr>
-              <a:t> </a:t>
-            </a:r>
-            <a:r>
-              <a:rPr lang="en-US" sz="4800" dirty="0" smtClean="0">
-                <a:solidFill>
-                  <a:schemeClr val="tx1"/>
-                </a:solidFill>
-              </a:rPr>
-              <a:t>Systems</a:t>
-            </a:r>
-            <a:r>
-              <a:rPr lang="en-US" sz="4800" dirty="0" smtClean="0">
-                <a:solidFill>
-                  <a:schemeClr val="tx1"/>
-                </a:solidFill>
-              </a:rPr>
-              <a:t> </a:t>
-            </a:r>
-            <a:endParaRPr lang="en-US" sz="4800" dirty="0">
-              <a:solidFill>
-                <a:schemeClr val="tx1"/>
-              </a:solidFill>
-            </a:endParaRPr>
-          </a:p>
-        </p:txBody>
-      </p:sp>
-    </p:spTree>
-    <p:extLst>
-      <p:ext uri="{BB962C8B-B14F-4D97-AF65-F5344CB8AC3E}">
-        <p14:creationId xmlns:p14="http://schemas.microsoft.com/office/powerpoint/2010/main" val="547433021"/>
-      </p:ext>
-    </p:extLst>
-  </p:cSld>
-  <p:clrMapOvr>
-    <a:masterClrMapping/>
-  </p:clrMapOvr>
-  <p:transition xmlns:p14="http://schemas.microsoft.com/office/powerpoint/2010/main" spd="slow" advClick="0">
-    <p:fade/>
-  </p:transition>
-  <p:timing>
-    <p:tnLst>
-      <p:par>
-        <p:cTn xmlns:p14="http://schemas.microsoft.com/office/powerpoint/2010/main" id="1" dur="indefinite" restart="never" nodeType="tmRoot"/>
       </p:par>
     </p:tnLst>
   </p:timing>
@@ -9682,7 +10665,7 @@
         <p:spPr>
           <a:xfrm>
             <a:off x="364983" y="1708134"/>
-            <a:ext cx="8417209" cy="3416320"/>
+            <a:ext cx="8417209" cy="2585323"/>
           </a:xfrm>
           <a:prstGeom prst="rect">
             <a:avLst/>
@@ -9711,34 +10694,22 @@
               <a:rPr lang="en-US" sz="5400" dirty="0" smtClean="0">
                 <a:latin typeface="Comic Sans MS" pitchFamily="66" charset="0"/>
               </a:rPr>
-              <a:t> If </a:t>
+              <a:t> If proof rules are </a:t>
+            </a:r>
+            <a:r>
+              <a:rPr lang="en-US" sz="5400" dirty="0" smtClean="0">
+                <a:solidFill>
+                  <a:srgbClr val="006600"/>
+                </a:solidFill>
+                <a:latin typeface="Comic Sans MS" pitchFamily="66" charset="0"/>
+              </a:rPr>
+              <a:t>sound</a:t>
             </a:r>
             <a:r>
               <a:rPr lang="en-US" sz="5400" dirty="0" smtClean="0">
                 <a:latin typeface="Comic Sans MS" pitchFamily="66" charset="0"/>
               </a:rPr>
-              <a:t>proof rules are </a:t>
-            </a:r>
-            <a:r>
-              <a:rPr lang="en-US" sz="5400" dirty="0" smtClean="0">
-                <a:solidFill>
-                  <a:srgbClr val="006600"/>
-                </a:solidFill>
-                <a:latin typeface="Comic Sans MS" pitchFamily="66" charset="0"/>
-              </a:rPr>
-              <a:t>sound</a:t>
-            </a:r>
-            <a:r>
-              <a:rPr lang="en-US" sz="5400" dirty="0" smtClean="0">
-                <a:latin typeface="Comic Sans MS" pitchFamily="66" charset="0"/>
-              </a:rPr>
-              <a:t>, and </a:t>
-            </a:r>
-            <a:r>
-              <a:rPr lang="en-US" sz="5400" dirty="0" smtClean="0">
-                <a:latin typeface="Comic Sans MS" pitchFamily="66" charset="0"/>
-              </a:rPr>
-              <a:t>axioms </a:t>
+              <a:t>, and axioms </a:t>
             </a:r>
             <a:r>
               <a:rPr lang="en-US" sz="5400" dirty="0">
@@ -9747,7 +10718,7 @@
               <a:t>are </a:t>
             </a:r>
             <a:r>
-              <a:rPr lang="en-US" sz="5400" dirty="0">
+              <a:rPr lang="en-US" sz="5400" dirty="0" smtClean="0">
                 <a:solidFill>
                   <a:srgbClr val="BB0FAB"/>
                 </a:solidFill>
@@ -9755,25 +10726,7 @@
               </a:rPr>
               <a:t>valid</a:t>
             </a:r>
-            <a:r>
-              <a:rPr lang="en-US" sz="5400" dirty="0" smtClean="0">
-                <a:latin typeface="Comic Sans MS" pitchFamily="66" charset="0"/>
-              </a:rPr>
-              <a:t>, then the whole proof system is </a:t>
-            </a:r>
-            <a:r>
-              <a:rPr lang="en-US" sz="5400" dirty="0" smtClean="0">
-                <a:solidFill>
-                  <a:srgbClr val="008000"/>
-                </a:solidFill>
-                <a:latin typeface="Comic Sans MS" pitchFamily="66" charset="0"/>
-              </a:rPr>
-              <a:t>sound</a:t>
-            </a:r>
             <a:endParaRPr lang="en-US" sz="5400" dirty="0" smtClean="0">
-              <a:solidFill>
-                <a:srgbClr val="008000"/>
-              </a:solidFill>
               <a:latin typeface="Comic Sans MS" pitchFamily="66" charset="0"/>
             </a:endParaRPr>
           </a:p>
@@ -9833,15 +10786,7 @@
                   <a:schemeClr val="tx1"/>
                 </a:solidFill>
               </a:rPr>
-              <a:t>Systems</a:t>
-            </a:r>
-            <a:r>
-              <a:rPr lang="en-US" sz="4800" dirty="0" smtClean="0">
-                <a:solidFill>
-                  <a:schemeClr val="tx1"/>
-                </a:solidFill>
-              </a:rPr>
-              <a:t> </a:t>
+              <a:t>Systems </a:t>
             </a:r>
             <a:endParaRPr lang="en-US" sz="4800" dirty="0">
               <a:solidFill>
@@ -9854,7 +10799,7 @@
     </p:spTree>
     <p:extLst>
       <p:ext uri="{BB962C8B-B14F-4D97-AF65-F5344CB8AC3E}">
-        <p14:creationId xmlns:p14="http://schemas.microsoft.com/office/powerpoint/2010/main" val="1556671481"/>
+        <p14:creationId xmlns:p14="http://schemas.microsoft.com/office/powerpoint/2010/main" val="2613304091"/>
       </p:ext>
     </p:extLst>
   </p:cSld>
@@ -9902,6 +10847,471 @@
       </p:grpSpPr>
       <p:sp>
         <p:nvSpPr>
+          <p:cNvPr id="3" name="Slide Number Placeholder 2"/>
+          <p:cNvSpPr>
+            <a:spLocks noGrp="1"/>
+          </p:cNvSpPr>
+          <p:nvPr>
+            <p:ph type="sldNum" sz="quarter" idx="10"/>
+          </p:nvPr>
+        </p:nvSpPr>
+        <p:spPr/>
+        <p:txBody>
+          <a:bodyPr/>
+          <a:lstStyle/>
+          <a:p>
+            <a:pPr>
+              <a:defRPr/>
+            </a:pPr>
+            <a:r>
+              <a:rPr lang="en-US" smtClean="0"/>
+              <a:t>sound.</a:t>
+            </a:r>
+            <a:fld id="{DB6F0ED6-FEF5-4C9C-B1CC-29B47EC66FAA}" type="slidenum">
+              <a:rPr lang="en-US" smtClean="0"/>
+              <a:pPr>
+                <a:defRPr/>
+              </a:pPr>
+              <a:t>21</a:t>
+            </a:fld>
+            <a:endParaRPr lang="en-US" dirty="0"/>
+          </a:p>
+        </p:txBody>
+      </p:sp>
+      <p:sp>
+        <p:nvSpPr>
+          <p:cNvPr id="4" name="TextBox 3"/>
+          <p:cNvSpPr txBox="1"/>
+          <p:nvPr/>
+        </p:nvSpPr>
+        <p:spPr>
+          <a:xfrm>
+            <a:off x="364983" y="1708134"/>
+            <a:ext cx="8417209" cy="3416320"/>
+          </a:xfrm>
+          <a:prstGeom prst="rect">
+            <a:avLst/>
+          </a:prstGeom>
+          <a:noFill/>
+        </p:spPr>
+        <p:txBody>
+          <a:bodyPr wrap="square" rtlCol="0">
+            <a:spAutoFit/>
+          </a:bodyPr>
+          <a:lstStyle/>
+          <a:p>
+            <a:pPr algn="l"/>
+            <a:r>
+              <a:rPr lang="en-US" sz="4800" dirty="0" smtClean="0">
+                <a:solidFill>
+                  <a:schemeClr val="accent2">
+                    <a:lumMod val="75000"/>
+                  </a:schemeClr>
+                </a:solidFill>
+                <a:latin typeface="Comic Sans MS" pitchFamily="66" charset="0"/>
+              </a:rPr>
+              <a:t>Theorem:</a:t>
+            </a:r>
+            <a:r>
+              <a:rPr lang="en-US" sz="5400" dirty="0" smtClean="0">
+                <a:latin typeface="Comic Sans MS" pitchFamily="66" charset="0"/>
+              </a:rPr>
+              <a:t> If proof rules are </a:t>
+            </a:r>
+            <a:r>
+              <a:rPr lang="en-US" sz="5400" dirty="0" smtClean="0">
+                <a:solidFill>
+                  <a:srgbClr val="006600"/>
+                </a:solidFill>
+                <a:latin typeface="Comic Sans MS" pitchFamily="66" charset="0"/>
+              </a:rPr>
+              <a:t>sound</a:t>
+            </a:r>
+            <a:r>
+              <a:rPr lang="en-US" sz="5400" dirty="0" smtClean="0">
+                <a:latin typeface="Comic Sans MS" pitchFamily="66" charset="0"/>
+              </a:rPr>
+              <a:t>, and axioms </a:t>
+            </a:r>
+            <a:r>
+              <a:rPr lang="en-US" sz="5400" dirty="0">
+                <a:latin typeface="Comic Sans MS" pitchFamily="66" charset="0"/>
+              </a:rPr>
+              <a:t>are </a:t>
+            </a:r>
+            <a:r>
+              <a:rPr lang="en-US" sz="5400" dirty="0">
+                <a:solidFill>
+                  <a:srgbClr val="BB0FAB"/>
+                </a:solidFill>
+                <a:latin typeface="Comic Sans MS" pitchFamily="66" charset="0"/>
+              </a:rPr>
+              <a:t>valid</a:t>
+            </a:r>
+            <a:r>
+              <a:rPr lang="en-US" sz="5400" dirty="0" smtClean="0">
+                <a:latin typeface="Comic Sans MS" pitchFamily="66" charset="0"/>
+              </a:rPr>
+              <a:t>, then every provable formula is </a:t>
+            </a:r>
+            <a:r>
+              <a:rPr lang="en-US" sz="5400" dirty="0" smtClean="0">
+                <a:solidFill>
+                  <a:srgbClr val="BB0FAB"/>
+                </a:solidFill>
+                <a:latin typeface="Comic Sans MS" pitchFamily="66" charset="0"/>
+              </a:rPr>
+              <a:t>valid</a:t>
+            </a:r>
+            <a:r>
+              <a:rPr lang="en-US" sz="5400" dirty="0" smtClean="0">
+                <a:latin typeface="Comic Sans MS" pitchFamily="66" charset="0"/>
+              </a:rPr>
+              <a:t>.</a:t>
+            </a:r>
+          </a:p>
+        </p:txBody>
+      </p:sp>
+      <p:sp>
+        <p:nvSpPr>
+          <p:cNvPr id="6" name="Title 1"/>
+          <p:cNvSpPr>
+            <a:spLocks noGrp="1"/>
+          </p:cNvSpPr>
+          <p:nvPr>
+            <p:ph type="title"/>
+          </p:nvPr>
+        </p:nvSpPr>
+        <p:spPr>
+          <a:xfrm>
+            <a:off x="1865814" y="252317"/>
+            <a:ext cx="6467431" cy="1269642"/>
+          </a:xfrm>
+        </p:spPr>
+        <p:txBody>
+          <a:bodyPr/>
+          <a:lstStyle/>
+          <a:p>
+            <a:r>
+              <a:rPr lang="en-US" sz="4800" dirty="0" smtClean="0">
+                <a:solidFill>
+                  <a:srgbClr val="006600"/>
+                </a:solidFill>
+              </a:rPr>
+              <a:t>Sound</a:t>
+            </a:r>
+            <a:r>
+              <a:rPr lang="en-US" sz="4800" dirty="0" smtClean="0"/>
+              <a:t> </a:t>
+            </a:r>
+            <a:r>
+              <a:rPr lang="en-US" sz="4800" dirty="0" smtClean="0">
+                <a:solidFill>
+                  <a:schemeClr val="tx1"/>
+                </a:solidFill>
+              </a:rPr>
+              <a:t>Proof</a:t>
+            </a:r>
+            <a:r>
+              <a:rPr lang="en-US" sz="4800" dirty="0">
+                <a:solidFill>
+                  <a:schemeClr val="tx1"/>
+                </a:solidFill>
+              </a:rPr>
+              <a:t> </a:t>
+            </a:r>
+            <a:r>
+              <a:rPr lang="en-US" sz="4800" dirty="0" smtClean="0">
+                <a:solidFill>
+                  <a:schemeClr val="tx1"/>
+                </a:solidFill>
+              </a:rPr>
+              <a:t>Systems </a:t>
+            </a:r>
+            <a:endParaRPr lang="en-US" sz="4800" dirty="0">
+              <a:solidFill>
+                <a:schemeClr val="tx1"/>
+              </a:solidFill>
+            </a:endParaRPr>
+          </a:p>
+        </p:txBody>
+      </p:sp>
+    </p:spTree>
+    <p:extLst>
+      <p:ext uri="{BB962C8B-B14F-4D97-AF65-F5344CB8AC3E}">
+        <p14:creationId xmlns:p14="http://schemas.microsoft.com/office/powerpoint/2010/main" val="547433021"/>
+      </p:ext>
+    </p:extLst>
+  </p:cSld>
+  <p:clrMapOvr>
+    <a:masterClrMapping/>
+  </p:clrMapOvr>
+  <p:transition xmlns:p14="http://schemas.microsoft.com/office/powerpoint/2010/main" spd="slow" advClick="0">
+    <p:fade/>
+  </p:transition>
+  <p:timing>
+    <p:tnLst>
+      <p:par>
+        <p:cTn xmlns:p14="http://schemas.microsoft.com/office/powerpoint/2010/main" id="1" dur="indefinite" restart="never" nodeType="tmRoot"/>
+      </p:par>
+    </p:tnLst>
+  </p:timing>
+</p:sld>
+</file>
+
+<file path=ppt/slides/slide22.xml><?xml version="1.0" encoding="utf-8"?>
+<p:sld xmlns:a="http://schemas.openxmlformats.org/drawingml/2006/main" xmlns:r="http://schemas.openxmlformats.org/officeDocument/2006/relationships" xmlns:p="http://schemas.openxmlformats.org/presentationml/2006/main">
+  <p:cSld>
+    <p:spTree>
+      <p:nvGrpSpPr>
+        <p:cNvPr id="1" name=""/>
+        <p:cNvGrpSpPr/>
+        <p:nvPr/>
+      </p:nvGrpSpPr>
+      <p:grpSpPr>
+        <a:xfrm>
+          <a:off x="0" y="0"/>
+          <a:ext cx="0" cy="0"/>
+          <a:chOff x="0" y="0"/>
+          <a:chExt cx="0" cy="0"/>
+        </a:xfrm>
+      </p:grpSpPr>
+      <p:sp>
+        <p:nvSpPr>
+          <p:cNvPr id="3" name="Slide Number Placeholder 2"/>
+          <p:cNvSpPr>
+            <a:spLocks noGrp="1"/>
+          </p:cNvSpPr>
+          <p:nvPr>
+            <p:ph type="sldNum" sz="quarter" idx="10"/>
+          </p:nvPr>
+        </p:nvSpPr>
+        <p:spPr/>
+        <p:txBody>
+          <a:bodyPr/>
+          <a:lstStyle/>
+          <a:p>
+            <a:pPr>
+              <a:defRPr/>
+            </a:pPr>
+            <a:r>
+              <a:rPr lang="en-US" smtClean="0"/>
+              <a:t>sound.</a:t>
+            </a:r>
+            <a:fld id="{DB6F0ED6-FEF5-4C9C-B1CC-29B47EC66FAA}" type="slidenum">
+              <a:rPr lang="en-US" smtClean="0"/>
+              <a:pPr>
+                <a:defRPr/>
+              </a:pPr>
+              <a:t>22</a:t>
+            </a:fld>
+            <a:endParaRPr lang="en-US" dirty="0"/>
+          </a:p>
+        </p:txBody>
+      </p:sp>
+      <p:sp>
+        <p:nvSpPr>
+          <p:cNvPr id="4" name="TextBox 3"/>
+          <p:cNvSpPr txBox="1"/>
+          <p:nvPr/>
+        </p:nvSpPr>
+        <p:spPr>
+          <a:xfrm>
+            <a:off x="364983" y="1708134"/>
+            <a:ext cx="8417209" cy="3416320"/>
+          </a:xfrm>
+          <a:prstGeom prst="rect">
+            <a:avLst/>
+          </a:prstGeom>
+          <a:noFill/>
+        </p:spPr>
+        <p:txBody>
+          <a:bodyPr wrap="square" rtlCol="0">
+            <a:spAutoFit/>
+          </a:bodyPr>
+          <a:lstStyle/>
+          <a:p>
+            <a:pPr algn="l"/>
+            <a:r>
+              <a:rPr lang="en-US" sz="4800" dirty="0" smtClean="0">
+                <a:solidFill>
+                  <a:schemeClr val="accent2">
+                    <a:lumMod val="75000"/>
+                  </a:schemeClr>
+                </a:solidFill>
+                <a:latin typeface="Comic Sans MS" pitchFamily="66" charset="0"/>
+              </a:rPr>
+              <a:t>Theorem:</a:t>
+            </a:r>
+            <a:r>
+              <a:rPr lang="en-US" sz="5400" dirty="0" smtClean="0">
+                <a:latin typeface="Comic Sans MS" pitchFamily="66" charset="0"/>
+              </a:rPr>
+              <a:t> If proof rules are </a:t>
+            </a:r>
+            <a:r>
+              <a:rPr lang="en-US" sz="5400" dirty="0" smtClean="0">
+                <a:solidFill>
+                  <a:srgbClr val="006600"/>
+                </a:solidFill>
+                <a:latin typeface="Comic Sans MS" pitchFamily="66" charset="0"/>
+              </a:rPr>
+              <a:t>sound</a:t>
+            </a:r>
+            <a:r>
+              <a:rPr lang="en-US" sz="5400" dirty="0" smtClean="0">
+                <a:latin typeface="Comic Sans MS" pitchFamily="66" charset="0"/>
+              </a:rPr>
+              <a:t>, and axioms </a:t>
+            </a:r>
+            <a:r>
+              <a:rPr lang="en-US" sz="5400" dirty="0">
+                <a:latin typeface="Comic Sans MS" pitchFamily="66" charset="0"/>
+              </a:rPr>
+              <a:t>are </a:t>
+            </a:r>
+            <a:r>
+              <a:rPr lang="en-US" sz="5400" dirty="0">
+                <a:solidFill>
+                  <a:srgbClr val="BB0FAB"/>
+                </a:solidFill>
+                <a:latin typeface="Comic Sans MS" pitchFamily="66" charset="0"/>
+              </a:rPr>
+              <a:t>valid</a:t>
+            </a:r>
+            <a:r>
+              <a:rPr lang="en-US" sz="5400" dirty="0" smtClean="0">
+                <a:latin typeface="Comic Sans MS" pitchFamily="66" charset="0"/>
+              </a:rPr>
+              <a:t>, then the whole proof system is </a:t>
+            </a:r>
+            <a:r>
+              <a:rPr lang="en-US" sz="5400" dirty="0" smtClean="0">
+                <a:solidFill>
+                  <a:srgbClr val="008000"/>
+                </a:solidFill>
+                <a:latin typeface="Comic Sans MS" pitchFamily="66" charset="0"/>
+              </a:rPr>
+              <a:t>sound</a:t>
+            </a:r>
+          </a:p>
+        </p:txBody>
+      </p:sp>
+      <p:sp>
+        <p:nvSpPr>
+          <p:cNvPr id="6" name="Title 1"/>
+          <p:cNvSpPr>
+            <a:spLocks noGrp="1"/>
+          </p:cNvSpPr>
+          <p:nvPr>
+            <p:ph type="title"/>
+          </p:nvPr>
+        </p:nvSpPr>
+        <p:spPr>
+          <a:xfrm>
+            <a:off x="1865814" y="252317"/>
+            <a:ext cx="6467431" cy="1269642"/>
+          </a:xfrm>
+        </p:spPr>
+        <p:txBody>
+          <a:bodyPr/>
+          <a:lstStyle/>
+          <a:p>
+            <a:r>
+              <a:rPr lang="en-US" sz="4800" dirty="0" smtClean="0">
+                <a:solidFill>
+                  <a:srgbClr val="006600"/>
+                </a:solidFill>
+              </a:rPr>
+              <a:t>Sound</a:t>
+            </a:r>
+            <a:r>
+              <a:rPr lang="en-US" sz="4800" dirty="0" smtClean="0"/>
+              <a:t> </a:t>
+            </a:r>
+            <a:r>
+              <a:rPr lang="en-US" sz="4800" dirty="0" smtClean="0">
+                <a:solidFill>
+                  <a:schemeClr val="tx1"/>
+                </a:solidFill>
+              </a:rPr>
+              <a:t>Proof</a:t>
+            </a:r>
+            <a:r>
+              <a:rPr lang="en-US" sz="4800" dirty="0">
+                <a:solidFill>
+                  <a:schemeClr val="tx1"/>
+                </a:solidFill>
+              </a:rPr>
+              <a:t> </a:t>
+            </a:r>
+            <a:r>
+              <a:rPr lang="en-US" sz="4800" dirty="0" smtClean="0">
+                <a:solidFill>
+                  <a:schemeClr val="tx1"/>
+                </a:solidFill>
+              </a:rPr>
+              <a:t>Systems </a:t>
+            </a:r>
+            <a:endParaRPr lang="en-US" sz="4800" dirty="0">
+              <a:solidFill>
+                <a:schemeClr val="tx1"/>
+              </a:solidFill>
+            </a:endParaRPr>
+          </a:p>
+        </p:txBody>
+      </p:sp>
+    </p:spTree>
+    <p:extLst>
+      <p:ext uri="{BB962C8B-B14F-4D97-AF65-F5344CB8AC3E}">
+        <p14:creationId xmlns:p14="http://schemas.microsoft.com/office/powerpoint/2010/main" val="1556671481"/>
+      </p:ext>
+    </p:extLst>
+  </p:cSld>
+  <p:clrMapOvr>
+    <a:masterClrMapping/>
+  </p:clrMapOvr>
+  <mc:AlternateContent xmlns:mc="http://schemas.openxmlformats.org/markup-compatibility/2006" xmlns:p14="http://schemas.microsoft.com/office/powerpoint/2010/main">
+    <mc:Choice Requires="p14">
+      <p:transition spd="med" p14:dur="700" advClick="0">
+        <p:fade/>
+      </p:transition>
+    </mc:Choice>
+    <mc:Fallback xmlns="">
+      <p:transition xmlns:p14="http://schemas.microsoft.com/office/powerpoint/2010/main" spd="med" advClick="0">
+        <p:fade/>
+      </p:transition>
+    </mc:Fallback>
+  </mc:AlternateContent>
+  <p:timing>
+    <p:tnLst>
+      <p:par>
+        <p:cTn xmlns:p14="http://schemas.microsoft.com/office/powerpoint/2010/main" id="1" dur="indefinite" restart="never" nodeType="tmRoot"/>
+      </p:par>
+    </p:tnLst>
+  </p:timing>
+</p:sld>
+</file>
+
+<file path=ppt/slides/slide23.xml><?xml version="1.0" encoding="utf-8"?>
+<p:sld xmlns:a="http://schemas.openxmlformats.org/drawingml/2006/main" xmlns:r="http://schemas.openxmlformats.org/officeDocument/2006/relationships" xmlns:p="http://schemas.openxmlformats.org/presentationml/2006/main">
+  <p:cSld>
+    <p:spTree>
+      <p:nvGrpSpPr>
+        <p:cNvPr id="1" name=""/>
+        <p:cNvGrpSpPr/>
+        <p:nvPr/>
+      </p:nvGrpSpPr>
+      <p:grpSpPr>
+        <a:xfrm>
+          <a:off x="0" y="0"/>
+          <a:ext cx="0" cy="0"/>
+          <a:chOff x="0" y="0"/>
+          <a:chExt cx="0" cy="0"/>
+        </a:xfrm>
+      </p:grpSpPr>
+      <p:sp>
+        <p:nvSpPr>
           <p:cNvPr id="3" name="Content Placeholder 2"/>
           <p:cNvSpPr>
             <a:spLocks noGrp="1"/>
@@ -9922,11 +11332,7 @@
           <a:p>
             <a:r>
               <a:rPr lang="en-US" sz="4800" dirty="0" smtClean="0"/>
-              <a:t>A proof system </a:t>
-            </a:r>
-            <a:r>
-              <a:rPr lang="en-US" sz="4800" dirty="0" smtClean="0"/>
-              <a:t>is </a:t>
+              <a:t>A proof system is </a:t>
             </a:r>
             <a:r>
               <a:rPr lang="en-US" sz="4800" dirty="0" smtClean="0">
@@ -9944,11 +11350,7 @@
           <a:p>
             <a:r>
               <a:rPr lang="en-US" sz="4800" dirty="0" smtClean="0"/>
-              <a:t>when every </a:t>
-            </a:r>
-            <a:r>
-              <a:rPr lang="en-US" sz="4800" dirty="0" smtClean="0"/>
-              <a:t>valid formula is </a:t>
+              <a:t>when every valid formula is </a:t>
             </a:r>
           </a:p>
           <a:p>
@@ -9956,7 +11358,6 @@
               <a:rPr lang="en-US" sz="4800" dirty="0" smtClean="0"/>
               <a:t>provable.</a:t>
             </a:r>
-            <a:endParaRPr lang="en-US" sz="4800" dirty="0" smtClean="0"/>
           </a:p>
         </p:txBody>
       </p:sp>
@@ -10031,7 +11432,7 @@
             <a:fld id="{3251DA95-B240-47FE-901D-B78FC8E8E532}" type="slidenum">
               <a:rPr lang="en-US" smtClean="0"/>
               <a:pPr/>
-              <a:t>21</a:t>
+              <a:t>23</a:t>
             </a:fld>
             <a:endParaRPr lang="en-US" dirty="0"/>
           </a:p>
@@ -10230,7 +11631,7 @@
 </p:sld>
 </file>
 
-<file path=ppt/slides/slide22.xml><?xml version="1.0" encoding="utf-8"?>
+<file path=ppt/slides/slide24.xml><?xml version="1.0" encoding="utf-8"?>
 <p:sld xmlns:a="http://schemas.openxmlformats.org/drawingml/2006/main" xmlns:r="http://schemas.openxmlformats.org/officeDocument/2006/relationships" xmlns:p="http://schemas.openxmlformats.org/presentationml/2006/main">
   <p:cSld>
     <p:spTree>
@@ -10269,11 +11670,7 @@
           <a:p>
             <a:r>
               <a:rPr lang="en-US" sz="4800" dirty="0" smtClean="0"/>
-              <a:t>A proof system </a:t>
-            </a:r>
-            <a:r>
-              <a:rPr lang="en-US" sz="4800" dirty="0" smtClean="0"/>
-              <a:t>is </a:t>
+              <a:t>A proof system is </a:t>
             </a:r>
             <a:r>
               <a:rPr lang="en-US" sz="4800" dirty="0" smtClean="0">
@@ -10291,11 +11688,7 @@
           <a:p>
             <a:r>
               <a:rPr lang="en-US" sz="4800" dirty="0" smtClean="0"/>
-              <a:t>when every </a:t>
-            </a:r>
-            <a:r>
-              <a:rPr lang="en-US" sz="4800" dirty="0" smtClean="0"/>
-              <a:t>valid formula is </a:t>
+              <a:t>when every valid formula is </a:t>
             </a:r>
           </a:p>
           <a:p>
@@ -10315,7 +11708,6 @@
               <a:rPr lang="en-US" sz="4800" dirty="0" smtClean="0"/>
               <a:t>complete.</a:t>
             </a:r>
-            <a:endParaRPr lang="en-US" sz="4800" dirty="0" smtClean="0"/>
           </a:p>
         </p:txBody>
       </p:sp>
@@ -10390,7 +11782,7 @@
             <a:fld id="{3251DA95-B240-47FE-901D-B78FC8E8E532}" type="slidenum">
               <a:rPr lang="en-US" smtClean="0"/>
               <a:pPr/>
-              <a:t>22</a:t>
+              <a:t>24</a:t>
             </a:fld>
             <a:endParaRPr lang="en-US" dirty="0"/>
           </a:p>
@@ -10406,186 +11798,29 @@
   <p:clrMapOvr>
     <a:masterClrMapping/>
   </p:clrMapOvr>
-  <p:transition xmlns:p14="http://schemas.microsoft.com/office/powerpoint/2010/main" spd="slow" advClick="0">
-    <p:fade thruBlk="1"/>
-  </p:transition>
+  <mc:AlternateContent xmlns:mc="http://schemas.openxmlformats.org/markup-compatibility/2006">
+    <mc:Choice xmlns:p14="http://schemas.microsoft.com/office/powerpoint/2010/main" Requires="p14">
+      <p:transition p14:dur="400" advClick="0">
+        <p:fade/>
+      </p:transition>
+    </mc:Choice>
+    <mc:Fallback>
+      <p:transition xmlns:p14="http://schemas.microsoft.com/office/powerpoint/2010/main" advClick="0">
+        <p:fade/>
+      </p:transition>
+    </mc:Fallback>
+  </mc:AlternateContent>
   <p:timing>
     <p:tnLst>
       <p:par>
-        <p:cTn xmlns:p14="http://schemas.microsoft.com/office/powerpoint/2010/main" id="1" dur="indefinite" restart="never" nodeType="tmRoot">
-          <p:childTnLst>
-            <p:seq concurrent="1" nextAc="seek">
-              <p:cTn id="2" dur="indefinite" nodeType="mainSeq">
-                <p:childTnLst>
-                  <p:par>
-                    <p:cTn id="3" fill="hold">
-                      <p:stCondLst>
-                        <p:cond delay="indefinite"/>
-                        <p:cond evt="onBegin" delay="0">
-                          <p:tn val="2"/>
-                        </p:cond>
-                      </p:stCondLst>
-                      <p:childTnLst>
-                        <p:par>
-                          <p:cTn id="4" fill="hold">
-                            <p:stCondLst>
-                              <p:cond delay="0"/>
-                            </p:stCondLst>
-                            <p:childTnLst>
-                              <p:par>
-                                <p:cTn id="5" presetID="15" presetClass="entr" presetSubtype="0" fill="hold" grpId="0" nodeType="afterEffect">
-                                  <p:stCondLst>
-                                    <p:cond delay="0"/>
-                                  </p:stCondLst>
-                                  <p:childTnLst>
-                                    <p:set>
-                                      <p:cBhvr>
-                                        <p:cTn id="6" dur="1" fill="hold">
-                                          <p:stCondLst>
-                                            <p:cond delay="0"/>
-                                          </p:stCondLst>
-                                        </p:cTn>
-                                        <p:tgtEl>
-                                          <p:spTgt spid="2"/>
-                                        </p:tgtEl>
-                                        <p:attrNameLst>
-                                          <p:attrName>style.visibility</p:attrName>
-                                        </p:attrNameLst>
-                                      </p:cBhvr>
-                                      <p:to>
-                                        <p:strVal val="visible"/>
-                                      </p:to>
-                                    </p:set>
-                                    <p:anim calcmode="lin" valueType="num">
-                                      <p:cBhvr>
-                                        <p:cTn id="7" dur="1000" fill="hold"/>
-                                        <p:tgtEl>
-                                          <p:spTgt spid="2"/>
-                                        </p:tgtEl>
-                                        <p:attrNameLst>
-                                          <p:attrName>ppt_w</p:attrName>
-                                        </p:attrNameLst>
-                                      </p:cBhvr>
-                                      <p:tavLst>
-                                        <p:tav tm="0">
-                                          <p:val>
-                                            <p:fltVal val="0"/>
-                                          </p:val>
-                                        </p:tav>
-                                        <p:tav tm="100000">
-                                          <p:val>
-                                            <p:strVal val="#ppt_w"/>
-                                          </p:val>
-                                        </p:tav>
-                                      </p:tavLst>
-                                    </p:anim>
-                                    <p:anim calcmode="lin" valueType="num">
-                                      <p:cBhvr>
-                                        <p:cTn id="8" dur="1000" fill="hold"/>
-                                        <p:tgtEl>
-                                          <p:spTgt spid="2"/>
-                                        </p:tgtEl>
-                                        <p:attrNameLst>
-                                          <p:attrName>ppt_h</p:attrName>
-                                        </p:attrNameLst>
-                                      </p:cBhvr>
-                                      <p:tavLst>
-                                        <p:tav tm="0">
-                                          <p:val>
-                                            <p:fltVal val="0"/>
-                                          </p:val>
-                                        </p:tav>
-                                        <p:tav tm="100000">
-                                          <p:val>
-                                            <p:strVal val="#ppt_h"/>
-                                          </p:val>
-                                        </p:tav>
-                                      </p:tavLst>
-                                    </p:anim>
-                                    <p:anim calcmode="lin" valueType="num">
-                                      <p:cBhvr>
-                                        <p:cTn id="9" dur="1000" fill="hold"/>
-                                        <p:tgtEl>
-                                          <p:spTgt spid="2"/>
-                                        </p:tgtEl>
-                                        <p:attrNameLst>
-                                          <p:attrName>ppt_x</p:attrName>
-                                        </p:attrNameLst>
-                                      </p:cBhvr>
-                                      <p:tavLst>
-                                        <p:tav tm="0" fmla="#ppt_x+(cos(-2*pi*(1-$))*-#ppt_x-sin(-2*pi*(1-$))*(1-#ppt_y))*(1-$)">
-                                          <p:val>
-                                            <p:fltVal val="0"/>
-                                          </p:val>
-                                        </p:tav>
-                                        <p:tav tm="100000">
-                                          <p:val>
-                                            <p:fltVal val="1"/>
-                                          </p:val>
-                                        </p:tav>
-                                      </p:tavLst>
-                                    </p:anim>
-                                    <p:anim calcmode="lin" valueType="num">
-                                      <p:cBhvr>
-                                        <p:cTn id="10" dur="1000" fill="hold"/>
-                                        <p:tgtEl>
-                                          <p:spTgt spid="2"/>
-                                        </p:tgtEl>
-                                        <p:attrNameLst>
-                                          <p:attrName>ppt_y</p:attrName>
-                                        </p:attrNameLst>
-                                      </p:cBhvr>
-                                      <p:tavLst>
-                                        <p:tav tm="0" fmla="#ppt_y+(sin(-2*pi*(1-$))*-#ppt_x+cos(-2*pi*(1-$))*(1-#ppt_y))*(1-$)">
-                                          <p:val>
-                                            <p:fltVal val="0"/>
-                                          </p:val>
-                                        </p:tav>
-                                        <p:tav tm="100000">
-                                          <p:val>
-                                            <p:fltVal val="1"/>
-                                          </p:val>
-                                        </p:tav>
-                                      </p:tavLst>
-                                    </p:anim>
-                                  </p:childTnLst>
-                                </p:cTn>
-                              </p:par>
-                            </p:childTnLst>
-                          </p:cTn>
-                        </p:par>
-                      </p:childTnLst>
-                    </p:cTn>
-                  </p:par>
-                </p:childTnLst>
-              </p:cTn>
-              <p:prevCondLst>
-                <p:cond evt="onPrev" delay="0">
-                  <p:tgtEl>
-                    <p:sldTgt/>
-                  </p:tgtEl>
-                </p:cond>
-              </p:prevCondLst>
-              <p:nextCondLst>
-                <p:cond evt="onNext" delay="0">
-                  <p:tgtEl>
-                    <p:sldTgt/>
-                  </p:tgtEl>
-                </p:cond>
-              </p:nextCondLst>
-            </p:seq>
-          </p:childTnLst>
-        </p:cTn>
+        <p:cTn xmlns:p14="http://schemas.microsoft.com/office/powerpoint/2010/main" id="1" dur="indefinite" restart="never" nodeType="tmRoot"/>
       </p:par>
     </p:tnLst>
-    <p:bldLst>
-      <p:bldP spid="2" grpId="0"/>
-    </p:bldLst>
   </p:timing>
 </p:sld>
 </file>
 
-<file path=ppt/slides/slide23.xml><?xml version="1.0" encoding="utf-8"?>
+<file path=ppt/slides/slide25.xml><?xml version="1.0" encoding="utf-8"?>
 <p:sld xmlns:a="http://schemas.openxmlformats.org/drawingml/2006/main" xmlns:r="http://schemas.openxmlformats.org/officeDocument/2006/relationships" xmlns:p="http://schemas.openxmlformats.org/presentationml/2006/main" show="0">
   <p:cSld>
     <p:spTree>
@@ -10704,7 +11939,7 @@
               <a:pPr>
                 <a:defRPr/>
               </a:pPr>
-              <a:t>23</a:t>
+              <a:t>25</a:t>
             </a:fld>
             <a:endParaRPr lang="en-US" dirty="0"/>
           </a:p>
@@ -11030,7 +12265,7 @@
 </p:sld>
 </file>
 
-<file path=ppt/slides/slide24.xml><?xml version="1.0" encoding="utf-8"?>
+<file path=ppt/slides/slide26.xml><?xml version="1.0" encoding="utf-8"?>
 <p:sld xmlns:a="http://schemas.openxmlformats.org/drawingml/2006/main" xmlns:r="http://schemas.openxmlformats.org/officeDocument/2006/relationships" xmlns:p="http://schemas.openxmlformats.org/presentationml/2006/main" show="0">
   <p:cSld>
     <p:spTree>
@@ -11312,7 +12547,7 @@
               <a:pPr>
                 <a:defRPr/>
               </a:pPr>
-              <a:t>24</a:t>
+              <a:t>26</a:t>
             </a:fld>
             <a:endParaRPr lang="en-US" dirty="0"/>
           </a:p>
@@ -11602,7 +12837,7 @@
 </p:sld>
 </file>
 
-<file path=ppt/slides/slide25.xml><?xml version="1.0" encoding="utf-8"?>
+<file path=ppt/slides/slide27.xml><?xml version="1.0" encoding="utf-8"?>
 <p:sld xmlns:a="http://schemas.openxmlformats.org/drawingml/2006/main" xmlns:r="http://schemas.openxmlformats.org/officeDocument/2006/relationships" xmlns:p="http://schemas.openxmlformats.org/presentationml/2006/main" show="0">
   <p:cSld>
     <p:spTree>
@@ -11845,7 +13080,7 @@
             <a:fld id="{3251DA95-B240-47FE-901D-B78FC8E8E532}" type="slidenum">
               <a:rPr lang="en-US" smtClean="0"/>
               <a:pPr/>
-              <a:t>25</a:t>
+              <a:t>27</a:t>
             </a:fld>
             <a:endParaRPr lang="en-US" dirty="0"/>
           </a:p>
@@ -11883,7 +13118,7 @@
 </p:sld>
 </file>
 
-<file path=ppt/slides/slide26.xml><?xml version="1.0" encoding="utf-8"?>
+<file path=ppt/slides/slide28.xml><?xml version="1.0" encoding="utf-8"?>
 <p:sld xmlns:a="http://schemas.openxmlformats.org/drawingml/2006/main" xmlns:r="http://schemas.openxmlformats.org/officeDocument/2006/relationships" xmlns:p="http://schemas.openxmlformats.org/presentationml/2006/main" show="0">
   <p:cSld>
     <p:spTree>
@@ -12000,7 +13235,7 @@
               <a:pPr>
                 <a:defRPr/>
               </a:pPr>
-              <a:t>26</a:t>
+              <a:t>28</a:t>
             </a:fld>
             <a:endParaRPr lang="en-US" dirty="0"/>
           </a:p>
@@ -12201,7 +13436,7 @@
 </p:sld>
 </file>
 
-<file path=ppt/slides/slide27.xml><?xml version="1.0" encoding="utf-8"?>
+<file path=ppt/slides/slide29.xml><?xml version="1.0" encoding="utf-8"?>
 <p:sld xmlns:a="http://schemas.openxmlformats.org/drawingml/2006/main" xmlns:r="http://schemas.openxmlformats.org/officeDocument/2006/relationships" xmlns:p="http://schemas.openxmlformats.org/presentationml/2006/main" show="0">
   <p:cSld>
     <p:spTree>
@@ -12332,7 +13567,7 @@
               <a:pPr>
                 <a:defRPr/>
               </a:pPr>
-              <a:t>27</a:t>
+              <a:t>29</a:t>
             </a:fld>
             <a:endParaRPr lang="en-US" dirty="0"/>
           </a:p>
@@ -12406,7 +13641,194 @@
 </p:sld>
 </file>
 
-<file path=ppt/slides/slide28.xml><?xml version="1.0" encoding="utf-8"?>
+<file path=ppt/slides/slide3.xml><?xml version="1.0" encoding="utf-8"?>
+<p:sld xmlns:a="http://schemas.openxmlformats.org/drawingml/2006/main" xmlns:r="http://schemas.openxmlformats.org/officeDocument/2006/relationships" xmlns:p="http://schemas.openxmlformats.org/presentationml/2006/main">
+  <p:cSld>
+    <p:spTree>
+      <p:nvGrpSpPr>
+        <p:cNvPr id="1" name=""/>
+        <p:cNvGrpSpPr/>
+        <p:nvPr/>
+      </p:nvGrpSpPr>
+      <p:grpSpPr>
+        <a:xfrm>
+          <a:off x="0" y="0"/>
+          <a:ext cx="0" cy="0"/>
+          <a:chOff x="0" y="0"/>
+          <a:chExt cx="0" cy="0"/>
+        </a:xfrm>
+      </p:grpSpPr>
+      <p:sp>
+        <p:nvSpPr>
+          <p:cNvPr id="5" name="TextBox 4"/>
+          <p:cNvSpPr txBox="1"/>
+          <p:nvPr/>
+        </p:nvSpPr>
+        <p:spPr>
+          <a:xfrm>
+            <a:off x="124740" y="1717665"/>
+            <a:ext cx="8985240" cy="3532858"/>
+          </a:xfrm>
+          <a:prstGeom prst="rect">
+            <a:avLst/>
+          </a:prstGeom>
+          <a:noFill/>
+        </p:spPr>
+        <p:txBody>
+          <a:bodyPr wrap="square" rtlCol="0">
+            <a:spAutoFit/>
+          </a:bodyPr>
+          <a:lstStyle/>
+          <a:p>
+            <a:pPr algn="l"/>
+            <a:r>
+              <a:rPr lang="en-US" sz="5400" dirty="0" smtClean="0">
+                <a:latin typeface="Comic Sans MS" pitchFamily="66" charset="0"/>
+              </a:rPr>
+              <a:t>Instead of truth tables,</a:t>
+            </a:r>
+          </a:p>
+          <a:p>
+            <a:pPr algn="l"/>
+            <a:r>
+              <a:rPr lang="en-US" sz="5400" dirty="0" smtClean="0">
+                <a:latin typeface="Comic Sans MS" pitchFamily="66" charset="0"/>
+              </a:rPr>
+              <a:t>can try to</a:t>
+            </a:r>
+            <a:r>
+              <a:rPr lang="en-US" sz="5400" dirty="0" smtClean="0">
+                <a:solidFill>
+                  <a:srgbClr val="BB0FAB"/>
+                </a:solidFill>
+                <a:latin typeface="Comic Sans MS" pitchFamily="66" charset="0"/>
+              </a:rPr>
+              <a:t> prove</a:t>
+            </a:r>
+            <a:r>
+              <a:rPr lang="en-US" sz="5400" i="1" dirty="0" smtClean="0">
+                <a:solidFill>
+                  <a:srgbClr val="BB0FAB"/>
+                </a:solidFill>
+                <a:latin typeface="Comic Sans MS" pitchFamily="66" charset="0"/>
+              </a:rPr>
+              <a:t> </a:t>
+            </a:r>
+            <a:r>
+              <a:rPr lang="en-US" sz="5400" dirty="0" smtClean="0">
+                <a:latin typeface="Comic Sans MS" pitchFamily="66" charset="0"/>
+              </a:rPr>
+              <a:t>valid</a:t>
+            </a:r>
+          </a:p>
+          <a:p>
+            <a:pPr algn="l"/>
+            <a:r>
+              <a:rPr lang="en-US" sz="5400" dirty="0" smtClean="0">
+                <a:latin typeface="Comic Sans MS" pitchFamily="66" charset="0"/>
+              </a:rPr>
+              <a:t>formulas symbolically using axioms and deduction rules.</a:t>
+            </a:r>
+            <a:endParaRPr lang="en-US" sz="5400" dirty="0">
+              <a:latin typeface="Comic Sans MS" pitchFamily="66" charset="0"/>
+            </a:endParaRPr>
+          </a:p>
+        </p:txBody>
+      </p:sp>
+      <p:sp>
+        <p:nvSpPr>
+          <p:cNvPr id="9" name="Title 1"/>
+          <p:cNvSpPr>
+            <a:spLocks noGrp="1"/>
+          </p:cNvSpPr>
+          <p:nvPr>
+            <p:ph type="title"/>
+          </p:nvPr>
+        </p:nvSpPr>
+        <p:spPr>
+          <a:xfrm>
+            <a:off x="2301706" y="279569"/>
+            <a:ext cx="4887551" cy="1116435"/>
+          </a:xfrm>
+        </p:spPr>
+        <p:txBody>
+          <a:bodyPr/>
+          <a:lstStyle/>
+          <a:p>
+            <a:r>
+              <a:rPr lang="en-US" sz="4000" dirty="0" smtClean="0"/>
+              <a:t>Proving Validity</a:t>
+            </a:r>
+            <a:endParaRPr lang="en-US" sz="4000" dirty="0"/>
+          </a:p>
+        </p:txBody>
+      </p:sp>
+      <p:sp>
+        <p:nvSpPr>
+          <p:cNvPr id="4" name="Slide Number Placeholder 2"/>
+          <p:cNvSpPr>
+            <a:spLocks noGrp="1"/>
+          </p:cNvSpPr>
+          <p:nvPr>
+            <p:ph type="sldNum" sz="quarter" idx="10"/>
+          </p:nvPr>
+        </p:nvSpPr>
+        <p:spPr>
+          <a:xfrm>
+            <a:off x="8420275" y="6553200"/>
+            <a:ext cx="723726" cy="276999"/>
+          </a:xfrm>
+        </p:spPr>
+        <p:txBody>
+          <a:bodyPr/>
+          <a:lstStyle/>
+          <a:p>
+            <a:r>
+              <a:rPr lang="en-US" dirty="0"/>
+              <a:t>sound.</a:t>
+            </a:r>
+            <a:fld id="{3251DA95-B240-47FE-901D-B78FC8E8E532}" type="slidenum">
+              <a:rPr lang="en-US" smtClean="0"/>
+              <a:pPr/>
+              <a:t>3</a:t>
+            </a:fld>
+            <a:endParaRPr lang="en-US" dirty="0"/>
+          </a:p>
+        </p:txBody>
+      </p:sp>
+    </p:spTree>
+    <p:extLst>
+      <p:ext uri="{BB962C8B-B14F-4D97-AF65-F5344CB8AC3E}">
+        <p14:creationId xmlns:p14="http://schemas.microsoft.com/office/powerpoint/2010/main" val="2522989689"/>
+      </p:ext>
+    </p:extLst>
+  </p:cSld>
+  <p:clrMapOvr>
+    <a:masterClrMapping/>
+  </p:clrMapOvr>
+  <mc:AlternateContent xmlns:mc="http://schemas.openxmlformats.org/markup-compatibility/2006" xmlns:p14="http://schemas.microsoft.com/office/powerpoint/2010/main">
+    <mc:Choice Requires="p14">
+      <p:transition p14:dur="400" advClick="0">
+        <p:fade/>
+      </p:transition>
+    </mc:Choice>
+    <mc:Fallback xmlns="">
+      <p:transition xmlns:p14="http://schemas.microsoft.com/office/powerpoint/2010/main" advClick="0">
+        <p:fade/>
+      </p:transition>
+    </mc:Fallback>
+  </mc:AlternateContent>
+  <p:timing>
+    <p:tnLst>
+      <p:par>
+        <p:cTn xmlns:p14="http://schemas.microsoft.com/office/powerpoint/2010/main" id="1" dur="indefinite" restart="never" nodeType="tmRoot"/>
+      </p:par>
+    </p:tnLst>
+  </p:timing>
+</p:sld>
+</file>
+
+<file path=ppt/slides/slide30.xml><?xml version="1.0" encoding="utf-8"?>
 <p:sld xmlns:a="http://schemas.openxmlformats.org/drawingml/2006/main" xmlns:r="http://schemas.openxmlformats.org/officeDocument/2006/relationships" xmlns:p="http://schemas.openxmlformats.org/presentationml/2006/main" show="0">
   <p:cSld>
     <p:spTree>
@@ -12525,7 +13947,7 @@
               <a:pPr>
                 <a:defRPr/>
               </a:pPr>
-              <a:t>28</a:t>
+              <a:t>30</a:t>
             </a:fld>
             <a:endParaRPr lang="en-US" dirty="0"/>
           </a:p>
@@ -12686,7 +14108,7 @@
 </p:sld>
 </file>
 
-<file path=ppt/slides/slide29.xml><?xml version="1.0" encoding="utf-8"?>
+<file path=ppt/slides/slide31.xml><?xml version="1.0" encoding="utf-8"?>
 <p:sld xmlns:a="http://schemas.openxmlformats.org/drawingml/2006/main" xmlns:r="http://schemas.openxmlformats.org/officeDocument/2006/relationships" xmlns:p="http://schemas.openxmlformats.org/presentationml/2006/main" show="0">
   <p:cSld>
     <p:spTree>
@@ -12766,7 +14188,7 @@
               <a:pPr>
                 <a:defRPr/>
               </a:pPr>
-              <a:t>29</a:t>
+              <a:t>31</a:t>
             </a:fld>
             <a:endParaRPr lang="en-US" dirty="0"/>
           </a:p>
@@ -13018,7 +14440,7 @@
 </p:sld>
 </file>
 
-<file path=ppt/slides/slide3.xml><?xml version="1.0" encoding="utf-8"?>
+<file path=ppt/slides/slide32.xml><?xml version="1.0" encoding="utf-8"?>
 <p:sld xmlns:a="http://schemas.openxmlformats.org/drawingml/2006/main" xmlns:r="http://schemas.openxmlformats.org/officeDocument/2006/relationships" xmlns:p="http://schemas.openxmlformats.org/presentationml/2006/main">
   <p:cSld>
     <p:spTree>
@@ -13037,381 +14459,6 @@
       </p:grpSpPr>
       <p:sp>
         <p:nvSpPr>
-          <p:cNvPr id="5" name="TextBox 4"/>
-          <p:cNvSpPr txBox="1"/>
-          <p:nvPr/>
-        </p:nvSpPr>
-        <p:spPr>
-          <a:xfrm>
-            <a:off x="124740" y="1717665"/>
-            <a:ext cx="8985240" cy="3532858"/>
-          </a:xfrm>
-          <a:prstGeom prst="rect">
-            <a:avLst/>
-          </a:prstGeom>
-          <a:noFill/>
-        </p:spPr>
-        <p:txBody>
-          <a:bodyPr wrap="square" rtlCol="0">
-            <a:spAutoFit/>
-          </a:bodyPr>
-          <a:lstStyle/>
-          <a:p>
-            <a:pPr algn="l"/>
-            <a:r>
-              <a:rPr lang="en-US" sz="5400" dirty="0" smtClean="0">
-                <a:latin typeface="Comic Sans MS" pitchFamily="66" charset="0"/>
-              </a:rPr>
-              <a:t>Instead of truth tables,</a:t>
-            </a:r>
-          </a:p>
-          <a:p>
-            <a:pPr algn="l"/>
-            <a:r>
-              <a:rPr lang="en-US" sz="5400" dirty="0" smtClean="0">
-                <a:latin typeface="Comic Sans MS" pitchFamily="66" charset="0"/>
-              </a:rPr>
-              <a:t>can try to</a:t>
-            </a:r>
-            <a:r>
-              <a:rPr lang="en-US" sz="5400" dirty="0" smtClean="0">
-                <a:solidFill>
-                  <a:srgbClr val="BB0FAB"/>
-                </a:solidFill>
-                <a:latin typeface="Comic Sans MS" pitchFamily="66" charset="0"/>
-              </a:rPr>
-              <a:t> prove</a:t>
-            </a:r>
-            <a:r>
-              <a:rPr lang="en-US" sz="5400" i="1" dirty="0" smtClean="0">
-                <a:solidFill>
-                  <a:srgbClr val="BB0FAB"/>
-                </a:solidFill>
-                <a:latin typeface="Comic Sans MS" pitchFamily="66" charset="0"/>
-              </a:rPr>
-              <a:t> </a:t>
-            </a:r>
-            <a:r>
-              <a:rPr lang="en-US" sz="5400" dirty="0" smtClean="0">
-                <a:latin typeface="Comic Sans MS" pitchFamily="66" charset="0"/>
-              </a:rPr>
-              <a:t>valid</a:t>
-            </a:r>
-          </a:p>
-          <a:p>
-            <a:pPr algn="l"/>
-            <a:r>
-              <a:rPr lang="en-US" sz="5400" dirty="0" smtClean="0">
-                <a:latin typeface="Comic Sans MS" pitchFamily="66" charset="0"/>
-              </a:rPr>
-              <a:t>formulas symbolically using axioms and deduction rules.</a:t>
-            </a:r>
-            <a:endParaRPr lang="en-US" sz="5400" dirty="0">
-              <a:latin typeface="Comic Sans MS" pitchFamily="66" charset="0"/>
-            </a:endParaRPr>
-          </a:p>
-        </p:txBody>
-      </p:sp>
-      <p:sp>
-        <p:nvSpPr>
-          <p:cNvPr id="9" name="Title 1"/>
-          <p:cNvSpPr>
-            <a:spLocks noGrp="1"/>
-          </p:cNvSpPr>
-          <p:nvPr>
-            <p:ph type="title"/>
-          </p:nvPr>
-        </p:nvSpPr>
-        <p:spPr>
-          <a:xfrm>
-            <a:off x="2301706" y="279569"/>
-            <a:ext cx="4887551" cy="1116435"/>
-          </a:xfrm>
-        </p:spPr>
-        <p:txBody>
-          <a:bodyPr/>
-          <a:lstStyle/>
-          <a:p>
-            <a:r>
-              <a:rPr lang="en-US" sz="4000" dirty="0" smtClean="0"/>
-              <a:t>Proving Validity</a:t>
-            </a:r>
-            <a:endParaRPr lang="en-US" sz="4000" dirty="0"/>
-          </a:p>
-        </p:txBody>
-      </p:sp>
-      <p:sp>
-        <p:nvSpPr>
-          <p:cNvPr id="4" name="Slide Number Placeholder 2"/>
-          <p:cNvSpPr>
-            <a:spLocks noGrp="1"/>
-          </p:cNvSpPr>
-          <p:nvPr>
-            <p:ph type="sldNum" sz="quarter" idx="10"/>
-          </p:nvPr>
-        </p:nvSpPr>
-        <p:spPr>
-          <a:xfrm>
-            <a:off x="8420275" y="6553200"/>
-            <a:ext cx="723726" cy="276999"/>
-          </a:xfrm>
-        </p:spPr>
-        <p:txBody>
-          <a:bodyPr/>
-          <a:lstStyle/>
-          <a:p>
-            <a:r>
-              <a:rPr lang="en-US" dirty="0"/>
-              <a:t>sound.</a:t>
-            </a:r>
-            <a:fld id="{3251DA95-B240-47FE-901D-B78FC8E8E532}" type="slidenum">
-              <a:rPr lang="en-US" smtClean="0"/>
-              <a:pPr/>
-              <a:t>3</a:t>
-            </a:fld>
-            <a:endParaRPr lang="en-US" dirty="0"/>
-          </a:p>
-        </p:txBody>
-      </p:sp>
-    </p:spTree>
-    <p:extLst>
-      <p:ext uri="{BB962C8B-B14F-4D97-AF65-F5344CB8AC3E}">
-        <p14:creationId xmlns:p14="http://schemas.microsoft.com/office/powerpoint/2010/main" val="2522989689"/>
-      </p:ext>
-    </p:extLst>
-  </p:cSld>
-  <p:clrMapOvr>
-    <a:masterClrMapping/>
-  </p:clrMapOvr>
-  <mc:AlternateContent xmlns:mc="http://schemas.openxmlformats.org/markup-compatibility/2006" xmlns:p14="http://schemas.microsoft.com/office/powerpoint/2010/main">
-    <mc:Choice Requires="p14">
-      <p:transition p14:dur="400" advClick="0">
-        <p:fade/>
-      </p:transition>
-    </mc:Choice>
-    <mc:Fallback xmlns="">
-      <p:transition xmlns:p14="http://schemas.microsoft.com/office/powerpoint/2010/main" advClick="0">
-        <p:fade/>
-      </p:transition>
-    </mc:Fallback>
-  </mc:AlternateContent>
-  <p:timing>
-    <p:tnLst>
-      <p:par>
-        <p:cTn xmlns:p14="http://schemas.microsoft.com/office/powerpoint/2010/main" id="1" dur="indefinite" restart="never" nodeType="tmRoot">
-          <p:childTnLst>
-            <p:seq concurrent="1" nextAc="seek">
-              <p:cTn id="2" dur="indefinite" nodeType="mainSeq">
-                <p:childTnLst>
-                  <p:par>
-                    <p:cTn id="3" fill="hold">
-                      <p:stCondLst>
-                        <p:cond delay="indefinite"/>
-                      </p:stCondLst>
-                      <p:childTnLst>
-                        <p:par>
-                          <p:cTn id="4" fill="hold">
-                            <p:stCondLst>
-                              <p:cond delay="0"/>
-                            </p:stCondLst>
-                            <p:childTnLst>
-                              <p:par>
-                                <p:cTn id="5" presetID="10" presetClass="entr" presetSubtype="0" fill="hold" nodeType="clickEffect">
-                                  <p:stCondLst>
-                                    <p:cond delay="0"/>
-                                  </p:stCondLst>
-                                  <p:childTnLst>
-                                    <p:set>
-                                      <p:cBhvr>
-                                        <p:cTn id="6" dur="1" fill="hold">
-                                          <p:stCondLst>
-                                            <p:cond delay="0"/>
-                                          </p:stCondLst>
-                                        </p:cTn>
-                                        <p:tgtEl>
-                                          <p:spTgt spid="5">
-                                            <p:txEl>
-                                              <p:pRg st="0" end="0"/>
-                                            </p:txEl>
-                                          </p:spTgt>
-                                        </p:tgtEl>
-                                        <p:attrNameLst>
-                                          <p:attrName>style.visibility</p:attrName>
-                                        </p:attrNameLst>
-                                      </p:cBhvr>
-                                      <p:to>
-                                        <p:strVal val="visible"/>
-                                      </p:to>
-                                    </p:set>
-                                    <p:animEffect transition="in" filter="fade">
-                                      <p:cBhvr>
-                                        <p:cTn id="7" dur="500"/>
-                                        <p:tgtEl>
-                                          <p:spTgt spid="5">
-                                            <p:txEl>
-                                              <p:pRg st="0" end="0"/>
-                                            </p:txEl>
-                                          </p:spTgt>
-                                        </p:tgtEl>
-                                      </p:cBhvr>
-                                    </p:animEffect>
-                                  </p:childTnLst>
-                                </p:cTn>
-                              </p:par>
-                            </p:childTnLst>
-                          </p:cTn>
-                        </p:par>
-                      </p:childTnLst>
-                    </p:cTn>
-                  </p:par>
-                  <p:par>
-                    <p:cTn id="8" fill="hold">
-                      <p:stCondLst>
-                        <p:cond delay="indefinite"/>
-                      </p:stCondLst>
-                      <p:childTnLst>
-                        <p:par>
-                          <p:cTn id="9" fill="hold">
-                            <p:stCondLst>
-                              <p:cond delay="0"/>
-                            </p:stCondLst>
-                            <p:childTnLst>
-                              <p:par>
-                                <p:cTn id="10" presetID="10" presetClass="entr" presetSubtype="0" fill="hold" nodeType="clickEffect">
-                                  <p:stCondLst>
-                                    <p:cond delay="0"/>
-                                  </p:stCondLst>
-                                  <p:childTnLst>
-                                    <p:set>
-                                      <p:cBhvr>
-                                        <p:cTn id="11" dur="1" fill="hold">
-                                          <p:stCondLst>
-                                            <p:cond delay="0"/>
-                                          </p:stCondLst>
-                                        </p:cTn>
-                                        <p:tgtEl>
-                                          <p:spTgt spid="5">
-                                            <p:txEl>
-                                              <p:pRg st="1" end="1"/>
-                                            </p:txEl>
-                                          </p:spTgt>
-                                        </p:tgtEl>
-                                        <p:attrNameLst>
-                                          <p:attrName>style.visibility</p:attrName>
-                                        </p:attrNameLst>
-                                      </p:cBhvr>
-                                      <p:to>
-                                        <p:strVal val="visible"/>
-                                      </p:to>
-                                    </p:set>
-                                    <p:animEffect transition="in" filter="fade">
-                                      <p:cBhvr>
-                                        <p:cTn id="12" dur="500"/>
-                                        <p:tgtEl>
-                                          <p:spTgt spid="5">
-                                            <p:txEl>
-                                              <p:pRg st="1" end="1"/>
-                                            </p:txEl>
-                                          </p:spTgt>
-                                        </p:tgtEl>
-                                      </p:cBhvr>
-                                    </p:animEffect>
-                                  </p:childTnLst>
-                                </p:cTn>
-                              </p:par>
-                              <p:par>
-                                <p:cTn id="13" presetID="10" presetClass="entr" presetSubtype="0" fill="hold" nodeType="withEffect">
-                                  <p:stCondLst>
-                                    <p:cond delay="0"/>
-                                  </p:stCondLst>
-                                  <p:childTnLst>
-                                    <p:set>
-                                      <p:cBhvr>
-                                        <p:cTn id="14" dur="1" fill="hold">
-                                          <p:stCondLst>
-                                            <p:cond delay="0"/>
-                                          </p:stCondLst>
-                                        </p:cTn>
-                                        <p:tgtEl>
-                                          <p:spTgt spid="5">
-                                            <p:txEl>
-                                              <p:pRg st="2" end="2"/>
-                                            </p:txEl>
-                                          </p:spTgt>
-                                        </p:tgtEl>
-                                        <p:attrNameLst>
-                                          <p:attrName>style.visibility</p:attrName>
-                                        </p:attrNameLst>
-                                      </p:cBhvr>
-                                      <p:to>
-                                        <p:strVal val="visible"/>
-                                      </p:to>
-                                    </p:set>
-                                    <p:animEffect transition="in" filter="fade">
-                                      <p:cBhvr>
-                                        <p:cTn id="15" dur="500"/>
-                                        <p:tgtEl>
-                                          <p:spTgt spid="5">
-                                            <p:txEl>
-                                              <p:pRg st="2" end="2"/>
-                                            </p:txEl>
-                                          </p:spTgt>
-                                        </p:tgtEl>
-                                      </p:cBhvr>
-                                    </p:animEffect>
-                                  </p:childTnLst>
-                                </p:cTn>
-                              </p:par>
-                            </p:childTnLst>
-                          </p:cTn>
-                        </p:par>
-                      </p:childTnLst>
-                    </p:cTn>
-                  </p:par>
-                </p:childTnLst>
-              </p:cTn>
-              <p:prevCondLst>
-                <p:cond evt="onPrev" delay="0">
-                  <p:tgtEl>
-                    <p:sldTgt/>
-                  </p:tgtEl>
-                </p:cond>
-              </p:prevCondLst>
-              <p:nextCondLst>
-                <p:cond evt="onNext" delay="0">
-                  <p:tgtEl>
-                    <p:sldTgt/>
-                  </p:tgtEl>
-                </p:cond>
-              </p:nextCondLst>
-            </p:seq>
-          </p:childTnLst>
-        </p:cTn>
-      </p:par>
-    </p:tnLst>
-  </p:timing>
-</p:sld>
-</file>
-
-<file path=ppt/slides/slide30.xml><?xml version="1.0" encoding="utf-8"?>
-<p:sld xmlns:a="http://schemas.openxmlformats.org/drawingml/2006/main" xmlns:r="http://schemas.openxmlformats.org/officeDocument/2006/relationships" xmlns:p="http://schemas.openxmlformats.org/presentationml/2006/main">
-  <p:cSld>
-    <p:spTree>
-      <p:nvGrpSpPr>
-        <p:cNvPr id="1" name=""/>
-        <p:cNvGrpSpPr/>
-        <p:nvPr/>
-      </p:nvGrpSpPr>
-      <p:grpSpPr>
-        <a:xfrm>
-          <a:off x="0" y="0"/>
-          <a:ext cx="0" cy="0"/>
-          <a:chOff x="0" y="0"/>
-          <a:chExt cx="0" cy="0"/>
-        </a:xfrm>
-      </p:grpSpPr>
-      <p:sp>
-        <p:nvSpPr>
           <p:cNvPr id="2" name="Title 1"/>
           <p:cNvSpPr>
             <a:spLocks noGrp="1"/>
@@ -13469,13 +14516,7 @@
               <a:rPr lang="en-US" sz="4800" dirty="0" smtClean="0">
                 <a:latin typeface="Comic Sans MS" pitchFamily="66" charset="0"/>
               </a:rPr>
-              <a:t>Known proof </a:t>
-            </a:r>
-            <a:r>
-              <a:rPr lang="en-US" sz="4800" dirty="0" smtClean="0">
-                <a:latin typeface="Comic Sans MS" pitchFamily="66" charset="0"/>
-              </a:rPr>
-              <a:t>systems</a:t>
+              <a:t>Known proof systems</a:t>
             </a:r>
           </a:p>
           <a:p>
@@ -13495,19 +14536,7 @@
               <a:rPr lang="en-US" sz="4800" dirty="0" smtClean="0">
                 <a:latin typeface="Comic Sans MS" pitchFamily="66" charset="0"/>
               </a:rPr>
-              <a:t> </a:t>
-            </a:r>
-            <a:r>
-              <a:rPr lang="en-US" sz="4800" dirty="0" smtClean="0">
-                <a:latin typeface="Comic Sans MS" pitchFamily="66" charset="0"/>
-              </a:rPr>
-              <a:t>are no </a:t>
-            </a:r>
-            <a:r>
-              <a:rPr lang="en-US" sz="4800" dirty="0" smtClean="0">
-                <a:latin typeface="Comic Sans MS" pitchFamily="66" charset="0"/>
-              </a:rPr>
-              <a:t>better than truth tables. </a:t>
+              <a:t> are no better than truth tables. </a:t>
             </a:r>
           </a:p>
           <a:p>
@@ -13592,7 +14621,7 @@
             <a:fld id="{3251DA95-B240-47FE-901D-B78FC8E8E532}" type="slidenum">
               <a:rPr lang="en-US" smtClean="0"/>
               <a:pPr/>
-              <a:t>30</a:t>
+              <a:t>32</a:t>
             </a:fld>
             <a:endParaRPr lang="en-US" dirty="0"/>
           </a:p>
@@ -13899,7 +14928,7 @@
         <p:spPr>
           <a:xfrm>
             <a:off x="766924" y="1532456"/>
-            <a:ext cx="7616501" cy="3416320"/>
+            <a:ext cx="7174222" cy="1754327"/>
           </a:xfrm>
           <a:prstGeom prst="rect">
             <a:avLst/>
@@ -13917,64 +14946,37 @@
               <a:rPr lang="en-US" sz="5400" dirty="0" smtClean="0">
                 <a:latin typeface="Comic Sans MS" pitchFamily="66" charset="0"/>
               </a:rPr>
-              <a:t> A system for proving</a:t>
-            </a:r>
-          </a:p>
-          <a:p>
-            <a:pPr algn="l"/>
+              <a:t>A </a:t>
+            </a:r>
             <a:r>
               <a:rPr lang="en-US" sz="5400" dirty="0" smtClean="0">
                 <a:latin typeface="Comic Sans MS" pitchFamily="66" charset="0"/>
               </a:rPr>
-              <a:t>formula is </a:t>
-            </a:r>
-            <a:r>
-              <a:rPr lang="en-US" sz="5400" dirty="0" smtClean="0">
-                <a:solidFill>
-                  <a:srgbClr val="008000"/>
-                </a:solidFill>
-                <a:latin typeface="Comic Sans MS" pitchFamily="66" charset="0"/>
-              </a:rPr>
-              <a:t>sound</a:t>
-            </a:r>
+              <a:t>system for proving</a:t>
+            </a:r>
+          </a:p>
+          <a:p>
+            <a:pPr algn="l"/>
             <a:r>
               <a:rPr lang="en-US" sz="5400" dirty="0" smtClean="0">
                 <a:latin typeface="Comic Sans MS" pitchFamily="66" charset="0"/>
               </a:rPr>
-              <a:t>, when</a:t>
-            </a:r>
-          </a:p>
-          <a:p>
-            <a:pPr algn="l"/>
+              <a:t>formulas </a:t>
+            </a:r>
             <a:r>
               <a:rPr lang="en-US" sz="5400" dirty="0" smtClean="0">
                 <a:latin typeface="Comic Sans MS" pitchFamily="66" charset="0"/>
               </a:rPr>
-              <a:t>every provable formula</a:t>
-            </a:r>
-          </a:p>
-          <a:p>
-            <a:pPr algn="l"/>
+              <a:t>is </a:t>
+            </a:r>
             <a:r>
               <a:rPr lang="en-US" sz="5400" dirty="0" smtClean="0">
+                <a:solidFill>
+                  <a:srgbClr val="008000"/>
+                </a:solidFill>
                 <a:latin typeface="Comic Sans MS" pitchFamily="66" charset="0"/>
               </a:rPr>
-              <a:t>is </a:t>
-            </a:r>
-            <a:r>
-              <a:rPr lang="en-US" sz="5400" dirty="0" smtClean="0">
-                <a:solidFill>
-                  <a:srgbClr val="BB0FAB"/>
-                </a:solidFill>
-                <a:latin typeface="Comic Sans MS" pitchFamily="66" charset="0"/>
-              </a:rPr>
-              <a:t>valid</a:t>
-            </a:r>
-            <a:r>
-              <a:rPr lang="en-US" sz="5400" dirty="0" smtClean="0">
-                <a:latin typeface="Comic Sans MS" pitchFamily="66" charset="0"/>
-              </a:rPr>
-              <a:t>.</a:t>
+              <a:t>sound</a:t>
             </a:r>
             <a:endParaRPr lang="en-US" sz="5400" dirty="0" smtClean="0">
               <a:latin typeface="Comic Sans MS" pitchFamily="66" charset="0"/>
@@ -13993,93 +14995,14 @@
     <a:masterClrMapping/>
   </p:clrMapOvr>
   <p:transition xmlns:p14="http://schemas.microsoft.com/office/powerpoint/2010/main" spd="slow" advClick="0">
-    <p:fade/>
+    <p:fade thruBlk="1"/>
   </p:transition>
   <p:timing>
     <p:tnLst>
       <p:par>
-        <p:cTn xmlns:p14="http://schemas.microsoft.com/office/powerpoint/2010/main" id="1" dur="indefinite" restart="never" nodeType="tmRoot">
-          <p:childTnLst>
-            <p:seq concurrent="1" nextAc="seek">
-              <p:cTn id="2" dur="indefinite" nodeType="mainSeq">
-                <p:childTnLst>
-                  <p:par>
-                    <p:cTn id="3" fill="hold">
-                      <p:stCondLst>
-                        <p:cond delay="indefinite"/>
-                      </p:stCondLst>
-                      <p:childTnLst>
-                        <p:par>
-                          <p:cTn id="4" fill="hold">
-                            <p:stCondLst>
-                              <p:cond delay="0"/>
-                            </p:stCondLst>
-                            <p:childTnLst>
-                              <p:par>
-                                <p:cTn id="5" presetID="10" presetClass="entr" presetSubtype="0" fill="hold" grpId="0" nodeType="clickEffect">
-                                  <p:stCondLst>
-                                    <p:cond delay="0"/>
-                                  </p:stCondLst>
-                                  <p:childTnLst>
-                                    <p:set>
-                                      <p:cBhvr>
-                                        <p:cTn id="6" dur="1" fill="hold">
-                                          <p:stCondLst>
-                                            <p:cond delay="0"/>
-                                          </p:stCondLst>
-                                        </p:cTn>
-                                        <p:tgtEl>
-                                          <p:spTgt spid="4"/>
-                                        </p:tgtEl>
-                                        <p:attrNameLst>
-                                          <p:attrName>style.visibility</p:attrName>
-                                        </p:attrNameLst>
-                                      </p:cBhvr>
-                                      <p:to>
-                                        <p:strVal val="visible"/>
-                                      </p:to>
-                                    </p:set>
-                                    <p:animEffect transition="in" filter="fade">
-                                      <p:cBhvr>
-                                        <p:cTn id="7" dur="500"/>
-                                        <p:tgtEl>
-                                          <p:spTgt spid="4"/>
-                                        </p:tgtEl>
-                                      </p:cBhvr>
-                                    </p:animEffect>
-                                  </p:childTnLst>
-                                </p:cTn>
-                              </p:par>
-                            </p:childTnLst>
-                          </p:cTn>
-                        </p:par>
-                      </p:childTnLst>
-                    </p:cTn>
-                  </p:par>
-                </p:childTnLst>
-              </p:cTn>
-              <p:prevCondLst>
-                <p:cond evt="onPrev" delay="0">
-                  <p:tgtEl>
-                    <p:sldTgt/>
-                  </p:tgtEl>
-                </p:cond>
-              </p:prevCondLst>
-              <p:nextCondLst>
-                <p:cond evt="onNext" delay="0">
-                  <p:tgtEl>
-                    <p:sldTgt/>
-                  </p:tgtEl>
-                </p:cond>
-              </p:nextCondLst>
-            </p:seq>
-          </p:childTnLst>
-        </p:cTn>
+        <p:cTn xmlns:p14="http://schemas.microsoft.com/office/powerpoint/2010/main" id="1" dur="indefinite" restart="never" nodeType="tmRoot"/>
       </p:par>
     </p:tnLst>
-    <p:bldLst>
-      <p:bldP spid="4" grpId="0"/>
-    </p:bldLst>
   </p:timing>
 </p:sld>
 </file>
@@ -14103,6 +15026,42 @@
       </p:grpSpPr>
       <p:sp>
         <p:nvSpPr>
+          <p:cNvPr id="2" name="Title 1"/>
+          <p:cNvSpPr>
+            <a:spLocks noGrp="1"/>
+          </p:cNvSpPr>
+          <p:nvPr>
+            <p:ph type="title"/>
+          </p:nvPr>
+        </p:nvSpPr>
+        <p:spPr>
+          <a:xfrm>
+            <a:off x="1699680" y="304799"/>
+            <a:ext cx="6087801" cy="1143685"/>
+          </a:xfrm>
+        </p:spPr>
+        <p:txBody>
+          <a:bodyPr/>
+          <a:lstStyle/>
+          <a:p>
+            <a:r>
+              <a:rPr lang="en-US" sz="4000" dirty="0" smtClean="0">
+                <a:solidFill>
+                  <a:srgbClr val="006600"/>
+                </a:solidFill>
+              </a:rPr>
+              <a:t>Sound</a:t>
+            </a:r>
+            <a:r>
+              <a:rPr lang="en-US" sz="4000" dirty="0" smtClean="0"/>
+              <a:t> Proof Systems</a:t>
+            </a:r>
+            <a:endParaRPr lang="en-US" sz="4000" dirty="0"/>
+          </a:p>
+        </p:txBody>
+      </p:sp>
+      <p:sp>
+        <p:nvSpPr>
           <p:cNvPr id="3" name="Slide Number Placeholder 2"/>
           <p:cNvSpPr>
             <a:spLocks noGrp="1"/>
@@ -14129,6 +15088,189 @@
                 <a:defRPr/>
               </a:pPr>
               <a:t>5</a:t>
+            </a:fld>
+            <a:endParaRPr lang="en-US" dirty="0"/>
+          </a:p>
+        </p:txBody>
+      </p:sp>
+      <p:sp>
+        <p:nvSpPr>
+          <p:cNvPr id="4" name="TextBox 3"/>
+          <p:cNvSpPr txBox="1"/>
+          <p:nvPr/>
+        </p:nvSpPr>
+        <p:spPr>
+          <a:xfrm>
+            <a:off x="766924" y="1532456"/>
+            <a:ext cx="7802812" cy="3416320"/>
+          </a:xfrm>
+          <a:prstGeom prst="rect">
+            <a:avLst/>
+          </a:prstGeom>
+          <a:noFill/>
+        </p:spPr>
+        <p:txBody>
+          <a:bodyPr wrap="none" rtlCol="0">
+            <a:spAutoFit/>
+          </a:bodyPr>
+          <a:lstStyle/>
+          <a:p>
+            <a:pPr algn="l"/>
+            <a:r>
+              <a:rPr lang="en-US" sz="5400" dirty="0" smtClean="0">
+                <a:latin typeface="Comic Sans MS" pitchFamily="66" charset="0"/>
+              </a:rPr>
+              <a:t>A </a:t>
+            </a:r>
+            <a:r>
+              <a:rPr lang="en-US" sz="5400" dirty="0" smtClean="0">
+                <a:latin typeface="Comic Sans MS" pitchFamily="66" charset="0"/>
+              </a:rPr>
+              <a:t>system for proving</a:t>
+            </a:r>
+          </a:p>
+          <a:p>
+            <a:pPr algn="l"/>
+            <a:r>
+              <a:rPr lang="en-US" sz="5400" dirty="0" smtClean="0">
+                <a:latin typeface="Comic Sans MS" pitchFamily="66" charset="0"/>
+              </a:rPr>
+              <a:t>formulas </a:t>
+            </a:r>
+            <a:r>
+              <a:rPr lang="en-US" sz="5400" dirty="0" smtClean="0">
+                <a:latin typeface="Comic Sans MS" pitchFamily="66" charset="0"/>
+              </a:rPr>
+              <a:t>is </a:t>
+            </a:r>
+            <a:r>
+              <a:rPr lang="en-US" sz="5400" dirty="0" smtClean="0">
+                <a:solidFill>
+                  <a:srgbClr val="008000"/>
+                </a:solidFill>
+                <a:latin typeface="Comic Sans MS" pitchFamily="66" charset="0"/>
+              </a:rPr>
+              <a:t>sound</a:t>
+            </a:r>
+            <a:r>
+              <a:rPr lang="en-US" sz="5400" dirty="0" smtClean="0">
+                <a:latin typeface="Comic Sans MS" pitchFamily="66" charset="0"/>
+              </a:rPr>
+              <a:t>, when</a:t>
+            </a:r>
+          </a:p>
+          <a:p>
+            <a:pPr algn="l"/>
+            <a:r>
+              <a:rPr lang="en-US" sz="5400" dirty="0" smtClean="0">
+                <a:latin typeface="Comic Sans MS" pitchFamily="66" charset="0"/>
+              </a:rPr>
+              <a:t>every provable formula</a:t>
+            </a:r>
+          </a:p>
+          <a:p>
+            <a:pPr algn="l"/>
+            <a:r>
+              <a:rPr lang="en-US" sz="5400" dirty="0" smtClean="0">
+                <a:latin typeface="Comic Sans MS" pitchFamily="66" charset="0"/>
+              </a:rPr>
+              <a:t>is </a:t>
+            </a:r>
+            <a:r>
+              <a:rPr lang="en-US" sz="5400" dirty="0" smtClean="0">
+                <a:solidFill>
+                  <a:srgbClr val="BB0FAB"/>
+                </a:solidFill>
+                <a:latin typeface="Comic Sans MS" pitchFamily="66" charset="0"/>
+              </a:rPr>
+              <a:t>valid</a:t>
+            </a:r>
+            <a:r>
+              <a:rPr lang="en-US" sz="5400" dirty="0" smtClean="0">
+                <a:latin typeface="Comic Sans MS" pitchFamily="66" charset="0"/>
+              </a:rPr>
+              <a:t>.</a:t>
+            </a:r>
+          </a:p>
+        </p:txBody>
+      </p:sp>
+    </p:spTree>
+    <p:extLst>
+      <p:ext uri="{BB962C8B-B14F-4D97-AF65-F5344CB8AC3E}">
+        <p14:creationId xmlns:p14="http://schemas.microsoft.com/office/powerpoint/2010/main" val="2571962797"/>
+      </p:ext>
+    </p:extLst>
+  </p:cSld>
+  <p:clrMapOvr>
+    <a:masterClrMapping/>
+  </p:clrMapOvr>
+  <mc:AlternateContent xmlns:mc="http://schemas.openxmlformats.org/markup-compatibility/2006">
+    <mc:Choice xmlns:p14="http://schemas.microsoft.com/office/powerpoint/2010/main" Requires="p14">
+      <p:transition p14:dur="400" advClick="0">
+        <p:fade/>
+      </p:transition>
+    </mc:Choice>
+    <mc:Fallback>
+      <p:transition xmlns:p14="http://schemas.microsoft.com/office/powerpoint/2010/main" advClick="0">
+        <p:fade/>
+      </p:transition>
+    </mc:Fallback>
+  </mc:AlternateContent>
+  <p:timing>
+    <p:tnLst>
+      <p:par>
+        <p:cTn xmlns:p14="http://schemas.microsoft.com/office/powerpoint/2010/main" id="1" dur="indefinite" restart="never" nodeType="tmRoot"/>
+      </p:par>
+    </p:tnLst>
+  </p:timing>
+</p:sld>
+</file>
+
+<file path=ppt/slides/slide6.xml><?xml version="1.0" encoding="utf-8"?>
+<p:sld xmlns:a="http://schemas.openxmlformats.org/drawingml/2006/main" xmlns:r="http://schemas.openxmlformats.org/officeDocument/2006/relationships" xmlns:p="http://schemas.openxmlformats.org/presentationml/2006/main">
+  <p:cSld>
+    <p:spTree>
+      <p:nvGrpSpPr>
+        <p:cNvPr id="1" name=""/>
+        <p:cNvGrpSpPr/>
+        <p:nvPr/>
+      </p:nvGrpSpPr>
+      <p:grpSpPr>
+        <a:xfrm>
+          <a:off x="0" y="0"/>
+          <a:ext cx="0" cy="0"/>
+          <a:chOff x="0" y="0"/>
+          <a:chExt cx="0" cy="0"/>
+        </a:xfrm>
+      </p:grpSpPr>
+      <p:sp>
+        <p:nvSpPr>
+          <p:cNvPr id="3" name="Slide Number Placeholder 2"/>
+          <p:cNvSpPr>
+            <a:spLocks noGrp="1"/>
+          </p:cNvSpPr>
+          <p:nvPr>
+            <p:ph type="sldNum" sz="quarter" idx="10"/>
+          </p:nvPr>
+        </p:nvSpPr>
+        <p:spPr/>
+        <p:txBody>
+          <a:bodyPr/>
+          <a:lstStyle/>
+          <a:p>
+            <a:pPr>
+              <a:defRPr/>
+            </a:pPr>
+            <a:r>
+              <a:rPr lang="en-US" smtClean="0"/>
+              <a:t>sound.</a:t>
+            </a:r>
+            <a:fld id="{DB6F0ED6-FEF5-4C9C-B1CC-29B47EC66FAA}" type="slidenum">
+              <a:rPr lang="en-US" smtClean="0"/>
+              <a:pPr>
+                <a:defRPr/>
+              </a:pPr>
+              <a:t>6</a:t>
             </a:fld>
             <a:endParaRPr lang="en-US" dirty="0"/>
           </a:p>
@@ -14354,7 +15496,7 @@
 </p:sld>
 </file>
 
-<file path=ppt/slides/slide6.xml><?xml version="1.0" encoding="utf-8"?>
+<file path=ppt/slides/slide7.xml><?xml version="1.0" encoding="utf-8"?>
 <p:sld xmlns:a="http://schemas.openxmlformats.org/drawingml/2006/main" xmlns:r="http://schemas.openxmlformats.org/officeDocument/2006/relationships" xmlns:p="http://schemas.openxmlformats.org/presentationml/2006/main">
   <p:cSld>
     <p:spTree>
@@ -14393,7 +15535,7 @@
           <a:graphicData uri="http://schemas.openxmlformats.org/presentationml/2006/ole">
             <mc:AlternateContent xmlns:mc="http://schemas.openxmlformats.org/markup-compatibility/2006">
               <mc:Choice xmlns:v="urn:schemas-microsoft-com:vml" Requires="v">
-                <p:oleObj spid="_x0000_s1160" name="Equation" r:id="rId3" imgW="762000" imgH="457200" progId="Equation.DSMT4">
+                <p:oleObj spid="_x0000_s1176" name="Equation" r:id="rId3" imgW="762000" imgH="457200" progId="Equation.DSMT4">
                   <p:embed/>
                 </p:oleObj>
               </mc:Choice>
@@ -14496,7 +15638,7 @@
               <a:pPr>
                 <a:defRPr/>
               </a:pPr>
-              <a:t>6</a:t>
+              <a:t>7</a:t>
             </a:fld>
             <a:endParaRPr lang="en-US" dirty="0"/>
           </a:p>
@@ -14524,7 +15666,7 @@
           <a:graphicData uri="http://schemas.openxmlformats.org/presentationml/2006/ole">
             <mc:AlternateContent xmlns:mc="http://schemas.openxmlformats.org/markup-compatibility/2006">
               <mc:Choice xmlns:v="urn:schemas-microsoft-com:vml" Requires="v">
-                <p:oleObj spid="_x0000_s1161" name="Equation" r:id="rId5" imgW="1181100" imgH="495300" progId="Equation.DSMT4">
+                <p:oleObj spid="_x0000_s1177" name="Equation" r:id="rId5" imgW="1181100" imgH="495300" progId="Equation.DSMT4">
                   <p:embed/>
                 </p:oleObj>
               </mc:Choice>
@@ -14581,7 +15723,7 @@
           <a:graphicData uri="http://schemas.openxmlformats.org/presentationml/2006/ole">
             <mc:AlternateContent xmlns:mc="http://schemas.openxmlformats.org/markup-compatibility/2006">
               <mc:Choice xmlns:v="urn:schemas-microsoft-com:vml" Requires="v">
-                <p:oleObj spid="_x0000_s1162" name="Equation" r:id="rId7" imgW="444500" imgH="431800" progId="Equation.DSMT4">
+                <p:oleObj spid="_x0000_s1178" name="Equation" r:id="rId7" imgW="444500" imgH="431800" progId="Equation.DSMT4">
                   <p:embed/>
                 </p:oleObj>
               </mc:Choice>
@@ -14777,7 +15919,7 @@
 </p:sld>
 </file>
 
-<file path=ppt/slides/slide7.xml><?xml version="1.0" encoding="utf-8"?>
+<file path=ppt/slides/slide8.xml><?xml version="1.0" encoding="utf-8"?>
 <p:sld xmlns:a="http://schemas.openxmlformats.org/drawingml/2006/main" xmlns:r="http://schemas.openxmlformats.org/officeDocument/2006/relationships" xmlns:p="http://schemas.openxmlformats.org/presentationml/2006/main">
   <p:cSld>
     <p:spTree>
@@ -14815,8 +15957,24 @@
           <a:lstStyle/>
           <a:p>
             <a:r>
-              <a:rPr lang="en-US" sz="4800" dirty="0" smtClean="0"/>
-              <a:t>preserve validity:</a:t>
+              <a:rPr lang="is-IS" sz="6000" dirty="0" smtClean="0"/>
+              <a:t>…</a:t>
+            </a:r>
+            <a:r>
+              <a:rPr lang="en-US" sz="6000" dirty="0" smtClean="0"/>
+              <a:t>preserve </a:t>
+            </a:r>
+            <a:r>
+              <a:rPr lang="en-US" sz="6000" dirty="0" smtClean="0">
+                <a:solidFill>
+                  <a:srgbClr val="BB0FAB"/>
+                </a:solidFill>
+              </a:rPr>
+              <a:t>validity</a:t>
+            </a:r>
+            <a:r>
+              <a:rPr lang="en-US" sz="6000" dirty="0" smtClean="0"/>
+              <a:t>:</a:t>
             </a:r>
           </a:p>
           <a:p>
@@ -14838,11 +15996,7 @@
               </a:rPr>
               <a:t>valid</a:t>
             </a:r>
-            <a:endParaRPr lang="en-US" sz="5400" dirty="0">
-              <a:solidFill>
-                <a:srgbClr val="BB0FAB"/>
-              </a:solidFill>
-            </a:endParaRPr>
+            <a:endParaRPr lang="en-US" sz="5400" dirty="0"/>
           </a:p>
         </p:txBody>
       </p:sp>
@@ -14878,7 +16032,7 @@
               <a:pPr>
                 <a:defRPr/>
               </a:pPr>
-              <a:t>7</a:t>
+              <a:t>8</a:t>
             </a:fld>
             <a:endParaRPr lang="en-US" dirty="0"/>
           </a:p>
@@ -14915,14 +16069,22 @@
             <a:r>
               <a:rPr lang="en-US" dirty="0" smtClean="0">
                 <a:solidFill>
-                  <a:schemeClr val="tx1"/>
+                  <a:srgbClr val="000000"/>
                 </a:solidFill>
               </a:rPr>
               <a:t>Rules</a:t>
+            </a:r>
+            <a:r>
+              <a:rPr lang="is-IS" dirty="0" smtClean="0">
+                <a:solidFill>
+                  <a:srgbClr val="000000"/>
+                </a:solidFill>
+              </a:rPr>
+              <a:t>…</a:t>
             </a:r>
             <a:endParaRPr lang="en-US" dirty="0">
               <a:solidFill>
-                <a:schemeClr val="tx1"/>
+                <a:srgbClr val="000000"/>
               </a:solidFill>
             </a:endParaRPr>
           </a:p>
@@ -14931,7 +16093,7 @@
     </p:spTree>
     <p:extLst>
       <p:ext uri="{BB962C8B-B14F-4D97-AF65-F5344CB8AC3E}">
-        <p14:creationId xmlns:p14="http://schemas.microsoft.com/office/powerpoint/2010/main" val="4016570365"/>
+        <p14:creationId xmlns:p14="http://schemas.microsoft.com/office/powerpoint/2010/main" val="2810339451"/>
       </p:ext>
     </p:extLst>
   </p:cSld>
@@ -14939,7 +16101,7 @@
     <a:masterClrMapping/>
   </p:clrMapOvr>
   <p:transition xmlns:p14="http://schemas.microsoft.com/office/powerpoint/2010/main" spd="slow" advClick="0">
-    <p:fade/>
+    <p:fade thruBlk="1"/>
   </p:transition>
   <p:timing>
     <p:tnLst>
@@ -14962,7 +16124,7 @@
                             </p:stCondLst>
                             <p:childTnLst>
                               <p:par>
-                                <p:cTn id="5" presetID="9" presetClass="entr" presetSubtype="0" fill="hold" grpId="0" nodeType="clickEffect">
+                                <p:cTn id="5" presetID="10" presetClass="entr" presetSubtype="0" fill="hold" nodeType="clickEffect">
                                   <p:stCondLst>
                                     <p:cond delay="0"/>
                                   </p:stCondLst>
@@ -14970,6 +16132,67 @@
                                     <p:set>
                                       <p:cBhvr>
                                         <p:cTn id="6" dur="1" fill="hold">
+                                          <p:stCondLst>
+                                            <p:cond delay="0"/>
+                                          </p:stCondLst>
+                                        </p:cTn>
+                                        <p:tgtEl>
+                                          <p:spTgt spid="3">
+                                            <p:txEl>
+                                              <p:pRg st="0" end="0"/>
+                                            </p:txEl>
+                                          </p:spTgt>
+                                        </p:tgtEl>
+                                        <p:attrNameLst>
+                                          <p:attrName>style.visibility</p:attrName>
+                                        </p:attrNameLst>
+                                      </p:cBhvr>
+                                      <p:to>
+                                        <p:strVal val="visible"/>
+                                      </p:to>
+                                    </p:set>
+                                    <p:animEffect transition="in" filter="fade">
+                                      <p:cBhvr>
+                                        <p:cTn id="7" dur="500"/>
+                                        <p:tgtEl>
+                                          <p:spTgt spid="3">
+                                            <p:txEl>
+                                              <p:pRg st="0" end="0"/>
+                                            </p:txEl>
+                                          </p:spTgt>
+                                        </p:tgtEl>
+                                      </p:cBhvr>
+                                    </p:animEffect>
+                                  </p:childTnLst>
+                                </p:cTn>
+                              </p:par>
+                            </p:childTnLst>
+                          </p:cTn>
+                        </p:par>
+                      </p:childTnLst>
+                    </p:cTn>
+                  </p:par>
+                  <p:par>
+                    <p:cTn id="8" fill="hold">
+                      <p:stCondLst>
+                        <p:cond delay="indefinite"/>
+                      </p:stCondLst>
+                      <p:childTnLst>
+                        <p:par>
+                          <p:cTn id="9" fill="hold">
+                            <p:stCondLst>
+                              <p:cond delay="0"/>
+                            </p:stCondLst>
+                            <p:childTnLst>
+                              <p:par>
+                                <p:cTn id="10" presetID="10" presetClass="entr" presetSubtype="0" fill="hold" nodeType="clickEffect">
+                                  <p:stCondLst>
+                                    <p:cond delay="0"/>
+                                  </p:stCondLst>
+                                  <p:childTnLst>
+                                    <p:set>
+                                      <p:cBhvr>
+                                        <p:cTn id="11" dur="1" fill="hold">
                                           <p:stCondLst>
                                             <p:cond delay="0"/>
                                           </p:stCondLst>
@@ -14989,9 +16212,9 @@
                                         <p:strVal val="visible"/>
                                       </p:to>
                                     </p:set>
-                                    <p:animEffect transition="in" filter="dissolve">
+                                    <p:animEffect transition="in" filter="fade">
                                       <p:cBhvr>
-                                        <p:cTn id="7" dur="500"/>
+                                        <p:cTn id="12" dur="500"/>
                                         <p:tgtEl>
                                           <p:spTgt spid="3">
                                             <p:txEl>
@@ -15005,14 +16228,14 @@
                                 </p:cTn>
                               </p:par>
                               <p:par>
-                                <p:cTn id="8" presetID="9" presetClass="entr" presetSubtype="0" fill="hold" grpId="0" nodeType="withEffect">
+                                <p:cTn id="13" presetID="10" presetClass="entr" presetSubtype="0" fill="hold" nodeType="withEffect">
                                   <p:stCondLst>
                                     <p:cond delay="0"/>
                                   </p:stCondLst>
                                   <p:childTnLst>
                                     <p:set>
                                       <p:cBhvr>
-                                        <p:cTn id="9" dur="1" fill="hold">
+                                        <p:cTn id="14" dur="1" fill="hold">
                                           <p:stCondLst>
                                             <p:cond delay="0"/>
                                           </p:stCondLst>
@@ -15032,9 +16255,9 @@
                                         <p:strVal val="visible"/>
                                       </p:to>
                                     </p:set>
-                                    <p:animEffect transition="in" filter="dissolve">
+                                    <p:animEffect transition="in" filter="fade">
                                       <p:cBhvr>
-                                        <p:cTn id="10" dur="500"/>
+                                        <p:cTn id="15" dur="500"/>
                                         <p:tgtEl>
                                           <p:spTgt spid="3">
                                             <p:txEl>
@@ -15074,218 +16297,6 @@
         </p:cTn>
       </p:par>
     </p:tnLst>
-    <p:bldLst>
-      <p:bldP spid="3" grpId="0" build="p"/>
-    </p:bldLst>
-  </p:timing>
-</p:sld>
-</file>
-
-<file path=ppt/slides/slide8.xml><?xml version="1.0" encoding="utf-8"?>
-<p:sld xmlns:a="http://schemas.openxmlformats.org/drawingml/2006/main" xmlns:r="http://schemas.openxmlformats.org/officeDocument/2006/relationships" xmlns:p="http://schemas.openxmlformats.org/presentationml/2006/main">
-  <p:cSld>
-    <p:spTree>
-      <p:nvGrpSpPr>
-        <p:cNvPr id="1" name=""/>
-        <p:cNvGrpSpPr/>
-        <p:nvPr/>
-      </p:nvGrpSpPr>
-      <p:grpSpPr>
-        <a:xfrm>
-          <a:off x="0" y="0"/>
-          <a:ext cx="0" cy="0"/>
-          <a:chOff x="0" y="0"/>
-          <a:chExt cx="0" cy="0"/>
-        </a:xfrm>
-      </p:grpSpPr>
-      <p:sp>
-        <p:nvSpPr>
-          <p:cNvPr id="3" name="Content Placeholder 2"/>
-          <p:cNvSpPr>
-            <a:spLocks noGrp="1"/>
-          </p:cNvSpPr>
-          <p:nvPr>
-            <p:ph idx="1"/>
-          </p:nvPr>
-        </p:nvSpPr>
-        <p:spPr>
-          <a:xfrm>
-            <a:off x="167925" y="1371599"/>
-            <a:ext cx="8847508" cy="4884177"/>
-          </a:xfrm>
-        </p:spPr>
-        <p:txBody>
-          <a:bodyPr/>
-          <a:lstStyle/>
-          <a:p>
-            <a:r>
-              <a:rPr lang="en-US" sz="6000" dirty="0" smtClean="0"/>
-              <a:t>preserve </a:t>
-            </a:r>
-            <a:r>
-              <a:rPr lang="en-US" sz="6000" dirty="0" smtClean="0">
-                <a:solidFill>
-                  <a:srgbClr val="BB0FAB"/>
-                </a:solidFill>
-              </a:rPr>
-              <a:t>validity</a:t>
-            </a:r>
-            <a:r>
-              <a:rPr lang="en-US" sz="6000" dirty="0" smtClean="0"/>
-              <a:t>:</a:t>
-            </a:r>
-          </a:p>
-          <a:p>
-            <a:r>
-              <a:rPr lang="en-US" sz="5400" dirty="0"/>
-              <a:t>i</a:t>
-            </a:r>
-            <a:r>
-              <a:rPr lang="en-US" sz="5400" dirty="0" smtClean="0"/>
-              <a:t>f all the antecedents are </a:t>
-            </a:r>
-          </a:p>
-          <a:p>
-            <a:r>
-              <a:rPr lang="en-US" sz="5400" dirty="0" smtClean="0">
-                <a:solidFill>
-                  <a:srgbClr val="BB0FAB"/>
-                </a:solidFill>
-              </a:rPr>
-              <a:t>valid</a:t>
-            </a:r>
-            <a:r>
-              <a:rPr lang="en-US" sz="5400" dirty="0" smtClean="0"/>
-              <a:t>, then  conclusion is </a:t>
-            </a:r>
-          </a:p>
-          <a:p>
-            <a:r>
-              <a:rPr lang="en-US" sz="5400" dirty="0" smtClean="0">
-                <a:solidFill>
-                  <a:srgbClr val="BB0FAB"/>
-                </a:solidFill>
-              </a:rPr>
-              <a:t>valid</a:t>
-            </a:r>
-            <a:r>
-              <a:rPr lang="en-US" sz="5400" dirty="0" smtClean="0"/>
-              <a:t>.</a:t>
-            </a:r>
-            <a:endParaRPr lang="en-US" sz="5400" dirty="0"/>
-          </a:p>
-        </p:txBody>
-      </p:sp>
-      <p:sp>
-        <p:nvSpPr>
-          <p:cNvPr id="4" name="Slide Number Placeholder 3"/>
-          <p:cNvSpPr>
-            <a:spLocks noGrp="1"/>
-          </p:cNvSpPr>
-          <p:nvPr>
-            <p:ph type="sldNum" sz="quarter" idx="10"/>
-          </p:nvPr>
-        </p:nvSpPr>
-        <p:spPr>
-          <a:xfrm>
-            <a:off x="8420278" y="6553200"/>
-            <a:ext cx="723726" cy="276999"/>
-          </a:xfrm>
-        </p:spPr>
-        <p:txBody>
-          <a:bodyPr/>
-          <a:lstStyle/>
-          <a:p>
-            <a:pPr>
-              <a:defRPr/>
-            </a:pPr>
-            <a:r>
-              <a:rPr lang="en-US" dirty="0" smtClean="0"/>
-              <a:t>sound.</a:t>
-            </a:r>
-            <a:fld id="{A528ADE2-B74F-4D9D-8D04-FB5D781EAB51}" type="slidenum">
-              <a:rPr lang="en-US" smtClean="0"/>
-              <a:pPr>
-                <a:defRPr/>
-              </a:pPr>
-              <a:t>8</a:t>
-            </a:fld>
-            <a:endParaRPr lang="en-US" dirty="0"/>
-          </a:p>
-        </p:txBody>
-      </p:sp>
-      <p:sp>
-        <p:nvSpPr>
-          <p:cNvPr id="6" name="Title 1"/>
-          <p:cNvSpPr>
-            <a:spLocks noGrp="1"/>
-          </p:cNvSpPr>
-          <p:nvPr>
-            <p:ph type="title"/>
-          </p:nvPr>
-        </p:nvSpPr>
-        <p:spPr>
-          <a:xfrm>
-            <a:off x="2318907" y="283808"/>
-            <a:ext cx="5006788" cy="1091204"/>
-          </a:xfrm>
-        </p:spPr>
-        <p:txBody>
-          <a:bodyPr/>
-          <a:lstStyle/>
-          <a:p>
-            <a:r>
-              <a:rPr lang="en-US" dirty="0" smtClean="0">
-                <a:solidFill>
-                  <a:srgbClr val="006600"/>
-                </a:solidFill>
-              </a:rPr>
-              <a:t>Sound </a:t>
-            </a:r>
-            <a:r>
-              <a:rPr lang="en-US" dirty="0" smtClean="0">
-                <a:solidFill>
-                  <a:srgbClr val="000000"/>
-                </a:solidFill>
-              </a:rPr>
-              <a:t>Rules</a:t>
-            </a:r>
-            <a:endParaRPr lang="en-US" dirty="0">
-              <a:solidFill>
-                <a:srgbClr val="000000"/>
-              </a:solidFill>
-            </a:endParaRPr>
-          </a:p>
-        </p:txBody>
-      </p:sp>
-    </p:spTree>
-    <p:extLst>
-      <p:ext uri="{BB962C8B-B14F-4D97-AF65-F5344CB8AC3E}">
-        <p14:creationId xmlns:p14="http://schemas.microsoft.com/office/powerpoint/2010/main" val="3851909390"/>
-      </p:ext>
-    </p:extLst>
-  </p:cSld>
-  <p:clrMapOvr>
-    <a:masterClrMapping/>
-  </p:clrMapOvr>
-  <mc:AlternateContent xmlns:mc="http://schemas.openxmlformats.org/markup-compatibility/2006" xmlns:p14="http://schemas.microsoft.com/office/powerpoint/2010/main">
-    <mc:Choice Requires="p14">
-      <p:transition p14:dur="400" advClick="0">
-        <p:fade/>
-      </p:transition>
-    </mc:Choice>
-    <mc:Fallback xmlns="">
-      <p:transition xmlns:p14="http://schemas.microsoft.com/office/powerpoint/2010/main" advClick="0">
-        <p:fade/>
-      </p:transition>
-    </mc:Fallback>
-  </mc:AlternateContent>
-  <p:timing>
-    <p:tnLst>
-      <p:par>
-        <p:cTn xmlns:p14="http://schemas.microsoft.com/office/powerpoint/2010/main" id="1" dur="indefinite" restart="never" nodeType="tmRoot"/>
-      </p:par>
-    </p:tnLst>
   </p:timing>
 </p:sld>
 </file>
@@ -15309,7 +16320,143 @@
       </p:grpSpPr>
       <p:sp>
         <p:nvSpPr>
-          <p:cNvPr id="2" name="Title 1"/>
+          <p:cNvPr id="3" name="Content Placeholder 2"/>
+          <p:cNvSpPr>
+            <a:spLocks noGrp="1"/>
+          </p:cNvSpPr>
+          <p:nvPr>
+            <p:ph idx="1"/>
+          </p:nvPr>
+        </p:nvSpPr>
+        <p:spPr>
+          <a:xfrm>
+            <a:off x="167925" y="1371599"/>
+            <a:ext cx="8847508" cy="4884177"/>
+          </a:xfrm>
+        </p:spPr>
+        <p:txBody>
+          <a:bodyPr/>
+          <a:lstStyle/>
+          <a:p>
+            <a:r>
+              <a:rPr lang="is-IS" sz="6000" dirty="0" smtClean="0"/>
+              <a:t>…</a:t>
+            </a:r>
+            <a:r>
+              <a:rPr lang="en-US" sz="6000" dirty="0" smtClean="0"/>
+              <a:t>preserve </a:t>
+            </a:r>
+            <a:r>
+              <a:rPr lang="en-US" sz="6000" dirty="0" smtClean="0">
+                <a:solidFill>
+                  <a:srgbClr val="BB0FAB"/>
+                </a:solidFill>
+              </a:rPr>
+              <a:t>validity</a:t>
+            </a:r>
+            <a:r>
+              <a:rPr lang="en-US" sz="6000" dirty="0" smtClean="0"/>
+              <a:t>:</a:t>
+            </a:r>
+          </a:p>
+          <a:p>
+            <a:r>
+              <a:rPr lang="en-US" sz="5400" dirty="0"/>
+              <a:t>i</a:t>
+            </a:r>
+            <a:r>
+              <a:rPr lang="en-US" sz="5400" dirty="0" smtClean="0"/>
+              <a:t>f all the antecedents are </a:t>
+            </a:r>
+          </a:p>
+          <a:p>
+            <a:r>
+              <a:rPr lang="en-US" sz="5400" dirty="0" smtClean="0">
+                <a:solidFill>
+                  <a:srgbClr val="BB0FAB"/>
+                </a:solidFill>
+              </a:rPr>
+              <a:t>valid</a:t>
+            </a:r>
+            <a:r>
+              <a:rPr lang="en-US" sz="5400" dirty="0"/>
+              <a:t>, then </a:t>
+            </a:r>
+            <a:r>
+              <a:rPr lang="en-US" sz="5400" dirty="0" smtClean="0"/>
+              <a:t>conclusion </a:t>
+            </a:r>
+            <a:r>
+              <a:rPr lang="en-US" sz="5400" dirty="0"/>
+              <a:t>is </a:t>
+            </a:r>
+          </a:p>
+          <a:p>
+            <a:r>
+              <a:rPr lang="en-US" sz="5400" dirty="0">
+                <a:solidFill>
+                  <a:srgbClr val="BB0FAB"/>
+                </a:solidFill>
+              </a:rPr>
+              <a:t>v</a:t>
+            </a:r>
+            <a:r>
+              <a:rPr lang="en-US" sz="5400" dirty="0" smtClean="0">
+                <a:solidFill>
+                  <a:srgbClr val="BB0FAB"/>
+                </a:solidFill>
+              </a:rPr>
+              <a:t>alid</a:t>
+            </a:r>
+            <a:r>
+              <a:rPr lang="en-US" sz="5400" dirty="0" smtClean="0"/>
+              <a:t>.</a:t>
+            </a:r>
+            <a:endParaRPr lang="en-US" sz="5400" dirty="0"/>
+          </a:p>
+        </p:txBody>
+      </p:sp>
+      <p:sp>
+        <p:nvSpPr>
+          <p:cNvPr id="4" name="Slide Number Placeholder 3"/>
+          <p:cNvSpPr>
+            <a:spLocks noGrp="1"/>
+          </p:cNvSpPr>
+          <p:nvPr>
+            <p:ph type="sldNum" sz="quarter" idx="10"/>
+          </p:nvPr>
+        </p:nvSpPr>
+        <p:spPr>
+          <a:xfrm>
+            <a:off x="8420278" y="6553200"/>
+            <a:ext cx="723726" cy="276999"/>
+          </a:xfrm>
+        </p:spPr>
+        <p:txBody>
+          <a:bodyPr/>
+          <a:lstStyle/>
+          <a:p>
+            <a:pPr>
+              <a:defRPr/>
+            </a:pPr>
+            <a:r>
+              <a:rPr lang="en-US" dirty="0" smtClean="0"/>
+              <a:t>sound.</a:t>
+            </a:r>
+            <a:fld id="{A528ADE2-B74F-4D9D-8D04-FB5D781EAB51}" type="slidenum">
+              <a:rPr lang="en-US" smtClean="0"/>
+              <a:pPr>
+                <a:defRPr/>
+              </a:pPr>
+              <a:t>9</a:t>
+            </a:fld>
+            <a:endParaRPr lang="en-US" dirty="0"/>
+          </a:p>
+        </p:txBody>
+      </p:sp>
+      <p:sp>
+        <p:nvSpPr>
+          <p:cNvPr id="6" name="Title 1"/>
           <p:cNvSpPr>
             <a:spLocks noGrp="1"/>
           </p:cNvSpPr>
@@ -15328,180 +16475,30 @@
           <a:lstStyle/>
           <a:p>
             <a:r>
-              <a:rPr lang="en-US" dirty="0" smtClean="0"/>
-              <a:t>A </a:t>
-            </a:r>
-            <a:r>
               <a:rPr lang="en-US" dirty="0" smtClean="0">
                 <a:solidFill>
                   <a:srgbClr val="006600"/>
                 </a:solidFill>
               </a:rPr>
-              <a:t>Sound</a:t>
-            </a:r>
-            <a:r>
-              <a:rPr lang="en-US" dirty="0" smtClean="0"/>
-              <a:t> Rule</a:t>
-            </a:r>
-            <a:endParaRPr lang="en-US" dirty="0"/>
-          </a:p>
-        </p:txBody>
-      </p:sp>
-      <p:sp>
-        <p:nvSpPr>
-          <p:cNvPr id="3" name="Content Placeholder 2"/>
-          <p:cNvSpPr>
-            <a:spLocks noGrp="1"/>
-          </p:cNvSpPr>
-          <p:nvPr>
-            <p:ph idx="1"/>
-          </p:nvPr>
-        </p:nvSpPr>
-        <p:spPr>
-          <a:xfrm>
-            <a:off x="550326" y="1255186"/>
-            <a:ext cx="8096250" cy="4957234"/>
-          </a:xfrm>
-        </p:spPr>
-        <p:txBody>
-          <a:bodyPr/>
-          <a:lstStyle/>
-          <a:p>
-            <a:r>
-              <a:rPr lang="en-US" sz="4800" dirty="0" smtClean="0">
-                <a:solidFill>
-                  <a:srgbClr val="BB0FAB"/>
-                </a:solidFill>
-              </a:rPr>
-              <a:t>    modus ponens</a:t>
-            </a:r>
-            <a:r>
-              <a:rPr lang="en-US" sz="4800" dirty="0" smtClean="0"/>
-              <a:t> is </a:t>
-            </a:r>
-            <a:r>
-              <a:rPr lang="en-US" sz="4800" dirty="0" smtClean="0">
-                <a:solidFill>
-                  <a:srgbClr val="006600"/>
-                </a:solidFill>
-              </a:rPr>
-              <a:t>sound</a:t>
-            </a:r>
-            <a:r>
-              <a:rPr lang="en-US" sz="4800" dirty="0" smtClean="0"/>
-              <a:t>:</a:t>
-            </a:r>
-          </a:p>
-          <a:p>
-            <a:r>
-              <a:rPr lang="en-US" sz="5400" dirty="0" smtClean="0"/>
-              <a:t>if </a:t>
-            </a:r>
-            <a:r>
-              <a:rPr lang="en-US" sz="5400" dirty="0" smtClean="0">
-                <a:solidFill>
-                  <a:srgbClr val="0000FF"/>
-                </a:solidFill>
-              </a:rPr>
-              <a:t>P</a:t>
-            </a:r>
-            <a:r>
-              <a:rPr lang="en-US" sz="5400" dirty="0" smtClean="0"/>
-              <a:t> is </a:t>
-            </a:r>
-            <a:r>
-              <a:rPr lang="en-US" sz="5400" dirty="0" smtClean="0">
-                <a:solidFill>
-                  <a:srgbClr val="BB0FAB"/>
-                </a:solidFill>
-              </a:rPr>
-              <a:t>valid</a:t>
-            </a:r>
-            <a:r>
-              <a:rPr lang="en-US" sz="5400" dirty="0" smtClean="0"/>
-              <a:t>,</a:t>
-            </a:r>
-          </a:p>
-          <a:p>
-            <a:r>
-              <a:rPr lang="en-US" sz="5400" dirty="0" smtClean="0"/>
-              <a:t>and </a:t>
-            </a:r>
-            <a:r>
-              <a:rPr lang="en-US" sz="5400" dirty="0" smtClean="0">
-                <a:solidFill>
-                  <a:srgbClr val="0000FF"/>
-                </a:solidFill>
-              </a:rPr>
-              <a:t>P </a:t>
-            </a:r>
-            <a:r>
-              <a:rPr lang="en-US" sz="4400" dirty="0" smtClean="0">
-                <a:solidFill>
-                  <a:srgbClr val="0000FF"/>
-                </a:solidFill>
-              </a:rPr>
-              <a:t>IMPLIES</a:t>
-            </a:r>
-            <a:r>
-              <a:rPr lang="en-US" sz="5400" dirty="0" smtClean="0">
-                <a:solidFill>
-                  <a:srgbClr val="0000FF"/>
-                </a:solidFill>
-              </a:rPr>
-              <a:t> Q </a:t>
-            </a:r>
-            <a:r>
-              <a:rPr lang="en-US" sz="5400" dirty="0" smtClean="0"/>
-              <a:t>is </a:t>
-            </a:r>
-            <a:r>
-              <a:rPr lang="en-US" sz="5400" dirty="0" smtClean="0">
-                <a:solidFill>
-                  <a:srgbClr val="BB0FAB"/>
-                </a:solidFill>
-              </a:rPr>
-              <a:t>valid</a:t>
-            </a:r>
-            <a:r>
-              <a:rPr lang="en-US" sz="5400" dirty="0" smtClean="0"/>
-              <a:t>,</a:t>
-            </a:r>
-          </a:p>
-          <a:p>
-            <a:r>
-              <a:rPr lang="en-US" sz="5400" dirty="0" smtClean="0"/>
-              <a:t>then </a:t>
-            </a:r>
-            <a:r>
-              <a:rPr lang="en-US" sz="5400" dirty="0" smtClean="0">
-                <a:solidFill>
-                  <a:srgbClr val="0000FF"/>
-                </a:solidFill>
-              </a:rPr>
-              <a:t>Q</a:t>
-            </a:r>
-            <a:r>
-              <a:rPr lang="en-US" sz="5400" dirty="0" smtClean="0"/>
-              <a:t> must be </a:t>
-            </a:r>
-            <a:r>
-              <a:rPr lang="en-US" sz="5400" dirty="0" smtClean="0">
-                <a:solidFill>
-                  <a:srgbClr val="BB0FAB"/>
-                </a:solidFill>
-              </a:rPr>
-              <a:t>valid</a:t>
-            </a:r>
-            <a:r>
-              <a:rPr lang="en-US" sz="5400" dirty="0" smtClean="0">
+              <a:t>Sound </a:t>
+            </a:r>
+            <a:r>
+              <a:rPr lang="en-US" dirty="0" smtClean="0">
                 <a:solidFill>
                   <a:srgbClr val="000000"/>
                 </a:solidFill>
               </a:rPr>
-              <a:t>.</a:t>
-            </a:r>
-            <a:endParaRPr lang="en-US" sz="5400" dirty="0" smtClean="0">
+              <a:t>Rules</a:t>
+            </a:r>
+            <a:r>
+              <a:rPr lang="is-IS" dirty="0" smtClean="0">
+                <a:solidFill>
+                  <a:srgbClr val="000000"/>
+                </a:solidFill>
+              </a:rPr>
+              <a:t>…</a:t>
+            </a:r>
+            <a:endParaRPr lang="en-US" dirty="0">
               <a:solidFill>
                 <a:srgbClr val="000000"/>
               </a:solidFill>
@@ -15509,263 +16506,34 @@
           </a:p>
         </p:txBody>
       </p:sp>
-      <p:sp>
-        <p:nvSpPr>
-          <p:cNvPr id="4" name="Slide Number Placeholder 3"/>
-          <p:cNvSpPr>
-            <a:spLocks noGrp="1"/>
-          </p:cNvSpPr>
-          <p:nvPr>
-            <p:ph type="sldNum" sz="quarter" idx="10"/>
-          </p:nvPr>
-        </p:nvSpPr>
-        <p:spPr>
-          <a:xfrm>
-            <a:off x="8420278" y="6553200"/>
-            <a:ext cx="723726" cy="276999"/>
-          </a:xfrm>
-        </p:spPr>
-        <p:txBody>
-          <a:bodyPr/>
-          <a:lstStyle/>
-          <a:p>
-            <a:pPr>
-              <a:defRPr/>
-            </a:pPr>
-            <a:r>
-              <a:rPr lang="en-US" dirty="0" smtClean="0"/>
-              <a:t>sound.</a:t>
-            </a:r>
-            <a:fld id="{A528ADE2-B74F-4D9D-8D04-FB5D781EAB51}" type="slidenum">
-              <a:rPr lang="en-US" smtClean="0"/>
-              <a:pPr>
-                <a:defRPr/>
-              </a:pPr>
-              <a:t>9</a:t>
-            </a:fld>
-            <a:endParaRPr lang="en-US" dirty="0"/>
-          </a:p>
-        </p:txBody>
-      </p:sp>
     </p:spTree>
     <p:extLst>
       <p:ext uri="{BB962C8B-B14F-4D97-AF65-F5344CB8AC3E}">
-        <p14:creationId xmlns:p14="http://schemas.microsoft.com/office/powerpoint/2010/main" val="1120256809"/>
+        <p14:creationId xmlns:p14="http://schemas.microsoft.com/office/powerpoint/2010/main" val="2615309797"/>
       </p:ext>
     </p:extLst>
   </p:cSld>
   <p:clrMapOvr>
     <a:masterClrMapping/>
   </p:clrMapOvr>
-  <p:transition xmlns:p14="http://schemas.microsoft.com/office/powerpoint/2010/main" spd="slow" advClick="0">
-    <p:fade/>
-  </p:transition>
+  <mc:AlternateContent xmlns:mc="http://schemas.openxmlformats.org/markup-compatibility/2006">
+    <mc:Choice xmlns:p14="http://schemas.microsoft.com/office/powerpoint/2010/main" Requires="p14">
+      <p:transition spd="med" p14:dur="700" advClick="0">
+        <p:fade/>
+      </p:transition>
+    </mc:Choice>
+    <mc:Fallback>
+      <p:transition xmlns:p14="http://schemas.microsoft.com/office/powerpoint/2010/main" spd="med" advClick="0">
+        <p:fade/>
+      </p:transition>
+    </mc:Fallback>
+  </mc:AlternateContent>
   <p:timing>
     <p:tnLst>
       <p:par>
-        <p:cTn xmlns:p14="http://schemas.microsoft.com/office/powerpoint/2010/main" id="1" dur="indefinite" restart="never" nodeType="tmRoot">
-          <p:childTnLst>
-            <p:seq concurrent="1" nextAc="seek">
-              <p:cTn id="2" dur="indefinite" nodeType="mainSeq">
-                <p:childTnLst>
-                  <p:par>
-                    <p:cTn id="3" fill="hold">
-                      <p:stCondLst>
-                        <p:cond delay="indefinite"/>
-                      </p:stCondLst>
-                      <p:childTnLst>
-                        <p:par>
-                          <p:cTn id="4" fill="hold">
-                            <p:stCondLst>
-                              <p:cond delay="0"/>
-                            </p:stCondLst>
-                            <p:childTnLst>
-                              <p:par>
-                                <p:cTn id="5" presetID="9" presetClass="entr" presetSubtype="0" fill="hold" grpId="0" nodeType="clickEffect">
-                                  <p:stCondLst>
-                                    <p:cond delay="0"/>
-                                  </p:stCondLst>
-                                  <p:childTnLst>
-                                    <p:set>
-                                      <p:cBhvr>
-                                        <p:cTn id="6" dur="1" fill="hold">
-                                          <p:stCondLst>
-                                            <p:cond delay="0"/>
-                                          </p:stCondLst>
-                                        </p:cTn>
-                                        <p:tgtEl>
-                                          <p:spTgt spid="3">
-                                            <p:txEl>
-                                              <p:pRg st="1" end="1"/>
-                                            </p:txEl>
-                                          </p:spTgt>
-                                        </p:tgtEl>
-                                        <p:attrNameLst>
-                                          <p:attrName>style.visibility</p:attrName>
-                                        </p:attrNameLst>
-                                      </p:cBhvr>
-                                      <p:to>
-                                        <p:strVal val="visible"/>
-                                      </p:to>
-                                    </p:set>
-                                    <p:animEffect transition="in" filter="dissolve">
-                                      <p:cBhvr>
-                                        <p:cTn id="7" dur="500"/>
-                                        <p:tgtEl>
-                                          <p:spTgt spid="3">
-                                            <p:txEl>
-                                              <p:pRg st="1" end="1"/>
-                                            </p:txEl>
-                                          </p:spTgt>
-                                        </p:tgtEl>
-                                      </p:cBhvr>
-                                    </p:animEffect>
-                                  </p:childTnLst>
-                                </p:cTn>
-                              </p:par>
-                            </p:childTnLst>
-                          </p:cTn>
-                        </p:par>
-                        <p:par>
-                          <p:cTn id="8" fill="hold">
-                            <p:stCondLst>
-                              <p:cond delay="500"/>
-                            </p:stCondLst>
-                            <p:childTnLst>
-                              <p:par>
-                                <p:cTn id="9" presetID="9" presetClass="entr" presetSubtype="0" fill="hold" grpId="0" nodeType="afterEffect">
-                                  <p:stCondLst>
-                                    <p:cond delay="0"/>
-                                  </p:stCondLst>
-                                  <p:childTnLst>
-                                    <p:set>
-                                      <p:cBhvr>
-                                        <p:cTn id="10" dur="1" fill="hold">
-                                          <p:stCondLst>
-                                            <p:cond delay="0"/>
-                                          </p:stCondLst>
-                                        </p:cTn>
-                                        <p:tgtEl>
-                                          <p:spTgt spid="3">
-                                            <p:txEl>
-                                              <p:pRg st="2" end="2"/>
-                                            </p:txEl>
-                                          </p:spTgt>
-                                        </p:tgtEl>
-                                        <p:attrNameLst>
-                                          <p:attrName>style.visibility</p:attrName>
-                                        </p:attrNameLst>
-                                      </p:cBhvr>
-                                      <p:to>
-                                        <p:strVal val="visible"/>
-                                      </p:to>
-                                    </p:set>
-                                    <p:animEffect transition="in" filter="dissolve">
-                                      <p:cBhvr>
-                                        <p:cTn id="11" dur="500"/>
-                                        <p:tgtEl>
-                                          <p:spTgt spid="3">
-                                            <p:txEl>
-                                              <p:pRg st="2" end="2"/>
-                                            </p:txEl>
-                                          </p:spTgt>
-                                        </p:tgtEl>
-                                      </p:cBhvr>
-                                    </p:animEffect>
-                                  </p:childTnLst>
-                                </p:cTn>
-                              </p:par>
-                            </p:childTnLst>
-                          </p:cTn>
-                        </p:par>
-                      </p:childTnLst>
-                    </p:cTn>
-                  </p:par>
-                  <p:par>
-                    <p:cTn id="12" fill="hold">
-                      <p:stCondLst>
-                        <p:cond delay="indefinite"/>
-                      </p:stCondLst>
-                      <p:childTnLst>
-                        <p:par>
-                          <p:cTn id="13" fill="hold">
-                            <p:stCondLst>
-                              <p:cond delay="0"/>
-                            </p:stCondLst>
-                            <p:childTnLst>
-                              <p:par>
-                                <p:cTn id="14" presetID="9" presetClass="entr" presetSubtype="0" fill="hold" grpId="0" nodeType="clickEffect">
-                                  <p:stCondLst>
-                                    <p:cond delay="0"/>
-                                  </p:stCondLst>
-                                  <p:childTnLst>
-                                    <p:set>
-                                      <p:cBhvr>
-                                        <p:cTn id="15" dur="1" fill="hold">
-                                          <p:stCondLst>
-                                            <p:cond delay="0"/>
-                                          </p:stCondLst>
-                                        </p:cTn>
-                                        <p:tgtEl>
-                                          <p:spTgt spid="3">
-                                            <p:txEl>
-                                              <p:pRg st="3" end="3"/>
-                                            </p:txEl>
-                                          </p:spTgt>
-                                        </p:tgtEl>
-                                        <p:attrNameLst>
-                                          <p:attrName>style.visibility</p:attrName>
-                                        </p:attrNameLst>
-                                      </p:cBhvr>
-                                      <p:to>
-                                        <p:strVal val="visible"/>
-                                      </p:to>
-                                    </p:set>
-                                    <p:animEffect transition="in" filter="dissolve">
-                                      <p:cBhvr>
-                                        <p:cTn id="16" dur="500"/>
-                                        <p:tgtEl>
-                                          <p:spTgt spid="3">
-                                            <p:txEl>
-                                              <p:pRg st="3" end="3"/>
-                                            </p:txEl>
-                                          </p:spTgt>
-                                        </p:tgtEl>
-                                      </p:cBhvr>
-                                    </p:animEffect>
-                                  </p:childTnLst>
-                                </p:cTn>
-                              </p:par>
-                            </p:childTnLst>
-                          </p:cTn>
-                        </p:par>
-                      </p:childTnLst>
-                    </p:cTn>
-                  </p:par>
-                </p:childTnLst>
-              </p:cTn>
-              <p:prevCondLst>
-                <p:cond evt="onPrev" delay="0">
-                  <p:tgtEl>
-                    <p:sldTgt/>
-                  </p:tgtEl>
-                </p:cond>
-              </p:prevCondLst>
-              <p:nextCondLst>
-                <p:cond evt="onNext" delay="0">
-                  <p:tgtEl>
-                    <p:sldTgt/>
-                  </p:tgtEl>
-                </p:cond>
-              </p:nextCondLst>
-            </p:seq>
-          </p:childTnLst>
-        </p:cTn>
+        <p:cTn xmlns:p14="http://schemas.microsoft.com/office/powerpoint/2010/main" id="1" dur="indefinite" restart="never" nodeType="tmRoot"/>
       </p:par>
     </p:tnLst>
-    <p:bldLst>
-      <p:bldP spid="3" grpId="0" build="p"/>
-    </p:bldLst>
   </p:timing>
 </p:sld>
 </file>

--- a/spring17/slidesS17/sound-valid.pptx
+++ b/spring17/slidesS17/sound-valid.pptx
@@ -6,10 +6,10 @@
     <p:sldMasterId id="2147483651" r:id="rId2"/>
   </p:sldMasterIdLst>
   <p:notesMasterIdLst>
-    <p:notesMasterId r:id="rId35"/>
+    <p:notesMasterId r:id="rId36"/>
   </p:notesMasterIdLst>
   <p:handoutMasterIdLst>
-    <p:handoutMasterId r:id="rId36"/>
+    <p:handoutMasterId r:id="rId37"/>
   </p:handoutMasterIdLst>
   <p:sldIdLst>
     <p:sldId id="392" r:id="rId3"/>
@@ -36,19 +36,20 @@
     <p:sldId id="518" r:id="rId24"/>
     <p:sldId id="501" r:id="rId25"/>
     <p:sldId id="519" r:id="rId26"/>
-    <p:sldId id="491" r:id="rId27"/>
-    <p:sldId id="487" r:id="rId28"/>
-    <p:sldId id="488" r:id="rId29"/>
-    <p:sldId id="496" r:id="rId30"/>
-    <p:sldId id="498" r:id="rId31"/>
-    <p:sldId id="497" r:id="rId32"/>
-    <p:sldId id="490" r:id="rId33"/>
-    <p:sldId id="502" r:id="rId34"/>
+    <p:sldId id="532" r:id="rId27"/>
+    <p:sldId id="491" r:id="rId28"/>
+    <p:sldId id="487" r:id="rId29"/>
+    <p:sldId id="488" r:id="rId30"/>
+    <p:sldId id="496" r:id="rId31"/>
+    <p:sldId id="498" r:id="rId32"/>
+    <p:sldId id="497" r:id="rId33"/>
+    <p:sldId id="490" r:id="rId34"/>
+    <p:sldId id="502" r:id="rId35"/>
   </p:sldIdLst>
   <p:sldSz cx="9144000" cy="6858000" type="screen4x3"/>
   <p:notesSz cx="9601200" cy="7315200"/>
   <p:custDataLst>
-    <p:tags r:id="rId38"/>
+    <p:tags r:id="rId39"/>
   </p:custDataLst>
   <p:defaultTextStyle>
     <a:defPPr>
@@ -1170,7 +1171,7 @@
             <a:fld id="{A02B9F3F-3042-489F-AF35-1A733968F079}" type="slidenum">
               <a:rPr lang="en-US" smtClean="0"/>
               <a:pPr/>
-              <a:t>27</a:t>
+              <a:t>28</a:t>
             </a:fld>
             <a:endParaRPr lang="en-US"/>
           </a:p>
@@ -1252,7 +1253,7 @@
             <a:fld id="{A02B9F3F-3042-489F-AF35-1A733968F079}" type="slidenum">
               <a:rPr lang="en-US" smtClean="0"/>
               <a:pPr/>
-              <a:t>32</a:t>
+              <a:t>33</a:t>
             </a:fld>
             <a:endParaRPr lang="en-US"/>
           </a:p>
@@ -6545,11 +6546,7 @@
           <a:p>
             <a:r>
               <a:rPr lang="en-US" sz="5400" dirty="0" smtClean="0"/>
-              <a:t>If</a:t>
-            </a:r>
-            <a:r>
-              <a:rPr lang="en-US" sz="5400" dirty="0" smtClean="0"/>
-              <a:t> </a:t>
+              <a:t>If </a:t>
             </a:r>
             <a:r>
               <a:rPr lang="en-US" sz="5400" dirty="0" smtClean="0">
@@ -6750,13 +6747,13 @@
   <p:clrMapOvr>
     <a:masterClrMapping/>
   </p:clrMapOvr>
-  <mc:AlternateContent xmlns:mc="http://schemas.openxmlformats.org/markup-compatibility/2006">
-    <mc:Choice xmlns:p14="http://schemas.microsoft.com/office/powerpoint/2010/main" Requires="p14">
+  <mc:AlternateContent xmlns:mc="http://schemas.openxmlformats.org/markup-compatibility/2006" xmlns:p14="http://schemas.microsoft.com/office/powerpoint/2010/main">
+    <mc:Choice Requires="p14">
       <p:transition spd="slow" p14:dur="800" advClick="0">
         <p:fade thruBlk="1"/>
       </p:transition>
     </mc:Choice>
-    <mc:Fallback>
+    <mc:Fallback xmlns="">
       <p:transition xmlns:p14="http://schemas.microsoft.com/office/powerpoint/2010/main" spd="slow" advClick="0">
         <p:fade thruBlk="1"/>
       </p:transition>
@@ -7117,13 +7114,13 @@
   <p:clrMapOvr>
     <a:masterClrMapping/>
   </p:clrMapOvr>
-  <mc:AlternateContent xmlns:mc="http://schemas.openxmlformats.org/markup-compatibility/2006">
-    <mc:Choice xmlns:p14="http://schemas.microsoft.com/office/powerpoint/2010/main" Requires="p14">
+  <mc:AlternateContent xmlns:mc="http://schemas.openxmlformats.org/markup-compatibility/2006" xmlns:p14="http://schemas.microsoft.com/office/powerpoint/2010/main">
+    <mc:Choice Requires="p14">
       <p:transition p14:dur="400" advClick="0">
         <p:fade/>
       </p:transition>
     </mc:Choice>
-    <mc:Fallback>
+    <mc:Fallback xmlns="">
       <p:transition xmlns:p14="http://schemas.microsoft.com/office/powerpoint/2010/main" advClick="0">
         <p:fade/>
       </p:transition>
@@ -8655,7 +8652,7 @@
             <a:r>
               <a:rPr lang="en-US" sz="4400" dirty="0">
                 <a:solidFill>
-                  <a:srgbClr val="EC0213"/>
+                  <a:srgbClr val="006600"/>
                 </a:solidFill>
               </a:rPr>
               <a:t>T</a:t>
@@ -9938,13 +9935,13 @@
   <p:clrMapOvr>
     <a:masterClrMapping/>
   </p:clrMapOvr>
-  <mc:AlternateContent xmlns:mc="http://schemas.openxmlformats.org/markup-compatibility/2006">
-    <mc:Choice xmlns:p14="http://schemas.microsoft.com/office/powerpoint/2010/main" Requires="p14">
+  <mc:AlternateContent xmlns:mc="http://schemas.openxmlformats.org/markup-compatibility/2006" xmlns:p14="http://schemas.microsoft.com/office/powerpoint/2010/main">
+    <mc:Choice Requires="p14">
       <p:transition p14:dur="400" advClick="0">
         <p:fade/>
       </p:transition>
     </mc:Choice>
-    <mc:Fallback>
+    <mc:Fallback xmlns="">
       <p:transition xmlns:p14="http://schemas.microsoft.com/office/powerpoint/2010/main" advClick="0">
         <p:fade/>
       </p:transition>
@@ -10112,7 +10109,22 @@
               <a:rPr lang="en-US" sz="5400" dirty="0" smtClean="0">
                 <a:latin typeface="Comic Sans MS" pitchFamily="66" charset="0"/>
               </a:rPr>
-              <a:t> If proof rules are </a:t>
+              <a:t> If proof </a:t>
+            </a:r>
+            <a:r>
+              <a:rPr lang="en-US" sz="5400" dirty="0" smtClean="0">
+                <a:solidFill>
+                  <a:srgbClr val="0000FF"/>
+                </a:solidFill>
+                <a:latin typeface="Comic Sans MS" pitchFamily="66" charset="0"/>
+              </a:rPr>
+              <a:t>rules</a:t>
+            </a:r>
+            <a:r>
+              <a:rPr lang="en-US" sz="5400" dirty="0" smtClean="0">
+                <a:latin typeface="Comic Sans MS" pitchFamily="66" charset="0"/>
+              </a:rPr>
+              <a:t> are </a:t>
             </a:r>
             <a:r>
               <a:rPr lang="en-US" sz="5400" dirty="0" smtClean="0">
@@ -10139,13 +10151,13 @@
   <p:clrMapOvr>
     <a:masterClrMapping/>
   </p:clrMapOvr>
-  <mc:AlternateContent xmlns:mc="http://schemas.openxmlformats.org/markup-compatibility/2006">
-    <mc:Choice xmlns:p14="http://schemas.microsoft.com/office/powerpoint/2010/main" Requires="p14">
+  <mc:AlternateContent xmlns:mc="http://schemas.openxmlformats.org/markup-compatibility/2006" xmlns:p14="http://schemas.microsoft.com/office/powerpoint/2010/main">
+    <mc:Choice Requires="p14">
       <p:transition spd="med" p14:dur="700" advClick="0">
         <p:fade/>
       </p:transition>
     </mc:Choice>
-    <mc:Fallback>
+    <mc:Fallback xmlns="">
       <p:transition xmlns:p14="http://schemas.microsoft.com/office/powerpoint/2010/main" spd="med" advClick="0">
         <p:fade/>
       </p:transition>
@@ -10420,6 +10432,9 @@
                     <p:cTn id="3" fill="hold">
                       <p:stCondLst>
                         <p:cond delay="indefinite"/>
+                        <p:cond evt="onBegin" delay="0">
+                          <p:tn val="2"/>
+                        </p:cond>
                       </p:stCondLst>
                       <p:childTnLst>
                         <p:par>
@@ -10429,7 +10444,7 @@
                             </p:stCondLst>
                             <p:childTnLst>
                               <p:par>
-                                <p:cTn id="5" presetID="10" presetClass="entr" presetSubtype="0" fill="hold" nodeType="clickEffect">
+                                <p:cTn id="5" presetID="10" presetClass="entr" presetSubtype="0" fill="hold" nodeType="afterEffect">
                                   <p:stCondLst>
                                     <p:cond delay="0"/>
                                   </p:stCondLst>
@@ -10694,7 +10709,22 @@
               <a:rPr lang="en-US" sz="5400" dirty="0" smtClean="0">
                 <a:latin typeface="Comic Sans MS" pitchFamily="66" charset="0"/>
               </a:rPr>
-              <a:t> If proof rules are </a:t>
+              <a:t> If proof </a:t>
+            </a:r>
+            <a:r>
+              <a:rPr lang="en-US" sz="5400" dirty="0" smtClean="0">
+                <a:solidFill>
+                  <a:srgbClr val="0000FF"/>
+                </a:solidFill>
+                <a:latin typeface="Comic Sans MS" pitchFamily="66" charset="0"/>
+              </a:rPr>
+              <a:t>rules</a:t>
+            </a:r>
+            <a:r>
+              <a:rPr lang="en-US" sz="5400" dirty="0" smtClean="0">
+                <a:latin typeface="Comic Sans MS" pitchFamily="66" charset="0"/>
+              </a:rPr>
+              <a:t> are </a:t>
             </a:r>
             <a:r>
               <a:rPr lang="en-US" sz="5400" dirty="0" smtClean="0">
@@ -10806,13 +10836,13 @@
   <p:clrMapOvr>
     <a:masterClrMapping/>
   </p:clrMapOvr>
-  <mc:AlternateContent xmlns:mc="http://schemas.openxmlformats.org/markup-compatibility/2006">
-    <mc:Choice xmlns:p14="http://schemas.microsoft.com/office/powerpoint/2010/main" Requires="p14">
+  <mc:AlternateContent xmlns:mc="http://schemas.openxmlformats.org/markup-compatibility/2006" xmlns:p14="http://schemas.microsoft.com/office/powerpoint/2010/main">
+    <mc:Choice Requires="p14">
       <p:transition spd="med" p14:dur="700" advClick="0">
         <p:fade/>
       </p:transition>
     </mc:Choice>
-    <mc:Fallback>
+    <mc:Fallback xmlns="">
       <p:transition xmlns:p14="http://schemas.microsoft.com/office/powerpoint/2010/main" spd="med" advClick="0">
         <p:fade/>
       </p:transition>
@@ -10916,7 +10946,22 @@
               <a:rPr lang="en-US" sz="5400" dirty="0" smtClean="0">
                 <a:latin typeface="Comic Sans MS" pitchFamily="66" charset="0"/>
               </a:rPr>
-              <a:t> If proof rules are </a:t>
+              <a:t> If proof </a:t>
+            </a:r>
+            <a:r>
+              <a:rPr lang="en-US" sz="5400" dirty="0" smtClean="0">
+                <a:solidFill>
+                  <a:srgbClr val="0000FF"/>
+                </a:solidFill>
+                <a:latin typeface="Comic Sans MS" pitchFamily="66" charset="0"/>
+              </a:rPr>
+              <a:t>rules</a:t>
+            </a:r>
+            <a:r>
+              <a:rPr lang="en-US" sz="5400" dirty="0" smtClean="0">
+                <a:latin typeface="Comic Sans MS" pitchFamily="66" charset="0"/>
+              </a:rPr>
+              <a:t> are </a:t>
             </a:r>
             <a:r>
               <a:rPr lang="en-US" sz="5400" dirty="0" smtClean="0">
@@ -11147,21 +11192,36 @@
               <a:rPr lang="en-US" sz="5400" dirty="0" smtClean="0">
                 <a:latin typeface="Comic Sans MS" pitchFamily="66" charset="0"/>
               </a:rPr>
-              <a:t> If proof rules are </a:t>
+              <a:t> If proof </a:t>
             </a:r>
             <a:r>
               <a:rPr lang="en-US" sz="5400" dirty="0" smtClean="0">
                 <a:solidFill>
-                  <a:srgbClr val="006600"/>
+                  <a:srgbClr val="0000FF"/>
                 </a:solidFill>
                 <a:latin typeface="Comic Sans MS" pitchFamily="66" charset="0"/>
               </a:rPr>
-              <a:t>sound</a:t>
+              <a:t>rules</a:t>
             </a:r>
             <a:r>
               <a:rPr lang="en-US" sz="5400" dirty="0" smtClean="0">
                 <a:latin typeface="Comic Sans MS" pitchFamily="66" charset="0"/>
               </a:rPr>
+              <a:t> are </a:t>
+            </a:r>
+            <a:r>
+              <a:rPr lang="en-US" sz="5400" dirty="0" smtClean="0">
+                <a:solidFill>
+                  <a:srgbClr val="006600"/>
+                </a:solidFill>
+                <a:latin typeface="Comic Sans MS" pitchFamily="66" charset="0"/>
+              </a:rPr>
+              <a:t>sound</a:t>
+            </a:r>
+            <a:r>
+              <a:rPr lang="en-US" sz="5400" dirty="0" smtClean="0">
+                <a:latin typeface="Comic Sans MS" pitchFamily="66" charset="0"/>
+              </a:rPr>
               <a:t>, and axioms </a:t>
             </a:r>
             <a:r>
@@ -11183,7 +11243,22 @@
               <a:rPr lang="en-US" sz="5400" dirty="0" smtClean="0">
                 <a:latin typeface="Comic Sans MS" pitchFamily="66" charset="0"/>
               </a:rPr>
-              <a:t>, then the whole proof system is </a:t>
+              <a:t>, then the whole proof </a:t>
+            </a:r>
+            <a:r>
+              <a:rPr lang="en-US" sz="5400" dirty="0" smtClean="0">
+                <a:solidFill>
+                  <a:srgbClr val="0000FF"/>
+                </a:solidFill>
+                <a:latin typeface="Comic Sans MS" pitchFamily="66" charset="0"/>
+              </a:rPr>
+              <a:t>system</a:t>
+            </a:r>
+            <a:r>
+              <a:rPr lang="en-US" sz="5400" dirty="0" smtClean="0">
+                <a:latin typeface="Comic Sans MS" pitchFamily="66" charset="0"/>
+              </a:rPr>
+              <a:t> is </a:t>
             </a:r>
             <a:r>
               <a:rPr lang="en-US" sz="5400" dirty="0" smtClean="0">
@@ -11798,13 +11873,13 @@
   <p:clrMapOvr>
     <a:masterClrMapping/>
   </p:clrMapOvr>
-  <mc:AlternateContent xmlns:mc="http://schemas.openxmlformats.org/markup-compatibility/2006">
-    <mc:Choice xmlns:p14="http://schemas.microsoft.com/office/powerpoint/2010/main" Requires="p14">
+  <mc:AlternateContent xmlns:mc="http://schemas.openxmlformats.org/markup-compatibility/2006" xmlns:p14="http://schemas.microsoft.com/office/powerpoint/2010/main">
+    <mc:Choice Requires="p14">
       <p:transition p14:dur="400" advClick="0">
         <p:fade/>
       </p:transition>
     </mc:Choice>
-    <mc:Fallback>
+    <mc:Fallback xmlns="">
       <p:transition xmlns:p14="http://schemas.microsoft.com/office/powerpoint/2010/main" advClick="0">
         <p:fade/>
       </p:transition>
@@ -11821,6 +11896,474 @@
 </file>
 
 <file path=ppt/slides/slide25.xml><?xml version="1.0" encoding="utf-8"?>
+<p:sld xmlns:a="http://schemas.openxmlformats.org/drawingml/2006/main" xmlns:r="http://schemas.openxmlformats.org/officeDocument/2006/relationships" xmlns:p="http://schemas.openxmlformats.org/presentationml/2006/main">
+  <p:cSld>
+    <p:spTree>
+      <p:nvGrpSpPr>
+        <p:cNvPr id="1" name=""/>
+        <p:cNvGrpSpPr/>
+        <p:nvPr/>
+      </p:nvGrpSpPr>
+      <p:grpSpPr>
+        <a:xfrm>
+          <a:off x="0" y="0"/>
+          <a:ext cx="0" cy="0"/>
+          <a:chOff x="0" y="0"/>
+          <a:chExt cx="0" cy="0"/>
+        </a:xfrm>
+      </p:grpSpPr>
+      <p:sp>
+        <p:nvSpPr>
+          <p:cNvPr id="2" name="Title 1"/>
+          <p:cNvSpPr>
+            <a:spLocks noGrp="1"/>
+          </p:cNvSpPr>
+          <p:nvPr>
+            <p:ph type="title"/>
+          </p:nvPr>
+        </p:nvSpPr>
+        <p:spPr/>
+        <p:txBody>
+          <a:bodyPr/>
+          <a:lstStyle/>
+          <a:p>
+            <a:r>
+              <a:rPr lang="en-US" dirty="0" smtClean="0"/>
+              <a:t>Deduction &amp; Algebra</a:t>
+            </a:r>
+            <a:endParaRPr lang="en-US" dirty="0"/>
+          </a:p>
+        </p:txBody>
+      </p:sp>
+      <p:sp>
+        <p:nvSpPr>
+          <p:cNvPr id="3" name="Content Placeholder 2"/>
+          <p:cNvSpPr>
+            <a:spLocks noGrp="1"/>
+          </p:cNvSpPr>
+          <p:nvPr>
+            <p:ph idx="1"/>
+          </p:nvPr>
+        </p:nvSpPr>
+        <p:spPr>
+          <a:xfrm>
+            <a:off x="419567" y="1428871"/>
+            <a:ext cx="8323293" cy="4887633"/>
+          </a:xfrm>
+        </p:spPr>
+        <p:txBody>
+          <a:bodyPr/>
+          <a:lstStyle/>
+          <a:p>
+            <a:r>
+              <a:rPr lang="en-US" dirty="0" smtClean="0"/>
+              <a:t>Section 3.4 of the text &amp; </a:t>
+            </a:r>
+            <a:r>
+              <a:rPr lang="en-US" dirty="0" err="1" smtClean="0"/>
+              <a:t>MITx</a:t>
+            </a:r>
+            <a:r>
+              <a:rPr lang="en-US" dirty="0" smtClean="0"/>
+              <a:t> slides (optional this term) describe a complete proof system based on </a:t>
+            </a:r>
+          </a:p>
+          <a:p>
+            <a:r>
+              <a:rPr lang="en-US" dirty="0">
+                <a:solidFill>
+                  <a:schemeClr val="accent1">
+                    <a:lumMod val="50000"/>
+                  </a:schemeClr>
+                </a:solidFill>
+              </a:rPr>
+              <a:t> </a:t>
+            </a:r>
+            <a:r>
+              <a:rPr lang="en-US" dirty="0" smtClean="0">
+                <a:solidFill>
+                  <a:schemeClr val="accent1">
+                    <a:lumMod val="50000"/>
+                  </a:schemeClr>
+                </a:solidFill>
+              </a:rPr>
+              <a:t>  proving equivalences using algebra-style rules</a:t>
+            </a:r>
+            <a:endParaRPr lang="en-US" dirty="0" smtClean="0"/>
+          </a:p>
+          <a:p>
+            <a:r>
+              <a:rPr lang="en-US" dirty="0" err="1" smtClean="0"/>
+              <a:t>MITx</a:t>
+            </a:r>
+            <a:r>
+              <a:rPr lang="en-US" dirty="0" smtClean="0"/>
+              <a:t> slides “Propositional Logic”</a:t>
+            </a:r>
+          </a:p>
+          <a:p>
+            <a:r>
+              <a:rPr lang="en-US" dirty="0"/>
+              <a:t> </a:t>
+            </a:r>
+            <a:r>
+              <a:rPr lang="en-US" dirty="0" smtClean="0"/>
+              <a:t> (optional </a:t>
+            </a:r>
+            <a:r>
+              <a:rPr lang="en-US" dirty="0"/>
+              <a:t>Feb </a:t>
+            </a:r>
+            <a:r>
+              <a:rPr lang="en-US" dirty="0" smtClean="0"/>
+              <a:t>21) describe </a:t>
+            </a:r>
+            <a:r>
+              <a:rPr lang="en-US" dirty="0" smtClean="0">
+                <a:solidFill>
+                  <a:srgbClr val="BB0FAB"/>
+                </a:solidFill>
+              </a:rPr>
+              <a:t>modus ponens</a:t>
+            </a:r>
+            <a:r>
+              <a:rPr lang="en-US" dirty="0" smtClean="0"/>
+              <a:t> </a:t>
+            </a:r>
+            <a:r>
+              <a:rPr lang="en-US" dirty="0" smtClean="0">
+                <a:solidFill>
+                  <a:srgbClr val="0000E5"/>
+                </a:solidFill>
+              </a:rPr>
+              <a:t>based deduction system</a:t>
+            </a:r>
+            <a:endParaRPr lang="en-US" dirty="0">
+              <a:solidFill>
+                <a:srgbClr val="0000E5"/>
+              </a:solidFill>
+            </a:endParaRPr>
+          </a:p>
+        </p:txBody>
+      </p:sp>
+      <p:sp>
+        <p:nvSpPr>
+          <p:cNvPr id="4" name="Slide Number Placeholder 3"/>
+          <p:cNvSpPr>
+            <a:spLocks noGrp="1"/>
+          </p:cNvSpPr>
+          <p:nvPr>
+            <p:ph type="sldNum" sz="quarter" idx="10"/>
+          </p:nvPr>
+        </p:nvSpPr>
+        <p:spPr/>
+        <p:txBody>
+          <a:bodyPr/>
+          <a:lstStyle/>
+          <a:p>
+            <a:pPr>
+              <a:defRPr/>
+            </a:pPr>
+            <a:r>
+              <a:rPr lang="en-US" smtClean="0"/>
+              <a:t>sound.</a:t>
+            </a:r>
+            <a:fld id="{A528ADE2-B74F-4D9D-8D04-FB5D781EAB51}" type="slidenum">
+              <a:rPr lang="en-US" smtClean="0"/>
+              <a:pPr>
+                <a:defRPr/>
+              </a:pPr>
+              <a:t>25</a:t>
+            </a:fld>
+            <a:endParaRPr lang="en-US" dirty="0"/>
+          </a:p>
+        </p:txBody>
+      </p:sp>
+    </p:spTree>
+    <p:extLst>
+      <p:ext uri="{BB962C8B-B14F-4D97-AF65-F5344CB8AC3E}">
+        <p14:creationId xmlns:p14="http://schemas.microsoft.com/office/powerpoint/2010/main" val="898885485"/>
+      </p:ext>
+    </p:extLst>
+  </p:cSld>
+  <p:clrMapOvr>
+    <a:masterClrMapping/>
+  </p:clrMapOvr>
+  <mc:AlternateContent xmlns:mc="http://schemas.openxmlformats.org/markup-compatibility/2006">
+    <mc:Choice xmlns:p14="http://schemas.microsoft.com/office/powerpoint/2010/main" Requires="p14">
+      <p:transition spd="slow" p14:dur="1100" advClick="0">
+        <p:fade/>
+      </p:transition>
+    </mc:Choice>
+    <mc:Fallback>
+      <p:transition xmlns:p14="http://schemas.microsoft.com/office/powerpoint/2010/main" spd="slow" advClick="0">
+        <p:fade/>
+      </p:transition>
+    </mc:Fallback>
+  </mc:AlternateContent>
+  <p:timing>
+    <p:tnLst>
+      <p:par>
+        <p:cTn xmlns:p14="http://schemas.microsoft.com/office/powerpoint/2010/main" id="1" dur="indefinite" restart="never" nodeType="tmRoot">
+          <p:childTnLst>
+            <p:seq concurrent="1" nextAc="seek">
+              <p:cTn id="2" dur="indefinite" nodeType="mainSeq">
+                <p:childTnLst>
+                  <p:par>
+                    <p:cTn id="3" fill="hold">
+                      <p:stCondLst>
+                        <p:cond delay="indefinite"/>
+                        <p:cond evt="onBegin" delay="0">
+                          <p:tn val="2"/>
+                        </p:cond>
+                      </p:stCondLst>
+                      <p:childTnLst>
+                        <p:par>
+                          <p:cTn id="4" fill="hold">
+                            <p:stCondLst>
+                              <p:cond delay="0"/>
+                            </p:stCondLst>
+                            <p:childTnLst>
+                              <p:par>
+                                <p:cTn id="5" presetID="10" presetClass="entr" presetSubtype="0" fill="hold" nodeType="afterEffect">
+                                  <p:stCondLst>
+                                    <p:cond delay="0"/>
+                                  </p:stCondLst>
+                                  <p:childTnLst>
+                                    <p:set>
+                                      <p:cBhvr>
+                                        <p:cTn id="6" dur="1" fill="hold">
+                                          <p:stCondLst>
+                                            <p:cond delay="0"/>
+                                          </p:stCondLst>
+                                        </p:cTn>
+                                        <p:tgtEl>
+                                          <p:spTgt spid="3">
+                                            <p:txEl>
+                                              <p:pRg st="0" end="0"/>
+                                            </p:txEl>
+                                          </p:spTgt>
+                                        </p:tgtEl>
+                                        <p:attrNameLst>
+                                          <p:attrName>style.visibility</p:attrName>
+                                        </p:attrNameLst>
+                                      </p:cBhvr>
+                                      <p:to>
+                                        <p:strVal val="visible"/>
+                                      </p:to>
+                                    </p:set>
+                                    <p:animEffect transition="in" filter="fade">
+                                      <p:cBhvr>
+                                        <p:cTn id="7" dur="500"/>
+                                        <p:tgtEl>
+                                          <p:spTgt spid="3">
+                                            <p:txEl>
+                                              <p:pRg st="0" end="0"/>
+                                            </p:txEl>
+                                          </p:spTgt>
+                                        </p:tgtEl>
+                                      </p:cBhvr>
+                                    </p:animEffect>
+                                  </p:childTnLst>
+                                </p:cTn>
+                              </p:par>
+                            </p:childTnLst>
+                          </p:cTn>
+                        </p:par>
+                      </p:childTnLst>
+                    </p:cTn>
+                  </p:par>
+                  <p:par>
+                    <p:cTn id="8" fill="hold">
+                      <p:stCondLst>
+                        <p:cond delay="indefinite"/>
+                      </p:stCondLst>
+                      <p:childTnLst>
+                        <p:par>
+                          <p:cTn id="9" fill="hold">
+                            <p:stCondLst>
+                              <p:cond delay="0"/>
+                            </p:stCondLst>
+                            <p:childTnLst>
+                              <p:par>
+                                <p:cTn id="10" presetID="10" presetClass="entr" presetSubtype="0" fill="hold" nodeType="clickEffect">
+                                  <p:stCondLst>
+                                    <p:cond delay="0"/>
+                                  </p:stCondLst>
+                                  <p:childTnLst>
+                                    <p:set>
+                                      <p:cBhvr>
+                                        <p:cTn id="11" dur="1" fill="hold">
+                                          <p:stCondLst>
+                                            <p:cond delay="0"/>
+                                          </p:stCondLst>
+                                        </p:cTn>
+                                        <p:tgtEl>
+                                          <p:spTgt spid="3">
+                                            <p:txEl>
+                                              <p:pRg st="1" end="1"/>
+                                            </p:txEl>
+                                          </p:spTgt>
+                                        </p:tgtEl>
+                                        <p:attrNameLst>
+                                          <p:attrName>style.visibility</p:attrName>
+                                        </p:attrNameLst>
+                                      </p:cBhvr>
+                                      <p:to>
+                                        <p:strVal val="visible"/>
+                                      </p:to>
+                                    </p:set>
+                                    <p:animEffect transition="in" filter="fade">
+                                      <p:cBhvr>
+                                        <p:cTn id="12" dur="500"/>
+                                        <p:tgtEl>
+                                          <p:spTgt spid="3">
+                                            <p:txEl>
+                                              <p:pRg st="1" end="1"/>
+                                            </p:txEl>
+                                          </p:spTgt>
+                                        </p:tgtEl>
+                                      </p:cBhvr>
+                                    </p:animEffect>
+                                  </p:childTnLst>
+                                </p:cTn>
+                              </p:par>
+                            </p:childTnLst>
+                          </p:cTn>
+                        </p:par>
+                      </p:childTnLst>
+                    </p:cTn>
+                  </p:par>
+                  <p:par>
+                    <p:cTn id="13" fill="hold">
+                      <p:stCondLst>
+                        <p:cond delay="indefinite"/>
+                      </p:stCondLst>
+                      <p:childTnLst>
+                        <p:par>
+                          <p:cTn id="14" fill="hold">
+                            <p:stCondLst>
+                              <p:cond delay="0"/>
+                            </p:stCondLst>
+                            <p:childTnLst>
+                              <p:par>
+                                <p:cTn id="15" presetID="10" presetClass="entr" presetSubtype="0" fill="hold" nodeType="clickEffect">
+                                  <p:stCondLst>
+                                    <p:cond delay="0"/>
+                                  </p:stCondLst>
+                                  <p:childTnLst>
+                                    <p:set>
+                                      <p:cBhvr>
+                                        <p:cTn id="16" dur="1" fill="hold">
+                                          <p:stCondLst>
+                                            <p:cond delay="0"/>
+                                          </p:stCondLst>
+                                        </p:cTn>
+                                        <p:tgtEl>
+                                          <p:spTgt spid="3">
+                                            <p:txEl>
+                                              <p:pRg st="2" end="2"/>
+                                            </p:txEl>
+                                          </p:spTgt>
+                                        </p:tgtEl>
+                                        <p:attrNameLst>
+                                          <p:attrName>style.visibility</p:attrName>
+                                        </p:attrNameLst>
+                                      </p:cBhvr>
+                                      <p:to>
+                                        <p:strVal val="visible"/>
+                                      </p:to>
+                                    </p:set>
+                                    <p:animEffect transition="in" filter="fade">
+                                      <p:cBhvr>
+                                        <p:cTn id="17" dur="500"/>
+                                        <p:tgtEl>
+                                          <p:spTgt spid="3">
+                                            <p:txEl>
+                                              <p:pRg st="2" end="2"/>
+                                            </p:txEl>
+                                          </p:spTgt>
+                                        </p:tgtEl>
+                                      </p:cBhvr>
+                                    </p:animEffect>
+                                  </p:childTnLst>
+                                </p:cTn>
+                              </p:par>
+                              <p:par>
+                                <p:cTn id="18" presetID="10" presetClass="entr" presetSubtype="0" fill="hold" nodeType="withEffect">
+                                  <p:stCondLst>
+                                    <p:cond delay="0"/>
+                                  </p:stCondLst>
+                                  <p:childTnLst>
+                                    <p:set>
+                                      <p:cBhvr>
+                                        <p:cTn id="19" dur="1" fill="hold">
+                                          <p:stCondLst>
+                                            <p:cond delay="0"/>
+                                          </p:stCondLst>
+                                        </p:cTn>
+                                        <p:tgtEl>
+                                          <p:spTgt spid="3">
+                                            <p:txEl>
+                                              <p:pRg st="3" end="3"/>
+                                            </p:txEl>
+                                          </p:spTgt>
+                                        </p:tgtEl>
+                                        <p:attrNameLst>
+                                          <p:attrName>style.visibility</p:attrName>
+                                        </p:attrNameLst>
+                                      </p:cBhvr>
+                                      <p:to>
+                                        <p:strVal val="visible"/>
+                                      </p:to>
+                                    </p:set>
+                                    <p:animEffect transition="in" filter="fade">
+                                      <p:cBhvr>
+                                        <p:cTn id="20" dur="500"/>
+                                        <p:tgtEl>
+                                          <p:spTgt spid="3">
+                                            <p:txEl>
+                                              <p:pRg st="3" end="3"/>
+                                            </p:txEl>
+                                          </p:spTgt>
+                                        </p:tgtEl>
+                                      </p:cBhvr>
+                                    </p:animEffect>
+                                  </p:childTnLst>
+                                </p:cTn>
+                              </p:par>
+                            </p:childTnLst>
+                          </p:cTn>
+                        </p:par>
+                      </p:childTnLst>
+                    </p:cTn>
+                  </p:par>
+                </p:childTnLst>
+              </p:cTn>
+              <p:prevCondLst>
+                <p:cond evt="onPrev" delay="0">
+                  <p:tgtEl>
+                    <p:sldTgt/>
+                  </p:tgtEl>
+                </p:cond>
+              </p:prevCondLst>
+              <p:nextCondLst>
+                <p:cond evt="onNext" delay="0">
+                  <p:tgtEl>
+                    <p:sldTgt/>
+                  </p:tgtEl>
+                </p:cond>
+              </p:nextCondLst>
+            </p:seq>
+          </p:childTnLst>
+        </p:cTn>
+      </p:par>
+    </p:tnLst>
+  </p:timing>
+</p:sld>
+</file>
+
+<file path=ppt/slides/slide26.xml><?xml version="1.0" encoding="utf-8"?>
 <p:sld xmlns:a="http://schemas.openxmlformats.org/drawingml/2006/main" xmlns:r="http://schemas.openxmlformats.org/officeDocument/2006/relationships" xmlns:p="http://schemas.openxmlformats.org/presentationml/2006/main" show="0">
   <p:cSld>
     <p:spTree>
@@ -11939,7 +12482,7 @@
               <a:pPr>
                 <a:defRPr/>
               </a:pPr>
-              <a:t>25</a:t>
+              <a:t>26</a:t>
             </a:fld>
             <a:endParaRPr lang="en-US" dirty="0"/>
           </a:p>
@@ -12265,7 +12808,7 @@
 </p:sld>
 </file>
 
-<file path=ppt/slides/slide26.xml><?xml version="1.0" encoding="utf-8"?>
+<file path=ppt/slides/slide27.xml><?xml version="1.0" encoding="utf-8"?>
 <p:sld xmlns:a="http://schemas.openxmlformats.org/drawingml/2006/main" xmlns:r="http://schemas.openxmlformats.org/officeDocument/2006/relationships" xmlns:p="http://schemas.openxmlformats.org/presentationml/2006/main" show="0">
   <p:cSld>
     <p:spTree>
@@ -12547,7 +13090,7 @@
               <a:pPr>
                 <a:defRPr/>
               </a:pPr>
-              <a:t>26</a:t>
+              <a:t>27</a:t>
             </a:fld>
             <a:endParaRPr lang="en-US" dirty="0"/>
           </a:p>
@@ -12837,7 +13380,7 @@
 </p:sld>
 </file>
 
-<file path=ppt/slides/slide27.xml><?xml version="1.0" encoding="utf-8"?>
+<file path=ppt/slides/slide28.xml><?xml version="1.0" encoding="utf-8"?>
 <p:sld xmlns:a="http://schemas.openxmlformats.org/drawingml/2006/main" xmlns:r="http://schemas.openxmlformats.org/officeDocument/2006/relationships" xmlns:p="http://schemas.openxmlformats.org/presentationml/2006/main" show="0">
   <p:cSld>
     <p:spTree>
@@ -13080,7 +13623,7 @@
             <a:fld id="{3251DA95-B240-47FE-901D-B78FC8E8E532}" type="slidenum">
               <a:rPr lang="en-US" smtClean="0"/>
               <a:pPr/>
-              <a:t>27</a:t>
+              <a:t>28</a:t>
             </a:fld>
             <a:endParaRPr lang="en-US" dirty="0"/>
           </a:p>
@@ -13118,7 +13661,7 @@
 </p:sld>
 </file>
 
-<file path=ppt/slides/slide28.xml><?xml version="1.0" encoding="utf-8"?>
+<file path=ppt/slides/slide29.xml><?xml version="1.0" encoding="utf-8"?>
 <p:sld xmlns:a="http://schemas.openxmlformats.org/drawingml/2006/main" xmlns:r="http://schemas.openxmlformats.org/officeDocument/2006/relationships" xmlns:p="http://schemas.openxmlformats.org/presentationml/2006/main" show="0">
   <p:cSld>
     <p:spTree>
@@ -13235,7 +13778,7 @@
               <a:pPr>
                 <a:defRPr/>
               </a:pPr>
-              <a:t>28</a:t>
+              <a:t>29</a:t>
             </a:fld>
             <a:endParaRPr lang="en-US" dirty="0"/>
           </a:p>
@@ -13436,211 +13979,6 @@
 </p:sld>
 </file>
 
-<file path=ppt/slides/slide29.xml><?xml version="1.0" encoding="utf-8"?>
-<p:sld xmlns:a="http://schemas.openxmlformats.org/drawingml/2006/main" xmlns:r="http://schemas.openxmlformats.org/officeDocument/2006/relationships" xmlns:p="http://schemas.openxmlformats.org/presentationml/2006/main" show="0">
-  <p:cSld>
-    <p:spTree>
-      <p:nvGrpSpPr>
-        <p:cNvPr id="1" name=""/>
-        <p:cNvGrpSpPr/>
-        <p:nvPr/>
-      </p:nvGrpSpPr>
-      <p:grpSpPr>
-        <a:xfrm>
-          <a:off x="0" y="0"/>
-          <a:ext cx="0" cy="0"/>
-          <a:chOff x="0" y="0"/>
-          <a:chExt cx="0" cy="0"/>
-        </a:xfrm>
-      </p:grpSpPr>
-      <p:sp>
-        <p:nvSpPr>
-          <p:cNvPr id="3" name="Content Placeholder 2"/>
-          <p:cNvSpPr>
-            <a:spLocks noGrp="1"/>
-          </p:cNvSpPr>
-          <p:nvPr>
-            <p:ph idx="1"/>
-          </p:nvPr>
-        </p:nvSpPr>
-        <p:spPr>
-          <a:xfrm>
-            <a:off x="167924" y="1647914"/>
-            <a:ext cx="8868500" cy="4104042"/>
-          </a:xfrm>
-        </p:spPr>
-        <p:txBody>
-          <a:bodyPr/>
-          <a:lstStyle/>
-          <a:p>
-            <a:r>
-              <a:rPr lang="en-US" sz="4800" dirty="0" smtClean="0"/>
-              <a:t>If rules are strongly sound,</a:t>
-            </a:r>
-          </a:p>
-          <a:p>
-            <a:r>
-              <a:rPr lang="en-US" sz="4800" dirty="0" smtClean="0"/>
-              <a:t>and axioms </a:t>
-            </a:r>
-            <a:r>
-              <a:rPr lang="en-US" sz="4800" dirty="0"/>
-              <a:t>are </a:t>
-            </a:r>
-            <a:r>
-              <a:rPr lang="en-US" sz="4800" dirty="0">
-                <a:solidFill>
-                  <a:srgbClr val="006600"/>
-                </a:solidFill>
-              </a:rPr>
-              <a:t>true</a:t>
-            </a:r>
-            <a:r>
-              <a:rPr lang="en-US" sz="4800" dirty="0"/>
-              <a:t> in some </a:t>
-            </a:r>
-          </a:p>
-          <a:p>
-            <a:r>
-              <a:rPr lang="en-US" sz="4800" dirty="0" smtClean="0"/>
-              <a:t>environment, then the proof</a:t>
-            </a:r>
-            <a:endParaRPr lang="en-US" sz="4800" dirty="0"/>
-          </a:p>
-          <a:p>
-            <a:r>
-              <a:rPr lang="en-US" sz="4800" dirty="0"/>
-              <a:t>conclusion is </a:t>
-            </a:r>
-            <a:r>
-              <a:rPr lang="en-US" sz="4800" dirty="0" smtClean="0">
-                <a:solidFill>
-                  <a:srgbClr val="006600"/>
-                </a:solidFill>
-              </a:rPr>
-              <a:t>true</a:t>
-            </a:r>
-            <a:r>
-              <a:rPr lang="en-US" sz="4800" dirty="0" smtClean="0"/>
-              <a:t> in that </a:t>
-            </a:r>
-            <a:r>
-              <a:rPr lang="en-US" sz="4800" dirty="0" err="1" smtClean="0"/>
-              <a:t>env</a:t>
-            </a:r>
-            <a:endParaRPr lang="en-US" sz="4800" dirty="0"/>
-          </a:p>
-          <a:p>
-            <a:endParaRPr lang="en-US" sz="4800" dirty="0"/>
-          </a:p>
-        </p:txBody>
-      </p:sp>
-      <p:sp>
-        <p:nvSpPr>
-          <p:cNvPr id="4" name="Slide Number Placeholder 3"/>
-          <p:cNvSpPr>
-            <a:spLocks noGrp="1"/>
-          </p:cNvSpPr>
-          <p:nvPr>
-            <p:ph type="sldNum" sz="quarter" idx="10"/>
-          </p:nvPr>
-        </p:nvSpPr>
-        <p:spPr>
-          <a:xfrm>
-            <a:off x="8420278" y="6553200"/>
-            <a:ext cx="723726" cy="276999"/>
-          </a:xfrm>
-        </p:spPr>
-        <p:txBody>
-          <a:bodyPr/>
-          <a:lstStyle/>
-          <a:p>
-            <a:pPr>
-              <a:defRPr/>
-            </a:pPr>
-            <a:r>
-              <a:rPr lang="en-US" dirty="0" smtClean="0"/>
-              <a:t>sound.</a:t>
-            </a:r>
-            <a:fld id="{A528ADE2-B74F-4D9D-8D04-FB5D781EAB51}" type="slidenum">
-              <a:rPr lang="en-US" smtClean="0"/>
-              <a:pPr>
-                <a:defRPr/>
-              </a:pPr>
-              <a:t>29</a:t>
-            </a:fld>
-            <a:endParaRPr lang="en-US" dirty="0"/>
-          </a:p>
-        </p:txBody>
-      </p:sp>
-      <p:sp>
-        <p:nvSpPr>
-          <p:cNvPr id="7" name="Title 12"/>
-          <p:cNvSpPr>
-            <a:spLocks noGrp="1"/>
-          </p:cNvSpPr>
-          <p:nvPr>
-            <p:ph type="title"/>
-          </p:nvPr>
-        </p:nvSpPr>
-        <p:spPr>
-          <a:xfrm>
-            <a:off x="1700233" y="252320"/>
-            <a:ext cx="6681767" cy="1248648"/>
-          </a:xfrm>
-        </p:spPr>
-        <p:txBody>
-          <a:bodyPr/>
-          <a:lstStyle/>
-          <a:p>
-            <a:r>
-              <a:rPr lang="en-US" sz="4600" dirty="0" smtClean="0">
-                <a:solidFill>
-                  <a:srgbClr val="006600"/>
-                </a:solidFill>
-              </a:rPr>
-              <a:t>Strongly Sound</a:t>
-            </a:r>
-            <a:r>
-              <a:rPr lang="en-US" sz="4600" dirty="0" smtClean="0"/>
-              <a:t> Proofs</a:t>
-            </a:r>
-            <a:endParaRPr lang="en-US" sz="4600" dirty="0"/>
-          </a:p>
-        </p:txBody>
-      </p:sp>
-    </p:spTree>
-    <p:extLst>
-      <p:ext uri="{BB962C8B-B14F-4D97-AF65-F5344CB8AC3E}">
-        <p14:creationId xmlns:p14="http://schemas.microsoft.com/office/powerpoint/2010/main" val="2838872434"/>
-      </p:ext>
-    </p:extLst>
-  </p:cSld>
-  <p:clrMapOvr>
-    <a:masterClrMapping/>
-  </p:clrMapOvr>
-  <mc:AlternateContent xmlns:mc="http://schemas.openxmlformats.org/markup-compatibility/2006">
-    <mc:Choice xmlns:p14="http://schemas.microsoft.com/office/powerpoint/2010/main" Requires="p14">
-      <p:transition spd="slow" p14:dur="1200" advClick="0">
-        <p:fade thruBlk="1"/>
-      </p:transition>
-    </mc:Choice>
-    <mc:Fallback>
-      <p:transition xmlns:p14="http://schemas.microsoft.com/office/powerpoint/2010/main" spd="slow" advClick="0">
-        <p:fade thruBlk="1"/>
-      </p:transition>
-    </mc:Fallback>
-  </mc:AlternateContent>
-  <p:timing>
-    <p:tnLst>
-      <p:par>
-        <p:cTn xmlns:p14="http://schemas.microsoft.com/office/powerpoint/2010/main" id="1" dur="indefinite" restart="never" nodeType="tmRoot"/>
-      </p:par>
-    </p:tnLst>
-  </p:timing>
-</p:sld>
-</file>
-
 <file path=ppt/slides/slide3.xml><?xml version="1.0" encoding="utf-8"?>
 <p:sld xmlns:a="http://schemas.openxmlformats.org/drawingml/2006/main" xmlns:r="http://schemas.openxmlformats.org/officeDocument/2006/relationships" xmlns:p="http://schemas.openxmlformats.org/presentationml/2006/main">
   <p:cSld>
@@ -13857,8 +14195,8 @@
         </p:nvSpPr>
         <p:spPr>
           <a:xfrm>
-            <a:off x="327644" y="1619732"/>
-            <a:ext cx="8708780" cy="4132224"/>
+            <a:off x="167924" y="1647914"/>
+            <a:ext cx="8868500" cy="4104042"/>
           </a:xfrm>
         </p:spPr>
         <p:txBody>
@@ -13866,11 +14204,21 @@
           <a:lstStyle/>
           <a:p>
             <a:r>
-              <a:rPr lang="en-US" sz="5400" dirty="0" smtClean="0"/>
-              <a:t>If axioms are </a:t>
-            </a:r>
-            <a:r>
-              <a:rPr lang="en-US" sz="5400" dirty="0" smtClean="0">
+              <a:rPr lang="en-US" sz="4800" dirty="0" smtClean="0"/>
+              <a:t>If rules are strongly sound,</a:t>
+            </a:r>
+          </a:p>
+          <a:p>
+            <a:r>
+              <a:rPr lang="en-US" sz="4800" dirty="0" smtClean="0"/>
+              <a:t>and axioms </a:t>
+            </a:r>
+            <a:r>
+              <a:rPr lang="en-US" sz="4800" dirty="0"/>
+              <a:t>are </a:t>
+            </a:r>
+            <a:r>
+              <a:rPr lang="en-US" sz="4800" dirty="0">
                 <a:solidFill>
                   <a:srgbClr val="006600"/>
                 </a:solidFill>
@@ -13878,29 +14226,24 @@
               <a:t>true</a:t>
             </a:r>
             <a:r>
-              <a:rPr lang="en-US" sz="5400" dirty="0" smtClean="0"/>
+              <a:rPr lang="en-US" sz="4800" dirty="0"/>
               <a:t> in some </a:t>
             </a:r>
           </a:p>
           <a:p>
             <a:r>
-              <a:rPr lang="en-US" sz="5400" dirty="0" smtClean="0"/>
-              <a:t>environment, and rules are </a:t>
-            </a:r>
-          </a:p>
-          <a:p>
-            <a:r>
-              <a:rPr lang="en-US" sz="5400" dirty="0" smtClean="0"/>
-              <a:t>strongly sound, then </a:t>
-            </a:r>
-          </a:p>
-          <a:p>
-            <a:r>
-              <a:rPr lang="en-US" sz="5400" dirty="0" smtClean="0"/>
+              <a:rPr lang="en-US" sz="4800" dirty="0" smtClean="0"/>
+              <a:t>environment, then the proof</a:t>
+            </a:r>
+            <a:endParaRPr lang="en-US" sz="4800" dirty="0"/>
+          </a:p>
+          <a:p>
+            <a:r>
+              <a:rPr lang="en-US" sz="4800" dirty="0"/>
               <a:t>conclusion is </a:t>
             </a:r>
             <a:r>
-              <a:rPr lang="en-US" sz="5400" dirty="0" smtClean="0">
+              <a:rPr lang="en-US" sz="4800" dirty="0" smtClean="0">
                 <a:solidFill>
                   <a:srgbClr val="006600"/>
                 </a:solidFill>
@@ -13908,10 +14251,17 @@
               <a:t>true</a:t>
             </a:r>
             <a:r>
-              <a:rPr lang="en-US" sz="5400" dirty="0" smtClean="0"/>
-              <a:t>.</a:t>
-            </a:r>
-            <a:endParaRPr lang="en-US" sz="5400" dirty="0"/>
+              <a:rPr lang="en-US" sz="4800" dirty="0" smtClean="0"/>
+              <a:t> in that </a:t>
+            </a:r>
+            <a:r>
+              <a:rPr lang="en-US" sz="4800" dirty="0" err="1" smtClean="0"/>
+              <a:t>env</a:t>
+            </a:r>
+            <a:endParaRPr lang="en-US" sz="4800" dirty="0"/>
+          </a:p>
+          <a:p>
+            <a:endParaRPr lang="en-US" sz="4800" dirty="0"/>
           </a:p>
         </p:txBody>
       </p:sp>
@@ -13948,6 +14298,199 @@
                 <a:defRPr/>
               </a:pPr>
               <a:t>30</a:t>
+            </a:fld>
+            <a:endParaRPr lang="en-US" dirty="0"/>
+          </a:p>
+        </p:txBody>
+      </p:sp>
+      <p:sp>
+        <p:nvSpPr>
+          <p:cNvPr id="7" name="Title 12"/>
+          <p:cNvSpPr>
+            <a:spLocks noGrp="1"/>
+          </p:cNvSpPr>
+          <p:nvPr>
+            <p:ph type="title"/>
+          </p:nvPr>
+        </p:nvSpPr>
+        <p:spPr>
+          <a:xfrm>
+            <a:off x="1700233" y="252320"/>
+            <a:ext cx="6681767" cy="1248648"/>
+          </a:xfrm>
+        </p:spPr>
+        <p:txBody>
+          <a:bodyPr/>
+          <a:lstStyle/>
+          <a:p>
+            <a:r>
+              <a:rPr lang="en-US" sz="4600" dirty="0" smtClean="0">
+                <a:solidFill>
+                  <a:srgbClr val="006600"/>
+                </a:solidFill>
+              </a:rPr>
+              <a:t>Strongly Sound</a:t>
+            </a:r>
+            <a:r>
+              <a:rPr lang="en-US" sz="4600" dirty="0" smtClean="0"/>
+              <a:t> Proofs</a:t>
+            </a:r>
+            <a:endParaRPr lang="en-US" sz="4600" dirty="0"/>
+          </a:p>
+        </p:txBody>
+      </p:sp>
+    </p:spTree>
+    <p:extLst>
+      <p:ext uri="{BB962C8B-B14F-4D97-AF65-F5344CB8AC3E}">
+        <p14:creationId xmlns:p14="http://schemas.microsoft.com/office/powerpoint/2010/main" val="2838872434"/>
+      </p:ext>
+    </p:extLst>
+  </p:cSld>
+  <p:clrMapOvr>
+    <a:masterClrMapping/>
+  </p:clrMapOvr>
+  <mc:AlternateContent xmlns:mc="http://schemas.openxmlformats.org/markup-compatibility/2006">
+    <mc:Choice xmlns:p14="http://schemas.microsoft.com/office/powerpoint/2010/main" Requires="p14">
+      <p:transition spd="slow" p14:dur="1200" advClick="0">
+        <p:fade thruBlk="1"/>
+      </p:transition>
+    </mc:Choice>
+    <mc:Fallback>
+      <p:transition xmlns:p14="http://schemas.microsoft.com/office/powerpoint/2010/main" spd="slow" advClick="0">
+        <p:fade thruBlk="1"/>
+      </p:transition>
+    </mc:Fallback>
+  </mc:AlternateContent>
+  <p:timing>
+    <p:tnLst>
+      <p:par>
+        <p:cTn xmlns:p14="http://schemas.microsoft.com/office/powerpoint/2010/main" id="1" dur="indefinite" restart="never" nodeType="tmRoot"/>
+      </p:par>
+    </p:tnLst>
+  </p:timing>
+</p:sld>
+</file>
+
+<file path=ppt/slides/slide31.xml><?xml version="1.0" encoding="utf-8"?>
+<p:sld xmlns:a="http://schemas.openxmlformats.org/drawingml/2006/main" xmlns:r="http://schemas.openxmlformats.org/officeDocument/2006/relationships" xmlns:p="http://schemas.openxmlformats.org/presentationml/2006/main" show="0">
+  <p:cSld>
+    <p:spTree>
+      <p:nvGrpSpPr>
+        <p:cNvPr id="1" name=""/>
+        <p:cNvGrpSpPr/>
+        <p:nvPr/>
+      </p:nvGrpSpPr>
+      <p:grpSpPr>
+        <a:xfrm>
+          <a:off x="0" y="0"/>
+          <a:ext cx="0" cy="0"/>
+          <a:chOff x="0" y="0"/>
+          <a:chExt cx="0" cy="0"/>
+        </a:xfrm>
+      </p:grpSpPr>
+      <p:sp>
+        <p:nvSpPr>
+          <p:cNvPr id="3" name="Content Placeholder 2"/>
+          <p:cNvSpPr>
+            <a:spLocks noGrp="1"/>
+          </p:cNvSpPr>
+          <p:nvPr>
+            <p:ph idx="1"/>
+          </p:nvPr>
+        </p:nvSpPr>
+        <p:spPr>
+          <a:xfrm>
+            <a:off x="327644" y="1619732"/>
+            <a:ext cx="8708780" cy="4132224"/>
+          </a:xfrm>
+        </p:spPr>
+        <p:txBody>
+          <a:bodyPr/>
+          <a:lstStyle/>
+          <a:p>
+            <a:r>
+              <a:rPr lang="en-US" sz="5400" dirty="0" smtClean="0"/>
+              <a:t>If axioms are </a:t>
+            </a:r>
+            <a:r>
+              <a:rPr lang="en-US" sz="5400" dirty="0" smtClean="0">
+                <a:solidFill>
+                  <a:srgbClr val="006600"/>
+                </a:solidFill>
+              </a:rPr>
+              <a:t>true</a:t>
+            </a:r>
+            <a:r>
+              <a:rPr lang="en-US" sz="5400" dirty="0" smtClean="0"/>
+              <a:t> in some </a:t>
+            </a:r>
+          </a:p>
+          <a:p>
+            <a:r>
+              <a:rPr lang="en-US" sz="5400" dirty="0" smtClean="0"/>
+              <a:t>environment, and rules are </a:t>
+            </a:r>
+          </a:p>
+          <a:p>
+            <a:r>
+              <a:rPr lang="en-US" sz="5400" dirty="0" smtClean="0"/>
+              <a:t>strongly sound, then </a:t>
+            </a:r>
+          </a:p>
+          <a:p>
+            <a:r>
+              <a:rPr lang="en-US" sz="5400" dirty="0" smtClean="0"/>
+              <a:t>conclusion is </a:t>
+            </a:r>
+            <a:r>
+              <a:rPr lang="en-US" sz="5400" dirty="0" smtClean="0">
+                <a:solidFill>
+                  <a:srgbClr val="006600"/>
+                </a:solidFill>
+              </a:rPr>
+              <a:t>true</a:t>
+            </a:r>
+            <a:r>
+              <a:rPr lang="en-US" sz="5400" dirty="0" smtClean="0"/>
+              <a:t>.</a:t>
+            </a:r>
+            <a:endParaRPr lang="en-US" sz="5400" dirty="0"/>
+          </a:p>
+        </p:txBody>
+      </p:sp>
+      <p:sp>
+        <p:nvSpPr>
+          <p:cNvPr id="4" name="Slide Number Placeholder 3"/>
+          <p:cNvSpPr>
+            <a:spLocks noGrp="1"/>
+          </p:cNvSpPr>
+          <p:nvPr>
+            <p:ph type="sldNum" sz="quarter" idx="10"/>
+          </p:nvPr>
+        </p:nvSpPr>
+        <p:spPr>
+          <a:xfrm>
+            <a:off x="8420278" y="6553200"/>
+            <a:ext cx="723726" cy="276999"/>
+          </a:xfrm>
+        </p:spPr>
+        <p:txBody>
+          <a:bodyPr/>
+          <a:lstStyle/>
+          <a:p>
+            <a:pPr>
+              <a:defRPr/>
+            </a:pPr>
+            <a:r>
+              <a:rPr lang="en-US" dirty="0" smtClean="0"/>
+              <a:t>sound.</a:t>
+            </a:r>
+            <a:fld id="{A528ADE2-B74F-4D9D-8D04-FB5D781EAB51}" type="slidenum">
+              <a:rPr lang="en-US" smtClean="0"/>
+              <a:pPr>
+                <a:defRPr/>
+              </a:pPr>
+              <a:t>31</a:t>
             </a:fld>
             <a:endParaRPr lang="en-US" dirty="0"/>
           </a:p>
@@ -14108,7 +14651,7 @@
 </p:sld>
 </file>
 
-<file path=ppt/slides/slide31.xml><?xml version="1.0" encoding="utf-8"?>
+<file path=ppt/slides/slide32.xml><?xml version="1.0" encoding="utf-8"?>
 <p:sld xmlns:a="http://schemas.openxmlformats.org/drawingml/2006/main" xmlns:r="http://schemas.openxmlformats.org/officeDocument/2006/relationships" xmlns:p="http://schemas.openxmlformats.org/presentationml/2006/main" show="0">
   <p:cSld>
     <p:spTree>
@@ -14188,7 +14731,7 @@
               <a:pPr>
                 <a:defRPr/>
               </a:pPr>
-              <a:t>31</a:t>
+              <a:t>32</a:t>
             </a:fld>
             <a:endParaRPr lang="en-US" dirty="0"/>
           </a:p>
@@ -14440,7 +14983,7 @@
 </p:sld>
 </file>
 
-<file path=ppt/slides/slide32.xml><?xml version="1.0" encoding="utf-8"?>
+<file path=ppt/slides/slide33.xml><?xml version="1.0" encoding="utf-8"?>
 <p:sld xmlns:a="http://schemas.openxmlformats.org/drawingml/2006/main" xmlns:r="http://schemas.openxmlformats.org/officeDocument/2006/relationships" xmlns:p="http://schemas.openxmlformats.org/presentationml/2006/main">
   <p:cSld>
     <p:spTree>
@@ -14497,8 +15040,8 @@
         </p:nvSpPr>
         <p:spPr>
           <a:xfrm>
-            <a:off x="650634" y="1601332"/>
-            <a:ext cx="7704821" cy="3785652"/>
+            <a:off x="340196" y="1360828"/>
+            <a:ext cx="8742860" cy="4365986"/>
           </a:xfrm>
           <a:prstGeom prst="rect">
             <a:avLst/>
@@ -14513,7 +15056,7 @@
           <a:p>
             <a:pPr algn="l"/>
             <a:r>
-              <a:rPr lang="en-US" sz="4800" dirty="0" smtClean="0">
+              <a:rPr lang="en-US" sz="5400" dirty="0" smtClean="0">
                 <a:latin typeface="Comic Sans MS" pitchFamily="66" charset="0"/>
               </a:rPr>
               <a:t>Known proof systems</a:t>
@@ -14522,7 +15065,7 @@
           <a:p>
             <a:pPr algn="l"/>
             <a:r>
-              <a:rPr lang="en-US" sz="4800" dirty="0" smtClean="0">
+              <a:rPr lang="en-US" sz="5400" dirty="0" smtClean="0">
                 <a:solidFill>
                   <a:schemeClr val="accent1">
                     <a:lumMod val="50000"/>
@@ -14533,7 +15076,7 @@
               <a:t>in general</a:t>
             </a:r>
             <a:r>
-              <a:rPr lang="en-US" sz="4800" dirty="0" smtClean="0">
+              <a:rPr lang="en-US" sz="5400" dirty="0" smtClean="0">
                 <a:latin typeface="Comic Sans MS" pitchFamily="66" charset="0"/>
               </a:rPr>
               <a:t> are no better than truth tables. </a:t>
@@ -14542,13 +15085,13 @@
           <a:p>
             <a:pPr algn="l"/>
             <a:r>
-              <a:rPr lang="en-US" sz="4800" dirty="0" smtClean="0">
+              <a:rPr lang="en-US" sz="5400" dirty="0" smtClean="0">
                 <a:latin typeface="Comic Sans MS" pitchFamily="66" charset="0"/>
               </a:rPr>
               <a:t>No </a:t>
             </a:r>
             <a:r>
-              <a:rPr lang="en-US" sz="4800" dirty="0" smtClean="0">
+              <a:rPr lang="en-US" sz="5400" dirty="0" smtClean="0">
                 <a:solidFill>
                   <a:schemeClr val="accent1">
                     <a:lumMod val="50000"/>
@@ -14559,7 +15102,7 @@
               <a:t>efficient method</a:t>
             </a:r>
             <a:r>
-              <a:rPr lang="en-US" sz="4800" dirty="0" smtClean="0">
+              <a:rPr lang="en-US" sz="5400" dirty="0" smtClean="0">
                 <a:latin typeface="Comic Sans MS" pitchFamily="66" charset="0"/>
               </a:rPr>
               <a:t> for</a:t>
@@ -14568,13 +15111,13 @@
           <a:p>
             <a:pPr algn="l"/>
             <a:r>
-              <a:rPr lang="en-US" sz="4800" dirty="0" smtClean="0">
+              <a:rPr lang="en-US" sz="5400" dirty="0" smtClean="0">
                 <a:latin typeface="Comic Sans MS" pitchFamily="66" charset="0"/>
               </a:rPr>
               <a:t>verifying </a:t>
             </a:r>
             <a:r>
-              <a:rPr lang="en-US" sz="4800" dirty="0" smtClean="0">
+              <a:rPr lang="en-US" sz="5400" dirty="0" smtClean="0">
                 <a:solidFill>
                   <a:srgbClr val="BB0FAB"/>
                 </a:solidFill>
@@ -14583,12 +15126,12 @@
               <a:t>validity</a:t>
             </a:r>
             <a:r>
-              <a:rPr lang="en-US" sz="4800" dirty="0" smtClean="0">
+              <a:rPr lang="en-US" sz="5400" dirty="0" smtClean="0">
                 <a:latin typeface="Comic Sans MS" pitchFamily="66" charset="0"/>
               </a:rPr>
               <a:t> is known.</a:t>
             </a:r>
-            <a:endParaRPr lang="en-US" sz="4800" dirty="0">
+            <a:endParaRPr lang="en-US" sz="5400" dirty="0">
               <a:latin typeface="Comic Sans MS" pitchFamily="66" charset="0"/>
             </a:endParaRPr>
           </a:p>
@@ -14621,7 +15164,7 @@
             <a:fld id="{3251DA95-B240-47FE-901D-B78FC8E8E532}" type="slidenum">
               <a:rPr lang="en-US" smtClean="0"/>
               <a:pPr/>
-              <a:t>32</a:t>
+              <a:t>33</a:t>
             </a:fld>
             <a:endParaRPr lang="en-US" dirty="0"/>
           </a:p>
@@ -14638,7 +15181,7 @@
     <a:masterClrMapping/>
   </p:clrMapOvr>
   <p:transition xmlns:p14="http://schemas.microsoft.com/office/powerpoint/2010/main" spd="slow" advClick="0">
-    <p:fade/>
+    <p:fade thruBlk="1"/>
   </p:transition>
   <p:timing>
     <p:tnLst>
@@ -14946,28 +15489,16 @@
               <a:rPr lang="en-US" sz="5400" dirty="0" smtClean="0">
                 <a:latin typeface="Comic Sans MS" pitchFamily="66" charset="0"/>
               </a:rPr>
-              <a:t>A </a:t>
-            </a:r>
+              <a:t>A system for proving</a:t>
+            </a:r>
+          </a:p>
+          <a:p>
+            <a:pPr algn="l"/>
             <a:r>
               <a:rPr lang="en-US" sz="5400" dirty="0" smtClean="0">
                 <a:latin typeface="Comic Sans MS" pitchFamily="66" charset="0"/>
               </a:rPr>
-              <a:t>system for proving</a:t>
-            </a:r>
-          </a:p>
-          <a:p>
-            <a:pPr algn="l"/>
-            <a:r>
-              <a:rPr lang="en-US" sz="5400" dirty="0" smtClean="0">
-                <a:latin typeface="Comic Sans MS" pitchFamily="66" charset="0"/>
-              </a:rPr>
-              <a:t>formulas </a:t>
-            </a:r>
-            <a:r>
-              <a:rPr lang="en-US" sz="5400" dirty="0" smtClean="0">
-                <a:latin typeface="Comic Sans MS" pitchFamily="66" charset="0"/>
-              </a:rPr>
-              <a:t>is </a:t>
+              <a:t>formulas is </a:t>
             </a:r>
             <a:r>
               <a:rPr lang="en-US" sz="5400" dirty="0" smtClean="0">
@@ -15120,28 +15651,16 @@
               <a:rPr lang="en-US" sz="5400" dirty="0" smtClean="0">
                 <a:latin typeface="Comic Sans MS" pitchFamily="66" charset="0"/>
               </a:rPr>
-              <a:t>A </a:t>
-            </a:r>
+              <a:t>A system for proving</a:t>
+            </a:r>
+          </a:p>
+          <a:p>
+            <a:pPr algn="l"/>
             <a:r>
               <a:rPr lang="en-US" sz="5400" dirty="0" smtClean="0">
                 <a:latin typeface="Comic Sans MS" pitchFamily="66" charset="0"/>
               </a:rPr>
-              <a:t>system for proving</a:t>
-            </a:r>
-          </a:p>
-          <a:p>
-            <a:pPr algn="l"/>
-            <a:r>
-              <a:rPr lang="en-US" sz="5400" dirty="0" smtClean="0">
-                <a:latin typeface="Comic Sans MS" pitchFamily="66" charset="0"/>
-              </a:rPr>
-              <a:t>formulas </a:t>
-            </a:r>
-            <a:r>
-              <a:rPr lang="en-US" sz="5400" dirty="0" smtClean="0">
-                <a:latin typeface="Comic Sans MS" pitchFamily="66" charset="0"/>
-              </a:rPr>
-              <a:t>is </a:t>
+              <a:t>formulas is </a:t>
             </a:r>
             <a:r>
               <a:rPr lang="en-US" sz="5400" dirty="0" smtClean="0">
@@ -15204,13 +15723,13 @@
   <p:clrMapOvr>
     <a:masterClrMapping/>
   </p:clrMapOvr>
-  <mc:AlternateContent xmlns:mc="http://schemas.openxmlformats.org/markup-compatibility/2006">
-    <mc:Choice xmlns:p14="http://schemas.microsoft.com/office/powerpoint/2010/main" Requires="p14">
+  <mc:AlternateContent xmlns:mc="http://schemas.openxmlformats.org/markup-compatibility/2006" xmlns:p14="http://schemas.microsoft.com/office/powerpoint/2010/main">
+    <mc:Choice Requires="p14">
       <p:transition p14:dur="400" advClick="0">
         <p:fade/>
       </p:transition>
     </mc:Choice>
-    <mc:Fallback>
+    <mc:Fallback xmlns="">
       <p:transition xmlns:p14="http://schemas.microsoft.com/office/powerpoint/2010/main" advClick="0">
         <p:fade/>
       </p:transition>
@@ -15535,7 +16054,7 @@
           <a:graphicData uri="http://schemas.openxmlformats.org/presentationml/2006/ole">
             <mc:AlternateContent xmlns:mc="http://schemas.openxmlformats.org/markup-compatibility/2006">
               <mc:Choice xmlns:v="urn:schemas-microsoft-com:vml" Requires="v">
-                <p:oleObj spid="_x0000_s1176" name="Equation" r:id="rId3" imgW="762000" imgH="457200" progId="Equation.DSMT4">
+                <p:oleObj spid="_x0000_s1183" name="Equation" r:id="rId3" imgW="762000" imgH="457200" progId="Equation.DSMT4">
                   <p:embed/>
                 </p:oleObj>
               </mc:Choice>
@@ -15666,7 +16185,7 @@
           <a:graphicData uri="http://schemas.openxmlformats.org/presentationml/2006/ole">
             <mc:AlternateContent xmlns:mc="http://schemas.openxmlformats.org/markup-compatibility/2006">
               <mc:Choice xmlns:v="urn:schemas-microsoft-com:vml" Requires="v">
-                <p:oleObj spid="_x0000_s1177" name="Equation" r:id="rId5" imgW="1181100" imgH="495300" progId="Equation.DSMT4">
+                <p:oleObj spid="_x0000_s1184" name="Equation" r:id="rId5" imgW="1181100" imgH="495300" progId="Equation.DSMT4">
                   <p:embed/>
                 </p:oleObj>
               </mc:Choice>
@@ -15723,7 +16242,7 @@
           <a:graphicData uri="http://schemas.openxmlformats.org/presentationml/2006/ole">
             <mc:AlternateContent xmlns:mc="http://schemas.openxmlformats.org/markup-compatibility/2006">
               <mc:Choice xmlns:v="urn:schemas-microsoft-com:vml" Requires="v">
-                <p:oleObj spid="_x0000_s1178" name="Equation" r:id="rId7" imgW="444500" imgH="431800" progId="Equation.DSMT4">
+                <p:oleObj spid="_x0000_s1185" name="Equation" r:id="rId7" imgW="444500" imgH="431800" progId="Equation.DSMT4">
                   <p:embed/>
                 </p:oleObj>
               </mc:Choice>
@@ -16516,13 +17035,13 @@
   <p:clrMapOvr>
     <a:masterClrMapping/>
   </p:clrMapOvr>
-  <mc:AlternateContent xmlns:mc="http://schemas.openxmlformats.org/markup-compatibility/2006">
-    <mc:Choice xmlns:p14="http://schemas.microsoft.com/office/powerpoint/2010/main" Requires="p14">
+  <mc:AlternateContent xmlns:mc="http://schemas.openxmlformats.org/markup-compatibility/2006" xmlns:p14="http://schemas.microsoft.com/office/powerpoint/2010/main">
+    <mc:Choice Requires="p14">
       <p:transition spd="med" p14:dur="700" advClick="0">
         <p:fade/>
       </p:transition>
     </mc:Choice>
-    <mc:Fallback>
+    <mc:Fallback xmlns="">
       <p:transition xmlns:p14="http://schemas.microsoft.com/office/powerpoint/2010/main" spd="med" advClick="0">
         <p:fade/>
       </p:transition>

--- a/spring17/slidesS17/sound-valid.pptx
+++ b/spring17/slidesS17/sound-valid.pptx
@@ -11425,7 +11425,21 @@
           <a:p>
             <a:r>
               <a:rPr lang="en-US" sz="4800" dirty="0" smtClean="0"/>
-              <a:t>when every valid formula is </a:t>
+              <a:t>when </a:t>
+            </a:r>
+            <a:r>
+              <a:rPr lang="en-US" sz="4800" dirty="0" smtClean="0">
+                <a:solidFill>
+                  <a:schemeClr val="accent1">
+                    <a:lumMod val="50000"/>
+                  </a:schemeClr>
+                </a:solidFill>
+              </a:rPr>
+              <a:t>every</a:t>
+            </a:r>
+            <a:r>
+              <a:rPr lang="en-US" sz="4800" dirty="0" smtClean="0"/>
+              <a:t> valid formula is </a:t>
             </a:r>
           </a:p>
           <a:p>
@@ -11763,7 +11777,19 @@
           <a:p>
             <a:r>
               <a:rPr lang="en-US" sz="4800" dirty="0" smtClean="0"/>
-              <a:t>when every valid formula is </a:t>
+              <a:t>when </a:t>
+            </a:r>
+            <a:r>
+              <a:rPr lang="en-US" sz="4800" dirty="0" smtClean="0">
+                <a:solidFill>
+                  <a:srgbClr val="0000E5"/>
+                </a:solidFill>
+              </a:rPr>
+              <a:t>every</a:t>
+            </a:r>
+            <a:r>
+              <a:rPr lang="en-US" sz="4800" dirty="0" smtClean="0"/>
+              <a:t> valid formula is </a:t>
             </a:r>
           </a:p>
           <a:p>
@@ -12089,13 +12115,13 @@
   <p:clrMapOvr>
     <a:masterClrMapping/>
   </p:clrMapOvr>
-  <mc:AlternateContent xmlns:mc="http://schemas.openxmlformats.org/markup-compatibility/2006">
-    <mc:Choice xmlns:p14="http://schemas.microsoft.com/office/powerpoint/2010/main" Requires="p14">
+  <mc:AlternateContent xmlns:mc="http://schemas.openxmlformats.org/markup-compatibility/2006" xmlns:p14="http://schemas.microsoft.com/office/powerpoint/2010/main">
+    <mc:Choice Requires="p14">
       <p:transition spd="slow" p14:dur="1100" advClick="0">
         <p:fade/>
       </p:transition>
     </mc:Choice>
-    <mc:Fallback>
+    <mc:Fallback xmlns="">
       <p:transition xmlns:p14="http://schemas.microsoft.com/office/powerpoint/2010/main" spd="slow" advClick="0">
         <p:fade/>
       </p:transition>
@@ -16054,7 +16080,7 @@
           <a:graphicData uri="http://schemas.openxmlformats.org/presentationml/2006/ole">
             <mc:AlternateContent xmlns:mc="http://schemas.openxmlformats.org/markup-compatibility/2006">
               <mc:Choice xmlns:v="urn:schemas-microsoft-com:vml" Requires="v">
-                <p:oleObj spid="_x0000_s1183" name="Equation" r:id="rId3" imgW="762000" imgH="457200" progId="Equation.DSMT4">
+                <p:oleObj spid="_x0000_s1187" name="Equation" r:id="rId3" imgW="762000" imgH="457200" progId="Equation.DSMT4">
                   <p:embed/>
                 </p:oleObj>
               </mc:Choice>
@@ -16185,7 +16211,7 @@
           <a:graphicData uri="http://schemas.openxmlformats.org/presentationml/2006/ole">
             <mc:AlternateContent xmlns:mc="http://schemas.openxmlformats.org/markup-compatibility/2006">
               <mc:Choice xmlns:v="urn:schemas-microsoft-com:vml" Requires="v">
-                <p:oleObj spid="_x0000_s1184" name="Equation" r:id="rId5" imgW="1181100" imgH="495300" progId="Equation.DSMT4">
+                <p:oleObj spid="_x0000_s1188" name="Equation" r:id="rId5" imgW="1181100" imgH="495300" progId="Equation.DSMT4">
                   <p:embed/>
                 </p:oleObj>
               </mc:Choice>
@@ -16242,7 +16268,7 @@
           <a:graphicData uri="http://schemas.openxmlformats.org/presentationml/2006/ole">
             <mc:AlternateContent xmlns:mc="http://schemas.openxmlformats.org/markup-compatibility/2006">
               <mc:Choice xmlns:v="urn:schemas-microsoft-com:vml" Requires="v">
-                <p:oleObj spid="_x0000_s1185" name="Equation" r:id="rId7" imgW="444500" imgH="431800" progId="Equation.DSMT4">
+                <p:oleObj spid="_x0000_s1189" name="Equation" r:id="rId7" imgW="444500" imgH="431800" progId="Equation.DSMT4">
                   <p:embed/>
                 </p:oleObj>
               </mc:Choice>
